--- a/ppt/06_流程控制.pptx
+++ b/ppt/06_流程控制.pptx
@@ -220,7 +220,7 @@
           <a:p>
             <a:fld id="{75B7B77E-BBE2-46C9-9A39-77F82475482F}" type="datetimeFigureOut">
               <a:rPr lang="zh-TW" altLang="en-US" smtClean="0"/>
-              <a:t>2024/8/28</a:t>
+              <a:t>2024/9/8</a:t>
             </a:fld>
             <a:endParaRPr lang="zh-TW" altLang="en-US"/>
           </a:p>
@@ -32248,7 +32248,7 @@
             <a:r>
               <a:rPr lang="zh-TW" altLang="en-US">
                 <a:solidFill>
-                  <a:srgbClr val="00B0F0"/>
+                  <a:srgbClr val="FFFF00"/>
                 </a:solidFill>
               </a:rPr>
               <a:t>當條件為真時才會執行 </a:t>
@@ -32272,14 +32272,14 @@
             <a:r>
               <a:rPr lang="zh-TW" altLang="en-US">
                 <a:solidFill>
-                  <a:srgbClr val="00B0F0"/>
+                  <a:srgbClr val="FFFF00"/>
                 </a:solidFill>
               </a:rPr>
               <a:t>後方區塊的程式碼</a:t>
             </a:r>
             <a:endParaRPr lang="en-US" altLang="zh-TW">
               <a:solidFill>
-                <a:srgbClr val="00B0F0"/>
+                <a:srgbClr val="FFFF00"/>
               </a:solidFill>
             </a:endParaRPr>
           </a:p>
@@ -32287,7 +32287,7 @@
             <a:r>
               <a:rPr lang="zh-TW" altLang="en-US">
                 <a:solidFill>
-                  <a:srgbClr val="00B0F0"/>
+                  <a:srgbClr val="FFFF00"/>
                 </a:solidFill>
               </a:rPr>
               <a:t>否則就會執行 </a:t>
@@ -32311,14 +32311,14 @@
             <a:r>
               <a:rPr lang="zh-TW" altLang="en-US">
                 <a:solidFill>
-                  <a:srgbClr val="00B0F0"/>
+                  <a:srgbClr val="FFFF00"/>
                 </a:solidFill>
               </a:rPr>
               <a:t>後方區塊裡的程式碼</a:t>
             </a:r>
             <a:endParaRPr lang="en-US" altLang="zh-TW">
               <a:solidFill>
-                <a:srgbClr val="00B0F0"/>
+                <a:srgbClr val="FFFF00"/>
               </a:solidFill>
             </a:endParaRPr>
           </a:p>
@@ -32342,14 +32342,14 @@
             <a:r>
               <a:rPr lang="zh-TW" altLang="en-US">
                 <a:solidFill>
-                  <a:srgbClr val="00B0F0"/>
+                  <a:srgbClr val="FFFF00"/>
                 </a:solidFill>
               </a:rPr>
               <a:t>部分可以省略，省略時如果條件不為真就不會做任何事</a:t>
             </a:r>
             <a:endParaRPr lang="en-US" altLang="zh-TW">
               <a:solidFill>
-                <a:srgbClr val="00B0F0"/>
+                <a:srgbClr val="FFFF00"/>
               </a:solidFill>
             </a:endParaRPr>
           </a:p>

--- a/ppt/06_流程控制.pptx
+++ b/ppt/06_流程控制.pptx
@@ -5,7 +5,7 @@
     <p:sldMasterId id="2147483673" r:id="rId1"/>
   </p:sldMasterIdLst>
   <p:notesMasterIdLst>
-    <p:notesMasterId r:id="rId26"/>
+    <p:notesMasterId r:id="rId27"/>
   </p:notesMasterIdLst>
   <p:sldIdLst>
     <p:sldId id="256" r:id="rId2"/>
@@ -17,21 +17,22 @@
     <p:sldId id="263" r:id="rId8"/>
     <p:sldId id="262" r:id="rId9"/>
     <p:sldId id="264" r:id="rId10"/>
-    <p:sldId id="266" r:id="rId11"/>
-    <p:sldId id="265" r:id="rId12"/>
-    <p:sldId id="267" r:id="rId13"/>
-    <p:sldId id="278" r:id="rId14"/>
-    <p:sldId id="268" r:id="rId15"/>
-    <p:sldId id="270" r:id="rId16"/>
-    <p:sldId id="271" r:id="rId17"/>
-    <p:sldId id="269" r:id="rId18"/>
-    <p:sldId id="272" r:id="rId19"/>
-    <p:sldId id="277" r:id="rId20"/>
-    <p:sldId id="273" r:id="rId21"/>
-    <p:sldId id="274" r:id="rId22"/>
-    <p:sldId id="275" r:id="rId23"/>
-    <p:sldId id="276" r:id="rId24"/>
-    <p:sldId id="279" r:id="rId25"/>
+    <p:sldId id="311" r:id="rId11"/>
+    <p:sldId id="266" r:id="rId12"/>
+    <p:sldId id="265" r:id="rId13"/>
+    <p:sldId id="267" r:id="rId14"/>
+    <p:sldId id="278" r:id="rId15"/>
+    <p:sldId id="268" r:id="rId16"/>
+    <p:sldId id="270" r:id="rId17"/>
+    <p:sldId id="271" r:id="rId18"/>
+    <p:sldId id="269" r:id="rId19"/>
+    <p:sldId id="272" r:id="rId20"/>
+    <p:sldId id="277" r:id="rId21"/>
+    <p:sldId id="273" r:id="rId22"/>
+    <p:sldId id="274" r:id="rId23"/>
+    <p:sldId id="275" r:id="rId24"/>
+    <p:sldId id="276" r:id="rId25"/>
+    <p:sldId id="279" r:id="rId26"/>
   </p:sldIdLst>
   <p:sldSz cx="12192000" cy="6858000"/>
   <p:notesSz cx="6858000" cy="9144000"/>
@@ -220,7 +221,7 @@
           <a:p>
             <a:fld id="{75B7B77E-BBE2-46C9-9A39-77F82475482F}" type="datetimeFigureOut">
               <a:rPr lang="zh-TW" altLang="en-US" smtClean="0"/>
-              <a:t>2024/9/8</a:t>
+              <a:t>2024/9/20</a:t>
             </a:fld>
             <a:endParaRPr lang="zh-TW" altLang="en-US"/>
           </a:p>
@@ -552,7 +553,7 @@
           <a:p>
             <a:fld id="{988EFFEF-EA9C-4C1F-9807-7CDA1443C457}" type="slidenum">
               <a:rPr lang="zh-TW" altLang="en-US" smtClean="0"/>
-              <a:t>24</a:t>
+              <a:t>25</a:t>
             </a:fld>
             <a:endParaRPr lang="zh-TW" altLang="en-US"/>
           </a:p>
@@ -2353,6 +2354,1305 @@
           <p:cNvPr id="2" name="標題 1">
             <a:extLst>
               <a:ext uri="{FF2B5EF4-FFF2-40B4-BE49-F238E27FC236}">
+                <a16:creationId xmlns:a16="http://schemas.microsoft.com/office/drawing/2014/main" id="{984FB812-7A87-4C2D-A74E-F1AFFFBB10DA}"/>
+              </a:ext>
+            </a:extLst>
+          </p:cNvPr>
+          <p:cNvSpPr>
+            <a:spLocks noGrp="1"/>
+          </p:cNvSpPr>
+          <p:nvPr>
+            <p:ph type="title"/>
+          </p:nvPr>
+        </p:nvSpPr>
+        <p:spPr/>
+        <p:txBody>
+          <a:bodyPr/>
+          <a:lstStyle/>
+          <a:p>
+            <a:r>
+              <a:rPr lang="zh-TW" altLang="en-US"/>
+              <a:t>三元運算</a:t>
+            </a:r>
+          </a:p>
+        </p:txBody>
+      </p:sp>
+      <p:sp>
+        <p:nvSpPr>
+          <p:cNvPr id="3" name="內容版面配置區 2">
+            <a:extLst>
+              <a:ext uri="{FF2B5EF4-FFF2-40B4-BE49-F238E27FC236}">
+                <a16:creationId xmlns:a16="http://schemas.microsoft.com/office/drawing/2014/main" id="{0A12CE84-E704-4BA2-A161-A6A63AEDFA7B}"/>
+              </a:ext>
+            </a:extLst>
+          </p:cNvPr>
+          <p:cNvSpPr>
+            <a:spLocks noGrp="1"/>
+          </p:cNvSpPr>
+          <p:nvPr>
+            <p:ph idx="1"/>
+          </p:nvPr>
+        </p:nvSpPr>
+        <p:spPr>
+          <a:xfrm>
+            <a:off x="762000" y="1690688"/>
+            <a:ext cx="10668000" cy="491137"/>
+          </a:xfrm>
+        </p:spPr>
+        <p:txBody>
+          <a:bodyPr/>
+          <a:lstStyle/>
+          <a:p>
+            <a:r>
+              <a:rPr lang="zh-TW" altLang="en-US"/>
+              <a:t>在 </a:t>
+            </a:r>
+            <a:r>
+              <a:rPr lang="en-US" altLang="zh-TW"/>
+              <a:t>Java</a:t>
+            </a:r>
+            <a:r>
+              <a:rPr lang="zh-TW" altLang="en-US"/>
+              <a:t> 中，只有一種</a:t>
+            </a:r>
+            <a:r>
+              <a:rPr lang="zh-TW" altLang="en-US">
+                <a:solidFill>
+                  <a:srgbClr val="00B0F0"/>
+                </a:solidFill>
+              </a:rPr>
+              <a:t>三元運算</a:t>
+            </a:r>
+            <a:r>
+              <a:rPr lang="zh-TW" altLang="en-US"/>
+              <a:t>，格式如下：</a:t>
+            </a:r>
+          </a:p>
+        </p:txBody>
+      </p:sp>
+      <p:sp>
+        <p:nvSpPr>
+          <p:cNvPr id="6" name="內容版面配置區 2">
+            <a:extLst>
+              <a:ext uri="{FF2B5EF4-FFF2-40B4-BE49-F238E27FC236}">
+                <a16:creationId xmlns:a16="http://schemas.microsoft.com/office/drawing/2014/main" id="{1D873183-54B3-4B5A-826E-1294882AAFF1}"/>
+              </a:ext>
+            </a:extLst>
+          </p:cNvPr>
+          <p:cNvSpPr txBox="1">
+            <a:spLocks/>
+          </p:cNvSpPr>
+          <p:nvPr/>
+        </p:nvSpPr>
+        <p:spPr>
+          <a:xfrm>
+            <a:off x="762000" y="2942018"/>
+            <a:ext cx="10668000" cy="491137"/>
+          </a:xfrm>
+          <a:prstGeom prst="rect">
+            <a:avLst/>
+          </a:prstGeom>
+        </p:spPr>
+        <p:txBody>
+          <a:bodyPr vert="horz" lIns="91440" tIns="45720" rIns="91440" bIns="45720" rtlCol="0">
+            <a:normAutofit/>
+          </a:bodyPr>
+          <a:lstStyle>
+            <a:lvl1pPr marL="0" indent="0" algn="l" defTabSz="914400" rtl="0" eaLnBrk="1" latinLnBrk="0" hangingPunct="1">
+              <a:lnSpc>
+                <a:spcPct val="90000"/>
+              </a:lnSpc>
+              <a:spcBef>
+                <a:spcPts val="1000"/>
+              </a:spcBef>
+              <a:buFont typeface="Arial" panose="020B0604020202020204" pitchFamily="34" charset="0"/>
+              <a:buNone/>
+              <a:defRPr sz="2800" kern="1200">
+                <a:solidFill>
+                  <a:schemeClr val="tx1"/>
+                </a:solidFill>
+                <a:latin typeface="+mn-lt"/>
+                <a:ea typeface="+mn-ea"/>
+                <a:cs typeface="+mn-cs"/>
+              </a:defRPr>
+            </a:lvl1pPr>
+            <a:lvl2pPr marL="457200" indent="0" algn="l" defTabSz="914400" rtl="0" eaLnBrk="1" latinLnBrk="0" hangingPunct="1">
+              <a:lnSpc>
+                <a:spcPct val="90000"/>
+              </a:lnSpc>
+              <a:spcBef>
+                <a:spcPts val="500"/>
+              </a:spcBef>
+              <a:buFont typeface="Arial" panose="020B0604020202020204" pitchFamily="34" charset="0"/>
+              <a:buNone/>
+              <a:defRPr sz="2400" kern="1200">
+                <a:solidFill>
+                  <a:schemeClr val="tx1"/>
+                </a:solidFill>
+                <a:latin typeface="+mn-lt"/>
+                <a:ea typeface="+mn-ea"/>
+                <a:cs typeface="+mn-cs"/>
+              </a:defRPr>
+            </a:lvl2pPr>
+            <a:lvl3pPr marL="914400" indent="0" algn="l" defTabSz="914400" rtl="0" eaLnBrk="1" latinLnBrk="0" hangingPunct="1">
+              <a:lnSpc>
+                <a:spcPct val="90000"/>
+              </a:lnSpc>
+              <a:spcBef>
+                <a:spcPts val="500"/>
+              </a:spcBef>
+              <a:buFont typeface="Arial" panose="020B0604020202020204" pitchFamily="34" charset="0"/>
+              <a:buNone/>
+              <a:defRPr sz="2000" kern="1200">
+                <a:solidFill>
+                  <a:schemeClr val="tx1"/>
+                </a:solidFill>
+                <a:latin typeface="+mn-lt"/>
+                <a:ea typeface="+mn-ea"/>
+                <a:cs typeface="+mn-cs"/>
+              </a:defRPr>
+            </a:lvl3pPr>
+            <a:lvl4pPr marL="1371600" indent="0" algn="l" defTabSz="914400" rtl="0" eaLnBrk="1" latinLnBrk="0" hangingPunct="1">
+              <a:lnSpc>
+                <a:spcPct val="90000"/>
+              </a:lnSpc>
+              <a:spcBef>
+                <a:spcPts val="500"/>
+              </a:spcBef>
+              <a:buFont typeface="Arial" panose="020B0604020202020204" pitchFamily="34" charset="0"/>
+              <a:buNone/>
+              <a:defRPr sz="1800" kern="1200">
+                <a:solidFill>
+                  <a:schemeClr val="tx1"/>
+                </a:solidFill>
+                <a:latin typeface="+mn-lt"/>
+                <a:ea typeface="+mn-ea"/>
+                <a:cs typeface="+mn-cs"/>
+              </a:defRPr>
+            </a:lvl4pPr>
+            <a:lvl5pPr marL="1828800" indent="0" algn="l" defTabSz="914400" rtl="0" eaLnBrk="1" latinLnBrk="0" hangingPunct="1">
+              <a:lnSpc>
+                <a:spcPct val="90000"/>
+              </a:lnSpc>
+              <a:spcBef>
+                <a:spcPts val="500"/>
+              </a:spcBef>
+              <a:buFont typeface="Arial" panose="020B0604020202020204" pitchFamily="34" charset="0"/>
+              <a:buNone/>
+              <a:defRPr sz="1800" kern="1200">
+                <a:solidFill>
+                  <a:schemeClr val="tx1"/>
+                </a:solidFill>
+                <a:latin typeface="+mn-lt"/>
+                <a:ea typeface="+mn-ea"/>
+                <a:cs typeface="+mn-cs"/>
+              </a:defRPr>
+            </a:lvl5pPr>
+            <a:lvl6pPr marL="2514600" indent="-228600" algn="l" defTabSz="914400" rtl="0" eaLnBrk="1" latinLnBrk="0" hangingPunct="1">
+              <a:lnSpc>
+                <a:spcPct val="90000"/>
+              </a:lnSpc>
+              <a:spcBef>
+                <a:spcPts val="500"/>
+              </a:spcBef>
+              <a:buFont typeface="Arial" panose="020B0604020202020204" pitchFamily="34" charset="0"/>
+              <a:buChar char="•"/>
+              <a:defRPr sz="1800" kern="1200">
+                <a:solidFill>
+                  <a:schemeClr val="tx1"/>
+                </a:solidFill>
+                <a:latin typeface="+mn-lt"/>
+                <a:ea typeface="+mn-ea"/>
+                <a:cs typeface="+mn-cs"/>
+              </a:defRPr>
+            </a:lvl6pPr>
+            <a:lvl7pPr marL="2971800" indent="-228600" algn="l" defTabSz="914400" rtl="0" eaLnBrk="1" latinLnBrk="0" hangingPunct="1">
+              <a:lnSpc>
+                <a:spcPct val="90000"/>
+              </a:lnSpc>
+              <a:spcBef>
+                <a:spcPts val="500"/>
+              </a:spcBef>
+              <a:buFont typeface="Arial" panose="020B0604020202020204" pitchFamily="34" charset="0"/>
+              <a:buChar char="•"/>
+              <a:defRPr sz="1800" kern="1200">
+                <a:solidFill>
+                  <a:schemeClr val="tx1"/>
+                </a:solidFill>
+                <a:latin typeface="+mn-lt"/>
+                <a:ea typeface="+mn-ea"/>
+                <a:cs typeface="+mn-cs"/>
+              </a:defRPr>
+            </a:lvl7pPr>
+            <a:lvl8pPr marL="3429000" indent="-228600" algn="l" defTabSz="914400" rtl="0" eaLnBrk="1" latinLnBrk="0" hangingPunct="1">
+              <a:lnSpc>
+                <a:spcPct val="90000"/>
+              </a:lnSpc>
+              <a:spcBef>
+                <a:spcPts val="500"/>
+              </a:spcBef>
+              <a:buFont typeface="Arial" panose="020B0604020202020204" pitchFamily="34" charset="0"/>
+              <a:buChar char="•"/>
+              <a:defRPr sz="1800" kern="1200">
+                <a:solidFill>
+                  <a:schemeClr val="tx1"/>
+                </a:solidFill>
+                <a:latin typeface="+mn-lt"/>
+                <a:ea typeface="+mn-ea"/>
+                <a:cs typeface="+mn-cs"/>
+              </a:defRPr>
+            </a:lvl8pPr>
+            <a:lvl9pPr marL="3886200" indent="-228600" algn="l" defTabSz="914400" rtl="0" eaLnBrk="1" latinLnBrk="0" hangingPunct="1">
+              <a:lnSpc>
+                <a:spcPct val="90000"/>
+              </a:lnSpc>
+              <a:spcBef>
+                <a:spcPts val="500"/>
+              </a:spcBef>
+              <a:buFont typeface="Arial" panose="020B0604020202020204" pitchFamily="34" charset="0"/>
+              <a:buChar char="•"/>
+              <a:defRPr sz="1800" kern="1200">
+                <a:solidFill>
+                  <a:schemeClr val="tx1"/>
+                </a:solidFill>
+                <a:latin typeface="+mn-lt"/>
+                <a:ea typeface="+mn-ea"/>
+                <a:cs typeface="+mn-cs"/>
+              </a:defRPr>
+            </a:lvl9pPr>
+          </a:lstStyle>
+          <a:p>
+            <a:r>
+              <a:rPr lang="zh-TW" altLang="en-US"/>
+              <a:t>範例如下：</a:t>
+            </a:r>
+          </a:p>
+        </p:txBody>
+      </p:sp>
+      <p:grpSp>
+        <p:nvGrpSpPr>
+          <p:cNvPr id="10" name="群組 9">
+            <a:extLst>
+              <a:ext uri="{FF2B5EF4-FFF2-40B4-BE49-F238E27FC236}">
+                <a16:creationId xmlns:a16="http://schemas.microsoft.com/office/drawing/2014/main" id="{9BFF430B-E287-46C5-A0E8-55D339DBED08}"/>
+              </a:ext>
+            </a:extLst>
+          </p:cNvPr>
+          <p:cNvGrpSpPr/>
+          <p:nvPr/>
+        </p:nvGrpSpPr>
+        <p:grpSpPr>
+          <a:xfrm>
+            <a:off x="761999" y="5301343"/>
+            <a:ext cx="10667999" cy="830997"/>
+            <a:chOff x="7532015" y="3822156"/>
+            <a:chExt cx="10667999" cy="830997"/>
+          </a:xfrm>
+        </p:grpSpPr>
+        <p:sp>
+          <p:nvSpPr>
+            <p:cNvPr id="11" name="Rectangle 1">
+              <a:extLst>
+                <a:ext uri="{FF2B5EF4-FFF2-40B4-BE49-F238E27FC236}">
+                  <a16:creationId xmlns:a16="http://schemas.microsoft.com/office/drawing/2014/main" id="{A059D418-28C9-4F40-BAC5-42233703C053}"/>
+                </a:ext>
+              </a:extLst>
+            </p:cNvPr>
+            <p:cNvSpPr>
+              <a:spLocks noChangeArrowheads="1"/>
+            </p:cNvSpPr>
+            <p:nvPr/>
+          </p:nvSpPr>
+          <p:spPr bwMode="auto">
+            <a:xfrm>
+              <a:off x="7532015" y="3822156"/>
+              <a:ext cx="10667999" cy="830997"/>
+            </a:xfrm>
+            <a:prstGeom prst="rect">
+              <a:avLst/>
+            </a:prstGeom>
+            <a:solidFill>
+              <a:srgbClr val="1E1F22"/>
+            </a:solidFill>
+            <a:ln>
+              <a:noFill/>
+            </a:ln>
+            <a:effectLst/>
+            <a:extLst>
+              <a:ext uri="{91240B29-F687-4F45-9708-019B960494DF}">
+                <a14:hiddenLine xmlns:a14="http://schemas.microsoft.com/office/drawing/2010/main" w="9525">
+                  <a:solidFill>
+                    <a:schemeClr val="tx1"/>
+                  </a:solidFill>
+                  <a:miter lim="800000"/>
+                  <a:headEnd/>
+                  <a:tailEnd/>
+                </a14:hiddenLine>
+              </a:ext>
+              <a:ext uri="{AF507438-7753-43E0-B8FC-AC1667EBCBE1}">
+                <a14:hiddenEffects xmlns:a14="http://schemas.microsoft.com/office/drawing/2010/main">
+                  <a:effectLst>
+                    <a:outerShdw dist="35921" dir="2700000" algn="ctr" rotWithShape="0">
+                      <a:schemeClr val="bg2"/>
+                    </a:outerShdw>
+                  </a:effectLst>
+                </a14:hiddenEffects>
+              </a:ext>
+            </a:extLst>
+          </p:spPr>
+          <p:txBody>
+            <a:bodyPr vert="horz" wrap="square" lIns="91440" tIns="45720" rIns="91440" bIns="45720" numCol="1" anchor="ctr" anchorCtr="0" compatLnSpc="1">
+              <a:prstTxWarp prst="textNoShape">
+                <a:avLst/>
+              </a:prstTxWarp>
+              <a:spAutoFit/>
+            </a:bodyPr>
+            <a:lstStyle/>
+            <a:p>
+              <a:r>
+                <a:rPr lang="en-US" altLang="zh-TW" sz="2400">
+                  <a:solidFill>
+                    <a:srgbClr val="BCBEC4"/>
+                  </a:solidFill>
+                  <a:latin typeface="+mj-lt"/>
+                  <a:cs typeface="JetBrains Mono" panose="02000009000000000000" pitchFamily="49" charset="0"/>
+                </a:rPr>
+                <a:t>True</a:t>
+              </a:r>
+            </a:p>
+            <a:p>
+              <a:r>
+                <a:rPr lang="en-US" altLang="zh-TW" sz="2400">
+                  <a:solidFill>
+                    <a:srgbClr val="BCBEC4"/>
+                  </a:solidFill>
+                  <a:latin typeface="+mj-lt"/>
+                  <a:cs typeface="JetBrains Mono" panose="02000009000000000000" pitchFamily="49" charset="0"/>
+                </a:rPr>
+                <a:t>True</a:t>
+              </a:r>
+              <a:endParaRPr lang="zh-TW" altLang="en-US" sz="2400">
+                <a:solidFill>
+                  <a:srgbClr val="BCBEC4"/>
+                </a:solidFill>
+                <a:latin typeface="+mj-lt"/>
+                <a:cs typeface="JetBrains Mono" panose="02000009000000000000" pitchFamily="49" charset="0"/>
+              </a:endParaRPr>
+            </a:p>
+          </p:txBody>
+        </p:sp>
+        <p:sp>
+          <p:nvSpPr>
+            <p:cNvPr id="12" name="文字方塊 11">
+              <a:extLst>
+                <a:ext uri="{FF2B5EF4-FFF2-40B4-BE49-F238E27FC236}">
+                  <a16:creationId xmlns:a16="http://schemas.microsoft.com/office/drawing/2014/main" id="{00612323-2070-478C-B607-2EDD6ADF3810}"/>
+                </a:ext>
+              </a:extLst>
+            </p:cNvPr>
+            <p:cNvSpPr txBox="1"/>
+            <p:nvPr/>
+          </p:nvSpPr>
+          <p:spPr>
+            <a:xfrm>
+              <a:off x="17342087" y="4314599"/>
+              <a:ext cx="857927" cy="338554"/>
+            </a:xfrm>
+            <a:prstGeom prst="rect">
+              <a:avLst/>
+            </a:prstGeom>
+            <a:noFill/>
+          </p:spPr>
+          <p:txBody>
+            <a:bodyPr wrap="none" rtlCol="0">
+              <a:spAutoFit/>
+            </a:bodyPr>
+            <a:lstStyle/>
+            <a:p>
+              <a:r>
+                <a:rPr lang="en-US" altLang="zh-TW" sz="1600">
+                  <a:solidFill>
+                    <a:schemeClr val="accent3"/>
+                  </a:solidFill>
+                </a:rPr>
+                <a:t>output</a:t>
+              </a:r>
+              <a:endParaRPr lang="zh-TW" altLang="en-US" sz="1600">
+                <a:solidFill>
+                  <a:schemeClr val="accent3"/>
+                </a:solidFill>
+              </a:endParaRPr>
+            </a:p>
+          </p:txBody>
+        </p:sp>
+      </p:grpSp>
+      <p:grpSp>
+        <p:nvGrpSpPr>
+          <p:cNvPr id="16" name="群組 15">
+            <a:extLst>
+              <a:ext uri="{FF2B5EF4-FFF2-40B4-BE49-F238E27FC236}">
+                <a16:creationId xmlns:a16="http://schemas.microsoft.com/office/drawing/2014/main" id="{98B672DF-8EFB-4DB4-8503-FD96DFCF79A4}"/>
+              </a:ext>
+            </a:extLst>
+          </p:cNvPr>
+          <p:cNvGrpSpPr/>
+          <p:nvPr/>
+        </p:nvGrpSpPr>
+        <p:grpSpPr>
+          <a:xfrm>
+            <a:off x="762000" y="3582419"/>
+            <a:ext cx="10668000" cy="1569660"/>
+            <a:chOff x="762000" y="3516075"/>
+            <a:chExt cx="10668000" cy="1569660"/>
+          </a:xfrm>
+        </p:grpSpPr>
+        <p:sp>
+          <p:nvSpPr>
+            <p:cNvPr id="8" name="Rectangle 3">
+              <a:extLst>
+                <a:ext uri="{FF2B5EF4-FFF2-40B4-BE49-F238E27FC236}">
+                  <a16:creationId xmlns:a16="http://schemas.microsoft.com/office/drawing/2014/main" id="{D26F778D-45FA-420A-8F59-765C59F85820}"/>
+                </a:ext>
+              </a:extLst>
+            </p:cNvPr>
+            <p:cNvSpPr>
+              <a:spLocks noChangeArrowheads="1"/>
+            </p:cNvSpPr>
+            <p:nvPr/>
+          </p:nvSpPr>
+          <p:spPr bwMode="auto">
+            <a:xfrm>
+              <a:off x="762000" y="3516075"/>
+              <a:ext cx="10668000" cy="1569660"/>
+            </a:xfrm>
+            <a:prstGeom prst="rect">
+              <a:avLst/>
+            </a:prstGeom>
+            <a:solidFill>
+              <a:srgbClr val="1E1F22"/>
+            </a:solidFill>
+            <a:ln>
+              <a:noFill/>
+            </a:ln>
+            <a:effectLst/>
+            <a:extLst>
+              <a:ext uri="{91240B29-F687-4F45-9708-019B960494DF}">
+                <a14:hiddenLine xmlns:a14="http://schemas.microsoft.com/office/drawing/2010/main" w="9525">
+                  <a:solidFill>
+                    <a:schemeClr val="tx1"/>
+                  </a:solidFill>
+                  <a:miter lim="800000"/>
+                  <a:headEnd/>
+                  <a:tailEnd/>
+                </a14:hiddenLine>
+              </a:ext>
+              <a:ext uri="{AF507438-7753-43E0-B8FC-AC1667EBCBE1}">
+                <a14:hiddenEffects xmlns:a14="http://schemas.microsoft.com/office/drawing/2010/main">
+                  <a:effectLst>
+                    <a:outerShdw dist="35921" dir="2700000" algn="ctr" rotWithShape="0">
+                      <a:schemeClr val="bg2"/>
+                    </a:outerShdw>
+                  </a:effectLst>
+                </a14:hiddenEffects>
+              </a:ext>
+            </a:extLst>
+          </p:spPr>
+          <p:txBody>
+            <a:bodyPr vert="horz" wrap="square" lIns="91440" tIns="45720" rIns="91440" bIns="45720" numCol="1" anchor="ctr" anchorCtr="0" compatLnSpc="1">
+              <a:prstTxWarp prst="textNoShape">
+                <a:avLst/>
+              </a:prstTxWarp>
+              <a:spAutoFit/>
+            </a:bodyPr>
+            <a:lstStyle/>
+            <a:p>
+              <a:pPr marL="0" marR="0" lvl="0" indent="0" algn="l" defTabSz="914400" rtl="0" eaLnBrk="0" fontAlgn="base" latinLnBrk="0" hangingPunct="0">
+                <a:lnSpc>
+                  <a:spcPct val="100000"/>
+                </a:lnSpc>
+                <a:spcBef>
+                  <a:spcPct val="0"/>
+                </a:spcBef>
+                <a:spcAft>
+                  <a:spcPct val="0"/>
+                </a:spcAft>
+                <a:buClrTx/>
+                <a:buSzTx/>
+                <a:buFontTx/>
+                <a:buNone/>
+                <a:tabLst/>
+              </a:pPr>
+              <a:r>
+                <a:rPr kumimoji="0" lang="zh-TW" altLang="zh-TW" sz="2400" b="0" i="0" u="none" strike="noStrike" cap="none" normalizeH="0" baseline="0">
+                  <a:ln>
+                    <a:noFill/>
+                  </a:ln>
+                  <a:solidFill>
+                    <a:srgbClr val="CF8E6D"/>
+                  </a:solidFill>
+                  <a:effectLst/>
+                  <a:latin typeface="+mj-lt"/>
+                  <a:cs typeface="JetBrains Mono" panose="02000009000000000000" pitchFamily="49" charset="0"/>
+                </a:rPr>
+                <a:t>final int </a:t>
+              </a:r>
+              <a:r>
+                <a:rPr kumimoji="0" lang="zh-TW" altLang="zh-TW" sz="2400" b="0" i="0" u="none" strike="noStrike" cap="none" normalizeH="0" baseline="0">
+                  <a:ln>
+                    <a:noFill/>
+                  </a:ln>
+                  <a:solidFill>
+                    <a:srgbClr val="BCBEC4"/>
+                  </a:solidFill>
+                  <a:effectLst/>
+                  <a:latin typeface="+mj-lt"/>
+                  <a:cs typeface="JetBrains Mono" panose="02000009000000000000" pitchFamily="49" charset="0"/>
+                </a:rPr>
+                <a:t>INT_MAX = </a:t>
+              </a:r>
+              <a:r>
+                <a:rPr kumimoji="0" lang="zh-TW" altLang="zh-TW" sz="2400" b="0" i="0" u="none" strike="noStrike" cap="none" normalizeH="0" baseline="0">
+                  <a:ln>
+                    <a:noFill/>
+                  </a:ln>
+                  <a:solidFill>
+                    <a:srgbClr val="2AACB8"/>
+                  </a:solidFill>
+                  <a:effectLst/>
+                  <a:latin typeface="+mj-lt"/>
+                  <a:cs typeface="JetBrains Mono" panose="02000009000000000000" pitchFamily="49" charset="0"/>
+                </a:rPr>
+                <a:t>2147483647</a:t>
+              </a:r>
+              <a:r>
+                <a:rPr kumimoji="0" lang="zh-TW" altLang="zh-TW" sz="2400" b="0" i="0" u="none" strike="noStrike" cap="none" normalizeH="0" baseline="0">
+                  <a:ln>
+                    <a:noFill/>
+                  </a:ln>
+                  <a:solidFill>
+                    <a:srgbClr val="BCBEC4"/>
+                  </a:solidFill>
+                  <a:effectLst/>
+                  <a:latin typeface="+mj-lt"/>
+                  <a:cs typeface="JetBrains Mono" panose="02000009000000000000" pitchFamily="49" charset="0"/>
+                </a:rPr>
+                <a:t>;</a:t>
+              </a:r>
+              <a:br>
+                <a:rPr kumimoji="0" lang="zh-TW" altLang="zh-TW" sz="2400" b="0" i="0" u="none" strike="noStrike" cap="none" normalizeH="0" baseline="0">
+                  <a:ln>
+                    <a:noFill/>
+                  </a:ln>
+                  <a:solidFill>
+                    <a:srgbClr val="BCBEC4"/>
+                  </a:solidFill>
+                  <a:effectLst/>
+                  <a:latin typeface="+mj-lt"/>
+                  <a:cs typeface="JetBrains Mono" panose="02000009000000000000" pitchFamily="49" charset="0"/>
+                </a:rPr>
+              </a:br>
+              <a:r>
+                <a:rPr kumimoji="0" lang="zh-TW" altLang="zh-TW" sz="2400" b="0" i="0" u="none" strike="noStrike" cap="none" normalizeH="0" baseline="0">
+                  <a:ln>
+                    <a:noFill/>
+                  </a:ln>
+                  <a:solidFill>
+                    <a:srgbClr val="CF8E6D"/>
+                  </a:solidFill>
+                  <a:effectLst/>
+                  <a:latin typeface="+mj-lt"/>
+                  <a:cs typeface="JetBrains Mono" panose="02000009000000000000" pitchFamily="49" charset="0"/>
+                </a:rPr>
+                <a:t>final int </a:t>
+              </a:r>
+              <a:r>
+                <a:rPr kumimoji="0" lang="zh-TW" altLang="zh-TW" sz="2400" b="0" i="0" u="none" strike="noStrike" cap="none" normalizeH="0" baseline="0">
+                  <a:ln>
+                    <a:noFill/>
+                  </a:ln>
+                  <a:solidFill>
+                    <a:srgbClr val="BCBEC4"/>
+                  </a:solidFill>
+                  <a:effectLst/>
+                  <a:latin typeface="+mj-lt"/>
+                  <a:cs typeface="JetBrains Mono" panose="02000009000000000000" pitchFamily="49" charset="0"/>
+                </a:rPr>
+                <a:t>INT_MIN = -</a:t>
+              </a:r>
+              <a:r>
+                <a:rPr kumimoji="0" lang="zh-TW" altLang="zh-TW" sz="2400" b="0" i="0" u="none" strike="noStrike" cap="none" normalizeH="0" baseline="0">
+                  <a:ln>
+                    <a:noFill/>
+                  </a:ln>
+                  <a:solidFill>
+                    <a:srgbClr val="2AACB8"/>
+                  </a:solidFill>
+                  <a:effectLst/>
+                  <a:latin typeface="+mj-lt"/>
+                  <a:cs typeface="JetBrains Mono" panose="02000009000000000000" pitchFamily="49" charset="0"/>
+                </a:rPr>
+                <a:t>2147483648</a:t>
+              </a:r>
+              <a:r>
+                <a:rPr kumimoji="0" lang="zh-TW" altLang="zh-TW" sz="2400" b="0" i="0" u="none" strike="noStrike" cap="none" normalizeH="0" baseline="0">
+                  <a:ln>
+                    <a:noFill/>
+                  </a:ln>
+                  <a:solidFill>
+                    <a:srgbClr val="BCBEC4"/>
+                  </a:solidFill>
+                  <a:effectLst/>
+                  <a:latin typeface="+mj-lt"/>
+                  <a:cs typeface="JetBrains Mono" panose="02000009000000000000" pitchFamily="49" charset="0"/>
+                </a:rPr>
+                <a:t>;</a:t>
+              </a:r>
+              <a:br>
+                <a:rPr kumimoji="0" lang="zh-TW" altLang="zh-TW" sz="2400" b="0" i="0" u="none" strike="noStrike" cap="none" normalizeH="0" baseline="0">
+                  <a:ln>
+                    <a:noFill/>
+                  </a:ln>
+                  <a:solidFill>
+                    <a:srgbClr val="BCBEC4"/>
+                  </a:solidFill>
+                  <a:effectLst/>
+                  <a:latin typeface="+mj-lt"/>
+                  <a:cs typeface="JetBrains Mono" panose="02000009000000000000" pitchFamily="49" charset="0"/>
+                </a:rPr>
+              </a:br>
+              <a:r>
+                <a:rPr kumimoji="0" lang="zh-TW" altLang="zh-TW" sz="2400" b="0" i="0" u="none" strike="noStrike" cap="none" normalizeH="0" baseline="0">
+                  <a:ln>
+                    <a:noFill/>
+                  </a:ln>
+                  <a:solidFill>
+                    <a:srgbClr val="BCBEC4"/>
+                  </a:solidFill>
+                  <a:effectLst/>
+                  <a:latin typeface="+mj-lt"/>
+                  <a:cs typeface="JetBrains Mono" panose="02000009000000000000" pitchFamily="49" charset="0"/>
+                </a:rPr>
+                <a:t>System.</a:t>
+              </a:r>
+              <a:r>
+                <a:rPr kumimoji="0" lang="zh-TW" altLang="zh-TW" sz="2400" b="0" i="1" u="none" strike="noStrike" cap="none" normalizeH="0" baseline="0">
+                  <a:ln>
+                    <a:noFill/>
+                  </a:ln>
+                  <a:solidFill>
+                    <a:srgbClr val="C77DBB"/>
+                  </a:solidFill>
+                  <a:effectLst/>
+                  <a:latin typeface="+mj-lt"/>
+                  <a:cs typeface="JetBrains Mono" panose="02000009000000000000" pitchFamily="49" charset="0"/>
+                </a:rPr>
+                <a:t>out</a:t>
+              </a:r>
+              <a:r>
+                <a:rPr kumimoji="0" lang="zh-TW" altLang="zh-TW" sz="2400" b="0" i="0" u="none" strike="noStrike" cap="none" normalizeH="0" baseline="0">
+                  <a:ln>
+                    <a:noFill/>
+                  </a:ln>
+                  <a:solidFill>
+                    <a:srgbClr val="BCBEC4"/>
+                  </a:solidFill>
+                  <a:effectLst/>
+                  <a:latin typeface="+mj-lt"/>
+                  <a:cs typeface="JetBrains Mono" panose="02000009000000000000" pitchFamily="49" charset="0"/>
+                </a:rPr>
+                <a:t>.println(INT_MAX + </a:t>
+              </a:r>
+              <a:r>
+                <a:rPr kumimoji="0" lang="zh-TW" altLang="zh-TW" sz="2400" b="0" i="0" u="none" strike="noStrike" cap="none" normalizeH="0" baseline="0">
+                  <a:ln>
+                    <a:noFill/>
+                  </a:ln>
+                  <a:solidFill>
+                    <a:srgbClr val="2AACB8"/>
+                  </a:solidFill>
+                  <a:effectLst/>
+                  <a:latin typeface="+mj-lt"/>
+                  <a:cs typeface="JetBrains Mono" panose="02000009000000000000" pitchFamily="49" charset="0"/>
+                </a:rPr>
+                <a:t>1 </a:t>
+              </a:r>
+              <a:r>
+                <a:rPr kumimoji="0" lang="zh-TW" altLang="zh-TW" sz="2400" b="0" i="0" u="none" strike="noStrike" cap="none" normalizeH="0" baseline="0">
+                  <a:ln>
+                    <a:noFill/>
+                  </a:ln>
+                  <a:solidFill>
+                    <a:srgbClr val="BCBEC4"/>
+                  </a:solidFill>
+                  <a:effectLst/>
+                  <a:latin typeface="+mj-lt"/>
+                  <a:cs typeface="JetBrains Mono" panose="02000009000000000000" pitchFamily="49" charset="0"/>
+                </a:rPr>
+                <a:t>== INT_MIN ? </a:t>
+              </a:r>
+              <a:r>
+                <a:rPr kumimoji="0" lang="zh-TW" altLang="zh-TW" sz="2400" b="0" i="0" u="none" strike="noStrike" cap="none" normalizeH="0" baseline="0">
+                  <a:ln>
+                    <a:noFill/>
+                  </a:ln>
+                  <a:solidFill>
+                    <a:srgbClr val="6AAB73"/>
+                  </a:solidFill>
+                  <a:effectLst/>
+                  <a:latin typeface="+mj-lt"/>
+                  <a:cs typeface="JetBrains Mono" panose="02000009000000000000" pitchFamily="49" charset="0"/>
+                </a:rPr>
+                <a:t>"True" </a:t>
+              </a:r>
+              <a:r>
+                <a:rPr kumimoji="0" lang="zh-TW" altLang="zh-TW" sz="2400" b="0" i="0" u="none" strike="noStrike" cap="none" normalizeH="0" baseline="0">
+                  <a:ln>
+                    <a:noFill/>
+                  </a:ln>
+                  <a:solidFill>
+                    <a:srgbClr val="BCBEC4"/>
+                  </a:solidFill>
+                  <a:effectLst/>
+                  <a:latin typeface="+mj-lt"/>
+                  <a:cs typeface="JetBrains Mono" panose="02000009000000000000" pitchFamily="49" charset="0"/>
+                </a:rPr>
+                <a:t>: </a:t>
+              </a:r>
+              <a:r>
+                <a:rPr kumimoji="0" lang="zh-TW" altLang="zh-TW" sz="2400" b="0" i="0" u="none" strike="noStrike" cap="none" normalizeH="0" baseline="0">
+                  <a:ln>
+                    <a:noFill/>
+                  </a:ln>
+                  <a:solidFill>
+                    <a:srgbClr val="6AAB73"/>
+                  </a:solidFill>
+                  <a:effectLst/>
+                  <a:latin typeface="+mj-lt"/>
+                  <a:cs typeface="JetBrains Mono" panose="02000009000000000000" pitchFamily="49" charset="0"/>
+                </a:rPr>
+                <a:t>"False"</a:t>
+              </a:r>
+              <a:r>
+                <a:rPr kumimoji="0" lang="zh-TW" altLang="zh-TW" sz="2400" b="0" i="0" u="none" strike="noStrike" cap="none" normalizeH="0" baseline="0">
+                  <a:ln>
+                    <a:noFill/>
+                  </a:ln>
+                  <a:solidFill>
+                    <a:srgbClr val="BCBEC4"/>
+                  </a:solidFill>
+                  <a:effectLst/>
+                  <a:latin typeface="+mj-lt"/>
+                  <a:cs typeface="JetBrains Mono" panose="02000009000000000000" pitchFamily="49" charset="0"/>
+                </a:rPr>
+                <a:t>);</a:t>
+              </a:r>
+              <a:endParaRPr kumimoji="0" lang="en-US" altLang="zh-TW" sz="2400" b="0" i="0" u="none" strike="noStrike" cap="none" normalizeH="0" baseline="0">
+                <a:ln>
+                  <a:noFill/>
+                </a:ln>
+                <a:solidFill>
+                  <a:srgbClr val="BCBEC4"/>
+                </a:solidFill>
+                <a:effectLst/>
+                <a:latin typeface="+mj-lt"/>
+                <a:cs typeface="JetBrains Mono" panose="02000009000000000000" pitchFamily="49" charset="0"/>
+              </a:endParaRPr>
+            </a:p>
+            <a:p>
+              <a:pPr eaLnBrk="0" fontAlgn="base" hangingPunct="0">
+                <a:spcBef>
+                  <a:spcPct val="0"/>
+                </a:spcBef>
+                <a:spcAft>
+                  <a:spcPct val="0"/>
+                </a:spcAft>
+              </a:pPr>
+              <a:r>
+                <a:rPr kumimoji="0" lang="zh-TW" altLang="zh-TW" sz="2400" b="0" i="0" u="none" strike="noStrike" cap="none" normalizeH="0" baseline="0">
+                  <a:ln>
+                    <a:noFill/>
+                  </a:ln>
+                  <a:solidFill>
+                    <a:srgbClr val="BCBEC4"/>
+                  </a:solidFill>
+                  <a:effectLst/>
+                  <a:latin typeface="+mj-lt"/>
+                  <a:cs typeface="JetBrains Mono" panose="02000009000000000000" pitchFamily="49" charset="0"/>
+                </a:rPr>
+                <a:t>System.</a:t>
+              </a:r>
+              <a:r>
+                <a:rPr kumimoji="0" lang="zh-TW" altLang="zh-TW" sz="2400" b="0" i="1" u="none" strike="noStrike" cap="none" normalizeH="0" baseline="0">
+                  <a:ln>
+                    <a:noFill/>
+                  </a:ln>
+                  <a:solidFill>
+                    <a:srgbClr val="C77DBB"/>
+                  </a:solidFill>
+                  <a:effectLst/>
+                  <a:latin typeface="+mj-lt"/>
+                  <a:cs typeface="JetBrains Mono" panose="02000009000000000000" pitchFamily="49" charset="0"/>
+                </a:rPr>
+                <a:t>out</a:t>
+              </a:r>
+              <a:r>
+                <a:rPr kumimoji="0" lang="zh-TW" altLang="zh-TW" sz="2400" b="0" i="0" u="none" strike="noStrike" cap="none" normalizeH="0" baseline="0">
+                  <a:ln>
+                    <a:noFill/>
+                  </a:ln>
+                  <a:solidFill>
+                    <a:srgbClr val="BCBEC4"/>
+                  </a:solidFill>
+                  <a:effectLst/>
+                  <a:latin typeface="+mj-lt"/>
+                  <a:cs typeface="JetBrains Mono" panose="02000009000000000000" pitchFamily="49" charset="0"/>
+                </a:rPr>
+                <a:t>.println(INT_MAX == INT_MIN - </a:t>
+              </a:r>
+              <a:r>
+                <a:rPr kumimoji="0" lang="zh-TW" altLang="zh-TW" sz="2400" b="0" i="0" u="none" strike="noStrike" cap="none" normalizeH="0" baseline="0">
+                  <a:ln>
+                    <a:noFill/>
+                  </a:ln>
+                  <a:solidFill>
+                    <a:srgbClr val="2AACB8"/>
+                  </a:solidFill>
+                  <a:effectLst/>
+                  <a:latin typeface="+mj-lt"/>
+                  <a:cs typeface="JetBrains Mono" panose="02000009000000000000" pitchFamily="49" charset="0"/>
+                </a:rPr>
+                <a:t>1 </a:t>
+              </a:r>
+              <a:r>
+                <a:rPr kumimoji="0" lang="zh-TW" altLang="zh-TW" sz="2400" b="0" i="0" u="none" strike="noStrike" cap="none" normalizeH="0" baseline="0">
+                  <a:ln>
+                    <a:noFill/>
+                  </a:ln>
+                  <a:solidFill>
+                    <a:srgbClr val="BCBEC4"/>
+                  </a:solidFill>
+                  <a:effectLst/>
+                  <a:latin typeface="+mj-lt"/>
+                  <a:cs typeface="JetBrains Mono" panose="02000009000000000000" pitchFamily="49" charset="0"/>
+                </a:rPr>
+                <a:t>? </a:t>
+              </a:r>
+              <a:r>
+                <a:rPr kumimoji="0" lang="zh-TW" altLang="zh-TW" sz="2400" b="0" i="0" u="none" strike="noStrike" cap="none" normalizeH="0" baseline="0">
+                  <a:ln>
+                    <a:noFill/>
+                  </a:ln>
+                  <a:solidFill>
+                    <a:srgbClr val="6AAB73"/>
+                  </a:solidFill>
+                  <a:effectLst/>
+                  <a:latin typeface="+mj-lt"/>
+                  <a:cs typeface="JetBrains Mono" panose="02000009000000000000" pitchFamily="49" charset="0"/>
+                </a:rPr>
+                <a:t>"True" </a:t>
+              </a:r>
+              <a:r>
+                <a:rPr kumimoji="0" lang="zh-TW" altLang="zh-TW" sz="2400" b="0" i="0" u="none" strike="noStrike" cap="none" normalizeH="0" baseline="0">
+                  <a:ln>
+                    <a:noFill/>
+                  </a:ln>
+                  <a:solidFill>
+                    <a:srgbClr val="BCBEC4"/>
+                  </a:solidFill>
+                  <a:effectLst/>
+                  <a:latin typeface="+mj-lt"/>
+                  <a:cs typeface="JetBrains Mono" panose="02000009000000000000" pitchFamily="49" charset="0"/>
+                </a:rPr>
+                <a:t>: </a:t>
+              </a:r>
+              <a:r>
+                <a:rPr kumimoji="0" lang="zh-TW" altLang="zh-TW" sz="2400" b="0" i="0" u="none" strike="noStrike" cap="none" normalizeH="0" baseline="0">
+                  <a:ln>
+                    <a:noFill/>
+                  </a:ln>
+                  <a:solidFill>
+                    <a:srgbClr val="6AAB73"/>
+                  </a:solidFill>
+                  <a:effectLst/>
+                  <a:latin typeface="+mj-lt"/>
+                  <a:cs typeface="JetBrains Mono" panose="02000009000000000000" pitchFamily="49" charset="0"/>
+                </a:rPr>
+                <a:t>"False"</a:t>
+              </a:r>
+              <a:r>
+                <a:rPr kumimoji="0" lang="zh-TW" altLang="zh-TW" sz="2400" b="0" i="0" u="none" strike="noStrike" cap="none" normalizeH="0" baseline="0">
+                  <a:ln>
+                    <a:noFill/>
+                  </a:ln>
+                  <a:solidFill>
+                    <a:srgbClr val="BCBEC4"/>
+                  </a:solidFill>
+                  <a:effectLst/>
+                  <a:latin typeface="+mj-lt"/>
+                  <a:cs typeface="JetBrains Mono" panose="02000009000000000000" pitchFamily="49" charset="0"/>
+                </a:rPr>
+                <a:t>);</a:t>
+              </a:r>
+              <a:endParaRPr kumimoji="0" lang="zh-TW" altLang="zh-TW" sz="2400" b="0" i="0" u="none" strike="noStrike" cap="none" normalizeH="0" baseline="0">
+                <a:ln>
+                  <a:noFill/>
+                </a:ln>
+                <a:solidFill>
+                  <a:schemeClr val="tx1"/>
+                </a:solidFill>
+                <a:effectLst/>
+                <a:latin typeface="+mj-lt"/>
+              </a:endParaRPr>
+            </a:p>
+          </p:txBody>
+        </p:sp>
+        <p:sp>
+          <p:nvSpPr>
+            <p:cNvPr id="13" name="文字方塊 12">
+              <a:extLst>
+                <a:ext uri="{FF2B5EF4-FFF2-40B4-BE49-F238E27FC236}">
+                  <a16:creationId xmlns:a16="http://schemas.microsoft.com/office/drawing/2014/main" id="{D2FC59C8-1884-4B4B-9417-6FCCA556006A}"/>
+                </a:ext>
+              </a:extLst>
+            </p:cNvPr>
+            <p:cNvSpPr txBox="1"/>
+            <p:nvPr/>
+          </p:nvSpPr>
+          <p:spPr>
+            <a:xfrm>
+              <a:off x="10796493" y="3532461"/>
+              <a:ext cx="633507" cy="338554"/>
+            </a:xfrm>
+            <a:prstGeom prst="rect">
+              <a:avLst/>
+            </a:prstGeom>
+            <a:noFill/>
+          </p:spPr>
+          <p:txBody>
+            <a:bodyPr wrap="none" rtlCol="0">
+              <a:spAutoFit/>
+            </a:bodyPr>
+            <a:lstStyle/>
+            <a:p>
+              <a:r>
+                <a:rPr lang="en-US" altLang="zh-TW" sz="1600">
+                  <a:solidFill>
+                    <a:schemeClr val="accent3"/>
+                  </a:solidFill>
+                </a:rPr>
+                <a:t>java</a:t>
+              </a:r>
+              <a:endParaRPr lang="zh-TW" altLang="en-US" sz="1600">
+                <a:solidFill>
+                  <a:schemeClr val="accent3"/>
+                </a:solidFill>
+              </a:endParaRPr>
+            </a:p>
+          </p:txBody>
+        </p:sp>
+      </p:grpSp>
+      <p:grpSp>
+        <p:nvGrpSpPr>
+          <p:cNvPr id="15" name="群組 14">
+            <a:extLst>
+              <a:ext uri="{FF2B5EF4-FFF2-40B4-BE49-F238E27FC236}">
+                <a16:creationId xmlns:a16="http://schemas.microsoft.com/office/drawing/2014/main" id="{139D0DE0-74DA-4993-B759-992DF19E2F43}"/>
+              </a:ext>
+            </a:extLst>
+          </p:cNvPr>
+          <p:cNvGrpSpPr/>
+          <p:nvPr/>
+        </p:nvGrpSpPr>
+        <p:grpSpPr>
+          <a:xfrm>
+            <a:off x="762000" y="2331089"/>
+            <a:ext cx="10668000" cy="461665"/>
+            <a:chOff x="762000" y="2395583"/>
+            <a:chExt cx="10668000" cy="461665"/>
+          </a:xfrm>
+        </p:grpSpPr>
+        <p:sp>
+          <p:nvSpPr>
+            <p:cNvPr id="4" name="Rectangle 1">
+              <a:extLst>
+                <a:ext uri="{FF2B5EF4-FFF2-40B4-BE49-F238E27FC236}">
+                  <a16:creationId xmlns:a16="http://schemas.microsoft.com/office/drawing/2014/main" id="{DDC41B53-AFC7-4C92-ABE7-FC16085A381D}"/>
+                </a:ext>
+              </a:extLst>
+            </p:cNvPr>
+            <p:cNvSpPr>
+              <a:spLocks noChangeArrowheads="1"/>
+            </p:cNvSpPr>
+            <p:nvPr/>
+          </p:nvSpPr>
+          <p:spPr bwMode="auto">
+            <a:xfrm>
+              <a:off x="762000" y="2395583"/>
+              <a:ext cx="10668000" cy="461665"/>
+            </a:xfrm>
+            <a:prstGeom prst="rect">
+              <a:avLst/>
+            </a:prstGeom>
+            <a:solidFill>
+              <a:srgbClr val="1E1F22"/>
+            </a:solidFill>
+            <a:ln>
+              <a:noFill/>
+            </a:ln>
+            <a:effectLst/>
+            <a:extLst>
+              <a:ext uri="{91240B29-F687-4F45-9708-019B960494DF}">
+                <a14:hiddenLine xmlns:a14="http://schemas.microsoft.com/office/drawing/2010/main" w="9525">
+                  <a:solidFill>
+                    <a:schemeClr val="tx1"/>
+                  </a:solidFill>
+                  <a:miter lim="800000"/>
+                  <a:headEnd/>
+                  <a:tailEnd/>
+                </a14:hiddenLine>
+              </a:ext>
+              <a:ext uri="{AF507438-7753-43E0-B8FC-AC1667EBCBE1}">
+                <a14:hiddenEffects xmlns:a14="http://schemas.microsoft.com/office/drawing/2010/main">
+                  <a:effectLst>
+                    <a:outerShdw dist="35921" dir="2700000" algn="ctr" rotWithShape="0">
+                      <a:schemeClr val="bg2"/>
+                    </a:outerShdw>
+                  </a:effectLst>
+                </a14:hiddenEffects>
+              </a:ext>
+            </a:extLst>
+          </p:spPr>
+          <p:txBody>
+            <a:bodyPr vert="horz" wrap="square" lIns="91440" tIns="45720" rIns="91440" bIns="45720" numCol="1" anchor="ctr" anchorCtr="0" compatLnSpc="1">
+              <a:prstTxWarp prst="textNoShape">
+                <a:avLst/>
+              </a:prstTxWarp>
+              <a:spAutoFit/>
+            </a:bodyPr>
+            <a:lstStyle/>
+            <a:p>
+              <a:pPr marL="0" marR="0" lvl="0" indent="0" algn="l" defTabSz="914400" rtl="0" eaLnBrk="0" fontAlgn="base" latinLnBrk="0" hangingPunct="0">
+                <a:lnSpc>
+                  <a:spcPct val="100000"/>
+                </a:lnSpc>
+                <a:spcBef>
+                  <a:spcPct val="0"/>
+                </a:spcBef>
+                <a:spcAft>
+                  <a:spcPct val="0"/>
+                </a:spcAft>
+                <a:buClrTx/>
+                <a:buSzTx/>
+                <a:buFontTx/>
+                <a:buNone/>
+                <a:tabLst/>
+              </a:pPr>
+              <a:r>
+                <a:rPr lang="en-US" altLang="zh-TW" sz="2400">
+                  <a:solidFill>
+                    <a:srgbClr val="00B0F0"/>
+                  </a:solidFill>
+                  <a:latin typeface="+mj-lt"/>
+                  <a:cs typeface="JetBrains Mono" panose="02000009000000000000" pitchFamily="49" charset="0"/>
+                </a:rPr>
+                <a:t>boolean(</a:t>
+              </a:r>
+              <a:r>
+                <a:rPr lang="zh-TW" altLang="en-US" sz="2400">
+                  <a:solidFill>
+                    <a:srgbClr val="00B0F0"/>
+                  </a:solidFill>
+                  <a:latin typeface="+mj-lt"/>
+                  <a:cs typeface="JetBrains Mono" panose="02000009000000000000" pitchFamily="49" charset="0"/>
+                </a:rPr>
+                <a:t>條件</a:t>
+              </a:r>
+              <a:r>
+                <a:rPr lang="en-US" altLang="zh-TW" sz="2400">
+                  <a:solidFill>
+                    <a:srgbClr val="00B0F0"/>
+                  </a:solidFill>
+                  <a:latin typeface="+mj-lt"/>
+                  <a:cs typeface="JetBrains Mono" panose="02000009000000000000" pitchFamily="49" charset="0"/>
+                </a:rPr>
+                <a:t>)</a:t>
+              </a:r>
+              <a:r>
+                <a:rPr kumimoji="0" lang="zh-TW" altLang="zh-TW" sz="2400" b="0" i="0" u="none" strike="noStrike" cap="none" normalizeH="0" baseline="0">
+                  <a:ln>
+                    <a:noFill/>
+                  </a:ln>
+                  <a:solidFill>
+                    <a:srgbClr val="CF8E6D"/>
+                  </a:solidFill>
+                  <a:effectLst/>
+                  <a:latin typeface="+mj-lt"/>
+                  <a:cs typeface="JetBrains Mono" panose="02000009000000000000" pitchFamily="49" charset="0"/>
+                </a:rPr>
+                <a:t> </a:t>
+              </a:r>
+              <a:r>
+                <a:rPr kumimoji="0" lang="zh-TW" altLang="zh-TW" sz="2400" b="0" i="0" u="none" strike="noStrike" cap="none" normalizeH="0" baseline="0">
+                  <a:ln>
+                    <a:noFill/>
+                  </a:ln>
+                  <a:solidFill>
+                    <a:srgbClr val="BCBEC4"/>
+                  </a:solidFill>
+                  <a:effectLst/>
+                  <a:latin typeface="+mj-lt"/>
+                  <a:cs typeface="JetBrains Mono" panose="02000009000000000000" pitchFamily="49" charset="0"/>
+                </a:rPr>
+                <a:t>? </a:t>
+              </a:r>
+              <a:r>
+                <a:rPr kumimoji="0" lang="zh-TW" altLang="en-US" sz="2400" b="0" i="0" u="none" strike="noStrike" cap="none" normalizeH="0" baseline="0">
+                  <a:ln>
+                    <a:noFill/>
+                  </a:ln>
+                  <a:solidFill>
+                    <a:srgbClr val="92D050"/>
+                  </a:solidFill>
+                  <a:effectLst/>
+                  <a:latin typeface="+mj-lt"/>
+                  <a:cs typeface="JetBrains Mono" panose="02000009000000000000" pitchFamily="49" charset="0"/>
+                </a:rPr>
+                <a:t>條件為真時的返回值</a:t>
+              </a:r>
+              <a:r>
+                <a:rPr kumimoji="0" lang="zh-TW" altLang="zh-TW" sz="2400" b="0" i="0" u="none" strike="noStrike" cap="none" normalizeH="0" baseline="0">
+                  <a:ln>
+                    <a:noFill/>
+                  </a:ln>
+                  <a:solidFill>
+                    <a:srgbClr val="2AACB8"/>
+                  </a:solidFill>
+                  <a:effectLst/>
+                  <a:latin typeface="+mj-lt"/>
+                  <a:cs typeface="JetBrains Mono" panose="02000009000000000000" pitchFamily="49" charset="0"/>
+                </a:rPr>
+                <a:t> </a:t>
+              </a:r>
+              <a:r>
+                <a:rPr kumimoji="0" lang="zh-TW" altLang="zh-TW" sz="2400" b="0" i="0" u="none" strike="noStrike" cap="none" normalizeH="0" baseline="0">
+                  <a:ln>
+                    <a:noFill/>
+                  </a:ln>
+                  <a:solidFill>
+                    <a:srgbClr val="BCBEC4"/>
+                  </a:solidFill>
+                  <a:effectLst/>
+                  <a:latin typeface="+mj-lt"/>
+                  <a:cs typeface="JetBrains Mono" panose="02000009000000000000" pitchFamily="49" charset="0"/>
+                </a:rPr>
+                <a:t>: </a:t>
+              </a:r>
+              <a:r>
+                <a:rPr lang="zh-TW" altLang="en-US" sz="2400">
+                  <a:solidFill>
+                    <a:srgbClr val="92D050"/>
+                  </a:solidFill>
+                  <a:latin typeface="+mj-lt"/>
+                  <a:cs typeface="JetBrains Mono" panose="02000009000000000000" pitchFamily="49" charset="0"/>
+                </a:rPr>
+                <a:t>條件為假時的返回值</a:t>
+              </a:r>
+              <a:endParaRPr kumimoji="0" lang="zh-TW" altLang="zh-TW" sz="4000" b="0" i="0" u="none" strike="noStrike" cap="none" normalizeH="0" baseline="0">
+                <a:ln>
+                  <a:noFill/>
+                </a:ln>
+                <a:solidFill>
+                  <a:srgbClr val="92D050"/>
+                </a:solidFill>
+                <a:effectLst/>
+                <a:latin typeface="+mj-lt"/>
+              </a:endParaRPr>
+            </a:p>
+          </p:txBody>
+        </p:sp>
+        <p:sp>
+          <p:nvSpPr>
+            <p:cNvPr id="14" name="文字方塊 13">
+              <a:extLst>
+                <a:ext uri="{FF2B5EF4-FFF2-40B4-BE49-F238E27FC236}">
+                  <a16:creationId xmlns:a16="http://schemas.microsoft.com/office/drawing/2014/main" id="{9CDA37A0-EDA6-412D-B96C-782E6FFBE422}"/>
+                </a:ext>
+              </a:extLst>
+            </p:cNvPr>
+            <p:cNvSpPr txBox="1"/>
+            <p:nvPr/>
+          </p:nvSpPr>
+          <p:spPr>
+            <a:xfrm>
+              <a:off x="10796493" y="2518694"/>
+              <a:ext cx="633507" cy="338554"/>
+            </a:xfrm>
+            <a:prstGeom prst="rect">
+              <a:avLst/>
+            </a:prstGeom>
+            <a:noFill/>
+          </p:spPr>
+          <p:txBody>
+            <a:bodyPr wrap="none" rtlCol="0">
+              <a:spAutoFit/>
+            </a:bodyPr>
+            <a:lstStyle/>
+            <a:p>
+              <a:r>
+                <a:rPr lang="en-US" altLang="zh-TW" sz="1600">
+                  <a:solidFill>
+                    <a:schemeClr val="accent3"/>
+                  </a:solidFill>
+                </a:rPr>
+                <a:t>java</a:t>
+              </a:r>
+              <a:endParaRPr lang="zh-TW" altLang="en-US" sz="1600">
+                <a:solidFill>
+                  <a:schemeClr val="accent3"/>
+                </a:solidFill>
+              </a:endParaRPr>
+            </a:p>
+          </p:txBody>
+        </p:sp>
+      </p:grpSp>
+    </p:spTree>
+    <p:extLst>
+      <p:ext uri="{BB962C8B-B14F-4D97-AF65-F5344CB8AC3E}">
+        <p14:creationId xmlns:p14="http://schemas.microsoft.com/office/powerpoint/2010/main" val="318815027"/>
+      </p:ext>
+    </p:extLst>
+  </p:cSld>
+  <p:clrMapOvr>
+    <a:masterClrMapping/>
+  </p:clrMapOvr>
+  <p:transition spd="slow">
+    <p:push dir="u"/>
+  </p:transition>
+</p:sld>
+</file>
+
+<file path=ppt/slides/slide11.xml><?xml version="1.0" encoding="utf-8"?>
+<p:sld xmlns:a="http://schemas.openxmlformats.org/drawingml/2006/main" xmlns:r="http://schemas.openxmlformats.org/officeDocument/2006/relationships" xmlns:p="http://schemas.openxmlformats.org/presentationml/2006/main">
+  <p:cSld>
+    <p:spTree>
+      <p:nvGrpSpPr>
+        <p:cNvPr id="1" name=""/>
+        <p:cNvGrpSpPr/>
+        <p:nvPr/>
+      </p:nvGrpSpPr>
+      <p:grpSpPr>
+        <a:xfrm>
+          <a:off x="0" y="0"/>
+          <a:ext cx="0" cy="0"/>
+          <a:chOff x="0" y="0"/>
+          <a:chExt cx="0" cy="0"/>
+        </a:xfrm>
+      </p:grpSpPr>
+      <p:sp>
+        <p:nvSpPr>
+          <p:cNvPr id="2" name="標題 1">
+            <a:extLst>
+              <a:ext uri="{FF2B5EF4-FFF2-40B4-BE49-F238E27FC236}">
                 <a16:creationId xmlns:a16="http://schemas.microsoft.com/office/drawing/2014/main" id="{FD01E2C9-AE7A-41C7-85FE-93B611A225BE}"/>
               </a:ext>
             </a:extLst>
@@ -4094,7 +5394,7 @@
 </p:sld>
 </file>
 
-<file path=ppt/slides/slide11.xml><?xml version="1.0" encoding="utf-8"?>
+<file path=ppt/slides/slide12.xml><?xml version="1.0" encoding="utf-8"?>
 <p:sld xmlns:a="http://schemas.openxmlformats.org/drawingml/2006/main" xmlns:r="http://schemas.openxmlformats.org/officeDocument/2006/relationships" xmlns:p="http://schemas.openxmlformats.org/presentationml/2006/main">
   <p:cSld>
     <p:spTree>
@@ -5207,16 +6507,64 @@
             </a:r>
             <a:r>
               <a:rPr lang="zh-TW" altLang="en-US"/>
-              <a:t>後方的區塊內只有一行陳述式</a:t>
+              <a:t>後方的</a:t>
             </a:r>
-            <a:endParaRPr lang="en-US" altLang="zh-TW"/>
+            <a:r>
+              <a:rPr lang="zh-TW" altLang="en-US">
+                <a:solidFill>
+                  <a:srgbClr val="00B0F0"/>
+                </a:solidFill>
+              </a:rPr>
+              <a:t>區塊</a:t>
+            </a:r>
+            <a:r>
+              <a:rPr lang="zh-TW" altLang="en-US"/>
+              <a:t>內只有一行</a:t>
+            </a:r>
+            <a:r>
+              <a:rPr lang="zh-TW" altLang="en-US">
+                <a:solidFill>
+                  <a:srgbClr val="00B0F0"/>
+                </a:solidFill>
+              </a:rPr>
+              <a:t>陳述式</a:t>
+            </a:r>
+            <a:endParaRPr lang="en-US" altLang="zh-TW">
+              <a:solidFill>
+                <a:srgbClr val="00B0F0"/>
+              </a:solidFill>
+            </a:endParaRPr>
           </a:p>
           <a:p>
             <a:r>
               <a:rPr lang="zh-TW" altLang="en-US"/>
-              <a:t>則可以不寫區塊，直接寫陳述式</a:t>
+              <a:t>則可以不寫</a:t>
             </a:r>
-            <a:endParaRPr lang="en-US" altLang="zh-TW"/>
+            <a:r>
+              <a:rPr lang="zh-TW" altLang="en-US">
+                <a:solidFill>
+                  <a:srgbClr val="00B0F0"/>
+                </a:solidFill>
+              </a:rPr>
+              <a:t>區塊</a:t>
+            </a:r>
+            <a:r>
+              <a:rPr lang="zh-TW" altLang="en-US"/>
+              <a:t>，直接寫</a:t>
+            </a:r>
+            <a:r>
+              <a:rPr lang="zh-TW" altLang="en-US">
+                <a:solidFill>
+                  <a:srgbClr val="00B0F0"/>
+                </a:solidFill>
+              </a:rPr>
+              <a:t>陳述式</a:t>
+            </a:r>
+            <a:endParaRPr lang="en-US" altLang="zh-TW">
+              <a:solidFill>
+                <a:srgbClr val="00B0F0"/>
+              </a:solidFill>
+            </a:endParaRPr>
           </a:p>
         </p:txBody>
       </p:sp>
@@ -5236,7 +6584,7 @@
 </p:sld>
 </file>
 
-<file path=ppt/slides/slide12.xml><?xml version="1.0" encoding="utf-8"?>
+<file path=ppt/slides/slide13.xml><?xml version="1.0" encoding="utf-8"?>
 <p:sld xmlns:a="http://schemas.openxmlformats.org/drawingml/2006/main" xmlns:r="http://schemas.openxmlformats.org/officeDocument/2006/relationships" xmlns:p="http://schemas.openxmlformats.org/presentationml/2006/main">
   <p:cSld>
     <p:spTree>
@@ -8888,7 +10236,7 @@
 </p:sld>
 </file>
 
-<file path=ppt/slides/slide13.xml><?xml version="1.0" encoding="utf-8"?>
+<file path=ppt/slides/slide14.xml><?xml version="1.0" encoding="utf-8"?>
 <p:sld xmlns:a="http://schemas.openxmlformats.org/drawingml/2006/main" xmlns:r="http://schemas.openxmlformats.org/officeDocument/2006/relationships" xmlns:p="http://schemas.openxmlformats.org/presentationml/2006/main">
   <p:cSld>
     <p:spTree>
@@ -8956,13 +10304,13 @@
         </p:nvSpPr>
         <p:spPr>
           <a:xfrm>
-            <a:off x="838200" y="1404937"/>
-            <a:ext cx="3607938" cy="4917164"/>
+            <a:off x="899127" y="1793794"/>
+            <a:ext cx="3881990" cy="4356732"/>
           </a:xfrm>
         </p:spPr>
         <p:txBody>
           <a:bodyPr>
-            <a:normAutofit lnSpcReduction="10000"/>
+            <a:normAutofit/>
           </a:bodyPr>
           <a:lstStyle/>
           <a:p>
@@ -8986,25 +10334,39 @@
           <a:p>
             <a:r>
               <a:rPr lang="zh-TW" altLang="en-US"/>
-              <a:t>是指作用的範圍</a:t>
+              <a:t>是指</a:t>
             </a:r>
-            <a:endParaRPr lang="en-US" altLang="zh-TW"/>
+            <a:r>
+              <a:rPr lang="zh-TW" altLang="en-US">
+                <a:solidFill>
+                  <a:srgbClr val="FFFF00"/>
+                </a:solidFill>
+              </a:rPr>
+              <a:t>作用的範圍</a:t>
+            </a:r>
+            <a:endParaRPr lang="en-US" altLang="zh-TW">
+              <a:solidFill>
+                <a:srgbClr val="FFFF00"/>
+              </a:solidFill>
+            </a:endParaRPr>
           </a:p>
           <a:p>
             <a:r>
               <a:rPr lang="zh-TW" altLang="en-US"/>
-              <a:t>在函式中</a:t>
+              <a:t>每個</a:t>
             </a:r>
-            <a:endParaRPr lang="en-US" altLang="zh-TW"/>
-          </a:p>
-          <a:p>
+            <a:r>
+              <a:rPr lang="zh-TW" altLang="en-US">
+                <a:solidFill>
+                  <a:srgbClr val="00B0F0"/>
+                </a:solidFill>
+              </a:rPr>
+              <a:t>變數</a:t>
+            </a:r>
             <a:r>
               <a:rPr lang="zh-TW" altLang="en-US"/>
-              <a:t>每個變數的</a:t>
+              <a:t>的</a:t>
             </a:r>
-            <a:endParaRPr lang="en-US" altLang="zh-TW"/>
-          </a:p>
-          <a:p>
             <a:r>
               <a:rPr lang="zh-TW" altLang="en-US">
                 <a:solidFill>
@@ -9057,7 +10419,7 @@
                   <a:srgbClr val="FFC000"/>
                 </a:solidFill>
               </a:rPr>
-              <a:t>從宣告變數後往後</a:t>
+              <a:t>從宣告變數後到結束</a:t>
             </a:r>
             <a:endParaRPr lang="en-US" altLang="zh-TW">
               <a:solidFill>
@@ -9091,16 +10453,40 @@
           <a:p>
             <a:r>
               <a:rPr lang="zh-TW" altLang="en-US"/>
-              <a:t>同作用域內</a:t>
+              <a:t>同</a:t>
+            </a:r>
+            <a:r>
+              <a:rPr lang="zh-TW" altLang="en-US">
+                <a:solidFill>
+                  <a:srgbClr val="00B0F0"/>
+                </a:solidFill>
+              </a:rPr>
+              <a:t>作用域</a:t>
+            </a:r>
+            <a:r>
+              <a:rPr lang="zh-TW" altLang="en-US"/>
+              <a:t>內</a:t>
             </a:r>
             <a:endParaRPr lang="en-US" altLang="zh-TW"/>
           </a:p>
           <a:p>
             <a:r>
               <a:rPr lang="zh-TW" altLang="en-US"/>
-              <a:t>出現同名稱變數</a:t>
+              <a:t>出現同名稱</a:t>
             </a:r>
-            <a:endParaRPr lang="en-US" altLang="zh-TW"/>
+            <a:r>
+              <a:rPr lang="zh-TW" altLang="en-US">
+                <a:solidFill>
+                  <a:srgbClr val="00B0F0"/>
+                </a:solidFill>
+              </a:rPr>
+              <a:t>變數</a:t>
+            </a:r>
+            <a:endParaRPr lang="en-US" altLang="zh-TW">
+              <a:solidFill>
+                <a:srgbClr val="00B0F0"/>
+              </a:solidFill>
+            </a:endParaRPr>
           </a:p>
         </p:txBody>
       </p:sp>
@@ -9118,7 +10504,7 @@
         </p:nvGrpSpPr>
         <p:grpSpPr>
           <a:xfrm>
-            <a:off x="4446139" y="3997600"/>
+            <a:off x="4781117" y="4106241"/>
             <a:ext cx="6907660" cy="2462213"/>
             <a:chOff x="4935070" y="4019612"/>
             <a:chExt cx="6907660" cy="2462213"/>
@@ -10207,7 +11593,7 @@
         </p:nvGrpSpPr>
         <p:grpSpPr>
           <a:xfrm>
-            <a:off x="5175563" y="1025126"/>
+            <a:off x="5510541" y="1133767"/>
             <a:ext cx="6178236" cy="2893100"/>
             <a:chOff x="377073" y="3545156"/>
             <a:chExt cx="6178236" cy="2893100"/>
@@ -11297,7 +12683,7 @@
         </p:nvSpPr>
         <p:spPr>
           <a:xfrm>
-            <a:off x="6032036" y="1546034"/>
+            <a:off x="6367014" y="1654675"/>
             <a:ext cx="1023145" cy="182754"/>
           </a:xfrm>
           <a:prstGeom prst="roundRect">
@@ -11351,7 +12737,7 @@
         </p:nvSpPr>
         <p:spPr>
           <a:xfrm>
-            <a:off x="5795137" y="4519941"/>
+            <a:off x="6130115" y="4628582"/>
             <a:ext cx="1023145" cy="171122"/>
           </a:xfrm>
           <a:prstGeom prst="roundRect">
@@ -11405,7 +12791,7 @@
         </p:nvSpPr>
         <p:spPr>
           <a:xfrm>
-            <a:off x="5283564" y="4492625"/>
+            <a:off x="5618542" y="4601266"/>
             <a:ext cx="5960840" cy="1549260"/>
           </a:xfrm>
           <a:prstGeom prst="roundRect">
@@ -11459,7 +12845,7 @@
         </p:nvSpPr>
         <p:spPr>
           <a:xfrm>
-            <a:off x="5939073" y="1523809"/>
+            <a:off x="6274051" y="1632450"/>
             <a:ext cx="5305331" cy="1998848"/>
           </a:xfrm>
           <a:prstGeom prst="roundRect">
@@ -11745,7 +13131,7 @@
 </p:sld>
 </file>
 
-<file path=ppt/slides/slide14.xml><?xml version="1.0" encoding="utf-8"?>
+<file path=ppt/slides/slide15.xml><?xml version="1.0" encoding="utf-8"?>
 <p:sld xmlns:a="http://schemas.openxmlformats.org/drawingml/2006/main" xmlns:r="http://schemas.openxmlformats.org/officeDocument/2006/relationships" xmlns:p="http://schemas.openxmlformats.org/presentationml/2006/main">
   <p:cSld>
     <p:spTree>
@@ -12748,7 +14134,7 @@
 </p:sld>
 </file>
 
-<file path=ppt/slides/slide15.xml><?xml version="1.0" encoding="utf-8"?>
+<file path=ppt/slides/slide16.xml><?xml version="1.0" encoding="utf-8"?>
 <p:sld xmlns:a="http://schemas.openxmlformats.org/drawingml/2006/main" xmlns:r="http://schemas.openxmlformats.org/officeDocument/2006/relationships" xmlns:p="http://schemas.openxmlformats.org/presentationml/2006/main">
   <p:cSld>
     <p:spTree>
@@ -16143,7 +17529,7 @@
 </p:sld>
 </file>
 
-<file path=ppt/slides/slide16.xml><?xml version="1.0" encoding="utf-8"?>
+<file path=ppt/slides/slide17.xml><?xml version="1.0" encoding="utf-8"?>
 <p:sld xmlns:a="http://schemas.openxmlformats.org/drawingml/2006/main" xmlns:r="http://schemas.openxmlformats.org/officeDocument/2006/relationships" xmlns:p="http://schemas.openxmlformats.org/presentationml/2006/main">
   <p:cSld>
     <p:spTree>
@@ -17298,7 +18684,7 @@
 </p:sld>
 </file>
 
-<file path=ppt/slides/slide17.xml><?xml version="1.0" encoding="utf-8"?>
+<file path=ppt/slides/slide18.xml><?xml version="1.0" encoding="utf-8"?>
 <p:sld xmlns:a="http://schemas.openxmlformats.org/drawingml/2006/main" xmlns:r="http://schemas.openxmlformats.org/officeDocument/2006/relationships" xmlns:p="http://schemas.openxmlformats.org/presentationml/2006/main">
   <p:cSld>
     <p:spTree>
@@ -18595,7 +19981,7 @@
 </p:sld>
 </file>
 
-<file path=ppt/slides/slide18.xml><?xml version="1.0" encoding="utf-8"?>
+<file path=ppt/slides/slide19.xml><?xml version="1.0" encoding="utf-8"?>
 <p:sld xmlns:a="http://schemas.openxmlformats.org/drawingml/2006/main" xmlns:r="http://schemas.openxmlformats.org/officeDocument/2006/relationships" xmlns:p="http://schemas.openxmlformats.org/presentationml/2006/main">
   <p:cSld>
     <p:spTree>
@@ -20466,7 +21852,277 @@
 </p:sld>
 </file>
 
-<file path=ppt/slides/slide19.xml><?xml version="1.0" encoding="utf-8"?>
+<file path=ppt/slides/slide2.xml><?xml version="1.0" encoding="utf-8"?>
+<p:sld xmlns:a="http://schemas.openxmlformats.org/drawingml/2006/main" xmlns:r="http://schemas.openxmlformats.org/officeDocument/2006/relationships" xmlns:p="http://schemas.openxmlformats.org/presentationml/2006/main">
+  <p:cSld>
+    <p:spTree>
+      <p:nvGrpSpPr>
+        <p:cNvPr id="1" name=""/>
+        <p:cNvGrpSpPr/>
+        <p:nvPr/>
+      </p:nvGrpSpPr>
+      <p:grpSpPr>
+        <a:xfrm>
+          <a:off x="0" y="0"/>
+          <a:ext cx="0" cy="0"/>
+          <a:chOff x="0" y="0"/>
+          <a:chExt cx="0" cy="0"/>
+        </a:xfrm>
+      </p:grpSpPr>
+      <p:sp>
+        <p:nvSpPr>
+          <p:cNvPr id="2" name="標題 1">
+            <a:extLst>
+              <a:ext uri="{FF2B5EF4-FFF2-40B4-BE49-F238E27FC236}">
+                <a16:creationId xmlns:a16="http://schemas.microsoft.com/office/drawing/2014/main" id="{7411AF8B-E3FD-4A87-B3EA-1DE26898E7F2}"/>
+              </a:ext>
+            </a:extLst>
+          </p:cNvPr>
+          <p:cNvSpPr>
+            <a:spLocks noGrp="1"/>
+          </p:cNvSpPr>
+          <p:nvPr>
+            <p:ph type="title"/>
+          </p:nvPr>
+        </p:nvSpPr>
+        <p:spPr/>
+        <p:txBody>
+          <a:bodyPr/>
+          <a:lstStyle/>
+          <a:p>
+            <a:r>
+              <a:rPr lang="zh-TW" altLang="en-US"/>
+              <a:t>流程控制</a:t>
+            </a:r>
+          </a:p>
+        </p:txBody>
+      </p:sp>
+      <p:sp>
+        <p:nvSpPr>
+          <p:cNvPr id="3" name="內容版面配置區 2">
+            <a:extLst>
+              <a:ext uri="{FF2B5EF4-FFF2-40B4-BE49-F238E27FC236}">
+                <a16:creationId xmlns:a16="http://schemas.microsoft.com/office/drawing/2014/main" id="{23E51D10-DF16-4C4F-B0AA-A4FF46CE9F8C}"/>
+              </a:ext>
+            </a:extLst>
+          </p:cNvPr>
+          <p:cNvSpPr>
+            <a:spLocks noGrp="1"/>
+          </p:cNvSpPr>
+          <p:nvPr>
+            <p:ph idx="1"/>
+          </p:nvPr>
+        </p:nvSpPr>
+        <p:spPr>
+          <a:xfrm>
+            <a:off x="838200" y="2227680"/>
+            <a:ext cx="10515600" cy="3240614"/>
+          </a:xfrm>
+        </p:spPr>
+        <p:txBody>
+          <a:bodyPr>
+            <a:normAutofit/>
+          </a:bodyPr>
+          <a:lstStyle/>
+          <a:p>
+            <a:r>
+              <a:rPr lang="zh-TW" altLang="en-US">
+                <a:solidFill>
+                  <a:srgbClr val="00B0F0"/>
+                </a:solidFill>
+              </a:rPr>
+              <a:t>流程控制</a:t>
+            </a:r>
+            <a:r>
+              <a:rPr lang="en-US" altLang="zh-TW">
+                <a:solidFill>
+                  <a:srgbClr val="00B0F0"/>
+                </a:solidFill>
+              </a:rPr>
+              <a:t>(flow control)</a:t>
+            </a:r>
+            <a:r>
+              <a:rPr lang="zh-TW" altLang="en-US"/>
+              <a:t>就是控制程式執行的流程、順序</a:t>
+            </a:r>
+            <a:endParaRPr lang="en-US" altLang="zh-TW"/>
+          </a:p>
+          <a:p>
+            <a:r>
+              <a:rPr lang="zh-TW" altLang="en-US"/>
+              <a:t>在 </a:t>
+            </a:r>
+            <a:r>
+              <a:rPr lang="en-US" altLang="zh-TW"/>
+              <a:t>Java</a:t>
+            </a:r>
+            <a:r>
+              <a:rPr lang="zh-TW" altLang="en-US"/>
+              <a:t> 中，能控制流程的有：</a:t>
+            </a:r>
+            <a:endParaRPr lang="en-US" altLang="zh-TW"/>
+          </a:p>
+          <a:p>
+            <a:r>
+              <a:rPr lang="en-US" altLang="zh-TW">
+                <a:solidFill>
+                  <a:srgbClr val="C68869"/>
+                </a:solidFill>
+              </a:rPr>
+              <a:t>if...else</a:t>
+            </a:r>
+            <a:r>
+              <a:rPr lang="zh-TW" altLang="en-US"/>
+              <a:t>、</a:t>
+            </a:r>
+            <a:r>
+              <a:rPr lang="en-US" altLang="zh-TW">
+                <a:solidFill>
+                  <a:srgbClr val="C68869"/>
+                </a:solidFill>
+              </a:rPr>
+              <a:t>switch</a:t>
+            </a:r>
+            <a:r>
+              <a:rPr lang="zh-TW" altLang="en-US"/>
+              <a:t>、</a:t>
+            </a:r>
+            <a:r>
+              <a:rPr lang="en-US" altLang="zh-TW">
+                <a:solidFill>
+                  <a:srgbClr val="C68869"/>
+                </a:solidFill>
+              </a:rPr>
+              <a:t>for</a:t>
+            </a:r>
+            <a:r>
+              <a:rPr lang="zh-TW" altLang="en-US"/>
+              <a:t>、</a:t>
+            </a:r>
+            <a:r>
+              <a:rPr lang="en-US" altLang="zh-TW">
+                <a:solidFill>
+                  <a:srgbClr val="C68869"/>
+                </a:solidFill>
+              </a:rPr>
+              <a:t>while</a:t>
+            </a:r>
+            <a:r>
+              <a:rPr lang="zh-TW" altLang="en-US"/>
+              <a:t>、</a:t>
+            </a:r>
+            <a:r>
+              <a:rPr lang="en-US" altLang="zh-TW">
+                <a:solidFill>
+                  <a:srgbClr val="C68869"/>
+                </a:solidFill>
+              </a:rPr>
+              <a:t>continue</a:t>
+            </a:r>
+            <a:r>
+              <a:rPr lang="zh-TW" altLang="en-US"/>
+              <a:t>、</a:t>
+            </a:r>
+            <a:r>
+              <a:rPr lang="en-US" altLang="zh-TW">
+                <a:solidFill>
+                  <a:srgbClr val="C68869"/>
+                </a:solidFill>
+              </a:rPr>
+              <a:t>break</a:t>
+            </a:r>
+          </a:p>
+          <a:p>
+            <a:r>
+              <a:rPr lang="zh-TW" altLang="en-US"/>
+              <a:t>這些是</a:t>
+            </a:r>
+            <a:r>
+              <a:rPr lang="zh-TW" altLang="en-US">
+                <a:solidFill>
+                  <a:srgbClr val="00B0F0"/>
+                </a:solidFill>
+              </a:rPr>
+              <a:t>控制流程陳述式</a:t>
+            </a:r>
+            <a:r>
+              <a:rPr lang="en-US" altLang="zh-TW">
+                <a:solidFill>
+                  <a:srgbClr val="00B0F0"/>
+                </a:solidFill>
+              </a:rPr>
+              <a:t>(control flow statement)</a:t>
+            </a:r>
+          </a:p>
+          <a:p>
+            <a:r>
+              <a:rPr lang="zh-TW" altLang="en-US"/>
+              <a:t>與</a:t>
+            </a:r>
+            <a:r>
+              <a:rPr lang="zh-TW" altLang="en-US">
+                <a:solidFill>
+                  <a:srgbClr val="00B0F0"/>
+                </a:solidFill>
+              </a:rPr>
+              <a:t>表達陳述式</a:t>
+            </a:r>
+            <a:r>
+              <a:rPr lang="zh-TW" altLang="en-US"/>
+              <a:t>和</a:t>
+            </a:r>
+            <a:r>
+              <a:rPr lang="zh-TW" altLang="en-US">
+                <a:solidFill>
+                  <a:srgbClr val="00B0F0"/>
+                </a:solidFill>
+              </a:rPr>
+              <a:t>宣告陳述式</a:t>
+            </a:r>
+            <a:r>
+              <a:rPr lang="zh-TW" altLang="en-US"/>
+              <a:t>不同的是</a:t>
+            </a:r>
+            <a:endParaRPr lang="en-US" altLang="zh-TW"/>
+          </a:p>
+          <a:p>
+            <a:r>
+              <a:rPr lang="zh-TW" altLang="en-US"/>
+              <a:t>大部分</a:t>
+            </a:r>
+            <a:r>
+              <a:rPr lang="zh-TW" altLang="en-US">
+                <a:solidFill>
+                  <a:srgbClr val="00B0F0"/>
+                </a:solidFill>
+              </a:rPr>
+              <a:t>流程控制陳述式</a:t>
+            </a:r>
+            <a:r>
+              <a:rPr lang="zh-TW" altLang="en-US"/>
+              <a:t>的結尾不需要分號</a:t>
+            </a:r>
+            <a:endParaRPr lang="en-US" altLang="zh-TW"/>
+          </a:p>
+        </p:txBody>
+      </p:sp>
+    </p:spTree>
+    <p:extLst>
+      <p:ext uri="{BB962C8B-B14F-4D97-AF65-F5344CB8AC3E}">
+        <p14:creationId xmlns:p14="http://schemas.microsoft.com/office/powerpoint/2010/main" val="1374230130"/>
+      </p:ext>
+    </p:extLst>
+  </p:cSld>
+  <p:clrMapOvr>
+    <a:masterClrMapping/>
+  </p:clrMapOvr>
+  <p:transition spd="slow">
+    <p:push dir="u"/>
+  </p:transition>
+</p:sld>
+</file>
+
+<file path=ppt/slides/slide20.xml><?xml version="1.0" encoding="utf-8"?>
 <p:sld xmlns:a="http://schemas.openxmlformats.org/drawingml/2006/main" xmlns:r="http://schemas.openxmlformats.org/officeDocument/2006/relationships" xmlns:p="http://schemas.openxmlformats.org/presentationml/2006/main">
   <p:cSld>
     <p:spTree>
@@ -21857,277 +23513,7 @@
 </p:sld>
 </file>
 
-<file path=ppt/slides/slide2.xml><?xml version="1.0" encoding="utf-8"?>
-<p:sld xmlns:a="http://schemas.openxmlformats.org/drawingml/2006/main" xmlns:r="http://schemas.openxmlformats.org/officeDocument/2006/relationships" xmlns:p="http://schemas.openxmlformats.org/presentationml/2006/main">
-  <p:cSld>
-    <p:spTree>
-      <p:nvGrpSpPr>
-        <p:cNvPr id="1" name=""/>
-        <p:cNvGrpSpPr/>
-        <p:nvPr/>
-      </p:nvGrpSpPr>
-      <p:grpSpPr>
-        <a:xfrm>
-          <a:off x="0" y="0"/>
-          <a:ext cx="0" cy="0"/>
-          <a:chOff x="0" y="0"/>
-          <a:chExt cx="0" cy="0"/>
-        </a:xfrm>
-      </p:grpSpPr>
-      <p:sp>
-        <p:nvSpPr>
-          <p:cNvPr id="2" name="標題 1">
-            <a:extLst>
-              <a:ext uri="{FF2B5EF4-FFF2-40B4-BE49-F238E27FC236}">
-                <a16:creationId xmlns:a16="http://schemas.microsoft.com/office/drawing/2014/main" id="{7411AF8B-E3FD-4A87-B3EA-1DE26898E7F2}"/>
-              </a:ext>
-            </a:extLst>
-          </p:cNvPr>
-          <p:cNvSpPr>
-            <a:spLocks noGrp="1"/>
-          </p:cNvSpPr>
-          <p:nvPr>
-            <p:ph type="title"/>
-          </p:nvPr>
-        </p:nvSpPr>
-        <p:spPr/>
-        <p:txBody>
-          <a:bodyPr/>
-          <a:lstStyle/>
-          <a:p>
-            <a:r>
-              <a:rPr lang="zh-TW" altLang="en-US"/>
-              <a:t>流程控制</a:t>
-            </a:r>
-          </a:p>
-        </p:txBody>
-      </p:sp>
-      <p:sp>
-        <p:nvSpPr>
-          <p:cNvPr id="3" name="內容版面配置區 2">
-            <a:extLst>
-              <a:ext uri="{FF2B5EF4-FFF2-40B4-BE49-F238E27FC236}">
-                <a16:creationId xmlns:a16="http://schemas.microsoft.com/office/drawing/2014/main" id="{23E51D10-DF16-4C4F-B0AA-A4FF46CE9F8C}"/>
-              </a:ext>
-            </a:extLst>
-          </p:cNvPr>
-          <p:cNvSpPr>
-            <a:spLocks noGrp="1"/>
-          </p:cNvSpPr>
-          <p:nvPr>
-            <p:ph idx="1"/>
-          </p:nvPr>
-        </p:nvSpPr>
-        <p:spPr>
-          <a:xfrm>
-            <a:off x="838200" y="2227680"/>
-            <a:ext cx="10515600" cy="3240614"/>
-          </a:xfrm>
-        </p:spPr>
-        <p:txBody>
-          <a:bodyPr>
-            <a:normAutofit/>
-          </a:bodyPr>
-          <a:lstStyle/>
-          <a:p>
-            <a:r>
-              <a:rPr lang="zh-TW" altLang="en-US">
-                <a:solidFill>
-                  <a:srgbClr val="00B0F0"/>
-                </a:solidFill>
-              </a:rPr>
-              <a:t>流程控制</a:t>
-            </a:r>
-            <a:r>
-              <a:rPr lang="en-US" altLang="zh-TW">
-                <a:solidFill>
-                  <a:srgbClr val="00B0F0"/>
-                </a:solidFill>
-              </a:rPr>
-              <a:t>(flow control)</a:t>
-            </a:r>
-            <a:r>
-              <a:rPr lang="zh-TW" altLang="en-US"/>
-              <a:t>就是控制程式執行的流程、順序</a:t>
-            </a:r>
-            <a:endParaRPr lang="en-US" altLang="zh-TW"/>
-          </a:p>
-          <a:p>
-            <a:r>
-              <a:rPr lang="zh-TW" altLang="en-US"/>
-              <a:t>在 </a:t>
-            </a:r>
-            <a:r>
-              <a:rPr lang="en-US" altLang="zh-TW"/>
-              <a:t>Java</a:t>
-            </a:r>
-            <a:r>
-              <a:rPr lang="zh-TW" altLang="en-US"/>
-              <a:t> 中，能控制流程的有：</a:t>
-            </a:r>
-            <a:endParaRPr lang="en-US" altLang="zh-TW"/>
-          </a:p>
-          <a:p>
-            <a:r>
-              <a:rPr lang="en-US" altLang="zh-TW">
-                <a:solidFill>
-                  <a:srgbClr val="C68869"/>
-                </a:solidFill>
-              </a:rPr>
-              <a:t>if...else</a:t>
-            </a:r>
-            <a:r>
-              <a:rPr lang="zh-TW" altLang="en-US"/>
-              <a:t>、</a:t>
-            </a:r>
-            <a:r>
-              <a:rPr lang="en-US" altLang="zh-TW">
-                <a:solidFill>
-                  <a:srgbClr val="C68869"/>
-                </a:solidFill>
-              </a:rPr>
-              <a:t>switch</a:t>
-            </a:r>
-            <a:r>
-              <a:rPr lang="zh-TW" altLang="en-US"/>
-              <a:t>、</a:t>
-            </a:r>
-            <a:r>
-              <a:rPr lang="en-US" altLang="zh-TW">
-                <a:solidFill>
-                  <a:srgbClr val="C68869"/>
-                </a:solidFill>
-              </a:rPr>
-              <a:t>for</a:t>
-            </a:r>
-            <a:r>
-              <a:rPr lang="zh-TW" altLang="en-US"/>
-              <a:t>、</a:t>
-            </a:r>
-            <a:r>
-              <a:rPr lang="en-US" altLang="zh-TW">
-                <a:solidFill>
-                  <a:srgbClr val="C68869"/>
-                </a:solidFill>
-              </a:rPr>
-              <a:t>while</a:t>
-            </a:r>
-            <a:r>
-              <a:rPr lang="zh-TW" altLang="en-US"/>
-              <a:t>、</a:t>
-            </a:r>
-            <a:r>
-              <a:rPr lang="en-US" altLang="zh-TW">
-                <a:solidFill>
-                  <a:srgbClr val="C68869"/>
-                </a:solidFill>
-              </a:rPr>
-              <a:t>continue</a:t>
-            </a:r>
-            <a:r>
-              <a:rPr lang="zh-TW" altLang="en-US"/>
-              <a:t>、</a:t>
-            </a:r>
-            <a:r>
-              <a:rPr lang="en-US" altLang="zh-TW">
-                <a:solidFill>
-                  <a:srgbClr val="C68869"/>
-                </a:solidFill>
-              </a:rPr>
-              <a:t>break</a:t>
-            </a:r>
-          </a:p>
-          <a:p>
-            <a:r>
-              <a:rPr lang="zh-TW" altLang="en-US"/>
-              <a:t>這些是</a:t>
-            </a:r>
-            <a:r>
-              <a:rPr lang="zh-TW" altLang="en-US">
-                <a:solidFill>
-                  <a:srgbClr val="00B0F0"/>
-                </a:solidFill>
-              </a:rPr>
-              <a:t>控制流程陳述式</a:t>
-            </a:r>
-            <a:r>
-              <a:rPr lang="en-US" altLang="zh-TW">
-                <a:solidFill>
-                  <a:srgbClr val="00B0F0"/>
-                </a:solidFill>
-              </a:rPr>
-              <a:t>(control flow statement)</a:t>
-            </a:r>
-          </a:p>
-          <a:p>
-            <a:r>
-              <a:rPr lang="zh-TW" altLang="en-US"/>
-              <a:t>與</a:t>
-            </a:r>
-            <a:r>
-              <a:rPr lang="zh-TW" altLang="en-US">
-                <a:solidFill>
-                  <a:srgbClr val="00B0F0"/>
-                </a:solidFill>
-              </a:rPr>
-              <a:t>表達陳述式</a:t>
-            </a:r>
-            <a:r>
-              <a:rPr lang="zh-TW" altLang="en-US"/>
-              <a:t>和</a:t>
-            </a:r>
-            <a:r>
-              <a:rPr lang="zh-TW" altLang="en-US">
-                <a:solidFill>
-                  <a:srgbClr val="00B0F0"/>
-                </a:solidFill>
-              </a:rPr>
-              <a:t>宣告陳述式</a:t>
-            </a:r>
-            <a:r>
-              <a:rPr lang="zh-TW" altLang="en-US"/>
-              <a:t>不同的是</a:t>
-            </a:r>
-            <a:endParaRPr lang="en-US" altLang="zh-TW"/>
-          </a:p>
-          <a:p>
-            <a:r>
-              <a:rPr lang="zh-TW" altLang="en-US"/>
-              <a:t>大部分</a:t>
-            </a:r>
-            <a:r>
-              <a:rPr lang="zh-TW" altLang="en-US">
-                <a:solidFill>
-                  <a:srgbClr val="00B0F0"/>
-                </a:solidFill>
-              </a:rPr>
-              <a:t>流程控制陳述式</a:t>
-            </a:r>
-            <a:r>
-              <a:rPr lang="zh-TW" altLang="en-US"/>
-              <a:t>的結尾不需要分號</a:t>
-            </a:r>
-            <a:endParaRPr lang="en-US" altLang="zh-TW"/>
-          </a:p>
-        </p:txBody>
-      </p:sp>
-    </p:spTree>
-    <p:extLst>
-      <p:ext uri="{BB962C8B-B14F-4D97-AF65-F5344CB8AC3E}">
-        <p14:creationId xmlns:p14="http://schemas.microsoft.com/office/powerpoint/2010/main" val="1374230130"/>
-      </p:ext>
-    </p:extLst>
-  </p:cSld>
-  <p:clrMapOvr>
-    <a:masterClrMapping/>
-  </p:clrMapOvr>
-  <p:transition spd="slow">
-    <p:push dir="u"/>
-  </p:transition>
-</p:sld>
-</file>
-
-<file path=ppt/slides/slide20.xml><?xml version="1.0" encoding="utf-8"?>
+<file path=ppt/slides/slide21.xml><?xml version="1.0" encoding="utf-8"?>
 <p:sld xmlns:a="http://schemas.openxmlformats.org/drawingml/2006/main" xmlns:r="http://schemas.openxmlformats.org/officeDocument/2006/relationships" xmlns:p="http://schemas.openxmlformats.org/presentationml/2006/main">
   <p:cSld>
     <p:spTree>
@@ -24206,7 +25592,7 @@
 </p:sld>
 </file>
 
-<file path=ppt/slides/slide21.xml><?xml version="1.0" encoding="utf-8"?>
+<file path=ppt/slides/slide22.xml><?xml version="1.0" encoding="utf-8"?>
 <p:sld xmlns:a="http://schemas.openxmlformats.org/drawingml/2006/main" xmlns:r="http://schemas.openxmlformats.org/officeDocument/2006/relationships" xmlns:p="http://schemas.openxmlformats.org/presentationml/2006/main">
   <p:cSld>
     <p:spTree>
@@ -25667,7 +27053,7 @@
 </p:sld>
 </file>
 
-<file path=ppt/slides/slide22.xml><?xml version="1.0" encoding="utf-8"?>
+<file path=ppt/slides/slide23.xml><?xml version="1.0" encoding="utf-8"?>
 <p:sld xmlns:a="http://schemas.openxmlformats.org/drawingml/2006/main" xmlns:r="http://schemas.openxmlformats.org/officeDocument/2006/relationships" xmlns:p="http://schemas.openxmlformats.org/presentationml/2006/main">
   <p:cSld>
     <p:spTree>
@@ -27513,7 +28899,7 @@
 </p:sld>
 </file>
 
-<file path=ppt/slides/slide23.xml><?xml version="1.0" encoding="utf-8"?>
+<file path=ppt/slides/slide24.xml><?xml version="1.0" encoding="utf-8"?>
 <p:sld xmlns:a="http://schemas.openxmlformats.org/drawingml/2006/main" xmlns:r="http://schemas.openxmlformats.org/officeDocument/2006/relationships" xmlns:p="http://schemas.openxmlformats.org/presentationml/2006/main">
   <p:cSld>
     <p:spTree>
@@ -29530,7 +30916,7 @@
 </p:sld>
 </file>
 
-<file path=ppt/slides/slide24.xml><?xml version="1.0" encoding="utf-8"?>
+<file path=ppt/slides/slide25.xml><?xml version="1.0" encoding="utf-8"?>
 <p:sld xmlns:a="http://schemas.openxmlformats.org/drawingml/2006/main" xmlns:r="http://schemas.openxmlformats.org/officeDocument/2006/relationships" xmlns:p="http://schemas.openxmlformats.org/presentationml/2006/main">
   <p:cSld>
     <p:spTree>
@@ -32480,16 +33866,64 @@
             </a:r>
             <a:r>
               <a:rPr lang="zh-TW" altLang="en-US"/>
-              <a:t>後方的區塊內只有一行陳述式</a:t>
+              <a:t>後方的</a:t>
             </a:r>
-            <a:endParaRPr lang="en-US" altLang="zh-TW"/>
+            <a:r>
+              <a:rPr lang="zh-TW" altLang="en-US">
+                <a:solidFill>
+                  <a:srgbClr val="00B0F0"/>
+                </a:solidFill>
+              </a:rPr>
+              <a:t>區塊</a:t>
+            </a:r>
+            <a:r>
+              <a:rPr lang="zh-TW" altLang="en-US"/>
+              <a:t>內只有一行</a:t>
+            </a:r>
+            <a:r>
+              <a:rPr lang="zh-TW" altLang="en-US">
+                <a:solidFill>
+                  <a:srgbClr val="00B0F0"/>
+                </a:solidFill>
+              </a:rPr>
+              <a:t>陳述式</a:t>
+            </a:r>
+            <a:endParaRPr lang="en-US" altLang="zh-TW">
+              <a:solidFill>
+                <a:srgbClr val="00B0F0"/>
+              </a:solidFill>
+            </a:endParaRPr>
           </a:p>
           <a:p>
             <a:r>
               <a:rPr lang="zh-TW" altLang="en-US"/>
-              <a:t>則可以不寫區塊，直接寫陳述式</a:t>
+              <a:t>則可以不寫</a:t>
             </a:r>
-            <a:endParaRPr lang="en-US" altLang="zh-TW"/>
+            <a:r>
+              <a:rPr lang="zh-TW" altLang="en-US">
+                <a:solidFill>
+                  <a:srgbClr val="00B0F0"/>
+                </a:solidFill>
+              </a:rPr>
+              <a:t>區塊</a:t>
+            </a:r>
+            <a:r>
+              <a:rPr lang="zh-TW" altLang="en-US"/>
+              <a:t>，直接寫</a:t>
+            </a:r>
+            <a:r>
+              <a:rPr lang="zh-TW" altLang="en-US">
+                <a:solidFill>
+                  <a:srgbClr val="00B0F0"/>
+                </a:solidFill>
+              </a:rPr>
+              <a:t>陳述式</a:t>
+            </a:r>
+            <a:endParaRPr lang="en-US" altLang="zh-TW">
+              <a:solidFill>
+                <a:srgbClr val="00B0F0"/>
+              </a:solidFill>
+            </a:endParaRPr>
           </a:p>
           <a:p>
             <a:r>
@@ -33318,7 +34752,19 @@
           <a:p>
             <a:r>
               <a:rPr lang="zh-TW" altLang="en-US"/>
-              <a:t>否則強烈建議使用區塊，避免閱讀錯誤</a:t>
+              <a:t>否則強烈建議使用</a:t>
+            </a:r>
+            <a:r>
+              <a:rPr lang="zh-TW" altLang="en-US">
+                <a:solidFill>
+                  <a:srgbClr val="00B0F0"/>
+                </a:solidFill>
+              </a:rPr>
+              <a:t>區塊</a:t>
+            </a:r>
+            <a:r>
+              <a:rPr lang="zh-TW" altLang="en-US"/>
+              <a:t>，避免閱讀錯誤</a:t>
             </a:r>
             <a:endParaRPr lang="en-US" altLang="zh-TW"/>
           </a:p>
@@ -37142,14 +38588,14 @@
             <a:r>
               <a:rPr lang="zh-TW" altLang="en-US">
                 <a:solidFill>
-                  <a:srgbClr val="00B0F0"/>
+                  <a:srgbClr val="FFFF00"/>
                 </a:solidFill>
               </a:rPr>
               <a:t>當傳入值和某個條件值相等時，便會從相等的條件值那行開始</a:t>
             </a:r>
             <a:endParaRPr lang="en-US" altLang="zh-TW">
               <a:solidFill>
-                <a:srgbClr val="00B0F0"/>
+                <a:srgbClr val="FFFF00"/>
               </a:solidFill>
             </a:endParaRPr>
           </a:p>
@@ -37157,7 +38603,7 @@
             <a:r>
               <a:rPr lang="zh-TW" altLang="en-US">
                 <a:solidFill>
-                  <a:srgbClr val="00B0F0"/>
+                  <a:srgbClr val="FFFF00"/>
                 </a:solidFill>
               </a:rPr>
               <a:t>往下執行直到 </a:t>
@@ -37165,7 +38611,7 @@
             <a:r>
               <a:rPr lang="en-US" altLang="zh-TW">
                 <a:solidFill>
-                  <a:srgbClr val="00B0F0"/>
+                  <a:srgbClr val="CF8E6D"/>
                 </a:solidFill>
               </a:rPr>
               <a:t>switch</a:t>
@@ -37176,11 +38622,19 @@
                   <a:srgbClr val="00B0F0"/>
                 </a:solidFill>
               </a:rPr>
-              <a:t> 結束，而不管中間的條件值是否相等</a:t>
+              <a:t> </a:t>
+            </a:r>
+            <a:r>
+              <a:rPr lang="zh-TW" altLang="en-US">
+                <a:solidFill>
+                  <a:srgbClr val="FFFF00"/>
+                </a:solidFill>
+              </a:rPr>
+              <a:t>結束，而不管中間的條件值是否相等</a:t>
             </a:r>
             <a:endParaRPr lang="en-US" altLang="zh-TW">
               <a:solidFill>
-                <a:srgbClr val="00B0F0"/>
+                <a:srgbClr val="FFFF00"/>
               </a:solidFill>
             </a:endParaRPr>
           </a:p>

--- a/ppt/06_流程控制.pptx
+++ b/ppt/06_流程控制.pptx
@@ -9,15 +9,15 @@
   </p:notesMasterIdLst>
   <p:sldIdLst>
     <p:sldId id="256" r:id="rId2"/>
-    <p:sldId id="257" r:id="rId3"/>
-    <p:sldId id="258" r:id="rId4"/>
-    <p:sldId id="259" r:id="rId5"/>
-    <p:sldId id="261" r:id="rId6"/>
-    <p:sldId id="260" r:id="rId7"/>
-    <p:sldId id="263" r:id="rId8"/>
-    <p:sldId id="262" r:id="rId9"/>
-    <p:sldId id="264" r:id="rId10"/>
-    <p:sldId id="311" r:id="rId11"/>
+    <p:sldId id="311" r:id="rId3"/>
+    <p:sldId id="257" r:id="rId4"/>
+    <p:sldId id="258" r:id="rId5"/>
+    <p:sldId id="259" r:id="rId6"/>
+    <p:sldId id="261" r:id="rId7"/>
+    <p:sldId id="260" r:id="rId8"/>
+    <p:sldId id="263" r:id="rId9"/>
+    <p:sldId id="262" r:id="rId10"/>
+    <p:sldId id="264" r:id="rId11"/>
     <p:sldId id="266" r:id="rId12"/>
     <p:sldId id="265" r:id="rId13"/>
     <p:sldId id="267" r:id="rId14"/>
@@ -221,7 +221,7 @@
           <a:p>
             <a:fld id="{75B7B77E-BBE2-46C9-9A39-77F82475482F}" type="datetimeFigureOut">
               <a:rPr lang="zh-TW" altLang="en-US" smtClean="0"/>
-              <a:t>2024/9/20</a:t>
+              <a:t>2024/10/18</a:t>
             </a:fld>
             <a:endParaRPr lang="zh-TW" altLang="en-US"/>
           </a:p>
@@ -2349,292 +2349,12 @@
           <a:chExt cx="0" cy="0"/>
         </a:xfrm>
       </p:grpSpPr>
-      <p:sp>
-        <p:nvSpPr>
-          <p:cNvPr id="2" name="標題 1">
+      <p:grpSp>
+        <p:nvGrpSpPr>
+          <p:cNvPr id="26" name="群組 25">
             <a:extLst>
               <a:ext uri="{FF2B5EF4-FFF2-40B4-BE49-F238E27FC236}">
-                <a16:creationId xmlns:a16="http://schemas.microsoft.com/office/drawing/2014/main" id="{984FB812-7A87-4C2D-A74E-F1AFFFBB10DA}"/>
-              </a:ext>
-            </a:extLst>
-          </p:cNvPr>
-          <p:cNvSpPr>
-            <a:spLocks noGrp="1"/>
-          </p:cNvSpPr>
-          <p:nvPr>
-            <p:ph type="title"/>
-          </p:nvPr>
-        </p:nvSpPr>
-        <p:spPr/>
-        <p:txBody>
-          <a:bodyPr/>
-          <a:lstStyle/>
-          <a:p>
-            <a:r>
-              <a:rPr lang="zh-TW" altLang="en-US"/>
-              <a:t>三元運算</a:t>
-            </a:r>
-          </a:p>
-        </p:txBody>
-      </p:sp>
-      <p:sp>
-        <p:nvSpPr>
-          <p:cNvPr id="3" name="內容版面配置區 2">
-            <a:extLst>
-              <a:ext uri="{FF2B5EF4-FFF2-40B4-BE49-F238E27FC236}">
-                <a16:creationId xmlns:a16="http://schemas.microsoft.com/office/drawing/2014/main" id="{0A12CE84-E704-4BA2-A161-A6A63AEDFA7B}"/>
-              </a:ext>
-            </a:extLst>
-          </p:cNvPr>
-          <p:cNvSpPr>
-            <a:spLocks noGrp="1"/>
-          </p:cNvSpPr>
-          <p:nvPr>
-            <p:ph idx="1"/>
-          </p:nvPr>
-        </p:nvSpPr>
-        <p:spPr>
-          <a:xfrm>
-            <a:off x="762000" y="1690688"/>
-            <a:ext cx="10668000" cy="491137"/>
-          </a:xfrm>
-        </p:spPr>
-        <p:txBody>
-          <a:bodyPr/>
-          <a:lstStyle/>
-          <a:p>
-            <a:r>
-              <a:rPr lang="zh-TW" altLang="en-US"/>
-              <a:t>在 </a:t>
-            </a:r>
-            <a:r>
-              <a:rPr lang="en-US" altLang="zh-TW"/>
-              <a:t>Java</a:t>
-            </a:r>
-            <a:r>
-              <a:rPr lang="zh-TW" altLang="en-US"/>
-              <a:t> 中，只有一種</a:t>
-            </a:r>
-            <a:r>
-              <a:rPr lang="zh-TW" altLang="en-US">
-                <a:solidFill>
-                  <a:srgbClr val="00B0F0"/>
-                </a:solidFill>
-              </a:rPr>
-              <a:t>三元運算</a:t>
-            </a:r>
-            <a:r>
-              <a:rPr lang="zh-TW" altLang="en-US"/>
-              <a:t>，格式如下：</a:t>
-            </a:r>
-          </a:p>
-        </p:txBody>
-      </p:sp>
-      <p:sp>
-        <p:nvSpPr>
-          <p:cNvPr id="6" name="內容版面配置區 2">
-            <a:extLst>
-              <a:ext uri="{FF2B5EF4-FFF2-40B4-BE49-F238E27FC236}">
-                <a16:creationId xmlns:a16="http://schemas.microsoft.com/office/drawing/2014/main" id="{1D873183-54B3-4B5A-826E-1294882AAFF1}"/>
-              </a:ext>
-            </a:extLst>
-          </p:cNvPr>
-          <p:cNvSpPr txBox="1">
-            <a:spLocks/>
-          </p:cNvSpPr>
-          <p:nvPr/>
-        </p:nvSpPr>
-        <p:spPr>
-          <a:xfrm>
-            <a:off x="762000" y="2942018"/>
-            <a:ext cx="10668000" cy="491137"/>
-          </a:xfrm>
-          <a:prstGeom prst="rect">
-            <a:avLst/>
-          </a:prstGeom>
-        </p:spPr>
-        <p:txBody>
-          <a:bodyPr vert="horz" lIns="91440" tIns="45720" rIns="91440" bIns="45720" rtlCol="0">
-            <a:normAutofit/>
-          </a:bodyPr>
-          <a:lstStyle>
-            <a:lvl1pPr marL="0" indent="0" algn="l" defTabSz="914400" rtl="0" eaLnBrk="1" latinLnBrk="0" hangingPunct="1">
-              <a:lnSpc>
-                <a:spcPct val="90000"/>
-              </a:lnSpc>
-              <a:spcBef>
-                <a:spcPts val="1000"/>
-              </a:spcBef>
-              <a:buFont typeface="Arial" panose="020B0604020202020204" pitchFamily="34" charset="0"/>
-              <a:buNone/>
-              <a:defRPr sz="2800" kern="1200">
-                <a:solidFill>
-                  <a:schemeClr val="tx1"/>
-                </a:solidFill>
-                <a:latin typeface="+mn-lt"/>
-                <a:ea typeface="+mn-ea"/>
-                <a:cs typeface="+mn-cs"/>
-              </a:defRPr>
-            </a:lvl1pPr>
-            <a:lvl2pPr marL="457200" indent="0" algn="l" defTabSz="914400" rtl="0" eaLnBrk="1" latinLnBrk="0" hangingPunct="1">
-              <a:lnSpc>
-                <a:spcPct val="90000"/>
-              </a:lnSpc>
-              <a:spcBef>
-                <a:spcPts val="500"/>
-              </a:spcBef>
-              <a:buFont typeface="Arial" panose="020B0604020202020204" pitchFamily="34" charset="0"/>
-              <a:buNone/>
-              <a:defRPr sz="2400" kern="1200">
-                <a:solidFill>
-                  <a:schemeClr val="tx1"/>
-                </a:solidFill>
-                <a:latin typeface="+mn-lt"/>
-                <a:ea typeface="+mn-ea"/>
-                <a:cs typeface="+mn-cs"/>
-              </a:defRPr>
-            </a:lvl2pPr>
-            <a:lvl3pPr marL="914400" indent="0" algn="l" defTabSz="914400" rtl="0" eaLnBrk="1" latinLnBrk="0" hangingPunct="1">
-              <a:lnSpc>
-                <a:spcPct val="90000"/>
-              </a:lnSpc>
-              <a:spcBef>
-                <a:spcPts val="500"/>
-              </a:spcBef>
-              <a:buFont typeface="Arial" panose="020B0604020202020204" pitchFamily="34" charset="0"/>
-              <a:buNone/>
-              <a:defRPr sz="2000" kern="1200">
-                <a:solidFill>
-                  <a:schemeClr val="tx1"/>
-                </a:solidFill>
-                <a:latin typeface="+mn-lt"/>
-                <a:ea typeface="+mn-ea"/>
-                <a:cs typeface="+mn-cs"/>
-              </a:defRPr>
-            </a:lvl3pPr>
-            <a:lvl4pPr marL="1371600" indent="0" algn="l" defTabSz="914400" rtl="0" eaLnBrk="1" latinLnBrk="0" hangingPunct="1">
-              <a:lnSpc>
-                <a:spcPct val="90000"/>
-              </a:lnSpc>
-              <a:spcBef>
-                <a:spcPts val="500"/>
-              </a:spcBef>
-              <a:buFont typeface="Arial" panose="020B0604020202020204" pitchFamily="34" charset="0"/>
-              <a:buNone/>
-              <a:defRPr sz="1800" kern="1200">
-                <a:solidFill>
-                  <a:schemeClr val="tx1"/>
-                </a:solidFill>
-                <a:latin typeface="+mn-lt"/>
-                <a:ea typeface="+mn-ea"/>
-                <a:cs typeface="+mn-cs"/>
-              </a:defRPr>
-            </a:lvl4pPr>
-            <a:lvl5pPr marL="1828800" indent="0" algn="l" defTabSz="914400" rtl="0" eaLnBrk="1" latinLnBrk="0" hangingPunct="1">
-              <a:lnSpc>
-                <a:spcPct val="90000"/>
-              </a:lnSpc>
-              <a:spcBef>
-                <a:spcPts val="500"/>
-              </a:spcBef>
-              <a:buFont typeface="Arial" panose="020B0604020202020204" pitchFamily="34" charset="0"/>
-              <a:buNone/>
-              <a:defRPr sz="1800" kern="1200">
-                <a:solidFill>
-                  <a:schemeClr val="tx1"/>
-                </a:solidFill>
-                <a:latin typeface="+mn-lt"/>
-                <a:ea typeface="+mn-ea"/>
-                <a:cs typeface="+mn-cs"/>
-              </a:defRPr>
-            </a:lvl5pPr>
-            <a:lvl6pPr marL="2514600" indent="-228600" algn="l" defTabSz="914400" rtl="0" eaLnBrk="1" latinLnBrk="0" hangingPunct="1">
-              <a:lnSpc>
-                <a:spcPct val="90000"/>
-              </a:lnSpc>
-              <a:spcBef>
-                <a:spcPts val="500"/>
-              </a:spcBef>
-              <a:buFont typeface="Arial" panose="020B0604020202020204" pitchFamily="34" charset="0"/>
-              <a:buChar char="•"/>
-              <a:defRPr sz="1800" kern="1200">
-                <a:solidFill>
-                  <a:schemeClr val="tx1"/>
-                </a:solidFill>
-                <a:latin typeface="+mn-lt"/>
-                <a:ea typeface="+mn-ea"/>
-                <a:cs typeface="+mn-cs"/>
-              </a:defRPr>
-            </a:lvl6pPr>
-            <a:lvl7pPr marL="2971800" indent="-228600" algn="l" defTabSz="914400" rtl="0" eaLnBrk="1" latinLnBrk="0" hangingPunct="1">
-              <a:lnSpc>
-                <a:spcPct val="90000"/>
-              </a:lnSpc>
-              <a:spcBef>
-                <a:spcPts val="500"/>
-              </a:spcBef>
-              <a:buFont typeface="Arial" panose="020B0604020202020204" pitchFamily="34" charset="0"/>
-              <a:buChar char="•"/>
-              <a:defRPr sz="1800" kern="1200">
-                <a:solidFill>
-                  <a:schemeClr val="tx1"/>
-                </a:solidFill>
-                <a:latin typeface="+mn-lt"/>
-                <a:ea typeface="+mn-ea"/>
-                <a:cs typeface="+mn-cs"/>
-              </a:defRPr>
-            </a:lvl7pPr>
-            <a:lvl8pPr marL="3429000" indent="-228600" algn="l" defTabSz="914400" rtl="0" eaLnBrk="1" latinLnBrk="0" hangingPunct="1">
-              <a:lnSpc>
-                <a:spcPct val="90000"/>
-              </a:lnSpc>
-              <a:spcBef>
-                <a:spcPts val="500"/>
-              </a:spcBef>
-              <a:buFont typeface="Arial" panose="020B0604020202020204" pitchFamily="34" charset="0"/>
-              <a:buChar char="•"/>
-              <a:defRPr sz="1800" kern="1200">
-                <a:solidFill>
-                  <a:schemeClr val="tx1"/>
-                </a:solidFill>
-                <a:latin typeface="+mn-lt"/>
-                <a:ea typeface="+mn-ea"/>
-                <a:cs typeface="+mn-cs"/>
-              </a:defRPr>
-            </a:lvl8pPr>
-            <a:lvl9pPr marL="3886200" indent="-228600" algn="l" defTabSz="914400" rtl="0" eaLnBrk="1" latinLnBrk="0" hangingPunct="1">
-              <a:lnSpc>
-                <a:spcPct val="90000"/>
-              </a:lnSpc>
-              <a:spcBef>
-                <a:spcPts val="500"/>
-              </a:spcBef>
-              <a:buFont typeface="Arial" panose="020B0604020202020204" pitchFamily="34" charset="0"/>
-              <a:buChar char="•"/>
-              <a:defRPr sz="1800" kern="1200">
-                <a:solidFill>
-                  <a:schemeClr val="tx1"/>
-                </a:solidFill>
-                <a:latin typeface="+mn-lt"/>
-                <a:ea typeface="+mn-ea"/>
-                <a:cs typeface="+mn-cs"/>
-              </a:defRPr>
-            </a:lvl9pPr>
-          </a:lstStyle>
-          <a:p>
-            <a:r>
-              <a:rPr lang="zh-TW" altLang="en-US"/>
-              <a:t>範例如下：</a:t>
-            </a:r>
-          </a:p>
-        </p:txBody>
-      </p:sp>
-      <p:grpSp>
-        <p:nvGrpSpPr>
-          <p:cNvPr id="10" name="群組 9">
-            <a:extLst>
-              <a:ext uri="{FF2B5EF4-FFF2-40B4-BE49-F238E27FC236}">
-                <a16:creationId xmlns:a16="http://schemas.microsoft.com/office/drawing/2014/main" id="{9BFF430B-E287-46C5-A0E8-55D339DBED08}"/>
+                <a16:creationId xmlns:a16="http://schemas.microsoft.com/office/drawing/2014/main" id="{BD4558B2-B152-4AF2-8212-53ABEBD70339}"/>
               </a:ext>
             </a:extLst>
           </p:cNvPr>
@@ -2643,18 +2363,18 @@
         </p:nvGrpSpPr>
         <p:grpSpPr>
           <a:xfrm>
-            <a:off x="761999" y="5301343"/>
-            <a:ext cx="10667999" cy="830997"/>
-            <a:chOff x="7532015" y="3822156"/>
-            <a:chExt cx="10667999" cy="830997"/>
+            <a:off x="582705" y="2308505"/>
+            <a:ext cx="10771093" cy="4185761"/>
+            <a:chOff x="582705" y="2308505"/>
+            <a:chExt cx="10771093" cy="4185761"/>
           </a:xfrm>
         </p:grpSpPr>
         <p:sp>
           <p:nvSpPr>
-            <p:cNvPr id="11" name="Rectangle 1">
+            <p:cNvPr id="5" name="Rectangle 2">
               <a:extLst>
                 <a:ext uri="{FF2B5EF4-FFF2-40B4-BE49-F238E27FC236}">
-                  <a16:creationId xmlns:a16="http://schemas.microsoft.com/office/drawing/2014/main" id="{A059D418-28C9-4F40-BAC5-42233703C053}"/>
+                  <a16:creationId xmlns:a16="http://schemas.microsoft.com/office/drawing/2014/main" id="{A25B7B46-9F15-481F-B3DD-3288C8CDF005}"/>
                 </a:ext>
               </a:extLst>
             </p:cNvPr>
@@ -2665,165 +2385,8 @@
           </p:nvSpPr>
           <p:spPr bwMode="auto">
             <a:xfrm>
-              <a:off x="7532015" y="3822156"/>
-              <a:ext cx="10667999" cy="830997"/>
-            </a:xfrm>
-            <a:prstGeom prst="rect">
-              <a:avLst/>
-            </a:prstGeom>
-            <a:solidFill>
-              <a:srgbClr val="1E1F22"/>
-            </a:solidFill>
-            <a:ln>
-              <a:noFill/>
-            </a:ln>
-            <a:effectLst/>
-            <a:extLst>
-              <a:ext uri="{91240B29-F687-4F45-9708-019B960494DF}">
-                <a14:hiddenLine xmlns:a14="http://schemas.microsoft.com/office/drawing/2010/main" w="9525">
-                  <a:solidFill>
-                    <a:schemeClr val="tx1"/>
-                  </a:solidFill>
-                  <a:miter lim="800000"/>
-                  <a:headEnd/>
-                  <a:tailEnd/>
-                </a14:hiddenLine>
-              </a:ext>
-              <a:ext uri="{AF507438-7753-43E0-B8FC-AC1667EBCBE1}">
-                <a14:hiddenEffects xmlns:a14="http://schemas.microsoft.com/office/drawing/2010/main">
-                  <a:effectLst>
-                    <a:outerShdw dist="35921" dir="2700000" algn="ctr" rotWithShape="0">
-                      <a:schemeClr val="bg2"/>
-                    </a:outerShdw>
-                  </a:effectLst>
-                </a14:hiddenEffects>
-              </a:ext>
-            </a:extLst>
-          </p:spPr>
-          <p:txBody>
-            <a:bodyPr vert="horz" wrap="square" lIns="91440" tIns="45720" rIns="91440" bIns="45720" numCol="1" anchor="ctr" anchorCtr="0" compatLnSpc="1">
-              <a:prstTxWarp prst="textNoShape">
-                <a:avLst/>
-              </a:prstTxWarp>
-              <a:spAutoFit/>
-            </a:bodyPr>
-            <a:lstStyle/>
-            <a:p>
-              <a:r>
-                <a:rPr lang="en-US" altLang="zh-TW" sz="2400">
-                  <a:solidFill>
-                    <a:srgbClr val="BCBEC4"/>
-                  </a:solidFill>
-                  <a:latin typeface="+mj-lt"/>
-                  <a:cs typeface="JetBrains Mono" panose="02000009000000000000" pitchFamily="49" charset="0"/>
-                </a:rPr>
-                <a:t>True</a:t>
-              </a:r>
-            </a:p>
-            <a:p>
-              <a:r>
-                <a:rPr lang="en-US" altLang="zh-TW" sz="2400">
-                  <a:solidFill>
-                    <a:srgbClr val="BCBEC4"/>
-                  </a:solidFill>
-                  <a:latin typeface="+mj-lt"/>
-                  <a:cs typeface="JetBrains Mono" panose="02000009000000000000" pitchFamily="49" charset="0"/>
-                </a:rPr>
-                <a:t>True</a:t>
-              </a:r>
-              <a:endParaRPr lang="zh-TW" altLang="en-US" sz="2400">
-                <a:solidFill>
-                  <a:srgbClr val="BCBEC4"/>
-                </a:solidFill>
-                <a:latin typeface="+mj-lt"/>
-                <a:cs typeface="JetBrains Mono" panose="02000009000000000000" pitchFamily="49" charset="0"/>
-              </a:endParaRPr>
-            </a:p>
-          </p:txBody>
-        </p:sp>
-        <p:sp>
-          <p:nvSpPr>
-            <p:cNvPr id="12" name="文字方塊 11">
-              <a:extLst>
-                <a:ext uri="{FF2B5EF4-FFF2-40B4-BE49-F238E27FC236}">
-                  <a16:creationId xmlns:a16="http://schemas.microsoft.com/office/drawing/2014/main" id="{00612323-2070-478C-B607-2EDD6ADF3810}"/>
-                </a:ext>
-              </a:extLst>
-            </p:cNvPr>
-            <p:cNvSpPr txBox="1"/>
-            <p:nvPr/>
-          </p:nvSpPr>
-          <p:spPr>
-            <a:xfrm>
-              <a:off x="17342087" y="4314599"/>
-              <a:ext cx="857927" cy="338554"/>
-            </a:xfrm>
-            <a:prstGeom prst="rect">
-              <a:avLst/>
-            </a:prstGeom>
-            <a:noFill/>
-          </p:spPr>
-          <p:txBody>
-            <a:bodyPr wrap="none" rtlCol="0">
-              <a:spAutoFit/>
-            </a:bodyPr>
-            <a:lstStyle/>
-            <a:p>
-              <a:r>
-                <a:rPr lang="en-US" altLang="zh-TW" sz="1600">
-                  <a:solidFill>
-                    <a:schemeClr val="accent3"/>
-                  </a:solidFill>
-                </a:rPr>
-                <a:t>output</a:t>
-              </a:r>
-              <a:endParaRPr lang="zh-TW" altLang="en-US" sz="1600">
-                <a:solidFill>
-                  <a:schemeClr val="accent3"/>
-                </a:solidFill>
-              </a:endParaRPr>
-            </a:p>
-          </p:txBody>
-        </p:sp>
-      </p:grpSp>
-      <p:grpSp>
-        <p:nvGrpSpPr>
-          <p:cNvPr id="16" name="群組 15">
-            <a:extLst>
-              <a:ext uri="{FF2B5EF4-FFF2-40B4-BE49-F238E27FC236}">
-                <a16:creationId xmlns:a16="http://schemas.microsoft.com/office/drawing/2014/main" id="{98B672DF-8EFB-4DB4-8503-FD96DFCF79A4}"/>
-              </a:ext>
-            </a:extLst>
-          </p:cNvPr>
-          <p:cNvGrpSpPr/>
-          <p:nvPr/>
-        </p:nvGrpSpPr>
-        <p:grpSpPr>
-          <a:xfrm>
-            <a:off x="762000" y="3582419"/>
-            <a:ext cx="10668000" cy="1569660"/>
-            <a:chOff x="762000" y="3516075"/>
-            <a:chExt cx="10668000" cy="1569660"/>
-          </a:xfrm>
-        </p:grpSpPr>
-        <p:sp>
-          <p:nvSpPr>
-            <p:cNvPr id="8" name="Rectangle 3">
-              <a:extLst>
-                <a:ext uri="{FF2B5EF4-FFF2-40B4-BE49-F238E27FC236}">
-                  <a16:creationId xmlns:a16="http://schemas.microsoft.com/office/drawing/2014/main" id="{D26F778D-45FA-420A-8F59-765C59F85820}"/>
-                </a:ext>
-              </a:extLst>
-            </p:cNvPr>
-            <p:cNvSpPr>
-              <a:spLocks noChangeArrowheads="1"/>
-            </p:cNvSpPr>
-            <p:nvPr/>
-          </p:nvSpPr>
-          <p:spPr bwMode="auto">
-            <a:xfrm>
-              <a:off x="762000" y="3516075"/>
-              <a:ext cx="10668000" cy="1569660"/>
+              <a:off x="582705" y="2308505"/>
+              <a:ext cx="10771093" cy="4185761"/>
             </a:xfrm>
             <a:prstGeom prst="rect">
               <a:avLst/>
@@ -2883,7 +2446,7 @@
                 <a:tabLst/>
               </a:pPr>
               <a:r>
-                <a:rPr kumimoji="0" lang="zh-TW" altLang="zh-TW" sz="2400" b="0" i="0" u="none" strike="noStrike" cap="none" normalizeH="0" baseline="0">
+                <a:rPr kumimoji="0" lang="zh-TW" altLang="zh-TW" sz="1400" b="0" i="0" u="none" strike="noStrike" cap="none" normalizeH="0" baseline="0">
                   <a:ln>
                     <a:noFill/>
                   </a:ln>
@@ -2894,38 +2457,453 @@
                   <a:latin typeface="+mj-lt"/>
                   <a:cs typeface="JetBrains Mono" panose="02000009000000000000" pitchFamily="49" charset="0"/>
                 </a:rPr>
-                <a:t>final int </a:t>
-              </a:r>
-              <a:r>
-                <a:rPr kumimoji="0" lang="zh-TW" altLang="zh-TW" sz="2400" b="0" i="0" u="none" strike="noStrike" cap="none" normalizeH="0" baseline="0">
-                  <a:ln>
-                    <a:noFill/>
-                  </a:ln>
-                  <a:solidFill>
-                    <a:srgbClr val="BCBEC4"/>
-                  </a:solidFill>
-                  <a:effectLst/>
-                  <a:latin typeface="+mj-lt"/>
-                  <a:cs typeface="JetBrains Mono" panose="02000009000000000000" pitchFamily="49" charset="0"/>
-                </a:rPr>
-                <a:t>INT_MAX = </a:t>
-              </a:r>
-              <a:r>
-                <a:rPr kumimoji="0" lang="zh-TW" altLang="zh-TW" sz="2400" b="0" i="0" u="none" strike="noStrike" cap="none" normalizeH="0" baseline="0">
-                  <a:ln>
-                    <a:noFill/>
-                  </a:ln>
-                  <a:solidFill>
-                    <a:srgbClr val="2AACB8"/>
-                  </a:solidFill>
-                  <a:effectLst/>
-                  <a:latin typeface="+mj-lt"/>
-                  <a:cs typeface="JetBrains Mono" panose="02000009000000000000" pitchFamily="49" charset="0"/>
-                </a:rPr>
-                <a:t>2147483647</a:t>
-              </a:r>
-              <a:r>
-                <a:rPr kumimoji="0" lang="zh-TW" altLang="zh-TW" sz="2400" b="0" i="0" u="none" strike="noStrike" cap="none" normalizeH="0" baseline="0">
+                <a:t>import </a:t>
+              </a:r>
+              <a:r>
+                <a:rPr kumimoji="0" lang="zh-TW" altLang="zh-TW" sz="1400" b="0" i="0" u="none" strike="noStrike" cap="none" normalizeH="0" baseline="0">
+                  <a:ln>
+                    <a:noFill/>
+                  </a:ln>
+                  <a:solidFill>
+                    <a:srgbClr val="BCBEC4"/>
+                  </a:solidFill>
+                  <a:effectLst/>
+                  <a:latin typeface="+mj-lt"/>
+                  <a:cs typeface="JetBrains Mono" panose="02000009000000000000" pitchFamily="49" charset="0"/>
+                </a:rPr>
+                <a:t>java.util.Scanner;</a:t>
+              </a:r>
+              <a:br>
+                <a:rPr kumimoji="0" lang="zh-TW" altLang="zh-TW" sz="1400" b="0" i="0" u="none" strike="noStrike" cap="none" normalizeH="0" baseline="0">
+                  <a:ln>
+                    <a:noFill/>
+                  </a:ln>
+                  <a:solidFill>
+                    <a:srgbClr val="BCBEC4"/>
+                  </a:solidFill>
+                  <a:effectLst/>
+                  <a:latin typeface="+mj-lt"/>
+                  <a:cs typeface="JetBrains Mono" panose="02000009000000000000" pitchFamily="49" charset="0"/>
+                </a:rPr>
+              </a:br>
+              <a:br>
+                <a:rPr kumimoji="0" lang="zh-TW" altLang="zh-TW" sz="1400" b="0" i="0" u="none" strike="noStrike" cap="none" normalizeH="0" baseline="0">
+                  <a:ln>
+                    <a:noFill/>
+                  </a:ln>
+                  <a:solidFill>
+                    <a:srgbClr val="BCBEC4"/>
+                  </a:solidFill>
+                  <a:effectLst/>
+                  <a:latin typeface="+mj-lt"/>
+                  <a:cs typeface="JetBrains Mono" panose="02000009000000000000" pitchFamily="49" charset="0"/>
+                </a:rPr>
+              </a:br>
+              <a:r>
+                <a:rPr kumimoji="0" lang="zh-TW" altLang="zh-TW" sz="1400" b="0" i="0" u="none" strike="noStrike" cap="none" normalizeH="0" baseline="0">
+                  <a:ln>
+                    <a:noFill/>
+                  </a:ln>
+                  <a:solidFill>
+                    <a:srgbClr val="CF8E6D"/>
+                  </a:solidFill>
+                  <a:effectLst/>
+                  <a:latin typeface="+mj-lt"/>
+                  <a:cs typeface="JetBrains Mono" panose="02000009000000000000" pitchFamily="49" charset="0"/>
+                </a:rPr>
+                <a:t>public class </a:t>
+              </a:r>
+              <a:r>
+                <a:rPr kumimoji="0" lang="zh-TW" altLang="zh-TW" sz="1400" b="0" i="0" u="none" strike="noStrike" cap="none" normalizeH="0" baseline="0">
+                  <a:ln>
+                    <a:noFill/>
+                  </a:ln>
+                  <a:solidFill>
+                    <a:srgbClr val="BCBEC4"/>
+                  </a:solidFill>
+                  <a:effectLst/>
+                  <a:latin typeface="+mj-lt"/>
+                  <a:cs typeface="JetBrains Mono" panose="02000009000000000000" pitchFamily="49" charset="0"/>
+                </a:rPr>
+                <a:t>Main3 {</a:t>
+              </a:r>
+              <a:br>
+                <a:rPr kumimoji="0" lang="zh-TW" altLang="zh-TW" sz="1400" b="0" i="0" u="none" strike="noStrike" cap="none" normalizeH="0" baseline="0">
+                  <a:ln>
+                    <a:noFill/>
+                  </a:ln>
+                  <a:solidFill>
+                    <a:srgbClr val="BCBEC4"/>
+                  </a:solidFill>
+                  <a:effectLst/>
+                  <a:latin typeface="+mj-lt"/>
+                  <a:cs typeface="JetBrains Mono" panose="02000009000000000000" pitchFamily="49" charset="0"/>
+                </a:rPr>
+              </a:br>
+              <a:r>
+                <a:rPr kumimoji="0" lang="zh-TW" altLang="zh-TW" sz="1400" b="0" i="0" u="none" strike="noStrike" cap="none" normalizeH="0" baseline="0">
+                  <a:ln>
+                    <a:noFill/>
+                  </a:ln>
+                  <a:solidFill>
+                    <a:srgbClr val="BCBEC4"/>
+                  </a:solidFill>
+                  <a:effectLst/>
+                  <a:latin typeface="+mj-lt"/>
+                  <a:cs typeface="JetBrains Mono" panose="02000009000000000000" pitchFamily="49" charset="0"/>
+                </a:rPr>
+                <a:t>    </a:t>
+              </a:r>
+              <a:r>
+                <a:rPr kumimoji="0" lang="zh-TW" altLang="zh-TW" sz="1400" b="0" i="0" u="none" strike="noStrike" cap="none" normalizeH="0" baseline="0">
+                  <a:ln>
+                    <a:noFill/>
+                  </a:ln>
+                  <a:solidFill>
+                    <a:srgbClr val="CF8E6D"/>
+                  </a:solidFill>
+                  <a:effectLst/>
+                  <a:latin typeface="+mj-lt"/>
+                  <a:cs typeface="JetBrains Mono" panose="02000009000000000000" pitchFamily="49" charset="0"/>
+                </a:rPr>
+                <a:t>public static void </a:t>
+              </a:r>
+              <a:r>
+                <a:rPr kumimoji="0" lang="zh-TW" altLang="zh-TW" sz="1400" b="0" i="0" u="none" strike="noStrike" cap="none" normalizeH="0" baseline="0">
+                  <a:ln>
+                    <a:noFill/>
+                  </a:ln>
+                  <a:solidFill>
+                    <a:srgbClr val="56A8F5"/>
+                  </a:solidFill>
+                  <a:effectLst/>
+                  <a:latin typeface="+mj-lt"/>
+                  <a:cs typeface="JetBrains Mono" panose="02000009000000000000" pitchFamily="49" charset="0"/>
+                </a:rPr>
+                <a:t>main</a:t>
+              </a:r>
+              <a:r>
+                <a:rPr kumimoji="0" lang="zh-TW" altLang="zh-TW" sz="1400" b="0" i="0" u="none" strike="noStrike" cap="none" normalizeH="0" baseline="0">
+                  <a:ln>
+                    <a:noFill/>
+                  </a:ln>
+                  <a:solidFill>
+                    <a:srgbClr val="BCBEC4"/>
+                  </a:solidFill>
+                  <a:effectLst/>
+                  <a:latin typeface="+mj-lt"/>
+                  <a:cs typeface="JetBrains Mono" panose="02000009000000000000" pitchFamily="49" charset="0"/>
+                </a:rPr>
+                <a:t>(String[] args) {</a:t>
+              </a:r>
+              <a:br>
+                <a:rPr kumimoji="0" lang="zh-TW" altLang="zh-TW" sz="1400" b="0" i="0" u="none" strike="noStrike" cap="none" normalizeH="0" baseline="0">
+                  <a:ln>
+                    <a:noFill/>
+                  </a:ln>
+                  <a:solidFill>
+                    <a:srgbClr val="BCBEC4"/>
+                  </a:solidFill>
+                  <a:effectLst/>
+                  <a:latin typeface="+mj-lt"/>
+                  <a:cs typeface="JetBrains Mono" panose="02000009000000000000" pitchFamily="49" charset="0"/>
+                </a:rPr>
+              </a:br>
+              <a:r>
+                <a:rPr kumimoji="0" lang="zh-TW" altLang="zh-TW" sz="1400" b="0" i="0" u="none" strike="noStrike" cap="none" normalizeH="0" baseline="0">
+                  <a:ln>
+                    <a:noFill/>
+                  </a:ln>
+                  <a:solidFill>
+                    <a:srgbClr val="BCBEC4"/>
+                  </a:solidFill>
+                  <a:effectLst/>
+                  <a:latin typeface="+mj-lt"/>
+                  <a:cs typeface="JetBrains Mono" panose="02000009000000000000" pitchFamily="49" charset="0"/>
+                </a:rPr>
+                <a:t>        Scanner scanner = </a:t>
+              </a:r>
+              <a:r>
+                <a:rPr kumimoji="0" lang="zh-TW" altLang="zh-TW" sz="1400" b="0" i="0" u="none" strike="noStrike" cap="none" normalizeH="0" baseline="0">
+                  <a:ln>
+                    <a:noFill/>
+                  </a:ln>
+                  <a:solidFill>
+                    <a:srgbClr val="CF8E6D"/>
+                  </a:solidFill>
+                  <a:effectLst/>
+                  <a:latin typeface="+mj-lt"/>
+                  <a:cs typeface="JetBrains Mono" panose="02000009000000000000" pitchFamily="49" charset="0"/>
+                </a:rPr>
+                <a:t>new </a:t>
+              </a:r>
+              <a:r>
+                <a:rPr kumimoji="0" lang="zh-TW" altLang="zh-TW" sz="1400" b="0" i="0" u="none" strike="noStrike" cap="none" normalizeH="0" baseline="0">
+                  <a:ln>
+                    <a:noFill/>
+                  </a:ln>
+                  <a:solidFill>
+                    <a:srgbClr val="BCBEC4"/>
+                  </a:solidFill>
+                  <a:effectLst/>
+                  <a:latin typeface="+mj-lt"/>
+                  <a:cs typeface="JetBrains Mono" panose="02000009000000000000" pitchFamily="49" charset="0"/>
+                </a:rPr>
+                <a:t>Scanner(System.</a:t>
+              </a:r>
+              <a:r>
+                <a:rPr kumimoji="0" lang="zh-TW" altLang="zh-TW" sz="1400" b="0" i="1" u="none" strike="noStrike" cap="none" normalizeH="0" baseline="0">
+                  <a:ln>
+                    <a:noFill/>
+                  </a:ln>
+                  <a:solidFill>
+                    <a:srgbClr val="C77DBB"/>
+                  </a:solidFill>
+                  <a:effectLst/>
+                  <a:latin typeface="+mj-lt"/>
+                  <a:cs typeface="JetBrains Mono" panose="02000009000000000000" pitchFamily="49" charset="0"/>
+                </a:rPr>
+                <a:t>in</a:t>
+              </a:r>
+              <a:r>
+                <a:rPr kumimoji="0" lang="zh-TW" altLang="zh-TW" sz="1400" b="0" i="0" u="none" strike="noStrike" cap="none" normalizeH="0" baseline="0">
+                  <a:ln>
+                    <a:noFill/>
+                  </a:ln>
+                  <a:solidFill>
+                    <a:srgbClr val="BCBEC4"/>
+                  </a:solidFill>
+                  <a:effectLst/>
+                  <a:latin typeface="+mj-lt"/>
+                  <a:cs typeface="JetBrains Mono" panose="02000009000000000000" pitchFamily="49" charset="0"/>
+                </a:rPr>
+                <a:t>);</a:t>
+              </a:r>
+              <a:br>
+                <a:rPr kumimoji="0" lang="zh-TW" altLang="zh-TW" sz="1400" b="0" i="0" u="none" strike="noStrike" cap="none" normalizeH="0" baseline="0">
+                  <a:ln>
+                    <a:noFill/>
+                  </a:ln>
+                  <a:solidFill>
+                    <a:srgbClr val="BCBEC4"/>
+                  </a:solidFill>
+                  <a:effectLst/>
+                  <a:latin typeface="+mj-lt"/>
+                  <a:cs typeface="JetBrains Mono" panose="02000009000000000000" pitchFamily="49" charset="0"/>
+                </a:rPr>
+              </a:br>
+              <a:r>
+                <a:rPr kumimoji="0" lang="zh-TW" altLang="zh-TW" sz="1400" b="0" i="0" u="none" strike="noStrike" cap="none" normalizeH="0" baseline="0">
+                  <a:ln>
+                    <a:noFill/>
+                  </a:ln>
+                  <a:solidFill>
+                    <a:srgbClr val="BCBEC4"/>
+                  </a:solidFill>
+                  <a:effectLst/>
+                  <a:latin typeface="+mj-lt"/>
+                  <a:cs typeface="JetBrains Mono" panose="02000009000000000000" pitchFamily="49" charset="0"/>
+                </a:rPr>
+                <a:t>        String input = scanner.nextLine();</a:t>
+              </a:r>
+              <a:br>
+                <a:rPr kumimoji="0" lang="zh-TW" altLang="zh-TW" sz="1400" b="0" i="0" u="none" strike="noStrike" cap="none" normalizeH="0" baseline="0">
+                  <a:ln>
+                    <a:noFill/>
+                  </a:ln>
+                  <a:solidFill>
+                    <a:srgbClr val="BCBEC4"/>
+                  </a:solidFill>
+                  <a:effectLst/>
+                  <a:latin typeface="+mj-lt"/>
+                  <a:cs typeface="JetBrains Mono" panose="02000009000000000000" pitchFamily="49" charset="0"/>
+                </a:rPr>
+              </a:br>
+              <a:r>
+                <a:rPr kumimoji="0" lang="zh-TW" altLang="zh-TW" sz="1400" b="0" i="0" u="none" strike="noStrike" cap="none" normalizeH="0" baseline="0">
+                  <a:ln>
+                    <a:noFill/>
+                  </a:ln>
+                  <a:solidFill>
+                    <a:srgbClr val="BCBEC4"/>
+                  </a:solidFill>
+                  <a:effectLst/>
+                  <a:latin typeface="+mj-lt"/>
+                  <a:cs typeface="JetBrains Mono" panose="02000009000000000000" pitchFamily="49" charset="0"/>
+                </a:rPr>
+                <a:t>        String output = </a:t>
+              </a:r>
+              <a:r>
+                <a:rPr kumimoji="0" lang="zh-TW" altLang="zh-TW" sz="1400" b="0" i="0" u="none" strike="noStrike" cap="none" normalizeH="0" baseline="0">
+                  <a:ln>
+                    <a:noFill/>
+                  </a:ln>
+                  <a:solidFill>
+                    <a:srgbClr val="CF8E6D"/>
+                  </a:solidFill>
+                  <a:effectLst/>
+                  <a:latin typeface="+mj-lt"/>
+                  <a:cs typeface="JetBrains Mono" panose="02000009000000000000" pitchFamily="49" charset="0"/>
+                </a:rPr>
+                <a:t>switch </a:t>
+              </a:r>
+              <a:r>
+                <a:rPr kumimoji="0" lang="zh-TW" altLang="zh-TW" sz="1400" b="0" i="0" u="none" strike="noStrike" cap="none" normalizeH="0" baseline="0">
+                  <a:ln>
+                    <a:noFill/>
+                  </a:ln>
+                  <a:solidFill>
+                    <a:srgbClr val="BCBEC4"/>
+                  </a:solidFill>
+                  <a:effectLst/>
+                  <a:latin typeface="+mj-lt"/>
+                  <a:cs typeface="JetBrains Mono" panose="02000009000000000000" pitchFamily="49" charset="0"/>
+                </a:rPr>
+                <a:t>(input) {</a:t>
+              </a:r>
+              <a:br>
+                <a:rPr kumimoji="0" lang="zh-TW" altLang="zh-TW" sz="1400" b="0" i="0" u="none" strike="noStrike" cap="none" normalizeH="0" baseline="0">
+                  <a:ln>
+                    <a:noFill/>
+                  </a:ln>
+                  <a:solidFill>
+                    <a:srgbClr val="BCBEC4"/>
+                  </a:solidFill>
+                  <a:effectLst/>
+                  <a:latin typeface="+mj-lt"/>
+                  <a:cs typeface="JetBrains Mono" panose="02000009000000000000" pitchFamily="49" charset="0"/>
+                </a:rPr>
+              </a:br>
+              <a:r>
+                <a:rPr kumimoji="0" lang="zh-TW" altLang="zh-TW" sz="1400" b="0" i="0" u="none" strike="noStrike" cap="none" normalizeH="0" baseline="0">
+                  <a:ln>
+                    <a:noFill/>
+                  </a:ln>
+                  <a:solidFill>
+                    <a:srgbClr val="BCBEC4"/>
+                  </a:solidFill>
+                  <a:effectLst/>
+                  <a:latin typeface="+mj-lt"/>
+                  <a:cs typeface="JetBrains Mono" panose="02000009000000000000" pitchFamily="49" charset="0"/>
+                </a:rPr>
+                <a:t>            </a:t>
+              </a:r>
+              <a:r>
+                <a:rPr kumimoji="0" lang="zh-TW" altLang="zh-TW" sz="1400" b="0" i="0" u="none" strike="noStrike" cap="none" normalizeH="0" baseline="0">
+                  <a:ln>
+                    <a:noFill/>
+                  </a:ln>
+                  <a:solidFill>
+                    <a:srgbClr val="CF8E6D"/>
+                  </a:solidFill>
+                  <a:effectLst/>
+                  <a:latin typeface="+mj-lt"/>
+                  <a:cs typeface="JetBrains Mono" panose="02000009000000000000" pitchFamily="49" charset="0"/>
+                </a:rPr>
+                <a:t>case </a:t>
+              </a:r>
+              <a:r>
+                <a:rPr kumimoji="0" lang="zh-TW" altLang="zh-TW" sz="1400" b="0" i="0" u="none" strike="noStrike" cap="none" normalizeH="0" baseline="0">
+                  <a:ln>
+                    <a:noFill/>
+                  </a:ln>
+                  <a:solidFill>
+                    <a:srgbClr val="6AAB73"/>
+                  </a:solidFill>
+                  <a:effectLst/>
+                  <a:latin typeface="+mj-lt"/>
+                  <a:cs typeface="JetBrains Mono" panose="02000009000000000000" pitchFamily="49" charset="0"/>
+                </a:rPr>
+                <a:t>"</a:t>
+              </a:r>
+              <a:r>
+                <a:rPr kumimoji="0" lang="zh-TW" altLang="zh-TW" sz="1400" b="0" i="0" u="none" strike="noStrike" cap="none" normalizeH="0" baseline="0">
+                  <a:ln>
+                    <a:noFill/>
+                  </a:ln>
+                  <a:solidFill>
+                    <a:srgbClr val="6AAB73"/>
+                  </a:solidFill>
+                  <a:effectLst/>
+                  <a:latin typeface="+mj-lt"/>
+                  <a:ea typeface="微軟正黑體" panose="020B0604030504040204" pitchFamily="34" charset="-120"/>
+                  <a:cs typeface="JetBrains Mono" panose="02000009000000000000" pitchFamily="49" charset="0"/>
+                </a:rPr>
+                <a:t>回憶過去</a:t>
+              </a:r>
+              <a:r>
+                <a:rPr kumimoji="0" lang="zh-TW" altLang="zh-TW" sz="1400" b="0" i="0" u="none" strike="noStrike" cap="none" normalizeH="0" baseline="0">
+                  <a:ln>
+                    <a:noFill/>
+                  </a:ln>
+                  <a:solidFill>
+                    <a:srgbClr val="6AAB73"/>
+                  </a:solidFill>
+                  <a:effectLst/>
+                  <a:latin typeface="+mj-lt"/>
+                  <a:cs typeface="JetBrains Mono" panose="02000009000000000000" pitchFamily="49" charset="0"/>
+                </a:rPr>
+                <a:t>" </a:t>
+              </a:r>
+              <a:r>
+                <a:rPr kumimoji="0" lang="zh-TW" altLang="zh-TW" sz="1400" b="0" i="0" u="none" strike="noStrike" cap="none" normalizeH="0" baseline="0">
+                  <a:ln>
+                    <a:noFill/>
+                  </a:ln>
+                  <a:solidFill>
+                    <a:srgbClr val="BCBEC4"/>
+                  </a:solidFill>
+                  <a:effectLst/>
+                  <a:latin typeface="+mj-lt"/>
+                  <a:cs typeface="JetBrains Mono" panose="02000009000000000000" pitchFamily="49" charset="0"/>
+                </a:rPr>
+                <a:t>-&gt; </a:t>
+              </a:r>
+              <a:r>
+                <a:rPr kumimoji="0" lang="zh-TW" altLang="zh-TW" sz="1400" b="0" i="0" u="none" strike="noStrike" cap="none" normalizeH="0" baseline="0">
+                  <a:ln>
+                    <a:noFill/>
+                  </a:ln>
+                  <a:solidFill>
+                    <a:srgbClr val="6AAB73"/>
+                  </a:solidFill>
+                  <a:effectLst/>
+                  <a:latin typeface="+mj-lt"/>
+                  <a:cs typeface="JetBrains Mono" panose="02000009000000000000" pitchFamily="49" charset="0"/>
+                </a:rPr>
+                <a:t>"</a:t>
+              </a:r>
+              <a:r>
+                <a:rPr kumimoji="0" lang="zh-TW" altLang="zh-TW" sz="1400" b="0" i="0" u="none" strike="noStrike" cap="none" normalizeH="0" baseline="0">
+                  <a:ln>
+                    <a:noFill/>
+                  </a:ln>
+                  <a:solidFill>
+                    <a:srgbClr val="6AAB73"/>
+                  </a:solidFill>
+                  <a:effectLst/>
+                  <a:latin typeface="+mj-lt"/>
+                  <a:ea typeface="微軟正黑體" panose="020B0604030504040204" pitchFamily="34" charset="-120"/>
+                  <a:cs typeface="JetBrains Mono" panose="02000009000000000000" pitchFamily="49" charset="0"/>
+                </a:rPr>
+                <a:t>痛苦的相思忘不了</a:t>
+              </a:r>
+              <a:r>
+                <a:rPr kumimoji="0" lang="zh-TW" altLang="zh-TW" sz="1400" b="0" i="0" u="none" strike="noStrike" cap="none" normalizeH="0" baseline="0">
+                  <a:ln>
+                    <a:noFill/>
+                  </a:ln>
+                  <a:solidFill>
+                    <a:srgbClr val="6AAB73"/>
+                  </a:solidFill>
+                  <a:effectLst/>
+                  <a:latin typeface="+mj-lt"/>
+                  <a:cs typeface="JetBrains Mono" panose="02000009000000000000" pitchFamily="49" charset="0"/>
+                </a:rPr>
+                <a:t>"</a:t>
+              </a:r>
+              <a:r>
+                <a:rPr kumimoji="0" lang="zh-TW" altLang="zh-TW" sz="1400" b="0" i="0" u="none" strike="noStrike" cap="none" normalizeH="0" baseline="0">
                   <a:ln>
                     <a:noFill/>
                   </a:ln>
@@ -2939,7 +2917,7 @@
                 <a:t>;</a:t>
               </a:r>
               <a:br>
-                <a:rPr kumimoji="0" lang="zh-TW" altLang="zh-TW" sz="2400" b="0" i="0" u="none" strike="noStrike" cap="none" normalizeH="0" baseline="0">
+                <a:rPr kumimoji="0" lang="zh-TW" altLang="zh-TW" sz="1400" b="0" i="0" u="none" strike="noStrike" cap="none" normalizeH="0" baseline="0">
                   <a:ln>
                     <a:noFill/>
                   </a:ln>
@@ -2952,7 +2930,21 @@
                 </a:rPr>
               </a:br>
               <a:r>
-                <a:rPr kumimoji="0" lang="zh-TW" altLang="zh-TW" sz="2400" b="0" i="0" u="none" strike="noStrike" cap="none" normalizeH="0" baseline="0">
+                <a:rPr kumimoji="0" lang="zh-TW" altLang="zh-TW" sz="1400" b="0" i="0" u="none" strike="noStrike" cap="none" normalizeH="0" baseline="0">
+                  <a:ln>
+                    <a:noFill/>
+                  </a:ln>
+                  <a:solidFill>
+                    <a:srgbClr val="BCBEC4"/>
+                  </a:solidFill>
+                  <a:effectLst/>
+                  <a:latin typeface="+mj-lt"/>
+                  <a:cs typeface="JetBrains Mono" panose="02000009000000000000" pitchFamily="49" charset="0"/>
+                </a:rPr>
+                <a:t>            </a:t>
+              </a:r>
+              <a:r>
+                <a:rPr kumimoji="0" lang="zh-TW" altLang="zh-TW" sz="1400" b="0" i="0" u="none" strike="noStrike" cap="none" normalizeH="0" baseline="0">
                   <a:ln>
                     <a:noFill/>
                   </a:ln>
@@ -2963,38 +2955,110 @@
                   <a:latin typeface="+mj-lt"/>
                   <a:cs typeface="JetBrains Mono" panose="02000009000000000000" pitchFamily="49" charset="0"/>
                 </a:rPr>
-                <a:t>final int </a:t>
-              </a:r>
-              <a:r>
-                <a:rPr kumimoji="0" lang="zh-TW" altLang="zh-TW" sz="2400" b="0" i="0" u="none" strike="noStrike" cap="none" normalizeH="0" baseline="0">
-                  <a:ln>
-                    <a:noFill/>
-                  </a:ln>
-                  <a:solidFill>
-                    <a:srgbClr val="BCBEC4"/>
-                  </a:solidFill>
-                  <a:effectLst/>
-                  <a:latin typeface="+mj-lt"/>
-                  <a:cs typeface="JetBrains Mono" panose="02000009000000000000" pitchFamily="49" charset="0"/>
-                </a:rPr>
-                <a:t>INT_MIN = -</a:t>
-              </a:r>
-              <a:r>
-                <a:rPr kumimoji="0" lang="zh-TW" altLang="zh-TW" sz="2400" b="0" i="0" u="none" strike="noStrike" cap="none" normalizeH="0" baseline="0">
-                  <a:ln>
-                    <a:noFill/>
-                  </a:ln>
-                  <a:solidFill>
-                    <a:srgbClr val="2AACB8"/>
-                  </a:solidFill>
-                  <a:effectLst/>
-                  <a:latin typeface="+mj-lt"/>
-                  <a:cs typeface="JetBrains Mono" panose="02000009000000000000" pitchFamily="49" charset="0"/>
-                </a:rPr>
-                <a:t>2147483648</a:t>
-              </a:r>
-              <a:r>
-                <a:rPr kumimoji="0" lang="zh-TW" altLang="zh-TW" sz="2400" b="0" i="0" u="none" strike="noStrike" cap="none" normalizeH="0" baseline="0">
+                <a:t>case </a:t>
+              </a:r>
+              <a:r>
+                <a:rPr kumimoji="0" lang="zh-TW" altLang="zh-TW" sz="1400" b="0" i="0" u="none" strike="noStrike" cap="none" normalizeH="0" baseline="0">
+                  <a:ln>
+                    <a:noFill/>
+                  </a:ln>
+                  <a:solidFill>
+                    <a:srgbClr val="6AAB73"/>
+                  </a:solidFill>
+                  <a:effectLst/>
+                  <a:latin typeface="+mj-lt"/>
+                  <a:cs typeface="JetBrains Mono" panose="02000009000000000000" pitchFamily="49" charset="0"/>
+                </a:rPr>
+                <a:t>"</a:t>
+              </a:r>
+              <a:r>
+                <a:rPr kumimoji="0" lang="zh-TW" altLang="zh-TW" sz="1400" b="0" i="0" u="none" strike="noStrike" cap="none" normalizeH="0" baseline="0">
+                  <a:ln>
+                    <a:noFill/>
+                  </a:ln>
+                  <a:solidFill>
+                    <a:srgbClr val="6AAB73"/>
+                  </a:solidFill>
+                  <a:effectLst/>
+                  <a:latin typeface="+mj-lt"/>
+                  <a:ea typeface="微軟正黑體" panose="020B0604030504040204" pitchFamily="34" charset="-120"/>
+                  <a:cs typeface="JetBrains Mono" panose="02000009000000000000" pitchFamily="49" charset="0"/>
+                </a:rPr>
+                <a:t>想念你的笑</a:t>
+              </a:r>
+              <a:r>
+                <a:rPr kumimoji="0" lang="zh-TW" altLang="zh-TW" sz="1400" b="0" i="0" u="none" strike="noStrike" cap="none" normalizeH="0" baseline="0">
+                  <a:ln>
+                    <a:noFill/>
+                  </a:ln>
+                  <a:solidFill>
+                    <a:srgbClr val="6AAB73"/>
+                  </a:solidFill>
+                  <a:effectLst/>
+                  <a:latin typeface="+mj-lt"/>
+                  <a:cs typeface="JetBrains Mono" panose="02000009000000000000" pitchFamily="49" charset="0"/>
+                </a:rPr>
+                <a:t>" </a:t>
+              </a:r>
+              <a:r>
+                <a:rPr kumimoji="0" lang="zh-TW" altLang="zh-TW" sz="1400" b="0" i="0" u="none" strike="noStrike" cap="none" normalizeH="0" baseline="0">
+                  <a:ln>
+                    <a:noFill/>
+                  </a:ln>
+                  <a:solidFill>
+                    <a:srgbClr val="BCBEC4"/>
+                  </a:solidFill>
+                  <a:effectLst/>
+                  <a:latin typeface="+mj-lt"/>
+                  <a:cs typeface="JetBrains Mono" panose="02000009000000000000" pitchFamily="49" charset="0"/>
+                </a:rPr>
+                <a:t>-&gt; </a:t>
+              </a:r>
+              <a:r>
+                <a:rPr kumimoji="0" lang="zh-TW" altLang="zh-TW" sz="1400" b="0" i="0" u="none" strike="noStrike" cap="none" normalizeH="0" baseline="0">
+                  <a:ln>
+                    <a:noFill/>
+                  </a:ln>
+                  <a:solidFill>
+                    <a:srgbClr val="6AAB73"/>
+                  </a:solidFill>
+                  <a:effectLst/>
+                  <a:latin typeface="+mj-lt"/>
+                  <a:cs typeface="JetBrains Mono" panose="02000009000000000000" pitchFamily="49" charset="0"/>
+                </a:rPr>
+                <a:t>"</a:t>
+              </a:r>
+              <a:r>
+                <a:rPr kumimoji="0" lang="zh-TW" altLang="zh-TW" sz="1400" b="0" i="0" u="none" strike="noStrike" cap="none" normalizeH="0" baseline="0">
+                  <a:ln>
+                    <a:noFill/>
+                  </a:ln>
+                  <a:solidFill>
+                    <a:srgbClr val="6AAB73"/>
+                  </a:solidFill>
+                  <a:effectLst/>
+                  <a:latin typeface="+mj-lt"/>
+                  <a:ea typeface="微軟正黑體" panose="020B0604030504040204" pitchFamily="34" charset="-120"/>
+                  <a:cs typeface="JetBrains Mono" panose="02000009000000000000" pitchFamily="49" charset="0"/>
+                </a:rPr>
+                <a:t>想念你的外套</a:t>
+              </a:r>
+              <a:r>
+                <a:rPr kumimoji="0" lang="zh-TW" altLang="zh-TW" sz="1400" b="0" i="0" u="none" strike="noStrike" cap="none" normalizeH="0" baseline="0">
+                  <a:ln>
+                    <a:noFill/>
+                  </a:ln>
+                  <a:solidFill>
+                    <a:srgbClr val="6AAB73"/>
+                  </a:solidFill>
+                  <a:effectLst/>
+                  <a:latin typeface="+mj-lt"/>
+                  <a:cs typeface="JetBrains Mono" panose="02000009000000000000" pitchFamily="49" charset="0"/>
+                </a:rPr>
+                <a:t>"</a:t>
+              </a:r>
+              <a:r>
+                <a:rPr kumimoji="0" lang="zh-TW" altLang="zh-TW" sz="1400" b="0" i="0" u="none" strike="noStrike" cap="none" normalizeH="0" baseline="0">
                   <a:ln>
                     <a:noFill/>
                   </a:ln>
@@ -3008,7 +3072,7 @@
                 <a:t>;</a:t>
               </a:r>
               <a:br>
-                <a:rPr kumimoji="0" lang="zh-TW" altLang="zh-TW" sz="2400" b="0" i="0" u="none" strike="noStrike" cap="none" normalizeH="0" baseline="0">
+                <a:rPr kumimoji="0" lang="zh-TW" altLang="zh-TW" sz="1400" b="0" i="0" u="none" strike="noStrike" cap="none" normalizeH="0" baseline="0">
                   <a:ln>
                     <a:noFill/>
                   </a:ln>
@@ -3021,21 +3085,721 @@
                 </a:rPr>
               </a:br>
               <a:r>
-                <a:rPr kumimoji="0" lang="zh-TW" altLang="zh-TW" sz="2400" b="0" i="0" u="none" strike="noStrike" cap="none" normalizeH="0" baseline="0">
-                  <a:ln>
-                    <a:noFill/>
-                  </a:ln>
-                  <a:solidFill>
-                    <a:srgbClr val="BCBEC4"/>
-                  </a:solidFill>
-                  <a:effectLst/>
-                  <a:latin typeface="+mj-lt"/>
-                  <a:cs typeface="JetBrains Mono" panose="02000009000000000000" pitchFamily="49" charset="0"/>
-                </a:rPr>
-                <a:t>System.</a:t>
-              </a:r>
-              <a:r>
-                <a:rPr kumimoji="0" lang="zh-TW" altLang="zh-TW" sz="2400" b="0" i="1" u="none" strike="noStrike" cap="none" normalizeH="0" baseline="0">
+                <a:rPr kumimoji="0" lang="zh-TW" altLang="zh-TW" sz="1400" b="0" i="0" u="none" strike="noStrike" cap="none" normalizeH="0" baseline="0">
+                  <a:ln>
+                    <a:noFill/>
+                  </a:ln>
+                  <a:solidFill>
+                    <a:srgbClr val="BCBEC4"/>
+                  </a:solidFill>
+                  <a:effectLst/>
+                  <a:latin typeface="+mj-lt"/>
+                  <a:cs typeface="JetBrains Mono" panose="02000009000000000000" pitchFamily="49" charset="0"/>
+                </a:rPr>
+                <a:t>            </a:t>
+              </a:r>
+              <a:r>
+                <a:rPr kumimoji="0" lang="zh-TW" altLang="zh-TW" sz="1400" b="0" i="0" u="none" strike="noStrike" cap="none" normalizeH="0" baseline="0">
+                  <a:ln>
+                    <a:noFill/>
+                  </a:ln>
+                  <a:solidFill>
+                    <a:srgbClr val="CF8E6D"/>
+                  </a:solidFill>
+                  <a:effectLst/>
+                  <a:latin typeface="+mj-lt"/>
+                  <a:cs typeface="JetBrains Mono" panose="02000009000000000000" pitchFamily="49" charset="0"/>
+                </a:rPr>
+                <a:t>case </a:t>
+              </a:r>
+              <a:r>
+                <a:rPr kumimoji="0" lang="zh-TW" altLang="zh-TW" sz="1400" b="0" i="0" u="none" strike="noStrike" cap="none" normalizeH="0" baseline="0">
+                  <a:ln>
+                    <a:noFill/>
+                  </a:ln>
+                  <a:solidFill>
+                    <a:srgbClr val="6AAB73"/>
+                  </a:solidFill>
+                  <a:effectLst/>
+                  <a:latin typeface="+mj-lt"/>
+                  <a:cs typeface="JetBrains Mono" panose="02000009000000000000" pitchFamily="49" charset="0"/>
+                </a:rPr>
+                <a:t>"</a:t>
+              </a:r>
+              <a:r>
+                <a:rPr kumimoji="0" lang="zh-TW" altLang="zh-TW" sz="1400" b="0" i="0" u="none" strike="noStrike" cap="none" normalizeH="0" baseline="0">
+                  <a:ln>
+                    <a:noFill/>
+                  </a:ln>
+                  <a:solidFill>
+                    <a:srgbClr val="6AAB73"/>
+                  </a:solidFill>
+                  <a:effectLst/>
+                  <a:latin typeface="+mj-lt"/>
+                  <a:ea typeface="微軟正黑體" panose="020B0604030504040204" pitchFamily="34" charset="-120"/>
+                  <a:cs typeface="JetBrains Mono" panose="02000009000000000000" pitchFamily="49" charset="0"/>
+                </a:rPr>
+                <a:t>怎麼忍心怪你犯了錯</a:t>
+              </a:r>
+              <a:r>
+                <a:rPr kumimoji="0" lang="zh-TW" altLang="zh-TW" sz="1400" b="0" i="0" u="none" strike="noStrike" cap="none" normalizeH="0" baseline="0">
+                  <a:ln>
+                    <a:noFill/>
+                  </a:ln>
+                  <a:solidFill>
+                    <a:srgbClr val="6AAB73"/>
+                  </a:solidFill>
+                  <a:effectLst/>
+                  <a:latin typeface="+mj-lt"/>
+                  <a:cs typeface="JetBrains Mono" panose="02000009000000000000" pitchFamily="49" charset="0"/>
+                </a:rPr>
+                <a:t>"</a:t>
+              </a:r>
+              <a:r>
+                <a:rPr kumimoji="0" lang="zh-TW" altLang="zh-TW" sz="1400" b="0" i="0" u="none" strike="noStrike" cap="none" normalizeH="0" baseline="0">
+                  <a:ln>
+                    <a:noFill/>
+                  </a:ln>
+                  <a:solidFill>
+                    <a:srgbClr val="BCBEC4"/>
+                  </a:solidFill>
+                  <a:effectLst/>
+                  <a:latin typeface="+mj-lt"/>
+                  <a:cs typeface="JetBrains Mono" panose="02000009000000000000" pitchFamily="49" charset="0"/>
+                </a:rPr>
+                <a:t>, </a:t>
+              </a:r>
+              <a:r>
+                <a:rPr kumimoji="0" lang="zh-TW" altLang="zh-TW" sz="1400" b="0" i="0" u="none" strike="noStrike" cap="none" normalizeH="0" baseline="0">
+                  <a:ln>
+                    <a:noFill/>
+                  </a:ln>
+                  <a:solidFill>
+                    <a:srgbClr val="6AAB73"/>
+                  </a:solidFill>
+                  <a:effectLst/>
+                  <a:latin typeface="+mj-lt"/>
+                  <a:cs typeface="JetBrains Mono" panose="02000009000000000000" pitchFamily="49" charset="0"/>
+                </a:rPr>
+                <a:t>"</a:t>
+              </a:r>
+              <a:r>
+                <a:rPr kumimoji="0" lang="zh-TW" altLang="zh-TW" sz="1400" b="0" i="0" u="none" strike="noStrike" cap="none" normalizeH="0" baseline="0">
+                  <a:ln>
+                    <a:noFill/>
+                  </a:ln>
+                  <a:solidFill>
+                    <a:srgbClr val="6AAB73"/>
+                  </a:solidFill>
+                  <a:effectLst/>
+                  <a:latin typeface="+mj-lt"/>
+                  <a:ea typeface="微軟正黑體" panose="020B0604030504040204" pitchFamily="34" charset="-120"/>
+                  <a:cs typeface="JetBrains Mono" panose="02000009000000000000" pitchFamily="49" charset="0"/>
+                </a:rPr>
+                <a:t>怎麼忍心讓你受折磨</a:t>
+              </a:r>
+              <a:r>
+                <a:rPr kumimoji="0" lang="zh-TW" altLang="zh-TW" sz="1400" b="0" i="0" u="none" strike="noStrike" cap="none" normalizeH="0" baseline="0">
+                  <a:ln>
+                    <a:noFill/>
+                  </a:ln>
+                  <a:solidFill>
+                    <a:srgbClr val="6AAB73"/>
+                  </a:solidFill>
+                  <a:effectLst/>
+                  <a:latin typeface="+mj-lt"/>
+                  <a:cs typeface="JetBrains Mono" panose="02000009000000000000" pitchFamily="49" charset="0"/>
+                </a:rPr>
+                <a:t>" </a:t>
+              </a:r>
+              <a:r>
+                <a:rPr kumimoji="0" lang="zh-TW" altLang="zh-TW" sz="1400" b="0" i="0" u="none" strike="noStrike" cap="none" normalizeH="0" baseline="0">
+                  <a:ln>
+                    <a:noFill/>
+                  </a:ln>
+                  <a:solidFill>
+                    <a:srgbClr val="BCBEC4"/>
+                  </a:solidFill>
+                  <a:effectLst/>
+                  <a:latin typeface="+mj-lt"/>
+                  <a:cs typeface="JetBrains Mono" panose="02000009000000000000" pitchFamily="49" charset="0"/>
+                </a:rPr>
+                <a:t>-&gt; </a:t>
+              </a:r>
+              <a:r>
+                <a:rPr kumimoji="0" lang="zh-TW" altLang="zh-TW" sz="1400" b="0" i="0" u="none" strike="noStrike" cap="none" normalizeH="0" baseline="0">
+                  <a:ln>
+                    <a:noFill/>
+                  </a:ln>
+                  <a:solidFill>
+                    <a:srgbClr val="6AAB73"/>
+                  </a:solidFill>
+                  <a:effectLst/>
+                  <a:latin typeface="+mj-lt"/>
+                  <a:cs typeface="JetBrains Mono" panose="02000009000000000000" pitchFamily="49" charset="0"/>
+                </a:rPr>
+                <a:t>"</a:t>
+              </a:r>
+              <a:r>
+                <a:rPr kumimoji="0" lang="zh-TW" altLang="zh-TW" sz="1400" b="0" i="0" u="none" strike="noStrike" cap="none" normalizeH="0" baseline="0">
+                  <a:ln>
+                    <a:noFill/>
+                  </a:ln>
+                  <a:solidFill>
+                    <a:srgbClr val="6AAB73"/>
+                  </a:solidFill>
+                  <a:effectLst/>
+                  <a:latin typeface="+mj-lt"/>
+                  <a:ea typeface="微軟正黑體" panose="020B0604030504040204" pitchFamily="34" charset="-120"/>
+                  <a:cs typeface="JetBrains Mono" panose="02000009000000000000" pitchFamily="49" charset="0"/>
+                </a:rPr>
+                <a:t>是我給你自由過了火</a:t>
+              </a:r>
+              <a:r>
+                <a:rPr kumimoji="0" lang="zh-TW" altLang="zh-TW" sz="1400" b="0" i="0" u="none" strike="noStrike" cap="none" normalizeH="0" baseline="0">
+                  <a:ln>
+                    <a:noFill/>
+                  </a:ln>
+                  <a:solidFill>
+                    <a:srgbClr val="6AAB73"/>
+                  </a:solidFill>
+                  <a:effectLst/>
+                  <a:latin typeface="+mj-lt"/>
+                  <a:cs typeface="JetBrains Mono" panose="02000009000000000000" pitchFamily="49" charset="0"/>
+                </a:rPr>
+                <a:t>"</a:t>
+              </a:r>
+              <a:r>
+                <a:rPr kumimoji="0" lang="zh-TW" altLang="zh-TW" sz="1400" b="0" i="0" u="none" strike="noStrike" cap="none" normalizeH="0" baseline="0">
+                  <a:ln>
+                    <a:noFill/>
+                  </a:ln>
+                  <a:solidFill>
+                    <a:srgbClr val="BCBEC4"/>
+                  </a:solidFill>
+                  <a:effectLst/>
+                  <a:latin typeface="+mj-lt"/>
+                  <a:cs typeface="JetBrains Mono" panose="02000009000000000000" pitchFamily="49" charset="0"/>
+                </a:rPr>
+                <a:t>;</a:t>
+              </a:r>
+              <a:br>
+                <a:rPr kumimoji="0" lang="zh-TW" altLang="zh-TW" sz="1400" b="0" i="0" u="none" strike="noStrike" cap="none" normalizeH="0" baseline="0">
+                  <a:ln>
+                    <a:noFill/>
+                  </a:ln>
+                  <a:solidFill>
+                    <a:srgbClr val="BCBEC4"/>
+                  </a:solidFill>
+                  <a:effectLst/>
+                  <a:latin typeface="+mj-lt"/>
+                  <a:cs typeface="JetBrains Mono" panose="02000009000000000000" pitchFamily="49" charset="0"/>
+                </a:rPr>
+              </a:br>
+              <a:r>
+                <a:rPr kumimoji="0" lang="zh-TW" altLang="zh-TW" sz="1400" b="0" i="0" u="none" strike="noStrike" cap="none" normalizeH="0" baseline="0">
+                  <a:ln>
+                    <a:noFill/>
+                  </a:ln>
+                  <a:solidFill>
+                    <a:srgbClr val="BCBEC4"/>
+                  </a:solidFill>
+                  <a:effectLst/>
+                  <a:latin typeface="+mj-lt"/>
+                  <a:cs typeface="JetBrains Mono" panose="02000009000000000000" pitchFamily="49" charset="0"/>
+                </a:rPr>
+                <a:t>            </a:t>
+              </a:r>
+              <a:r>
+                <a:rPr kumimoji="0" lang="zh-TW" altLang="zh-TW" sz="1400" b="0" i="0" u="none" strike="noStrike" cap="none" normalizeH="0" baseline="0">
+                  <a:ln>
+                    <a:noFill/>
+                  </a:ln>
+                  <a:solidFill>
+                    <a:srgbClr val="CF8E6D"/>
+                  </a:solidFill>
+                  <a:effectLst/>
+                  <a:latin typeface="+mj-lt"/>
+                  <a:cs typeface="JetBrains Mono" panose="02000009000000000000" pitchFamily="49" charset="0"/>
+                </a:rPr>
+                <a:t>case </a:t>
+              </a:r>
+              <a:r>
+                <a:rPr kumimoji="0" lang="zh-TW" altLang="zh-TW" sz="1400" b="0" i="0" u="none" strike="noStrike" cap="none" normalizeH="0" baseline="0">
+                  <a:ln>
+                    <a:noFill/>
+                  </a:ln>
+                  <a:solidFill>
+                    <a:srgbClr val="6AAB73"/>
+                  </a:solidFill>
+                  <a:effectLst/>
+                  <a:latin typeface="+mj-lt"/>
+                  <a:cs typeface="JetBrains Mono" panose="02000009000000000000" pitchFamily="49" charset="0"/>
+                </a:rPr>
+                <a:t>"</a:t>
+              </a:r>
+              <a:r>
+                <a:rPr kumimoji="0" lang="zh-TW" altLang="zh-TW" sz="1400" b="0" i="0" u="none" strike="noStrike" cap="none" normalizeH="0" baseline="0">
+                  <a:ln>
+                    <a:noFill/>
+                  </a:ln>
+                  <a:solidFill>
+                    <a:srgbClr val="6AAB73"/>
+                  </a:solidFill>
+                  <a:effectLst/>
+                  <a:latin typeface="+mj-lt"/>
+                  <a:ea typeface="微軟正黑體" panose="020B0604030504040204" pitchFamily="34" charset="-120"/>
+                  <a:cs typeface="JetBrains Mono" panose="02000009000000000000" pitchFamily="49" charset="0"/>
+                </a:rPr>
+                <a:t>我願變成童話裡你愛的那個天使</a:t>
+              </a:r>
+              <a:r>
+                <a:rPr kumimoji="0" lang="zh-TW" altLang="zh-TW" sz="1400" b="0" i="0" u="none" strike="noStrike" cap="none" normalizeH="0" baseline="0">
+                  <a:ln>
+                    <a:noFill/>
+                  </a:ln>
+                  <a:solidFill>
+                    <a:srgbClr val="6AAB73"/>
+                  </a:solidFill>
+                  <a:effectLst/>
+                  <a:latin typeface="+mj-lt"/>
+                  <a:cs typeface="JetBrains Mono" panose="02000009000000000000" pitchFamily="49" charset="0"/>
+                </a:rPr>
+                <a:t>" </a:t>
+              </a:r>
+              <a:r>
+                <a:rPr kumimoji="0" lang="zh-TW" altLang="zh-TW" sz="1400" b="0" i="0" u="none" strike="noStrike" cap="none" normalizeH="0" baseline="0">
+                  <a:ln>
+                    <a:noFill/>
+                  </a:ln>
+                  <a:solidFill>
+                    <a:srgbClr val="BCBEC4"/>
+                  </a:solidFill>
+                  <a:effectLst/>
+                  <a:latin typeface="+mj-lt"/>
+                  <a:cs typeface="JetBrains Mono" panose="02000009000000000000" pitchFamily="49" charset="0"/>
+                </a:rPr>
+                <a:t>-&gt; </a:t>
+              </a:r>
+              <a:r>
+                <a:rPr kumimoji="0" lang="zh-TW" altLang="zh-TW" sz="1400" b="0" i="0" u="none" strike="noStrike" cap="none" normalizeH="0" baseline="0">
+                  <a:ln>
+                    <a:noFill/>
+                  </a:ln>
+                  <a:solidFill>
+                    <a:srgbClr val="6AAB73"/>
+                  </a:solidFill>
+                  <a:effectLst/>
+                  <a:latin typeface="+mj-lt"/>
+                  <a:cs typeface="JetBrains Mono" panose="02000009000000000000" pitchFamily="49" charset="0"/>
+                </a:rPr>
+                <a:t>"</a:t>
+              </a:r>
+              <a:r>
+                <a:rPr kumimoji="0" lang="zh-TW" altLang="zh-TW" sz="1400" b="0" i="0" u="none" strike="noStrike" cap="none" normalizeH="0" baseline="0">
+                  <a:ln>
+                    <a:noFill/>
+                  </a:ln>
+                  <a:solidFill>
+                    <a:srgbClr val="6AAB73"/>
+                  </a:solidFill>
+                  <a:effectLst/>
+                  <a:latin typeface="+mj-lt"/>
+                  <a:ea typeface="微軟正黑體" panose="020B0604030504040204" pitchFamily="34" charset="-120"/>
+                  <a:cs typeface="JetBrains Mono" panose="02000009000000000000" pitchFamily="49" charset="0"/>
+                </a:rPr>
+                <a:t>張開雙手變成翅膀守護你</a:t>
+              </a:r>
+              <a:r>
+                <a:rPr kumimoji="0" lang="zh-TW" altLang="zh-TW" sz="1400" b="0" i="0" u="none" strike="noStrike" cap="none" normalizeH="0" baseline="0">
+                  <a:ln>
+                    <a:noFill/>
+                  </a:ln>
+                  <a:solidFill>
+                    <a:srgbClr val="6AAB73"/>
+                  </a:solidFill>
+                  <a:effectLst/>
+                  <a:latin typeface="+mj-lt"/>
+                  <a:cs typeface="JetBrains Mono" panose="02000009000000000000" pitchFamily="49" charset="0"/>
+                </a:rPr>
+                <a:t>"</a:t>
+              </a:r>
+              <a:r>
+                <a:rPr kumimoji="0" lang="zh-TW" altLang="zh-TW" sz="1400" b="0" i="0" u="none" strike="noStrike" cap="none" normalizeH="0" baseline="0">
+                  <a:ln>
+                    <a:noFill/>
+                  </a:ln>
+                  <a:solidFill>
+                    <a:srgbClr val="BCBEC4"/>
+                  </a:solidFill>
+                  <a:effectLst/>
+                  <a:latin typeface="+mj-lt"/>
+                  <a:cs typeface="JetBrains Mono" panose="02000009000000000000" pitchFamily="49" charset="0"/>
+                </a:rPr>
+                <a:t>;</a:t>
+              </a:r>
+              <a:br>
+                <a:rPr kumimoji="0" lang="zh-TW" altLang="zh-TW" sz="1400" b="0" i="0" u="none" strike="noStrike" cap="none" normalizeH="0" baseline="0">
+                  <a:ln>
+                    <a:noFill/>
+                  </a:ln>
+                  <a:solidFill>
+                    <a:srgbClr val="BCBEC4"/>
+                  </a:solidFill>
+                  <a:effectLst/>
+                  <a:latin typeface="+mj-lt"/>
+                  <a:cs typeface="JetBrains Mono" panose="02000009000000000000" pitchFamily="49" charset="0"/>
+                </a:rPr>
+              </a:br>
+              <a:r>
+                <a:rPr kumimoji="0" lang="zh-TW" altLang="zh-TW" sz="1400" b="0" i="0" u="none" strike="noStrike" cap="none" normalizeH="0" baseline="0">
+                  <a:ln>
+                    <a:noFill/>
+                  </a:ln>
+                  <a:solidFill>
+                    <a:srgbClr val="BCBEC4"/>
+                  </a:solidFill>
+                  <a:effectLst/>
+                  <a:latin typeface="+mj-lt"/>
+                  <a:cs typeface="JetBrains Mono" panose="02000009000000000000" pitchFamily="49" charset="0"/>
+                </a:rPr>
+                <a:t>            </a:t>
+              </a:r>
+              <a:r>
+                <a:rPr kumimoji="0" lang="zh-TW" altLang="zh-TW" sz="1400" b="0" i="0" u="none" strike="noStrike" cap="none" normalizeH="0" baseline="0">
+                  <a:ln>
+                    <a:noFill/>
+                  </a:ln>
+                  <a:solidFill>
+                    <a:srgbClr val="CF8E6D"/>
+                  </a:solidFill>
+                  <a:effectLst/>
+                  <a:latin typeface="+mj-lt"/>
+                  <a:cs typeface="JetBrains Mono" panose="02000009000000000000" pitchFamily="49" charset="0"/>
+                </a:rPr>
+                <a:t>default </a:t>
+              </a:r>
+              <a:r>
+                <a:rPr kumimoji="0" lang="zh-TW" altLang="zh-TW" sz="1400" b="0" i="0" u="none" strike="noStrike" cap="none" normalizeH="0" baseline="0">
+                  <a:ln>
+                    <a:noFill/>
+                  </a:ln>
+                  <a:solidFill>
+                    <a:srgbClr val="BCBEC4"/>
+                  </a:solidFill>
+                  <a:effectLst/>
+                  <a:latin typeface="+mj-lt"/>
+                  <a:cs typeface="JetBrains Mono" panose="02000009000000000000" pitchFamily="49" charset="0"/>
+                </a:rPr>
+                <a:t>-&gt; {</a:t>
+              </a:r>
+              <a:br>
+                <a:rPr kumimoji="0" lang="zh-TW" altLang="zh-TW" sz="1400" b="0" i="0" u="none" strike="noStrike" cap="none" normalizeH="0" baseline="0">
+                  <a:ln>
+                    <a:noFill/>
+                  </a:ln>
+                  <a:solidFill>
+                    <a:srgbClr val="BCBEC4"/>
+                  </a:solidFill>
+                  <a:effectLst/>
+                  <a:latin typeface="+mj-lt"/>
+                  <a:cs typeface="JetBrains Mono" panose="02000009000000000000" pitchFamily="49" charset="0"/>
+                </a:rPr>
+              </a:br>
+              <a:r>
+                <a:rPr kumimoji="0" lang="zh-TW" altLang="zh-TW" sz="1400" b="0" i="0" u="none" strike="noStrike" cap="none" normalizeH="0" baseline="0">
+                  <a:ln>
+                    <a:noFill/>
+                  </a:ln>
+                  <a:solidFill>
+                    <a:srgbClr val="BCBEC4"/>
+                  </a:solidFill>
+                  <a:effectLst/>
+                  <a:latin typeface="+mj-lt"/>
+                  <a:cs typeface="JetBrains Mono" panose="02000009000000000000" pitchFamily="49" charset="0"/>
+                </a:rPr>
+                <a:t>                </a:t>
+              </a:r>
+              <a:r>
+                <a:rPr kumimoji="0" lang="zh-TW" altLang="zh-TW" sz="1400" b="0" i="0" u="none" strike="noStrike" cap="none" normalizeH="0" baseline="0">
+                  <a:ln>
+                    <a:noFill/>
+                  </a:ln>
+                  <a:solidFill>
+                    <a:srgbClr val="CF8E6D"/>
+                  </a:solidFill>
+                  <a:effectLst/>
+                  <a:latin typeface="+mj-lt"/>
+                  <a:cs typeface="JetBrains Mono" panose="02000009000000000000" pitchFamily="49" charset="0"/>
+                </a:rPr>
+                <a:t>if </a:t>
+              </a:r>
+              <a:r>
+                <a:rPr kumimoji="0" lang="zh-TW" altLang="zh-TW" sz="1400" b="0" i="0" u="none" strike="noStrike" cap="none" normalizeH="0" baseline="0">
+                  <a:ln>
+                    <a:noFill/>
+                  </a:ln>
+                  <a:solidFill>
+                    <a:srgbClr val="BCBEC4"/>
+                  </a:solidFill>
+                  <a:effectLst/>
+                  <a:latin typeface="+mj-lt"/>
+                  <a:cs typeface="JetBrains Mono" panose="02000009000000000000" pitchFamily="49" charset="0"/>
+                </a:rPr>
+                <a:t>(input.isEmpty()) </a:t>
+              </a:r>
+              <a:r>
+                <a:rPr kumimoji="0" lang="zh-TW" altLang="zh-TW" sz="1400" b="0" i="0" u="none" strike="noStrike" cap="none" normalizeH="0" baseline="0">
+                  <a:ln>
+                    <a:noFill/>
+                  </a:ln>
+                  <a:solidFill>
+                    <a:srgbClr val="CF8E6D"/>
+                  </a:solidFill>
+                  <a:effectLst/>
+                  <a:latin typeface="+mj-lt"/>
+                  <a:cs typeface="JetBrains Mono" panose="02000009000000000000" pitchFamily="49" charset="0"/>
+                </a:rPr>
+                <a:t>yield </a:t>
+              </a:r>
+              <a:r>
+                <a:rPr kumimoji="0" lang="zh-TW" altLang="zh-TW" sz="1400" b="0" i="0" u="none" strike="noStrike" cap="none" normalizeH="0" baseline="0">
+                  <a:ln>
+                    <a:noFill/>
+                  </a:ln>
+                  <a:solidFill>
+                    <a:srgbClr val="6AAB73"/>
+                  </a:solidFill>
+                  <a:effectLst/>
+                  <a:latin typeface="+mj-lt"/>
+                  <a:cs typeface="JetBrains Mono" panose="02000009000000000000" pitchFamily="49" charset="0"/>
+                </a:rPr>
+                <a:t>"</a:t>
+              </a:r>
+              <a:r>
+                <a:rPr kumimoji="0" lang="zh-TW" altLang="zh-TW" sz="1400" b="0" i="0" u="none" strike="noStrike" cap="none" normalizeH="0" baseline="0">
+                  <a:ln>
+                    <a:noFill/>
+                  </a:ln>
+                  <a:solidFill>
+                    <a:srgbClr val="6AAB73"/>
+                  </a:solidFill>
+                  <a:effectLst/>
+                  <a:latin typeface="+mj-lt"/>
+                  <a:ea typeface="微軟正黑體" panose="020B0604030504040204" pitchFamily="34" charset="-120"/>
+                  <a:cs typeface="JetBrains Mono" panose="02000009000000000000" pitchFamily="49" charset="0"/>
+                </a:rPr>
+                <a:t>沒有輸入任何東西</a:t>
+              </a:r>
+              <a:r>
+                <a:rPr kumimoji="0" lang="zh-TW" altLang="zh-TW" sz="1400" b="0" i="0" u="none" strike="noStrike" cap="none" normalizeH="0" baseline="0">
+                  <a:ln>
+                    <a:noFill/>
+                  </a:ln>
+                  <a:solidFill>
+                    <a:srgbClr val="6AAB73"/>
+                  </a:solidFill>
+                  <a:effectLst/>
+                  <a:latin typeface="+mj-lt"/>
+                  <a:cs typeface="JetBrains Mono" panose="02000009000000000000" pitchFamily="49" charset="0"/>
+                </a:rPr>
+                <a:t>"</a:t>
+              </a:r>
+              <a:r>
+                <a:rPr kumimoji="0" lang="zh-TW" altLang="zh-TW" sz="1400" b="0" i="0" u="none" strike="noStrike" cap="none" normalizeH="0" baseline="0">
+                  <a:ln>
+                    <a:noFill/>
+                  </a:ln>
+                  <a:solidFill>
+                    <a:srgbClr val="BCBEC4"/>
+                  </a:solidFill>
+                  <a:effectLst/>
+                  <a:latin typeface="+mj-lt"/>
+                  <a:cs typeface="JetBrains Mono" panose="02000009000000000000" pitchFamily="49" charset="0"/>
+                </a:rPr>
+                <a:t>;</a:t>
+              </a:r>
+              <a:br>
+                <a:rPr kumimoji="0" lang="zh-TW" altLang="zh-TW" sz="1400" b="0" i="0" u="none" strike="noStrike" cap="none" normalizeH="0" baseline="0">
+                  <a:ln>
+                    <a:noFill/>
+                  </a:ln>
+                  <a:solidFill>
+                    <a:srgbClr val="BCBEC4"/>
+                  </a:solidFill>
+                  <a:effectLst/>
+                  <a:latin typeface="+mj-lt"/>
+                  <a:cs typeface="JetBrains Mono" panose="02000009000000000000" pitchFamily="49" charset="0"/>
+                </a:rPr>
+              </a:br>
+              <a:r>
+                <a:rPr kumimoji="0" lang="zh-TW" altLang="zh-TW" sz="1400" b="0" i="0" u="none" strike="noStrike" cap="none" normalizeH="0" baseline="0">
+                  <a:ln>
+                    <a:noFill/>
+                  </a:ln>
+                  <a:solidFill>
+                    <a:srgbClr val="BCBEC4"/>
+                  </a:solidFill>
+                  <a:effectLst/>
+                  <a:latin typeface="+mj-lt"/>
+                  <a:cs typeface="JetBrains Mono" panose="02000009000000000000" pitchFamily="49" charset="0"/>
+                </a:rPr>
+                <a:t>                </a:t>
+              </a:r>
+              <a:r>
+                <a:rPr kumimoji="0" lang="zh-TW" altLang="zh-TW" sz="1400" b="0" i="0" u="none" strike="noStrike" cap="none" normalizeH="0" baseline="0">
+                  <a:ln>
+                    <a:noFill/>
+                  </a:ln>
+                  <a:solidFill>
+                    <a:srgbClr val="CF8E6D"/>
+                  </a:solidFill>
+                  <a:effectLst/>
+                  <a:latin typeface="+mj-lt"/>
+                  <a:cs typeface="JetBrains Mono" panose="02000009000000000000" pitchFamily="49" charset="0"/>
+                </a:rPr>
+                <a:t>yield </a:t>
+              </a:r>
+              <a:r>
+                <a:rPr kumimoji="0" lang="zh-TW" altLang="zh-TW" sz="1400" b="0" i="0" u="none" strike="noStrike" cap="none" normalizeH="0" baseline="0">
+                  <a:ln>
+                    <a:noFill/>
+                  </a:ln>
+                  <a:solidFill>
+                    <a:srgbClr val="6AAB73"/>
+                  </a:solidFill>
+                  <a:effectLst/>
+                  <a:latin typeface="+mj-lt"/>
+                  <a:cs typeface="JetBrains Mono" panose="02000009000000000000" pitchFamily="49" charset="0"/>
+                </a:rPr>
+                <a:t>"</a:t>
+              </a:r>
+              <a:r>
+                <a:rPr kumimoji="0" lang="zh-TW" altLang="zh-TW" sz="1400" b="0" i="0" u="none" strike="noStrike" cap="none" normalizeH="0" baseline="0">
+                  <a:ln>
+                    <a:noFill/>
+                  </a:ln>
+                  <a:solidFill>
+                    <a:srgbClr val="6AAB73"/>
+                  </a:solidFill>
+                  <a:effectLst/>
+                  <a:latin typeface="+mj-lt"/>
+                  <a:ea typeface="微軟正黑體" panose="020B0604030504040204" pitchFamily="34" charset="-120"/>
+                  <a:cs typeface="JetBrains Mono" panose="02000009000000000000" pitchFamily="49" charset="0"/>
+                </a:rPr>
+                <a:t>我不知道下一句是什麼</a:t>
+              </a:r>
+              <a:r>
+                <a:rPr kumimoji="0" lang="zh-TW" altLang="zh-TW" sz="1400" b="0" i="0" u="none" strike="noStrike" cap="none" normalizeH="0" baseline="0">
+                  <a:ln>
+                    <a:noFill/>
+                  </a:ln>
+                  <a:solidFill>
+                    <a:srgbClr val="6AAB73"/>
+                  </a:solidFill>
+                  <a:effectLst/>
+                  <a:latin typeface="+mj-lt"/>
+                  <a:cs typeface="JetBrains Mono" panose="02000009000000000000" pitchFamily="49" charset="0"/>
+                </a:rPr>
+                <a:t>"</a:t>
+              </a:r>
+              <a:r>
+                <a:rPr kumimoji="0" lang="zh-TW" altLang="zh-TW" sz="1400" b="0" i="0" u="none" strike="noStrike" cap="none" normalizeH="0" baseline="0">
+                  <a:ln>
+                    <a:noFill/>
+                  </a:ln>
+                  <a:solidFill>
+                    <a:srgbClr val="BCBEC4"/>
+                  </a:solidFill>
+                  <a:effectLst/>
+                  <a:latin typeface="+mj-lt"/>
+                  <a:cs typeface="JetBrains Mono" panose="02000009000000000000" pitchFamily="49" charset="0"/>
+                </a:rPr>
+                <a:t>;</a:t>
+              </a:r>
+              <a:br>
+                <a:rPr kumimoji="0" lang="zh-TW" altLang="zh-TW" sz="1400" b="0" i="0" u="none" strike="noStrike" cap="none" normalizeH="0" baseline="0">
+                  <a:ln>
+                    <a:noFill/>
+                  </a:ln>
+                  <a:solidFill>
+                    <a:srgbClr val="BCBEC4"/>
+                  </a:solidFill>
+                  <a:effectLst/>
+                  <a:latin typeface="+mj-lt"/>
+                  <a:cs typeface="JetBrains Mono" panose="02000009000000000000" pitchFamily="49" charset="0"/>
+                </a:rPr>
+              </a:br>
+              <a:r>
+                <a:rPr kumimoji="0" lang="zh-TW" altLang="zh-TW" sz="1400" b="0" i="0" u="none" strike="noStrike" cap="none" normalizeH="0" baseline="0">
+                  <a:ln>
+                    <a:noFill/>
+                  </a:ln>
+                  <a:solidFill>
+                    <a:srgbClr val="BCBEC4"/>
+                  </a:solidFill>
+                  <a:effectLst/>
+                  <a:latin typeface="+mj-lt"/>
+                  <a:cs typeface="JetBrains Mono" panose="02000009000000000000" pitchFamily="49" charset="0"/>
+                </a:rPr>
+                <a:t>            }</a:t>
+              </a:r>
+              <a:br>
+                <a:rPr kumimoji="0" lang="zh-TW" altLang="zh-TW" sz="1400" b="0" i="0" u="none" strike="noStrike" cap="none" normalizeH="0" baseline="0">
+                  <a:ln>
+                    <a:noFill/>
+                  </a:ln>
+                  <a:solidFill>
+                    <a:srgbClr val="BCBEC4"/>
+                  </a:solidFill>
+                  <a:effectLst/>
+                  <a:latin typeface="+mj-lt"/>
+                  <a:cs typeface="JetBrains Mono" panose="02000009000000000000" pitchFamily="49" charset="0"/>
+                </a:rPr>
+              </a:br>
+              <a:r>
+                <a:rPr kumimoji="0" lang="zh-TW" altLang="zh-TW" sz="1400" b="0" i="0" u="none" strike="noStrike" cap="none" normalizeH="0" baseline="0">
+                  <a:ln>
+                    <a:noFill/>
+                  </a:ln>
+                  <a:solidFill>
+                    <a:srgbClr val="BCBEC4"/>
+                  </a:solidFill>
+                  <a:effectLst/>
+                  <a:latin typeface="+mj-lt"/>
+                  <a:cs typeface="JetBrains Mono" panose="02000009000000000000" pitchFamily="49" charset="0"/>
+                </a:rPr>
+                <a:t>        };</a:t>
+              </a:r>
+              <a:br>
+                <a:rPr kumimoji="0" lang="zh-TW" altLang="zh-TW" sz="1400" b="0" i="0" u="none" strike="noStrike" cap="none" normalizeH="0" baseline="0">
+                  <a:ln>
+                    <a:noFill/>
+                  </a:ln>
+                  <a:solidFill>
+                    <a:srgbClr val="BCBEC4"/>
+                  </a:solidFill>
+                  <a:effectLst/>
+                  <a:latin typeface="+mj-lt"/>
+                  <a:cs typeface="JetBrains Mono" panose="02000009000000000000" pitchFamily="49" charset="0"/>
+                </a:rPr>
+              </a:br>
+              <a:r>
+                <a:rPr kumimoji="0" lang="zh-TW" altLang="zh-TW" sz="1400" b="0" i="0" u="none" strike="noStrike" cap="none" normalizeH="0" baseline="0">
+                  <a:ln>
+                    <a:noFill/>
+                  </a:ln>
+                  <a:solidFill>
+                    <a:srgbClr val="BCBEC4"/>
+                  </a:solidFill>
+                  <a:effectLst/>
+                  <a:latin typeface="+mj-lt"/>
+                  <a:cs typeface="JetBrains Mono" panose="02000009000000000000" pitchFamily="49" charset="0"/>
+                </a:rPr>
+                <a:t>        System.</a:t>
+              </a:r>
+              <a:r>
+                <a:rPr kumimoji="0" lang="zh-TW" altLang="zh-TW" sz="1400" b="0" i="1" u="none" strike="noStrike" cap="none" normalizeH="0" baseline="0">
                   <a:ln>
                     <a:noFill/>
                   </a:ln>
@@ -3049,249 +3813,72 @@
                 <a:t>out</a:t>
               </a:r>
               <a:r>
-                <a:rPr kumimoji="0" lang="zh-TW" altLang="zh-TW" sz="2400" b="0" i="0" u="none" strike="noStrike" cap="none" normalizeH="0" baseline="0">
-                  <a:ln>
-                    <a:noFill/>
-                  </a:ln>
-                  <a:solidFill>
-                    <a:srgbClr val="BCBEC4"/>
-                  </a:solidFill>
-                  <a:effectLst/>
-                  <a:latin typeface="+mj-lt"/>
-                  <a:cs typeface="JetBrains Mono" panose="02000009000000000000" pitchFamily="49" charset="0"/>
-                </a:rPr>
-                <a:t>.println(INT_MAX + </a:t>
-              </a:r>
-              <a:r>
-                <a:rPr kumimoji="0" lang="zh-TW" altLang="zh-TW" sz="2400" b="0" i="0" u="none" strike="noStrike" cap="none" normalizeH="0" baseline="0">
-                  <a:ln>
-                    <a:noFill/>
-                  </a:ln>
-                  <a:solidFill>
-                    <a:srgbClr val="2AACB8"/>
-                  </a:solidFill>
-                  <a:effectLst/>
-                  <a:latin typeface="+mj-lt"/>
-                  <a:cs typeface="JetBrains Mono" panose="02000009000000000000" pitchFamily="49" charset="0"/>
-                </a:rPr>
-                <a:t>1 </a:t>
-              </a:r>
-              <a:r>
-                <a:rPr kumimoji="0" lang="zh-TW" altLang="zh-TW" sz="2400" b="0" i="0" u="none" strike="noStrike" cap="none" normalizeH="0" baseline="0">
-                  <a:ln>
-                    <a:noFill/>
-                  </a:ln>
-                  <a:solidFill>
-                    <a:srgbClr val="BCBEC4"/>
-                  </a:solidFill>
-                  <a:effectLst/>
-                  <a:latin typeface="+mj-lt"/>
-                  <a:cs typeface="JetBrains Mono" panose="02000009000000000000" pitchFamily="49" charset="0"/>
-                </a:rPr>
-                <a:t>== INT_MIN ? </a:t>
-              </a:r>
-              <a:r>
-                <a:rPr kumimoji="0" lang="zh-TW" altLang="zh-TW" sz="2400" b="0" i="0" u="none" strike="noStrike" cap="none" normalizeH="0" baseline="0">
-                  <a:ln>
-                    <a:noFill/>
-                  </a:ln>
-                  <a:solidFill>
-                    <a:srgbClr val="6AAB73"/>
-                  </a:solidFill>
-                  <a:effectLst/>
-                  <a:latin typeface="+mj-lt"/>
-                  <a:cs typeface="JetBrains Mono" panose="02000009000000000000" pitchFamily="49" charset="0"/>
-                </a:rPr>
-                <a:t>"True" </a:t>
-              </a:r>
-              <a:r>
-                <a:rPr kumimoji="0" lang="zh-TW" altLang="zh-TW" sz="2400" b="0" i="0" u="none" strike="noStrike" cap="none" normalizeH="0" baseline="0">
-                  <a:ln>
-                    <a:noFill/>
-                  </a:ln>
-                  <a:solidFill>
-                    <a:srgbClr val="BCBEC4"/>
-                  </a:solidFill>
-                  <a:effectLst/>
-                  <a:latin typeface="+mj-lt"/>
-                  <a:cs typeface="JetBrains Mono" panose="02000009000000000000" pitchFamily="49" charset="0"/>
-                </a:rPr>
-                <a:t>: </a:t>
-              </a:r>
-              <a:r>
-                <a:rPr kumimoji="0" lang="zh-TW" altLang="zh-TW" sz="2400" b="0" i="0" u="none" strike="noStrike" cap="none" normalizeH="0" baseline="0">
-                  <a:ln>
-                    <a:noFill/>
-                  </a:ln>
-                  <a:solidFill>
-                    <a:srgbClr val="6AAB73"/>
-                  </a:solidFill>
-                  <a:effectLst/>
-                  <a:latin typeface="+mj-lt"/>
-                  <a:cs typeface="JetBrains Mono" panose="02000009000000000000" pitchFamily="49" charset="0"/>
-                </a:rPr>
-                <a:t>"False"</a:t>
-              </a:r>
-              <a:r>
-                <a:rPr kumimoji="0" lang="zh-TW" altLang="zh-TW" sz="2400" b="0" i="0" u="none" strike="noStrike" cap="none" normalizeH="0" baseline="0">
-                  <a:ln>
-                    <a:noFill/>
-                  </a:ln>
-                  <a:solidFill>
-                    <a:srgbClr val="BCBEC4"/>
-                  </a:solidFill>
-                  <a:effectLst/>
-                  <a:latin typeface="+mj-lt"/>
-                  <a:cs typeface="JetBrains Mono" panose="02000009000000000000" pitchFamily="49" charset="0"/>
-                </a:rPr>
-                <a:t>);</a:t>
-              </a:r>
-              <a:endParaRPr kumimoji="0" lang="en-US" altLang="zh-TW" sz="2400" b="0" i="0" u="none" strike="noStrike" cap="none" normalizeH="0" baseline="0">
-                <a:ln>
-                  <a:noFill/>
-                </a:ln>
-                <a:solidFill>
-                  <a:srgbClr val="BCBEC4"/>
-                </a:solidFill>
-                <a:effectLst/>
-                <a:latin typeface="+mj-lt"/>
-                <a:cs typeface="JetBrains Mono" panose="02000009000000000000" pitchFamily="49" charset="0"/>
-              </a:endParaRPr>
-            </a:p>
-            <a:p>
-              <a:pPr eaLnBrk="0" fontAlgn="base" hangingPunct="0">
-                <a:spcBef>
-                  <a:spcPct val="0"/>
-                </a:spcBef>
-                <a:spcAft>
-                  <a:spcPct val="0"/>
-                </a:spcAft>
-              </a:pPr>
-              <a:r>
-                <a:rPr kumimoji="0" lang="zh-TW" altLang="zh-TW" sz="2400" b="0" i="0" u="none" strike="noStrike" cap="none" normalizeH="0" baseline="0">
-                  <a:ln>
-                    <a:noFill/>
-                  </a:ln>
-                  <a:solidFill>
-                    <a:srgbClr val="BCBEC4"/>
-                  </a:solidFill>
-                  <a:effectLst/>
-                  <a:latin typeface="+mj-lt"/>
-                  <a:cs typeface="JetBrains Mono" panose="02000009000000000000" pitchFamily="49" charset="0"/>
-                </a:rPr>
-                <a:t>System.</a:t>
-              </a:r>
-              <a:r>
-                <a:rPr kumimoji="0" lang="zh-TW" altLang="zh-TW" sz="2400" b="0" i="1" u="none" strike="noStrike" cap="none" normalizeH="0" baseline="0">
-                  <a:ln>
-                    <a:noFill/>
-                  </a:ln>
-                  <a:solidFill>
-                    <a:srgbClr val="C77DBB"/>
-                  </a:solidFill>
-                  <a:effectLst/>
-                  <a:latin typeface="+mj-lt"/>
-                  <a:cs typeface="JetBrains Mono" panose="02000009000000000000" pitchFamily="49" charset="0"/>
-                </a:rPr>
-                <a:t>out</a:t>
-              </a:r>
-              <a:r>
-                <a:rPr kumimoji="0" lang="zh-TW" altLang="zh-TW" sz="2400" b="0" i="0" u="none" strike="noStrike" cap="none" normalizeH="0" baseline="0">
-                  <a:ln>
-                    <a:noFill/>
-                  </a:ln>
-                  <a:solidFill>
-                    <a:srgbClr val="BCBEC4"/>
-                  </a:solidFill>
-                  <a:effectLst/>
-                  <a:latin typeface="+mj-lt"/>
-                  <a:cs typeface="JetBrains Mono" panose="02000009000000000000" pitchFamily="49" charset="0"/>
-                </a:rPr>
-                <a:t>.println(INT_MAX == INT_MIN - </a:t>
-              </a:r>
-              <a:r>
-                <a:rPr kumimoji="0" lang="zh-TW" altLang="zh-TW" sz="2400" b="0" i="0" u="none" strike="noStrike" cap="none" normalizeH="0" baseline="0">
-                  <a:ln>
-                    <a:noFill/>
-                  </a:ln>
-                  <a:solidFill>
-                    <a:srgbClr val="2AACB8"/>
-                  </a:solidFill>
-                  <a:effectLst/>
-                  <a:latin typeface="+mj-lt"/>
-                  <a:cs typeface="JetBrains Mono" panose="02000009000000000000" pitchFamily="49" charset="0"/>
-                </a:rPr>
-                <a:t>1 </a:t>
-              </a:r>
-              <a:r>
-                <a:rPr kumimoji="0" lang="zh-TW" altLang="zh-TW" sz="2400" b="0" i="0" u="none" strike="noStrike" cap="none" normalizeH="0" baseline="0">
-                  <a:ln>
-                    <a:noFill/>
-                  </a:ln>
-                  <a:solidFill>
-                    <a:srgbClr val="BCBEC4"/>
-                  </a:solidFill>
-                  <a:effectLst/>
-                  <a:latin typeface="+mj-lt"/>
-                  <a:cs typeface="JetBrains Mono" panose="02000009000000000000" pitchFamily="49" charset="0"/>
-                </a:rPr>
-                <a:t>? </a:t>
-              </a:r>
-              <a:r>
-                <a:rPr kumimoji="0" lang="zh-TW" altLang="zh-TW" sz="2400" b="0" i="0" u="none" strike="noStrike" cap="none" normalizeH="0" baseline="0">
-                  <a:ln>
-                    <a:noFill/>
-                  </a:ln>
-                  <a:solidFill>
-                    <a:srgbClr val="6AAB73"/>
-                  </a:solidFill>
-                  <a:effectLst/>
-                  <a:latin typeface="+mj-lt"/>
-                  <a:cs typeface="JetBrains Mono" panose="02000009000000000000" pitchFamily="49" charset="0"/>
-                </a:rPr>
-                <a:t>"True" </a:t>
-              </a:r>
-              <a:r>
-                <a:rPr kumimoji="0" lang="zh-TW" altLang="zh-TW" sz="2400" b="0" i="0" u="none" strike="noStrike" cap="none" normalizeH="0" baseline="0">
-                  <a:ln>
-                    <a:noFill/>
-                  </a:ln>
-                  <a:solidFill>
-                    <a:srgbClr val="BCBEC4"/>
-                  </a:solidFill>
-                  <a:effectLst/>
-                  <a:latin typeface="+mj-lt"/>
-                  <a:cs typeface="JetBrains Mono" panose="02000009000000000000" pitchFamily="49" charset="0"/>
-                </a:rPr>
-                <a:t>: </a:t>
-              </a:r>
-              <a:r>
-                <a:rPr kumimoji="0" lang="zh-TW" altLang="zh-TW" sz="2400" b="0" i="0" u="none" strike="noStrike" cap="none" normalizeH="0" baseline="0">
-                  <a:ln>
-                    <a:noFill/>
-                  </a:ln>
-                  <a:solidFill>
-                    <a:srgbClr val="6AAB73"/>
-                  </a:solidFill>
-                  <a:effectLst/>
-                  <a:latin typeface="+mj-lt"/>
-                  <a:cs typeface="JetBrains Mono" panose="02000009000000000000" pitchFamily="49" charset="0"/>
-                </a:rPr>
-                <a:t>"False"</a:t>
-              </a:r>
-              <a:r>
-                <a:rPr kumimoji="0" lang="zh-TW" altLang="zh-TW" sz="2400" b="0" i="0" u="none" strike="noStrike" cap="none" normalizeH="0" baseline="0">
-                  <a:ln>
-                    <a:noFill/>
-                  </a:ln>
-                  <a:solidFill>
-                    <a:srgbClr val="BCBEC4"/>
-                  </a:solidFill>
-                  <a:effectLst/>
-                  <a:latin typeface="+mj-lt"/>
-                  <a:cs typeface="JetBrains Mono" panose="02000009000000000000" pitchFamily="49" charset="0"/>
-                </a:rPr>
-                <a:t>);</a:t>
+                <a:rPr kumimoji="0" lang="zh-TW" altLang="zh-TW" sz="1400" b="0" i="0" u="none" strike="noStrike" cap="none" normalizeH="0" baseline="0">
+                  <a:ln>
+                    <a:noFill/>
+                  </a:ln>
+                  <a:solidFill>
+                    <a:srgbClr val="BCBEC4"/>
+                  </a:solidFill>
+                  <a:effectLst/>
+                  <a:latin typeface="+mj-lt"/>
+                  <a:cs typeface="JetBrains Mono" panose="02000009000000000000" pitchFamily="49" charset="0"/>
+                </a:rPr>
+                <a:t>.println(output);</a:t>
+              </a:r>
+              <a:br>
+                <a:rPr kumimoji="0" lang="zh-TW" altLang="zh-TW" sz="1400" b="0" i="0" u="none" strike="noStrike" cap="none" normalizeH="0" baseline="0">
+                  <a:ln>
+                    <a:noFill/>
+                  </a:ln>
+                  <a:solidFill>
+                    <a:srgbClr val="BCBEC4"/>
+                  </a:solidFill>
+                  <a:effectLst/>
+                  <a:latin typeface="+mj-lt"/>
+                  <a:cs typeface="JetBrains Mono" panose="02000009000000000000" pitchFamily="49" charset="0"/>
+                </a:rPr>
+              </a:br>
+              <a:r>
+                <a:rPr kumimoji="0" lang="zh-TW" altLang="zh-TW" sz="1400" b="0" i="0" u="none" strike="noStrike" cap="none" normalizeH="0" baseline="0">
+                  <a:ln>
+                    <a:noFill/>
+                  </a:ln>
+                  <a:solidFill>
+                    <a:srgbClr val="BCBEC4"/>
+                  </a:solidFill>
+                  <a:effectLst/>
+                  <a:latin typeface="+mj-lt"/>
+                  <a:cs typeface="JetBrains Mono" panose="02000009000000000000" pitchFamily="49" charset="0"/>
+                </a:rPr>
+                <a:t>    }</a:t>
+              </a:r>
+              <a:br>
+                <a:rPr kumimoji="0" lang="zh-TW" altLang="zh-TW" sz="1400" b="0" i="0" u="none" strike="noStrike" cap="none" normalizeH="0" baseline="0">
+                  <a:ln>
+                    <a:noFill/>
+                  </a:ln>
+                  <a:solidFill>
+                    <a:srgbClr val="BCBEC4"/>
+                  </a:solidFill>
+                  <a:effectLst/>
+                  <a:latin typeface="+mj-lt"/>
+                  <a:cs typeface="JetBrains Mono" panose="02000009000000000000" pitchFamily="49" charset="0"/>
+                </a:rPr>
+              </a:br>
+              <a:r>
+                <a:rPr kumimoji="0" lang="zh-TW" altLang="zh-TW" sz="1400" b="0" i="0" u="none" strike="noStrike" cap="none" normalizeH="0" baseline="0">
+                  <a:ln>
+                    <a:noFill/>
+                  </a:ln>
+                  <a:solidFill>
+                    <a:srgbClr val="BCBEC4"/>
+                  </a:solidFill>
+                  <a:effectLst/>
+                  <a:latin typeface="+mj-lt"/>
+                  <a:cs typeface="JetBrains Mono" panose="02000009000000000000" pitchFamily="49" charset="0"/>
+                </a:rPr>
+                <a:t>}</a:t>
               </a:r>
               <a:endParaRPr kumimoji="0" lang="zh-TW" altLang="zh-TW" sz="2400" b="0" i="0" u="none" strike="noStrike" cap="none" normalizeH="0" baseline="0">
                 <a:ln>
@@ -3308,10 +3895,10 @@
         </p:sp>
         <p:sp>
           <p:nvSpPr>
-            <p:cNvPr id="13" name="文字方塊 12">
+            <p:cNvPr id="24" name="文字方塊 23">
               <a:extLst>
                 <a:ext uri="{FF2B5EF4-FFF2-40B4-BE49-F238E27FC236}">
-                  <a16:creationId xmlns:a16="http://schemas.microsoft.com/office/drawing/2014/main" id="{D2FC59C8-1884-4B4B-9417-6FCCA556006A}"/>
+                  <a16:creationId xmlns:a16="http://schemas.microsoft.com/office/drawing/2014/main" id="{E26CFA82-E5B1-49BD-A888-F42CEC389792}"/>
                 </a:ext>
               </a:extLst>
             </p:cNvPr>
@@ -3320,8 +3907,8 @@
           </p:nvSpPr>
           <p:spPr>
             <a:xfrm>
-              <a:off x="10796493" y="3532461"/>
-              <a:ext cx="633507" cy="338554"/>
+              <a:off x="10771587" y="6186489"/>
+              <a:ext cx="582211" cy="307777"/>
             </a:xfrm>
             <a:prstGeom prst="rect">
               <a:avLst/>
@@ -3335,14 +3922,14 @@
             <a:lstStyle/>
             <a:p>
               <a:r>
-                <a:rPr lang="en-US" altLang="zh-TW" sz="1600">
+                <a:rPr lang="en-US" altLang="zh-TW" sz="1400">
                   <a:solidFill>
                     <a:schemeClr val="accent3"/>
                   </a:solidFill>
                 </a:rPr>
                 <a:t>java</a:t>
               </a:r>
-              <a:endParaRPr lang="zh-TW" altLang="en-US" sz="1600">
+              <a:endParaRPr lang="zh-TW" altLang="en-US" sz="1400">
                 <a:solidFill>
                   <a:schemeClr val="accent3"/>
                 </a:solidFill>
@@ -3350,13 +3937,229 @@
             </a:p>
           </p:txBody>
         </p:sp>
+        <p:pic>
+          <p:nvPicPr>
+            <p:cNvPr id="25" name="圖片 24">
+              <a:hlinkClick r:id="rId2"/>
+              <a:extLst>
+                <a:ext uri="{FF2B5EF4-FFF2-40B4-BE49-F238E27FC236}">
+                  <a16:creationId xmlns:a16="http://schemas.microsoft.com/office/drawing/2014/main" id="{4868122B-B178-49BC-B0EB-9F1D23C50AD8}"/>
+                </a:ext>
+              </a:extLst>
+            </p:cNvPr>
+            <p:cNvPicPr>
+              <a:picLocks noChangeAspect="1"/>
+            </p:cNvPicPr>
+            <p:nvPr/>
+          </p:nvPicPr>
+          <p:blipFill>
+            <a:blip r:embed="rId3">
+              <a:extLst>
+                <a:ext uri="{28A0092B-C50C-407E-A947-70E740481C1C}">
+                  <a14:useLocalDpi xmlns:a14="http://schemas.microsoft.com/office/drawing/2010/main" val="0"/>
+                </a:ext>
+              </a:extLst>
+            </a:blip>
+            <a:stretch>
+              <a:fillRect/>
+            </a:stretch>
+          </p:blipFill>
+          <p:spPr>
+            <a:xfrm>
+              <a:off x="10910046" y="2308505"/>
+              <a:ext cx="443752" cy="434104"/>
+            </a:xfrm>
+            <a:prstGeom prst="rect">
+              <a:avLst/>
+            </a:prstGeom>
+          </p:spPr>
+        </p:pic>
       </p:grpSp>
+      <p:sp>
+        <p:nvSpPr>
+          <p:cNvPr id="2" name="標題 1">
+            <a:extLst>
+              <a:ext uri="{FF2B5EF4-FFF2-40B4-BE49-F238E27FC236}">
+                <a16:creationId xmlns:a16="http://schemas.microsoft.com/office/drawing/2014/main" id="{90A60615-CE6D-4DF4-9697-7C8E545BB125}"/>
+              </a:ext>
+            </a:extLst>
+          </p:cNvPr>
+          <p:cNvSpPr>
+            <a:spLocks noGrp="1"/>
+          </p:cNvSpPr>
+          <p:nvPr>
+            <p:ph type="title"/>
+          </p:nvPr>
+        </p:nvSpPr>
+        <p:spPr>
+          <a:xfrm>
+            <a:off x="838200" y="0"/>
+            <a:ext cx="10515600" cy="1325563"/>
+          </a:xfrm>
+        </p:spPr>
+        <p:txBody>
+          <a:bodyPr/>
+          <a:lstStyle/>
+          <a:p>
+            <a:r>
+              <a:rPr lang="en-US" altLang="zh-TW"/>
+              <a:t>switch</a:t>
+            </a:r>
+            <a:r>
+              <a:rPr lang="zh-TW" altLang="en-US"/>
+              <a:t> 表達式</a:t>
+            </a:r>
+          </a:p>
+        </p:txBody>
+      </p:sp>
+      <p:sp>
+        <p:nvSpPr>
+          <p:cNvPr id="3" name="內容版面配置區 2">
+            <a:extLst>
+              <a:ext uri="{FF2B5EF4-FFF2-40B4-BE49-F238E27FC236}">
+                <a16:creationId xmlns:a16="http://schemas.microsoft.com/office/drawing/2014/main" id="{46903C0E-EB15-432F-802E-AC47594F0328}"/>
+              </a:ext>
+            </a:extLst>
+          </p:cNvPr>
+          <p:cNvSpPr>
+            <a:spLocks noGrp="1"/>
+          </p:cNvSpPr>
+          <p:nvPr>
+            <p:ph idx="1"/>
+          </p:nvPr>
+        </p:nvSpPr>
+        <p:spPr>
+          <a:xfrm>
+            <a:off x="582706" y="982942"/>
+            <a:ext cx="10771094" cy="1401669"/>
+          </a:xfrm>
+        </p:spPr>
+        <p:txBody>
+          <a:bodyPr>
+            <a:normAutofit/>
+          </a:bodyPr>
+          <a:lstStyle/>
+          <a:p>
+            <a:r>
+              <a:rPr lang="en-US" altLang="zh-TW" sz="2400"/>
+              <a:t>Java 14 </a:t>
+            </a:r>
+            <a:r>
+              <a:rPr lang="zh-TW" altLang="en-US" sz="2400"/>
+              <a:t>加入了 </a:t>
+            </a:r>
+            <a:r>
+              <a:rPr lang="en-US" altLang="zh-TW" sz="2400">
+                <a:solidFill>
+                  <a:srgbClr val="CF8E6D"/>
+                </a:solidFill>
+              </a:rPr>
+              <a:t>switch</a:t>
+            </a:r>
+            <a:r>
+              <a:rPr lang="zh-TW" altLang="en-US" sz="2400">
+                <a:solidFill>
+                  <a:srgbClr val="CF8E6D"/>
+                </a:solidFill>
+              </a:rPr>
+              <a:t> </a:t>
+            </a:r>
+            <a:r>
+              <a:rPr lang="zh-TW" altLang="en-US" sz="2400"/>
+              <a:t>表達式，格式與 </a:t>
+            </a:r>
+            <a:r>
+              <a:rPr lang="en-US" altLang="zh-TW" sz="2400">
+                <a:solidFill>
+                  <a:srgbClr val="CF8E6D"/>
+                </a:solidFill>
+              </a:rPr>
+              <a:t>switch</a:t>
+            </a:r>
+            <a:r>
+              <a:rPr lang="en-US" altLang="zh-TW" sz="2400"/>
+              <a:t> </a:t>
+            </a:r>
+            <a:r>
+              <a:rPr lang="zh-TW" altLang="en-US" sz="2400"/>
+              <a:t>陳述式幾乎相同</a:t>
+            </a:r>
+            <a:endParaRPr lang="en-US" altLang="zh-TW" sz="2400"/>
+          </a:p>
+          <a:p>
+            <a:r>
+              <a:rPr lang="zh-TW" altLang="en-US" sz="2400"/>
+              <a:t>但一定需要有 </a:t>
+            </a:r>
+            <a:r>
+              <a:rPr lang="en-US" altLang="zh-TW" sz="2400">
+                <a:solidFill>
+                  <a:srgbClr val="CF8E6D"/>
+                </a:solidFill>
+              </a:rPr>
+              <a:t>default</a:t>
+            </a:r>
+            <a:r>
+              <a:rPr lang="zh-TW" altLang="en-US" sz="2400"/>
+              <a:t>，且 </a:t>
+            </a:r>
+            <a:r>
+              <a:rPr lang="en-US" altLang="zh-TW" sz="2400">
+                <a:solidFill>
+                  <a:srgbClr val="00B0F0"/>
+                </a:solidFill>
+              </a:rPr>
+              <a:t>"-&gt;"</a:t>
+            </a:r>
+            <a:r>
+              <a:rPr lang="en-US" altLang="zh-TW" sz="2400"/>
+              <a:t> </a:t>
+            </a:r>
+            <a:r>
+              <a:rPr lang="zh-TW" altLang="en-US" sz="2400"/>
+              <a:t>後方是要回傳的值，並且回傳值後須加分號</a:t>
+            </a:r>
+            <a:endParaRPr lang="en-US" altLang="zh-TW" sz="2400"/>
+          </a:p>
+          <a:p>
+            <a:r>
+              <a:rPr lang="zh-TW" altLang="en-US" sz="2400"/>
+              <a:t>而且若使用冒號或是區塊，需使用 </a:t>
+            </a:r>
+            <a:r>
+              <a:rPr lang="en-US" altLang="zh-TW" sz="2400">
+                <a:solidFill>
+                  <a:srgbClr val="CF8E6D"/>
+                </a:solidFill>
+              </a:rPr>
+              <a:t>yield </a:t>
+            </a:r>
+            <a:r>
+              <a:rPr lang="zh-TW" altLang="en-US" sz="2400"/>
+              <a:t>來回傳值，並且會終止 </a:t>
+            </a:r>
+            <a:r>
+              <a:rPr lang="en-US" altLang="zh-TW" sz="2400">
+                <a:solidFill>
+                  <a:srgbClr val="CF8E6D"/>
+                </a:solidFill>
+              </a:rPr>
+              <a:t>switch</a:t>
+            </a:r>
+            <a:endParaRPr lang="zh-TW" altLang="en-US" sz="2400">
+              <a:solidFill>
+                <a:srgbClr val="CF8E6D"/>
+              </a:solidFill>
+            </a:endParaRPr>
+          </a:p>
+        </p:txBody>
+      </p:sp>
       <p:grpSp>
         <p:nvGrpSpPr>
-          <p:cNvPr id="15" name="群組 14">
+          <p:cNvPr id="6" name="群組 5">
             <a:extLst>
               <a:ext uri="{FF2B5EF4-FFF2-40B4-BE49-F238E27FC236}">
-                <a16:creationId xmlns:a16="http://schemas.microsoft.com/office/drawing/2014/main" id="{139D0DE0-74DA-4993-B759-992DF19E2F43}"/>
+                <a16:creationId xmlns:a16="http://schemas.microsoft.com/office/drawing/2014/main" id="{D3677C19-1C89-486A-8F03-472BB90F9FED}"/>
               </a:ext>
             </a:extLst>
           </p:cNvPr>
@@ -3365,18 +4168,18 @@
         </p:nvGrpSpPr>
         <p:grpSpPr>
           <a:xfrm>
-            <a:off x="762000" y="2331089"/>
-            <a:ext cx="10668000" cy="461665"/>
-            <a:chOff x="762000" y="2395583"/>
-            <a:chExt cx="10668000" cy="461665"/>
+            <a:off x="8068234" y="3326747"/>
+            <a:ext cx="3285565" cy="646331"/>
+            <a:chOff x="8440269" y="5723751"/>
+            <a:chExt cx="3285565" cy="646331"/>
           </a:xfrm>
         </p:grpSpPr>
         <p:sp>
           <p:nvSpPr>
-            <p:cNvPr id="4" name="Rectangle 1">
+            <p:cNvPr id="7" name="Rectangle 1">
               <a:extLst>
                 <a:ext uri="{FF2B5EF4-FFF2-40B4-BE49-F238E27FC236}">
-                  <a16:creationId xmlns:a16="http://schemas.microsoft.com/office/drawing/2014/main" id="{DDC41B53-AFC7-4C92-ABE7-FC16085A381D}"/>
+                  <a16:creationId xmlns:a16="http://schemas.microsoft.com/office/drawing/2014/main" id="{540017EB-219B-4192-B3F5-B49C0DD3EC7C}"/>
                 </a:ext>
               </a:extLst>
             </p:cNvPr>
@@ -3387,8 +4190,8 @@
           </p:nvSpPr>
           <p:spPr bwMode="auto">
             <a:xfrm>
-              <a:off x="762000" y="2395583"/>
-              <a:ext cx="10668000" cy="461665"/>
+              <a:off x="8440269" y="5723751"/>
+              <a:ext cx="3285565" cy="646331"/>
             </a:xfrm>
             <a:prstGeom prst="rect">
               <a:avLst/>
@@ -3396,21 +4199,16 @@
             <a:solidFill>
               <a:srgbClr val="1E1F22"/>
             </a:solidFill>
-            <a:ln>
-              <a:noFill/>
+            <a:ln w="12700">
+              <a:solidFill>
+                <a:schemeClr val="tx1"/>
+              </a:solidFill>
+              <a:miter lim="800000"/>
+              <a:headEnd/>
+              <a:tailEnd/>
             </a:ln>
             <a:effectLst/>
             <a:extLst>
-              <a:ext uri="{91240B29-F687-4F45-9708-019B960494DF}">
-                <a14:hiddenLine xmlns:a14="http://schemas.microsoft.com/office/drawing/2010/main" w="9525">
-                  <a:solidFill>
-                    <a:schemeClr val="tx1"/>
-                  </a:solidFill>
-                  <a:miter lim="800000"/>
-                  <a:headEnd/>
-                  <a:tailEnd/>
-                </a14:hiddenLine>
-              </a:ext>
               <a:ext uri="{AF507438-7753-43E0-B8FC-AC1667EBCBE1}">
                 <a14:hiddenEffects xmlns:a14="http://schemas.microsoft.com/office/drawing/2010/main">
                   <a:effectLst>
@@ -3448,134 +4246,59 @@
                 <a:tabLst/>
               </a:pPr>
               <a:r>
-                <a:rPr lang="en-US" altLang="zh-TW" sz="2400">
-                  <a:solidFill>
-                    <a:srgbClr val="00B0F0"/>
-                  </a:solidFill>
-                  <a:latin typeface="+mj-lt"/>
-                  <a:cs typeface="JetBrains Mono" panose="02000009000000000000" pitchFamily="49" charset="0"/>
-                </a:rPr>
-                <a:t>boolean(</a:t>
-              </a:r>
-              <a:r>
-                <a:rPr lang="zh-TW" altLang="en-US" sz="2400">
-                  <a:solidFill>
-                    <a:srgbClr val="00B0F0"/>
-                  </a:solidFill>
-                  <a:latin typeface="+mj-lt"/>
-                  <a:cs typeface="JetBrains Mono" panose="02000009000000000000" pitchFamily="49" charset="0"/>
-                </a:rPr>
-                <a:t>條件</a:t>
-              </a:r>
-              <a:r>
-                <a:rPr lang="en-US" altLang="zh-TW" sz="2400">
-                  <a:solidFill>
-                    <a:srgbClr val="00B0F0"/>
-                  </a:solidFill>
-                  <a:latin typeface="+mj-lt"/>
-                  <a:cs typeface="JetBrains Mono" panose="02000009000000000000" pitchFamily="49" charset="0"/>
-                </a:rPr>
-                <a:t>)</a:t>
-              </a:r>
-              <a:r>
-                <a:rPr kumimoji="0" lang="zh-TW" altLang="zh-TW" sz="2400" b="0" i="0" u="none" strike="noStrike" cap="none" normalizeH="0" baseline="0">
-                  <a:ln>
-                    <a:noFill/>
-                  </a:ln>
-                  <a:solidFill>
-                    <a:srgbClr val="CF8E6D"/>
-                  </a:solidFill>
-                  <a:effectLst/>
-                  <a:latin typeface="+mj-lt"/>
-                  <a:cs typeface="JetBrains Mono" panose="02000009000000000000" pitchFamily="49" charset="0"/>
-                </a:rPr>
-                <a:t> </a:t>
-              </a:r>
-              <a:r>
-                <a:rPr kumimoji="0" lang="zh-TW" altLang="zh-TW" sz="2400" b="0" i="0" u="none" strike="noStrike" cap="none" normalizeH="0" baseline="0">
-                  <a:ln>
-                    <a:noFill/>
-                  </a:ln>
-                  <a:solidFill>
-                    <a:srgbClr val="BCBEC4"/>
-                  </a:solidFill>
-                  <a:effectLst/>
-                  <a:latin typeface="+mj-lt"/>
-                  <a:cs typeface="JetBrains Mono" panose="02000009000000000000" pitchFamily="49" charset="0"/>
-                </a:rPr>
-                <a:t>? </a:t>
-              </a:r>
-              <a:r>
-                <a:rPr kumimoji="0" lang="zh-TW" altLang="en-US" sz="2400" b="0" i="0" u="none" strike="noStrike" cap="none" normalizeH="0" baseline="0">
-                  <a:ln>
-                    <a:noFill/>
-                  </a:ln>
+                <a:rPr lang="zh-TW" altLang="en-US">
                   <a:solidFill>
                     <a:srgbClr val="92D050"/>
                   </a:solidFill>
-                  <a:effectLst/>
-                  <a:latin typeface="+mj-lt"/>
-                  <a:cs typeface="JetBrains Mono" panose="02000009000000000000" pitchFamily="49" charset="0"/>
-                </a:rPr>
-                <a:t>條件為真時的返回值</a:t>
-              </a:r>
-              <a:r>
-                <a:rPr kumimoji="0" lang="zh-TW" altLang="zh-TW" sz="2400" b="0" i="0" u="none" strike="noStrike" cap="none" normalizeH="0" baseline="0">
-                  <a:ln>
-                    <a:noFill/>
-                  </a:ln>
-                  <a:solidFill>
-                    <a:srgbClr val="2AACB8"/>
-                  </a:solidFill>
-                  <a:effectLst/>
-                  <a:latin typeface="+mj-lt"/>
-                  <a:cs typeface="JetBrains Mono" panose="02000009000000000000" pitchFamily="49" charset="0"/>
-                </a:rPr>
-                <a:t> </a:t>
-              </a:r>
-              <a:r>
-                <a:rPr kumimoji="0" lang="zh-TW" altLang="zh-TW" sz="2400" b="0" i="0" u="none" strike="noStrike" cap="none" normalizeH="0" baseline="0">
-                  <a:ln>
-                    <a:noFill/>
-                  </a:ln>
-                  <a:solidFill>
-                    <a:srgbClr val="BCBEC4"/>
-                  </a:solidFill>
-                  <a:effectLst/>
-                  <a:latin typeface="+mj-lt"/>
-                  <a:cs typeface="JetBrains Mono" panose="02000009000000000000" pitchFamily="49" charset="0"/>
-                </a:rPr>
-                <a:t>: </a:t>
-              </a:r>
-              <a:r>
-                <a:rPr lang="zh-TW" altLang="en-US" sz="2400">
-                  <a:solidFill>
-                    <a:srgbClr val="92D050"/>
-                  </a:solidFill>
-                  <a:latin typeface="+mj-lt"/>
-                  <a:cs typeface="JetBrains Mono" panose="02000009000000000000" pitchFamily="49" charset="0"/>
-                </a:rPr>
-                <a:t>條件為假時的返回值</a:t>
-              </a:r>
-              <a:endParaRPr kumimoji="0" lang="zh-TW" altLang="zh-TW" sz="4000" b="0" i="0" u="none" strike="noStrike" cap="none" normalizeH="0" baseline="0">
-                <a:ln>
-                  <a:noFill/>
-                </a:ln>
+                  <a:latin typeface="+mj-lt"/>
+                  <a:cs typeface="JetBrains Mono" panose="02000009000000000000" pitchFamily="49" charset="0"/>
+                </a:rPr>
+                <a:t>現在是星期五晚上</a:t>
+              </a:r>
+              <a:endParaRPr lang="en-US" altLang="zh-TW">
                 <a:solidFill>
                   <a:srgbClr val="92D050"/>
                 </a:solidFill>
-                <a:effectLst/>
                 <a:latin typeface="+mj-lt"/>
+                <a:cs typeface="JetBrains Mono" panose="02000009000000000000" pitchFamily="49" charset="0"/>
               </a:endParaRPr>
+            </a:p>
+            <a:p>
+              <a:pPr marL="0" marR="0" lvl="0" indent="0" algn="l" defTabSz="914400" rtl="0" eaLnBrk="0" fontAlgn="base" latinLnBrk="0" hangingPunct="0">
+                <a:lnSpc>
+                  <a:spcPct val="100000"/>
+                </a:lnSpc>
+                <a:spcBef>
+                  <a:spcPct val="0"/>
+                </a:spcBef>
+                <a:spcAft>
+                  <a:spcPct val="0"/>
+                </a:spcAft>
+                <a:buClrTx/>
+                <a:buSzTx/>
+                <a:buFontTx/>
+                <a:buNone/>
+                <a:tabLst/>
+              </a:pPr>
+              <a:r>
+                <a:rPr lang="zh-TW" altLang="en-US">
+                  <a:solidFill>
+                    <a:srgbClr val="BCBEC4"/>
+                  </a:solidFill>
+                  <a:latin typeface="+mj-lt"/>
+                  <a:cs typeface="JetBrains Mono" panose="02000009000000000000" pitchFamily="49" charset="0"/>
+                </a:rPr>
+                <a:t>我不知道下一句是什麼</a:t>
+              </a:r>
             </a:p>
           </p:txBody>
         </p:sp>
         <p:sp>
           <p:nvSpPr>
-            <p:cNvPr id="14" name="文字方塊 13">
+            <p:cNvPr id="8" name="文字方塊 7">
               <a:extLst>
                 <a:ext uri="{FF2B5EF4-FFF2-40B4-BE49-F238E27FC236}">
-                  <a16:creationId xmlns:a16="http://schemas.microsoft.com/office/drawing/2014/main" id="{9CDA37A0-EDA6-412D-B96C-782E6FFBE422}"/>
+                  <a16:creationId xmlns:a16="http://schemas.microsoft.com/office/drawing/2014/main" id="{FF7CBD1B-3CC3-494F-BA10-B2C9C967D79D}"/>
                 </a:ext>
               </a:extLst>
             </p:cNvPr>
@@ -3584,8 +4307,8 @@
           </p:nvSpPr>
           <p:spPr>
             <a:xfrm>
-              <a:off x="10796493" y="2518694"/>
-              <a:ext cx="633507" cy="338554"/>
+              <a:off x="10845465" y="6062305"/>
+              <a:ext cx="880369" cy="307777"/>
             </a:xfrm>
             <a:prstGeom prst="rect">
               <a:avLst/>
@@ -3599,18 +4322,182 @@
             <a:lstStyle/>
             <a:p>
               <a:r>
-                <a:rPr lang="en-US" altLang="zh-TW" sz="1600">
+                <a:rPr lang="en-US" altLang="zh-TW" sz="1400">
                   <a:solidFill>
                     <a:schemeClr val="accent3"/>
                   </a:solidFill>
                 </a:rPr>
-                <a:t>java</a:t>
-              </a:r>
-              <a:endParaRPr lang="zh-TW" altLang="en-US" sz="1600">
+                <a:t>console</a:t>
+              </a:r>
+            </a:p>
+          </p:txBody>
+        </p:sp>
+      </p:grpSp>
+      <p:grpSp>
+        <p:nvGrpSpPr>
+          <p:cNvPr id="21" name="群組 20">
+            <a:extLst>
+              <a:ext uri="{FF2B5EF4-FFF2-40B4-BE49-F238E27FC236}">
+                <a16:creationId xmlns:a16="http://schemas.microsoft.com/office/drawing/2014/main" id="{BD7275FE-295E-47A1-A62F-9A7499408AD0}"/>
+              </a:ext>
+            </a:extLst>
+          </p:cNvPr>
+          <p:cNvGrpSpPr/>
+          <p:nvPr/>
+        </p:nvGrpSpPr>
+        <p:grpSpPr>
+          <a:xfrm>
+            <a:off x="8068234" y="4956020"/>
+            <a:ext cx="3285566" cy="646331"/>
+            <a:chOff x="8440269" y="5723751"/>
+            <a:chExt cx="3285566" cy="646331"/>
+          </a:xfrm>
+        </p:grpSpPr>
+        <p:sp>
+          <p:nvSpPr>
+            <p:cNvPr id="22" name="Rectangle 1">
+              <a:extLst>
+                <a:ext uri="{FF2B5EF4-FFF2-40B4-BE49-F238E27FC236}">
+                  <a16:creationId xmlns:a16="http://schemas.microsoft.com/office/drawing/2014/main" id="{C93BF6B6-BCAE-4944-96B6-D7411E57808D}"/>
+                </a:ext>
+              </a:extLst>
+            </p:cNvPr>
+            <p:cNvSpPr>
+              <a:spLocks noChangeArrowheads="1"/>
+            </p:cNvSpPr>
+            <p:nvPr/>
+          </p:nvSpPr>
+          <p:spPr bwMode="auto">
+            <a:xfrm>
+              <a:off x="8440269" y="5723751"/>
+              <a:ext cx="3285566" cy="646331"/>
+            </a:xfrm>
+            <a:prstGeom prst="rect">
+              <a:avLst/>
+            </a:prstGeom>
+            <a:solidFill>
+              <a:srgbClr val="1E1F22"/>
+            </a:solidFill>
+            <a:ln w="12700">
+              <a:solidFill>
+                <a:schemeClr val="tx1"/>
+              </a:solidFill>
+              <a:miter lim="800000"/>
+              <a:headEnd/>
+              <a:tailEnd/>
+            </a:ln>
+            <a:effectLst/>
+            <a:extLst>
+              <a:ext uri="{AF507438-7753-43E0-B8FC-AC1667EBCBE1}">
+                <a14:hiddenEffects xmlns:a14="http://schemas.microsoft.com/office/drawing/2010/main">
+                  <a:effectLst>
+                    <a:outerShdw dist="35921" dir="2700000" algn="ctr" rotWithShape="0">
+                      <a:schemeClr val="bg2"/>
+                    </a:outerShdw>
+                  </a:effectLst>
+                </a14:hiddenEffects>
+              </a:ext>
+            </a:extLst>
+          </p:spPr>
+          <p:txBody>
+            <a:bodyPr vert="horz" wrap="square" lIns="91440" tIns="45720" rIns="91440" bIns="45720" numCol="1" anchor="ctr" anchorCtr="0" compatLnSpc="1">
+              <a:prstTxWarp prst="textNoShape">
+                <a:avLst/>
+              </a:prstTxWarp>
+              <a:spAutoFit/>
+            </a:bodyPr>
+            <a:lstStyle/>
+            <a:p>
+              <a:pPr marL="0" marR="0" lvl="0" indent="0" algn="l" defTabSz="914400" rtl="0" eaLnBrk="0" fontAlgn="base" latinLnBrk="0" hangingPunct="0">
+                <a:lnSpc>
+                  <a:spcPct val="100000"/>
+                </a:lnSpc>
+                <a:spcBef>
+                  <a:spcPct val="0"/>
+                </a:spcBef>
+                <a:spcAft>
+                  <a:spcPct val="0"/>
+                </a:spcAft>
+                <a:buClrTx/>
+                <a:buSzTx/>
+                <a:buFontTx/>
+                <a:buNone/>
+                <a:tabLst/>
+              </a:pPr>
+              <a:endParaRPr lang="en-US" altLang="zh-TW">
                 <a:solidFill>
-                  <a:schemeClr val="accent3"/>
+                  <a:srgbClr val="BCBEC4"/>
                 </a:solidFill>
+                <a:latin typeface="+mj-lt"/>
+                <a:cs typeface="JetBrains Mono" panose="02000009000000000000" pitchFamily="49" charset="0"/>
               </a:endParaRPr>
+            </a:p>
+            <a:p>
+              <a:pPr marL="0" marR="0" lvl="0" indent="0" algn="l" defTabSz="914400" rtl="0" eaLnBrk="0" fontAlgn="base" latinLnBrk="0" hangingPunct="0">
+                <a:lnSpc>
+                  <a:spcPct val="100000"/>
+                </a:lnSpc>
+                <a:spcBef>
+                  <a:spcPct val="0"/>
+                </a:spcBef>
+                <a:spcAft>
+                  <a:spcPct val="0"/>
+                </a:spcAft>
+                <a:buClrTx/>
+                <a:buSzTx/>
+                <a:buFontTx/>
+                <a:buNone/>
+                <a:tabLst/>
+              </a:pPr>
+              <a:r>
+                <a:rPr lang="zh-TW" altLang="en-US">
+                  <a:solidFill>
+                    <a:srgbClr val="BCBEC4"/>
+                  </a:solidFill>
+                  <a:latin typeface="+mj-lt"/>
+                  <a:cs typeface="JetBrains Mono" panose="02000009000000000000" pitchFamily="49" charset="0"/>
+                </a:rPr>
+                <a:t>沒有輸入任何東西</a:t>
+              </a:r>
+            </a:p>
+          </p:txBody>
+        </p:sp>
+        <p:sp>
+          <p:nvSpPr>
+            <p:cNvPr id="23" name="文字方塊 22">
+              <a:extLst>
+                <a:ext uri="{FF2B5EF4-FFF2-40B4-BE49-F238E27FC236}">
+                  <a16:creationId xmlns:a16="http://schemas.microsoft.com/office/drawing/2014/main" id="{16542E36-A672-4E46-B8CE-E33904139DBC}"/>
+                </a:ext>
+              </a:extLst>
+            </p:cNvPr>
+            <p:cNvSpPr txBox="1"/>
+            <p:nvPr/>
+          </p:nvSpPr>
+          <p:spPr>
+            <a:xfrm>
+              <a:off x="10845466" y="6062305"/>
+              <a:ext cx="880369" cy="307777"/>
+            </a:xfrm>
+            <a:prstGeom prst="rect">
+              <a:avLst/>
+            </a:prstGeom>
+            <a:noFill/>
+          </p:spPr>
+          <p:txBody>
+            <a:bodyPr wrap="none" rtlCol="0">
+              <a:spAutoFit/>
+            </a:bodyPr>
+            <a:lstStyle/>
+            <a:p>
+              <a:r>
+                <a:rPr lang="en-US" altLang="zh-TW" sz="1400">
+                  <a:solidFill>
+                    <a:schemeClr val="accent3"/>
+                  </a:solidFill>
+                </a:rPr>
+                <a:t>console</a:t>
+              </a:r>
             </a:p>
           </p:txBody>
         </p:sp>
@@ -3618,7 +4505,7 @@
     </p:spTree>
     <p:extLst>
       <p:ext uri="{BB962C8B-B14F-4D97-AF65-F5344CB8AC3E}">
-        <p14:creationId xmlns:p14="http://schemas.microsoft.com/office/powerpoint/2010/main" val="318815027"/>
+        <p14:creationId xmlns:p14="http://schemas.microsoft.com/office/powerpoint/2010/main" val="1691638245"/>
       </p:ext>
     </p:extLst>
   </p:cSld>
@@ -21874,7 +22761,7 @@
           <p:cNvPr id="2" name="標題 1">
             <a:extLst>
               <a:ext uri="{FF2B5EF4-FFF2-40B4-BE49-F238E27FC236}">
-                <a16:creationId xmlns:a16="http://schemas.microsoft.com/office/drawing/2014/main" id="{7411AF8B-E3FD-4A87-B3EA-1DE26898E7F2}"/>
+                <a16:creationId xmlns:a16="http://schemas.microsoft.com/office/drawing/2014/main" id="{984FB812-7A87-4C2D-A74E-F1AFFFBB10DA}"/>
               </a:ext>
             </a:extLst>
           </p:cNvPr>
@@ -21892,7 +22779,7 @@
           <a:p>
             <a:r>
               <a:rPr lang="zh-TW" altLang="en-US"/>
-              <a:t>流程控制</a:t>
+              <a:t>三元運算</a:t>
             </a:r>
           </a:p>
         </p:txBody>
@@ -21902,7 +22789,7 @@
           <p:cNvPr id="3" name="內容版面配置區 2">
             <a:extLst>
               <a:ext uri="{FF2B5EF4-FFF2-40B4-BE49-F238E27FC236}">
-                <a16:creationId xmlns:a16="http://schemas.microsoft.com/office/drawing/2014/main" id="{23E51D10-DF16-4C4F-B0AA-A4FF46CE9F8C}"/>
+                <a16:creationId xmlns:a16="http://schemas.microsoft.com/office/drawing/2014/main" id="{0A12CE84-E704-4BA2-A161-A6A63AEDFA7B}"/>
               </a:ext>
             </a:extLst>
           </p:cNvPr>
@@ -21915,38 +22802,13 @@
         </p:nvSpPr>
         <p:spPr>
           <a:xfrm>
-            <a:off x="838200" y="2227680"/>
-            <a:ext cx="10515600" cy="3240614"/>
+            <a:off x="762000" y="1690688"/>
+            <a:ext cx="10668000" cy="491137"/>
           </a:xfrm>
         </p:spPr>
         <p:txBody>
-          <a:bodyPr>
-            <a:normAutofit/>
-          </a:bodyPr>
+          <a:bodyPr/>
           <a:lstStyle/>
-          <a:p>
-            <a:r>
-              <a:rPr lang="zh-TW" altLang="en-US">
-                <a:solidFill>
-                  <a:srgbClr val="00B0F0"/>
-                </a:solidFill>
-              </a:rPr>
-              <a:t>流程控制</a:t>
-            </a:r>
-            <a:r>
-              <a:rPr lang="en-US" altLang="zh-TW">
-                <a:solidFill>
-                  <a:srgbClr val="00B0F0"/>
-                </a:solidFill>
-              </a:rPr>
-              <a:t>(flow control)</a:t>
-            </a:r>
-            <a:r>
-              <a:rPr lang="zh-TW" altLang="en-US"/>
-              <a:t>就是控制程式執行的流程、順序</a:t>
-            </a:r>
-            <a:endParaRPr lang="en-US" altLang="zh-TW"/>
-          </a:p>
           <a:p>
             <a:r>
               <a:rPr lang="zh-TW" altLang="en-US"/>
@@ -21958,84 +22820,7 @@
             </a:r>
             <a:r>
               <a:rPr lang="zh-TW" altLang="en-US"/>
-              <a:t> 中，能控制流程的有：</a:t>
-            </a:r>
-            <a:endParaRPr lang="en-US" altLang="zh-TW"/>
-          </a:p>
-          <a:p>
-            <a:r>
-              <a:rPr lang="en-US" altLang="zh-TW">
-                <a:solidFill>
-                  <a:srgbClr val="C68869"/>
-                </a:solidFill>
-              </a:rPr>
-              <a:t>if...else</a:t>
-            </a:r>
-            <a:r>
-              <a:rPr lang="zh-TW" altLang="en-US"/>
-              <a:t>、</a:t>
-            </a:r>
-            <a:r>
-              <a:rPr lang="en-US" altLang="zh-TW">
-                <a:solidFill>
-                  <a:srgbClr val="C68869"/>
-                </a:solidFill>
-              </a:rPr>
-              <a:t>switch</a:t>
-            </a:r>
-            <a:r>
-              <a:rPr lang="zh-TW" altLang="en-US"/>
-              <a:t>、</a:t>
-            </a:r>
-            <a:r>
-              <a:rPr lang="en-US" altLang="zh-TW">
-                <a:solidFill>
-                  <a:srgbClr val="C68869"/>
-                </a:solidFill>
-              </a:rPr>
-              <a:t>for</a:t>
-            </a:r>
-            <a:r>
-              <a:rPr lang="zh-TW" altLang="en-US"/>
-              <a:t>、</a:t>
-            </a:r>
-            <a:r>
-              <a:rPr lang="en-US" altLang="zh-TW">
-                <a:solidFill>
-                  <a:srgbClr val="C68869"/>
-                </a:solidFill>
-              </a:rPr>
-              <a:t>while</a:t>
-            </a:r>
-            <a:r>
-              <a:rPr lang="zh-TW" altLang="en-US"/>
-              <a:t>、</a:t>
-            </a:r>
-            <a:r>
-              <a:rPr lang="en-US" altLang="zh-TW">
-                <a:solidFill>
-                  <a:srgbClr val="C68869"/>
-                </a:solidFill>
-              </a:rPr>
-              <a:t>continue</a:t>
-            </a:r>
-            <a:r>
-              <a:rPr lang="zh-TW" altLang="en-US"/>
-              <a:t>、</a:t>
-            </a:r>
-            <a:r>
-              <a:rPr lang="en-US" altLang="zh-TW">
-                <a:solidFill>
-                  <a:srgbClr val="C68869"/>
-                </a:solidFill>
-              </a:rPr>
-              <a:t>break</a:t>
-            </a:r>
-          </a:p>
-          <a:p>
-            <a:r>
-              <a:rPr lang="zh-TW" altLang="en-US"/>
-              <a:t>這些是</a:t>
+              <a:t> 中，只有一種</a:t>
             </a:r>
             <a:r>
               <a:rPr lang="zh-TW" altLang="en-US">
@@ -22043,73 +22828,1206 @@
                   <a:srgbClr val="00B0F0"/>
                 </a:solidFill>
               </a:rPr>
-              <a:t>控制流程陳述式</a:t>
+              <a:t>三元運算</a:t>
             </a:r>
             <a:r>
-              <a:rPr lang="en-US" altLang="zh-TW">
-                <a:solidFill>
-                  <a:srgbClr val="00B0F0"/>
-                </a:solidFill>
-              </a:rPr>
-              <a:t>(control flow statement)</a:t>
+              <a:rPr lang="zh-TW" altLang="en-US"/>
+              <a:t>，格式如下：</a:t>
             </a:r>
           </a:p>
+        </p:txBody>
+      </p:sp>
+      <p:sp>
+        <p:nvSpPr>
+          <p:cNvPr id="6" name="內容版面配置區 2">
+            <a:extLst>
+              <a:ext uri="{FF2B5EF4-FFF2-40B4-BE49-F238E27FC236}">
+                <a16:creationId xmlns:a16="http://schemas.microsoft.com/office/drawing/2014/main" id="{1D873183-54B3-4B5A-826E-1294882AAFF1}"/>
+              </a:ext>
+            </a:extLst>
+          </p:cNvPr>
+          <p:cNvSpPr txBox="1">
+            <a:spLocks/>
+          </p:cNvSpPr>
+          <p:nvPr/>
+        </p:nvSpPr>
+        <p:spPr>
+          <a:xfrm>
+            <a:off x="762000" y="2942018"/>
+            <a:ext cx="10668000" cy="491137"/>
+          </a:xfrm>
+          <a:prstGeom prst="rect">
+            <a:avLst/>
+          </a:prstGeom>
+        </p:spPr>
+        <p:txBody>
+          <a:bodyPr vert="horz" lIns="91440" tIns="45720" rIns="91440" bIns="45720" rtlCol="0">
+            <a:normAutofit/>
+          </a:bodyPr>
+          <a:lstStyle>
+            <a:lvl1pPr marL="0" indent="0" algn="l" defTabSz="914400" rtl="0" eaLnBrk="1" latinLnBrk="0" hangingPunct="1">
+              <a:lnSpc>
+                <a:spcPct val="90000"/>
+              </a:lnSpc>
+              <a:spcBef>
+                <a:spcPts val="1000"/>
+              </a:spcBef>
+              <a:buFont typeface="Arial" panose="020B0604020202020204" pitchFamily="34" charset="0"/>
+              <a:buNone/>
+              <a:defRPr sz="2800" kern="1200">
+                <a:solidFill>
+                  <a:schemeClr val="tx1"/>
+                </a:solidFill>
+                <a:latin typeface="+mn-lt"/>
+                <a:ea typeface="+mn-ea"/>
+                <a:cs typeface="+mn-cs"/>
+              </a:defRPr>
+            </a:lvl1pPr>
+            <a:lvl2pPr marL="457200" indent="0" algn="l" defTabSz="914400" rtl="0" eaLnBrk="1" latinLnBrk="0" hangingPunct="1">
+              <a:lnSpc>
+                <a:spcPct val="90000"/>
+              </a:lnSpc>
+              <a:spcBef>
+                <a:spcPts val="500"/>
+              </a:spcBef>
+              <a:buFont typeface="Arial" panose="020B0604020202020204" pitchFamily="34" charset="0"/>
+              <a:buNone/>
+              <a:defRPr sz="2400" kern="1200">
+                <a:solidFill>
+                  <a:schemeClr val="tx1"/>
+                </a:solidFill>
+                <a:latin typeface="+mn-lt"/>
+                <a:ea typeface="+mn-ea"/>
+                <a:cs typeface="+mn-cs"/>
+              </a:defRPr>
+            </a:lvl2pPr>
+            <a:lvl3pPr marL="914400" indent="0" algn="l" defTabSz="914400" rtl="0" eaLnBrk="1" latinLnBrk="0" hangingPunct="1">
+              <a:lnSpc>
+                <a:spcPct val="90000"/>
+              </a:lnSpc>
+              <a:spcBef>
+                <a:spcPts val="500"/>
+              </a:spcBef>
+              <a:buFont typeface="Arial" panose="020B0604020202020204" pitchFamily="34" charset="0"/>
+              <a:buNone/>
+              <a:defRPr sz="2000" kern="1200">
+                <a:solidFill>
+                  <a:schemeClr val="tx1"/>
+                </a:solidFill>
+                <a:latin typeface="+mn-lt"/>
+                <a:ea typeface="+mn-ea"/>
+                <a:cs typeface="+mn-cs"/>
+              </a:defRPr>
+            </a:lvl3pPr>
+            <a:lvl4pPr marL="1371600" indent="0" algn="l" defTabSz="914400" rtl="0" eaLnBrk="1" latinLnBrk="0" hangingPunct="1">
+              <a:lnSpc>
+                <a:spcPct val="90000"/>
+              </a:lnSpc>
+              <a:spcBef>
+                <a:spcPts val="500"/>
+              </a:spcBef>
+              <a:buFont typeface="Arial" panose="020B0604020202020204" pitchFamily="34" charset="0"/>
+              <a:buNone/>
+              <a:defRPr sz="1800" kern="1200">
+                <a:solidFill>
+                  <a:schemeClr val="tx1"/>
+                </a:solidFill>
+                <a:latin typeface="+mn-lt"/>
+                <a:ea typeface="+mn-ea"/>
+                <a:cs typeface="+mn-cs"/>
+              </a:defRPr>
+            </a:lvl4pPr>
+            <a:lvl5pPr marL="1828800" indent="0" algn="l" defTabSz="914400" rtl="0" eaLnBrk="1" latinLnBrk="0" hangingPunct="1">
+              <a:lnSpc>
+                <a:spcPct val="90000"/>
+              </a:lnSpc>
+              <a:spcBef>
+                <a:spcPts val="500"/>
+              </a:spcBef>
+              <a:buFont typeface="Arial" panose="020B0604020202020204" pitchFamily="34" charset="0"/>
+              <a:buNone/>
+              <a:defRPr sz="1800" kern="1200">
+                <a:solidFill>
+                  <a:schemeClr val="tx1"/>
+                </a:solidFill>
+                <a:latin typeface="+mn-lt"/>
+                <a:ea typeface="+mn-ea"/>
+                <a:cs typeface="+mn-cs"/>
+              </a:defRPr>
+            </a:lvl5pPr>
+            <a:lvl6pPr marL="2514600" indent="-228600" algn="l" defTabSz="914400" rtl="0" eaLnBrk="1" latinLnBrk="0" hangingPunct="1">
+              <a:lnSpc>
+                <a:spcPct val="90000"/>
+              </a:lnSpc>
+              <a:spcBef>
+                <a:spcPts val="500"/>
+              </a:spcBef>
+              <a:buFont typeface="Arial" panose="020B0604020202020204" pitchFamily="34" charset="0"/>
+              <a:buChar char="•"/>
+              <a:defRPr sz="1800" kern="1200">
+                <a:solidFill>
+                  <a:schemeClr val="tx1"/>
+                </a:solidFill>
+                <a:latin typeface="+mn-lt"/>
+                <a:ea typeface="+mn-ea"/>
+                <a:cs typeface="+mn-cs"/>
+              </a:defRPr>
+            </a:lvl6pPr>
+            <a:lvl7pPr marL="2971800" indent="-228600" algn="l" defTabSz="914400" rtl="0" eaLnBrk="1" latinLnBrk="0" hangingPunct="1">
+              <a:lnSpc>
+                <a:spcPct val="90000"/>
+              </a:lnSpc>
+              <a:spcBef>
+                <a:spcPts val="500"/>
+              </a:spcBef>
+              <a:buFont typeface="Arial" panose="020B0604020202020204" pitchFamily="34" charset="0"/>
+              <a:buChar char="•"/>
+              <a:defRPr sz="1800" kern="1200">
+                <a:solidFill>
+                  <a:schemeClr val="tx1"/>
+                </a:solidFill>
+                <a:latin typeface="+mn-lt"/>
+                <a:ea typeface="+mn-ea"/>
+                <a:cs typeface="+mn-cs"/>
+              </a:defRPr>
+            </a:lvl7pPr>
+            <a:lvl8pPr marL="3429000" indent="-228600" algn="l" defTabSz="914400" rtl="0" eaLnBrk="1" latinLnBrk="0" hangingPunct="1">
+              <a:lnSpc>
+                <a:spcPct val="90000"/>
+              </a:lnSpc>
+              <a:spcBef>
+                <a:spcPts val="500"/>
+              </a:spcBef>
+              <a:buFont typeface="Arial" panose="020B0604020202020204" pitchFamily="34" charset="0"/>
+              <a:buChar char="•"/>
+              <a:defRPr sz="1800" kern="1200">
+                <a:solidFill>
+                  <a:schemeClr val="tx1"/>
+                </a:solidFill>
+                <a:latin typeface="+mn-lt"/>
+                <a:ea typeface="+mn-ea"/>
+                <a:cs typeface="+mn-cs"/>
+              </a:defRPr>
+            </a:lvl8pPr>
+            <a:lvl9pPr marL="3886200" indent="-228600" algn="l" defTabSz="914400" rtl="0" eaLnBrk="1" latinLnBrk="0" hangingPunct="1">
+              <a:lnSpc>
+                <a:spcPct val="90000"/>
+              </a:lnSpc>
+              <a:spcBef>
+                <a:spcPts val="500"/>
+              </a:spcBef>
+              <a:buFont typeface="Arial" panose="020B0604020202020204" pitchFamily="34" charset="0"/>
+              <a:buChar char="•"/>
+              <a:defRPr sz="1800" kern="1200">
+                <a:solidFill>
+                  <a:schemeClr val="tx1"/>
+                </a:solidFill>
+                <a:latin typeface="+mn-lt"/>
+                <a:ea typeface="+mn-ea"/>
+                <a:cs typeface="+mn-cs"/>
+              </a:defRPr>
+            </a:lvl9pPr>
+          </a:lstStyle>
           <a:p>
             <a:r>
               <a:rPr lang="zh-TW" altLang="en-US"/>
-              <a:t>與</a:t>
+              <a:t>範例如下：</a:t>
             </a:r>
-            <a:r>
-              <a:rPr lang="zh-TW" altLang="en-US">
-                <a:solidFill>
-                  <a:srgbClr val="00B0F0"/>
-                </a:solidFill>
-              </a:rPr>
-              <a:t>表達陳述式</a:t>
-            </a:r>
-            <a:r>
-              <a:rPr lang="zh-TW" altLang="en-US"/>
-              <a:t>和</a:t>
-            </a:r>
-            <a:r>
-              <a:rPr lang="zh-TW" altLang="en-US">
-                <a:solidFill>
-                  <a:srgbClr val="00B0F0"/>
-                </a:solidFill>
-              </a:rPr>
-              <a:t>宣告陳述式</a:t>
-            </a:r>
-            <a:r>
-              <a:rPr lang="zh-TW" altLang="en-US"/>
-              <a:t>不同的是</a:t>
-            </a:r>
-            <a:endParaRPr lang="en-US" altLang="zh-TW"/>
-          </a:p>
-          <a:p>
-            <a:r>
-              <a:rPr lang="zh-TW" altLang="en-US"/>
-              <a:t>大部分</a:t>
-            </a:r>
-            <a:r>
-              <a:rPr lang="zh-TW" altLang="en-US">
-                <a:solidFill>
-                  <a:srgbClr val="00B0F0"/>
-                </a:solidFill>
-              </a:rPr>
-              <a:t>流程控制陳述式</a:t>
-            </a:r>
-            <a:r>
-              <a:rPr lang="zh-TW" altLang="en-US"/>
-              <a:t>的結尾不需要分號</a:t>
-            </a:r>
-            <a:endParaRPr lang="en-US" altLang="zh-TW"/>
           </a:p>
         </p:txBody>
       </p:sp>
+      <p:grpSp>
+        <p:nvGrpSpPr>
+          <p:cNvPr id="10" name="群組 9">
+            <a:extLst>
+              <a:ext uri="{FF2B5EF4-FFF2-40B4-BE49-F238E27FC236}">
+                <a16:creationId xmlns:a16="http://schemas.microsoft.com/office/drawing/2014/main" id="{9BFF430B-E287-46C5-A0E8-55D339DBED08}"/>
+              </a:ext>
+            </a:extLst>
+          </p:cNvPr>
+          <p:cNvGrpSpPr/>
+          <p:nvPr/>
+        </p:nvGrpSpPr>
+        <p:grpSpPr>
+          <a:xfrm>
+            <a:off x="761999" y="5301343"/>
+            <a:ext cx="10667999" cy="830997"/>
+            <a:chOff x="7532015" y="3822156"/>
+            <a:chExt cx="10667999" cy="830997"/>
+          </a:xfrm>
+        </p:grpSpPr>
+        <p:sp>
+          <p:nvSpPr>
+            <p:cNvPr id="11" name="Rectangle 1">
+              <a:extLst>
+                <a:ext uri="{FF2B5EF4-FFF2-40B4-BE49-F238E27FC236}">
+                  <a16:creationId xmlns:a16="http://schemas.microsoft.com/office/drawing/2014/main" id="{A059D418-28C9-4F40-BAC5-42233703C053}"/>
+                </a:ext>
+              </a:extLst>
+            </p:cNvPr>
+            <p:cNvSpPr>
+              <a:spLocks noChangeArrowheads="1"/>
+            </p:cNvSpPr>
+            <p:nvPr/>
+          </p:nvSpPr>
+          <p:spPr bwMode="auto">
+            <a:xfrm>
+              <a:off x="7532015" y="3822156"/>
+              <a:ext cx="10667999" cy="830997"/>
+            </a:xfrm>
+            <a:prstGeom prst="rect">
+              <a:avLst/>
+            </a:prstGeom>
+            <a:solidFill>
+              <a:srgbClr val="1E1F22"/>
+            </a:solidFill>
+            <a:ln>
+              <a:noFill/>
+            </a:ln>
+            <a:effectLst/>
+            <a:extLst>
+              <a:ext uri="{91240B29-F687-4F45-9708-019B960494DF}">
+                <a14:hiddenLine xmlns:a14="http://schemas.microsoft.com/office/drawing/2010/main" w="9525">
+                  <a:solidFill>
+                    <a:schemeClr val="tx1"/>
+                  </a:solidFill>
+                  <a:miter lim="800000"/>
+                  <a:headEnd/>
+                  <a:tailEnd/>
+                </a14:hiddenLine>
+              </a:ext>
+              <a:ext uri="{AF507438-7753-43E0-B8FC-AC1667EBCBE1}">
+                <a14:hiddenEffects xmlns:a14="http://schemas.microsoft.com/office/drawing/2010/main">
+                  <a:effectLst>
+                    <a:outerShdw dist="35921" dir="2700000" algn="ctr" rotWithShape="0">
+                      <a:schemeClr val="bg2"/>
+                    </a:outerShdw>
+                  </a:effectLst>
+                </a14:hiddenEffects>
+              </a:ext>
+            </a:extLst>
+          </p:spPr>
+          <p:txBody>
+            <a:bodyPr vert="horz" wrap="square" lIns="91440" tIns="45720" rIns="91440" bIns="45720" numCol="1" anchor="ctr" anchorCtr="0" compatLnSpc="1">
+              <a:prstTxWarp prst="textNoShape">
+                <a:avLst/>
+              </a:prstTxWarp>
+              <a:spAutoFit/>
+            </a:bodyPr>
+            <a:lstStyle/>
+            <a:p>
+              <a:r>
+                <a:rPr lang="en-US" altLang="zh-TW" sz="2400">
+                  <a:solidFill>
+                    <a:srgbClr val="BCBEC4"/>
+                  </a:solidFill>
+                  <a:latin typeface="+mj-lt"/>
+                  <a:cs typeface="JetBrains Mono" panose="02000009000000000000" pitchFamily="49" charset="0"/>
+                </a:rPr>
+                <a:t>True</a:t>
+              </a:r>
+            </a:p>
+            <a:p>
+              <a:r>
+                <a:rPr lang="en-US" altLang="zh-TW" sz="2400">
+                  <a:solidFill>
+                    <a:srgbClr val="BCBEC4"/>
+                  </a:solidFill>
+                  <a:latin typeface="+mj-lt"/>
+                  <a:cs typeface="JetBrains Mono" panose="02000009000000000000" pitchFamily="49" charset="0"/>
+                </a:rPr>
+                <a:t>True</a:t>
+              </a:r>
+              <a:endParaRPr lang="zh-TW" altLang="en-US" sz="2400">
+                <a:solidFill>
+                  <a:srgbClr val="BCBEC4"/>
+                </a:solidFill>
+                <a:latin typeface="+mj-lt"/>
+                <a:cs typeface="JetBrains Mono" panose="02000009000000000000" pitchFamily="49" charset="0"/>
+              </a:endParaRPr>
+            </a:p>
+          </p:txBody>
+        </p:sp>
+        <p:sp>
+          <p:nvSpPr>
+            <p:cNvPr id="12" name="文字方塊 11">
+              <a:extLst>
+                <a:ext uri="{FF2B5EF4-FFF2-40B4-BE49-F238E27FC236}">
+                  <a16:creationId xmlns:a16="http://schemas.microsoft.com/office/drawing/2014/main" id="{00612323-2070-478C-B607-2EDD6ADF3810}"/>
+                </a:ext>
+              </a:extLst>
+            </p:cNvPr>
+            <p:cNvSpPr txBox="1"/>
+            <p:nvPr/>
+          </p:nvSpPr>
+          <p:spPr>
+            <a:xfrm>
+              <a:off x="17342087" y="4314599"/>
+              <a:ext cx="857927" cy="338554"/>
+            </a:xfrm>
+            <a:prstGeom prst="rect">
+              <a:avLst/>
+            </a:prstGeom>
+            <a:noFill/>
+          </p:spPr>
+          <p:txBody>
+            <a:bodyPr wrap="none" rtlCol="0">
+              <a:spAutoFit/>
+            </a:bodyPr>
+            <a:lstStyle/>
+            <a:p>
+              <a:r>
+                <a:rPr lang="en-US" altLang="zh-TW" sz="1600">
+                  <a:solidFill>
+                    <a:schemeClr val="accent3"/>
+                  </a:solidFill>
+                </a:rPr>
+                <a:t>output</a:t>
+              </a:r>
+              <a:endParaRPr lang="zh-TW" altLang="en-US" sz="1600">
+                <a:solidFill>
+                  <a:schemeClr val="accent3"/>
+                </a:solidFill>
+              </a:endParaRPr>
+            </a:p>
+          </p:txBody>
+        </p:sp>
+      </p:grpSp>
+      <p:grpSp>
+        <p:nvGrpSpPr>
+          <p:cNvPr id="16" name="群組 15">
+            <a:extLst>
+              <a:ext uri="{FF2B5EF4-FFF2-40B4-BE49-F238E27FC236}">
+                <a16:creationId xmlns:a16="http://schemas.microsoft.com/office/drawing/2014/main" id="{98B672DF-8EFB-4DB4-8503-FD96DFCF79A4}"/>
+              </a:ext>
+            </a:extLst>
+          </p:cNvPr>
+          <p:cNvGrpSpPr/>
+          <p:nvPr/>
+        </p:nvGrpSpPr>
+        <p:grpSpPr>
+          <a:xfrm>
+            <a:off x="762000" y="3582419"/>
+            <a:ext cx="10668000" cy="1569660"/>
+            <a:chOff x="762000" y="3516075"/>
+            <a:chExt cx="10668000" cy="1569660"/>
+          </a:xfrm>
+        </p:grpSpPr>
+        <p:sp>
+          <p:nvSpPr>
+            <p:cNvPr id="8" name="Rectangle 3">
+              <a:extLst>
+                <a:ext uri="{FF2B5EF4-FFF2-40B4-BE49-F238E27FC236}">
+                  <a16:creationId xmlns:a16="http://schemas.microsoft.com/office/drawing/2014/main" id="{D26F778D-45FA-420A-8F59-765C59F85820}"/>
+                </a:ext>
+              </a:extLst>
+            </p:cNvPr>
+            <p:cNvSpPr>
+              <a:spLocks noChangeArrowheads="1"/>
+            </p:cNvSpPr>
+            <p:nvPr/>
+          </p:nvSpPr>
+          <p:spPr bwMode="auto">
+            <a:xfrm>
+              <a:off x="762000" y="3516075"/>
+              <a:ext cx="10668000" cy="1569660"/>
+            </a:xfrm>
+            <a:prstGeom prst="rect">
+              <a:avLst/>
+            </a:prstGeom>
+            <a:solidFill>
+              <a:srgbClr val="1E1F22"/>
+            </a:solidFill>
+            <a:ln>
+              <a:noFill/>
+            </a:ln>
+            <a:effectLst/>
+            <a:extLst>
+              <a:ext uri="{91240B29-F687-4F45-9708-019B960494DF}">
+                <a14:hiddenLine xmlns:a14="http://schemas.microsoft.com/office/drawing/2010/main" w="9525">
+                  <a:solidFill>
+                    <a:schemeClr val="tx1"/>
+                  </a:solidFill>
+                  <a:miter lim="800000"/>
+                  <a:headEnd/>
+                  <a:tailEnd/>
+                </a14:hiddenLine>
+              </a:ext>
+              <a:ext uri="{AF507438-7753-43E0-B8FC-AC1667EBCBE1}">
+                <a14:hiddenEffects xmlns:a14="http://schemas.microsoft.com/office/drawing/2010/main">
+                  <a:effectLst>
+                    <a:outerShdw dist="35921" dir="2700000" algn="ctr" rotWithShape="0">
+                      <a:schemeClr val="bg2"/>
+                    </a:outerShdw>
+                  </a:effectLst>
+                </a14:hiddenEffects>
+              </a:ext>
+            </a:extLst>
+          </p:spPr>
+          <p:txBody>
+            <a:bodyPr vert="horz" wrap="square" lIns="91440" tIns="45720" rIns="91440" bIns="45720" numCol="1" anchor="ctr" anchorCtr="0" compatLnSpc="1">
+              <a:prstTxWarp prst="textNoShape">
+                <a:avLst/>
+              </a:prstTxWarp>
+              <a:spAutoFit/>
+            </a:bodyPr>
+            <a:lstStyle/>
+            <a:p>
+              <a:pPr marL="0" marR="0" lvl="0" indent="0" algn="l" defTabSz="914400" rtl="0" eaLnBrk="0" fontAlgn="base" latinLnBrk="0" hangingPunct="0">
+                <a:lnSpc>
+                  <a:spcPct val="100000"/>
+                </a:lnSpc>
+                <a:spcBef>
+                  <a:spcPct val="0"/>
+                </a:spcBef>
+                <a:spcAft>
+                  <a:spcPct val="0"/>
+                </a:spcAft>
+                <a:buClrTx/>
+                <a:buSzTx/>
+                <a:buFontTx/>
+                <a:buNone/>
+                <a:tabLst/>
+              </a:pPr>
+              <a:r>
+                <a:rPr kumimoji="0" lang="zh-TW" altLang="zh-TW" sz="2400" b="0" i="0" u="none" strike="noStrike" cap="none" normalizeH="0" baseline="0">
+                  <a:ln>
+                    <a:noFill/>
+                  </a:ln>
+                  <a:solidFill>
+                    <a:srgbClr val="CF8E6D"/>
+                  </a:solidFill>
+                  <a:effectLst/>
+                  <a:latin typeface="+mj-lt"/>
+                  <a:cs typeface="JetBrains Mono" panose="02000009000000000000" pitchFamily="49" charset="0"/>
+                </a:rPr>
+                <a:t>final int </a:t>
+              </a:r>
+              <a:r>
+                <a:rPr kumimoji="0" lang="zh-TW" altLang="zh-TW" sz="2400" b="0" i="0" u="none" strike="noStrike" cap="none" normalizeH="0" baseline="0">
+                  <a:ln>
+                    <a:noFill/>
+                  </a:ln>
+                  <a:solidFill>
+                    <a:srgbClr val="BCBEC4"/>
+                  </a:solidFill>
+                  <a:effectLst/>
+                  <a:latin typeface="+mj-lt"/>
+                  <a:cs typeface="JetBrains Mono" panose="02000009000000000000" pitchFamily="49" charset="0"/>
+                </a:rPr>
+                <a:t>INT_MAX = </a:t>
+              </a:r>
+              <a:r>
+                <a:rPr kumimoji="0" lang="zh-TW" altLang="zh-TW" sz="2400" b="0" i="0" u="none" strike="noStrike" cap="none" normalizeH="0" baseline="0">
+                  <a:ln>
+                    <a:noFill/>
+                  </a:ln>
+                  <a:solidFill>
+                    <a:srgbClr val="2AACB8"/>
+                  </a:solidFill>
+                  <a:effectLst/>
+                  <a:latin typeface="+mj-lt"/>
+                  <a:cs typeface="JetBrains Mono" panose="02000009000000000000" pitchFamily="49" charset="0"/>
+                </a:rPr>
+                <a:t>2147483647</a:t>
+              </a:r>
+              <a:r>
+                <a:rPr kumimoji="0" lang="zh-TW" altLang="zh-TW" sz="2400" b="0" i="0" u="none" strike="noStrike" cap="none" normalizeH="0" baseline="0">
+                  <a:ln>
+                    <a:noFill/>
+                  </a:ln>
+                  <a:solidFill>
+                    <a:srgbClr val="BCBEC4"/>
+                  </a:solidFill>
+                  <a:effectLst/>
+                  <a:latin typeface="+mj-lt"/>
+                  <a:cs typeface="JetBrains Mono" panose="02000009000000000000" pitchFamily="49" charset="0"/>
+                </a:rPr>
+                <a:t>;</a:t>
+              </a:r>
+              <a:br>
+                <a:rPr kumimoji="0" lang="zh-TW" altLang="zh-TW" sz="2400" b="0" i="0" u="none" strike="noStrike" cap="none" normalizeH="0" baseline="0">
+                  <a:ln>
+                    <a:noFill/>
+                  </a:ln>
+                  <a:solidFill>
+                    <a:srgbClr val="BCBEC4"/>
+                  </a:solidFill>
+                  <a:effectLst/>
+                  <a:latin typeface="+mj-lt"/>
+                  <a:cs typeface="JetBrains Mono" panose="02000009000000000000" pitchFamily="49" charset="0"/>
+                </a:rPr>
+              </a:br>
+              <a:r>
+                <a:rPr kumimoji="0" lang="zh-TW" altLang="zh-TW" sz="2400" b="0" i="0" u="none" strike="noStrike" cap="none" normalizeH="0" baseline="0">
+                  <a:ln>
+                    <a:noFill/>
+                  </a:ln>
+                  <a:solidFill>
+                    <a:srgbClr val="CF8E6D"/>
+                  </a:solidFill>
+                  <a:effectLst/>
+                  <a:latin typeface="+mj-lt"/>
+                  <a:cs typeface="JetBrains Mono" panose="02000009000000000000" pitchFamily="49" charset="0"/>
+                </a:rPr>
+                <a:t>final int </a:t>
+              </a:r>
+              <a:r>
+                <a:rPr kumimoji="0" lang="zh-TW" altLang="zh-TW" sz="2400" b="0" i="0" u="none" strike="noStrike" cap="none" normalizeH="0" baseline="0">
+                  <a:ln>
+                    <a:noFill/>
+                  </a:ln>
+                  <a:solidFill>
+                    <a:srgbClr val="BCBEC4"/>
+                  </a:solidFill>
+                  <a:effectLst/>
+                  <a:latin typeface="+mj-lt"/>
+                  <a:cs typeface="JetBrains Mono" panose="02000009000000000000" pitchFamily="49" charset="0"/>
+                </a:rPr>
+                <a:t>INT_MIN = -</a:t>
+              </a:r>
+              <a:r>
+                <a:rPr kumimoji="0" lang="zh-TW" altLang="zh-TW" sz="2400" b="0" i="0" u="none" strike="noStrike" cap="none" normalizeH="0" baseline="0">
+                  <a:ln>
+                    <a:noFill/>
+                  </a:ln>
+                  <a:solidFill>
+                    <a:srgbClr val="2AACB8"/>
+                  </a:solidFill>
+                  <a:effectLst/>
+                  <a:latin typeface="+mj-lt"/>
+                  <a:cs typeface="JetBrains Mono" panose="02000009000000000000" pitchFamily="49" charset="0"/>
+                </a:rPr>
+                <a:t>2147483648</a:t>
+              </a:r>
+              <a:r>
+                <a:rPr kumimoji="0" lang="zh-TW" altLang="zh-TW" sz="2400" b="0" i="0" u="none" strike="noStrike" cap="none" normalizeH="0" baseline="0">
+                  <a:ln>
+                    <a:noFill/>
+                  </a:ln>
+                  <a:solidFill>
+                    <a:srgbClr val="BCBEC4"/>
+                  </a:solidFill>
+                  <a:effectLst/>
+                  <a:latin typeface="+mj-lt"/>
+                  <a:cs typeface="JetBrains Mono" panose="02000009000000000000" pitchFamily="49" charset="0"/>
+                </a:rPr>
+                <a:t>;</a:t>
+              </a:r>
+              <a:br>
+                <a:rPr kumimoji="0" lang="zh-TW" altLang="zh-TW" sz="2400" b="0" i="0" u="none" strike="noStrike" cap="none" normalizeH="0" baseline="0">
+                  <a:ln>
+                    <a:noFill/>
+                  </a:ln>
+                  <a:solidFill>
+                    <a:srgbClr val="BCBEC4"/>
+                  </a:solidFill>
+                  <a:effectLst/>
+                  <a:latin typeface="+mj-lt"/>
+                  <a:cs typeface="JetBrains Mono" panose="02000009000000000000" pitchFamily="49" charset="0"/>
+                </a:rPr>
+              </a:br>
+              <a:r>
+                <a:rPr kumimoji="0" lang="zh-TW" altLang="zh-TW" sz="2400" b="0" i="0" u="none" strike="noStrike" cap="none" normalizeH="0" baseline="0">
+                  <a:ln>
+                    <a:noFill/>
+                  </a:ln>
+                  <a:solidFill>
+                    <a:srgbClr val="BCBEC4"/>
+                  </a:solidFill>
+                  <a:effectLst/>
+                  <a:latin typeface="+mj-lt"/>
+                  <a:cs typeface="JetBrains Mono" panose="02000009000000000000" pitchFamily="49" charset="0"/>
+                </a:rPr>
+                <a:t>System.</a:t>
+              </a:r>
+              <a:r>
+                <a:rPr kumimoji="0" lang="zh-TW" altLang="zh-TW" sz="2400" b="0" i="1" u="none" strike="noStrike" cap="none" normalizeH="0" baseline="0">
+                  <a:ln>
+                    <a:noFill/>
+                  </a:ln>
+                  <a:solidFill>
+                    <a:srgbClr val="C77DBB"/>
+                  </a:solidFill>
+                  <a:effectLst/>
+                  <a:latin typeface="+mj-lt"/>
+                  <a:cs typeface="JetBrains Mono" panose="02000009000000000000" pitchFamily="49" charset="0"/>
+                </a:rPr>
+                <a:t>out</a:t>
+              </a:r>
+              <a:r>
+                <a:rPr kumimoji="0" lang="zh-TW" altLang="zh-TW" sz="2400" b="0" i="0" u="none" strike="noStrike" cap="none" normalizeH="0" baseline="0">
+                  <a:ln>
+                    <a:noFill/>
+                  </a:ln>
+                  <a:solidFill>
+                    <a:srgbClr val="BCBEC4"/>
+                  </a:solidFill>
+                  <a:effectLst/>
+                  <a:latin typeface="+mj-lt"/>
+                  <a:cs typeface="JetBrains Mono" panose="02000009000000000000" pitchFamily="49" charset="0"/>
+                </a:rPr>
+                <a:t>.println(INT_MAX + </a:t>
+              </a:r>
+              <a:r>
+                <a:rPr kumimoji="0" lang="zh-TW" altLang="zh-TW" sz="2400" b="0" i="0" u="none" strike="noStrike" cap="none" normalizeH="0" baseline="0">
+                  <a:ln>
+                    <a:noFill/>
+                  </a:ln>
+                  <a:solidFill>
+                    <a:srgbClr val="2AACB8"/>
+                  </a:solidFill>
+                  <a:effectLst/>
+                  <a:latin typeface="+mj-lt"/>
+                  <a:cs typeface="JetBrains Mono" panose="02000009000000000000" pitchFamily="49" charset="0"/>
+                </a:rPr>
+                <a:t>1 </a:t>
+              </a:r>
+              <a:r>
+                <a:rPr kumimoji="0" lang="zh-TW" altLang="zh-TW" sz="2400" b="0" i="0" u="none" strike="noStrike" cap="none" normalizeH="0" baseline="0">
+                  <a:ln>
+                    <a:noFill/>
+                  </a:ln>
+                  <a:solidFill>
+                    <a:srgbClr val="BCBEC4"/>
+                  </a:solidFill>
+                  <a:effectLst/>
+                  <a:latin typeface="+mj-lt"/>
+                  <a:cs typeface="JetBrains Mono" panose="02000009000000000000" pitchFamily="49" charset="0"/>
+                </a:rPr>
+                <a:t>== INT_MIN ? </a:t>
+              </a:r>
+              <a:r>
+                <a:rPr kumimoji="0" lang="zh-TW" altLang="zh-TW" sz="2400" b="0" i="0" u="none" strike="noStrike" cap="none" normalizeH="0" baseline="0">
+                  <a:ln>
+                    <a:noFill/>
+                  </a:ln>
+                  <a:solidFill>
+                    <a:srgbClr val="6AAB73"/>
+                  </a:solidFill>
+                  <a:effectLst/>
+                  <a:latin typeface="+mj-lt"/>
+                  <a:cs typeface="JetBrains Mono" panose="02000009000000000000" pitchFamily="49" charset="0"/>
+                </a:rPr>
+                <a:t>"True" </a:t>
+              </a:r>
+              <a:r>
+                <a:rPr kumimoji="0" lang="zh-TW" altLang="zh-TW" sz="2400" b="0" i="0" u="none" strike="noStrike" cap="none" normalizeH="0" baseline="0">
+                  <a:ln>
+                    <a:noFill/>
+                  </a:ln>
+                  <a:solidFill>
+                    <a:srgbClr val="BCBEC4"/>
+                  </a:solidFill>
+                  <a:effectLst/>
+                  <a:latin typeface="+mj-lt"/>
+                  <a:cs typeface="JetBrains Mono" panose="02000009000000000000" pitchFamily="49" charset="0"/>
+                </a:rPr>
+                <a:t>: </a:t>
+              </a:r>
+              <a:r>
+                <a:rPr kumimoji="0" lang="zh-TW" altLang="zh-TW" sz="2400" b="0" i="0" u="none" strike="noStrike" cap="none" normalizeH="0" baseline="0">
+                  <a:ln>
+                    <a:noFill/>
+                  </a:ln>
+                  <a:solidFill>
+                    <a:srgbClr val="6AAB73"/>
+                  </a:solidFill>
+                  <a:effectLst/>
+                  <a:latin typeface="+mj-lt"/>
+                  <a:cs typeface="JetBrains Mono" panose="02000009000000000000" pitchFamily="49" charset="0"/>
+                </a:rPr>
+                <a:t>"False"</a:t>
+              </a:r>
+              <a:r>
+                <a:rPr kumimoji="0" lang="zh-TW" altLang="zh-TW" sz="2400" b="0" i="0" u="none" strike="noStrike" cap="none" normalizeH="0" baseline="0">
+                  <a:ln>
+                    <a:noFill/>
+                  </a:ln>
+                  <a:solidFill>
+                    <a:srgbClr val="BCBEC4"/>
+                  </a:solidFill>
+                  <a:effectLst/>
+                  <a:latin typeface="+mj-lt"/>
+                  <a:cs typeface="JetBrains Mono" panose="02000009000000000000" pitchFamily="49" charset="0"/>
+                </a:rPr>
+                <a:t>);</a:t>
+              </a:r>
+              <a:endParaRPr kumimoji="0" lang="en-US" altLang="zh-TW" sz="2400" b="0" i="0" u="none" strike="noStrike" cap="none" normalizeH="0" baseline="0">
+                <a:ln>
+                  <a:noFill/>
+                </a:ln>
+                <a:solidFill>
+                  <a:srgbClr val="BCBEC4"/>
+                </a:solidFill>
+                <a:effectLst/>
+                <a:latin typeface="+mj-lt"/>
+                <a:cs typeface="JetBrains Mono" panose="02000009000000000000" pitchFamily="49" charset="0"/>
+              </a:endParaRPr>
+            </a:p>
+            <a:p>
+              <a:pPr eaLnBrk="0" fontAlgn="base" hangingPunct="0">
+                <a:spcBef>
+                  <a:spcPct val="0"/>
+                </a:spcBef>
+                <a:spcAft>
+                  <a:spcPct val="0"/>
+                </a:spcAft>
+              </a:pPr>
+              <a:r>
+                <a:rPr kumimoji="0" lang="zh-TW" altLang="zh-TW" sz="2400" b="0" i="0" u="none" strike="noStrike" cap="none" normalizeH="0" baseline="0">
+                  <a:ln>
+                    <a:noFill/>
+                  </a:ln>
+                  <a:solidFill>
+                    <a:srgbClr val="BCBEC4"/>
+                  </a:solidFill>
+                  <a:effectLst/>
+                  <a:latin typeface="+mj-lt"/>
+                  <a:cs typeface="JetBrains Mono" panose="02000009000000000000" pitchFamily="49" charset="0"/>
+                </a:rPr>
+                <a:t>System.</a:t>
+              </a:r>
+              <a:r>
+                <a:rPr kumimoji="0" lang="zh-TW" altLang="zh-TW" sz="2400" b="0" i="1" u="none" strike="noStrike" cap="none" normalizeH="0" baseline="0">
+                  <a:ln>
+                    <a:noFill/>
+                  </a:ln>
+                  <a:solidFill>
+                    <a:srgbClr val="C77DBB"/>
+                  </a:solidFill>
+                  <a:effectLst/>
+                  <a:latin typeface="+mj-lt"/>
+                  <a:cs typeface="JetBrains Mono" panose="02000009000000000000" pitchFamily="49" charset="0"/>
+                </a:rPr>
+                <a:t>out</a:t>
+              </a:r>
+              <a:r>
+                <a:rPr kumimoji="0" lang="zh-TW" altLang="zh-TW" sz="2400" b="0" i="0" u="none" strike="noStrike" cap="none" normalizeH="0" baseline="0">
+                  <a:ln>
+                    <a:noFill/>
+                  </a:ln>
+                  <a:solidFill>
+                    <a:srgbClr val="BCBEC4"/>
+                  </a:solidFill>
+                  <a:effectLst/>
+                  <a:latin typeface="+mj-lt"/>
+                  <a:cs typeface="JetBrains Mono" panose="02000009000000000000" pitchFamily="49" charset="0"/>
+                </a:rPr>
+                <a:t>.println(INT_MAX == INT_MIN - </a:t>
+              </a:r>
+              <a:r>
+                <a:rPr kumimoji="0" lang="zh-TW" altLang="zh-TW" sz="2400" b="0" i="0" u="none" strike="noStrike" cap="none" normalizeH="0" baseline="0">
+                  <a:ln>
+                    <a:noFill/>
+                  </a:ln>
+                  <a:solidFill>
+                    <a:srgbClr val="2AACB8"/>
+                  </a:solidFill>
+                  <a:effectLst/>
+                  <a:latin typeface="+mj-lt"/>
+                  <a:cs typeface="JetBrains Mono" panose="02000009000000000000" pitchFamily="49" charset="0"/>
+                </a:rPr>
+                <a:t>1 </a:t>
+              </a:r>
+              <a:r>
+                <a:rPr kumimoji="0" lang="zh-TW" altLang="zh-TW" sz="2400" b="0" i="0" u="none" strike="noStrike" cap="none" normalizeH="0" baseline="0">
+                  <a:ln>
+                    <a:noFill/>
+                  </a:ln>
+                  <a:solidFill>
+                    <a:srgbClr val="BCBEC4"/>
+                  </a:solidFill>
+                  <a:effectLst/>
+                  <a:latin typeface="+mj-lt"/>
+                  <a:cs typeface="JetBrains Mono" panose="02000009000000000000" pitchFamily="49" charset="0"/>
+                </a:rPr>
+                <a:t>? </a:t>
+              </a:r>
+              <a:r>
+                <a:rPr kumimoji="0" lang="zh-TW" altLang="zh-TW" sz="2400" b="0" i="0" u="none" strike="noStrike" cap="none" normalizeH="0" baseline="0">
+                  <a:ln>
+                    <a:noFill/>
+                  </a:ln>
+                  <a:solidFill>
+                    <a:srgbClr val="6AAB73"/>
+                  </a:solidFill>
+                  <a:effectLst/>
+                  <a:latin typeface="+mj-lt"/>
+                  <a:cs typeface="JetBrains Mono" panose="02000009000000000000" pitchFamily="49" charset="0"/>
+                </a:rPr>
+                <a:t>"True" </a:t>
+              </a:r>
+              <a:r>
+                <a:rPr kumimoji="0" lang="zh-TW" altLang="zh-TW" sz="2400" b="0" i="0" u="none" strike="noStrike" cap="none" normalizeH="0" baseline="0">
+                  <a:ln>
+                    <a:noFill/>
+                  </a:ln>
+                  <a:solidFill>
+                    <a:srgbClr val="BCBEC4"/>
+                  </a:solidFill>
+                  <a:effectLst/>
+                  <a:latin typeface="+mj-lt"/>
+                  <a:cs typeface="JetBrains Mono" panose="02000009000000000000" pitchFamily="49" charset="0"/>
+                </a:rPr>
+                <a:t>: </a:t>
+              </a:r>
+              <a:r>
+                <a:rPr kumimoji="0" lang="zh-TW" altLang="zh-TW" sz="2400" b="0" i="0" u="none" strike="noStrike" cap="none" normalizeH="0" baseline="0">
+                  <a:ln>
+                    <a:noFill/>
+                  </a:ln>
+                  <a:solidFill>
+                    <a:srgbClr val="6AAB73"/>
+                  </a:solidFill>
+                  <a:effectLst/>
+                  <a:latin typeface="+mj-lt"/>
+                  <a:cs typeface="JetBrains Mono" panose="02000009000000000000" pitchFamily="49" charset="0"/>
+                </a:rPr>
+                <a:t>"False"</a:t>
+              </a:r>
+              <a:r>
+                <a:rPr kumimoji="0" lang="zh-TW" altLang="zh-TW" sz="2400" b="0" i="0" u="none" strike="noStrike" cap="none" normalizeH="0" baseline="0">
+                  <a:ln>
+                    <a:noFill/>
+                  </a:ln>
+                  <a:solidFill>
+                    <a:srgbClr val="BCBEC4"/>
+                  </a:solidFill>
+                  <a:effectLst/>
+                  <a:latin typeface="+mj-lt"/>
+                  <a:cs typeface="JetBrains Mono" panose="02000009000000000000" pitchFamily="49" charset="0"/>
+                </a:rPr>
+                <a:t>);</a:t>
+              </a:r>
+              <a:endParaRPr kumimoji="0" lang="zh-TW" altLang="zh-TW" sz="2400" b="0" i="0" u="none" strike="noStrike" cap="none" normalizeH="0" baseline="0">
+                <a:ln>
+                  <a:noFill/>
+                </a:ln>
+                <a:solidFill>
+                  <a:schemeClr val="tx1"/>
+                </a:solidFill>
+                <a:effectLst/>
+                <a:latin typeface="+mj-lt"/>
+              </a:endParaRPr>
+            </a:p>
+          </p:txBody>
+        </p:sp>
+        <p:sp>
+          <p:nvSpPr>
+            <p:cNvPr id="13" name="文字方塊 12">
+              <a:extLst>
+                <a:ext uri="{FF2B5EF4-FFF2-40B4-BE49-F238E27FC236}">
+                  <a16:creationId xmlns:a16="http://schemas.microsoft.com/office/drawing/2014/main" id="{D2FC59C8-1884-4B4B-9417-6FCCA556006A}"/>
+                </a:ext>
+              </a:extLst>
+            </p:cNvPr>
+            <p:cNvSpPr txBox="1"/>
+            <p:nvPr/>
+          </p:nvSpPr>
+          <p:spPr>
+            <a:xfrm>
+              <a:off x="10796493" y="3532461"/>
+              <a:ext cx="633507" cy="338554"/>
+            </a:xfrm>
+            <a:prstGeom prst="rect">
+              <a:avLst/>
+            </a:prstGeom>
+            <a:noFill/>
+          </p:spPr>
+          <p:txBody>
+            <a:bodyPr wrap="none" rtlCol="0">
+              <a:spAutoFit/>
+            </a:bodyPr>
+            <a:lstStyle/>
+            <a:p>
+              <a:r>
+                <a:rPr lang="en-US" altLang="zh-TW" sz="1600">
+                  <a:solidFill>
+                    <a:schemeClr val="accent3"/>
+                  </a:solidFill>
+                  <a:latin typeface="+mj-lt"/>
+                </a:rPr>
+                <a:t>java</a:t>
+              </a:r>
+              <a:endParaRPr lang="zh-TW" altLang="en-US" sz="1600">
+                <a:solidFill>
+                  <a:schemeClr val="accent3"/>
+                </a:solidFill>
+                <a:latin typeface="+mj-lt"/>
+              </a:endParaRPr>
+            </a:p>
+          </p:txBody>
+        </p:sp>
+      </p:grpSp>
+      <p:grpSp>
+        <p:nvGrpSpPr>
+          <p:cNvPr id="15" name="群組 14">
+            <a:extLst>
+              <a:ext uri="{FF2B5EF4-FFF2-40B4-BE49-F238E27FC236}">
+                <a16:creationId xmlns:a16="http://schemas.microsoft.com/office/drawing/2014/main" id="{139D0DE0-74DA-4993-B759-992DF19E2F43}"/>
+              </a:ext>
+            </a:extLst>
+          </p:cNvPr>
+          <p:cNvGrpSpPr/>
+          <p:nvPr/>
+        </p:nvGrpSpPr>
+        <p:grpSpPr>
+          <a:xfrm>
+            <a:off x="762000" y="2331089"/>
+            <a:ext cx="10668000" cy="461665"/>
+            <a:chOff x="762000" y="2395583"/>
+            <a:chExt cx="10668000" cy="461665"/>
+          </a:xfrm>
+        </p:grpSpPr>
+        <p:sp>
+          <p:nvSpPr>
+            <p:cNvPr id="4" name="Rectangle 1">
+              <a:extLst>
+                <a:ext uri="{FF2B5EF4-FFF2-40B4-BE49-F238E27FC236}">
+                  <a16:creationId xmlns:a16="http://schemas.microsoft.com/office/drawing/2014/main" id="{DDC41B53-AFC7-4C92-ABE7-FC16085A381D}"/>
+                </a:ext>
+              </a:extLst>
+            </p:cNvPr>
+            <p:cNvSpPr>
+              <a:spLocks noChangeArrowheads="1"/>
+            </p:cNvSpPr>
+            <p:nvPr/>
+          </p:nvSpPr>
+          <p:spPr bwMode="auto">
+            <a:xfrm>
+              <a:off x="762000" y="2395583"/>
+              <a:ext cx="10668000" cy="461665"/>
+            </a:xfrm>
+            <a:prstGeom prst="rect">
+              <a:avLst/>
+            </a:prstGeom>
+            <a:solidFill>
+              <a:srgbClr val="1E1F22"/>
+            </a:solidFill>
+            <a:ln>
+              <a:noFill/>
+            </a:ln>
+            <a:effectLst/>
+            <a:extLst>
+              <a:ext uri="{91240B29-F687-4F45-9708-019B960494DF}">
+                <a14:hiddenLine xmlns:a14="http://schemas.microsoft.com/office/drawing/2010/main" w="9525">
+                  <a:solidFill>
+                    <a:schemeClr val="tx1"/>
+                  </a:solidFill>
+                  <a:miter lim="800000"/>
+                  <a:headEnd/>
+                  <a:tailEnd/>
+                </a14:hiddenLine>
+              </a:ext>
+              <a:ext uri="{AF507438-7753-43E0-B8FC-AC1667EBCBE1}">
+                <a14:hiddenEffects xmlns:a14="http://schemas.microsoft.com/office/drawing/2010/main">
+                  <a:effectLst>
+                    <a:outerShdw dist="35921" dir="2700000" algn="ctr" rotWithShape="0">
+                      <a:schemeClr val="bg2"/>
+                    </a:outerShdw>
+                  </a:effectLst>
+                </a14:hiddenEffects>
+              </a:ext>
+            </a:extLst>
+          </p:spPr>
+          <p:txBody>
+            <a:bodyPr vert="horz" wrap="square" lIns="91440" tIns="45720" rIns="91440" bIns="45720" numCol="1" anchor="ctr" anchorCtr="0" compatLnSpc="1">
+              <a:prstTxWarp prst="textNoShape">
+                <a:avLst/>
+              </a:prstTxWarp>
+              <a:spAutoFit/>
+            </a:bodyPr>
+            <a:lstStyle/>
+            <a:p>
+              <a:pPr marL="0" marR="0" lvl="0" indent="0" algn="l" defTabSz="914400" rtl="0" eaLnBrk="0" fontAlgn="base" latinLnBrk="0" hangingPunct="0">
+                <a:lnSpc>
+                  <a:spcPct val="100000"/>
+                </a:lnSpc>
+                <a:spcBef>
+                  <a:spcPct val="0"/>
+                </a:spcBef>
+                <a:spcAft>
+                  <a:spcPct val="0"/>
+                </a:spcAft>
+                <a:buClrTx/>
+                <a:buSzTx/>
+                <a:buFontTx/>
+                <a:buNone/>
+                <a:tabLst/>
+              </a:pPr>
+              <a:r>
+                <a:rPr lang="en-US" altLang="zh-TW" sz="2400">
+                  <a:solidFill>
+                    <a:srgbClr val="00B0F0"/>
+                  </a:solidFill>
+                  <a:latin typeface="+mj-lt"/>
+                  <a:cs typeface="JetBrains Mono" panose="02000009000000000000" pitchFamily="49" charset="0"/>
+                </a:rPr>
+                <a:t>boolean(</a:t>
+              </a:r>
+              <a:r>
+                <a:rPr lang="zh-TW" altLang="en-US" sz="2400">
+                  <a:solidFill>
+                    <a:srgbClr val="00B0F0"/>
+                  </a:solidFill>
+                  <a:latin typeface="+mj-lt"/>
+                  <a:cs typeface="JetBrains Mono" panose="02000009000000000000" pitchFamily="49" charset="0"/>
+                </a:rPr>
+                <a:t>條件</a:t>
+              </a:r>
+              <a:r>
+                <a:rPr lang="en-US" altLang="zh-TW" sz="2400">
+                  <a:solidFill>
+                    <a:srgbClr val="00B0F0"/>
+                  </a:solidFill>
+                  <a:latin typeface="+mj-lt"/>
+                  <a:cs typeface="JetBrains Mono" panose="02000009000000000000" pitchFamily="49" charset="0"/>
+                </a:rPr>
+                <a:t>)</a:t>
+              </a:r>
+              <a:r>
+                <a:rPr kumimoji="0" lang="zh-TW" altLang="zh-TW" sz="2400" b="0" i="0" u="none" strike="noStrike" cap="none" normalizeH="0" baseline="0">
+                  <a:ln>
+                    <a:noFill/>
+                  </a:ln>
+                  <a:solidFill>
+                    <a:srgbClr val="CF8E6D"/>
+                  </a:solidFill>
+                  <a:effectLst/>
+                  <a:latin typeface="+mj-lt"/>
+                  <a:cs typeface="JetBrains Mono" panose="02000009000000000000" pitchFamily="49" charset="0"/>
+                </a:rPr>
+                <a:t> </a:t>
+              </a:r>
+              <a:r>
+                <a:rPr kumimoji="0" lang="zh-TW" altLang="zh-TW" sz="2400" b="0" i="0" u="none" strike="noStrike" cap="none" normalizeH="0" baseline="0">
+                  <a:ln>
+                    <a:noFill/>
+                  </a:ln>
+                  <a:solidFill>
+                    <a:srgbClr val="BCBEC4"/>
+                  </a:solidFill>
+                  <a:effectLst/>
+                  <a:latin typeface="+mj-lt"/>
+                  <a:cs typeface="JetBrains Mono" panose="02000009000000000000" pitchFamily="49" charset="0"/>
+                </a:rPr>
+                <a:t>? </a:t>
+              </a:r>
+              <a:r>
+                <a:rPr kumimoji="0" lang="zh-TW" altLang="en-US" sz="2400" b="0" i="0" u="none" strike="noStrike" cap="none" normalizeH="0" baseline="0">
+                  <a:ln>
+                    <a:noFill/>
+                  </a:ln>
+                  <a:solidFill>
+                    <a:srgbClr val="92D050"/>
+                  </a:solidFill>
+                  <a:effectLst/>
+                  <a:latin typeface="+mj-lt"/>
+                  <a:cs typeface="JetBrains Mono" panose="02000009000000000000" pitchFamily="49" charset="0"/>
+                </a:rPr>
+                <a:t>條件為真時的返回值</a:t>
+              </a:r>
+              <a:r>
+                <a:rPr kumimoji="0" lang="zh-TW" altLang="zh-TW" sz="2400" b="0" i="0" u="none" strike="noStrike" cap="none" normalizeH="0" baseline="0">
+                  <a:ln>
+                    <a:noFill/>
+                  </a:ln>
+                  <a:solidFill>
+                    <a:srgbClr val="2AACB8"/>
+                  </a:solidFill>
+                  <a:effectLst/>
+                  <a:latin typeface="+mj-lt"/>
+                  <a:cs typeface="JetBrains Mono" panose="02000009000000000000" pitchFamily="49" charset="0"/>
+                </a:rPr>
+                <a:t> </a:t>
+              </a:r>
+              <a:r>
+                <a:rPr kumimoji="0" lang="zh-TW" altLang="zh-TW" sz="2400" b="0" i="0" u="none" strike="noStrike" cap="none" normalizeH="0" baseline="0">
+                  <a:ln>
+                    <a:noFill/>
+                  </a:ln>
+                  <a:solidFill>
+                    <a:srgbClr val="BCBEC4"/>
+                  </a:solidFill>
+                  <a:effectLst/>
+                  <a:latin typeface="+mj-lt"/>
+                  <a:cs typeface="JetBrains Mono" panose="02000009000000000000" pitchFamily="49" charset="0"/>
+                </a:rPr>
+                <a:t>: </a:t>
+              </a:r>
+              <a:r>
+                <a:rPr lang="zh-TW" altLang="en-US" sz="2400">
+                  <a:solidFill>
+                    <a:srgbClr val="92D050"/>
+                  </a:solidFill>
+                  <a:latin typeface="+mj-lt"/>
+                  <a:cs typeface="JetBrains Mono" panose="02000009000000000000" pitchFamily="49" charset="0"/>
+                </a:rPr>
+                <a:t>條件為假時的返回值</a:t>
+              </a:r>
+              <a:endParaRPr kumimoji="0" lang="zh-TW" altLang="zh-TW" sz="4000" b="0" i="0" u="none" strike="noStrike" cap="none" normalizeH="0" baseline="0">
+                <a:ln>
+                  <a:noFill/>
+                </a:ln>
+                <a:solidFill>
+                  <a:srgbClr val="92D050"/>
+                </a:solidFill>
+                <a:effectLst/>
+                <a:latin typeface="+mj-lt"/>
+              </a:endParaRPr>
+            </a:p>
+          </p:txBody>
+        </p:sp>
+        <p:sp>
+          <p:nvSpPr>
+            <p:cNvPr id="14" name="文字方塊 13">
+              <a:extLst>
+                <a:ext uri="{FF2B5EF4-FFF2-40B4-BE49-F238E27FC236}">
+                  <a16:creationId xmlns:a16="http://schemas.microsoft.com/office/drawing/2014/main" id="{9CDA37A0-EDA6-412D-B96C-782E6FFBE422}"/>
+                </a:ext>
+              </a:extLst>
+            </p:cNvPr>
+            <p:cNvSpPr txBox="1"/>
+            <p:nvPr/>
+          </p:nvSpPr>
+          <p:spPr>
+            <a:xfrm>
+              <a:off x="10796493" y="2518694"/>
+              <a:ext cx="633507" cy="338554"/>
+            </a:xfrm>
+            <a:prstGeom prst="rect">
+              <a:avLst/>
+            </a:prstGeom>
+            <a:noFill/>
+          </p:spPr>
+          <p:txBody>
+            <a:bodyPr wrap="none" rtlCol="0">
+              <a:spAutoFit/>
+            </a:bodyPr>
+            <a:lstStyle/>
+            <a:p>
+              <a:r>
+                <a:rPr lang="en-US" altLang="zh-TW" sz="1600">
+                  <a:solidFill>
+                    <a:schemeClr val="accent3"/>
+                  </a:solidFill>
+                </a:rPr>
+                <a:t>java</a:t>
+              </a:r>
+              <a:endParaRPr lang="zh-TW" altLang="en-US" sz="1600">
+                <a:solidFill>
+                  <a:schemeClr val="accent3"/>
+                </a:solidFill>
+              </a:endParaRPr>
+            </a:p>
+          </p:txBody>
+        </p:sp>
+      </p:grpSp>
     </p:spTree>
     <p:extLst>
       <p:ext uri="{BB962C8B-B14F-4D97-AF65-F5344CB8AC3E}">
-        <p14:creationId xmlns:p14="http://schemas.microsoft.com/office/powerpoint/2010/main" val="1374230130"/>
+        <p14:creationId xmlns:p14="http://schemas.microsoft.com/office/powerpoint/2010/main" val="318815027"/>
       </p:ext>
     </p:extLst>
   </p:cSld>
@@ -32925,6 +34843,276 @@
       </p:grpSpPr>
       <p:sp>
         <p:nvSpPr>
+          <p:cNvPr id="2" name="標題 1">
+            <a:extLst>
+              <a:ext uri="{FF2B5EF4-FFF2-40B4-BE49-F238E27FC236}">
+                <a16:creationId xmlns:a16="http://schemas.microsoft.com/office/drawing/2014/main" id="{7411AF8B-E3FD-4A87-B3EA-1DE26898E7F2}"/>
+              </a:ext>
+            </a:extLst>
+          </p:cNvPr>
+          <p:cNvSpPr>
+            <a:spLocks noGrp="1"/>
+          </p:cNvSpPr>
+          <p:nvPr>
+            <p:ph type="title"/>
+          </p:nvPr>
+        </p:nvSpPr>
+        <p:spPr/>
+        <p:txBody>
+          <a:bodyPr/>
+          <a:lstStyle/>
+          <a:p>
+            <a:r>
+              <a:rPr lang="zh-TW" altLang="en-US"/>
+              <a:t>流程控制</a:t>
+            </a:r>
+          </a:p>
+        </p:txBody>
+      </p:sp>
+      <p:sp>
+        <p:nvSpPr>
+          <p:cNvPr id="3" name="內容版面配置區 2">
+            <a:extLst>
+              <a:ext uri="{FF2B5EF4-FFF2-40B4-BE49-F238E27FC236}">
+                <a16:creationId xmlns:a16="http://schemas.microsoft.com/office/drawing/2014/main" id="{23E51D10-DF16-4C4F-B0AA-A4FF46CE9F8C}"/>
+              </a:ext>
+            </a:extLst>
+          </p:cNvPr>
+          <p:cNvSpPr>
+            <a:spLocks noGrp="1"/>
+          </p:cNvSpPr>
+          <p:nvPr>
+            <p:ph idx="1"/>
+          </p:nvPr>
+        </p:nvSpPr>
+        <p:spPr>
+          <a:xfrm>
+            <a:off x="838200" y="2227680"/>
+            <a:ext cx="10515600" cy="3240614"/>
+          </a:xfrm>
+        </p:spPr>
+        <p:txBody>
+          <a:bodyPr>
+            <a:normAutofit/>
+          </a:bodyPr>
+          <a:lstStyle/>
+          <a:p>
+            <a:r>
+              <a:rPr lang="zh-TW" altLang="en-US">
+                <a:solidFill>
+                  <a:srgbClr val="00B0F0"/>
+                </a:solidFill>
+              </a:rPr>
+              <a:t>流程控制</a:t>
+            </a:r>
+            <a:r>
+              <a:rPr lang="en-US" altLang="zh-TW">
+                <a:solidFill>
+                  <a:srgbClr val="00B0F0"/>
+                </a:solidFill>
+              </a:rPr>
+              <a:t>(flow control)</a:t>
+            </a:r>
+            <a:r>
+              <a:rPr lang="zh-TW" altLang="en-US"/>
+              <a:t>就是控制程式執行的流程、順序</a:t>
+            </a:r>
+            <a:endParaRPr lang="en-US" altLang="zh-TW"/>
+          </a:p>
+          <a:p>
+            <a:r>
+              <a:rPr lang="zh-TW" altLang="en-US"/>
+              <a:t>在 </a:t>
+            </a:r>
+            <a:r>
+              <a:rPr lang="en-US" altLang="zh-TW"/>
+              <a:t>Java</a:t>
+            </a:r>
+            <a:r>
+              <a:rPr lang="zh-TW" altLang="en-US"/>
+              <a:t> 中，能控制流程的有：</a:t>
+            </a:r>
+            <a:endParaRPr lang="en-US" altLang="zh-TW"/>
+          </a:p>
+          <a:p>
+            <a:r>
+              <a:rPr lang="en-US" altLang="zh-TW">
+                <a:solidFill>
+                  <a:srgbClr val="C68869"/>
+                </a:solidFill>
+              </a:rPr>
+              <a:t>if...else</a:t>
+            </a:r>
+            <a:r>
+              <a:rPr lang="zh-TW" altLang="en-US"/>
+              <a:t>、</a:t>
+            </a:r>
+            <a:r>
+              <a:rPr lang="en-US" altLang="zh-TW">
+                <a:solidFill>
+                  <a:srgbClr val="C68869"/>
+                </a:solidFill>
+              </a:rPr>
+              <a:t>switch</a:t>
+            </a:r>
+            <a:r>
+              <a:rPr lang="zh-TW" altLang="en-US"/>
+              <a:t>、</a:t>
+            </a:r>
+            <a:r>
+              <a:rPr lang="en-US" altLang="zh-TW">
+                <a:solidFill>
+                  <a:srgbClr val="C68869"/>
+                </a:solidFill>
+              </a:rPr>
+              <a:t>for</a:t>
+            </a:r>
+            <a:r>
+              <a:rPr lang="zh-TW" altLang="en-US"/>
+              <a:t>、</a:t>
+            </a:r>
+            <a:r>
+              <a:rPr lang="en-US" altLang="zh-TW">
+                <a:solidFill>
+                  <a:srgbClr val="C68869"/>
+                </a:solidFill>
+              </a:rPr>
+              <a:t>while</a:t>
+            </a:r>
+            <a:r>
+              <a:rPr lang="zh-TW" altLang="en-US"/>
+              <a:t>、</a:t>
+            </a:r>
+            <a:r>
+              <a:rPr lang="en-US" altLang="zh-TW">
+                <a:solidFill>
+                  <a:srgbClr val="C68869"/>
+                </a:solidFill>
+              </a:rPr>
+              <a:t>continue</a:t>
+            </a:r>
+            <a:r>
+              <a:rPr lang="zh-TW" altLang="en-US"/>
+              <a:t>、</a:t>
+            </a:r>
+            <a:r>
+              <a:rPr lang="en-US" altLang="zh-TW">
+                <a:solidFill>
+                  <a:srgbClr val="C68869"/>
+                </a:solidFill>
+              </a:rPr>
+              <a:t>break</a:t>
+            </a:r>
+          </a:p>
+          <a:p>
+            <a:r>
+              <a:rPr lang="zh-TW" altLang="en-US"/>
+              <a:t>這些是</a:t>
+            </a:r>
+            <a:r>
+              <a:rPr lang="zh-TW" altLang="en-US">
+                <a:solidFill>
+                  <a:srgbClr val="00B0F0"/>
+                </a:solidFill>
+              </a:rPr>
+              <a:t>控制流程陳述式</a:t>
+            </a:r>
+            <a:r>
+              <a:rPr lang="en-US" altLang="zh-TW">
+                <a:solidFill>
+                  <a:srgbClr val="00B0F0"/>
+                </a:solidFill>
+              </a:rPr>
+              <a:t>(control flow statement)</a:t>
+            </a:r>
+          </a:p>
+          <a:p>
+            <a:r>
+              <a:rPr lang="zh-TW" altLang="en-US"/>
+              <a:t>與</a:t>
+            </a:r>
+            <a:r>
+              <a:rPr lang="zh-TW" altLang="en-US">
+                <a:solidFill>
+                  <a:srgbClr val="00B0F0"/>
+                </a:solidFill>
+              </a:rPr>
+              <a:t>表達陳述式</a:t>
+            </a:r>
+            <a:r>
+              <a:rPr lang="zh-TW" altLang="en-US"/>
+              <a:t>和</a:t>
+            </a:r>
+            <a:r>
+              <a:rPr lang="zh-TW" altLang="en-US">
+                <a:solidFill>
+                  <a:srgbClr val="00B0F0"/>
+                </a:solidFill>
+              </a:rPr>
+              <a:t>宣告陳述式</a:t>
+            </a:r>
+            <a:r>
+              <a:rPr lang="zh-TW" altLang="en-US"/>
+              <a:t>不同的是</a:t>
+            </a:r>
+            <a:endParaRPr lang="en-US" altLang="zh-TW"/>
+          </a:p>
+          <a:p>
+            <a:r>
+              <a:rPr lang="zh-TW" altLang="en-US"/>
+              <a:t>大部分</a:t>
+            </a:r>
+            <a:r>
+              <a:rPr lang="zh-TW" altLang="en-US">
+                <a:solidFill>
+                  <a:srgbClr val="00B0F0"/>
+                </a:solidFill>
+              </a:rPr>
+              <a:t>流程控制陳述式</a:t>
+            </a:r>
+            <a:r>
+              <a:rPr lang="zh-TW" altLang="en-US"/>
+              <a:t>的結尾不需要分號</a:t>
+            </a:r>
+            <a:endParaRPr lang="en-US" altLang="zh-TW"/>
+          </a:p>
+        </p:txBody>
+      </p:sp>
+    </p:spTree>
+    <p:extLst>
+      <p:ext uri="{BB962C8B-B14F-4D97-AF65-F5344CB8AC3E}">
+        <p14:creationId xmlns:p14="http://schemas.microsoft.com/office/powerpoint/2010/main" val="1374230130"/>
+      </p:ext>
+    </p:extLst>
+  </p:cSld>
+  <p:clrMapOvr>
+    <a:masterClrMapping/>
+  </p:clrMapOvr>
+  <p:transition spd="slow">
+    <p:push dir="u"/>
+  </p:transition>
+</p:sld>
+</file>
+
+<file path=ppt/slides/slide4.xml><?xml version="1.0" encoding="utf-8"?>
+<p:sld xmlns:a="http://schemas.openxmlformats.org/drawingml/2006/main" xmlns:r="http://schemas.openxmlformats.org/officeDocument/2006/relationships" xmlns:p="http://schemas.openxmlformats.org/presentationml/2006/main">
+  <p:cSld>
+    <p:spTree>
+      <p:nvGrpSpPr>
+        <p:cNvPr id="1" name=""/>
+        <p:cNvGrpSpPr/>
+        <p:nvPr/>
+      </p:nvGrpSpPr>
+      <p:grpSpPr>
+        <a:xfrm>
+          <a:off x="0" y="0"/>
+          <a:ext cx="0" cy="0"/>
+          <a:chOff x="0" y="0"/>
+          <a:chExt cx="0" cy="0"/>
+        </a:xfrm>
+      </p:grpSpPr>
+      <p:sp>
+        <p:nvSpPr>
           <p:cNvPr id="4" name="標題 3">
             <a:extLst>
               <a:ext uri="{FF2B5EF4-FFF2-40B4-BE49-F238E27FC236}">
@@ -33757,7 +35945,7 @@
 </p:sld>
 </file>
 
-<file path=ppt/slides/slide4.xml><?xml version="1.0" encoding="utf-8"?>
+<file path=ppt/slides/slide5.xml><?xml version="1.0" encoding="utf-8"?>
 <p:sld xmlns:a="http://schemas.openxmlformats.org/drawingml/2006/main" xmlns:r="http://schemas.openxmlformats.org/officeDocument/2006/relationships" xmlns:p="http://schemas.openxmlformats.org/presentationml/2006/main">
   <p:cSld>
     <p:spTree>
@@ -34880,7 +37068,7 @@
 </p:sld>
 </file>
 
-<file path=ppt/slides/slide5.xml><?xml version="1.0" encoding="utf-8"?>
+<file path=ppt/slides/slide6.xml><?xml version="1.0" encoding="utf-8"?>
 <p:sld xmlns:a="http://schemas.openxmlformats.org/drawingml/2006/main" xmlns:r="http://schemas.openxmlformats.org/officeDocument/2006/relationships" xmlns:p="http://schemas.openxmlformats.org/presentationml/2006/main">
   <p:cSld>
     <p:spTree>
@@ -37653,7 +39841,7 @@
 </p:sld>
 </file>
 
-<file path=ppt/slides/slide6.xml><?xml version="1.0" encoding="utf-8"?>
+<file path=ppt/slides/slide7.xml><?xml version="1.0" encoding="utf-8"?>
 <p:sld xmlns:a="http://schemas.openxmlformats.org/drawingml/2006/main" xmlns:r="http://schemas.openxmlformats.org/officeDocument/2006/relationships" xmlns:p="http://schemas.openxmlformats.org/presentationml/2006/main">
   <p:cSld>
     <p:spTree>
@@ -38656,7 +40844,7 @@
 </p:sld>
 </file>
 
-<file path=ppt/slides/slide7.xml><?xml version="1.0" encoding="utf-8"?>
+<file path=ppt/slides/slide8.xml><?xml version="1.0" encoding="utf-8"?>
 <p:sld xmlns:a="http://schemas.openxmlformats.org/drawingml/2006/main" xmlns:r="http://schemas.openxmlformats.org/officeDocument/2006/relationships" xmlns:p="http://schemas.openxmlformats.org/presentationml/2006/main">
   <p:cSld>
     <p:spTree>
@@ -40847,7 +43035,7 @@
 </p:sld>
 </file>
 
-<file path=ppt/slides/slide8.xml><?xml version="1.0" encoding="utf-8"?>
+<file path=ppt/slides/slide9.xml><?xml version="1.0" encoding="utf-8"?>
 <p:sld xmlns:a="http://schemas.openxmlformats.org/drawingml/2006/main" xmlns:r="http://schemas.openxmlformats.org/officeDocument/2006/relationships" xmlns:p="http://schemas.openxmlformats.org/presentationml/2006/main">
   <p:cSld>
     <p:spTree>
@@ -42562,2192 +44750,6 @@
     <p:extLst>
       <p:ext uri="{BB962C8B-B14F-4D97-AF65-F5344CB8AC3E}">
         <p14:creationId xmlns:p14="http://schemas.microsoft.com/office/powerpoint/2010/main" val="211777568"/>
-      </p:ext>
-    </p:extLst>
-  </p:cSld>
-  <p:clrMapOvr>
-    <a:masterClrMapping/>
-  </p:clrMapOvr>
-  <p:transition spd="slow">
-    <p:push dir="u"/>
-  </p:transition>
-</p:sld>
-</file>
-
-<file path=ppt/slides/slide9.xml><?xml version="1.0" encoding="utf-8"?>
-<p:sld xmlns:a="http://schemas.openxmlformats.org/drawingml/2006/main" xmlns:r="http://schemas.openxmlformats.org/officeDocument/2006/relationships" xmlns:p="http://schemas.openxmlformats.org/presentationml/2006/main">
-  <p:cSld>
-    <p:spTree>
-      <p:nvGrpSpPr>
-        <p:cNvPr id="1" name=""/>
-        <p:cNvGrpSpPr/>
-        <p:nvPr/>
-      </p:nvGrpSpPr>
-      <p:grpSpPr>
-        <a:xfrm>
-          <a:off x="0" y="0"/>
-          <a:ext cx="0" cy="0"/>
-          <a:chOff x="0" y="0"/>
-          <a:chExt cx="0" cy="0"/>
-        </a:xfrm>
-      </p:grpSpPr>
-      <p:grpSp>
-        <p:nvGrpSpPr>
-          <p:cNvPr id="26" name="群組 25">
-            <a:extLst>
-              <a:ext uri="{FF2B5EF4-FFF2-40B4-BE49-F238E27FC236}">
-                <a16:creationId xmlns:a16="http://schemas.microsoft.com/office/drawing/2014/main" id="{BD4558B2-B152-4AF2-8212-53ABEBD70339}"/>
-              </a:ext>
-            </a:extLst>
-          </p:cNvPr>
-          <p:cNvGrpSpPr/>
-          <p:nvPr/>
-        </p:nvGrpSpPr>
-        <p:grpSpPr>
-          <a:xfrm>
-            <a:off x="582705" y="2308505"/>
-            <a:ext cx="10771093" cy="4185761"/>
-            <a:chOff x="582705" y="2308505"/>
-            <a:chExt cx="10771093" cy="4185761"/>
-          </a:xfrm>
-        </p:grpSpPr>
-        <p:sp>
-          <p:nvSpPr>
-            <p:cNvPr id="5" name="Rectangle 2">
-              <a:extLst>
-                <a:ext uri="{FF2B5EF4-FFF2-40B4-BE49-F238E27FC236}">
-                  <a16:creationId xmlns:a16="http://schemas.microsoft.com/office/drawing/2014/main" id="{A25B7B46-9F15-481F-B3DD-3288C8CDF005}"/>
-                </a:ext>
-              </a:extLst>
-            </p:cNvPr>
-            <p:cNvSpPr>
-              <a:spLocks noChangeArrowheads="1"/>
-            </p:cNvSpPr>
-            <p:nvPr/>
-          </p:nvSpPr>
-          <p:spPr bwMode="auto">
-            <a:xfrm>
-              <a:off x="582705" y="2308505"/>
-              <a:ext cx="10771093" cy="4185761"/>
-            </a:xfrm>
-            <a:prstGeom prst="rect">
-              <a:avLst/>
-            </a:prstGeom>
-            <a:solidFill>
-              <a:srgbClr val="1E1F22"/>
-            </a:solidFill>
-            <a:ln>
-              <a:noFill/>
-            </a:ln>
-            <a:effectLst/>
-            <a:extLst>
-              <a:ext uri="{91240B29-F687-4F45-9708-019B960494DF}">
-                <a14:hiddenLine xmlns:a14="http://schemas.microsoft.com/office/drawing/2010/main" w="9525">
-                  <a:solidFill>
-                    <a:schemeClr val="tx1"/>
-                  </a:solidFill>
-                  <a:miter lim="800000"/>
-                  <a:headEnd/>
-                  <a:tailEnd/>
-                </a14:hiddenLine>
-              </a:ext>
-              <a:ext uri="{AF507438-7753-43E0-B8FC-AC1667EBCBE1}">
-                <a14:hiddenEffects xmlns:a14="http://schemas.microsoft.com/office/drawing/2010/main">
-                  <a:effectLst>
-                    <a:outerShdw dist="35921" dir="2700000" algn="ctr" rotWithShape="0">
-                      <a:schemeClr val="bg2"/>
-                    </a:outerShdw>
-                  </a:effectLst>
-                </a14:hiddenEffects>
-              </a:ext>
-            </a:extLst>
-          </p:spPr>
-          <p:txBody>
-            <a:bodyPr vert="horz" wrap="square" lIns="91440" tIns="45720" rIns="91440" bIns="45720" numCol="1" anchor="ctr" anchorCtr="0" compatLnSpc="1">
-              <a:prstTxWarp prst="textNoShape">
-                <a:avLst/>
-              </a:prstTxWarp>
-              <a:spAutoFit/>
-            </a:bodyPr>
-            <a:lstStyle/>
-            <a:p>
-              <a:pPr marL="0" marR="0" lvl="0" indent="0" algn="l" defTabSz="914400" rtl="0" eaLnBrk="0" fontAlgn="base" latinLnBrk="0" hangingPunct="0">
-                <a:lnSpc>
-                  <a:spcPct val="100000"/>
-                </a:lnSpc>
-                <a:spcBef>
-                  <a:spcPct val="0"/>
-                </a:spcBef>
-                <a:spcAft>
-                  <a:spcPct val="0"/>
-                </a:spcAft>
-                <a:buClrTx/>
-                <a:buSzTx/>
-                <a:buFontTx/>
-                <a:buNone/>
-                <a:tabLst/>
-              </a:pPr>
-              <a:r>
-                <a:rPr kumimoji="0" lang="zh-TW" altLang="zh-TW" sz="1400" b="0" i="0" u="none" strike="noStrike" cap="none" normalizeH="0" baseline="0">
-                  <a:ln>
-                    <a:noFill/>
-                  </a:ln>
-                  <a:solidFill>
-                    <a:srgbClr val="CF8E6D"/>
-                  </a:solidFill>
-                  <a:effectLst/>
-                  <a:latin typeface="+mj-lt"/>
-                  <a:cs typeface="JetBrains Mono" panose="02000009000000000000" pitchFamily="49" charset="0"/>
-                </a:rPr>
-                <a:t>import </a:t>
-              </a:r>
-              <a:r>
-                <a:rPr kumimoji="0" lang="zh-TW" altLang="zh-TW" sz="1400" b="0" i="0" u="none" strike="noStrike" cap="none" normalizeH="0" baseline="0">
-                  <a:ln>
-                    <a:noFill/>
-                  </a:ln>
-                  <a:solidFill>
-                    <a:srgbClr val="BCBEC4"/>
-                  </a:solidFill>
-                  <a:effectLst/>
-                  <a:latin typeface="+mj-lt"/>
-                  <a:cs typeface="JetBrains Mono" panose="02000009000000000000" pitchFamily="49" charset="0"/>
-                </a:rPr>
-                <a:t>java.util.Scanner;</a:t>
-              </a:r>
-              <a:br>
-                <a:rPr kumimoji="0" lang="zh-TW" altLang="zh-TW" sz="1400" b="0" i="0" u="none" strike="noStrike" cap="none" normalizeH="0" baseline="0">
-                  <a:ln>
-                    <a:noFill/>
-                  </a:ln>
-                  <a:solidFill>
-                    <a:srgbClr val="BCBEC4"/>
-                  </a:solidFill>
-                  <a:effectLst/>
-                  <a:latin typeface="+mj-lt"/>
-                  <a:cs typeface="JetBrains Mono" panose="02000009000000000000" pitchFamily="49" charset="0"/>
-                </a:rPr>
-              </a:br>
-              <a:br>
-                <a:rPr kumimoji="0" lang="zh-TW" altLang="zh-TW" sz="1400" b="0" i="0" u="none" strike="noStrike" cap="none" normalizeH="0" baseline="0">
-                  <a:ln>
-                    <a:noFill/>
-                  </a:ln>
-                  <a:solidFill>
-                    <a:srgbClr val="BCBEC4"/>
-                  </a:solidFill>
-                  <a:effectLst/>
-                  <a:latin typeface="+mj-lt"/>
-                  <a:cs typeface="JetBrains Mono" panose="02000009000000000000" pitchFamily="49" charset="0"/>
-                </a:rPr>
-              </a:br>
-              <a:r>
-                <a:rPr kumimoji="0" lang="zh-TW" altLang="zh-TW" sz="1400" b="0" i="0" u="none" strike="noStrike" cap="none" normalizeH="0" baseline="0">
-                  <a:ln>
-                    <a:noFill/>
-                  </a:ln>
-                  <a:solidFill>
-                    <a:srgbClr val="CF8E6D"/>
-                  </a:solidFill>
-                  <a:effectLst/>
-                  <a:latin typeface="+mj-lt"/>
-                  <a:cs typeface="JetBrains Mono" panose="02000009000000000000" pitchFamily="49" charset="0"/>
-                </a:rPr>
-                <a:t>public class </a:t>
-              </a:r>
-              <a:r>
-                <a:rPr kumimoji="0" lang="zh-TW" altLang="zh-TW" sz="1400" b="0" i="0" u="none" strike="noStrike" cap="none" normalizeH="0" baseline="0">
-                  <a:ln>
-                    <a:noFill/>
-                  </a:ln>
-                  <a:solidFill>
-                    <a:srgbClr val="BCBEC4"/>
-                  </a:solidFill>
-                  <a:effectLst/>
-                  <a:latin typeface="+mj-lt"/>
-                  <a:cs typeface="JetBrains Mono" panose="02000009000000000000" pitchFamily="49" charset="0"/>
-                </a:rPr>
-                <a:t>Main3 {</a:t>
-              </a:r>
-              <a:br>
-                <a:rPr kumimoji="0" lang="zh-TW" altLang="zh-TW" sz="1400" b="0" i="0" u="none" strike="noStrike" cap="none" normalizeH="0" baseline="0">
-                  <a:ln>
-                    <a:noFill/>
-                  </a:ln>
-                  <a:solidFill>
-                    <a:srgbClr val="BCBEC4"/>
-                  </a:solidFill>
-                  <a:effectLst/>
-                  <a:latin typeface="+mj-lt"/>
-                  <a:cs typeface="JetBrains Mono" panose="02000009000000000000" pitchFamily="49" charset="0"/>
-                </a:rPr>
-              </a:br>
-              <a:r>
-                <a:rPr kumimoji="0" lang="zh-TW" altLang="zh-TW" sz="1400" b="0" i="0" u="none" strike="noStrike" cap="none" normalizeH="0" baseline="0">
-                  <a:ln>
-                    <a:noFill/>
-                  </a:ln>
-                  <a:solidFill>
-                    <a:srgbClr val="BCBEC4"/>
-                  </a:solidFill>
-                  <a:effectLst/>
-                  <a:latin typeface="+mj-lt"/>
-                  <a:cs typeface="JetBrains Mono" panose="02000009000000000000" pitchFamily="49" charset="0"/>
-                </a:rPr>
-                <a:t>    </a:t>
-              </a:r>
-              <a:r>
-                <a:rPr kumimoji="0" lang="zh-TW" altLang="zh-TW" sz="1400" b="0" i="0" u="none" strike="noStrike" cap="none" normalizeH="0" baseline="0">
-                  <a:ln>
-                    <a:noFill/>
-                  </a:ln>
-                  <a:solidFill>
-                    <a:srgbClr val="CF8E6D"/>
-                  </a:solidFill>
-                  <a:effectLst/>
-                  <a:latin typeface="+mj-lt"/>
-                  <a:cs typeface="JetBrains Mono" panose="02000009000000000000" pitchFamily="49" charset="0"/>
-                </a:rPr>
-                <a:t>public static void </a:t>
-              </a:r>
-              <a:r>
-                <a:rPr kumimoji="0" lang="zh-TW" altLang="zh-TW" sz="1400" b="0" i="0" u="none" strike="noStrike" cap="none" normalizeH="0" baseline="0">
-                  <a:ln>
-                    <a:noFill/>
-                  </a:ln>
-                  <a:solidFill>
-                    <a:srgbClr val="56A8F5"/>
-                  </a:solidFill>
-                  <a:effectLst/>
-                  <a:latin typeface="+mj-lt"/>
-                  <a:cs typeface="JetBrains Mono" panose="02000009000000000000" pitchFamily="49" charset="0"/>
-                </a:rPr>
-                <a:t>main</a:t>
-              </a:r>
-              <a:r>
-                <a:rPr kumimoji="0" lang="zh-TW" altLang="zh-TW" sz="1400" b="0" i="0" u="none" strike="noStrike" cap="none" normalizeH="0" baseline="0">
-                  <a:ln>
-                    <a:noFill/>
-                  </a:ln>
-                  <a:solidFill>
-                    <a:srgbClr val="BCBEC4"/>
-                  </a:solidFill>
-                  <a:effectLst/>
-                  <a:latin typeface="+mj-lt"/>
-                  <a:cs typeface="JetBrains Mono" panose="02000009000000000000" pitchFamily="49" charset="0"/>
-                </a:rPr>
-                <a:t>(String[] args) {</a:t>
-              </a:r>
-              <a:br>
-                <a:rPr kumimoji="0" lang="zh-TW" altLang="zh-TW" sz="1400" b="0" i="0" u="none" strike="noStrike" cap="none" normalizeH="0" baseline="0">
-                  <a:ln>
-                    <a:noFill/>
-                  </a:ln>
-                  <a:solidFill>
-                    <a:srgbClr val="BCBEC4"/>
-                  </a:solidFill>
-                  <a:effectLst/>
-                  <a:latin typeface="+mj-lt"/>
-                  <a:cs typeface="JetBrains Mono" panose="02000009000000000000" pitchFamily="49" charset="0"/>
-                </a:rPr>
-              </a:br>
-              <a:r>
-                <a:rPr kumimoji="0" lang="zh-TW" altLang="zh-TW" sz="1400" b="0" i="0" u="none" strike="noStrike" cap="none" normalizeH="0" baseline="0">
-                  <a:ln>
-                    <a:noFill/>
-                  </a:ln>
-                  <a:solidFill>
-                    <a:srgbClr val="BCBEC4"/>
-                  </a:solidFill>
-                  <a:effectLst/>
-                  <a:latin typeface="+mj-lt"/>
-                  <a:cs typeface="JetBrains Mono" panose="02000009000000000000" pitchFamily="49" charset="0"/>
-                </a:rPr>
-                <a:t>        Scanner scanner = </a:t>
-              </a:r>
-              <a:r>
-                <a:rPr kumimoji="0" lang="zh-TW" altLang="zh-TW" sz="1400" b="0" i="0" u="none" strike="noStrike" cap="none" normalizeH="0" baseline="0">
-                  <a:ln>
-                    <a:noFill/>
-                  </a:ln>
-                  <a:solidFill>
-                    <a:srgbClr val="CF8E6D"/>
-                  </a:solidFill>
-                  <a:effectLst/>
-                  <a:latin typeface="+mj-lt"/>
-                  <a:cs typeface="JetBrains Mono" panose="02000009000000000000" pitchFamily="49" charset="0"/>
-                </a:rPr>
-                <a:t>new </a:t>
-              </a:r>
-              <a:r>
-                <a:rPr kumimoji="0" lang="zh-TW" altLang="zh-TW" sz="1400" b="0" i="0" u="none" strike="noStrike" cap="none" normalizeH="0" baseline="0">
-                  <a:ln>
-                    <a:noFill/>
-                  </a:ln>
-                  <a:solidFill>
-                    <a:srgbClr val="BCBEC4"/>
-                  </a:solidFill>
-                  <a:effectLst/>
-                  <a:latin typeface="+mj-lt"/>
-                  <a:cs typeface="JetBrains Mono" panose="02000009000000000000" pitchFamily="49" charset="0"/>
-                </a:rPr>
-                <a:t>Scanner(System.</a:t>
-              </a:r>
-              <a:r>
-                <a:rPr kumimoji="0" lang="zh-TW" altLang="zh-TW" sz="1400" b="0" i="1" u="none" strike="noStrike" cap="none" normalizeH="0" baseline="0">
-                  <a:ln>
-                    <a:noFill/>
-                  </a:ln>
-                  <a:solidFill>
-                    <a:srgbClr val="C77DBB"/>
-                  </a:solidFill>
-                  <a:effectLst/>
-                  <a:latin typeface="+mj-lt"/>
-                  <a:cs typeface="JetBrains Mono" panose="02000009000000000000" pitchFamily="49" charset="0"/>
-                </a:rPr>
-                <a:t>in</a:t>
-              </a:r>
-              <a:r>
-                <a:rPr kumimoji="0" lang="zh-TW" altLang="zh-TW" sz="1400" b="0" i="0" u="none" strike="noStrike" cap="none" normalizeH="0" baseline="0">
-                  <a:ln>
-                    <a:noFill/>
-                  </a:ln>
-                  <a:solidFill>
-                    <a:srgbClr val="BCBEC4"/>
-                  </a:solidFill>
-                  <a:effectLst/>
-                  <a:latin typeface="+mj-lt"/>
-                  <a:cs typeface="JetBrains Mono" panose="02000009000000000000" pitchFamily="49" charset="0"/>
-                </a:rPr>
-                <a:t>);</a:t>
-              </a:r>
-              <a:br>
-                <a:rPr kumimoji="0" lang="zh-TW" altLang="zh-TW" sz="1400" b="0" i="0" u="none" strike="noStrike" cap="none" normalizeH="0" baseline="0">
-                  <a:ln>
-                    <a:noFill/>
-                  </a:ln>
-                  <a:solidFill>
-                    <a:srgbClr val="BCBEC4"/>
-                  </a:solidFill>
-                  <a:effectLst/>
-                  <a:latin typeface="+mj-lt"/>
-                  <a:cs typeface="JetBrains Mono" panose="02000009000000000000" pitchFamily="49" charset="0"/>
-                </a:rPr>
-              </a:br>
-              <a:r>
-                <a:rPr kumimoji="0" lang="zh-TW" altLang="zh-TW" sz="1400" b="0" i="0" u="none" strike="noStrike" cap="none" normalizeH="0" baseline="0">
-                  <a:ln>
-                    <a:noFill/>
-                  </a:ln>
-                  <a:solidFill>
-                    <a:srgbClr val="BCBEC4"/>
-                  </a:solidFill>
-                  <a:effectLst/>
-                  <a:latin typeface="+mj-lt"/>
-                  <a:cs typeface="JetBrains Mono" panose="02000009000000000000" pitchFamily="49" charset="0"/>
-                </a:rPr>
-                <a:t>        String input = scanner.nextLine();</a:t>
-              </a:r>
-              <a:br>
-                <a:rPr kumimoji="0" lang="zh-TW" altLang="zh-TW" sz="1400" b="0" i="0" u="none" strike="noStrike" cap="none" normalizeH="0" baseline="0">
-                  <a:ln>
-                    <a:noFill/>
-                  </a:ln>
-                  <a:solidFill>
-                    <a:srgbClr val="BCBEC4"/>
-                  </a:solidFill>
-                  <a:effectLst/>
-                  <a:latin typeface="+mj-lt"/>
-                  <a:cs typeface="JetBrains Mono" panose="02000009000000000000" pitchFamily="49" charset="0"/>
-                </a:rPr>
-              </a:br>
-              <a:r>
-                <a:rPr kumimoji="0" lang="zh-TW" altLang="zh-TW" sz="1400" b="0" i="0" u="none" strike="noStrike" cap="none" normalizeH="0" baseline="0">
-                  <a:ln>
-                    <a:noFill/>
-                  </a:ln>
-                  <a:solidFill>
-                    <a:srgbClr val="BCBEC4"/>
-                  </a:solidFill>
-                  <a:effectLst/>
-                  <a:latin typeface="+mj-lt"/>
-                  <a:cs typeface="JetBrains Mono" panose="02000009000000000000" pitchFamily="49" charset="0"/>
-                </a:rPr>
-                <a:t>        String output = </a:t>
-              </a:r>
-              <a:r>
-                <a:rPr kumimoji="0" lang="zh-TW" altLang="zh-TW" sz="1400" b="0" i="0" u="none" strike="noStrike" cap="none" normalizeH="0" baseline="0">
-                  <a:ln>
-                    <a:noFill/>
-                  </a:ln>
-                  <a:solidFill>
-                    <a:srgbClr val="CF8E6D"/>
-                  </a:solidFill>
-                  <a:effectLst/>
-                  <a:latin typeface="+mj-lt"/>
-                  <a:cs typeface="JetBrains Mono" panose="02000009000000000000" pitchFamily="49" charset="0"/>
-                </a:rPr>
-                <a:t>switch </a:t>
-              </a:r>
-              <a:r>
-                <a:rPr kumimoji="0" lang="zh-TW" altLang="zh-TW" sz="1400" b="0" i="0" u="none" strike="noStrike" cap="none" normalizeH="0" baseline="0">
-                  <a:ln>
-                    <a:noFill/>
-                  </a:ln>
-                  <a:solidFill>
-                    <a:srgbClr val="BCBEC4"/>
-                  </a:solidFill>
-                  <a:effectLst/>
-                  <a:latin typeface="+mj-lt"/>
-                  <a:cs typeface="JetBrains Mono" panose="02000009000000000000" pitchFamily="49" charset="0"/>
-                </a:rPr>
-                <a:t>(input) {</a:t>
-              </a:r>
-              <a:br>
-                <a:rPr kumimoji="0" lang="zh-TW" altLang="zh-TW" sz="1400" b="0" i="0" u="none" strike="noStrike" cap="none" normalizeH="0" baseline="0">
-                  <a:ln>
-                    <a:noFill/>
-                  </a:ln>
-                  <a:solidFill>
-                    <a:srgbClr val="BCBEC4"/>
-                  </a:solidFill>
-                  <a:effectLst/>
-                  <a:latin typeface="+mj-lt"/>
-                  <a:cs typeface="JetBrains Mono" panose="02000009000000000000" pitchFamily="49" charset="0"/>
-                </a:rPr>
-              </a:br>
-              <a:r>
-                <a:rPr kumimoji="0" lang="zh-TW" altLang="zh-TW" sz="1400" b="0" i="0" u="none" strike="noStrike" cap="none" normalizeH="0" baseline="0">
-                  <a:ln>
-                    <a:noFill/>
-                  </a:ln>
-                  <a:solidFill>
-                    <a:srgbClr val="BCBEC4"/>
-                  </a:solidFill>
-                  <a:effectLst/>
-                  <a:latin typeface="+mj-lt"/>
-                  <a:cs typeface="JetBrains Mono" panose="02000009000000000000" pitchFamily="49" charset="0"/>
-                </a:rPr>
-                <a:t>            </a:t>
-              </a:r>
-              <a:r>
-                <a:rPr kumimoji="0" lang="zh-TW" altLang="zh-TW" sz="1400" b="0" i="0" u="none" strike="noStrike" cap="none" normalizeH="0" baseline="0">
-                  <a:ln>
-                    <a:noFill/>
-                  </a:ln>
-                  <a:solidFill>
-                    <a:srgbClr val="CF8E6D"/>
-                  </a:solidFill>
-                  <a:effectLst/>
-                  <a:latin typeface="+mj-lt"/>
-                  <a:cs typeface="JetBrains Mono" panose="02000009000000000000" pitchFamily="49" charset="0"/>
-                </a:rPr>
-                <a:t>case </a:t>
-              </a:r>
-              <a:r>
-                <a:rPr kumimoji="0" lang="zh-TW" altLang="zh-TW" sz="1400" b="0" i="0" u="none" strike="noStrike" cap="none" normalizeH="0" baseline="0">
-                  <a:ln>
-                    <a:noFill/>
-                  </a:ln>
-                  <a:solidFill>
-                    <a:srgbClr val="6AAB73"/>
-                  </a:solidFill>
-                  <a:effectLst/>
-                  <a:latin typeface="+mj-lt"/>
-                  <a:cs typeface="JetBrains Mono" panose="02000009000000000000" pitchFamily="49" charset="0"/>
-                </a:rPr>
-                <a:t>"</a:t>
-              </a:r>
-              <a:r>
-                <a:rPr kumimoji="0" lang="zh-TW" altLang="zh-TW" sz="1400" b="0" i="0" u="none" strike="noStrike" cap="none" normalizeH="0" baseline="0">
-                  <a:ln>
-                    <a:noFill/>
-                  </a:ln>
-                  <a:solidFill>
-                    <a:srgbClr val="6AAB73"/>
-                  </a:solidFill>
-                  <a:effectLst/>
-                  <a:latin typeface="+mj-lt"/>
-                  <a:ea typeface="微軟正黑體" panose="020B0604030504040204" pitchFamily="34" charset="-120"/>
-                  <a:cs typeface="JetBrains Mono" panose="02000009000000000000" pitchFamily="49" charset="0"/>
-                </a:rPr>
-                <a:t>回憶過去</a:t>
-              </a:r>
-              <a:r>
-                <a:rPr kumimoji="0" lang="zh-TW" altLang="zh-TW" sz="1400" b="0" i="0" u="none" strike="noStrike" cap="none" normalizeH="0" baseline="0">
-                  <a:ln>
-                    <a:noFill/>
-                  </a:ln>
-                  <a:solidFill>
-                    <a:srgbClr val="6AAB73"/>
-                  </a:solidFill>
-                  <a:effectLst/>
-                  <a:latin typeface="+mj-lt"/>
-                  <a:cs typeface="JetBrains Mono" panose="02000009000000000000" pitchFamily="49" charset="0"/>
-                </a:rPr>
-                <a:t>" </a:t>
-              </a:r>
-              <a:r>
-                <a:rPr kumimoji="0" lang="zh-TW" altLang="zh-TW" sz="1400" b="0" i="0" u="none" strike="noStrike" cap="none" normalizeH="0" baseline="0">
-                  <a:ln>
-                    <a:noFill/>
-                  </a:ln>
-                  <a:solidFill>
-                    <a:srgbClr val="BCBEC4"/>
-                  </a:solidFill>
-                  <a:effectLst/>
-                  <a:latin typeface="+mj-lt"/>
-                  <a:cs typeface="JetBrains Mono" panose="02000009000000000000" pitchFamily="49" charset="0"/>
-                </a:rPr>
-                <a:t>-&gt; </a:t>
-              </a:r>
-              <a:r>
-                <a:rPr kumimoji="0" lang="zh-TW" altLang="zh-TW" sz="1400" b="0" i="0" u="none" strike="noStrike" cap="none" normalizeH="0" baseline="0">
-                  <a:ln>
-                    <a:noFill/>
-                  </a:ln>
-                  <a:solidFill>
-                    <a:srgbClr val="6AAB73"/>
-                  </a:solidFill>
-                  <a:effectLst/>
-                  <a:latin typeface="+mj-lt"/>
-                  <a:cs typeface="JetBrains Mono" panose="02000009000000000000" pitchFamily="49" charset="0"/>
-                </a:rPr>
-                <a:t>"</a:t>
-              </a:r>
-              <a:r>
-                <a:rPr kumimoji="0" lang="zh-TW" altLang="zh-TW" sz="1400" b="0" i="0" u="none" strike="noStrike" cap="none" normalizeH="0" baseline="0">
-                  <a:ln>
-                    <a:noFill/>
-                  </a:ln>
-                  <a:solidFill>
-                    <a:srgbClr val="6AAB73"/>
-                  </a:solidFill>
-                  <a:effectLst/>
-                  <a:latin typeface="+mj-lt"/>
-                  <a:ea typeface="微軟正黑體" panose="020B0604030504040204" pitchFamily="34" charset="-120"/>
-                  <a:cs typeface="JetBrains Mono" panose="02000009000000000000" pitchFamily="49" charset="0"/>
-                </a:rPr>
-                <a:t>痛苦的相思忘不了</a:t>
-              </a:r>
-              <a:r>
-                <a:rPr kumimoji="0" lang="zh-TW" altLang="zh-TW" sz="1400" b="0" i="0" u="none" strike="noStrike" cap="none" normalizeH="0" baseline="0">
-                  <a:ln>
-                    <a:noFill/>
-                  </a:ln>
-                  <a:solidFill>
-                    <a:srgbClr val="6AAB73"/>
-                  </a:solidFill>
-                  <a:effectLst/>
-                  <a:latin typeface="+mj-lt"/>
-                  <a:cs typeface="JetBrains Mono" panose="02000009000000000000" pitchFamily="49" charset="0"/>
-                </a:rPr>
-                <a:t>"</a:t>
-              </a:r>
-              <a:r>
-                <a:rPr kumimoji="0" lang="zh-TW" altLang="zh-TW" sz="1400" b="0" i="0" u="none" strike="noStrike" cap="none" normalizeH="0" baseline="0">
-                  <a:ln>
-                    <a:noFill/>
-                  </a:ln>
-                  <a:solidFill>
-                    <a:srgbClr val="BCBEC4"/>
-                  </a:solidFill>
-                  <a:effectLst/>
-                  <a:latin typeface="+mj-lt"/>
-                  <a:cs typeface="JetBrains Mono" panose="02000009000000000000" pitchFamily="49" charset="0"/>
-                </a:rPr>
-                <a:t>;</a:t>
-              </a:r>
-              <a:br>
-                <a:rPr kumimoji="0" lang="zh-TW" altLang="zh-TW" sz="1400" b="0" i="0" u="none" strike="noStrike" cap="none" normalizeH="0" baseline="0">
-                  <a:ln>
-                    <a:noFill/>
-                  </a:ln>
-                  <a:solidFill>
-                    <a:srgbClr val="BCBEC4"/>
-                  </a:solidFill>
-                  <a:effectLst/>
-                  <a:latin typeface="+mj-lt"/>
-                  <a:cs typeface="JetBrains Mono" panose="02000009000000000000" pitchFamily="49" charset="0"/>
-                </a:rPr>
-              </a:br>
-              <a:r>
-                <a:rPr kumimoji="0" lang="zh-TW" altLang="zh-TW" sz="1400" b="0" i="0" u="none" strike="noStrike" cap="none" normalizeH="0" baseline="0">
-                  <a:ln>
-                    <a:noFill/>
-                  </a:ln>
-                  <a:solidFill>
-                    <a:srgbClr val="BCBEC4"/>
-                  </a:solidFill>
-                  <a:effectLst/>
-                  <a:latin typeface="+mj-lt"/>
-                  <a:cs typeface="JetBrains Mono" panose="02000009000000000000" pitchFamily="49" charset="0"/>
-                </a:rPr>
-                <a:t>            </a:t>
-              </a:r>
-              <a:r>
-                <a:rPr kumimoji="0" lang="zh-TW" altLang="zh-TW" sz="1400" b="0" i="0" u="none" strike="noStrike" cap="none" normalizeH="0" baseline="0">
-                  <a:ln>
-                    <a:noFill/>
-                  </a:ln>
-                  <a:solidFill>
-                    <a:srgbClr val="CF8E6D"/>
-                  </a:solidFill>
-                  <a:effectLst/>
-                  <a:latin typeface="+mj-lt"/>
-                  <a:cs typeface="JetBrains Mono" panose="02000009000000000000" pitchFamily="49" charset="0"/>
-                </a:rPr>
-                <a:t>case </a:t>
-              </a:r>
-              <a:r>
-                <a:rPr kumimoji="0" lang="zh-TW" altLang="zh-TW" sz="1400" b="0" i="0" u="none" strike="noStrike" cap="none" normalizeH="0" baseline="0">
-                  <a:ln>
-                    <a:noFill/>
-                  </a:ln>
-                  <a:solidFill>
-                    <a:srgbClr val="6AAB73"/>
-                  </a:solidFill>
-                  <a:effectLst/>
-                  <a:latin typeface="+mj-lt"/>
-                  <a:cs typeface="JetBrains Mono" panose="02000009000000000000" pitchFamily="49" charset="0"/>
-                </a:rPr>
-                <a:t>"</a:t>
-              </a:r>
-              <a:r>
-                <a:rPr kumimoji="0" lang="zh-TW" altLang="zh-TW" sz="1400" b="0" i="0" u="none" strike="noStrike" cap="none" normalizeH="0" baseline="0">
-                  <a:ln>
-                    <a:noFill/>
-                  </a:ln>
-                  <a:solidFill>
-                    <a:srgbClr val="6AAB73"/>
-                  </a:solidFill>
-                  <a:effectLst/>
-                  <a:latin typeface="+mj-lt"/>
-                  <a:ea typeface="微軟正黑體" panose="020B0604030504040204" pitchFamily="34" charset="-120"/>
-                  <a:cs typeface="JetBrains Mono" panose="02000009000000000000" pitchFamily="49" charset="0"/>
-                </a:rPr>
-                <a:t>想念你的笑</a:t>
-              </a:r>
-              <a:r>
-                <a:rPr kumimoji="0" lang="zh-TW" altLang="zh-TW" sz="1400" b="0" i="0" u="none" strike="noStrike" cap="none" normalizeH="0" baseline="0">
-                  <a:ln>
-                    <a:noFill/>
-                  </a:ln>
-                  <a:solidFill>
-                    <a:srgbClr val="6AAB73"/>
-                  </a:solidFill>
-                  <a:effectLst/>
-                  <a:latin typeface="+mj-lt"/>
-                  <a:cs typeface="JetBrains Mono" panose="02000009000000000000" pitchFamily="49" charset="0"/>
-                </a:rPr>
-                <a:t>" </a:t>
-              </a:r>
-              <a:r>
-                <a:rPr kumimoji="0" lang="zh-TW" altLang="zh-TW" sz="1400" b="0" i="0" u="none" strike="noStrike" cap="none" normalizeH="0" baseline="0">
-                  <a:ln>
-                    <a:noFill/>
-                  </a:ln>
-                  <a:solidFill>
-                    <a:srgbClr val="BCBEC4"/>
-                  </a:solidFill>
-                  <a:effectLst/>
-                  <a:latin typeface="+mj-lt"/>
-                  <a:cs typeface="JetBrains Mono" panose="02000009000000000000" pitchFamily="49" charset="0"/>
-                </a:rPr>
-                <a:t>-&gt; </a:t>
-              </a:r>
-              <a:r>
-                <a:rPr kumimoji="0" lang="zh-TW" altLang="zh-TW" sz="1400" b="0" i="0" u="none" strike="noStrike" cap="none" normalizeH="0" baseline="0">
-                  <a:ln>
-                    <a:noFill/>
-                  </a:ln>
-                  <a:solidFill>
-                    <a:srgbClr val="6AAB73"/>
-                  </a:solidFill>
-                  <a:effectLst/>
-                  <a:latin typeface="+mj-lt"/>
-                  <a:cs typeface="JetBrains Mono" panose="02000009000000000000" pitchFamily="49" charset="0"/>
-                </a:rPr>
-                <a:t>"</a:t>
-              </a:r>
-              <a:r>
-                <a:rPr kumimoji="0" lang="zh-TW" altLang="zh-TW" sz="1400" b="0" i="0" u="none" strike="noStrike" cap="none" normalizeH="0" baseline="0">
-                  <a:ln>
-                    <a:noFill/>
-                  </a:ln>
-                  <a:solidFill>
-                    <a:srgbClr val="6AAB73"/>
-                  </a:solidFill>
-                  <a:effectLst/>
-                  <a:latin typeface="+mj-lt"/>
-                  <a:ea typeface="微軟正黑體" panose="020B0604030504040204" pitchFamily="34" charset="-120"/>
-                  <a:cs typeface="JetBrains Mono" panose="02000009000000000000" pitchFamily="49" charset="0"/>
-                </a:rPr>
-                <a:t>想念你的外套</a:t>
-              </a:r>
-              <a:r>
-                <a:rPr kumimoji="0" lang="zh-TW" altLang="zh-TW" sz="1400" b="0" i="0" u="none" strike="noStrike" cap="none" normalizeH="0" baseline="0">
-                  <a:ln>
-                    <a:noFill/>
-                  </a:ln>
-                  <a:solidFill>
-                    <a:srgbClr val="6AAB73"/>
-                  </a:solidFill>
-                  <a:effectLst/>
-                  <a:latin typeface="+mj-lt"/>
-                  <a:cs typeface="JetBrains Mono" panose="02000009000000000000" pitchFamily="49" charset="0"/>
-                </a:rPr>
-                <a:t>"</a:t>
-              </a:r>
-              <a:r>
-                <a:rPr kumimoji="0" lang="zh-TW" altLang="zh-TW" sz="1400" b="0" i="0" u="none" strike="noStrike" cap="none" normalizeH="0" baseline="0">
-                  <a:ln>
-                    <a:noFill/>
-                  </a:ln>
-                  <a:solidFill>
-                    <a:srgbClr val="BCBEC4"/>
-                  </a:solidFill>
-                  <a:effectLst/>
-                  <a:latin typeface="+mj-lt"/>
-                  <a:cs typeface="JetBrains Mono" panose="02000009000000000000" pitchFamily="49" charset="0"/>
-                </a:rPr>
-                <a:t>;</a:t>
-              </a:r>
-              <a:br>
-                <a:rPr kumimoji="0" lang="zh-TW" altLang="zh-TW" sz="1400" b="0" i="0" u="none" strike="noStrike" cap="none" normalizeH="0" baseline="0">
-                  <a:ln>
-                    <a:noFill/>
-                  </a:ln>
-                  <a:solidFill>
-                    <a:srgbClr val="BCBEC4"/>
-                  </a:solidFill>
-                  <a:effectLst/>
-                  <a:latin typeface="+mj-lt"/>
-                  <a:cs typeface="JetBrains Mono" panose="02000009000000000000" pitchFamily="49" charset="0"/>
-                </a:rPr>
-              </a:br>
-              <a:r>
-                <a:rPr kumimoji="0" lang="zh-TW" altLang="zh-TW" sz="1400" b="0" i="0" u="none" strike="noStrike" cap="none" normalizeH="0" baseline="0">
-                  <a:ln>
-                    <a:noFill/>
-                  </a:ln>
-                  <a:solidFill>
-                    <a:srgbClr val="BCBEC4"/>
-                  </a:solidFill>
-                  <a:effectLst/>
-                  <a:latin typeface="+mj-lt"/>
-                  <a:cs typeface="JetBrains Mono" panose="02000009000000000000" pitchFamily="49" charset="0"/>
-                </a:rPr>
-                <a:t>            </a:t>
-              </a:r>
-              <a:r>
-                <a:rPr kumimoji="0" lang="zh-TW" altLang="zh-TW" sz="1400" b="0" i="0" u="none" strike="noStrike" cap="none" normalizeH="0" baseline="0">
-                  <a:ln>
-                    <a:noFill/>
-                  </a:ln>
-                  <a:solidFill>
-                    <a:srgbClr val="CF8E6D"/>
-                  </a:solidFill>
-                  <a:effectLst/>
-                  <a:latin typeface="+mj-lt"/>
-                  <a:cs typeface="JetBrains Mono" panose="02000009000000000000" pitchFamily="49" charset="0"/>
-                </a:rPr>
-                <a:t>case </a:t>
-              </a:r>
-              <a:r>
-                <a:rPr kumimoji="0" lang="zh-TW" altLang="zh-TW" sz="1400" b="0" i="0" u="none" strike="noStrike" cap="none" normalizeH="0" baseline="0">
-                  <a:ln>
-                    <a:noFill/>
-                  </a:ln>
-                  <a:solidFill>
-                    <a:srgbClr val="6AAB73"/>
-                  </a:solidFill>
-                  <a:effectLst/>
-                  <a:latin typeface="+mj-lt"/>
-                  <a:cs typeface="JetBrains Mono" panose="02000009000000000000" pitchFamily="49" charset="0"/>
-                </a:rPr>
-                <a:t>"</a:t>
-              </a:r>
-              <a:r>
-                <a:rPr kumimoji="0" lang="zh-TW" altLang="zh-TW" sz="1400" b="0" i="0" u="none" strike="noStrike" cap="none" normalizeH="0" baseline="0">
-                  <a:ln>
-                    <a:noFill/>
-                  </a:ln>
-                  <a:solidFill>
-                    <a:srgbClr val="6AAB73"/>
-                  </a:solidFill>
-                  <a:effectLst/>
-                  <a:latin typeface="+mj-lt"/>
-                  <a:ea typeface="微軟正黑體" panose="020B0604030504040204" pitchFamily="34" charset="-120"/>
-                  <a:cs typeface="JetBrains Mono" panose="02000009000000000000" pitchFamily="49" charset="0"/>
-                </a:rPr>
-                <a:t>怎麼忍心怪你犯了錯</a:t>
-              </a:r>
-              <a:r>
-                <a:rPr kumimoji="0" lang="zh-TW" altLang="zh-TW" sz="1400" b="0" i="0" u="none" strike="noStrike" cap="none" normalizeH="0" baseline="0">
-                  <a:ln>
-                    <a:noFill/>
-                  </a:ln>
-                  <a:solidFill>
-                    <a:srgbClr val="6AAB73"/>
-                  </a:solidFill>
-                  <a:effectLst/>
-                  <a:latin typeface="+mj-lt"/>
-                  <a:cs typeface="JetBrains Mono" panose="02000009000000000000" pitchFamily="49" charset="0"/>
-                </a:rPr>
-                <a:t>"</a:t>
-              </a:r>
-              <a:r>
-                <a:rPr kumimoji="0" lang="zh-TW" altLang="zh-TW" sz="1400" b="0" i="0" u="none" strike="noStrike" cap="none" normalizeH="0" baseline="0">
-                  <a:ln>
-                    <a:noFill/>
-                  </a:ln>
-                  <a:solidFill>
-                    <a:srgbClr val="BCBEC4"/>
-                  </a:solidFill>
-                  <a:effectLst/>
-                  <a:latin typeface="+mj-lt"/>
-                  <a:cs typeface="JetBrains Mono" panose="02000009000000000000" pitchFamily="49" charset="0"/>
-                </a:rPr>
-                <a:t>, </a:t>
-              </a:r>
-              <a:r>
-                <a:rPr kumimoji="0" lang="zh-TW" altLang="zh-TW" sz="1400" b="0" i="0" u="none" strike="noStrike" cap="none" normalizeH="0" baseline="0">
-                  <a:ln>
-                    <a:noFill/>
-                  </a:ln>
-                  <a:solidFill>
-                    <a:srgbClr val="6AAB73"/>
-                  </a:solidFill>
-                  <a:effectLst/>
-                  <a:latin typeface="+mj-lt"/>
-                  <a:cs typeface="JetBrains Mono" panose="02000009000000000000" pitchFamily="49" charset="0"/>
-                </a:rPr>
-                <a:t>"</a:t>
-              </a:r>
-              <a:r>
-                <a:rPr kumimoji="0" lang="zh-TW" altLang="zh-TW" sz="1400" b="0" i="0" u="none" strike="noStrike" cap="none" normalizeH="0" baseline="0">
-                  <a:ln>
-                    <a:noFill/>
-                  </a:ln>
-                  <a:solidFill>
-                    <a:srgbClr val="6AAB73"/>
-                  </a:solidFill>
-                  <a:effectLst/>
-                  <a:latin typeface="+mj-lt"/>
-                  <a:ea typeface="微軟正黑體" panose="020B0604030504040204" pitchFamily="34" charset="-120"/>
-                  <a:cs typeface="JetBrains Mono" panose="02000009000000000000" pitchFamily="49" charset="0"/>
-                </a:rPr>
-                <a:t>怎麼忍心讓你受折磨</a:t>
-              </a:r>
-              <a:r>
-                <a:rPr kumimoji="0" lang="zh-TW" altLang="zh-TW" sz="1400" b="0" i="0" u="none" strike="noStrike" cap="none" normalizeH="0" baseline="0">
-                  <a:ln>
-                    <a:noFill/>
-                  </a:ln>
-                  <a:solidFill>
-                    <a:srgbClr val="6AAB73"/>
-                  </a:solidFill>
-                  <a:effectLst/>
-                  <a:latin typeface="+mj-lt"/>
-                  <a:cs typeface="JetBrains Mono" panose="02000009000000000000" pitchFamily="49" charset="0"/>
-                </a:rPr>
-                <a:t>" </a:t>
-              </a:r>
-              <a:r>
-                <a:rPr kumimoji="0" lang="zh-TW" altLang="zh-TW" sz="1400" b="0" i="0" u="none" strike="noStrike" cap="none" normalizeH="0" baseline="0">
-                  <a:ln>
-                    <a:noFill/>
-                  </a:ln>
-                  <a:solidFill>
-                    <a:srgbClr val="BCBEC4"/>
-                  </a:solidFill>
-                  <a:effectLst/>
-                  <a:latin typeface="+mj-lt"/>
-                  <a:cs typeface="JetBrains Mono" panose="02000009000000000000" pitchFamily="49" charset="0"/>
-                </a:rPr>
-                <a:t>-&gt; </a:t>
-              </a:r>
-              <a:r>
-                <a:rPr kumimoji="0" lang="zh-TW" altLang="zh-TW" sz="1400" b="0" i="0" u="none" strike="noStrike" cap="none" normalizeH="0" baseline="0">
-                  <a:ln>
-                    <a:noFill/>
-                  </a:ln>
-                  <a:solidFill>
-                    <a:srgbClr val="6AAB73"/>
-                  </a:solidFill>
-                  <a:effectLst/>
-                  <a:latin typeface="+mj-lt"/>
-                  <a:cs typeface="JetBrains Mono" panose="02000009000000000000" pitchFamily="49" charset="0"/>
-                </a:rPr>
-                <a:t>"</a:t>
-              </a:r>
-              <a:r>
-                <a:rPr kumimoji="0" lang="zh-TW" altLang="zh-TW" sz="1400" b="0" i="0" u="none" strike="noStrike" cap="none" normalizeH="0" baseline="0">
-                  <a:ln>
-                    <a:noFill/>
-                  </a:ln>
-                  <a:solidFill>
-                    <a:srgbClr val="6AAB73"/>
-                  </a:solidFill>
-                  <a:effectLst/>
-                  <a:latin typeface="+mj-lt"/>
-                  <a:ea typeface="微軟正黑體" panose="020B0604030504040204" pitchFamily="34" charset="-120"/>
-                  <a:cs typeface="JetBrains Mono" panose="02000009000000000000" pitchFamily="49" charset="0"/>
-                </a:rPr>
-                <a:t>是我給你自由過了火</a:t>
-              </a:r>
-              <a:r>
-                <a:rPr kumimoji="0" lang="zh-TW" altLang="zh-TW" sz="1400" b="0" i="0" u="none" strike="noStrike" cap="none" normalizeH="0" baseline="0">
-                  <a:ln>
-                    <a:noFill/>
-                  </a:ln>
-                  <a:solidFill>
-                    <a:srgbClr val="6AAB73"/>
-                  </a:solidFill>
-                  <a:effectLst/>
-                  <a:latin typeface="+mj-lt"/>
-                  <a:cs typeface="JetBrains Mono" panose="02000009000000000000" pitchFamily="49" charset="0"/>
-                </a:rPr>
-                <a:t>"</a:t>
-              </a:r>
-              <a:r>
-                <a:rPr kumimoji="0" lang="zh-TW" altLang="zh-TW" sz="1400" b="0" i="0" u="none" strike="noStrike" cap="none" normalizeH="0" baseline="0">
-                  <a:ln>
-                    <a:noFill/>
-                  </a:ln>
-                  <a:solidFill>
-                    <a:srgbClr val="BCBEC4"/>
-                  </a:solidFill>
-                  <a:effectLst/>
-                  <a:latin typeface="+mj-lt"/>
-                  <a:cs typeface="JetBrains Mono" panose="02000009000000000000" pitchFamily="49" charset="0"/>
-                </a:rPr>
-                <a:t>;</a:t>
-              </a:r>
-              <a:br>
-                <a:rPr kumimoji="0" lang="zh-TW" altLang="zh-TW" sz="1400" b="0" i="0" u="none" strike="noStrike" cap="none" normalizeH="0" baseline="0">
-                  <a:ln>
-                    <a:noFill/>
-                  </a:ln>
-                  <a:solidFill>
-                    <a:srgbClr val="BCBEC4"/>
-                  </a:solidFill>
-                  <a:effectLst/>
-                  <a:latin typeface="+mj-lt"/>
-                  <a:cs typeface="JetBrains Mono" panose="02000009000000000000" pitchFamily="49" charset="0"/>
-                </a:rPr>
-              </a:br>
-              <a:r>
-                <a:rPr kumimoji="0" lang="zh-TW" altLang="zh-TW" sz="1400" b="0" i="0" u="none" strike="noStrike" cap="none" normalizeH="0" baseline="0">
-                  <a:ln>
-                    <a:noFill/>
-                  </a:ln>
-                  <a:solidFill>
-                    <a:srgbClr val="BCBEC4"/>
-                  </a:solidFill>
-                  <a:effectLst/>
-                  <a:latin typeface="+mj-lt"/>
-                  <a:cs typeface="JetBrains Mono" panose="02000009000000000000" pitchFamily="49" charset="0"/>
-                </a:rPr>
-                <a:t>            </a:t>
-              </a:r>
-              <a:r>
-                <a:rPr kumimoji="0" lang="zh-TW" altLang="zh-TW" sz="1400" b="0" i="0" u="none" strike="noStrike" cap="none" normalizeH="0" baseline="0">
-                  <a:ln>
-                    <a:noFill/>
-                  </a:ln>
-                  <a:solidFill>
-                    <a:srgbClr val="CF8E6D"/>
-                  </a:solidFill>
-                  <a:effectLst/>
-                  <a:latin typeface="+mj-lt"/>
-                  <a:cs typeface="JetBrains Mono" panose="02000009000000000000" pitchFamily="49" charset="0"/>
-                </a:rPr>
-                <a:t>case </a:t>
-              </a:r>
-              <a:r>
-                <a:rPr kumimoji="0" lang="zh-TW" altLang="zh-TW" sz="1400" b="0" i="0" u="none" strike="noStrike" cap="none" normalizeH="0" baseline="0">
-                  <a:ln>
-                    <a:noFill/>
-                  </a:ln>
-                  <a:solidFill>
-                    <a:srgbClr val="6AAB73"/>
-                  </a:solidFill>
-                  <a:effectLst/>
-                  <a:latin typeface="+mj-lt"/>
-                  <a:cs typeface="JetBrains Mono" panose="02000009000000000000" pitchFamily="49" charset="0"/>
-                </a:rPr>
-                <a:t>"</a:t>
-              </a:r>
-              <a:r>
-                <a:rPr kumimoji="0" lang="zh-TW" altLang="zh-TW" sz="1400" b="0" i="0" u="none" strike="noStrike" cap="none" normalizeH="0" baseline="0">
-                  <a:ln>
-                    <a:noFill/>
-                  </a:ln>
-                  <a:solidFill>
-                    <a:srgbClr val="6AAB73"/>
-                  </a:solidFill>
-                  <a:effectLst/>
-                  <a:latin typeface="+mj-lt"/>
-                  <a:ea typeface="微軟正黑體" panose="020B0604030504040204" pitchFamily="34" charset="-120"/>
-                  <a:cs typeface="JetBrains Mono" panose="02000009000000000000" pitchFamily="49" charset="0"/>
-                </a:rPr>
-                <a:t>我願變成童話裡你愛的那個天使</a:t>
-              </a:r>
-              <a:r>
-                <a:rPr kumimoji="0" lang="zh-TW" altLang="zh-TW" sz="1400" b="0" i="0" u="none" strike="noStrike" cap="none" normalizeH="0" baseline="0">
-                  <a:ln>
-                    <a:noFill/>
-                  </a:ln>
-                  <a:solidFill>
-                    <a:srgbClr val="6AAB73"/>
-                  </a:solidFill>
-                  <a:effectLst/>
-                  <a:latin typeface="+mj-lt"/>
-                  <a:cs typeface="JetBrains Mono" panose="02000009000000000000" pitchFamily="49" charset="0"/>
-                </a:rPr>
-                <a:t>" </a:t>
-              </a:r>
-              <a:r>
-                <a:rPr kumimoji="0" lang="zh-TW" altLang="zh-TW" sz="1400" b="0" i="0" u="none" strike="noStrike" cap="none" normalizeH="0" baseline="0">
-                  <a:ln>
-                    <a:noFill/>
-                  </a:ln>
-                  <a:solidFill>
-                    <a:srgbClr val="BCBEC4"/>
-                  </a:solidFill>
-                  <a:effectLst/>
-                  <a:latin typeface="+mj-lt"/>
-                  <a:cs typeface="JetBrains Mono" panose="02000009000000000000" pitchFamily="49" charset="0"/>
-                </a:rPr>
-                <a:t>-&gt; </a:t>
-              </a:r>
-              <a:r>
-                <a:rPr kumimoji="0" lang="zh-TW" altLang="zh-TW" sz="1400" b="0" i="0" u="none" strike="noStrike" cap="none" normalizeH="0" baseline="0">
-                  <a:ln>
-                    <a:noFill/>
-                  </a:ln>
-                  <a:solidFill>
-                    <a:srgbClr val="6AAB73"/>
-                  </a:solidFill>
-                  <a:effectLst/>
-                  <a:latin typeface="+mj-lt"/>
-                  <a:cs typeface="JetBrains Mono" panose="02000009000000000000" pitchFamily="49" charset="0"/>
-                </a:rPr>
-                <a:t>"</a:t>
-              </a:r>
-              <a:r>
-                <a:rPr kumimoji="0" lang="zh-TW" altLang="zh-TW" sz="1400" b="0" i="0" u="none" strike="noStrike" cap="none" normalizeH="0" baseline="0">
-                  <a:ln>
-                    <a:noFill/>
-                  </a:ln>
-                  <a:solidFill>
-                    <a:srgbClr val="6AAB73"/>
-                  </a:solidFill>
-                  <a:effectLst/>
-                  <a:latin typeface="+mj-lt"/>
-                  <a:ea typeface="微軟正黑體" panose="020B0604030504040204" pitchFamily="34" charset="-120"/>
-                  <a:cs typeface="JetBrains Mono" panose="02000009000000000000" pitchFamily="49" charset="0"/>
-                </a:rPr>
-                <a:t>張開雙手變成翅膀守護你</a:t>
-              </a:r>
-              <a:r>
-                <a:rPr kumimoji="0" lang="zh-TW" altLang="zh-TW" sz="1400" b="0" i="0" u="none" strike="noStrike" cap="none" normalizeH="0" baseline="0">
-                  <a:ln>
-                    <a:noFill/>
-                  </a:ln>
-                  <a:solidFill>
-                    <a:srgbClr val="6AAB73"/>
-                  </a:solidFill>
-                  <a:effectLst/>
-                  <a:latin typeface="+mj-lt"/>
-                  <a:cs typeface="JetBrains Mono" panose="02000009000000000000" pitchFamily="49" charset="0"/>
-                </a:rPr>
-                <a:t>"</a:t>
-              </a:r>
-              <a:r>
-                <a:rPr kumimoji="0" lang="zh-TW" altLang="zh-TW" sz="1400" b="0" i="0" u="none" strike="noStrike" cap="none" normalizeH="0" baseline="0">
-                  <a:ln>
-                    <a:noFill/>
-                  </a:ln>
-                  <a:solidFill>
-                    <a:srgbClr val="BCBEC4"/>
-                  </a:solidFill>
-                  <a:effectLst/>
-                  <a:latin typeface="+mj-lt"/>
-                  <a:cs typeface="JetBrains Mono" panose="02000009000000000000" pitchFamily="49" charset="0"/>
-                </a:rPr>
-                <a:t>;</a:t>
-              </a:r>
-              <a:br>
-                <a:rPr kumimoji="0" lang="zh-TW" altLang="zh-TW" sz="1400" b="0" i="0" u="none" strike="noStrike" cap="none" normalizeH="0" baseline="0">
-                  <a:ln>
-                    <a:noFill/>
-                  </a:ln>
-                  <a:solidFill>
-                    <a:srgbClr val="BCBEC4"/>
-                  </a:solidFill>
-                  <a:effectLst/>
-                  <a:latin typeface="+mj-lt"/>
-                  <a:cs typeface="JetBrains Mono" panose="02000009000000000000" pitchFamily="49" charset="0"/>
-                </a:rPr>
-              </a:br>
-              <a:r>
-                <a:rPr kumimoji="0" lang="zh-TW" altLang="zh-TW" sz="1400" b="0" i="0" u="none" strike="noStrike" cap="none" normalizeH="0" baseline="0">
-                  <a:ln>
-                    <a:noFill/>
-                  </a:ln>
-                  <a:solidFill>
-                    <a:srgbClr val="BCBEC4"/>
-                  </a:solidFill>
-                  <a:effectLst/>
-                  <a:latin typeface="+mj-lt"/>
-                  <a:cs typeface="JetBrains Mono" panose="02000009000000000000" pitchFamily="49" charset="0"/>
-                </a:rPr>
-                <a:t>            </a:t>
-              </a:r>
-              <a:r>
-                <a:rPr kumimoji="0" lang="zh-TW" altLang="zh-TW" sz="1400" b="0" i="0" u="none" strike="noStrike" cap="none" normalizeH="0" baseline="0">
-                  <a:ln>
-                    <a:noFill/>
-                  </a:ln>
-                  <a:solidFill>
-                    <a:srgbClr val="CF8E6D"/>
-                  </a:solidFill>
-                  <a:effectLst/>
-                  <a:latin typeface="+mj-lt"/>
-                  <a:cs typeface="JetBrains Mono" panose="02000009000000000000" pitchFamily="49" charset="0"/>
-                </a:rPr>
-                <a:t>default </a:t>
-              </a:r>
-              <a:r>
-                <a:rPr kumimoji="0" lang="zh-TW" altLang="zh-TW" sz="1400" b="0" i="0" u="none" strike="noStrike" cap="none" normalizeH="0" baseline="0">
-                  <a:ln>
-                    <a:noFill/>
-                  </a:ln>
-                  <a:solidFill>
-                    <a:srgbClr val="BCBEC4"/>
-                  </a:solidFill>
-                  <a:effectLst/>
-                  <a:latin typeface="+mj-lt"/>
-                  <a:cs typeface="JetBrains Mono" panose="02000009000000000000" pitchFamily="49" charset="0"/>
-                </a:rPr>
-                <a:t>-&gt; {</a:t>
-              </a:r>
-              <a:br>
-                <a:rPr kumimoji="0" lang="zh-TW" altLang="zh-TW" sz="1400" b="0" i="0" u="none" strike="noStrike" cap="none" normalizeH="0" baseline="0">
-                  <a:ln>
-                    <a:noFill/>
-                  </a:ln>
-                  <a:solidFill>
-                    <a:srgbClr val="BCBEC4"/>
-                  </a:solidFill>
-                  <a:effectLst/>
-                  <a:latin typeface="+mj-lt"/>
-                  <a:cs typeface="JetBrains Mono" panose="02000009000000000000" pitchFamily="49" charset="0"/>
-                </a:rPr>
-              </a:br>
-              <a:r>
-                <a:rPr kumimoji="0" lang="zh-TW" altLang="zh-TW" sz="1400" b="0" i="0" u="none" strike="noStrike" cap="none" normalizeH="0" baseline="0">
-                  <a:ln>
-                    <a:noFill/>
-                  </a:ln>
-                  <a:solidFill>
-                    <a:srgbClr val="BCBEC4"/>
-                  </a:solidFill>
-                  <a:effectLst/>
-                  <a:latin typeface="+mj-lt"/>
-                  <a:cs typeface="JetBrains Mono" panose="02000009000000000000" pitchFamily="49" charset="0"/>
-                </a:rPr>
-                <a:t>                </a:t>
-              </a:r>
-              <a:r>
-                <a:rPr kumimoji="0" lang="zh-TW" altLang="zh-TW" sz="1400" b="0" i="0" u="none" strike="noStrike" cap="none" normalizeH="0" baseline="0">
-                  <a:ln>
-                    <a:noFill/>
-                  </a:ln>
-                  <a:solidFill>
-                    <a:srgbClr val="CF8E6D"/>
-                  </a:solidFill>
-                  <a:effectLst/>
-                  <a:latin typeface="+mj-lt"/>
-                  <a:cs typeface="JetBrains Mono" panose="02000009000000000000" pitchFamily="49" charset="0"/>
-                </a:rPr>
-                <a:t>if </a:t>
-              </a:r>
-              <a:r>
-                <a:rPr kumimoji="0" lang="zh-TW" altLang="zh-TW" sz="1400" b="0" i="0" u="none" strike="noStrike" cap="none" normalizeH="0" baseline="0">
-                  <a:ln>
-                    <a:noFill/>
-                  </a:ln>
-                  <a:solidFill>
-                    <a:srgbClr val="BCBEC4"/>
-                  </a:solidFill>
-                  <a:effectLst/>
-                  <a:latin typeface="+mj-lt"/>
-                  <a:cs typeface="JetBrains Mono" panose="02000009000000000000" pitchFamily="49" charset="0"/>
-                </a:rPr>
-                <a:t>(input.isEmpty()) </a:t>
-              </a:r>
-              <a:r>
-                <a:rPr kumimoji="0" lang="zh-TW" altLang="zh-TW" sz="1400" b="0" i="0" u="none" strike="noStrike" cap="none" normalizeH="0" baseline="0">
-                  <a:ln>
-                    <a:noFill/>
-                  </a:ln>
-                  <a:solidFill>
-                    <a:srgbClr val="CF8E6D"/>
-                  </a:solidFill>
-                  <a:effectLst/>
-                  <a:latin typeface="+mj-lt"/>
-                  <a:cs typeface="JetBrains Mono" panose="02000009000000000000" pitchFamily="49" charset="0"/>
-                </a:rPr>
-                <a:t>yield </a:t>
-              </a:r>
-              <a:r>
-                <a:rPr kumimoji="0" lang="zh-TW" altLang="zh-TW" sz="1400" b="0" i="0" u="none" strike="noStrike" cap="none" normalizeH="0" baseline="0">
-                  <a:ln>
-                    <a:noFill/>
-                  </a:ln>
-                  <a:solidFill>
-                    <a:srgbClr val="6AAB73"/>
-                  </a:solidFill>
-                  <a:effectLst/>
-                  <a:latin typeface="+mj-lt"/>
-                  <a:cs typeface="JetBrains Mono" panose="02000009000000000000" pitchFamily="49" charset="0"/>
-                </a:rPr>
-                <a:t>"</a:t>
-              </a:r>
-              <a:r>
-                <a:rPr kumimoji="0" lang="zh-TW" altLang="zh-TW" sz="1400" b="0" i="0" u="none" strike="noStrike" cap="none" normalizeH="0" baseline="0">
-                  <a:ln>
-                    <a:noFill/>
-                  </a:ln>
-                  <a:solidFill>
-                    <a:srgbClr val="6AAB73"/>
-                  </a:solidFill>
-                  <a:effectLst/>
-                  <a:latin typeface="+mj-lt"/>
-                  <a:ea typeface="微軟正黑體" panose="020B0604030504040204" pitchFamily="34" charset="-120"/>
-                  <a:cs typeface="JetBrains Mono" panose="02000009000000000000" pitchFamily="49" charset="0"/>
-                </a:rPr>
-                <a:t>沒有輸入任何東西</a:t>
-              </a:r>
-              <a:r>
-                <a:rPr kumimoji="0" lang="zh-TW" altLang="zh-TW" sz="1400" b="0" i="0" u="none" strike="noStrike" cap="none" normalizeH="0" baseline="0">
-                  <a:ln>
-                    <a:noFill/>
-                  </a:ln>
-                  <a:solidFill>
-                    <a:srgbClr val="6AAB73"/>
-                  </a:solidFill>
-                  <a:effectLst/>
-                  <a:latin typeface="+mj-lt"/>
-                  <a:cs typeface="JetBrains Mono" panose="02000009000000000000" pitchFamily="49" charset="0"/>
-                </a:rPr>
-                <a:t>"</a:t>
-              </a:r>
-              <a:r>
-                <a:rPr kumimoji="0" lang="zh-TW" altLang="zh-TW" sz="1400" b="0" i="0" u="none" strike="noStrike" cap="none" normalizeH="0" baseline="0">
-                  <a:ln>
-                    <a:noFill/>
-                  </a:ln>
-                  <a:solidFill>
-                    <a:srgbClr val="BCBEC4"/>
-                  </a:solidFill>
-                  <a:effectLst/>
-                  <a:latin typeface="+mj-lt"/>
-                  <a:cs typeface="JetBrains Mono" panose="02000009000000000000" pitchFamily="49" charset="0"/>
-                </a:rPr>
-                <a:t>;</a:t>
-              </a:r>
-              <a:br>
-                <a:rPr kumimoji="0" lang="zh-TW" altLang="zh-TW" sz="1400" b="0" i="0" u="none" strike="noStrike" cap="none" normalizeH="0" baseline="0">
-                  <a:ln>
-                    <a:noFill/>
-                  </a:ln>
-                  <a:solidFill>
-                    <a:srgbClr val="BCBEC4"/>
-                  </a:solidFill>
-                  <a:effectLst/>
-                  <a:latin typeface="+mj-lt"/>
-                  <a:cs typeface="JetBrains Mono" panose="02000009000000000000" pitchFamily="49" charset="0"/>
-                </a:rPr>
-              </a:br>
-              <a:r>
-                <a:rPr kumimoji="0" lang="zh-TW" altLang="zh-TW" sz="1400" b="0" i="0" u="none" strike="noStrike" cap="none" normalizeH="0" baseline="0">
-                  <a:ln>
-                    <a:noFill/>
-                  </a:ln>
-                  <a:solidFill>
-                    <a:srgbClr val="BCBEC4"/>
-                  </a:solidFill>
-                  <a:effectLst/>
-                  <a:latin typeface="+mj-lt"/>
-                  <a:cs typeface="JetBrains Mono" panose="02000009000000000000" pitchFamily="49" charset="0"/>
-                </a:rPr>
-                <a:t>                </a:t>
-              </a:r>
-              <a:r>
-                <a:rPr kumimoji="0" lang="zh-TW" altLang="zh-TW" sz="1400" b="0" i="0" u="none" strike="noStrike" cap="none" normalizeH="0" baseline="0">
-                  <a:ln>
-                    <a:noFill/>
-                  </a:ln>
-                  <a:solidFill>
-                    <a:srgbClr val="CF8E6D"/>
-                  </a:solidFill>
-                  <a:effectLst/>
-                  <a:latin typeface="+mj-lt"/>
-                  <a:cs typeface="JetBrains Mono" panose="02000009000000000000" pitchFamily="49" charset="0"/>
-                </a:rPr>
-                <a:t>yield </a:t>
-              </a:r>
-              <a:r>
-                <a:rPr kumimoji="0" lang="zh-TW" altLang="zh-TW" sz="1400" b="0" i="0" u="none" strike="noStrike" cap="none" normalizeH="0" baseline="0">
-                  <a:ln>
-                    <a:noFill/>
-                  </a:ln>
-                  <a:solidFill>
-                    <a:srgbClr val="6AAB73"/>
-                  </a:solidFill>
-                  <a:effectLst/>
-                  <a:latin typeface="+mj-lt"/>
-                  <a:cs typeface="JetBrains Mono" panose="02000009000000000000" pitchFamily="49" charset="0"/>
-                </a:rPr>
-                <a:t>"</a:t>
-              </a:r>
-              <a:r>
-                <a:rPr kumimoji="0" lang="zh-TW" altLang="zh-TW" sz="1400" b="0" i="0" u="none" strike="noStrike" cap="none" normalizeH="0" baseline="0">
-                  <a:ln>
-                    <a:noFill/>
-                  </a:ln>
-                  <a:solidFill>
-                    <a:srgbClr val="6AAB73"/>
-                  </a:solidFill>
-                  <a:effectLst/>
-                  <a:latin typeface="+mj-lt"/>
-                  <a:ea typeface="微軟正黑體" panose="020B0604030504040204" pitchFamily="34" charset="-120"/>
-                  <a:cs typeface="JetBrains Mono" panose="02000009000000000000" pitchFamily="49" charset="0"/>
-                </a:rPr>
-                <a:t>我不知道下一句是什麼</a:t>
-              </a:r>
-              <a:r>
-                <a:rPr kumimoji="0" lang="zh-TW" altLang="zh-TW" sz="1400" b="0" i="0" u="none" strike="noStrike" cap="none" normalizeH="0" baseline="0">
-                  <a:ln>
-                    <a:noFill/>
-                  </a:ln>
-                  <a:solidFill>
-                    <a:srgbClr val="6AAB73"/>
-                  </a:solidFill>
-                  <a:effectLst/>
-                  <a:latin typeface="+mj-lt"/>
-                  <a:cs typeface="JetBrains Mono" panose="02000009000000000000" pitchFamily="49" charset="0"/>
-                </a:rPr>
-                <a:t>"</a:t>
-              </a:r>
-              <a:r>
-                <a:rPr kumimoji="0" lang="zh-TW" altLang="zh-TW" sz="1400" b="0" i="0" u="none" strike="noStrike" cap="none" normalizeH="0" baseline="0">
-                  <a:ln>
-                    <a:noFill/>
-                  </a:ln>
-                  <a:solidFill>
-                    <a:srgbClr val="BCBEC4"/>
-                  </a:solidFill>
-                  <a:effectLst/>
-                  <a:latin typeface="+mj-lt"/>
-                  <a:cs typeface="JetBrains Mono" panose="02000009000000000000" pitchFamily="49" charset="0"/>
-                </a:rPr>
-                <a:t>;</a:t>
-              </a:r>
-              <a:br>
-                <a:rPr kumimoji="0" lang="zh-TW" altLang="zh-TW" sz="1400" b="0" i="0" u="none" strike="noStrike" cap="none" normalizeH="0" baseline="0">
-                  <a:ln>
-                    <a:noFill/>
-                  </a:ln>
-                  <a:solidFill>
-                    <a:srgbClr val="BCBEC4"/>
-                  </a:solidFill>
-                  <a:effectLst/>
-                  <a:latin typeface="+mj-lt"/>
-                  <a:cs typeface="JetBrains Mono" panose="02000009000000000000" pitchFamily="49" charset="0"/>
-                </a:rPr>
-              </a:br>
-              <a:r>
-                <a:rPr kumimoji="0" lang="zh-TW" altLang="zh-TW" sz="1400" b="0" i="0" u="none" strike="noStrike" cap="none" normalizeH="0" baseline="0">
-                  <a:ln>
-                    <a:noFill/>
-                  </a:ln>
-                  <a:solidFill>
-                    <a:srgbClr val="BCBEC4"/>
-                  </a:solidFill>
-                  <a:effectLst/>
-                  <a:latin typeface="+mj-lt"/>
-                  <a:cs typeface="JetBrains Mono" panose="02000009000000000000" pitchFamily="49" charset="0"/>
-                </a:rPr>
-                <a:t>            }</a:t>
-              </a:r>
-              <a:br>
-                <a:rPr kumimoji="0" lang="zh-TW" altLang="zh-TW" sz="1400" b="0" i="0" u="none" strike="noStrike" cap="none" normalizeH="0" baseline="0">
-                  <a:ln>
-                    <a:noFill/>
-                  </a:ln>
-                  <a:solidFill>
-                    <a:srgbClr val="BCBEC4"/>
-                  </a:solidFill>
-                  <a:effectLst/>
-                  <a:latin typeface="+mj-lt"/>
-                  <a:cs typeface="JetBrains Mono" panose="02000009000000000000" pitchFamily="49" charset="0"/>
-                </a:rPr>
-              </a:br>
-              <a:r>
-                <a:rPr kumimoji="0" lang="zh-TW" altLang="zh-TW" sz="1400" b="0" i="0" u="none" strike="noStrike" cap="none" normalizeH="0" baseline="0">
-                  <a:ln>
-                    <a:noFill/>
-                  </a:ln>
-                  <a:solidFill>
-                    <a:srgbClr val="BCBEC4"/>
-                  </a:solidFill>
-                  <a:effectLst/>
-                  <a:latin typeface="+mj-lt"/>
-                  <a:cs typeface="JetBrains Mono" panose="02000009000000000000" pitchFamily="49" charset="0"/>
-                </a:rPr>
-                <a:t>        };</a:t>
-              </a:r>
-              <a:br>
-                <a:rPr kumimoji="0" lang="zh-TW" altLang="zh-TW" sz="1400" b="0" i="0" u="none" strike="noStrike" cap="none" normalizeH="0" baseline="0">
-                  <a:ln>
-                    <a:noFill/>
-                  </a:ln>
-                  <a:solidFill>
-                    <a:srgbClr val="BCBEC4"/>
-                  </a:solidFill>
-                  <a:effectLst/>
-                  <a:latin typeface="+mj-lt"/>
-                  <a:cs typeface="JetBrains Mono" panose="02000009000000000000" pitchFamily="49" charset="0"/>
-                </a:rPr>
-              </a:br>
-              <a:r>
-                <a:rPr kumimoji="0" lang="zh-TW" altLang="zh-TW" sz="1400" b="0" i="0" u="none" strike="noStrike" cap="none" normalizeH="0" baseline="0">
-                  <a:ln>
-                    <a:noFill/>
-                  </a:ln>
-                  <a:solidFill>
-                    <a:srgbClr val="BCBEC4"/>
-                  </a:solidFill>
-                  <a:effectLst/>
-                  <a:latin typeface="+mj-lt"/>
-                  <a:cs typeface="JetBrains Mono" panose="02000009000000000000" pitchFamily="49" charset="0"/>
-                </a:rPr>
-                <a:t>        System.</a:t>
-              </a:r>
-              <a:r>
-                <a:rPr kumimoji="0" lang="zh-TW" altLang="zh-TW" sz="1400" b="0" i="1" u="none" strike="noStrike" cap="none" normalizeH="0" baseline="0">
-                  <a:ln>
-                    <a:noFill/>
-                  </a:ln>
-                  <a:solidFill>
-                    <a:srgbClr val="C77DBB"/>
-                  </a:solidFill>
-                  <a:effectLst/>
-                  <a:latin typeface="+mj-lt"/>
-                  <a:cs typeface="JetBrains Mono" panose="02000009000000000000" pitchFamily="49" charset="0"/>
-                </a:rPr>
-                <a:t>out</a:t>
-              </a:r>
-              <a:r>
-                <a:rPr kumimoji="0" lang="zh-TW" altLang="zh-TW" sz="1400" b="0" i="0" u="none" strike="noStrike" cap="none" normalizeH="0" baseline="0">
-                  <a:ln>
-                    <a:noFill/>
-                  </a:ln>
-                  <a:solidFill>
-                    <a:srgbClr val="BCBEC4"/>
-                  </a:solidFill>
-                  <a:effectLst/>
-                  <a:latin typeface="+mj-lt"/>
-                  <a:cs typeface="JetBrains Mono" panose="02000009000000000000" pitchFamily="49" charset="0"/>
-                </a:rPr>
-                <a:t>.println(output);</a:t>
-              </a:r>
-              <a:br>
-                <a:rPr kumimoji="0" lang="zh-TW" altLang="zh-TW" sz="1400" b="0" i="0" u="none" strike="noStrike" cap="none" normalizeH="0" baseline="0">
-                  <a:ln>
-                    <a:noFill/>
-                  </a:ln>
-                  <a:solidFill>
-                    <a:srgbClr val="BCBEC4"/>
-                  </a:solidFill>
-                  <a:effectLst/>
-                  <a:latin typeface="+mj-lt"/>
-                  <a:cs typeface="JetBrains Mono" panose="02000009000000000000" pitchFamily="49" charset="0"/>
-                </a:rPr>
-              </a:br>
-              <a:r>
-                <a:rPr kumimoji="0" lang="zh-TW" altLang="zh-TW" sz="1400" b="0" i="0" u="none" strike="noStrike" cap="none" normalizeH="0" baseline="0">
-                  <a:ln>
-                    <a:noFill/>
-                  </a:ln>
-                  <a:solidFill>
-                    <a:srgbClr val="BCBEC4"/>
-                  </a:solidFill>
-                  <a:effectLst/>
-                  <a:latin typeface="+mj-lt"/>
-                  <a:cs typeface="JetBrains Mono" panose="02000009000000000000" pitchFamily="49" charset="0"/>
-                </a:rPr>
-                <a:t>    }</a:t>
-              </a:r>
-              <a:br>
-                <a:rPr kumimoji="0" lang="zh-TW" altLang="zh-TW" sz="1400" b="0" i="0" u="none" strike="noStrike" cap="none" normalizeH="0" baseline="0">
-                  <a:ln>
-                    <a:noFill/>
-                  </a:ln>
-                  <a:solidFill>
-                    <a:srgbClr val="BCBEC4"/>
-                  </a:solidFill>
-                  <a:effectLst/>
-                  <a:latin typeface="+mj-lt"/>
-                  <a:cs typeface="JetBrains Mono" panose="02000009000000000000" pitchFamily="49" charset="0"/>
-                </a:rPr>
-              </a:br>
-              <a:r>
-                <a:rPr kumimoji="0" lang="zh-TW" altLang="zh-TW" sz="1400" b="0" i="0" u="none" strike="noStrike" cap="none" normalizeH="0" baseline="0">
-                  <a:ln>
-                    <a:noFill/>
-                  </a:ln>
-                  <a:solidFill>
-                    <a:srgbClr val="BCBEC4"/>
-                  </a:solidFill>
-                  <a:effectLst/>
-                  <a:latin typeface="+mj-lt"/>
-                  <a:cs typeface="JetBrains Mono" panose="02000009000000000000" pitchFamily="49" charset="0"/>
-                </a:rPr>
-                <a:t>}</a:t>
-              </a:r>
-              <a:endParaRPr kumimoji="0" lang="zh-TW" altLang="zh-TW" sz="2400" b="0" i="0" u="none" strike="noStrike" cap="none" normalizeH="0" baseline="0">
-                <a:ln>
-                  <a:noFill/>
-                </a:ln>
-                <a:solidFill>
-                  <a:schemeClr val="tx1"/>
-                </a:solidFill>
-                <a:effectLst/>
-                <a:latin typeface="+mj-lt"/>
-              </a:endParaRPr>
-            </a:p>
-          </p:txBody>
-        </p:sp>
-        <p:sp>
-          <p:nvSpPr>
-            <p:cNvPr id="24" name="文字方塊 23">
-              <a:extLst>
-                <a:ext uri="{FF2B5EF4-FFF2-40B4-BE49-F238E27FC236}">
-                  <a16:creationId xmlns:a16="http://schemas.microsoft.com/office/drawing/2014/main" id="{E26CFA82-E5B1-49BD-A888-F42CEC389792}"/>
-                </a:ext>
-              </a:extLst>
-            </p:cNvPr>
-            <p:cNvSpPr txBox="1"/>
-            <p:nvPr/>
-          </p:nvSpPr>
-          <p:spPr>
-            <a:xfrm>
-              <a:off x="10771587" y="6186489"/>
-              <a:ext cx="582211" cy="307777"/>
-            </a:xfrm>
-            <a:prstGeom prst="rect">
-              <a:avLst/>
-            </a:prstGeom>
-            <a:noFill/>
-          </p:spPr>
-          <p:txBody>
-            <a:bodyPr wrap="none" rtlCol="0">
-              <a:spAutoFit/>
-            </a:bodyPr>
-            <a:lstStyle/>
-            <a:p>
-              <a:r>
-                <a:rPr lang="en-US" altLang="zh-TW" sz="1400">
-                  <a:solidFill>
-                    <a:schemeClr val="accent3"/>
-                  </a:solidFill>
-                </a:rPr>
-                <a:t>java</a:t>
-              </a:r>
-              <a:endParaRPr lang="zh-TW" altLang="en-US" sz="1400">
-                <a:solidFill>
-                  <a:schemeClr val="accent3"/>
-                </a:solidFill>
-              </a:endParaRPr>
-            </a:p>
-          </p:txBody>
-        </p:sp>
-        <p:pic>
-          <p:nvPicPr>
-            <p:cNvPr id="25" name="圖片 24">
-              <a:hlinkClick r:id="rId2"/>
-              <a:extLst>
-                <a:ext uri="{FF2B5EF4-FFF2-40B4-BE49-F238E27FC236}">
-                  <a16:creationId xmlns:a16="http://schemas.microsoft.com/office/drawing/2014/main" id="{4868122B-B178-49BC-B0EB-9F1D23C50AD8}"/>
-                </a:ext>
-              </a:extLst>
-            </p:cNvPr>
-            <p:cNvPicPr>
-              <a:picLocks noChangeAspect="1"/>
-            </p:cNvPicPr>
-            <p:nvPr/>
-          </p:nvPicPr>
-          <p:blipFill>
-            <a:blip r:embed="rId3">
-              <a:extLst>
-                <a:ext uri="{28A0092B-C50C-407E-A947-70E740481C1C}">
-                  <a14:useLocalDpi xmlns:a14="http://schemas.microsoft.com/office/drawing/2010/main" val="0"/>
-                </a:ext>
-              </a:extLst>
-            </a:blip>
-            <a:stretch>
-              <a:fillRect/>
-            </a:stretch>
-          </p:blipFill>
-          <p:spPr>
-            <a:xfrm>
-              <a:off x="10910046" y="2308505"/>
-              <a:ext cx="443752" cy="434104"/>
-            </a:xfrm>
-            <a:prstGeom prst="rect">
-              <a:avLst/>
-            </a:prstGeom>
-          </p:spPr>
-        </p:pic>
-      </p:grpSp>
-      <p:sp>
-        <p:nvSpPr>
-          <p:cNvPr id="2" name="標題 1">
-            <a:extLst>
-              <a:ext uri="{FF2B5EF4-FFF2-40B4-BE49-F238E27FC236}">
-                <a16:creationId xmlns:a16="http://schemas.microsoft.com/office/drawing/2014/main" id="{90A60615-CE6D-4DF4-9697-7C8E545BB125}"/>
-              </a:ext>
-            </a:extLst>
-          </p:cNvPr>
-          <p:cNvSpPr>
-            <a:spLocks noGrp="1"/>
-          </p:cNvSpPr>
-          <p:nvPr>
-            <p:ph type="title"/>
-          </p:nvPr>
-        </p:nvSpPr>
-        <p:spPr>
-          <a:xfrm>
-            <a:off x="838200" y="0"/>
-            <a:ext cx="10515600" cy="1325563"/>
-          </a:xfrm>
-        </p:spPr>
-        <p:txBody>
-          <a:bodyPr/>
-          <a:lstStyle/>
-          <a:p>
-            <a:r>
-              <a:rPr lang="en-US" altLang="zh-TW"/>
-              <a:t>switch</a:t>
-            </a:r>
-            <a:r>
-              <a:rPr lang="zh-TW" altLang="en-US"/>
-              <a:t> 表達式</a:t>
-            </a:r>
-          </a:p>
-        </p:txBody>
-      </p:sp>
-      <p:sp>
-        <p:nvSpPr>
-          <p:cNvPr id="3" name="內容版面配置區 2">
-            <a:extLst>
-              <a:ext uri="{FF2B5EF4-FFF2-40B4-BE49-F238E27FC236}">
-                <a16:creationId xmlns:a16="http://schemas.microsoft.com/office/drawing/2014/main" id="{46903C0E-EB15-432F-802E-AC47594F0328}"/>
-              </a:ext>
-            </a:extLst>
-          </p:cNvPr>
-          <p:cNvSpPr>
-            <a:spLocks noGrp="1"/>
-          </p:cNvSpPr>
-          <p:nvPr>
-            <p:ph idx="1"/>
-          </p:nvPr>
-        </p:nvSpPr>
-        <p:spPr>
-          <a:xfrm>
-            <a:off x="582706" y="982942"/>
-            <a:ext cx="10771094" cy="1401669"/>
-          </a:xfrm>
-        </p:spPr>
-        <p:txBody>
-          <a:bodyPr>
-            <a:normAutofit/>
-          </a:bodyPr>
-          <a:lstStyle/>
-          <a:p>
-            <a:r>
-              <a:rPr lang="en-US" altLang="zh-TW" sz="2400"/>
-              <a:t>Java 14 </a:t>
-            </a:r>
-            <a:r>
-              <a:rPr lang="zh-TW" altLang="en-US" sz="2400"/>
-              <a:t>加入了 </a:t>
-            </a:r>
-            <a:r>
-              <a:rPr lang="en-US" altLang="zh-TW" sz="2400">
-                <a:solidFill>
-                  <a:srgbClr val="CF8E6D"/>
-                </a:solidFill>
-              </a:rPr>
-              <a:t>switch</a:t>
-            </a:r>
-            <a:r>
-              <a:rPr lang="zh-TW" altLang="en-US" sz="2400">
-                <a:solidFill>
-                  <a:srgbClr val="CF8E6D"/>
-                </a:solidFill>
-              </a:rPr>
-              <a:t> </a:t>
-            </a:r>
-            <a:r>
-              <a:rPr lang="zh-TW" altLang="en-US" sz="2400"/>
-              <a:t>表達式，格式與 </a:t>
-            </a:r>
-            <a:r>
-              <a:rPr lang="en-US" altLang="zh-TW" sz="2400">
-                <a:solidFill>
-                  <a:srgbClr val="CF8E6D"/>
-                </a:solidFill>
-              </a:rPr>
-              <a:t>switch</a:t>
-            </a:r>
-            <a:r>
-              <a:rPr lang="en-US" altLang="zh-TW" sz="2400"/>
-              <a:t> </a:t>
-            </a:r>
-            <a:r>
-              <a:rPr lang="zh-TW" altLang="en-US" sz="2400"/>
-              <a:t>陳述式幾乎相同</a:t>
-            </a:r>
-            <a:endParaRPr lang="en-US" altLang="zh-TW" sz="2400"/>
-          </a:p>
-          <a:p>
-            <a:r>
-              <a:rPr lang="zh-TW" altLang="en-US" sz="2400"/>
-              <a:t>但一定需要有 </a:t>
-            </a:r>
-            <a:r>
-              <a:rPr lang="en-US" altLang="zh-TW" sz="2400">
-                <a:solidFill>
-                  <a:srgbClr val="CF8E6D"/>
-                </a:solidFill>
-              </a:rPr>
-              <a:t>default</a:t>
-            </a:r>
-            <a:r>
-              <a:rPr lang="zh-TW" altLang="en-US" sz="2400"/>
-              <a:t>，且 </a:t>
-            </a:r>
-            <a:r>
-              <a:rPr lang="en-US" altLang="zh-TW" sz="2400">
-                <a:solidFill>
-                  <a:srgbClr val="00B0F0"/>
-                </a:solidFill>
-              </a:rPr>
-              <a:t>"-&gt;"</a:t>
-            </a:r>
-            <a:r>
-              <a:rPr lang="en-US" altLang="zh-TW" sz="2400"/>
-              <a:t> </a:t>
-            </a:r>
-            <a:r>
-              <a:rPr lang="zh-TW" altLang="en-US" sz="2400"/>
-              <a:t>後方是要回傳的值，並且回傳值後須加分號</a:t>
-            </a:r>
-            <a:endParaRPr lang="en-US" altLang="zh-TW" sz="2400"/>
-          </a:p>
-          <a:p>
-            <a:r>
-              <a:rPr lang="zh-TW" altLang="en-US" sz="2400"/>
-              <a:t>而且若使用冒號或是區塊，需使用 </a:t>
-            </a:r>
-            <a:r>
-              <a:rPr lang="en-US" altLang="zh-TW" sz="2400">
-                <a:solidFill>
-                  <a:srgbClr val="CF8E6D"/>
-                </a:solidFill>
-              </a:rPr>
-              <a:t>yield </a:t>
-            </a:r>
-            <a:r>
-              <a:rPr lang="zh-TW" altLang="en-US" sz="2400"/>
-              <a:t>來回傳值，並且會終止 </a:t>
-            </a:r>
-            <a:r>
-              <a:rPr lang="en-US" altLang="zh-TW" sz="2400">
-                <a:solidFill>
-                  <a:srgbClr val="CF8E6D"/>
-                </a:solidFill>
-              </a:rPr>
-              <a:t>switch</a:t>
-            </a:r>
-            <a:endParaRPr lang="zh-TW" altLang="en-US" sz="2400">
-              <a:solidFill>
-                <a:srgbClr val="CF8E6D"/>
-              </a:solidFill>
-            </a:endParaRPr>
-          </a:p>
-        </p:txBody>
-      </p:sp>
-      <p:grpSp>
-        <p:nvGrpSpPr>
-          <p:cNvPr id="6" name="群組 5">
-            <a:extLst>
-              <a:ext uri="{FF2B5EF4-FFF2-40B4-BE49-F238E27FC236}">
-                <a16:creationId xmlns:a16="http://schemas.microsoft.com/office/drawing/2014/main" id="{D3677C19-1C89-486A-8F03-472BB90F9FED}"/>
-              </a:ext>
-            </a:extLst>
-          </p:cNvPr>
-          <p:cNvGrpSpPr/>
-          <p:nvPr/>
-        </p:nvGrpSpPr>
-        <p:grpSpPr>
-          <a:xfrm>
-            <a:off x="8068234" y="3326747"/>
-            <a:ext cx="3285565" cy="646331"/>
-            <a:chOff x="8440269" y="5723751"/>
-            <a:chExt cx="3285565" cy="646331"/>
-          </a:xfrm>
-        </p:grpSpPr>
-        <p:sp>
-          <p:nvSpPr>
-            <p:cNvPr id="7" name="Rectangle 1">
-              <a:extLst>
-                <a:ext uri="{FF2B5EF4-FFF2-40B4-BE49-F238E27FC236}">
-                  <a16:creationId xmlns:a16="http://schemas.microsoft.com/office/drawing/2014/main" id="{540017EB-219B-4192-B3F5-B49C0DD3EC7C}"/>
-                </a:ext>
-              </a:extLst>
-            </p:cNvPr>
-            <p:cNvSpPr>
-              <a:spLocks noChangeArrowheads="1"/>
-            </p:cNvSpPr>
-            <p:nvPr/>
-          </p:nvSpPr>
-          <p:spPr bwMode="auto">
-            <a:xfrm>
-              <a:off x="8440269" y="5723751"/>
-              <a:ext cx="3285565" cy="646331"/>
-            </a:xfrm>
-            <a:prstGeom prst="rect">
-              <a:avLst/>
-            </a:prstGeom>
-            <a:solidFill>
-              <a:srgbClr val="1E1F22"/>
-            </a:solidFill>
-            <a:ln w="12700">
-              <a:solidFill>
-                <a:schemeClr val="tx1"/>
-              </a:solidFill>
-              <a:miter lim="800000"/>
-              <a:headEnd/>
-              <a:tailEnd/>
-            </a:ln>
-            <a:effectLst/>
-            <a:extLst>
-              <a:ext uri="{AF507438-7753-43E0-B8FC-AC1667EBCBE1}">
-                <a14:hiddenEffects xmlns:a14="http://schemas.microsoft.com/office/drawing/2010/main">
-                  <a:effectLst>
-                    <a:outerShdw dist="35921" dir="2700000" algn="ctr" rotWithShape="0">
-                      <a:schemeClr val="bg2"/>
-                    </a:outerShdw>
-                  </a:effectLst>
-                </a14:hiddenEffects>
-              </a:ext>
-            </a:extLst>
-          </p:spPr>
-          <p:txBody>
-            <a:bodyPr vert="horz" wrap="square" lIns="91440" tIns="45720" rIns="91440" bIns="45720" numCol="1" anchor="ctr" anchorCtr="0" compatLnSpc="1">
-              <a:prstTxWarp prst="textNoShape">
-                <a:avLst/>
-              </a:prstTxWarp>
-              <a:spAutoFit/>
-            </a:bodyPr>
-            <a:lstStyle/>
-            <a:p>
-              <a:pPr marL="0" marR="0" lvl="0" indent="0" algn="l" defTabSz="914400" rtl="0" eaLnBrk="0" fontAlgn="base" latinLnBrk="0" hangingPunct="0">
-                <a:lnSpc>
-                  <a:spcPct val="100000"/>
-                </a:lnSpc>
-                <a:spcBef>
-                  <a:spcPct val="0"/>
-                </a:spcBef>
-                <a:spcAft>
-                  <a:spcPct val="0"/>
-                </a:spcAft>
-                <a:buClrTx/>
-                <a:buSzTx/>
-                <a:buFontTx/>
-                <a:buNone/>
-                <a:tabLst/>
-              </a:pPr>
-              <a:r>
-                <a:rPr lang="zh-TW" altLang="en-US">
-                  <a:solidFill>
-                    <a:srgbClr val="92D050"/>
-                  </a:solidFill>
-                  <a:latin typeface="+mj-lt"/>
-                  <a:cs typeface="JetBrains Mono" panose="02000009000000000000" pitchFamily="49" charset="0"/>
-                </a:rPr>
-                <a:t>現在是星期五晚上</a:t>
-              </a:r>
-              <a:endParaRPr lang="en-US" altLang="zh-TW">
-                <a:solidFill>
-                  <a:srgbClr val="92D050"/>
-                </a:solidFill>
-                <a:latin typeface="+mj-lt"/>
-                <a:cs typeface="JetBrains Mono" panose="02000009000000000000" pitchFamily="49" charset="0"/>
-              </a:endParaRPr>
-            </a:p>
-            <a:p>
-              <a:pPr marL="0" marR="0" lvl="0" indent="0" algn="l" defTabSz="914400" rtl="0" eaLnBrk="0" fontAlgn="base" latinLnBrk="0" hangingPunct="0">
-                <a:lnSpc>
-                  <a:spcPct val="100000"/>
-                </a:lnSpc>
-                <a:spcBef>
-                  <a:spcPct val="0"/>
-                </a:spcBef>
-                <a:spcAft>
-                  <a:spcPct val="0"/>
-                </a:spcAft>
-                <a:buClrTx/>
-                <a:buSzTx/>
-                <a:buFontTx/>
-                <a:buNone/>
-                <a:tabLst/>
-              </a:pPr>
-              <a:r>
-                <a:rPr lang="zh-TW" altLang="en-US">
-                  <a:solidFill>
-                    <a:srgbClr val="BCBEC4"/>
-                  </a:solidFill>
-                  <a:latin typeface="+mj-lt"/>
-                  <a:cs typeface="JetBrains Mono" panose="02000009000000000000" pitchFamily="49" charset="0"/>
-                </a:rPr>
-                <a:t>我不知道下一句是什麼</a:t>
-              </a:r>
-            </a:p>
-          </p:txBody>
-        </p:sp>
-        <p:sp>
-          <p:nvSpPr>
-            <p:cNvPr id="8" name="文字方塊 7">
-              <a:extLst>
-                <a:ext uri="{FF2B5EF4-FFF2-40B4-BE49-F238E27FC236}">
-                  <a16:creationId xmlns:a16="http://schemas.microsoft.com/office/drawing/2014/main" id="{FF7CBD1B-3CC3-494F-BA10-B2C9C967D79D}"/>
-                </a:ext>
-              </a:extLst>
-            </p:cNvPr>
-            <p:cNvSpPr txBox="1"/>
-            <p:nvPr/>
-          </p:nvSpPr>
-          <p:spPr>
-            <a:xfrm>
-              <a:off x="10845465" y="6062305"/>
-              <a:ext cx="880369" cy="307777"/>
-            </a:xfrm>
-            <a:prstGeom prst="rect">
-              <a:avLst/>
-            </a:prstGeom>
-            <a:noFill/>
-          </p:spPr>
-          <p:txBody>
-            <a:bodyPr wrap="none" rtlCol="0">
-              <a:spAutoFit/>
-            </a:bodyPr>
-            <a:lstStyle/>
-            <a:p>
-              <a:r>
-                <a:rPr lang="en-US" altLang="zh-TW" sz="1400">
-                  <a:solidFill>
-                    <a:schemeClr val="accent3"/>
-                  </a:solidFill>
-                </a:rPr>
-                <a:t>console</a:t>
-              </a:r>
-            </a:p>
-          </p:txBody>
-        </p:sp>
-      </p:grpSp>
-      <p:grpSp>
-        <p:nvGrpSpPr>
-          <p:cNvPr id="21" name="群組 20">
-            <a:extLst>
-              <a:ext uri="{FF2B5EF4-FFF2-40B4-BE49-F238E27FC236}">
-                <a16:creationId xmlns:a16="http://schemas.microsoft.com/office/drawing/2014/main" id="{BD7275FE-295E-47A1-A62F-9A7499408AD0}"/>
-              </a:ext>
-            </a:extLst>
-          </p:cNvPr>
-          <p:cNvGrpSpPr/>
-          <p:nvPr/>
-        </p:nvGrpSpPr>
-        <p:grpSpPr>
-          <a:xfrm>
-            <a:off x="8068234" y="4956020"/>
-            <a:ext cx="3285566" cy="646331"/>
-            <a:chOff x="8440269" y="5723751"/>
-            <a:chExt cx="3285566" cy="646331"/>
-          </a:xfrm>
-        </p:grpSpPr>
-        <p:sp>
-          <p:nvSpPr>
-            <p:cNvPr id="22" name="Rectangle 1">
-              <a:extLst>
-                <a:ext uri="{FF2B5EF4-FFF2-40B4-BE49-F238E27FC236}">
-                  <a16:creationId xmlns:a16="http://schemas.microsoft.com/office/drawing/2014/main" id="{C93BF6B6-BCAE-4944-96B6-D7411E57808D}"/>
-                </a:ext>
-              </a:extLst>
-            </p:cNvPr>
-            <p:cNvSpPr>
-              <a:spLocks noChangeArrowheads="1"/>
-            </p:cNvSpPr>
-            <p:nvPr/>
-          </p:nvSpPr>
-          <p:spPr bwMode="auto">
-            <a:xfrm>
-              <a:off x="8440269" y="5723751"/>
-              <a:ext cx="3285566" cy="646331"/>
-            </a:xfrm>
-            <a:prstGeom prst="rect">
-              <a:avLst/>
-            </a:prstGeom>
-            <a:solidFill>
-              <a:srgbClr val="1E1F22"/>
-            </a:solidFill>
-            <a:ln w="12700">
-              <a:solidFill>
-                <a:schemeClr val="tx1"/>
-              </a:solidFill>
-              <a:miter lim="800000"/>
-              <a:headEnd/>
-              <a:tailEnd/>
-            </a:ln>
-            <a:effectLst/>
-            <a:extLst>
-              <a:ext uri="{AF507438-7753-43E0-B8FC-AC1667EBCBE1}">
-                <a14:hiddenEffects xmlns:a14="http://schemas.microsoft.com/office/drawing/2010/main">
-                  <a:effectLst>
-                    <a:outerShdw dist="35921" dir="2700000" algn="ctr" rotWithShape="0">
-                      <a:schemeClr val="bg2"/>
-                    </a:outerShdw>
-                  </a:effectLst>
-                </a14:hiddenEffects>
-              </a:ext>
-            </a:extLst>
-          </p:spPr>
-          <p:txBody>
-            <a:bodyPr vert="horz" wrap="square" lIns="91440" tIns="45720" rIns="91440" bIns="45720" numCol="1" anchor="ctr" anchorCtr="0" compatLnSpc="1">
-              <a:prstTxWarp prst="textNoShape">
-                <a:avLst/>
-              </a:prstTxWarp>
-              <a:spAutoFit/>
-            </a:bodyPr>
-            <a:lstStyle/>
-            <a:p>
-              <a:pPr marL="0" marR="0" lvl="0" indent="0" algn="l" defTabSz="914400" rtl="0" eaLnBrk="0" fontAlgn="base" latinLnBrk="0" hangingPunct="0">
-                <a:lnSpc>
-                  <a:spcPct val="100000"/>
-                </a:lnSpc>
-                <a:spcBef>
-                  <a:spcPct val="0"/>
-                </a:spcBef>
-                <a:spcAft>
-                  <a:spcPct val="0"/>
-                </a:spcAft>
-                <a:buClrTx/>
-                <a:buSzTx/>
-                <a:buFontTx/>
-                <a:buNone/>
-                <a:tabLst/>
-              </a:pPr>
-              <a:endParaRPr lang="en-US" altLang="zh-TW">
-                <a:solidFill>
-                  <a:srgbClr val="BCBEC4"/>
-                </a:solidFill>
-                <a:latin typeface="+mj-lt"/>
-                <a:cs typeface="JetBrains Mono" panose="02000009000000000000" pitchFamily="49" charset="0"/>
-              </a:endParaRPr>
-            </a:p>
-            <a:p>
-              <a:pPr marL="0" marR="0" lvl="0" indent="0" algn="l" defTabSz="914400" rtl="0" eaLnBrk="0" fontAlgn="base" latinLnBrk="0" hangingPunct="0">
-                <a:lnSpc>
-                  <a:spcPct val="100000"/>
-                </a:lnSpc>
-                <a:spcBef>
-                  <a:spcPct val="0"/>
-                </a:spcBef>
-                <a:spcAft>
-                  <a:spcPct val="0"/>
-                </a:spcAft>
-                <a:buClrTx/>
-                <a:buSzTx/>
-                <a:buFontTx/>
-                <a:buNone/>
-                <a:tabLst/>
-              </a:pPr>
-              <a:r>
-                <a:rPr lang="zh-TW" altLang="en-US">
-                  <a:solidFill>
-                    <a:srgbClr val="BCBEC4"/>
-                  </a:solidFill>
-                  <a:latin typeface="+mj-lt"/>
-                  <a:cs typeface="JetBrains Mono" panose="02000009000000000000" pitchFamily="49" charset="0"/>
-                </a:rPr>
-                <a:t>沒有輸入任何東西</a:t>
-              </a:r>
-            </a:p>
-          </p:txBody>
-        </p:sp>
-        <p:sp>
-          <p:nvSpPr>
-            <p:cNvPr id="23" name="文字方塊 22">
-              <a:extLst>
-                <a:ext uri="{FF2B5EF4-FFF2-40B4-BE49-F238E27FC236}">
-                  <a16:creationId xmlns:a16="http://schemas.microsoft.com/office/drawing/2014/main" id="{16542E36-A672-4E46-B8CE-E33904139DBC}"/>
-                </a:ext>
-              </a:extLst>
-            </p:cNvPr>
-            <p:cNvSpPr txBox="1"/>
-            <p:nvPr/>
-          </p:nvSpPr>
-          <p:spPr>
-            <a:xfrm>
-              <a:off x="10845466" y="6062305"/>
-              <a:ext cx="880369" cy="307777"/>
-            </a:xfrm>
-            <a:prstGeom prst="rect">
-              <a:avLst/>
-            </a:prstGeom>
-            <a:noFill/>
-          </p:spPr>
-          <p:txBody>
-            <a:bodyPr wrap="none" rtlCol="0">
-              <a:spAutoFit/>
-            </a:bodyPr>
-            <a:lstStyle/>
-            <a:p>
-              <a:r>
-                <a:rPr lang="en-US" altLang="zh-TW" sz="1400">
-                  <a:solidFill>
-                    <a:schemeClr val="accent3"/>
-                  </a:solidFill>
-                </a:rPr>
-                <a:t>console</a:t>
-              </a:r>
-            </a:p>
-          </p:txBody>
-        </p:sp>
-      </p:grpSp>
-    </p:spTree>
-    <p:extLst>
-      <p:ext uri="{BB962C8B-B14F-4D97-AF65-F5344CB8AC3E}">
-        <p14:creationId xmlns:p14="http://schemas.microsoft.com/office/powerpoint/2010/main" val="1691638245"/>
       </p:ext>
     </p:extLst>
   </p:cSld>

--- a/ppt/06_流程控制.pptx
+++ b/ppt/06_流程控制.pptx
@@ -5,7 +5,7 @@
     <p:sldMasterId id="2147483673" r:id="rId1"/>
   </p:sldMasterIdLst>
   <p:notesMasterIdLst>
-    <p:notesMasterId r:id="rId27"/>
+    <p:notesMasterId r:id="rId28"/>
   </p:notesMasterIdLst>
   <p:sldIdLst>
     <p:sldId id="256" r:id="rId2"/>
@@ -13,26 +13,27 @@
     <p:sldId id="257" r:id="rId4"/>
     <p:sldId id="258" r:id="rId5"/>
     <p:sldId id="259" r:id="rId6"/>
-    <p:sldId id="261" r:id="rId7"/>
-    <p:sldId id="260" r:id="rId8"/>
-    <p:sldId id="263" r:id="rId9"/>
-    <p:sldId id="262" r:id="rId10"/>
-    <p:sldId id="264" r:id="rId11"/>
-    <p:sldId id="266" r:id="rId12"/>
-    <p:sldId id="265" r:id="rId13"/>
-    <p:sldId id="267" r:id="rId14"/>
-    <p:sldId id="278" r:id="rId15"/>
-    <p:sldId id="268" r:id="rId16"/>
-    <p:sldId id="270" r:id="rId17"/>
-    <p:sldId id="271" r:id="rId18"/>
-    <p:sldId id="269" r:id="rId19"/>
-    <p:sldId id="272" r:id="rId20"/>
-    <p:sldId id="277" r:id="rId21"/>
-    <p:sldId id="273" r:id="rId22"/>
-    <p:sldId id="274" r:id="rId23"/>
-    <p:sldId id="275" r:id="rId24"/>
-    <p:sldId id="276" r:id="rId25"/>
-    <p:sldId id="279" r:id="rId26"/>
+    <p:sldId id="312" r:id="rId7"/>
+    <p:sldId id="261" r:id="rId8"/>
+    <p:sldId id="260" r:id="rId9"/>
+    <p:sldId id="263" r:id="rId10"/>
+    <p:sldId id="262" r:id="rId11"/>
+    <p:sldId id="264" r:id="rId12"/>
+    <p:sldId id="266" r:id="rId13"/>
+    <p:sldId id="265" r:id="rId14"/>
+    <p:sldId id="267" r:id="rId15"/>
+    <p:sldId id="278" r:id="rId16"/>
+    <p:sldId id="268" r:id="rId17"/>
+    <p:sldId id="270" r:id="rId18"/>
+    <p:sldId id="271" r:id="rId19"/>
+    <p:sldId id="269" r:id="rId20"/>
+    <p:sldId id="272" r:id="rId21"/>
+    <p:sldId id="277" r:id="rId22"/>
+    <p:sldId id="273" r:id="rId23"/>
+    <p:sldId id="274" r:id="rId24"/>
+    <p:sldId id="275" r:id="rId25"/>
+    <p:sldId id="276" r:id="rId26"/>
+    <p:sldId id="279" r:id="rId27"/>
   </p:sldIdLst>
   <p:sldSz cx="12192000" cy="6858000"/>
   <p:notesSz cx="6858000" cy="9144000"/>
@@ -221,7 +222,7 @@
           <a:p>
             <a:fld id="{75B7B77E-BBE2-46C9-9A39-77F82475482F}" type="datetimeFigureOut">
               <a:rPr lang="zh-TW" altLang="en-US" smtClean="0"/>
-              <a:t>2024/10/18</a:t>
+              <a:t>2024/10/20</a:t>
             </a:fld>
             <a:endParaRPr lang="zh-TW" altLang="en-US"/>
           </a:p>
@@ -553,7 +554,7 @@
           <a:p>
             <a:fld id="{988EFFEF-EA9C-4C1F-9807-7CDA1443C457}" type="slidenum">
               <a:rPr lang="zh-TW" altLang="en-US" smtClean="0"/>
-              <a:t>25</a:t>
+              <a:t>26</a:t>
             </a:fld>
             <a:endParaRPr lang="zh-TW" altLang="en-US"/>
           </a:p>
@@ -2349,6 +2350,1733 @@
           <a:chExt cx="0" cy="0"/>
         </a:xfrm>
       </p:grpSpPr>
+      <p:sp>
+        <p:nvSpPr>
+          <p:cNvPr id="2" name="標題 1">
+            <a:extLst>
+              <a:ext uri="{FF2B5EF4-FFF2-40B4-BE49-F238E27FC236}">
+                <a16:creationId xmlns:a16="http://schemas.microsoft.com/office/drawing/2014/main" id="{147E18DF-9DB1-4B7D-97F2-06AC36469079}"/>
+              </a:ext>
+            </a:extLst>
+          </p:cNvPr>
+          <p:cNvSpPr>
+            <a:spLocks noGrp="1"/>
+          </p:cNvSpPr>
+          <p:nvPr>
+            <p:ph type="title"/>
+          </p:nvPr>
+        </p:nvSpPr>
+        <p:spPr>
+          <a:xfrm>
+            <a:off x="838200" y="-17463"/>
+            <a:ext cx="10515600" cy="1325563"/>
+          </a:xfrm>
+        </p:spPr>
+        <p:txBody>
+          <a:bodyPr/>
+          <a:lstStyle/>
+          <a:p>
+            <a:r>
+              <a:rPr lang="en-US" altLang="zh-TW"/>
+              <a:t>switch</a:t>
+            </a:r>
+            <a:r>
+              <a:rPr lang="zh-TW" altLang="en-US"/>
+              <a:t> 流程控制陳述式</a:t>
+            </a:r>
+          </a:p>
+        </p:txBody>
+      </p:sp>
+      <p:sp>
+        <p:nvSpPr>
+          <p:cNvPr id="3" name="內容版面配置區 2">
+            <a:extLst>
+              <a:ext uri="{FF2B5EF4-FFF2-40B4-BE49-F238E27FC236}">
+                <a16:creationId xmlns:a16="http://schemas.microsoft.com/office/drawing/2014/main" id="{1A884952-0D84-4BD3-864B-96751F05D5A9}"/>
+              </a:ext>
+            </a:extLst>
+          </p:cNvPr>
+          <p:cNvSpPr>
+            <a:spLocks noGrp="1"/>
+          </p:cNvSpPr>
+          <p:nvPr>
+            <p:ph idx="1"/>
+          </p:nvPr>
+        </p:nvSpPr>
+        <p:spPr>
+          <a:xfrm>
+            <a:off x="618564" y="1095019"/>
+            <a:ext cx="10954870" cy="2031431"/>
+          </a:xfrm>
+        </p:spPr>
+        <p:txBody>
+          <a:bodyPr>
+            <a:normAutofit/>
+          </a:bodyPr>
+          <a:lstStyle/>
+          <a:p>
+            <a:r>
+              <a:rPr lang="zh-TW" altLang="en-US"/>
+              <a:t>在 </a:t>
+            </a:r>
+            <a:r>
+              <a:rPr lang="en-US" altLang="zh-TW"/>
+              <a:t>Java 14 </a:t>
+            </a:r>
+            <a:r>
+              <a:rPr lang="zh-TW" altLang="en-US"/>
+              <a:t>中，</a:t>
+            </a:r>
+            <a:r>
+              <a:rPr lang="en-US" altLang="zh-TW">
+                <a:solidFill>
+                  <a:srgbClr val="CF8E6D"/>
+                </a:solidFill>
+              </a:rPr>
+              <a:t>switch</a:t>
+            </a:r>
+            <a:r>
+              <a:rPr lang="en-US" altLang="zh-TW"/>
+              <a:t> </a:t>
+            </a:r>
+            <a:r>
+              <a:rPr lang="zh-TW" altLang="en-US"/>
+              <a:t>支援了一個 </a:t>
+            </a:r>
+            <a:r>
+              <a:rPr lang="en-US" altLang="zh-TW">
+                <a:solidFill>
+                  <a:srgbClr val="CF8E6D"/>
+                </a:solidFill>
+              </a:rPr>
+              <a:t>case</a:t>
+            </a:r>
+            <a:r>
+              <a:rPr lang="en-US" altLang="zh-TW"/>
+              <a:t> </a:t>
+            </a:r>
+            <a:r>
+              <a:rPr lang="zh-TW" altLang="en-US"/>
+              <a:t>多個條件值</a:t>
+            </a:r>
+            <a:endParaRPr lang="en-US" altLang="zh-TW"/>
+          </a:p>
+          <a:p>
+            <a:r>
+              <a:rPr lang="zh-TW" altLang="en-US"/>
+              <a:t>以及可以使用</a:t>
+            </a:r>
+            <a:r>
+              <a:rPr lang="zh-TW" altLang="en-US">
+                <a:solidFill>
+                  <a:srgbClr val="00B0F0"/>
+                </a:solidFill>
+              </a:rPr>
+              <a:t>箭頭 </a:t>
+            </a:r>
+            <a:r>
+              <a:rPr lang="en-US" altLang="zh-TW">
+                <a:solidFill>
+                  <a:srgbClr val="00B0F0"/>
+                </a:solidFill>
+              </a:rPr>
+              <a:t>"-&gt;" </a:t>
+            </a:r>
+            <a:r>
+              <a:rPr lang="zh-TW" altLang="en-US"/>
+              <a:t>來替代冒號，但兩者不可混用</a:t>
+            </a:r>
+            <a:endParaRPr lang="en-US" altLang="zh-TW"/>
+          </a:p>
+          <a:p>
+            <a:r>
+              <a:rPr lang="zh-TW" altLang="en-US"/>
+              <a:t>若使用箭頭，</a:t>
+            </a:r>
+            <a:r>
+              <a:rPr lang="en-US" altLang="zh-TW">
+                <a:solidFill>
+                  <a:srgbClr val="CF8E6D"/>
+                </a:solidFill>
+              </a:rPr>
+              <a:t>switch</a:t>
+            </a:r>
+            <a:r>
+              <a:rPr lang="en-US" altLang="zh-TW"/>
+              <a:t> </a:t>
+            </a:r>
+            <a:r>
+              <a:rPr lang="zh-TW" altLang="en-US"/>
+              <a:t>只會執行相等條件值箭頭後方的區塊或陳述式</a:t>
+            </a:r>
+            <a:endParaRPr lang="en-US" altLang="zh-TW"/>
+          </a:p>
+          <a:p>
+            <a:r>
+              <a:rPr lang="zh-TW" altLang="en-US"/>
+              <a:t>而不會像是用冒號時會一直往下執行，也就不需要 </a:t>
+            </a:r>
+            <a:r>
+              <a:rPr lang="en-US" altLang="zh-TW">
+                <a:solidFill>
+                  <a:srgbClr val="CF8E6D"/>
+                </a:solidFill>
+              </a:rPr>
+              <a:t>break</a:t>
+            </a:r>
+          </a:p>
+        </p:txBody>
+      </p:sp>
+      <p:grpSp>
+        <p:nvGrpSpPr>
+          <p:cNvPr id="7" name="群組 6">
+            <a:extLst>
+              <a:ext uri="{FF2B5EF4-FFF2-40B4-BE49-F238E27FC236}">
+                <a16:creationId xmlns:a16="http://schemas.microsoft.com/office/drawing/2014/main" id="{CB641A17-831C-4732-997F-CBFC91FD5926}"/>
+              </a:ext>
+            </a:extLst>
+          </p:cNvPr>
+          <p:cNvGrpSpPr/>
+          <p:nvPr/>
+        </p:nvGrpSpPr>
+        <p:grpSpPr>
+          <a:xfrm>
+            <a:off x="618566" y="3126450"/>
+            <a:ext cx="10957110" cy="3323987"/>
+            <a:chOff x="398930" y="3285761"/>
+            <a:chExt cx="10957110" cy="3323987"/>
+          </a:xfrm>
+        </p:grpSpPr>
+        <p:sp>
+          <p:nvSpPr>
+            <p:cNvPr id="4" name="Rectangle 1">
+              <a:extLst>
+                <a:ext uri="{FF2B5EF4-FFF2-40B4-BE49-F238E27FC236}">
+                  <a16:creationId xmlns:a16="http://schemas.microsoft.com/office/drawing/2014/main" id="{0DC15DEC-9117-43D5-A324-CB1FAA9DC4B9}"/>
+                </a:ext>
+              </a:extLst>
+            </p:cNvPr>
+            <p:cNvSpPr>
+              <a:spLocks noChangeArrowheads="1"/>
+            </p:cNvSpPr>
+            <p:nvPr/>
+          </p:nvSpPr>
+          <p:spPr bwMode="auto">
+            <a:xfrm>
+              <a:off x="398930" y="3285761"/>
+              <a:ext cx="10954869" cy="3323987"/>
+            </a:xfrm>
+            <a:prstGeom prst="rect">
+              <a:avLst/>
+            </a:prstGeom>
+            <a:solidFill>
+              <a:srgbClr val="1E1F22"/>
+            </a:solidFill>
+            <a:ln>
+              <a:noFill/>
+            </a:ln>
+            <a:effectLst/>
+            <a:extLst>
+              <a:ext uri="{91240B29-F687-4F45-9708-019B960494DF}">
+                <a14:hiddenLine xmlns:a14="http://schemas.microsoft.com/office/drawing/2010/main" w="9525">
+                  <a:solidFill>
+                    <a:schemeClr val="tx1"/>
+                  </a:solidFill>
+                  <a:miter lim="800000"/>
+                  <a:headEnd/>
+                  <a:tailEnd/>
+                </a14:hiddenLine>
+              </a:ext>
+              <a:ext uri="{AF507438-7753-43E0-B8FC-AC1667EBCBE1}">
+                <a14:hiddenEffects xmlns:a14="http://schemas.microsoft.com/office/drawing/2010/main">
+                  <a:effectLst>
+                    <a:outerShdw dist="35921" dir="2700000" algn="ctr" rotWithShape="0">
+                      <a:schemeClr val="bg2"/>
+                    </a:outerShdw>
+                  </a:effectLst>
+                </a14:hiddenEffects>
+              </a:ext>
+            </a:extLst>
+          </p:spPr>
+          <p:txBody>
+            <a:bodyPr vert="horz" wrap="square" lIns="91440" tIns="45720" rIns="91440" bIns="45720" numCol="1" anchor="ctr" anchorCtr="0" compatLnSpc="1">
+              <a:prstTxWarp prst="textNoShape">
+                <a:avLst/>
+              </a:prstTxWarp>
+              <a:spAutoFit/>
+            </a:bodyPr>
+            <a:lstStyle/>
+            <a:p>
+              <a:pPr marL="0" marR="0" lvl="0" indent="0" algn="l" defTabSz="914400" rtl="0" eaLnBrk="0" fontAlgn="base" latinLnBrk="0" hangingPunct="0">
+                <a:lnSpc>
+                  <a:spcPct val="100000"/>
+                </a:lnSpc>
+                <a:spcBef>
+                  <a:spcPct val="0"/>
+                </a:spcBef>
+                <a:spcAft>
+                  <a:spcPct val="0"/>
+                </a:spcAft>
+                <a:buClrTx/>
+                <a:buSzTx/>
+                <a:buFontTx/>
+                <a:buNone/>
+                <a:tabLst/>
+              </a:pPr>
+              <a:r>
+                <a:rPr kumimoji="0" lang="zh-TW" altLang="zh-TW" sz="1400" b="0" i="0" u="none" strike="noStrike" cap="none" normalizeH="0" baseline="0">
+                  <a:ln>
+                    <a:noFill/>
+                  </a:ln>
+                  <a:solidFill>
+                    <a:srgbClr val="CF8E6D"/>
+                  </a:solidFill>
+                  <a:effectLst/>
+                  <a:latin typeface="+mj-lt"/>
+                  <a:cs typeface="JetBrains Mono" panose="02000009000000000000" pitchFamily="49" charset="0"/>
+                </a:rPr>
+                <a:t>import </a:t>
+              </a:r>
+              <a:r>
+                <a:rPr kumimoji="0" lang="zh-TW" altLang="zh-TW" sz="1400" b="0" i="0" u="none" strike="noStrike" cap="none" normalizeH="0" baseline="0">
+                  <a:ln>
+                    <a:noFill/>
+                  </a:ln>
+                  <a:solidFill>
+                    <a:srgbClr val="BCBEC4"/>
+                  </a:solidFill>
+                  <a:effectLst/>
+                  <a:latin typeface="+mj-lt"/>
+                  <a:cs typeface="JetBrains Mono" panose="02000009000000000000" pitchFamily="49" charset="0"/>
+                </a:rPr>
+                <a:t>java.util.Scanner;</a:t>
+              </a:r>
+              <a:br>
+                <a:rPr kumimoji="0" lang="zh-TW" altLang="zh-TW" sz="1400" b="0" i="0" u="none" strike="noStrike" cap="none" normalizeH="0" baseline="0">
+                  <a:ln>
+                    <a:noFill/>
+                  </a:ln>
+                  <a:solidFill>
+                    <a:srgbClr val="BCBEC4"/>
+                  </a:solidFill>
+                  <a:effectLst/>
+                  <a:latin typeface="+mj-lt"/>
+                  <a:cs typeface="JetBrains Mono" panose="02000009000000000000" pitchFamily="49" charset="0"/>
+                </a:rPr>
+              </a:br>
+              <a:br>
+                <a:rPr kumimoji="0" lang="zh-TW" altLang="zh-TW" sz="1400" b="0" i="0" u="none" strike="noStrike" cap="none" normalizeH="0" baseline="0">
+                  <a:ln>
+                    <a:noFill/>
+                  </a:ln>
+                  <a:solidFill>
+                    <a:srgbClr val="BCBEC4"/>
+                  </a:solidFill>
+                  <a:effectLst/>
+                  <a:latin typeface="+mj-lt"/>
+                  <a:cs typeface="JetBrains Mono" panose="02000009000000000000" pitchFamily="49" charset="0"/>
+                </a:rPr>
+              </a:br>
+              <a:r>
+                <a:rPr kumimoji="0" lang="zh-TW" altLang="zh-TW" sz="1400" b="0" i="0" u="none" strike="noStrike" cap="none" normalizeH="0" baseline="0">
+                  <a:ln>
+                    <a:noFill/>
+                  </a:ln>
+                  <a:solidFill>
+                    <a:srgbClr val="CF8E6D"/>
+                  </a:solidFill>
+                  <a:effectLst/>
+                  <a:latin typeface="+mj-lt"/>
+                  <a:cs typeface="JetBrains Mono" panose="02000009000000000000" pitchFamily="49" charset="0"/>
+                </a:rPr>
+                <a:t>public class </a:t>
+              </a:r>
+              <a:r>
+                <a:rPr kumimoji="0" lang="zh-TW" altLang="zh-TW" sz="1400" b="0" i="0" u="none" strike="noStrike" cap="none" normalizeH="0" baseline="0">
+                  <a:ln>
+                    <a:noFill/>
+                  </a:ln>
+                  <a:solidFill>
+                    <a:srgbClr val="BCBEC4"/>
+                  </a:solidFill>
+                  <a:effectLst/>
+                  <a:latin typeface="+mj-lt"/>
+                  <a:cs typeface="JetBrains Mono" panose="02000009000000000000" pitchFamily="49" charset="0"/>
+                </a:rPr>
+                <a:t>Main2 {</a:t>
+              </a:r>
+              <a:br>
+                <a:rPr kumimoji="0" lang="zh-TW" altLang="zh-TW" sz="1400" b="0" i="0" u="none" strike="noStrike" cap="none" normalizeH="0" baseline="0">
+                  <a:ln>
+                    <a:noFill/>
+                  </a:ln>
+                  <a:solidFill>
+                    <a:srgbClr val="BCBEC4"/>
+                  </a:solidFill>
+                  <a:effectLst/>
+                  <a:latin typeface="+mj-lt"/>
+                  <a:cs typeface="JetBrains Mono" panose="02000009000000000000" pitchFamily="49" charset="0"/>
+                </a:rPr>
+              </a:br>
+              <a:r>
+                <a:rPr kumimoji="0" lang="zh-TW" altLang="zh-TW" sz="1400" b="0" i="0" u="none" strike="noStrike" cap="none" normalizeH="0" baseline="0">
+                  <a:ln>
+                    <a:noFill/>
+                  </a:ln>
+                  <a:solidFill>
+                    <a:srgbClr val="BCBEC4"/>
+                  </a:solidFill>
+                  <a:effectLst/>
+                  <a:latin typeface="+mj-lt"/>
+                  <a:cs typeface="JetBrains Mono" panose="02000009000000000000" pitchFamily="49" charset="0"/>
+                </a:rPr>
+                <a:t>    </a:t>
+              </a:r>
+              <a:r>
+                <a:rPr kumimoji="0" lang="zh-TW" altLang="zh-TW" sz="1400" b="0" i="0" u="none" strike="noStrike" cap="none" normalizeH="0" baseline="0">
+                  <a:ln>
+                    <a:noFill/>
+                  </a:ln>
+                  <a:solidFill>
+                    <a:srgbClr val="CF8E6D"/>
+                  </a:solidFill>
+                  <a:effectLst/>
+                  <a:latin typeface="+mj-lt"/>
+                  <a:cs typeface="JetBrains Mono" panose="02000009000000000000" pitchFamily="49" charset="0"/>
+                </a:rPr>
+                <a:t>public static void </a:t>
+              </a:r>
+              <a:r>
+                <a:rPr kumimoji="0" lang="zh-TW" altLang="zh-TW" sz="1400" b="0" i="0" u="none" strike="noStrike" cap="none" normalizeH="0" baseline="0">
+                  <a:ln>
+                    <a:noFill/>
+                  </a:ln>
+                  <a:solidFill>
+                    <a:srgbClr val="56A8F5"/>
+                  </a:solidFill>
+                  <a:effectLst/>
+                  <a:latin typeface="+mj-lt"/>
+                  <a:cs typeface="JetBrains Mono" panose="02000009000000000000" pitchFamily="49" charset="0"/>
+                </a:rPr>
+                <a:t>main</a:t>
+              </a:r>
+              <a:r>
+                <a:rPr kumimoji="0" lang="zh-TW" altLang="zh-TW" sz="1400" b="0" i="0" u="none" strike="noStrike" cap="none" normalizeH="0" baseline="0">
+                  <a:ln>
+                    <a:noFill/>
+                  </a:ln>
+                  <a:solidFill>
+                    <a:srgbClr val="BCBEC4"/>
+                  </a:solidFill>
+                  <a:effectLst/>
+                  <a:latin typeface="+mj-lt"/>
+                  <a:cs typeface="JetBrains Mono" panose="02000009000000000000" pitchFamily="49" charset="0"/>
+                </a:rPr>
+                <a:t>(String[] args) {</a:t>
+              </a:r>
+              <a:br>
+                <a:rPr kumimoji="0" lang="zh-TW" altLang="zh-TW" sz="1400" b="0" i="0" u="none" strike="noStrike" cap="none" normalizeH="0" baseline="0">
+                  <a:ln>
+                    <a:noFill/>
+                  </a:ln>
+                  <a:solidFill>
+                    <a:srgbClr val="BCBEC4"/>
+                  </a:solidFill>
+                  <a:effectLst/>
+                  <a:latin typeface="+mj-lt"/>
+                  <a:cs typeface="JetBrains Mono" panose="02000009000000000000" pitchFamily="49" charset="0"/>
+                </a:rPr>
+              </a:br>
+              <a:r>
+                <a:rPr kumimoji="0" lang="zh-TW" altLang="zh-TW" sz="1400" b="0" i="0" u="none" strike="noStrike" cap="none" normalizeH="0" baseline="0">
+                  <a:ln>
+                    <a:noFill/>
+                  </a:ln>
+                  <a:solidFill>
+                    <a:srgbClr val="BCBEC4"/>
+                  </a:solidFill>
+                  <a:effectLst/>
+                  <a:latin typeface="+mj-lt"/>
+                  <a:cs typeface="JetBrains Mono" panose="02000009000000000000" pitchFamily="49" charset="0"/>
+                </a:rPr>
+                <a:t>        Scanner scanner = </a:t>
+              </a:r>
+              <a:r>
+                <a:rPr kumimoji="0" lang="zh-TW" altLang="zh-TW" sz="1400" b="0" i="0" u="none" strike="noStrike" cap="none" normalizeH="0" baseline="0">
+                  <a:ln>
+                    <a:noFill/>
+                  </a:ln>
+                  <a:solidFill>
+                    <a:srgbClr val="CF8E6D"/>
+                  </a:solidFill>
+                  <a:effectLst/>
+                  <a:latin typeface="+mj-lt"/>
+                  <a:cs typeface="JetBrains Mono" panose="02000009000000000000" pitchFamily="49" charset="0"/>
+                </a:rPr>
+                <a:t>new </a:t>
+              </a:r>
+              <a:r>
+                <a:rPr kumimoji="0" lang="zh-TW" altLang="zh-TW" sz="1400" b="0" i="0" u="none" strike="noStrike" cap="none" normalizeH="0" baseline="0">
+                  <a:ln>
+                    <a:noFill/>
+                  </a:ln>
+                  <a:solidFill>
+                    <a:srgbClr val="BCBEC4"/>
+                  </a:solidFill>
+                  <a:effectLst/>
+                  <a:latin typeface="+mj-lt"/>
+                  <a:cs typeface="JetBrains Mono" panose="02000009000000000000" pitchFamily="49" charset="0"/>
+                </a:rPr>
+                <a:t>Scanner(System.</a:t>
+              </a:r>
+              <a:r>
+                <a:rPr kumimoji="0" lang="zh-TW" altLang="zh-TW" sz="1400" b="0" i="1" u="none" strike="noStrike" cap="none" normalizeH="0" baseline="0">
+                  <a:ln>
+                    <a:noFill/>
+                  </a:ln>
+                  <a:solidFill>
+                    <a:srgbClr val="C77DBB"/>
+                  </a:solidFill>
+                  <a:effectLst/>
+                  <a:latin typeface="+mj-lt"/>
+                  <a:cs typeface="JetBrains Mono" panose="02000009000000000000" pitchFamily="49" charset="0"/>
+                </a:rPr>
+                <a:t>in</a:t>
+              </a:r>
+              <a:r>
+                <a:rPr kumimoji="0" lang="zh-TW" altLang="zh-TW" sz="1400" b="0" i="0" u="none" strike="noStrike" cap="none" normalizeH="0" baseline="0">
+                  <a:ln>
+                    <a:noFill/>
+                  </a:ln>
+                  <a:solidFill>
+                    <a:srgbClr val="BCBEC4"/>
+                  </a:solidFill>
+                  <a:effectLst/>
+                  <a:latin typeface="+mj-lt"/>
+                  <a:cs typeface="JetBrains Mono" panose="02000009000000000000" pitchFamily="49" charset="0"/>
+                </a:rPr>
+                <a:t>);</a:t>
+              </a:r>
+              <a:br>
+                <a:rPr kumimoji="0" lang="zh-TW" altLang="zh-TW" sz="1400" b="0" i="0" u="none" strike="noStrike" cap="none" normalizeH="0" baseline="0">
+                  <a:ln>
+                    <a:noFill/>
+                  </a:ln>
+                  <a:solidFill>
+                    <a:srgbClr val="BCBEC4"/>
+                  </a:solidFill>
+                  <a:effectLst/>
+                  <a:latin typeface="+mj-lt"/>
+                  <a:cs typeface="JetBrains Mono" panose="02000009000000000000" pitchFamily="49" charset="0"/>
+                </a:rPr>
+              </a:br>
+              <a:r>
+                <a:rPr kumimoji="0" lang="zh-TW" altLang="zh-TW" sz="1400" b="0" i="0" u="none" strike="noStrike" cap="none" normalizeH="0" baseline="0">
+                  <a:ln>
+                    <a:noFill/>
+                  </a:ln>
+                  <a:solidFill>
+                    <a:srgbClr val="BCBEC4"/>
+                  </a:solidFill>
+                  <a:effectLst/>
+                  <a:latin typeface="+mj-lt"/>
+                  <a:cs typeface="JetBrains Mono" panose="02000009000000000000" pitchFamily="49" charset="0"/>
+                </a:rPr>
+                <a:t>        String input = scanner.next();</a:t>
+              </a:r>
+              <a:br>
+                <a:rPr kumimoji="0" lang="zh-TW" altLang="zh-TW" sz="1400" b="0" i="0" u="none" strike="noStrike" cap="none" normalizeH="0" baseline="0">
+                  <a:ln>
+                    <a:noFill/>
+                  </a:ln>
+                  <a:solidFill>
+                    <a:srgbClr val="BCBEC4"/>
+                  </a:solidFill>
+                  <a:effectLst/>
+                  <a:latin typeface="+mj-lt"/>
+                  <a:cs typeface="JetBrains Mono" panose="02000009000000000000" pitchFamily="49" charset="0"/>
+                </a:rPr>
+              </a:br>
+              <a:r>
+                <a:rPr kumimoji="0" lang="zh-TW" altLang="zh-TW" sz="1400" b="0" i="0" u="none" strike="noStrike" cap="none" normalizeH="0" baseline="0">
+                  <a:ln>
+                    <a:noFill/>
+                  </a:ln>
+                  <a:solidFill>
+                    <a:srgbClr val="BCBEC4"/>
+                  </a:solidFill>
+                  <a:effectLst/>
+                  <a:latin typeface="+mj-lt"/>
+                  <a:cs typeface="JetBrains Mono" panose="02000009000000000000" pitchFamily="49" charset="0"/>
+                </a:rPr>
+                <a:t>        </a:t>
+              </a:r>
+              <a:r>
+                <a:rPr kumimoji="0" lang="zh-TW" altLang="zh-TW" sz="1400" b="0" i="0" u="none" strike="noStrike" cap="none" normalizeH="0" baseline="0">
+                  <a:ln>
+                    <a:noFill/>
+                  </a:ln>
+                  <a:solidFill>
+                    <a:srgbClr val="CF8E6D"/>
+                  </a:solidFill>
+                  <a:effectLst/>
+                  <a:latin typeface="+mj-lt"/>
+                  <a:cs typeface="JetBrains Mono" panose="02000009000000000000" pitchFamily="49" charset="0"/>
+                </a:rPr>
+                <a:t>switch </a:t>
+              </a:r>
+              <a:r>
+                <a:rPr kumimoji="0" lang="zh-TW" altLang="zh-TW" sz="1400" b="0" i="0" u="none" strike="noStrike" cap="none" normalizeH="0" baseline="0">
+                  <a:ln>
+                    <a:noFill/>
+                  </a:ln>
+                  <a:solidFill>
+                    <a:srgbClr val="BCBEC4"/>
+                  </a:solidFill>
+                  <a:effectLst/>
+                  <a:latin typeface="+mj-lt"/>
+                  <a:cs typeface="JetBrains Mono" panose="02000009000000000000" pitchFamily="49" charset="0"/>
+                </a:rPr>
+                <a:t>(input) {</a:t>
+              </a:r>
+              <a:br>
+                <a:rPr kumimoji="0" lang="zh-TW" altLang="zh-TW" sz="1400" b="0" i="0" u="none" strike="noStrike" cap="none" normalizeH="0" baseline="0">
+                  <a:ln>
+                    <a:noFill/>
+                  </a:ln>
+                  <a:solidFill>
+                    <a:srgbClr val="BCBEC4"/>
+                  </a:solidFill>
+                  <a:effectLst/>
+                  <a:latin typeface="+mj-lt"/>
+                  <a:cs typeface="JetBrains Mono" panose="02000009000000000000" pitchFamily="49" charset="0"/>
+                </a:rPr>
+              </a:br>
+              <a:r>
+                <a:rPr kumimoji="0" lang="zh-TW" altLang="zh-TW" sz="1400" b="0" i="0" u="none" strike="noStrike" cap="none" normalizeH="0" baseline="0">
+                  <a:ln>
+                    <a:noFill/>
+                  </a:ln>
+                  <a:solidFill>
+                    <a:srgbClr val="BCBEC4"/>
+                  </a:solidFill>
+                  <a:effectLst/>
+                  <a:latin typeface="+mj-lt"/>
+                  <a:cs typeface="JetBrains Mono" panose="02000009000000000000" pitchFamily="49" charset="0"/>
+                </a:rPr>
+                <a:t>            </a:t>
+              </a:r>
+              <a:r>
+                <a:rPr kumimoji="0" lang="zh-TW" altLang="zh-TW" sz="1400" b="0" i="0" u="none" strike="noStrike" cap="none" normalizeH="0" baseline="0">
+                  <a:ln>
+                    <a:noFill/>
+                  </a:ln>
+                  <a:solidFill>
+                    <a:srgbClr val="CF8E6D"/>
+                  </a:solidFill>
+                  <a:effectLst/>
+                  <a:latin typeface="+mj-lt"/>
+                  <a:cs typeface="JetBrains Mono" panose="02000009000000000000" pitchFamily="49" charset="0"/>
+                </a:rPr>
+                <a:t>case </a:t>
+              </a:r>
+              <a:r>
+                <a:rPr kumimoji="0" lang="zh-TW" altLang="zh-TW" sz="1400" b="0" i="0" u="none" strike="noStrike" cap="none" normalizeH="0" baseline="0">
+                  <a:ln>
+                    <a:noFill/>
+                  </a:ln>
+                  <a:solidFill>
+                    <a:srgbClr val="6AAB73"/>
+                  </a:solidFill>
+                  <a:effectLst/>
+                  <a:latin typeface="+mj-lt"/>
+                  <a:cs typeface="JetBrains Mono" panose="02000009000000000000" pitchFamily="49" charset="0"/>
+                </a:rPr>
+                <a:t>"</a:t>
+              </a:r>
+              <a:r>
+                <a:rPr kumimoji="0" lang="zh-TW" altLang="zh-TW" sz="1400" b="0" i="0" u="none" strike="noStrike" cap="none" normalizeH="0" baseline="0">
+                  <a:ln>
+                    <a:noFill/>
+                  </a:ln>
+                  <a:solidFill>
+                    <a:srgbClr val="6AAB73"/>
+                  </a:solidFill>
+                  <a:effectLst/>
+                  <a:latin typeface="+mj-lt"/>
+                  <a:ea typeface="微軟正黑體" panose="020B0604030504040204" pitchFamily="34" charset="-120"/>
+                  <a:cs typeface="JetBrains Mono" panose="02000009000000000000" pitchFamily="49" charset="0"/>
+                </a:rPr>
+                <a:t>回憶過去</a:t>
+              </a:r>
+              <a:r>
+                <a:rPr kumimoji="0" lang="zh-TW" altLang="zh-TW" sz="1400" b="0" i="0" u="none" strike="noStrike" cap="none" normalizeH="0" baseline="0">
+                  <a:ln>
+                    <a:noFill/>
+                  </a:ln>
+                  <a:solidFill>
+                    <a:srgbClr val="6AAB73"/>
+                  </a:solidFill>
+                  <a:effectLst/>
+                  <a:latin typeface="+mj-lt"/>
+                  <a:cs typeface="JetBrains Mono" panose="02000009000000000000" pitchFamily="49" charset="0"/>
+                </a:rPr>
+                <a:t>" </a:t>
+              </a:r>
+              <a:r>
+                <a:rPr kumimoji="0" lang="zh-TW" altLang="zh-TW" sz="1400" b="0" i="0" u="none" strike="noStrike" cap="none" normalizeH="0" baseline="0">
+                  <a:ln>
+                    <a:noFill/>
+                  </a:ln>
+                  <a:solidFill>
+                    <a:srgbClr val="BCBEC4"/>
+                  </a:solidFill>
+                  <a:effectLst/>
+                  <a:latin typeface="+mj-lt"/>
+                  <a:cs typeface="JetBrains Mono" panose="02000009000000000000" pitchFamily="49" charset="0"/>
+                </a:rPr>
+                <a:t>-&gt; System.</a:t>
+              </a:r>
+              <a:r>
+                <a:rPr kumimoji="0" lang="zh-TW" altLang="zh-TW" sz="1400" b="0" i="1" u="none" strike="noStrike" cap="none" normalizeH="0" baseline="0">
+                  <a:ln>
+                    <a:noFill/>
+                  </a:ln>
+                  <a:solidFill>
+                    <a:srgbClr val="C77DBB"/>
+                  </a:solidFill>
+                  <a:effectLst/>
+                  <a:latin typeface="+mj-lt"/>
+                  <a:cs typeface="JetBrains Mono" panose="02000009000000000000" pitchFamily="49" charset="0"/>
+                </a:rPr>
+                <a:t>out</a:t>
+              </a:r>
+              <a:r>
+                <a:rPr kumimoji="0" lang="zh-TW" altLang="zh-TW" sz="1400" b="0" i="0" u="none" strike="noStrike" cap="none" normalizeH="0" baseline="0">
+                  <a:ln>
+                    <a:noFill/>
+                  </a:ln>
+                  <a:solidFill>
+                    <a:srgbClr val="BCBEC4"/>
+                  </a:solidFill>
+                  <a:effectLst/>
+                  <a:latin typeface="+mj-lt"/>
+                  <a:cs typeface="JetBrains Mono" panose="02000009000000000000" pitchFamily="49" charset="0"/>
+                </a:rPr>
+                <a:t>.println(</a:t>
+              </a:r>
+              <a:r>
+                <a:rPr kumimoji="0" lang="zh-TW" altLang="zh-TW" sz="1400" b="0" i="0" u="none" strike="noStrike" cap="none" normalizeH="0" baseline="0">
+                  <a:ln>
+                    <a:noFill/>
+                  </a:ln>
+                  <a:solidFill>
+                    <a:srgbClr val="6AAB73"/>
+                  </a:solidFill>
+                  <a:effectLst/>
+                  <a:latin typeface="+mj-lt"/>
+                  <a:cs typeface="JetBrains Mono" panose="02000009000000000000" pitchFamily="49" charset="0"/>
+                </a:rPr>
+                <a:t>"</a:t>
+              </a:r>
+              <a:r>
+                <a:rPr kumimoji="0" lang="zh-TW" altLang="zh-TW" sz="1400" b="0" i="0" u="none" strike="noStrike" cap="none" normalizeH="0" baseline="0">
+                  <a:ln>
+                    <a:noFill/>
+                  </a:ln>
+                  <a:solidFill>
+                    <a:srgbClr val="6AAB73"/>
+                  </a:solidFill>
+                  <a:effectLst/>
+                  <a:latin typeface="+mj-lt"/>
+                  <a:ea typeface="微軟正黑體" panose="020B0604030504040204" pitchFamily="34" charset="-120"/>
+                  <a:cs typeface="JetBrains Mono" panose="02000009000000000000" pitchFamily="49" charset="0"/>
+                </a:rPr>
+                <a:t>痛苦的相思忘不了</a:t>
+              </a:r>
+              <a:r>
+                <a:rPr kumimoji="0" lang="zh-TW" altLang="zh-TW" sz="1400" b="0" i="0" u="none" strike="noStrike" cap="none" normalizeH="0" baseline="0">
+                  <a:ln>
+                    <a:noFill/>
+                  </a:ln>
+                  <a:solidFill>
+                    <a:srgbClr val="6AAB73"/>
+                  </a:solidFill>
+                  <a:effectLst/>
+                  <a:latin typeface="+mj-lt"/>
+                  <a:cs typeface="JetBrains Mono" panose="02000009000000000000" pitchFamily="49" charset="0"/>
+                </a:rPr>
+                <a:t>"</a:t>
+              </a:r>
+              <a:r>
+                <a:rPr kumimoji="0" lang="zh-TW" altLang="zh-TW" sz="1400" b="0" i="0" u="none" strike="noStrike" cap="none" normalizeH="0" baseline="0">
+                  <a:ln>
+                    <a:noFill/>
+                  </a:ln>
+                  <a:solidFill>
+                    <a:srgbClr val="BCBEC4"/>
+                  </a:solidFill>
+                  <a:effectLst/>
+                  <a:latin typeface="+mj-lt"/>
+                  <a:cs typeface="JetBrains Mono" panose="02000009000000000000" pitchFamily="49" charset="0"/>
+                </a:rPr>
+                <a:t>);</a:t>
+              </a:r>
+              <a:br>
+                <a:rPr kumimoji="0" lang="zh-TW" altLang="zh-TW" sz="1400" b="0" i="0" u="none" strike="noStrike" cap="none" normalizeH="0" baseline="0">
+                  <a:ln>
+                    <a:noFill/>
+                  </a:ln>
+                  <a:solidFill>
+                    <a:srgbClr val="BCBEC4"/>
+                  </a:solidFill>
+                  <a:effectLst/>
+                  <a:latin typeface="+mj-lt"/>
+                  <a:cs typeface="JetBrains Mono" panose="02000009000000000000" pitchFamily="49" charset="0"/>
+                </a:rPr>
+              </a:br>
+              <a:r>
+                <a:rPr kumimoji="0" lang="zh-TW" altLang="zh-TW" sz="1400" b="0" i="0" u="none" strike="noStrike" cap="none" normalizeH="0" baseline="0">
+                  <a:ln>
+                    <a:noFill/>
+                  </a:ln>
+                  <a:solidFill>
+                    <a:srgbClr val="BCBEC4"/>
+                  </a:solidFill>
+                  <a:effectLst/>
+                  <a:latin typeface="+mj-lt"/>
+                  <a:cs typeface="JetBrains Mono" panose="02000009000000000000" pitchFamily="49" charset="0"/>
+                </a:rPr>
+                <a:t>            </a:t>
+              </a:r>
+              <a:r>
+                <a:rPr kumimoji="0" lang="zh-TW" altLang="zh-TW" sz="1400" b="0" i="0" u="none" strike="noStrike" cap="none" normalizeH="0" baseline="0">
+                  <a:ln>
+                    <a:noFill/>
+                  </a:ln>
+                  <a:solidFill>
+                    <a:srgbClr val="CF8E6D"/>
+                  </a:solidFill>
+                  <a:effectLst/>
+                  <a:latin typeface="+mj-lt"/>
+                  <a:cs typeface="JetBrains Mono" panose="02000009000000000000" pitchFamily="49" charset="0"/>
+                </a:rPr>
+                <a:t>case </a:t>
+              </a:r>
+              <a:r>
+                <a:rPr kumimoji="0" lang="zh-TW" altLang="zh-TW" sz="1400" b="0" i="0" u="none" strike="noStrike" cap="none" normalizeH="0" baseline="0">
+                  <a:ln>
+                    <a:noFill/>
+                  </a:ln>
+                  <a:solidFill>
+                    <a:srgbClr val="6AAB73"/>
+                  </a:solidFill>
+                  <a:effectLst/>
+                  <a:latin typeface="+mj-lt"/>
+                  <a:cs typeface="JetBrains Mono" panose="02000009000000000000" pitchFamily="49" charset="0"/>
+                </a:rPr>
+                <a:t>"</a:t>
+              </a:r>
+              <a:r>
+                <a:rPr kumimoji="0" lang="zh-TW" altLang="zh-TW" sz="1400" b="0" i="0" u="none" strike="noStrike" cap="none" normalizeH="0" baseline="0">
+                  <a:ln>
+                    <a:noFill/>
+                  </a:ln>
+                  <a:solidFill>
+                    <a:srgbClr val="6AAB73"/>
+                  </a:solidFill>
+                  <a:effectLst/>
+                  <a:latin typeface="+mj-lt"/>
+                  <a:ea typeface="微軟正黑體" panose="020B0604030504040204" pitchFamily="34" charset="-120"/>
+                  <a:cs typeface="JetBrains Mono" panose="02000009000000000000" pitchFamily="49" charset="0"/>
+                </a:rPr>
+                <a:t>想念你的笑</a:t>
+              </a:r>
+              <a:r>
+                <a:rPr kumimoji="0" lang="zh-TW" altLang="zh-TW" sz="1400" b="0" i="0" u="none" strike="noStrike" cap="none" normalizeH="0" baseline="0">
+                  <a:ln>
+                    <a:noFill/>
+                  </a:ln>
+                  <a:solidFill>
+                    <a:srgbClr val="6AAB73"/>
+                  </a:solidFill>
+                  <a:effectLst/>
+                  <a:latin typeface="+mj-lt"/>
+                  <a:cs typeface="JetBrains Mono" panose="02000009000000000000" pitchFamily="49" charset="0"/>
+                </a:rPr>
+                <a:t>" </a:t>
+              </a:r>
+              <a:r>
+                <a:rPr kumimoji="0" lang="zh-TW" altLang="zh-TW" sz="1400" b="0" i="0" u="none" strike="noStrike" cap="none" normalizeH="0" baseline="0">
+                  <a:ln>
+                    <a:noFill/>
+                  </a:ln>
+                  <a:solidFill>
+                    <a:srgbClr val="BCBEC4"/>
+                  </a:solidFill>
+                  <a:effectLst/>
+                  <a:latin typeface="+mj-lt"/>
+                  <a:cs typeface="JetBrains Mono" panose="02000009000000000000" pitchFamily="49" charset="0"/>
+                </a:rPr>
+                <a:t>-&gt; System.</a:t>
+              </a:r>
+              <a:r>
+                <a:rPr kumimoji="0" lang="zh-TW" altLang="zh-TW" sz="1400" b="0" i="1" u="none" strike="noStrike" cap="none" normalizeH="0" baseline="0">
+                  <a:ln>
+                    <a:noFill/>
+                  </a:ln>
+                  <a:solidFill>
+                    <a:srgbClr val="C77DBB"/>
+                  </a:solidFill>
+                  <a:effectLst/>
+                  <a:latin typeface="+mj-lt"/>
+                  <a:cs typeface="JetBrains Mono" panose="02000009000000000000" pitchFamily="49" charset="0"/>
+                </a:rPr>
+                <a:t>out</a:t>
+              </a:r>
+              <a:r>
+                <a:rPr kumimoji="0" lang="zh-TW" altLang="zh-TW" sz="1400" b="0" i="0" u="none" strike="noStrike" cap="none" normalizeH="0" baseline="0">
+                  <a:ln>
+                    <a:noFill/>
+                  </a:ln>
+                  <a:solidFill>
+                    <a:srgbClr val="BCBEC4"/>
+                  </a:solidFill>
+                  <a:effectLst/>
+                  <a:latin typeface="+mj-lt"/>
+                  <a:cs typeface="JetBrains Mono" panose="02000009000000000000" pitchFamily="49" charset="0"/>
+                </a:rPr>
+                <a:t>.println(</a:t>
+              </a:r>
+              <a:r>
+                <a:rPr kumimoji="0" lang="zh-TW" altLang="zh-TW" sz="1400" b="0" i="0" u="none" strike="noStrike" cap="none" normalizeH="0" baseline="0">
+                  <a:ln>
+                    <a:noFill/>
+                  </a:ln>
+                  <a:solidFill>
+                    <a:srgbClr val="6AAB73"/>
+                  </a:solidFill>
+                  <a:effectLst/>
+                  <a:latin typeface="+mj-lt"/>
+                  <a:cs typeface="JetBrains Mono" panose="02000009000000000000" pitchFamily="49" charset="0"/>
+                </a:rPr>
+                <a:t>"</a:t>
+              </a:r>
+              <a:r>
+                <a:rPr kumimoji="0" lang="zh-TW" altLang="zh-TW" sz="1400" b="0" i="0" u="none" strike="noStrike" cap="none" normalizeH="0" baseline="0">
+                  <a:ln>
+                    <a:noFill/>
+                  </a:ln>
+                  <a:solidFill>
+                    <a:srgbClr val="6AAB73"/>
+                  </a:solidFill>
+                  <a:effectLst/>
+                  <a:latin typeface="+mj-lt"/>
+                  <a:ea typeface="微軟正黑體" panose="020B0604030504040204" pitchFamily="34" charset="-120"/>
+                  <a:cs typeface="JetBrains Mono" panose="02000009000000000000" pitchFamily="49" charset="0"/>
+                </a:rPr>
+                <a:t>想念你的外套</a:t>
+              </a:r>
+              <a:r>
+                <a:rPr kumimoji="0" lang="zh-TW" altLang="zh-TW" sz="1400" b="0" i="0" u="none" strike="noStrike" cap="none" normalizeH="0" baseline="0">
+                  <a:ln>
+                    <a:noFill/>
+                  </a:ln>
+                  <a:solidFill>
+                    <a:srgbClr val="6AAB73"/>
+                  </a:solidFill>
+                  <a:effectLst/>
+                  <a:latin typeface="+mj-lt"/>
+                  <a:cs typeface="JetBrains Mono" panose="02000009000000000000" pitchFamily="49" charset="0"/>
+                </a:rPr>
+                <a:t>"</a:t>
+              </a:r>
+              <a:r>
+                <a:rPr kumimoji="0" lang="zh-TW" altLang="zh-TW" sz="1400" b="0" i="0" u="none" strike="noStrike" cap="none" normalizeH="0" baseline="0">
+                  <a:ln>
+                    <a:noFill/>
+                  </a:ln>
+                  <a:solidFill>
+                    <a:srgbClr val="BCBEC4"/>
+                  </a:solidFill>
+                  <a:effectLst/>
+                  <a:latin typeface="+mj-lt"/>
+                  <a:cs typeface="JetBrains Mono" panose="02000009000000000000" pitchFamily="49" charset="0"/>
+                </a:rPr>
+                <a:t>);</a:t>
+              </a:r>
+              <a:br>
+                <a:rPr kumimoji="0" lang="zh-TW" altLang="zh-TW" sz="1400" b="0" i="0" u="none" strike="noStrike" cap="none" normalizeH="0" baseline="0">
+                  <a:ln>
+                    <a:noFill/>
+                  </a:ln>
+                  <a:solidFill>
+                    <a:srgbClr val="BCBEC4"/>
+                  </a:solidFill>
+                  <a:effectLst/>
+                  <a:latin typeface="+mj-lt"/>
+                  <a:cs typeface="JetBrains Mono" panose="02000009000000000000" pitchFamily="49" charset="0"/>
+                </a:rPr>
+              </a:br>
+              <a:r>
+                <a:rPr kumimoji="0" lang="zh-TW" altLang="zh-TW" sz="1400" b="0" i="0" u="none" strike="noStrike" cap="none" normalizeH="0" baseline="0">
+                  <a:ln>
+                    <a:noFill/>
+                  </a:ln>
+                  <a:solidFill>
+                    <a:srgbClr val="BCBEC4"/>
+                  </a:solidFill>
+                  <a:effectLst/>
+                  <a:latin typeface="+mj-lt"/>
+                  <a:cs typeface="JetBrains Mono" panose="02000009000000000000" pitchFamily="49" charset="0"/>
+                </a:rPr>
+                <a:t>            </a:t>
+              </a:r>
+              <a:r>
+                <a:rPr kumimoji="0" lang="zh-TW" altLang="zh-TW" sz="1400" b="0" i="0" u="none" strike="noStrike" cap="none" normalizeH="0" baseline="0">
+                  <a:ln>
+                    <a:noFill/>
+                  </a:ln>
+                  <a:solidFill>
+                    <a:srgbClr val="CF8E6D"/>
+                  </a:solidFill>
+                  <a:effectLst/>
+                  <a:latin typeface="+mj-lt"/>
+                  <a:cs typeface="JetBrains Mono" panose="02000009000000000000" pitchFamily="49" charset="0"/>
+                </a:rPr>
+                <a:t>case </a:t>
+              </a:r>
+              <a:r>
+                <a:rPr kumimoji="0" lang="zh-TW" altLang="zh-TW" sz="1400" b="0" i="0" u="none" strike="noStrike" cap="none" normalizeH="0" baseline="0">
+                  <a:ln>
+                    <a:noFill/>
+                  </a:ln>
+                  <a:solidFill>
+                    <a:srgbClr val="6AAB73"/>
+                  </a:solidFill>
+                  <a:effectLst/>
+                  <a:latin typeface="+mj-lt"/>
+                  <a:cs typeface="JetBrains Mono" panose="02000009000000000000" pitchFamily="49" charset="0"/>
+                </a:rPr>
+                <a:t>"</a:t>
+              </a:r>
+              <a:r>
+                <a:rPr kumimoji="0" lang="zh-TW" altLang="zh-TW" sz="1400" b="0" i="0" u="none" strike="noStrike" cap="none" normalizeH="0" baseline="0">
+                  <a:ln>
+                    <a:noFill/>
+                  </a:ln>
+                  <a:solidFill>
+                    <a:srgbClr val="6AAB73"/>
+                  </a:solidFill>
+                  <a:effectLst/>
+                  <a:latin typeface="+mj-lt"/>
+                  <a:ea typeface="微軟正黑體" panose="020B0604030504040204" pitchFamily="34" charset="-120"/>
+                  <a:cs typeface="JetBrains Mono" panose="02000009000000000000" pitchFamily="49" charset="0"/>
+                </a:rPr>
+                <a:t>怎麼忍心怪你犯了錯</a:t>
+              </a:r>
+              <a:r>
+                <a:rPr kumimoji="0" lang="zh-TW" altLang="zh-TW" sz="1400" b="0" i="0" u="none" strike="noStrike" cap="none" normalizeH="0" baseline="0">
+                  <a:ln>
+                    <a:noFill/>
+                  </a:ln>
+                  <a:solidFill>
+                    <a:srgbClr val="6AAB73"/>
+                  </a:solidFill>
+                  <a:effectLst/>
+                  <a:latin typeface="+mj-lt"/>
+                  <a:cs typeface="JetBrains Mono" panose="02000009000000000000" pitchFamily="49" charset="0"/>
+                </a:rPr>
+                <a:t>"</a:t>
+              </a:r>
+              <a:r>
+                <a:rPr kumimoji="0" lang="zh-TW" altLang="zh-TW" sz="1400" b="0" i="0" u="none" strike="noStrike" cap="none" normalizeH="0" baseline="0">
+                  <a:ln>
+                    <a:noFill/>
+                  </a:ln>
+                  <a:solidFill>
+                    <a:srgbClr val="BCBEC4"/>
+                  </a:solidFill>
+                  <a:effectLst/>
+                  <a:latin typeface="+mj-lt"/>
+                  <a:cs typeface="JetBrains Mono" panose="02000009000000000000" pitchFamily="49" charset="0"/>
+                </a:rPr>
+                <a:t>, </a:t>
+              </a:r>
+              <a:r>
+                <a:rPr kumimoji="0" lang="zh-TW" altLang="zh-TW" sz="1400" b="0" i="0" u="none" strike="noStrike" cap="none" normalizeH="0" baseline="0">
+                  <a:ln>
+                    <a:noFill/>
+                  </a:ln>
+                  <a:solidFill>
+                    <a:srgbClr val="6AAB73"/>
+                  </a:solidFill>
+                  <a:effectLst/>
+                  <a:latin typeface="+mj-lt"/>
+                  <a:cs typeface="JetBrains Mono" panose="02000009000000000000" pitchFamily="49" charset="0"/>
+                </a:rPr>
+                <a:t>"</a:t>
+              </a:r>
+              <a:r>
+                <a:rPr kumimoji="0" lang="zh-TW" altLang="zh-TW" sz="1400" b="0" i="0" u="none" strike="noStrike" cap="none" normalizeH="0" baseline="0">
+                  <a:ln>
+                    <a:noFill/>
+                  </a:ln>
+                  <a:solidFill>
+                    <a:srgbClr val="6AAB73"/>
+                  </a:solidFill>
+                  <a:effectLst/>
+                  <a:latin typeface="+mj-lt"/>
+                  <a:ea typeface="微軟正黑體" panose="020B0604030504040204" pitchFamily="34" charset="-120"/>
+                  <a:cs typeface="JetBrains Mono" panose="02000009000000000000" pitchFamily="49" charset="0"/>
+                </a:rPr>
+                <a:t>怎麼忍心讓你受折磨</a:t>
+              </a:r>
+              <a:r>
+                <a:rPr kumimoji="0" lang="zh-TW" altLang="zh-TW" sz="1400" b="0" i="0" u="none" strike="noStrike" cap="none" normalizeH="0" baseline="0">
+                  <a:ln>
+                    <a:noFill/>
+                  </a:ln>
+                  <a:solidFill>
+                    <a:srgbClr val="6AAB73"/>
+                  </a:solidFill>
+                  <a:effectLst/>
+                  <a:latin typeface="+mj-lt"/>
+                  <a:cs typeface="JetBrains Mono" panose="02000009000000000000" pitchFamily="49" charset="0"/>
+                </a:rPr>
+                <a:t>" </a:t>
+              </a:r>
+              <a:r>
+                <a:rPr kumimoji="0" lang="zh-TW" altLang="zh-TW" sz="1400" b="0" i="0" u="none" strike="noStrike" cap="none" normalizeH="0" baseline="0">
+                  <a:ln>
+                    <a:noFill/>
+                  </a:ln>
+                  <a:solidFill>
+                    <a:srgbClr val="BCBEC4"/>
+                  </a:solidFill>
+                  <a:effectLst/>
+                  <a:latin typeface="+mj-lt"/>
+                  <a:cs typeface="JetBrains Mono" panose="02000009000000000000" pitchFamily="49" charset="0"/>
+                </a:rPr>
+                <a:t>-&gt; System.</a:t>
+              </a:r>
+              <a:r>
+                <a:rPr kumimoji="0" lang="zh-TW" altLang="zh-TW" sz="1400" b="0" i="1" u="none" strike="noStrike" cap="none" normalizeH="0" baseline="0">
+                  <a:ln>
+                    <a:noFill/>
+                  </a:ln>
+                  <a:solidFill>
+                    <a:srgbClr val="C77DBB"/>
+                  </a:solidFill>
+                  <a:effectLst/>
+                  <a:latin typeface="+mj-lt"/>
+                  <a:cs typeface="JetBrains Mono" panose="02000009000000000000" pitchFamily="49" charset="0"/>
+                </a:rPr>
+                <a:t>out</a:t>
+              </a:r>
+              <a:r>
+                <a:rPr kumimoji="0" lang="zh-TW" altLang="zh-TW" sz="1400" b="0" i="0" u="none" strike="noStrike" cap="none" normalizeH="0" baseline="0">
+                  <a:ln>
+                    <a:noFill/>
+                  </a:ln>
+                  <a:solidFill>
+                    <a:srgbClr val="BCBEC4"/>
+                  </a:solidFill>
+                  <a:effectLst/>
+                  <a:latin typeface="+mj-lt"/>
+                  <a:cs typeface="JetBrains Mono" panose="02000009000000000000" pitchFamily="49" charset="0"/>
+                </a:rPr>
+                <a:t>.println(</a:t>
+              </a:r>
+              <a:r>
+                <a:rPr kumimoji="0" lang="zh-TW" altLang="zh-TW" sz="1400" b="0" i="0" u="none" strike="noStrike" cap="none" normalizeH="0" baseline="0">
+                  <a:ln>
+                    <a:noFill/>
+                  </a:ln>
+                  <a:solidFill>
+                    <a:srgbClr val="6AAB73"/>
+                  </a:solidFill>
+                  <a:effectLst/>
+                  <a:latin typeface="+mj-lt"/>
+                  <a:cs typeface="JetBrains Mono" panose="02000009000000000000" pitchFamily="49" charset="0"/>
+                </a:rPr>
+                <a:t>"</a:t>
+              </a:r>
+              <a:r>
+                <a:rPr kumimoji="0" lang="zh-TW" altLang="zh-TW" sz="1400" b="0" i="0" u="none" strike="noStrike" cap="none" normalizeH="0" baseline="0">
+                  <a:ln>
+                    <a:noFill/>
+                  </a:ln>
+                  <a:solidFill>
+                    <a:srgbClr val="6AAB73"/>
+                  </a:solidFill>
+                  <a:effectLst/>
+                  <a:latin typeface="+mj-lt"/>
+                  <a:ea typeface="微軟正黑體" panose="020B0604030504040204" pitchFamily="34" charset="-120"/>
+                  <a:cs typeface="JetBrains Mono" panose="02000009000000000000" pitchFamily="49" charset="0"/>
+                </a:rPr>
+                <a:t>是我給你自由過了火</a:t>
+              </a:r>
+              <a:r>
+                <a:rPr kumimoji="0" lang="zh-TW" altLang="zh-TW" sz="1400" b="0" i="0" u="none" strike="noStrike" cap="none" normalizeH="0" baseline="0">
+                  <a:ln>
+                    <a:noFill/>
+                  </a:ln>
+                  <a:solidFill>
+                    <a:srgbClr val="6AAB73"/>
+                  </a:solidFill>
+                  <a:effectLst/>
+                  <a:latin typeface="+mj-lt"/>
+                  <a:cs typeface="JetBrains Mono" panose="02000009000000000000" pitchFamily="49" charset="0"/>
+                </a:rPr>
+                <a:t>"</a:t>
+              </a:r>
+              <a:r>
+                <a:rPr kumimoji="0" lang="zh-TW" altLang="zh-TW" sz="1400" b="0" i="0" u="none" strike="noStrike" cap="none" normalizeH="0" baseline="0">
+                  <a:ln>
+                    <a:noFill/>
+                  </a:ln>
+                  <a:solidFill>
+                    <a:srgbClr val="BCBEC4"/>
+                  </a:solidFill>
+                  <a:effectLst/>
+                  <a:latin typeface="+mj-lt"/>
+                  <a:cs typeface="JetBrains Mono" panose="02000009000000000000" pitchFamily="49" charset="0"/>
+                </a:rPr>
+                <a:t>);</a:t>
+              </a:r>
+              <a:br>
+                <a:rPr kumimoji="0" lang="zh-TW" altLang="zh-TW" sz="1400" b="0" i="0" u="none" strike="noStrike" cap="none" normalizeH="0" baseline="0">
+                  <a:ln>
+                    <a:noFill/>
+                  </a:ln>
+                  <a:solidFill>
+                    <a:srgbClr val="BCBEC4"/>
+                  </a:solidFill>
+                  <a:effectLst/>
+                  <a:latin typeface="+mj-lt"/>
+                  <a:cs typeface="JetBrains Mono" panose="02000009000000000000" pitchFamily="49" charset="0"/>
+                </a:rPr>
+              </a:br>
+              <a:r>
+                <a:rPr kumimoji="0" lang="zh-TW" altLang="zh-TW" sz="1400" b="0" i="0" u="none" strike="noStrike" cap="none" normalizeH="0" baseline="0">
+                  <a:ln>
+                    <a:noFill/>
+                  </a:ln>
+                  <a:solidFill>
+                    <a:srgbClr val="BCBEC4"/>
+                  </a:solidFill>
+                  <a:effectLst/>
+                  <a:latin typeface="+mj-lt"/>
+                  <a:cs typeface="JetBrains Mono" panose="02000009000000000000" pitchFamily="49" charset="0"/>
+                </a:rPr>
+                <a:t>            </a:t>
+              </a:r>
+              <a:r>
+                <a:rPr kumimoji="0" lang="zh-TW" altLang="zh-TW" sz="1400" b="0" i="0" u="none" strike="noStrike" cap="none" normalizeH="0" baseline="0">
+                  <a:ln>
+                    <a:noFill/>
+                  </a:ln>
+                  <a:solidFill>
+                    <a:srgbClr val="CF8E6D"/>
+                  </a:solidFill>
+                  <a:effectLst/>
+                  <a:latin typeface="+mj-lt"/>
+                  <a:cs typeface="JetBrains Mono" panose="02000009000000000000" pitchFamily="49" charset="0"/>
+                </a:rPr>
+                <a:t>case </a:t>
+              </a:r>
+              <a:r>
+                <a:rPr kumimoji="0" lang="zh-TW" altLang="zh-TW" sz="1400" b="0" i="0" u="none" strike="noStrike" cap="none" normalizeH="0" baseline="0">
+                  <a:ln>
+                    <a:noFill/>
+                  </a:ln>
+                  <a:solidFill>
+                    <a:srgbClr val="6AAB73"/>
+                  </a:solidFill>
+                  <a:effectLst/>
+                  <a:latin typeface="+mj-lt"/>
+                  <a:cs typeface="JetBrains Mono" panose="02000009000000000000" pitchFamily="49" charset="0"/>
+                </a:rPr>
+                <a:t>"</a:t>
+              </a:r>
+              <a:r>
+                <a:rPr kumimoji="0" lang="zh-TW" altLang="zh-TW" sz="1400" b="0" i="0" u="none" strike="noStrike" cap="none" normalizeH="0" baseline="0">
+                  <a:ln>
+                    <a:noFill/>
+                  </a:ln>
+                  <a:solidFill>
+                    <a:srgbClr val="6AAB73"/>
+                  </a:solidFill>
+                  <a:effectLst/>
+                  <a:latin typeface="+mj-lt"/>
+                  <a:ea typeface="微軟正黑體" panose="020B0604030504040204" pitchFamily="34" charset="-120"/>
+                  <a:cs typeface="JetBrains Mono" panose="02000009000000000000" pitchFamily="49" charset="0"/>
+                </a:rPr>
+                <a:t>我願變成童話裡你愛的那個天使</a:t>
+              </a:r>
+              <a:r>
+                <a:rPr kumimoji="0" lang="zh-TW" altLang="zh-TW" sz="1400" b="0" i="0" u="none" strike="noStrike" cap="none" normalizeH="0" baseline="0">
+                  <a:ln>
+                    <a:noFill/>
+                  </a:ln>
+                  <a:solidFill>
+                    <a:srgbClr val="6AAB73"/>
+                  </a:solidFill>
+                  <a:effectLst/>
+                  <a:latin typeface="+mj-lt"/>
+                  <a:cs typeface="JetBrains Mono" panose="02000009000000000000" pitchFamily="49" charset="0"/>
+                </a:rPr>
+                <a:t>" </a:t>
+              </a:r>
+              <a:r>
+                <a:rPr kumimoji="0" lang="zh-TW" altLang="zh-TW" sz="1400" b="0" i="0" u="none" strike="noStrike" cap="none" normalizeH="0" baseline="0">
+                  <a:ln>
+                    <a:noFill/>
+                  </a:ln>
+                  <a:solidFill>
+                    <a:srgbClr val="BCBEC4"/>
+                  </a:solidFill>
+                  <a:effectLst/>
+                  <a:latin typeface="+mj-lt"/>
+                  <a:cs typeface="JetBrains Mono" panose="02000009000000000000" pitchFamily="49" charset="0"/>
+                </a:rPr>
+                <a:t>-&gt; System.</a:t>
+              </a:r>
+              <a:r>
+                <a:rPr kumimoji="0" lang="zh-TW" altLang="zh-TW" sz="1400" b="0" i="1" u="none" strike="noStrike" cap="none" normalizeH="0" baseline="0">
+                  <a:ln>
+                    <a:noFill/>
+                  </a:ln>
+                  <a:solidFill>
+                    <a:srgbClr val="C77DBB"/>
+                  </a:solidFill>
+                  <a:effectLst/>
+                  <a:latin typeface="+mj-lt"/>
+                  <a:cs typeface="JetBrains Mono" panose="02000009000000000000" pitchFamily="49" charset="0"/>
+                </a:rPr>
+                <a:t>out</a:t>
+              </a:r>
+              <a:r>
+                <a:rPr kumimoji="0" lang="zh-TW" altLang="zh-TW" sz="1400" b="0" i="0" u="none" strike="noStrike" cap="none" normalizeH="0" baseline="0">
+                  <a:ln>
+                    <a:noFill/>
+                  </a:ln>
+                  <a:solidFill>
+                    <a:srgbClr val="BCBEC4"/>
+                  </a:solidFill>
+                  <a:effectLst/>
+                  <a:latin typeface="+mj-lt"/>
+                  <a:cs typeface="JetBrains Mono" panose="02000009000000000000" pitchFamily="49" charset="0"/>
+                </a:rPr>
+                <a:t>.println(</a:t>
+              </a:r>
+              <a:r>
+                <a:rPr kumimoji="0" lang="zh-TW" altLang="zh-TW" sz="1400" b="0" i="0" u="none" strike="noStrike" cap="none" normalizeH="0" baseline="0">
+                  <a:ln>
+                    <a:noFill/>
+                  </a:ln>
+                  <a:solidFill>
+                    <a:srgbClr val="6AAB73"/>
+                  </a:solidFill>
+                  <a:effectLst/>
+                  <a:latin typeface="+mj-lt"/>
+                  <a:cs typeface="JetBrains Mono" panose="02000009000000000000" pitchFamily="49" charset="0"/>
+                </a:rPr>
+                <a:t>"</a:t>
+              </a:r>
+              <a:r>
+                <a:rPr kumimoji="0" lang="zh-TW" altLang="zh-TW" sz="1400" b="0" i="0" u="none" strike="noStrike" cap="none" normalizeH="0" baseline="0">
+                  <a:ln>
+                    <a:noFill/>
+                  </a:ln>
+                  <a:solidFill>
+                    <a:srgbClr val="6AAB73"/>
+                  </a:solidFill>
+                  <a:effectLst/>
+                  <a:latin typeface="+mj-lt"/>
+                  <a:ea typeface="微軟正黑體" panose="020B0604030504040204" pitchFamily="34" charset="-120"/>
+                  <a:cs typeface="JetBrains Mono" panose="02000009000000000000" pitchFamily="49" charset="0"/>
+                </a:rPr>
+                <a:t>張開雙手變成翅膀守護你</a:t>
+              </a:r>
+              <a:r>
+                <a:rPr kumimoji="0" lang="zh-TW" altLang="zh-TW" sz="1400" b="0" i="0" u="none" strike="noStrike" cap="none" normalizeH="0" baseline="0">
+                  <a:ln>
+                    <a:noFill/>
+                  </a:ln>
+                  <a:solidFill>
+                    <a:srgbClr val="6AAB73"/>
+                  </a:solidFill>
+                  <a:effectLst/>
+                  <a:latin typeface="+mj-lt"/>
+                  <a:cs typeface="JetBrains Mono" panose="02000009000000000000" pitchFamily="49" charset="0"/>
+                </a:rPr>
+                <a:t>"</a:t>
+              </a:r>
+              <a:r>
+                <a:rPr kumimoji="0" lang="zh-TW" altLang="zh-TW" sz="1400" b="0" i="0" u="none" strike="noStrike" cap="none" normalizeH="0" baseline="0">
+                  <a:ln>
+                    <a:noFill/>
+                  </a:ln>
+                  <a:solidFill>
+                    <a:srgbClr val="BCBEC4"/>
+                  </a:solidFill>
+                  <a:effectLst/>
+                  <a:latin typeface="+mj-lt"/>
+                  <a:cs typeface="JetBrains Mono" panose="02000009000000000000" pitchFamily="49" charset="0"/>
+                </a:rPr>
+                <a:t>);</a:t>
+              </a:r>
+              <a:br>
+                <a:rPr kumimoji="0" lang="zh-TW" altLang="zh-TW" sz="1400" b="0" i="0" u="none" strike="noStrike" cap="none" normalizeH="0" baseline="0">
+                  <a:ln>
+                    <a:noFill/>
+                  </a:ln>
+                  <a:solidFill>
+                    <a:srgbClr val="BCBEC4"/>
+                  </a:solidFill>
+                  <a:effectLst/>
+                  <a:latin typeface="+mj-lt"/>
+                  <a:cs typeface="JetBrains Mono" panose="02000009000000000000" pitchFamily="49" charset="0"/>
+                </a:rPr>
+              </a:br>
+              <a:r>
+                <a:rPr kumimoji="0" lang="zh-TW" altLang="zh-TW" sz="1400" b="0" i="0" u="none" strike="noStrike" cap="none" normalizeH="0" baseline="0">
+                  <a:ln>
+                    <a:noFill/>
+                  </a:ln>
+                  <a:solidFill>
+                    <a:srgbClr val="BCBEC4"/>
+                  </a:solidFill>
+                  <a:effectLst/>
+                  <a:latin typeface="+mj-lt"/>
+                  <a:cs typeface="JetBrains Mono" panose="02000009000000000000" pitchFamily="49" charset="0"/>
+                </a:rPr>
+                <a:t>            </a:t>
+              </a:r>
+              <a:r>
+                <a:rPr kumimoji="0" lang="zh-TW" altLang="zh-TW" sz="1400" b="0" i="0" u="none" strike="noStrike" cap="none" normalizeH="0" baseline="0">
+                  <a:ln>
+                    <a:noFill/>
+                  </a:ln>
+                  <a:solidFill>
+                    <a:srgbClr val="CF8E6D"/>
+                  </a:solidFill>
+                  <a:effectLst/>
+                  <a:latin typeface="+mj-lt"/>
+                  <a:cs typeface="JetBrains Mono" panose="02000009000000000000" pitchFamily="49" charset="0"/>
+                </a:rPr>
+                <a:t>default </a:t>
+              </a:r>
+              <a:r>
+                <a:rPr kumimoji="0" lang="zh-TW" altLang="zh-TW" sz="1400" b="0" i="0" u="none" strike="noStrike" cap="none" normalizeH="0" baseline="0">
+                  <a:ln>
+                    <a:noFill/>
+                  </a:ln>
+                  <a:solidFill>
+                    <a:srgbClr val="BCBEC4"/>
+                  </a:solidFill>
+                  <a:effectLst/>
+                  <a:latin typeface="+mj-lt"/>
+                  <a:cs typeface="JetBrains Mono" panose="02000009000000000000" pitchFamily="49" charset="0"/>
+                </a:rPr>
+                <a:t>-&gt; System.</a:t>
+              </a:r>
+              <a:r>
+                <a:rPr kumimoji="0" lang="zh-TW" altLang="zh-TW" sz="1400" b="0" i="1" u="none" strike="noStrike" cap="none" normalizeH="0" baseline="0">
+                  <a:ln>
+                    <a:noFill/>
+                  </a:ln>
+                  <a:solidFill>
+                    <a:srgbClr val="C77DBB"/>
+                  </a:solidFill>
+                  <a:effectLst/>
+                  <a:latin typeface="+mj-lt"/>
+                  <a:cs typeface="JetBrains Mono" panose="02000009000000000000" pitchFamily="49" charset="0"/>
+                </a:rPr>
+                <a:t>out</a:t>
+              </a:r>
+              <a:r>
+                <a:rPr kumimoji="0" lang="zh-TW" altLang="zh-TW" sz="1400" b="0" i="0" u="none" strike="noStrike" cap="none" normalizeH="0" baseline="0">
+                  <a:ln>
+                    <a:noFill/>
+                  </a:ln>
+                  <a:solidFill>
+                    <a:srgbClr val="BCBEC4"/>
+                  </a:solidFill>
+                  <a:effectLst/>
+                  <a:latin typeface="+mj-lt"/>
+                  <a:cs typeface="JetBrains Mono" panose="02000009000000000000" pitchFamily="49" charset="0"/>
+                </a:rPr>
+                <a:t>.println(</a:t>
+              </a:r>
+              <a:r>
+                <a:rPr kumimoji="0" lang="zh-TW" altLang="zh-TW" sz="1400" b="0" i="0" u="none" strike="noStrike" cap="none" normalizeH="0" baseline="0">
+                  <a:ln>
+                    <a:noFill/>
+                  </a:ln>
+                  <a:solidFill>
+                    <a:srgbClr val="6AAB73"/>
+                  </a:solidFill>
+                  <a:effectLst/>
+                  <a:latin typeface="+mj-lt"/>
+                  <a:cs typeface="JetBrains Mono" panose="02000009000000000000" pitchFamily="49" charset="0"/>
+                </a:rPr>
+                <a:t>"</a:t>
+              </a:r>
+              <a:r>
+                <a:rPr kumimoji="0" lang="zh-TW" altLang="zh-TW" sz="1400" b="0" i="0" u="none" strike="noStrike" cap="none" normalizeH="0" baseline="0">
+                  <a:ln>
+                    <a:noFill/>
+                  </a:ln>
+                  <a:solidFill>
+                    <a:srgbClr val="6AAB73"/>
+                  </a:solidFill>
+                  <a:effectLst/>
+                  <a:latin typeface="+mj-lt"/>
+                  <a:ea typeface="微軟正黑體" panose="020B0604030504040204" pitchFamily="34" charset="-120"/>
+                  <a:cs typeface="JetBrains Mono" panose="02000009000000000000" pitchFamily="49" charset="0"/>
+                </a:rPr>
+                <a:t>我不知道下一句是什麼</a:t>
+              </a:r>
+              <a:r>
+                <a:rPr kumimoji="0" lang="zh-TW" altLang="zh-TW" sz="1400" b="0" i="0" u="none" strike="noStrike" cap="none" normalizeH="0" baseline="0">
+                  <a:ln>
+                    <a:noFill/>
+                  </a:ln>
+                  <a:solidFill>
+                    <a:srgbClr val="6AAB73"/>
+                  </a:solidFill>
+                  <a:effectLst/>
+                  <a:latin typeface="+mj-lt"/>
+                  <a:cs typeface="JetBrains Mono" panose="02000009000000000000" pitchFamily="49" charset="0"/>
+                </a:rPr>
+                <a:t>"</a:t>
+              </a:r>
+              <a:r>
+                <a:rPr kumimoji="0" lang="zh-TW" altLang="zh-TW" sz="1400" b="0" i="0" u="none" strike="noStrike" cap="none" normalizeH="0" baseline="0">
+                  <a:ln>
+                    <a:noFill/>
+                  </a:ln>
+                  <a:solidFill>
+                    <a:srgbClr val="BCBEC4"/>
+                  </a:solidFill>
+                  <a:effectLst/>
+                  <a:latin typeface="+mj-lt"/>
+                  <a:cs typeface="JetBrains Mono" panose="02000009000000000000" pitchFamily="49" charset="0"/>
+                </a:rPr>
+                <a:t>);</a:t>
+              </a:r>
+              <a:br>
+                <a:rPr kumimoji="0" lang="zh-TW" altLang="zh-TW" sz="1400" b="0" i="0" u="none" strike="noStrike" cap="none" normalizeH="0" baseline="0">
+                  <a:ln>
+                    <a:noFill/>
+                  </a:ln>
+                  <a:solidFill>
+                    <a:srgbClr val="BCBEC4"/>
+                  </a:solidFill>
+                  <a:effectLst/>
+                  <a:latin typeface="+mj-lt"/>
+                  <a:cs typeface="JetBrains Mono" panose="02000009000000000000" pitchFamily="49" charset="0"/>
+                </a:rPr>
+              </a:br>
+              <a:r>
+                <a:rPr kumimoji="0" lang="zh-TW" altLang="zh-TW" sz="1400" b="0" i="0" u="none" strike="noStrike" cap="none" normalizeH="0" baseline="0">
+                  <a:ln>
+                    <a:noFill/>
+                  </a:ln>
+                  <a:solidFill>
+                    <a:srgbClr val="BCBEC4"/>
+                  </a:solidFill>
+                  <a:effectLst/>
+                  <a:latin typeface="+mj-lt"/>
+                  <a:cs typeface="JetBrains Mono" panose="02000009000000000000" pitchFamily="49" charset="0"/>
+                </a:rPr>
+                <a:t>        }</a:t>
+              </a:r>
+              <a:br>
+                <a:rPr kumimoji="0" lang="zh-TW" altLang="zh-TW" sz="1400" b="0" i="0" u="none" strike="noStrike" cap="none" normalizeH="0" baseline="0">
+                  <a:ln>
+                    <a:noFill/>
+                  </a:ln>
+                  <a:solidFill>
+                    <a:srgbClr val="BCBEC4"/>
+                  </a:solidFill>
+                  <a:effectLst/>
+                  <a:latin typeface="+mj-lt"/>
+                  <a:cs typeface="JetBrains Mono" panose="02000009000000000000" pitchFamily="49" charset="0"/>
+                </a:rPr>
+              </a:br>
+              <a:r>
+                <a:rPr kumimoji="0" lang="zh-TW" altLang="zh-TW" sz="1400" b="0" i="0" u="none" strike="noStrike" cap="none" normalizeH="0" baseline="0">
+                  <a:ln>
+                    <a:noFill/>
+                  </a:ln>
+                  <a:solidFill>
+                    <a:srgbClr val="BCBEC4"/>
+                  </a:solidFill>
+                  <a:effectLst/>
+                  <a:latin typeface="+mj-lt"/>
+                  <a:cs typeface="JetBrains Mono" panose="02000009000000000000" pitchFamily="49" charset="0"/>
+                </a:rPr>
+                <a:t>    }</a:t>
+              </a:r>
+              <a:br>
+                <a:rPr kumimoji="0" lang="zh-TW" altLang="zh-TW" sz="1400" b="0" i="0" u="none" strike="noStrike" cap="none" normalizeH="0" baseline="0">
+                  <a:ln>
+                    <a:noFill/>
+                  </a:ln>
+                  <a:solidFill>
+                    <a:srgbClr val="BCBEC4"/>
+                  </a:solidFill>
+                  <a:effectLst/>
+                  <a:latin typeface="+mj-lt"/>
+                  <a:cs typeface="JetBrains Mono" panose="02000009000000000000" pitchFamily="49" charset="0"/>
+                </a:rPr>
+              </a:br>
+              <a:r>
+                <a:rPr kumimoji="0" lang="zh-TW" altLang="zh-TW" sz="1400" b="0" i="0" u="none" strike="noStrike" cap="none" normalizeH="0" baseline="0">
+                  <a:ln>
+                    <a:noFill/>
+                  </a:ln>
+                  <a:solidFill>
+                    <a:srgbClr val="BCBEC4"/>
+                  </a:solidFill>
+                  <a:effectLst/>
+                  <a:latin typeface="+mj-lt"/>
+                  <a:cs typeface="JetBrains Mono" panose="02000009000000000000" pitchFamily="49" charset="0"/>
+                </a:rPr>
+                <a:t>}</a:t>
+              </a:r>
+              <a:endParaRPr kumimoji="0" lang="zh-TW" altLang="zh-TW" sz="2400" b="0" i="0" u="none" strike="noStrike" cap="none" normalizeH="0" baseline="0">
+                <a:ln>
+                  <a:noFill/>
+                </a:ln>
+                <a:solidFill>
+                  <a:schemeClr val="tx1"/>
+                </a:solidFill>
+                <a:effectLst/>
+                <a:latin typeface="+mj-lt"/>
+              </a:endParaRPr>
+            </a:p>
+          </p:txBody>
+        </p:sp>
+        <p:sp>
+          <p:nvSpPr>
+            <p:cNvPr id="5" name="文字方塊 4">
+              <a:extLst>
+                <a:ext uri="{FF2B5EF4-FFF2-40B4-BE49-F238E27FC236}">
+                  <a16:creationId xmlns:a16="http://schemas.microsoft.com/office/drawing/2014/main" id="{3E0B7474-531C-4DFF-97F9-7458F4C526AB}"/>
+                </a:ext>
+              </a:extLst>
+            </p:cNvPr>
+            <p:cNvSpPr txBox="1"/>
+            <p:nvPr/>
+          </p:nvSpPr>
+          <p:spPr>
+            <a:xfrm>
+              <a:off x="10771587" y="6301971"/>
+              <a:ext cx="582211" cy="307777"/>
+            </a:xfrm>
+            <a:prstGeom prst="rect">
+              <a:avLst/>
+            </a:prstGeom>
+            <a:noFill/>
+          </p:spPr>
+          <p:txBody>
+            <a:bodyPr wrap="none" rtlCol="0">
+              <a:spAutoFit/>
+            </a:bodyPr>
+            <a:lstStyle/>
+            <a:p>
+              <a:r>
+                <a:rPr lang="en-US" altLang="zh-TW" sz="1400">
+                  <a:solidFill>
+                    <a:schemeClr val="accent3"/>
+                  </a:solidFill>
+                </a:rPr>
+                <a:t>java</a:t>
+              </a:r>
+              <a:endParaRPr lang="zh-TW" altLang="en-US" sz="1400">
+                <a:solidFill>
+                  <a:schemeClr val="accent3"/>
+                </a:solidFill>
+              </a:endParaRPr>
+            </a:p>
+          </p:txBody>
+        </p:sp>
+        <p:pic>
+          <p:nvPicPr>
+            <p:cNvPr id="6" name="圖片 5">
+              <a:hlinkClick r:id="rId2"/>
+              <a:extLst>
+                <a:ext uri="{FF2B5EF4-FFF2-40B4-BE49-F238E27FC236}">
+                  <a16:creationId xmlns:a16="http://schemas.microsoft.com/office/drawing/2014/main" id="{62C27124-8669-4575-8B2A-3DC48F3B60D0}"/>
+                </a:ext>
+              </a:extLst>
+            </p:cNvPr>
+            <p:cNvPicPr>
+              <a:picLocks noChangeAspect="1"/>
+            </p:cNvPicPr>
+            <p:nvPr/>
+          </p:nvPicPr>
+          <p:blipFill>
+            <a:blip r:embed="rId3">
+              <a:extLst>
+                <a:ext uri="{28A0092B-C50C-407E-A947-70E740481C1C}">
+                  <a14:useLocalDpi xmlns:a14="http://schemas.microsoft.com/office/drawing/2010/main" val="0"/>
+                </a:ext>
+              </a:extLst>
+            </a:blip>
+            <a:stretch>
+              <a:fillRect/>
+            </a:stretch>
+          </p:blipFill>
+          <p:spPr>
+            <a:xfrm>
+              <a:off x="10912288" y="3285761"/>
+              <a:ext cx="443752" cy="434104"/>
+            </a:xfrm>
+            <a:prstGeom prst="rect">
+              <a:avLst/>
+            </a:prstGeom>
+          </p:spPr>
+        </p:pic>
+      </p:grpSp>
+    </p:spTree>
+    <p:extLst>
+      <p:ext uri="{BB962C8B-B14F-4D97-AF65-F5344CB8AC3E}">
+        <p14:creationId xmlns:p14="http://schemas.microsoft.com/office/powerpoint/2010/main" val="211777568"/>
+      </p:ext>
+    </p:extLst>
+  </p:cSld>
+  <p:clrMapOvr>
+    <a:masterClrMapping/>
+  </p:clrMapOvr>
+  <p:transition spd="slow">
+    <p:push dir="u"/>
+  </p:transition>
+</p:sld>
+</file>
+
+<file path=ppt/slides/slide11.xml><?xml version="1.0" encoding="utf-8"?>
+<p:sld xmlns:a="http://schemas.openxmlformats.org/drawingml/2006/main" xmlns:r="http://schemas.openxmlformats.org/officeDocument/2006/relationships" xmlns:p="http://schemas.openxmlformats.org/presentationml/2006/main">
+  <p:cSld>
+    <p:spTree>
+      <p:nvGrpSpPr>
+        <p:cNvPr id="1" name=""/>
+        <p:cNvGrpSpPr/>
+        <p:nvPr/>
+      </p:nvGrpSpPr>
+      <p:grpSpPr>
+        <a:xfrm>
+          <a:off x="0" y="0"/>
+          <a:ext cx="0" cy="0"/>
+          <a:chOff x="0" y="0"/>
+          <a:chExt cx="0" cy="0"/>
+        </a:xfrm>
+      </p:grpSpPr>
       <p:grpSp>
         <p:nvGrpSpPr>
           <p:cNvPr id="26" name="群組 25">
@@ -4518,7 +6246,7 @@
 </p:sld>
 </file>
 
-<file path=ppt/slides/slide11.xml><?xml version="1.0" encoding="utf-8"?>
+<file path=ppt/slides/slide12.xml><?xml version="1.0" encoding="utf-8"?>
 <p:sld xmlns:a="http://schemas.openxmlformats.org/drawingml/2006/main" xmlns:r="http://schemas.openxmlformats.org/officeDocument/2006/relationships" xmlns:p="http://schemas.openxmlformats.org/presentationml/2006/main">
   <p:cSld>
     <p:spTree>
@@ -6281,7 +8009,7 @@
 </p:sld>
 </file>
 
-<file path=ppt/slides/slide12.xml><?xml version="1.0" encoding="utf-8"?>
+<file path=ppt/slides/slide13.xml><?xml version="1.0" encoding="utf-8"?>
 <p:sld xmlns:a="http://schemas.openxmlformats.org/drawingml/2006/main" xmlns:r="http://schemas.openxmlformats.org/officeDocument/2006/relationships" xmlns:p="http://schemas.openxmlformats.org/presentationml/2006/main">
   <p:cSld>
     <p:spTree>
@@ -7471,7 +9199,7 @@
 </p:sld>
 </file>
 
-<file path=ppt/slides/slide13.xml><?xml version="1.0" encoding="utf-8"?>
+<file path=ppt/slides/slide14.xml><?xml version="1.0" encoding="utf-8"?>
 <p:sld xmlns:a="http://schemas.openxmlformats.org/drawingml/2006/main" xmlns:r="http://schemas.openxmlformats.org/officeDocument/2006/relationships" xmlns:p="http://schemas.openxmlformats.org/presentationml/2006/main">
   <p:cSld>
     <p:spTree>
@@ -11123,7 +12851,7 @@
 </p:sld>
 </file>
 
-<file path=ppt/slides/slide14.xml><?xml version="1.0" encoding="utf-8"?>
+<file path=ppt/slides/slide15.xml><?xml version="1.0" encoding="utf-8"?>
 <p:sld xmlns:a="http://schemas.openxmlformats.org/drawingml/2006/main" xmlns:r="http://schemas.openxmlformats.org/officeDocument/2006/relationships" xmlns:p="http://schemas.openxmlformats.org/presentationml/2006/main">
   <p:cSld>
     <p:spTree>
@@ -14018,7 +15746,7 @@
 </p:sld>
 </file>
 
-<file path=ppt/slides/slide15.xml><?xml version="1.0" encoding="utf-8"?>
+<file path=ppt/slides/slide16.xml><?xml version="1.0" encoding="utf-8"?>
 <p:sld xmlns:a="http://schemas.openxmlformats.org/drawingml/2006/main" xmlns:r="http://schemas.openxmlformats.org/officeDocument/2006/relationships" xmlns:p="http://schemas.openxmlformats.org/presentationml/2006/main">
   <p:cSld>
     <p:spTree>
@@ -15021,7 +16749,7 @@
 </p:sld>
 </file>
 
-<file path=ppt/slides/slide16.xml><?xml version="1.0" encoding="utf-8"?>
+<file path=ppt/slides/slide17.xml><?xml version="1.0" encoding="utf-8"?>
 <p:sld xmlns:a="http://schemas.openxmlformats.org/drawingml/2006/main" xmlns:r="http://schemas.openxmlformats.org/officeDocument/2006/relationships" xmlns:p="http://schemas.openxmlformats.org/presentationml/2006/main">
   <p:cSld>
     <p:spTree>
@@ -18416,7 +20144,7 @@
 </p:sld>
 </file>
 
-<file path=ppt/slides/slide17.xml><?xml version="1.0" encoding="utf-8"?>
+<file path=ppt/slides/slide18.xml><?xml version="1.0" encoding="utf-8"?>
 <p:sld xmlns:a="http://schemas.openxmlformats.org/drawingml/2006/main" xmlns:r="http://schemas.openxmlformats.org/officeDocument/2006/relationships" xmlns:p="http://schemas.openxmlformats.org/presentationml/2006/main">
   <p:cSld>
     <p:spTree>
@@ -19571,7 +21299,7 @@
 </p:sld>
 </file>
 
-<file path=ppt/slides/slide18.xml><?xml version="1.0" encoding="utf-8"?>
+<file path=ppt/slides/slide19.xml><?xml version="1.0" encoding="utf-8"?>
 <p:sld xmlns:a="http://schemas.openxmlformats.org/drawingml/2006/main" xmlns:r="http://schemas.openxmlformats.org/officeDocument/2006/relationships" xmlns:p="http://schemas.openxmlformats.org/presentationml/2006/main">
   <p:cSld>
     <p:spTree>
@@ -20868,7 +22596,1308 @@
 </p:sld>
 </file>
 
-<file path=ppt/slides/slide19.xml><?xml version="1.0" encoding="utf-8"?>
+<file path=ppt/slides/slide2.xml><?xml version="1.0" encoding="utf-8"?>
+<p:sld xmlns:a="http://schemas.openxmlformats.org/drawingml/2006/main" xmlns:r="http://schemas.openxmlformats.org/officeDocument/2006/relationships" xmlns:p="http://schemas.openxmlformats.org/presentationml/2006/main">
+  <p:cSld>
+    <p:spTree>
+      <p:nvGrpSpPr>
+        <p:cNvPr id="1" name=""/>
+        <p:cNvGrpSpPr/>
+        <p:nvPr/>
+      </p:nvGrpSpPr>
+      <p:grpSpPr>
+        <a:xfrm>
+          <a:off x="0" y="0"/>
+          <a:ext cx="0" cy="0"/>
+          <a:chOff x="0" y="0"/>
+          <a:chExt cx="0" cy="0"/>
+        </a:xfrm>
+      </p:grpSpPr>
+      <p:sp>
+        <p:nvSpPr>
+          <p:cNvPr id="2" name="標題 1">
+            <a:extLst>
+              <a:ext uri="{FF2B5EF4-FFF2-40B4-BE49-F238E27FC236}">
+                <a16:creationId xmlns:a16="http://schemas.microsoft.com/office/drawing/2014/main" id="{984FB812-7A87-4C2D-A74E-F1AFFFBB10DA}"/>
+              </a:ext>
+            </a:extLst>
+          </p:cNvPr>
+          <p:cNvSpPr>
+            <a:spLocks noGrp="1"/>
+          </p:cNvSpPr>
+          <p:nvPr>
+            <p:ph type="title"/>
+          </p:nvPr>
+        </p:nvSpPr>
+        <p:spPr/>
+        <p:txBody>
+          <a:bodyPr/>
+          <a:lstStyle/>
+          <a:p>
+            <a:r>
+              <a:rPr lang="zh-TW" altLang="en-US"/>
+              <a:t>三元運算</a:t>
+            </a:r>
+          </a:p>
+        </p:txBody>
+      </p:sp>
+      <p:sp>
+        <p:nvSpPr>
+          <p:cNvPr id="3" name="內容版面配置區 2">
+            <a:extLst>
+              <a:ext uri="{FF2B5EF4-FFF2-40B4-BE49-F238E27FC236}">
+                <a16:creationId xmlns:a16="http://schemas.microsoft.com/office/drawing/2014/main" id="{0A12CE84-E704-4BA2-A161-A6A63AEDFA7B}"/>
+              </a:ext>
+            </a:extLst>
+          </p:cNvPr>
+          <p:cNvSpPr>
+            <a:spLocks noGrp="1"/>
+          </p:cNvSpPr>
+          <p:nvPr>
+            <p:ph idx="1"/>
+          </p:nvPr>
+        </p:nvSpPr>
+        <p:spPr>
+          <a:xfrm>
+            <a:off x="762000" y="1690688"/>
+            <a:ext cx="10668000" cy="491137"/>
+          </a:xfrm>
+        </p:spPr>
+        <p:txBody>
+          <a:bodyPr/>
+          <a:lstStyle/>
+          <a:p>
+            <a:r>
+              <a:rPr lang="zh-TW" altLang="en-US"/>
+              <a:t>在 </a:t>
+            </a:r>
+            <a:r>
+              <a:rPr lang="en-US" altLang="zh-TW"/>
+              <a:t>Java</a:t>
+            </a:r>
+            <a:r>
+              <a:rPr lang="zh-TW" altLang="en-US"/>
+              <a:t> 中，只有一種</a:t>
+            </a:r>
+            <a:r>
+              <a:rPr lang="zh-TW" altLang="en-US">
+                <a:solidFill>
+                  <a:srgbClr val="00B0F0"/>
+                </a:solidFill>
+              </a:rPr>
+              <a:t>三元運算</a:t>
+            </a:r>
+            <a:r>
+              <a:rPr lang="zh-TW" altLang="en-US"/>
+              <a:t>，格式如下：</a:t>
+            </a:r>
+          </a:p>
+        </p:txBody>
+      </p:sp>
+      <p:sp>
+        <p:nvSpPr>
+          <p:cNvPr id="6" name="內容版面配置區 2">
+            <a:extLst>
+              <a:ext uri="{FF2B5EF4-FFF2-40B4-BE49-F238E27FC236}">
+                <a16:creationId xmlns:a16="http://schemas.microsoft.com/office/drawing/2014/main" id="{1D873183-54B3-4B5A-826E-1294882AAFF1}"/>
+              </a:ext>
+            </a:extLst>
+          </p:cNvPr>
+          <p:cNvSpPr txBox="1">
+            <a:spLocks/>
+          </p:cNvSpPr>
+          <p:nvPr/>
+        </p:nvSpPr>
+        <p:spPr>
+          <a:xfrm>
+            <a:off x="762000" y="2942018"/>
+            <a:ext cx="10668000" cy="491137"/>
+          </a:xfrm>
+          <a:prstGeom prst="rect">
+            <a:avLst/>
+          </a:prstGeom>
+        </p:spPr>
+        <p:txBody>
+          <a:bodyPr vert="horz" lIns="91440" tIns="45720" rIns="91440" bIns="45720" rtlCol="0">
+            <a:normAutofit/>
+          </a:bodyPr>
+          <a:lstStyle>
+            <a:lvl1pPr marL="0" indent="0" algn="l" defTabSz="914400" rtl="0" eaLnBrk="1" latinLnBrk="0" hangingPunct="1">
+              <a:lnSpc>
+                <a:spcPct val="90000"/>
+              </a:lnSpc>
+              <a:spcBef>
+                <a:spcPts val="1000"/>
+              </a:spcBef>
+              <a:buFont typeface="Arial" panose="020B0604020202020204" pitchFamily="34" charset="0"/>
+              <a:buNone/>
+              <a:defRPr sz="2800" kern="1200">
+                <a:solidFill>
+                  <a:schemeClr val="tx1"/>
+                </a:solidFill>
+                <a:latin typeface="+mn-lt"/>
+                <a:ea typeface="+mn-ea"/>
+                <a:cs typeface="+mn-cs"/>
+              </a:defRPr>
+            </a:lvl1pPr>
+            <a:lvl2pPr marL="457200" indent="0" algn="l" defTabSz="914400" rtl="0" eaLnBrk="1" latinLnBrk="0" hangingPunct="1">
+              <a:lnSpc>
+                <a:spcPct val="90000"/>
+              </a:lnSpc>
+              <a:spcBef>
+                <a:spcPts val="500"/>
+              </a:spcBef>
+              <a:buFont typeface="Arial" panose="020B0604020202020204" pitchFamily="34" charset="0"/>
+              <a:buNone/>
+              <a:defRPr sz="2400" kern="1200">
+                <a:solidFill>
+                  <a:schemeClr val="tx1"/>
+                </a:solidFill>
+                <a:latin typeface="+mn-lt"/>
+                <a:ea typeface="+mn-ea"/>
+                <a:cs typeface="+mn-cs"/>
+              </a:defRPr>
+            </a:lvl2pPr>
+            <a:lvl3pPr marL="914400" indent="0" algn="l" defTabSz="914400" rtl="0" eaLnBrk="1" latinLnBrk="0" hangingPunct="1">
+              <a:lnSpc>
+                <a:spcPct val="90000"/>
+              </a:lnSpc>
+              <a:spcBef>
+                <a:spcPts val="500"/>
+              </a:spcBef>
+              <a:buFont typeface="Arial" panose="020B0604020202020204" pitchFamily="34" charset="0"/>
+              <a:buNone/>
+              <a:defRPr sz="2000" kern="1200">
+                <a:solidFill>
+                  <a:schemeClr val="tx1"/>
+                </a:solidFill>
+                <a:latin typeface="+mn-lt"/>
+                <a:ea typeface="+mn-ea"/>
+                <a:cs typeface="+mn-cs"/>
+              </a:defRPr>
+            </a:lvl3pPr>
+            <a:lvl4pPr marL="1371600" indent="0" algn="l" defTabSz="914400" rtl="0" eaLnBrk="1" latinLnBrk="0" hangingPunct="1">
+              <a:lnSpc>
+                <a:spcPct val="90000"/>
+              </a:lnSpc>
+              <a:spcBef>
+                <a:spcPts val="500"/>
+              </a:spcBef>
+              <a:buFont typeface="Arial" panose="020B0604020202020204" pitchFamily="34" charset="0"/>
+              <a:buNone/>
+              <a:defRPr sz="1800" kern="1200">
+                <a:solidFill>
+                  <a:schemeClr val="tx1"/>
+                </a:solidFill>
+                <a:latin typeface="+mn-lt"/>
+                <a:ea typeface="+mn-ea"/>
+                <a:cs typeface="+mn-cs"/>
+              </a:defRPr>
+            </a:lvl4pPr>
+            <a:lvl5pPr marL="1828800" indent="0" algn="l" defTabSz="914400" rtl="0" eaLnBrk="1" latinLnBrk="0" hangingPunct="1">
+              <a:lnSpc>
+                <a:spcPct val="90000"/>
+              </a:lnSpc>
+              <a:spcBef>
+                <a:spcPts val="500"/>
+              </a:spcBef>
+              <a:buFont typeface="Arial" panose="020B0604020202020204" pitchFamily="34" charset="0"/>
+              <a:buNone/>
+              <a:defRPr sz="1800" kern="1200">
+                <a:solidFill>
+                  <a:schemeClr val="tx1"/>
+                </a:solidFill>
+                <a:latin typeface="+mn-lt"/>
+                <a:ea typeface="+mn-ea"/>
+                <a:cs typeface="+mn-cs"/>
+              </a:defRPr>
+            </a:lvl5pPr>
+            <a:lvl6pPr marL="2514600" indent="-228600" algn="l" defTabSz="914400" rtl="0" eaLnBrk="1" latinLnBrk="0" hangingPunct="1">
+              <a:lnSpc>
+                <a:spcPct val="90000"/>
+              </a:lnSpc>
+              <a:spcBef>
+                <a:spcPts val="500"/>
+              </a:spcBef>
+              <a:buFont typeface="Arial" panose="020B0604020202020204" pitchFamily="34" charset="0"/>
+              <a:buChar char="•"/>
+              <a:defRPr sz="1800" kern="1200">
+                <a:solidFill>
+                  <a:schemeClr val="tx1"/>
+                </a:solidFill>
+                <a:latin typeface="+mn-lt"/>
+                <a:ea typeface="+mn-ea"/>
+                <a:cs typeface="+mn-cs"/>
+              </a:defRPr>
+            </a:lvl6pPr>
+            <a:lvl7pPr marL="2971800" indent="-228600" algn="l" defTabSz="914400" rtl="0" eaLnBrk="1" latinLnBrk="0" hangingPunct="1">
+              <a:lnSpc>
+                <a:spcPct val="90000"/>
+              </a:lnSpc>
+              <a:spcBef>
+                <a:spcPts val="500"/>
+              </a:spcBef>
+              <a:buFont typeface="Arial" panose="020B0604020202020204" pitchFamily="34" charset="0"/>
+              <a:buChar char="•"/>
+              <a:defRPr sz="1800" kern="1200">
+                <a:solidFill>
+                  <a:schemeClr val="tx1"/>
+                </a:solidFill>
+                <a:latin typeface="+mn-lt"/>
+                <a:ea typeface="+mn-ea"/>
+                <a:cs typeface="+mn-cs"/>
+              </a:defRPr>
+            </a:lvl7pPr>
+            <a:lvl8pPr marL="3429000" indent="-228600" algn="l" defTabSz="914400" rtl="0" eaLnBrk="1" latinLnBrk="0" hangingPunct="1">
+              <a:lnSpc>
+                <a:spcPct val="90000"/>
+              </a:lnSpc>
+              <a:spcBef>
+                <a:spcPts val="500"/>
+              </a:spcBef>
+              <a:buFont typeface="Arial" panose="020B0604020202020204" pitchFamily="34" charset="0"/>
+              <a:buChar char="•"/>
+              <a:defRPr sz="1800" kern="1200">
+                <a:solidFill>
+                  <a:schemeClr val="tx1"/>
+                </a:solidFill>
+                <a:latin typeface="+mn-lt"/>
+                <a:ea typeface="+mn-ea"/>
+                <a:cs typeface="+mn-cs"/>
+              </a:defRPr>
+            </a:lvl8pPr>
+            <a:lvl9pPr marL="3886200" indent="-228600" algn="l" defTabSz="914400" rtl="0" eaLnBrk="1" latinLnBrk="0" hangingPunct="1">
+              <a:lnSpc>
+                <a:spcPct val="90000"/>
+              </a:lnSpc>
+              <a:spcBef>
+                <a:spcPts val="500"/>
+              </a:spcBef>
+              <a:buFont typeface="Arial" panose="020B0604020202020204" pitchFamily="34" charset="0"/>
+              <a:buChar char="•"/>
+              <a:defRPr sz="1800" kern="1200">
+                <a:solidFill>
+                  <a:schemeClr val="tx1"/>
+                </a:solidFill>
+                <a:latin typeface="+mn-lt"/>
+                <a:ea typeface="+mn-ea"/>
+                <a:cs typeface="+mn-cs"/>
+              </a:defRPr>
+            </a:lvl9pPr>
+          </a:lstStyle>
+          <a:p>
+            <a:r>
+              <a:rPr lang="zh-TW" altLang="en-US"/>
+              <a:t>範例如下：</a:t>
+            </a:r>
+          </a:p>
+        </p:txBody>
+      </p:sp>
+      <p:grpSp>
+        <p:nvGrpSpPr>
+          <p:cNvPr id="10" name="群組 9">
+            <a:extLst>
+              <a:ext uri="{FF2B5EF4-FFF2-40B4-BE49-F238E27FC236}">
+                <a16:creationId xmlns:a16="http://schemas.microsoft.com/office/drawing/2014/main" id="{9BFF430B-E287-46C5-A0E8-55D339DBED08}"/>
+              </a:ext>
+            </a:extLst>
+          </p:cNvPr>
+          <p:cNvGrpSpPr/>
+          <p:nvPr/>
+        </p:nvGrpSpPr>
+        <p:grpSpPr>
+          <a:xfrm>
+            <a:off x="761999" y="5301343"/>
+            <a:ext cx="10667999" cy="830997"/>
+            <a:chOff x="7532015" y="3822156"/>
+            <a:chExt cx="10667999" cy="830997"/>
+          </a:xfrm>
+        </p:grpSpPr>
+        <p:sp>
+          <p:nvSpPr>
+            <p:cNvPr id="11" name="Rectangle 1">
+              <a:extLst>
+                <a:ext uri="{FF2B5EF4-FFF2-40B4-BE49-F238E27FC236}">
+                  <a16:creationId xmlns:a16="http://schemas.microsoft.com/office/drawing/2014/main" id="{A059D418-28C9-4F40-BAC5-42233703C053}"/>
+                </a:ext>
+              </a:extLst>
+            </p:cNvPr>
+            <p:cNvSpPr>
+              <a:spLocks noChangeArrowheads="1"/>
+            </p:cNvSpPr>
+            <p:nvPr/>
+          </p:nvSpPr>
+          <p:spPr bwMode="auto">
+            <a:xfrm>
+              <a:off x="7532015" y="3822156"/>
+              <a:ext cx="10667999" cy="830997"/>
+            </a:xfrm>
+            <a:prstGeom prst="rect">
+              <a:avLst/>
+            </a:prstGeom>
+            <a:solidFill>
+              <a:srgbClr val="1E1F22"/>
+            </a:solidFill>
+            <a:ln>
+              <a:noFill/>
+            </a:ln>
+            <a:effectLst/>
+            <a:extLst>
+              <a:ext uri="{91240B29-F687-4F45-9708-019B960494DF}">
+                <a14:hiddenLine xmlns:a14="http://schemas.microsoft.com/office/drawing/2010/main" w="9525">
+                  <a:solidFill>
+                    <a:schemeClr val="tx1"/>
+                  </a:solidFill>
+                  <a:miter lim="800000"/>
+                  <a:headEnd/>
+                  <a:tailEnd/>
+                </a14:hiddenLine>
+              </a:ext>
+              <a:ext uri="{AF507438-7753-43E0-B8FC-AC1667EBCBE1}">
+                <a14:hiddenEffects xmlns:a14="http://schemas.microsoft.com/office/drawing/2010/main">
+                  <a:effectLst>
+                    <a:outerShdw dist="35921" dir="2700000" algn="ctr" rotWithShape="0">
+                      <a:schemeClr val="bg2"/>
+                    </a:outerShdw>
+                  </a:effectLst>
+                </a14:hiddenEffects>
+              </a:ext>
+            </a:extLst>
+          </p:spPr>
+          <p:txBody>
+            <a:bodyPr vert="horz" wrap="square" lIns="91440" tIns="45720" rIns="91440" bIns="45720" numCol="1" anchor="ctr" anchorCtr="0" compatLnSpc="1">
+              <a:prstTxWarp prst="textNoShape">
+                <a:avLst/>
+              </a:prstTxWarp>
+              <a:spAutoFit/>
+            </a:bodyPr>
+            <a:lstStyle/>
+            <a:p>
+              <a:r>
+                <a:rPr lang="en-US" altLang="zh-TW" sz="2400">
+                  <a:solidFill>
+                    <a:srgbClr val="BCBEC4"/>
+                  </a:solidFill>
+                  <a:latin typeface="+mj-lt"/>
+                  <a:cs typeface="JetBrains Mono" panose="02000009000000000000" pitchFamily="49" charset="0"/>
+                </a:rPr>
+                <a:t>True</a:t>
+              </a:r>
+            </a:p>
+            <a:p>
+              <a:r>
+                <a:rPr lang="en-US" altLang="zh-TW" sz="2400">
+                  <a:solidFill>
+                    <a:srgbClr val="BCBEC4"/>
+                  </a:solidFill>
+                  <a:latin typeface="+mj-lt"/>
+                  <a:cs typeface="JetBrains Mono" panose="02000009000000000000" pitchFamily="49" charset="0"/>
+                </a:rPr>
+                <a:t>True</a:t>
+              </a:r>
+              <a:endParaRPr lang="zh-TW" altLang="en-US" sz="2400">
+                <a:solidFill>
+                  <a:srgbClr val="BCBEC4"/>
+                </a:solidFill>
+                <a:latin typeface="+mj-lt"/>
+                <a:cs typeface="JetBrains Mono" panose="02000009000000000000" pitchFamily="49" charset="0"/>
+              </a:endParaRPr>
+            </a:p>
+          </p:txBody>
+        </p:sp>
+        <p:sp>
+          <p:nvSpPr>
+            <p:cNvPr id="12" name="文字方塊 11">
+              <a:extLst>
+                <a:ext uri="{FF2B5EF4-FFF2-40B4-BE49-F238E27FC236}">
+                  <a16:creationId xmlns:a16="http://schemas.microsoft.com/office/drawing/2014/main" id="{00612323-2070-478C-B607-2EDD6ADF3810}"/>
+                </a:ext>
+              </a:extLst>
+            </p:cNvPr>
+            <p:cNvSpPr txBox="1"/>
+            <p:nvPr/>
+          </p:nvSpPr>
+          <p:spPr>
+            <a:xfrm>
+              <a:off x="17342087" y="4314599"/>
+              <a:ext cx="857927" cy="338554"/>
+            </a:xfrm>
+            <a:prstGeom prst="rect">
+              <a:avLst/>
+            </a:prstGeom>
+            <a:noFill/>
+          </p:spPr>
+          <p:txBody>
+            <a:bodyPr wrap="none" rtlCol="0">
+              <a:spAutoFit/>
+            </a:bodyPr>
+            <a:lstStyle/>
+            <a:p>
+              <a:r>
+                <a:rPr lang="en-US" altLang="zh-TW" sz="1600">
+                  <a:solidFill>
+                    <a:schemeClr val="accent3"/>
+                  </a:solidFill>
+                </a:rPr>
+                <a:t>output</a:t>
+              </a:r>
+              <a:endParaRPr lang="zh-TW" altLang="en-US" sz="1600">
+                <a:solidFill>
+                  <a:schemeClr val="accent3"/>
+                </a:solidFill>
+              </a:endParaRPr>
+            </a:p>
+          </p:txBody>
+        </p:sp>
+      </p:grpSp>
+      <p:grpSp>
+        <p:nvGrpSpPr>
+          <p:cNvPr id="16" name="群組 15">
+            <a:extLst>
+              <a:ext uri="{FF2B5EF4-FFF2-40B4-BE49-F238E27FC236}">
+                <a16:creationId xmlns:a16="http://schemas.microsoft.com/office/drawing/2014/main" id="{98B672DF-8EFB-4DB4-8503-FD96DFCF79A4}"/>
+              </a:ext>
+            </a:extLst>
+          </p:cNvPr>
+          <p:cNvGrpSpPr/>
+          <p:nvPr/>
+        </p:nvGrpSpPr>
+        <p:grpSpPr>
+          <a:xfrm>
+            <a:off x="762000" y="3582419"/>
+            <a:ext cx="10668000" cy="1569660"/>
+            <a:chOff x="762000" y="3516075"/>
+            <a:chExt cx="10668000" cy="1569660"/>
+          </a:xfrm>
+        </p:grpSpPr>
+        <p:sp>
+          <p:nvSpPr>
+            <p:cNvPr id="8" name="Rectangle 3">
+              <a:extLst>
+                <a:ext uri="{FF2B5EF4-FFF2-40B4-BE49-F238E27FC236}">
+                  <a16:creationId xmlns:a16="http://schemas.microsoft.com/office/drawing/2014/main" id="{D26F778D-45FA-420A-8F59-765C59F85820}"/>
+                </a:ext>
+              </a:extLst>
+            </p:cNvPr>
+            <p:cNvSpPr>
+              <a:spLocks noChangeArrowheads="1"/>
+            </p:cNvSpPr>
+            <p:nvPr/>
+          </p:nvSpPr>
+          <p:spPr bwMode="auto">
+            <a:xfrm>
+              <a:off x="762000" y="3516075"/>
+              <a:ext cx="10668000" cy="1569660"/>
+            </a:xfrm>
+            <a:prstGeom prst="rect">
+              <a:avLst/>
+            </a:prstGeom>
+            <a:solidFill>
+              <a:srgbClr val="1E1F22"/>
+            </a:solidFill>
+            <a:ln>
+              <a:noFill/>
+            </a:ln>
+            <a:effectLst/>
+            <a:extLst>
+              <a:ext uri="{91240B29-F687-4F45-9708-019B960494DF}">
+                <a14:hiddenLine xmlns:a14="http://schemas.microsoft.com/office/drawing/2010/main" w="9525">
+                  <a:solidFill>
+                    <a:schemeClr val="tx1"/>
+                  </a:solidFill>
+                  <a:miter lim="800000"/>
+                  <a:headEnd/>
+                  <a:tailEnd/>
+                </a14:hiddenLine>
+              </a:ext>
+              <a:ext uri="{AF507438-7753-43E0-B8FC-AC1667EBCBE1}">
+                <a14:hiddenEffects xmlns:a14="http://schemas.microsoft.com/office/drawing/2010/main">
+                  <a:effectLst>
+                    <a:outerShdw dist="35921" dir="2700000" algn="ctr" rotWithShape="0">
+                      <a:schemeClr val="bg2"/>
+                    </a:outerShdw>
+                  </a:effectLst>
+                </a14:hiddenEffects>
+              </a:ext>
+            </a:extLst>
+          </p:spPr>
+          <p:txBody>
+            <a:bodyPr vert="horz" wrap="square" lIns="91440" tIns="45720" rIns="91440" bIns="45720" numCol="1" anchor="ctr" anchorCtr="0" compatLnSpc="1">
+              <a:prstTxWarp prst="textNoShape">
+                <a:avLst/>
+              </a:prstTxWarp>
+              <a:spAutoFit/>
+            </a:bodyPr>
+            <a:lstStyle/>
+            <a:p>
+              <a:pPr marL="0" marR="0" lvl="0" indent="0" algn="l" defTabSz="914400" rtl="0" eaLnBrk="0" fontAlgn="base" latinLnBrk="0" hangingPunct="0">
+                <a:lnSpc>
+                  <a:spcPct val="100000"/>
+                </a:lnSpc>
+                <a:spcBef>
+                  <a:spcPct val="0"/>
+                </a:spcBef>
+                <a:spcAft>
+                  <a:spcPct val="0"/>
+                </a:spcAft>
+                <a:buClrTx/>
+                <a:buSzTx/>
+                <a:buFontTx/>
+                <a:buNone/>
+                <a:tabLst/>
+              </a:pPr>
+              <a:r>
+                <a:rPr kumimoji="0" lang="zh-TW" altLang="zh-TW" sz="2400" b="0" i="0" u="none" strike="noStrike" cap="none" normalizeH="0" baseline="0">
+                  <a:ln>
+                    <a:noFill/>
+                  </a:ln>
+                  <a:solidFill>
+                    <a:srgbClr val="CF8E6D"/>
+                  </a:solidFill>
+                  <a:effectLst/>
+                  <a:latin typeface="+mj-lt"/>
+                  <a:cs typeface="JetBrains Mono" panose="02000009000000000000" pitchFamily="49" charset="0"/>
+                </a:rPr>
+                <a:t>final int </a:t>
+              </a:r>
+              <a:r>
+                <a:rPr kumimoji="0" lang="zh-TW" altLang="zh-TW" sz="2400" b="0" i="0" u="none" strike="noStrike" cap="none" normalizeH="0" baseline="0">
+                  <a:ln>
+                    <a:noFill/>
+                  </a:ln>
+                  <a:solidFill>
+                    <a:srgbClr val="BCBEC4"/>
+                  </a:solidFill>
+                  <a:effectLst/>
+                  <a:latin typeface="+mj-lt"/>
+                  <a:cs typeface="JetBrains Mono" panose="02000009000000000000" pitchFamily="49" charset="0"/>
+                </a:rPr>
+                <a:t>INT_MAX = </a:t>
+              </a:r>
+              <a:r>
+                <a:rPr kumimoji="0" lang="zh-TW" altLang="zh-TW" sz="2400" b="0" i="0" u="none" strike="noStrike" cap="none" normalizeH="0" baseline="0">
+                  <a:ln>
+                    <a:noFill/>
+                  </a:ln>
+                  <a:solidFill>
+                    <a:srgbClr val="2AACB8"/>
+                  </a:solidFill>
+                  <a:effectLst/>
+                  <a:latin typeface="+mj-lt"/>
+                  <a:cs typeface="JetBrains Mono" panose="02000009000000000000" pitchFamily="49" charset="0"/>
+                </a:rPr>
+                <a:t>2147483647</a:t>
+              </a:r>
+              <a:r>
+                <a:rPr kumimoji="0" lang="zh-TW" altLang="zh-TW" sz="2400" b="0" i="0" u="none" strike="noStrike" cap="none" normalizeH="0" baseline="0">
+                  <a:ln>
+                    <a:noFill/>
+                  </a:ln>
+                  <a:solidFill>
+                    <a:srgbClr val="BCBEC4"/>
+                  </a:solidFill>
+                  <a:effectLst/>
+                  <a:latin typeface="+mj-lt"/>
+                  <a:cs typeface="JetBrains Mono" panose="02000009000000000000" pitchFamily="49" charset="0"/>
+                </a:rPr>
+                <a:t>;</a:t>
+              </a:r>
+              <a:br>
+                <a:rPr kumimoji="0" lang="zh-TW" altLang="zh-TW" sz="2400" b="0" i="0" u="none" strike="noStrike" cap="none" normalizeH="0" baseline="0">
+                  <a:ln>
+                    <a:noFill/>
+                  </a:ln>
+                  <a:solidFill>
+                    <a:srgbClr val="BCBEC4"/>
+                  </a:solidFill>
+                  <a:effectLst/>
+                  <a:latin typeface="+mj-lt"/>
+                  <a:cs typeface="JetBrains Mono" panose="02000009000000000000" pitchFamily="49" charset="0"/>
+                </a:rPr>
+              </a:br>
+              <a:r>
+                <a:rPr kumimoji="0" lang="zh-TW" altLang="zh-TW" sz="2400" b="0" i="0" u="none" strike="noStrike" cap="none" normalizeH="0" baseline="0">
+                  <a:ln>
+                    <a:noFill/>
+                  </a:ln>
+                  <a:solidFill>
+                    <a:srgbClr val="CF8E6D"/>
+                  </a:solidFill>
+                  <a:effectLst/>
+                  <a:latin typeface="+mj-lt"/>
+                  <a:cs typeface="JetBrains Mono" panose="02000009000000000000" pitchFamily="49" charset="0"/>
+                </a:rPr>
+                <a:t>final int </a:t>
+              </a:r>
+              <a:r>
+                <a:rPr kumimoji="0" lang="zh-TW" altLang="zh-TW" sz="2400" b="0" i="0" u="none" strike="noStrike" cap="none" normalizeH="0" baseline="0">
+                  <a:ln>
+                    <a:noFill/>
+                  </a:ln>
+                  <a:solidFill>
+                    <a:srgbClr val="BCBEC4"/>
+                  </a:solidFill>
+                  <a:effectLst/>
+                  <a:latin typeface="+mj-lt"/>
+                  <a:cs typeface="JetBrains Mono" panose="02000009000000000000" pitchFamily="49" charset="0"/>
+                </a:rPr>
+                <a:t>INT_MIN = -</a:t>
+              </a:r>
+              <a:r>
+                <a:rPr kumimoji="0" lang="zh-TW" altLang="zh-TW" sz="2400" b="0" i="0" u="none" strike="noStrike" cap="none" normalizeH="0" baseline="0">
+                  <a:ln>
+                    <a:noFill/>
+                  </a:ln>
+                  <a:solidFill>
+                    <a:srgbClr val="2AACB8"/>
+                  </a:solidFill>
+                  <a:effectLst/>
+                  <a:latin typeface="+mj-lt"/>
+                  <a:cs typeface="JetBrains Mono" panose="02000009000000000000" pitchFamily="49" charset="0"/>
+                </a:rPr>
+                <a:t>2147483648</a:t>
+              </a:r>
+              <a:r>
+                <a:rPr kumimoji="0" lang="zh-TW" altLang="zh-TW" sz="2400" b="0" i="0" u="none" strike="noStrike" cap="none" normalizeH="0" baseline="0">
+                  <a:ln>
+                    <a:noFill/>
+                  </a:ln>
+                  <a:solidFill>
+                    <a:srgbClr val="BCBEC4"/>
+                  </a:solidFill>
+                  <a:effectLst/>
+                  <a:latin typeface="+mj-lt"/>
+                  <a:cs typeface="JetBrains Mono" panose="02000009000000000000" pitchFamily="49" charset="0"/>
+                </a:rPr>
+                <a:t>;</a:t>
+              </a:r>
+              <a:br>
+                <a:rPr kumimoji="0" lang="zh-TW" altLang="zh-TW" sz="2400" b="0" i="0" u="none" strike="noStrike" cap="none" normalizeH="0" baseline="0">
+                  <a:ln>
+                    <a:noFill/>
+                  </a:ln>
+                  <a:solidFill>
+                    <a:srgbClr val="BCBEC4"/>
+                  </a:solidFill>
+                  <a:effectLst/>
+                  <a:latin typeface="+mj-lt"/>
+                  <a:cs typeface="JetBrains Mono" panose="02000009000000000000" pitchFamily="49" charset="0"/>
+                </a:rPr>
+              </a:br>
+              <a:r>
+                <a:rPr kumimoji="0" lang="zh-TW" altLang="zh-TW" sz="2400" b="0" i="0" u="none" strike="noStrike" cap="none" normalizeH="0" baseline="0">
+                  <a:ln>
+                    <a:noFill/>
+                  </a:ln>
+                  <a:solidFill>
+                    <a:srgbClr val="BCBEC4"/>
+                  </a:solidFill>
+                  <a:effectLst/>
+                  <a:latin typeface="+mj-lt"/>
+                  <a:cs typeface="JetBrains Mono" panose="02000009000000000000" pitchFamily="49" charset="0"/>
+                </a:rPr>
+                <a:t>System.</a:t>
+              </a:r>
+              <a:r>
+                <a:rPr kumimoji="0" lang="zh-TW" altLang="zh-TW" sz="2400" b="0" i="1" u="none" strike="noStrike" cap="none" normalizeH="0" baseline="0">
+                  <a:ln>
+                    <a:noFill/>
+                  </a:ln>
+                  <a:solidFill>
+                    <a:srgbClr val="C77DBB"/>
+                  </a:solidFill>
+                  <a:effectLst/>
+                  <a:latin typeface="+mj-lt"/>
+                  <a:cs typeface="JetBrains Mono" panose="02000009000000000000" pitchFamily="49" charset="0"/>
+                </a:rPr>
+                <a:t>out</a:t>
+              </a:r>
+              <a:r>
+                <a:rPr kumimoji="0" lang="zh-TW" altLang="zh-TW" sz="2400" b="0" i="0" u="none" strike="noStrike" cap="none" normalizeH="0" baseline="0">
+                  <a:ln>
+                    <a:noFill/>
+                  </a:ln>
+                  <a:solidFill>
+                    <a:srgbClr val="BCBEC4"/>
+                  </a:solidFill>
+                  <a:effectLst/>
+                  <a:latin typeface="+mj-lt"/>
+                  <a:cs typeface="JetBrains Mono" panose="02000009000000000000" pitchFamily="49" charset="0"/>
+                </a:rPr>
+                <a:t>.println(INT_MAX + </a:t>
+              </a:r>
+              <a:r>
+                <a:rPr kumimoji="0" lang="zh-TW" altLang="zh-TW" sz="2400" b="0" i="0" u="none" strike="noStrike" cap="none" normalizeH="0" baseline="0">
+                  <a:ln>
+                    <a:noFill/>
+                  </a:ln>
+                  <a:solidFill>
+                    <a:srgbClr val="2AACB8"/>
+                  </a:solidFill>
+                  <a:effectLst/>
+                  <a:latin typeface="+mj-lt"/>
+                  <a:cs typeface="JetBrains Mono" panose="02000009000000000000" pitchFamily="49" charset="0"/>
+                </a:rPr>
+                <a:t>1 </a:t>
+              </a:r>
+              <a:r>
+                <a:rPr kumimoji="0" lang="zh-TW" altLang="zh-TW" sz="2400" b="0" i="0" u="none" strike="noStrike" cap="none" normalizeH="0" baseline="0">
+                  <a:ln>
+                    <a:noFill/>
+                  </a:ln>
+                  <a:solidFill>
+                    <a:srgbClr val="BCBEC4"/>
+                  </a:solidFill>
+                  <a:effectLst/>
+                  <a:latin typeface="+mj-lt"/>
+                  <a:cs typeface="JetBrains Mono" panose="02000009000000000000" pitchFamily="49" charset="0"/>
+                </a:rPr>
+                <a:t>== INT_MIN ? </a:t>
+              </a:r>
+              <a:r>
+                <a:rPr kumimoji="0" lang="zh-TW" altLang="zh-TW" sz="2400" b="0" i="0" u="none" strike="noStrike" cap="none" normalizeH="0" baseline="0">
+                  <a:ln>
+                    <a:noFill/>
+                  </a:ln>
+                  <a:solidFill>
+                    <a:srgbClr val="6AAB73"/>
+                  </a:solidFill>
+                  <a:effectLst/>
+                  <a:latin typeface="+mj-lt"/>
+                  <a:cs typeface="JetBrains Mono" panose="02000009000000000000" pitchFamily="49" charset="0"/>
+                </a:rPr>
+                <a:t>"True" </a:t>
+              </a:r>
+              <a:r>
+                <a:rPr kumimoji="0" lang="zh-TW" altLang="zh-TW" sz="2400" b="0" i="0" u="none" strike="noStrike" cap="none" normalizeH="0" baseline="0">
+                  <a:ln>
+                    <a:noFill/>
+                  </a:ln>
+                  <a:solidFill>
+                    <a:srgbClr val="BCBEC4"/>
+                  </a:solidFill>
+                  <a:effectLst/>
+                  <a:latin typeface="+mj-lt"/>
+                  <a:cs typeface="JetBrains Mono" panose="02000009000000000000" pitchFamily="49" charset="0"/>
+                </a:rPr>
+                <a:t>: </a:t>
+              </a:r>
+              <a:r>
+                <a:rPr kumimoji="0" lang="zh-TW" altLang="zh-TW" sz="2400" b="0" i="0" u="none" strike="noStrike" cap="none" normalizeH="0" baseline="0">
+                  <a:ln>
+                    <a:noFill/>
+                  </a:ln>
+                  <a:solidFill>
+                    <a:srgbClr val="6AAB73"/>
+                  </a:solidFill>
+                  <a:effectLst/>
+                  <a:latin typeface="+mj-lt"/>
+                  <a:cs typeface="JetBrains Mono" panose="02000009000000000000" pitchFamily="49" charset="0"/>
+                </a:rPr>
+                <a:t>"False"</a:t>
+              </a:r>
+              <a:r>
+                <a:rPr kumimoji="0" lang="zh-TW" altLang="zh-TW" sz="2400" b="0" i="0" u="none" strike="noStrike" cap="none" normalizeH="0" baseline="0">
+                  <a:ln>
+                    <a:noFill/>
+                  </a:ln>
+                  <a:solidFill>
+                    <a:srgbClr val="BCBEC4"/>
+                  </a:solidFill>
+                  <a:effectLst/>
+                  <a:latin typeface="+mj-lt"/>
+                  <a:cs typeface="JetBrains Mono" panose="02000009000000000000" pitchFamily="49" charset="0"/>
+                </a:rPr>
+                <a:t>);</a:t>
+              </a:r>
+              <a:endParaRPr kumimoji="0" lang="en-US" altLang="zh-TW" sz="2400" b="0" i="0" u="none" strike="noStrike" cap="none" normalizeH="0" baseline="0">
+                <a:ln>
+                  <a:noFill/>
+                </a:ln>
+                <a:solidFill>
+                  <a:srgbClr val="BCBEC4"/>
+                </a:solidFill>
+                <a:effectLst/>
+                <a:latin typeface="+mj-lt"/>
+                <a:cs typeface="JetBrains Mono" panose="02000009000000000000" pitchFamily="49" charset="0"/>
+              </a:endParaRPr>
+            </a:p>
+            <a:p>
+              <a:pPr eaLnBrk="0" fontAlgn="base" hangingPunct="0">
+                <a:spcBef>
+                  <a:spcPct val="0"/>
+                </a:spcBef>
+                <a:spcAft>
+                  <a:spcPct val="0"/>
+                </a:spcAft>
+              </a:pPr>
+              <a:r>
+                <a:rPr kumimoji="0" lang="zh-TW" altLang="zh-TW" sz="2400" b="0" i="0" u="none" strike="noStrike" cap="none" normalizeH="0" baseline="0">
+                  <a:ln>
+                    <a:noFill/>
+                  </a:ln>
+                  <a:solidFill>
+                    <a:srgbClr val="BCBEC4"/>
+                  </a:solidFill>
+                  <a:effectLst/>
+                  <a:latin typeface="+mj-lt"/>
+                  <a:cs typeface="JetBrains Mono" panose="02000009000000000000" pitchFamily="49" charset="0"/>
+                </a:rPr>
+                <a:t>System.</a:t>
+              </a:r>
+              <a:r>
+                <a:rPr kumimoji="0" lang="zh-TW" altLang="zh-TW" sz="2400" b="0" i="1" u="none" strike="noStrike" cap="none" normalizeH="0" baseline="0">
+                  <a:ln>
+                    <a:noFill/>
+                  </a:ln>
+                  <a:solidFill>
+                    <a:srgbClr val="C77DBB"/>
+                  </a:solidFill>
+                  <a:effectLst/>
+                  <a:latin typeface="+mj-lt"/>
+                  <a:cs typeface="JetBrains Mono" panose="02000009000000000000" pitchFamily="49" charset="0"/>
+                </a:rPr>
+                <a:t>out</a:t>
+              </a:r>
+              <a:r>
+                <a:rPr kumimoji="0" lang="zh-TW" altLang="zh-TW" sz="2400" b="0" i="0" u="none" strike="noStrike" cap="none" normalizeH="0" baseline="0">
+                  <a:ln>
+                    <a:noFill/>
+                  </a:ln>
+                  <a:solidFill>
+                    <a:srgbClr val="BCBEC4"/>
+                  </a:solidFill>
+                  <a:effectLst/>
+                  <a:latin typeface="+mj-lt"/>
+                  <a:cs typeface="JetBrains Mono" panose="02000009000000000000" pitchFamily="49" charset="0"/>
+                </a:rPr>
+                <a:t>.println(INT_MAX == INT_MIN - </a:t>
+              </a:r>
+              <a:r>
+                <a:rPr kumimoji="0" lang="zh-TW" altLang="zh-TW" sz="2400" b="0" i="0" u="none" strike="noStrike" cap="none" normalizeH="0" baseline="0">
+                  <a:ln>
+                    <a:noFill/>
+                  </a:ln>
+                  <a:solidFill>
+                    <a:srgbClr val="2AACB8"/>
+                  </a:solidFill>
+                  <a:effectLst/>
+                  <a:latin typeface="+mj-lt"/>
+                  <a:cs typeface="JetBrains Mono" panose="02000009000000000000" pitchFamily="49" charset="0"/>
+                </a:rPr>
+                <a:t>1 </a:t>
+              </a:r>
+              <a:r>
+                <a:rPr kumimoji="0" lang="zh-TW" altLang="zh-TW" sz="2400" b="0" i="0" u="none" strike="noStrike" cap="none" normalizeH="0" baseline="0">
+                  <a:ln>
+                    <a:noFill/>
+                  </a:ln>
+                  <a:solidFill>
+                    <a:srgbClr val="BCBEC4"/>
+                  </a:solidFill>
+                  <a:effectLst/>
+                  <a:latin typeface="+mj-lt"/>
+                  <a:cs typeface="JetBrains Mono" panose="02000009000000000000" pitchFamily="49" charset="0"/>
+                </a:rPr>
+                <a:t>? </a:t>
+              </a:r>
+              <a:r>
+                <a:rPr kumimoji="0" lang="zh-TW" altLang="zh-TW" sz="2400" b="0" i="0" u="none" strike="noStrike" cap="none" normalizeH="0" baseline="0">
+                  <a:ln>
+                    <a:noFill/>
+                  </a:ln>
+                  <a:solidFill>
+                    <a:srgbClr val="6AAB73"/>
+                  </a:solidFill>
+                  <a:effectLst/>
+                  <a:latin typeface="+mj-lt"/>
+                  <a:cs typeface="JetBrains Mono" panose="02000009000000000000" pitchFamily="49" charset="0"/>
+                </a:rPr>
+                <a:t>"True" </a:t>
+              </a:r>
+              <a:r>
+                <a:rPr kumimoji="0" lang="zh-TW" altLang="zh-TW" sz="2400" b="0" i="0" u="none" strike="noStrike" cap="none" normalizeH="0" baseline="0">
+                  <a:ln>
+                    <a:noFill/>
+                  </a:ln>
+                  <a:solidFill>
+                    <a:srgbClr val="BCBEC4"/>
+                  </a:solidFill>
+                  <a:effectLst/>
+                  <a:latin typeface="+mj-lt"/>
+                  <a:cs typeface="JetBrains Mono" panose="02000009000000000000" pitchFamily="49" charset="0"/>
+                </a:rPr>
+                <a:t>: </a:t>
+              </a:r>
+              <a:r>
+                <a:rPr kumimoji="0" lang="zh-TW" altLang="zh-TW" sz="2400" b="0" i="0" u="none" strike="noStrike" cap="none" normalizeH="0" baseline="0">
+                  <a:ln>
+                    <a:noFill/>
+                  </a:ln>
+                  <a:solidFill>
+                    <a:srgbClr val="6AAB73"/>
+                  </a:solidFill>
+                  <a:effectLst/>
+                  <a:latin typeface="+mj-lt"/>
+                  <a:cs typeface="JetBrains Mono" panose="02000009000000000000" pitchFamily="49" charset="0"/>
+                </a:rPr>
+                <a:t>"False"</a:t>
+              </a:r>
+              <a:r>
+                <a:rPr kumimoji="0" lang="zh-TW" altLang="zh-TW" sz="2400" b="0" i="0" u="none" strike="noStrike" cap="none" normalizeH="0" baseline="0">
+                  <a:ln>
+                    <a:noFill/>
+                  </a:ln>
+                  <a:solidFill>
+                    <a:srgbClr val="BCBEC4"/>
+                  </a:solidFill>
+                  <a:effectLst/>
+                  <a:latin typeface="+mj-lt"/>
+                  <a:cs typeface="JetBrains Mono" panose="02000009000000000000" pitchFamily="49" charset="0"/>
+                </a:rPr>
+                <a:t>);</a:t>
+              </a:r>
+              <a:endParaRPr kumimoji="0" lang="zh-TW" altLang="zh-TW" sz="2400" b="0" i="0" u="none" strike="noStrike" cap="none" normalizeH="0" baseline="0">
+                <a:ln>
+                  <a:noFill/>
+                </a:ln>
+                <a:solidFill>
+                  <a:schemeClr val="tx1"/>
+                </a:solidFill>
+                <a:effectLst/>
+                <a:latin typeface="+mj-lt"/>
+              </a:endParaRPr>
+            </a:p>
+          </p:txBody>
+        </p:sp>
+        <p:sp>
+          <p:nvSpPr>
+            <p:cNvPr id="13" name="文字方塊 12">
+              <a:extLst>
+                <a:ext uri="{FF2B5EF4-FFF2-40B4-BE49-F238E27FC236}">
+                  <a16:creationId xmlns:a16="http://schemas.microsoft.com/office/drawing/2014/main" id="{D2FC59C8-1884-4B4B-9417-6FCCA556006A}"/>
+                </a:ext>
+              </a:extLst>
+            </p:cNvPr>
+            <p:cNvSpPr txBox="1"/>
+            <p:nvPr/>
+          </p:nvSpPr>
+          <p:spPr>
+            <a:xfrm>
+              <a:off x="10796493" y="3532461"/>
+              <a:ext cx="633507" cy="338554"/>
+            </a:xfrm>
+            <a:prstGeom prst="rect">
+              <a:avLst/>
+            </a:prstGeom>
+            <a:noFill/>
+          </p:spPr>
+          <p:txBody>
+            <a:bodyPr wrap="none" rtlCol="0">
+              <a:spAutoFit/>
+            </a:bodyPr>
+            <a:lstStyle/>
+            <a:p>
+              <a:r>
+                <a:rPr lang="en-US" altLang="zh-TW" sz="1600">
+                  <a:solidFill>
+                    <a:schemeClr val="accent3"/>
+                  </a:solidFill>
+                  <a:latin typeface="+mj-lt"/>
+                </a:rPr>
+                <a:t>java</a:t>
+              </a:r>
+              <a:endParaRPr lang="zh-TW" altLang="en-US" sz="1600">
+                <a:solidFill>
+                  <a:schemeClr val="accent3"/>
+                </a:solidFill>
+                <a:latin typeface="+mj-lt"/>
+              </a:endParaRPr>
+            </a:p>
+          </p:txBody>
+        </p:sp>
+      </p:grpSp>
+      <p:grpSp>
+        <p:nvGrpSpPr>
+          <p:cNvPr id="15" name="群組 14">
+            <a:extLst>
+              <a:ext uri="{FF2B5EF4-FFF2-40B4-BE49-F238E27FC236}">
+                <a16:creationId xmlns:a16="http://schemas.microsoft.com/office/drawing/2014/main" id="{139D0DE0-74DA-4993-B759-992DF19E2F43}"/>
+              </a:ext>
+            </a:extLst>
+          </p:cNvPr>
+          <p:cNvGrpSpPr/>
+          <p:nvPr/>
+        </p:nvGrpSpPr>
+        <p:grpSpPr>
+          <a:xfrm>
+            <a:off x="762000" y="2331089"/>
+            <a:ext cx="10668000" cy="461665"/>
+            <a:chOff x="762000" y="2395583"/>
+            <a:chExt cx="10668000" cy="461665"/>
+          </a:xfrm>
+        </p:grpSpPr>
+        <p:sp>
+          <p:nvSpPr>
+            <p:cNvPr id="4" name="Rectangle 1">
+              <a:extLst>
+                <a:ext uri="{FF2B5EF4-FFF2-40B4-BE49-F238E27FC236}">
+                  <a16:creationId xmlns:a16="http://schemas.microsoft.com/office/drawing/2014/main" id="{DDC41B53-AFC7-4C92-ABE7-FC16085A381D}"/>
+                </a:ext>
+              </a:extLst>
+            </p:cNvPr>
+            <p:cNvSpPr>
+              <a:spLocks noChangeArrowheads="1"/>
+            </p:cNvSpPr>
+            <p:nvPr/>
+          </p:nvSpPr>
+          <p:spPr bwMode="auto">
+            <a:xfrm>
+              <a:off x="762000" y="2395583"/>
+              <a:ext cx="10668000" cy="461665"/>
+            </a:xfrm>
+            <a:prstGeom prst="rect">
+              <a:avLst/>
+            </a:prstGeom>
+            <a:solidFill>
+              <a:srgbClr val="1E1F22"/>
+            </a:solidFill>
+            <a:ln>
+              <a:noFill/>
+            </a:ln>
+            <a:effectLst/>
+            <a:extLst>
+              <a:ext uri="{91240B29-F687-4F45-9708-019B960494DF}">
+                <a14:hiddenLine xmlns:a14="http://schemas.microsoft.com/office/drawing/2010/main" w="9525">
+                  <a:solidFill>
+                    <a:schemeClr val="tx1"/>
+                  </a:solidFill>
+                  <a:miter lim="800000"/>
+                  <a:headEnd/>
+                  <a:tailEnd/>
+                </a14:hiddenLine>
+              </a:ext>
+              <a:ext uri="{AF507438-7753-43E0-B8FC-AC1667EBCBE1}">
+                <a14:hiddenEffects xmlns:a14="http://schemas.microsoft.com/office/drawing/2010/main">
+                  <a:effectLst>
+                    <a:outerShdw dist="35921" dir="2700000" algn="ctr" rotWithShape="0">
+                      <a:schemeClr val="bg2"/>
+                    </a:outerShdw>
+                  </a:effectLst>
+                </a14:hiddenEffects>
+              </a:ext>
+            </a:extLst>
+          </p:spPr>
+          <p:txBody>
+            <a:bodyPr vert="horz" wrap="square" lIns="91440" tIns="45720" rIns="91440" bIns="45720" numCol="1" anchor="ctr" anchorCtr="0" compatLnSpc="1">
+              <a:prstTxWarp prst="textNoShape">
+                <a:avLst/>
+              </a:prstTxWarp>
+              <a:spAutoFit/>
+            </a:bodyPr>
+            <a:lstStyle/>
+            <a:p>
+              <a:pPr marL="0" marR="0" lvl="0" indent="0" algn="l" defTabSz="914400" rtl="0" eaLnBrk="0" fontAlgn="base" latinLnBrk="0" hangingPunct="0">
+                <a:lnSpc>
+                  <a:spcPct val="100000"/>
+                </a:lnSpc>
+                <a:spcBef>
+                  <a:spcPct val="0"/>
+                </a:spcBef>
+                <a:spcAft>
+                  <a:spcPct val="0"/>
+                </a:spcAft>
+                <a:buClrTx/>
+                <a:buSzTx/>
+                <a:buFontTx/>
+                <a:buNone/>
+                <a:tabLst/>
+              </a:pPr>
+              <a:r>
+                <a:rPr lang="en-US" altLang="zh-TW" sz="2400">
+                  <a:solidFill>
+                    <a:srgbClr val="00B0F0"/>
+                  </a:solidFill>
+                  <a:latin typeface="+mj-lt"/>
+                  <a:cs typeface="JetBrains Mono" panose="02000009000000000000" pitchFamily="49" charset="0"/>
+                </a:rPr>
+                <a:t>boolean(</a:t>
+              </a:r>
+              <a:r>
+                <a:rPr lang="zh-TW" altLang="en-US" sz="2400">
+                  <a:solidFill>
+                    <a:srgbClr val="00B0F0"/>
+                  </a:solidFill>
+                  <a:latin typeface="+mj-lt"/>
+                  <a:cs typeface="JetBrains Mono" panose="02000009000000000000" pitchFamily="49" charset="0"/>
+                </a:rPr>
+                <a:t>條件</a:t>
+              </a:r>
+              <a:r>
+                <a:rPr lang="en-US" altLang="zh-TW" sz="2400">
+                  <a:solidFill>
+                    <a:srgbClr val="00B0F0"/>
+                  </a:solidFill>
+                  <a:latin typeface="+mj-lt"/>
+                  <a:cs typeface="JetBrains Mono" panose="02000009000000000000" pitchFamily="49" charset="0"/>
+                </a:rPr>
+                <a:t>)</a:t>
+              </a:r>
+              <a:r>
+                <a:rPr kumimoji="0" lang="zh-TW" altLang="zh-TW" sz="2400" b="0" i="0" u="none" strike="noStrike" cap="none" normalizeH="0" baseline="0">
+                  <a:ln>
+                    <a:noFill/>
+                  </a:ln>
+                  <a:solidFill>
+                    <a:srgbClr val="CF8E6D"/>
+                  </a:solidFill>
+                  <a:effectLst/>
+                  <a:latin typeface="+mj-lt"/>
+                  <a:cs typeface="JetBrains Mono" panose="02000009000000000000" pitchFamily="49" charset="0"/>
+                </a:rPr>
+                <a:t> </a:t>
+              </a:r>
+              <a:r>
+                <a:rPr kumimoji="0" lang="zh-TW" altLang="zh-TW" sz="2400" b="0" i="0" u="none" strike="noStrike" cap="none" normalizeH="0" baseline="0">
+                  <a:ln>
+                    <a:noFill/>
+                  </a:ln>
+                  <a:solidFill>
+                    <a:srgbClr val="BCBEC4"/>
+                  </a:solidFill>
+                  <a:effectLst/>
+                  <a:latin typeface="+mj-lt"/>
+                  <a:cs typeface="JetBrains Mono" panose="02000009000000000000" pitchFamily="49" charset="0"/>
+                </a:rPr>
+                <a:t>? </a:t>
+              </a:r>
+              <a:r>
+                <a:rPr kumimoji="0" lang="zh-TW" altLang="en-US" sz="2400" b="0" i="0" u="none" strike="noStrike" cap="none" normalizeH="0" baseline="0">
+                  <a:ln>
+                    <a:noFill/>
+                  </a:ln>
+                  <a:solidFill>
+                    <a:srgbClr val="92D050"/>
+                  </a:solidFill>
+                  <a:effectLst/>
+                  <a:latin typeface="+mj-lt"/>
+                  <a:cs typeface="JetBrains Mono" panose="02000009000000000000" pitchFamily="49" charset="0"/>
+                </a:rPr>
+                <a:t>條件為真時的返回值</a:t>
+              </a:r>
+              <a:r>
+                <a:rPr kumimoji="0" lang="zh-TW" altLang="zh-TW" sz="2400" b="0" i="0" u="none" strike="noStrike" cap="none" normalizeH="0" baseline="0">
+                  <a:ln>
+                    <a:noFill/>
+                  </a:ln>
+                  <a:solidFill>
+                    <a:srgbClr val="2AACB8"/>
+                  </a:solidFill>
+                  <a:effectLst/>
+                  <a:latin typeface="+mj-lt"/>
+                  <a:cs typeface="JetBrains Mono" panose="02000009000000000000" pitchFamily="49" charset="0"/>
+                </a:rPr>
+                <a:t> </a:t>
+              </a:r>
+              <a:r>
+                <a:rPr kumimoji="0" lang="zh-TW" altLang="zh-TW" sz="2400" b="0" i="0" u="none" strike="noStrike" cap="none" normalizeH="0" baseline="0">
+                  <a:ln>
+                    <a:noFill/>
+                  </a:ln>
+                  <a:solidFill>
+                    <a:srgbClr val="BCBEC4"/>
+                  </a:solidFill>
+                  <a:effectLst/>
+                  <a:latin typeface="+mj-lt"/>
+                  <a:cs typeface="JetBrains Mono" panose="02000009000000000000" pitchFamily="49" charset="0"/>
+                </a:rPr>
+                <a:t>: </a:t>
+              </a:r>
+              <a:r>
+                <a:rPr lang="zh-TW" altLang="en-US" sz="2400">
+                  <a:solidFill>
+                    <a:srgbClr val="92D050"/>
+                  </a:solidFill>
+                  <a:latin typeface="+mj-lt"/>
+                  <a:cs typeface="JetBrains Mono" panose="02000009000000000000" pitchFamily="49" charset="0"/>
+                </a:rPr>
+                <a:t>條件為假時的返回值</a:t>
+              </a:r>
+              <a:endParaRPr kumimoji="0" lang="zh-TW" altLang="zh-TW" sz="4000" b="0" i="0" u="none" strike="noStrike" cap="none" normalizeH="0" baseline="0">
+                <a:ln>
+                  <a:noFill/>
+                </a:ln>
+                <a:solidFill>
+                  <a:srgbClr val="92D050"/>
+                </a:solidFill>
+                <a:effectLst/>
+                <a:latin typeface="+mj-lt"/>
+              </a:endParaRPr>
+            </a:p>
+          </p:txBody>
+        </p:sp>
+        <p:sp>
+          <p:nvSpPr>
+            <p:cNvPr id="14" name="文字方塊 13">
+              <a:extLst>
+                <a:ext uri="{FF2B5EF4-FFF2-40B4-BE49-F238E27FC236}">
+                  <a16:creationId xmlns:a16="http://schemas.microsoft.com/office/drawing/2014/main" id="{9CDA37A0-EDA6-412D-B96C-782E6FFBE422}"/>
+                </a:ext>
+              </a:extLst>
+            </p:cNvPr>
+            <p:cNvSpPr txBox="1"/>
+            <p:nvPr/>
+          </p:nvSpPr>
+          <p:spPr>
+            <a:xfrm>
+              <a:off x="10796493" y="2518694"/>
+              <a:ext cx="633507" cy="338554"/>
+            </a:xfrm>
+            <a:prstGeom prst="rect">
+              <a:avLst/>
+            </a:prstGeom>
+            <a:noFill/>
+          </p:spPr>
+          <p:txBody>
+            <a:bodyPr wrap="none" rtlCol="0">
+              <a:spAutoFit/>
+            </a:bodyPr>
+            <a:lstStyle/>
+            <a:p>
+              <a:r>
+                <a:rPr lang="en-US" altLang="zh-TW" sz="1600">
+                  <a:solidFill>
+                    <a:schemeClr val="accent3"/>
+                  </a:solidFill>
+                </a:rPr>
+                <a:t>java</a:t>
+              </a:r>
+              <a:endParaRPr lang="zh-TW" altLang="en-US" sz="1600">
+                <a:solidFill>
+                  <a:schemeClr val="accent3"/>
+                </a:solidFill>
+              </a:endParaRPr>
+            </a:p>
+          </p:txBody>
+        </p:sp>
+      </p:grpSp>
+    </p:spTree>
+    <p:extLst>
+      <p:ext uri="{BB962C8B-B14F-4D97-AF65-F5344CB8AC3E}">
+        <p14:creationId xmlns:p14="http://schemas.microsoft.com/office/powerpoint/2010/main" val="318815027"/>
+      </p:ext>
+    </p:extLst>
+  </p:cSld>
+  <p:clrMapOvr>
+    <a:masterClrMapping/>
+  </p:clrMapOvr>
+  <p:transition spd="slow">
+    <p:push dir="u"/>
+  </p:transition>
+</p:sld>
+</file>
+
+<file path=ppt/slides/slide20.xml><?xml version="1.0" encoding="utf-8"?>
 <p:sld xmlns:a="http://schemas.openxmlformats.org/drawingml/2006/main" xmlns:r="http://schemas.openxmlformats.org/officeDocument/2006/relationships" xmlns:p="http://schemas.openxmlformats.org/presentationml/2006/main">
   <p:cSld>
     <p:spTree>
@@ -22739,1308 +25768,7 @@
 </p:sld>
 </file>
 
-<file path=ppt/slides/slide2.xml><?xml version="1.0" encoding="utf-8"?>
-<p:sld xmlns:a="http://schemas.openxmlformats.org/drawingml/2006/main" xmlns:r="http://schemas.openxmlformats.org/officeDocument/2006/relationships" xmlns:p="http://schemas.openxmlformats.org/presentationml/2006/main">
-  <p:cSld>
-    <p:spTree>
-      <p:nvGrpSpPr>
-        <p:cNvPr id="1" name=""/>
-        <p:cNvGrpSpPr/>
-        <p:nvPr/>
-      </p:nvGrpSpPr>
-      <p:grpSpPr>
-        <a:xfrm>
-          <a:off x="0" y="0"/>
-          <a:ext cx="0" cy="0"/>
-          <a:chOff x="0" y="0"/>
-          <a:chExt cx="0" cy="0"/>
-        </a:xfrm>
-      </p:grpSpPr>
-      <p:sp>
-        <p:nvSpPr>
-          <p:cNvPr id="2" name="標題 1">
-            <a:extLst>
-              <a:ext uri="{FF2B5EF4-FFF2-40B4-BE49-F238E27FC236}">
-                <a16:creationId xmlns:a16="http://schemas.microsoft.com/office/drawing/2014/main" id="{984FB812-7A87-4C2D-A74E-F1AFFFBB10DA}"/>
-              </a:ext>
-            </a:extLst>
-          </p:cNvPr>
-          <p:cNvSpPr>
-            <a:spLocks noGrp="1"/>
-          </p:cNvSpPr>
-          <p:nvPr>
-            <p:ph type="title"/>
-          </p:nvPr>
-        </p:nvSpPr>
-        <p:spPr/>
-        <p:txBody>
-          <a:bodyPr/>
-          <a:lstStyle/>
-          <a:p>
-            <a:r>
-              <a:rPr lang="zh-TW" altLang="en-US"/>
-              <a:t>三元運算</a:t>
-            </a:r>
-          </a:p>
-        </p:txBody>
-      </p:sp>
-      <p:sp>
-        <p:nvSpPr>
-          <p:cNvPr id="3" name="內容版面配置區 2">
-            <a:extLst>
-              <a:ext uri="{FF2B5EF4-FFF2-40B4-BE49-F238E27FC236}">
-                <a16:creationId xmlns:a16="http://schemas.microsoft.com/office/drawing/2014/main" id="{0A12CE84-E704-4BA2-A161-A6A63AEDFA7B}"/>
-              </a:ext>
-            </a:extLst>
-          </p:cNvPr>
-          <p:cNvSpPr>
-            <a:spLocks noGrp="1"/>
-          </p:cNvSpPr>
-          <p:nvPr>
-            <p:ph idx="1"/>
-          </p:nvPr>
-        </p:nvSpPr>
-        <p:spPr>
-          <a:xfrm>
-            <a:off x="762000" y="1690688"/>
-            <a:ext cx="10668000" cy="491137"/>
-          </a:xfrm>
-        </p:spPr>
-        <p:txBody>
-          <a:bodyPr/>
-          <a:lstStyle/>
-          <a:p>
-            <a:r>
-              <a:rPr lang="zh-TW" altLang="en-US"/>
-              <a:t>在 </a:t>
-            </a:r>
-            <a:r>
-              <a:rPr lang="en-US" altLang="zh-TW"/>
-              <a:t>Java</a:t>
-            </a:r>
-            <a:r>
-              <a:rPr lang="zh-TW" altLang="en-US"/>
-              <a:t> 中，只有一種</a:t>
-            </a:r>
-            <a:r>
-              <a:rPr lang="zh-TW" altLang="en-US">
-                <a:solidFill>
-                  <a:srgbClr val="00B0F0"/>
-                </a:solidFill>
-              </a:rPr>
-              <a:t>三元運算</a:t>
-            </a:r>
-            <a:r>
-              <a:rPr lang="zh-TW" altLang="en-US"/>
-              <a:t>，格式如下：</a:t>
-            </a:r>
-          </a:p>
-        </p:txBody>
-      </p:sp>
-      <p:sp>
-        <p:nvSpPr>
-          <p:cNvPr id="6" name="內容版面配置區 2">
-            <a:extLst>
-              <a:ext uri="{FF2B5EF4-FFF2-40B4-BE49-F238E27FC236}">
-                <a16:creationId xmlns:a16="http://schemas.microsoft.com/office/drawing/2014/main" id="{1D873183-54B3-4B5A-826E-1294882AAFF1}"/>
-              </a:ext>
-            </a:extLst>
-          </p:cNvPr>
-          <p:cNvSpPr txBox="1">
-            <a:spLocks/>
-          </p:cNvSpPr>
-          <p:nvPr/>
-        </p:nvSpPr>
-        <p:spPr>
-          <a:xfrm>
-            <a:off x="762000" y="2942018"/>
-            <a:ext cx="10668000" cy="491137"/>
-          </a:xfrm>
-          <a:prstGeom prst="rect">
-            <a:avLst/>
-          </a:prstGeom>
-        </p:spPr>
-        <p:txBody>
-          <a:bodyPr vert="horz" lIns="91440" tIns="45720" rIns="91440" bIns="45720" rtlCol="0">
-            <a:normAutofit/>
-          </a:bodyPr>
-          <a:lstStyle>
-            <a:lvl1pPr marL="0" indent="0" algn="l" defTabSz="914400" rtl="0" eaLnBrk="1" latinLnBrk="0" hangingPunct="1">
-              <a:lnSpc>
-                <a:spcPct val="90000"/>
-              </a:lnSpc>
-              <a:spcBef>
-                <a:spcPts val="1000"/>
-              </a:spcBef>
-              <a:buFont typeface="Arial" panose="020B0604020202020204" pitchFamily="34" charset="0"/>
-              <a:buNone/>
-              <a:defRPr sz="2800" kern="1200">
-                <a:solidFill>
-                  <a:schemeClr val="tx1"/>
-                </a:solidFill>
-                <a:latin typeface="+mn-lt"/>
-                <a:ea typeface="+mn-ea"/>
-                <a:cs typeface="+mn-cs"/>
-              </a:defRPr>
-            </a:lvl1pPr>
-            <a:lvl2pPr marL="457200" indent="0" algn="l" defTabSz="914400" rtl="0" eaLnBrk="1" latinLnBrk="0" hangingPunct="1">
-              <a:lnSpc>
-                <a:spcPct val="90000"/>
-              </a:lnSpc>
-              <a:spcBef>
-                <a:spcPts val="500"/>
-              </a:spcBef>
-              <a:buFont typeface="Arial" panose="020B0604020202020204" pitchFamily="34" charset="0"/>
-              <a:buNone/>
-              <a:defRPr sz="2400" kern="1200">
-                <a:solidFill>
-                  <a:schemeClr val="tx1"/>
-                </a:solidFill>
-                <a:latin typeface="+mn-lt"/>
-                <a:ea typeface="+mn-ea"/>
-                <a:cs typeface="+mn-cs"/>
-              </a:defRPr>
-            </a:lvl2pPr>
-            <a:lvl3pPr marL="914400" indent="0" algn="l" defTabSz="914400" rtl="0" eaLnBrk="1" latinLnBrk="0" hangingPunct="1">
-              <a:lnSpc>
-                <a:spcPct val="90000"/>
-              </a:lnSpc>
-              <a:spcBef>
-                <a:spcPts val="500"/>
-              </a:spcBef>
-              <a:buFont typeface="Arial" panose="020B0604020202020204" pitchFamily="34" charset="0"/>
-              <a:buNone/>
-              <a:defRPr sz="2000" kern="1200">
-                <a:solidFill>
-                  <a:schemeClr val="tx1"/>
-                </a:solidFill>
-                <a:latin typeface="+mn-lt"/>
-                <a:ea typeface="+mn-ea"/>
-                <a:cs typeface="+mn-cs"/>
-              </a:defRPr>
-            </a:lvl3pPr>
-            <a:lvl4pPr marL="1371600" indent="0" algn="l" defTabSz="914400" rtl="0" eaLnBrk="1" latinLnBrk="0" hangingPunct="1">
-              <a:lnSpc>
-                <a:spcPct val="90000"/>
-              </a:lnSpc>
-              <a:spcBef>
-                <a:spcPts val="500"/>
-              </a:spcBef>
-              <a:buFont typeface="Arial" panose="020B0604020202020204" pitchFamily="34" charset="0"/>
-              <a:buNone/>
-              <a:defRPr sz="1800" kern="1200">
-                <a:solidFill>
-                  <a:schemeClr val="tx1"/>
-                </a:solidFill>
-                <a:latin typeface="+mn-lt"/>
-                <a:ea typeface="+mn-ea"/>
-                <a:cs typeface="+mn-cs"/>
-              </a:defRPr>
-            </a:lvl4pPr>
-            <a:lvl5pPr marL="1828800" indent="0" algn="l" defTabSz="914400" rtl="0" eaLnBrk="1" latinLnBrk="0" hangingPunct="1">
-              <a:lnSpc>
-                <a:spcPct val="90000"/>
-              </a:lnSpc>
-              <a:spcBef>
-                <a:spcPts val="500"/>
-              </a:spcBef>
-              <a:buFont typeface="Arial" panose="020B0604020202020204" pitchFamily="34" charset="0"/>
-              <a:buNone/>
-              <a:defRPr sz="1800" kern="1200">
-                <a:solidFill>
-                  <a:schemeClr val="tx1"/>
-                </a:solidFill>
-                <a:latin typeface="+mn-lt"/>
-                <a:ea typeface="+mn-ea"/>
-                <a:cs typeface="+mn-cs"/>
-              </a:defRPr>
-            </a:lvl5pPr>
-            <a:lvl6pPr marL="2514600" indent="-228600" algn="l" defTabSz="914400" rtl="0" eaLnBrk="1" latinLnBrk="0" hangingPunct="1">
-              <a:lnSpc>
-                <a:spcPct val="90000"/>
-              </a:lnSpc>
-              <a:spcBef>
-                <a:spcPts val="500"/>
-              </a:spcBef>
-              <a:buFont typeface="Arial" panose="020B0604020202020204" pitchFamily="34" charset="0"/>
-              <a:buChar char="•"/>
-              <a:defRPr sz="1800" kern="1200">
-                <a:solidFill>
-                  <a:schemeClr val="tx1"/>
-                </a:solidFill>
-                <a:latin typeface="+mn-lt"/>
-                <a:ea typeface="+mn-ea"/>
-                <a:cs typeface="+mn-cs"/>
-              </a:defRPr>
-            </a:lvl6pPr>
-            <a:lvl7pPr marL="2971800" indent="-228600" algn="l" defTabSz="914400" rtl="0" eaLnBrk="1" latinLnBrk="0" hangingPunct="1">
-              <a:lnSpc>
-                <a:spcPct val="90000"/>
-              </a:lnSpc>
-              <a:spcBef>
-                <a:spcPts val="500"/>
-              </a:spcBef>
-              <a:buFont typeface="Arial" panose="020B0604020202020204" pitchFamily="34" charset="0"/>
-              <a:buChar char="•"/>
-              <a:defRPr sz="1800" kern="1200">
-                <a:solidFill>
-                  <a:schemeClr val="tx1"/>
-                </a:solidFill>
-                <a:latin typeface="+mn-lt"/>
-                <a:ea typeface="+mn-ea"/>
-                <a:cs typeface="+mn-cs"/>
-              </a:defRPr>
-            </a:lvl7pPr>
-            <a:lvl8pPr marL="3429000" indent="-228600" algn="l" defTabSz="914400" rtl="0" eaLnBrk="1" latinLnBrk="0" hangingPunct="1">
-              <a:lnSpc>
-                <a:spcPct val="90000"/>
-              </a:lnSpc>
-              <a:spcBef>
-                <a:spcPts val="500"/>
-              </a:spcBef>
-              <a:buFont typeface="Arial" panose="020B0604020202020204" pitchFamily="34" charset="0"/>
-              <a:buChar char="•"/>
-              <a:defRPr sz="1800" kern="1200">
-                <a:solidFill>
-                  <a:schemeClr val="tx1"/>
-                </a:solidFill>
-                <a:latin typeface="+mn-lt"/>
-                <a:ea typeface="+mn-ea"/>
-                <a:cs typeface="+mn-cs"/>
-              </a:defRPr>
-            </a:lvl8pPr>
-            <a:lvl9pPr marL="3886200" indent="-228600" algn="l" defTabSz="914400" rtl="0" eaLnBrk="1" latinLnBrk="0" hangingPunct="1">
-              <a:lnSpc>
-                <a:spcPct val="90000"/>
-              </a:lnSpc>
-              <a:spcBef>
-                <a:spcPts val="500"/>
-              </a:spcBef>
-              <a:buFont typeface="Arial" panose="020B0604020202020204" pitchFamily="34" charset="0"/>
-              <a:buChar char="•"/>
-              <a:defRPr sz="1800" kern="1200">
-                <a:solidFill>
-                  <a:schemeClr val="tx1"/>
-                </a:solidFill>
-                <a:latin typeface="+mn-lt"/>
-                <a:ea typeface="+mn-ea"/>
-                <a:cs typeface="+mn-cs"/>
-              </a:defRPr>
-            </a:lvl9pPr>
-          </a:lstStyle>
-          <a:p>
-            <a:r>
-              <a:rPr lang="zh-TW" altLang="en-US"/>
-              <a:t>範例如下：</a:t>
-            </a:r>
-          </a:p>
-        </p:txBody>
-      </p:sp>
-      <p:grpSp>
-        <p:nvGrpSpPr>
-          <p:cNvPr id="10" name="群組 9">
-            <a:extLst>
-              <a:ext uri="{FF2B5EF4-FFF2-40B4-BE49-F238E27FC236}">
-                <a16:creationId xmlns:a16="http://schemas.microsoft.com/office/drawing/2014/main" id="{9BFF430B-E287-46C5-A0E8-55D339DBED08}"/>
-              </a:ext>
-            </a:extLst>
-          </p:cNvPr>
-          <p:cNvGrpSpPr/>
-          <p:nvPr/>
-        </p:nvGrpSpPr>
-        <p:grpSpPr>
-          <a:xfrm>
-            <a:off x="761999" y="5301343"/>
-            <a:ext cx="10667999" cy="830997"/>
-            <a:chOff x="7532015" y="3822156"/>
-            <a:chExt cx="10667999" cy="830997"/>
-          </a:xfrm>
-        </p:grpSpPr>
-        <p:sp>
-          <p:nvSpPr>
-            <p:cNvPr id="11" name="Rectangle 1">
-              <a:extLst>
-                <a:ext uri="{FF2B5EF4-FFF2-40B4-BE49-F238E27FC236}">
-                  <a16:creationId xmlns:a16="http://schemas.microsoft.com/office/drawing/2014/main" id="{A059D418-28C9-4F40-BAC5-42233703C053}"/>
-                </a:ext>
-              </a:extLst>
-            </p:cNvPr>
-            <p:cNvSpPr>
-              <a:spLocks noChangeArrowheads="1"/>
-            </p:cNvSpPr>
-            <p:nvPr/>
-          </p:nvSpPr>
-          <p:spPr bwMode="auto">
-            <a:xfrm>
-              <a:off x="7532015" y="3822156"/>
-              <a:ext cx="10667999" cy="830997"/>
-            </a:xfrm>
-            <a:prstGeom prst="rect">
-              <a:avLst/>
-            </a:prstGeom>
-            <a:solidFill>
-              <a:srgbClr val="1E1F22"/>
-            </a:solidFill>
-            <a:ln>
-              <a:noFill/>
-            </a:ln>
-            <a:effectLst/>
-            <a:extLst>
-              <a:ext uri="{91240B29-F687-4F45-9708-019B960494DF}">
-                <a14:hiddenLine xmlns:a14="http://schemas.microsoft.com/office/drawing/2010/main" w="9525">
-                  <a:solidFill>
-                    <a:schemeClr val="tx1"/>
-                  </a:solidFill>
-                  <a:miter lim="800000"/>
-                  <a:headEnd/>
-                  <a:tailEnd/>
-                </a14:hiddenLine>
-              </a:ext>
-              <a:ext uri="{AF507438-7753-43E0-B8FC-AC1667EBCBE1}">
-                <a14:hiddenEffects xmlns:a14="http://schemas.microsoft.com/office/drawing/2010/main">
-                  <a:effectLst>
-                    <a:outerShdw dist="35921" dir="2700000" algn="ctr" rotWithShape="0">
-                      <a:schemeClr val="bg2"/>
-                    </a:outerShdw>
-                  </a:effectLst>
-                </a14:hiddenEffects>
-              </a:ext>
-            </a:extLst>
-          </p:spPr>
-          <p:txBody>
-            <a:bodyPr vert="horz" wrap="square" lIns="91440" tIns="45720" rIns="91440" bIns="45720" numCol="1" anchor="ctr" anchorCtr="0" compatLnSpc="1">
-              <a:prstTxWarp prst="textNoShape">
-                <a:avLst/>
-              </a:prstTxWarp>
-              <a:spAutoFit/>
-            </a:bodyPr>
-            <a:lstStyle/>
-            <a:p>
-              <a:r>
-                <a:rPr lang="en-US" altLang="zh-TW" sz="2400">
-                  <a:solidFill>
-                    <a:srgbClr val="BCBEC4"/>
-                  </a:solidFill>
-                  <a:latin typeface="+mj-lt"/>
-                  <a:cs typeface="JetBrains Mono" panose="02000009000000000000" pitchFamily="49" charset="0"/>
-                </a:rPr>
-                <a:t>True</a:t>
-              </a:r>
-            </a:p>
-            <a:p>
-              <a:r>
-                <a:rPr lang="en-US" altLang="zh-TW" sz="2400">
-                  <a:solidFill>
-                    <a:srgbClr val="BCBEC4"/>
-                  </a:solidFill>
-                  <a:latin typeface="+mj-lt"/>
-                  <a:cs typeface="JetBrains Mono" panose="02000009000000000000" pitchFamily="49" charset="0"/>
-                </a:rPr>
-                <a:t>True</a:t>
-              </a:r>
-              <a:endParaRPr lang="zh-TW" altLang="en-US" sz="2400">
-                <a:solidFill>
-                  <a:srgbClr val="BCBEC4"/>
-                </a:solidFill>
-                <a:latin typeface="+mj-lt"/>
-                <a:cs typeface="JetBrains Mono" panose="02000009000000000000" pitchFamily="49" charset="0"/>
-              </a:endParaRPr>
-            </a:p>
-          </p:txBody>
-        </p:sp>
-        <p:sp>
-          <p:nvSpPr>
-            <p:cNvPr id="12" name="文字方塊 11">
-              <a:extLst>
-                <a:ext uri="{FF2B5EF4-FFF2-40B4-BE49-F238E27FC236}">
-                  <a16:creationId xmlns:a16="http://schemas.microsoft.com/office/drawing/2014/main" id="{00612323-2070-478C-B607-2EDD6ADF3810}"/>
-                </a:ext>
-              </a:extLst>
-            </p:cNvPr>
-            <p:cNvSpPr txBox="1"/>
-            <p:nvPr/>
-          </p:nvSpPr>
-          <p:spPr>
-            <a:xfrm>
-              <a:off x="17342087" y="4314599"/>
-              <a:ext cx="857927" cy="338554"/>
-            </a:xfrm>
-            <a:prstGeom prst="rect">
-              <a:avLst/>
-            </a:prstGeom>
-            <a:noFill/>
-          </p:spPr>
-          <p:txBody>
-            <a:bodyPr wrap="none" rtlCol="0">
-              <a:spAutoFit/>
-            </a:bodyPr>
-            <a:lstStyle/>
-            <a:p>
-              <a:r>
-                <a:rPr lang="en-US" altLang="zh-TW" sz="1600">
-                  <a:solidFill>
-                    <a:schemeClr val="accent3"/>
-                  </a:solidFill>
-                </a:rPr>
-                <a:t>output</a:t>
-              </a:r>
-              <a:endParaRPr lang="zh-TW" altLang="en-US" sz="1600">
-                <a:solidFill>
-                  <a:schemeClr val="accent3"/>
-                </a:solidFill>
-              </a:endParaRPr>
-            </a:p>
-          </p:txBody>
-        </p:sp>
-      </p:grpSp>
-      <p:grpSp>
-        <p:nvGrpSpPr>
-          <p:cNvPr id="16" name="群組 15">
-            <a:extLst>
-              <a:ext uri="{FF2B5EF4-FFF2-40B4-BE49-F238E27FC236}">
-                <a16:creationId xmlns:a16="http://schemas.microsoft.com/office/drawing/2014/main" id="{98B672DF-8EFB-4DB4-8503-FD96DFCF79A4}"/>
-              </a:ext>
-            </a:extLst>
-          </p:cNvPr>
-          <p:cNvGrpSpPr/>
-          <p:nvPr/>
-        </p:nvGrpSpPr>
-        <p:grpSpPr>
-          <a:xfrm>
-            <a:off x="762000" y="3582419"/>
-            <a:ext cx="10668000" cy="1569660"/>
-            <a:chOff x="762000" y="3516075"/>
-            <a:chExt cx="10668000" cy="1569660"/>
-          </a:xfrm>
-        </p:grpSpPr>
-        <p:sp>
-          <p:nvSpPr>
-            <p:cNvPr id="8" name="Rectangle 3">
-              <a:extLst>
-                <a:ext uri="{FF2B5EF4-FFF2-40B4-BE49-F238E27FC236}">
-                  <a16:creationId xmlns:a16="http://schemas.microsoft.com/office/drawing/2014/main" id="{D26F778D-45FA-420A-8F59-765C59F85820}"/>
-                </a:ext>
-              </a:extLst>
-            </p:cNvPr>
-            <p:cNvSpPr>
-              <a:spLocks noChangeArrowheads="1"/>
-            </p:cNvSpPr>
-            <p:nvPr/>
-          </p:nvSpPr>
-          <p:spPr bwMode="auto">
-            <a:xfrm>
-              <a:off x="762000" y="3516075"/>
-              <a:ext cx="10668000" cy="1569660"/>
-            </a:xfrm>
-            <a:prstGeom prst="rect">
-              <a:avLst/>
-            </a:prstGeom>
-            <a:solidFill>
-              <a:srgbClr val="1E1F22"/>
-            </a:solidFill>
-            <a:ln>
-              <a:noFill/>
-            </a:ln>
-            <a:effectLst/>
-            <a:extLst>
-              <a:ext uri="{91240B29-F687-4F45-9708-019B960494DF}">
-                <a14:hiddenLine xmlns:a14="http://schemas.microsoft.com/office/drawing/2010/main" w="9525">
-                  <a:solidFill>
-                    <a:schemeClr val="tx1"/>
-                  </a:solidFill>
-                  <a:miter lim="800000"/>
-                  <a:headEnd/>
-                  <a:tailEnd/>
-                </a14:hiddenLine>
-              </a:ext>
-              <a:ext uri="{AF507438-7753-43E0-B8FC-AC1667EBCBE1}">
-                <a14:hiddenEffects xmlns:a14="http://schemas.microsoft.com/office/drawing/2010/main">
-                  <a:effectLst>
-                    <a:outerShdw dist="35921" dir="2700000" algn="ctr" rotWithShape="0">
-                      <a:schemeClr val="bg2"/>
-                    </a:outerShdw>
-                  </a:effectLst>
-                </a14:hiddenEffects>
-              </a:ext>
-            </a:extLst>
-          </p:spPr>
-          <p:txBody>
-            <a:bodyPr vert="horz" wrap="square" lIns="91440" tIns="45720" rIns="91440" bIns="45720" numCol="1" anchor="ctr" anchorCtr="0" compatLnSpc="1">
-              <a:prstTxWarp prst="textNoShape">
-                <a:avLst/>
-              </a:prstTxWarp>
-              <a:spAutoFit/>
-            </a:bodyPr>
-            <a:lstStyle/>
-            <a:p>
-              <a:pPr marL="0" marR="0" lvl="0" indent="0" algn="l" defTabSz="914400" rtl="0" eaLnBrk="0" fontAlgn="base" latinLnBrk="0" hangingPunct="0">
-                <a:lnSpc>
-                  <a:spcPct val="100000"/>
-                </a:lnSpc>
-                <a:spcBef>
-                  <a:spcPct val="0"/>
-                </a:spcBef>
-                <a:spcAft>
-                  <a:spcPct val="0"/>
-                </a:spcAft>
-                <a:buClrTx/>
-                <a:buSzTx/>
-                <a:buFontTx/>
-                <a:buNone/>
-                <a:tabLst/>
-              </a:pPr>
-              <a:r>
-                <a:rPr kumimoji="0" lang="zh-TW" altLang="zh-TW" sz="2400" b="0" i="0" u="none" strike="noStrike" cap="none" normalizeH="0" baseline="0">
-                  <a:ln>
-                    <a:noFill/>
-                  </a:ln>
-                  <a:solidFill>
-                    <a:srgbClr val="CF8E6D"/>
-                  </a:solidFill>
-                  <a:effectLst/>
-                  <a:latin typeface="+mj-lt"/>
-                  <a:cs typeface="JetBrains Mono" panose="02000009000000000000" pitchFamily="49" charset="0"/>
-                </a:rPr>
-                <a:t>final int </a:t>
-              </a:r>
-              <a:r>
-                <a:rPr kumimoji="0" lang="zh-TW" altLang="zh-TW" sz="2400" b="0" i="0" u="none" strike="noStrike" cap="none" normalizeH="0" baseline="0">
-                  <a:ln>
-                    <a:noFill/>
-                  </a:ln>
-                  <a:solidFill>
-                    <a:srgbClr val="BCBEC4"/>
-                  </a:solidFill>
-                  <a:effectLst/>
-                  <a:latin typeface="+mj-lt"/>
-                  <a:cs typeface="JetBrains Mono" panose="02000009000000000000" pitchFamily="49" charset="0"/>
-                </a:rPr>
-                <a:t>INT_MAX = </a:t>
-              </a:r>
-              <a:r>
-                <a:rPr kumimoji="0" lang="zh-TW" altLang="zh-TW" sz="2400" b="0" i="0" u="none" strike="noStrike" cap="none" normalizeH="0" baseline="0">
-                  <a:ln>
-                    <a:noFill/>
-                  </a:ln>
-                  <a:solidFill>
-                    <a:srgbClr val="2AACB8"/>
-                  </a:solidFill>
-                  <a:effectLst/>
-                  <a:latin typeface="+mj-lt"/>
-                  <a:cs typeface="JetBrains Mono" panose="02000009000000000000" pitchFamily="49" charset="0"/>
-                </a:rPr>
-                <a:t>2147483647</a:t>
-              </a:r>
-              <a:r>
-                <a:rPr kumimoji="0" lang="zh-TW" altLang="zh-TW" sz="2400" b="0" i="0" u="none" strike="noStrike" cap="none" normalizeH="0" baseline="0">
-                  <a:ln>
-                    <a:noFill/>
-                  </a:ln>
-                  <a:solidFill>
-                    <a:srgbClr val="BCBEC4"/>
-                  </a:solidFill>
-                  <a:effectLst/>
-                  <a:latin typeface="+mj-lt"/>
-                  <a:cs typeface="JetBrains Mono" panose="02000009000000000000" pitchFamily="49" charset="0"/>
-                </a:rPr>
-                <a:t>;</a:t>
-              </a:r>
-              <a:br>
-                <a:rPr kumimoji="0" lang="zh-TW" altLang="zh-TW" sz="2400" b="0" i="0" u="none" strike="noStrike" cap="none" normalizeH="0" baseline="0">
-                  <a:ln>
-                    <a:noFill/>
-                  </a:ln>
-                  <a:solidFill>
-                    <a:srgbClr val="BCBEC4"/>
-                  </a:solidFill>
-                  <a:effectLst/>
-                  <a:latin typeface="+mj-lt"/>
-                  <a:cs typeface="JetBrains Mono" panose="02000009000000000000" pitchFamily="49" charset="0"/>
-                </a:rPr>
-              </a:br>
-              <a:r>
-                <a:rPr kumimoji="0" lang="zh-TW" altLang="zh-TW" sz="2400" b="0" i="0" u="none" strike="noStrike" cap="none" normalizeH="0" baseline="0">
-                  <a:ln>
-                    <a:noFill/>
-                  </a:ln>
-                  <a:solidFill>
-                    <a:srgbClr val="CF8E6D"/>
-                  </a:solidFill>
-                  <a:effectLst/>
-                  <a:latin typeface="+mj-lt"/>
-                  <a:cs typeface="JetBrains Mono" panose="02000009000000000000" pitchFamily="49" charset="0"/>
-                </a:rPr>
-                <a:t>final int </a:t>
-              </a:r>
-              <a:r>
-                <a:rPr kumimoji="0" lang="zh-TW" altLang="zh-TW" sz="2400" b="0" i="0" u="none" strike="noStrike" cap="none" normalizeH="0" baseline="0">
-                  <a:ln>
-                    <a:noFill/>
-                  </a:ln>
-                  <a:solidFill>
-                    <a:srgbClr val="BCBEC4"/>
-                  </a:solidFill>
-                  <a:effectLst/>
-                  <a:latin typeface="+mj-lt"/>
-                  <a:cs typeface="JetBrains Mono" panose="02000009000000000000" pitchFamily="49" charset="0"/>
-                </a:rPr>
-                <a:t>INT_MIN = -</a:t>
-              </a:r>
-              <a:r>
-                <a:rPr kumimoji="0" lang="zh-TW" altLang="zh-TW" sz="2400" b="0" i="0" u="none" strike="noStrike" cap="none" normalizeH="0" baseline="0">
-                  <a:ln>
-                    <a:noFill/>
-                  </a:ln>
-                  <a:solidFill>
-                    <a:srgbClr val="2AACB8"/>
-                  </a:solidFill>
-                  <a:effectLst/>
-                  <a:latin typeface="+mj-lt"/>
-                  <a:cs typeface="JetBrains Mono" panose="02000009000000000000" pitchFamily="49" charset="0"/>
-                </a:rPr>
-                <a:t>2147483648</a:t>
-              </a:r>
-              <a:r>
-                <a:rPr kumimoji="0" lang="zh-TW" altLang="zh-TW" sz="2400" b="0" i="0" u="none" strike="noStrike" cap="none" normalizeH="0" baseline="0">
-                  <a:ln>
-                    <a:noFill/>
-                  </a:ln>
-                  <a:solidFill>
-                    <a:srgbClr val="BCBEC4"/>
-                  </a:solidFill>
-                  <a:effectLst/>
-                  <a:latin typeface="+mj-lt"/>
-                  <a:cs typeface="JetBrains Mono" panose="02000009000000000000" pitchFamily="49" charset="0"/>
-                </a:rPr>
-                <a:t>;</a:t>
-              </a:r>
-              <a:br>
-                <a:rPr kumimoji="0" lang="zh-TW" altLang="zh-TW" sz="2400" b="0" i="0" u="none" strike="noStrike" cap="none" normalizeH="0" baseline="0">
-                  <a:ln>
-                    <a:noFill/>
-                  </a:ln>
-                  <a:solidFill>
-                    <a:srgbClr val="BCBEC4"/>
-                  </a:solidFill>
-                  <a:effectLst/>
-                  <a:latin typeface="+mj-lt"/>
-                  <a:cs typeface="JetBrains Mono" panose="02000009000000000000" pitchFamily="49" charset="0"/>
-                </a:rPr>
-              </a:br>
-              <a:r>
-                <a:rPr kumimoji="0" lang="zh-TW" altLang="zh-TW" sz="2400" b="0" i="0" u="none" strike="noStrike" cap="none" normalizeH="0" baseline="0">
-                  <a:ln>
-                    <a:noFill/>
-                  </a:ln>
-                  <a:solidFill>
-                    <a:srgbClr val="BCBEC4"/>
-                  </a:solidFill>
-                  <a:effectLst/>
-                  <a:latin typeface="+mj-lt"/>
-                  <a:cs typeface="JetBrains Mono" panose="02000009000000000000" pitchFamily="49" charset="0"/>
-                </a:rPr>
-                <a:t>System.</a:t>
-              </a:r>
-              <a:r>
-                <a:rPr kumimoji="0" lang="zh-TW" altLang="zh-TW" sz="2400" b="0" i="1" u="none" strike="noStrike" cap="none" normalizeH="0" baseline="0">
-                  <a:ln>
-                    <a:noFill/>
-                  </a:ln>
-                  <a:solidFill>
-                    <a:srgbClr val="C77DBB"/>
-                  </a:solidFill>
-                  <a:effectLst/>
-                  <a:latin typeface="+mj-lt"/>
-                  <a:cs typeface="JetBrains Mono" panose="02000009000000000000" pitchFamily="49" charset="0"/>
-                </a:rPr>
-                <a:t>out</a:t>
-              </a:r>
-              <a:r>
-                <a:rPr kumimoji="0" lang="zh-TW" altLang="zh-TW" sz="2400" b="0" i="0" u="none" strike="noStrike" cap="none" normalizeH="0" baseline="0">
-                  <a:ln>
-                    <a:noFill/>
-                  </a:ln>
-                  <a:solidFill>
-                    <a:srgbClr val="BCBEC4"/>
-                  </a:solidFill>
-                  <a:effectLst/>
-                  <a:latin typeface="+mj-lt"/>
-                  <a:cs typeface="JetBrains Mono" panose="02000009000000000000" pitchFamily="49" charset="0"/>
-                </a:rPr>
-                <a:t>.println(INT_MAX + </a:t>
-              </a:r>
-              <a:r>
-                <a:rPr kumimoji="0" lang="zh-TW" altLang="zh-TW" sz="2400" b="0" i="0" u="none" strike="noStrike" cap="none" normalizeH="0" baseline="0">
-                  <a:ln>
-                    <a:noFill/>
-                  </a:ln>
-                  <a:solidFill>
-                    <a:srgbClr val="2AACB8"/>
-                  </a:solidFill>
-                  <a:effectLst/>
-                  <a:latin typeface="+mj-lt"/>
-                  <a:cs typeface="JetBrains Mono" panose="02000009000000000000" pitchFamily="49" charset="0"/>
-                </a:rPr>
-                <a:t>1 </a:t>
-              </a:r>
-              <a:r>
-                <a:rPr kumimoji="0" lang="zh-TW" altLang="zh-TW" sz="2400" b="0" i="0" u="none" strike="noStrike" cap="none" normalizeH="0" baseline="0">
-                  <a:ln>
-                    <a:noFill/>
-                  </a:ln>
-                  <a:solidFill>
-                    <a:srgbClr val="BCBEC4"/>
-                  </a:solidFill>
-                  <a:effectLst/>
-                  <a:latin typeface="+mj-lt"/>
-                  <a:cs typeface="JetBrains Mono" panose="02000009000000000000" pitchFamily="49" charset="0"/>
-                </a:rPr>
-                <a:t>== INT_MIN ? </a:t>
-              </a:r>
-              <a:r>
-                <a:rPr kumimoji="0" lang="zh-TW" altLang="zh-TW" sz="2400" b="0" i="0" u="none" strike="noStrike" cap="none" normalizeH="0" baseline="0">
-                  <a:ln>
-                    <a:noFill/>
-                  </a:ln>
-                  <a:solidFill>
-                    <a:srgbClr val="6AAB73"/>
-                  </a:solidFill>
-                  <a:effectLst/>
-                  <a:latin typeface="+mj-lt"/>
-                  <a:cs typeface="JetBrains Mono" panose="02000009000000000000" pitchFamily="49" charset="0"/>
-                </a:rPr>
-                <a:t>"True" </a:t>
-              </a:r>
-              <a:r>
-                <a:rPr kumimoji="0" lang="zh-TW" altLang="zh-TW" sz="2400" b="0" i="0" u="none" strike="noStrike" cap="none" normalizeH="0" baseline="0">
-                  <a:ln>
-                    <a:noFill/>
-                  </a:ln>
-                  <a:solidFill>
-                    <a:srgbClr val="BCBEC4"/>
-                  </a:solidFill>
-                  <a:effectLst/>
-                  <a:latin typeface="+mj-lt"/>
-                  <a:cs typeface="JetBrains Mono" panose="02000009000000000000" pitchFamily="49" charset="0"/>
-                </a:rPr>
-                <a:t>: </a:t>
-              </a:r>
-              <a:r>
-                <a:rPr kumimoji="0" lang="zh-TW" altLang="zh-TW" sz="2400" b="0" i="0" u="none" strike="noStrike" cap="none" normalizeH="0" baseline="0">
-                  <a:ln>
-                    <a:noFill/>
-                  </a:ln>
-                  <a:solidFill>
-                    <a:srgbClr val="6AAB73"/>
-                  </a:solidFill>
-                  <a:effectLst/>
-                  <a:latin typeface="+mj-lt"/>
-                  <a:cs typeface="JetBrains Mono" panose="02000009000000000000" pitchFamily="49" charset="0"/>
-                </a:rPr>
-                <a:t>"False"</a:t>
-              </a:r>
-              <a:r>
-                <a:rPr kumimoji="0" lang="zh-TW" altLang="zh-TW" sz="2400" b="0" i="0" u="none" strike="noStrike" cap="none" normalizeH="0" baseline="0">
-                  <a:ln>
-                    <a:noFill/>
-                  </a:ln>
-                  <a:solidFill>
-                    <a:srgbClr val="BCBEC4"/>
-                  </a:solidFill>
-                  <a:effectLst/>
-                  <a:latin typeface="+mj-lt"/>
-                  <a:cs typeface="JetBrains Mono" panose="02000009000000000000" pitchFamily="49" charset="0"/>
-                </a:rPr>
-                <a:t>);</a:t>
-              </a:r>
-              <a:endParaRPr kumimoji="0" lang="en-US" altLang="zh-TW" sz="2400" b="0" i="0" u="none" strike="noStrike" cap="none" normalizeH="0" baseline="0">
-                <a:ln>
-                  <a:noFill/>
-                </a:ln>
-                <a:solidFill>
-                  <a:srgbClr val="BCBEC4"/>
-                </a:solidFill>
-                <a:effectLst/>
-                <a:latin typeface="+mj-lt"/>
-                <a:cs typeface="JetBrains Mono" panose="02000009000000000000" pitchFamily="49" charset="0"/>
-              </a:endParaRPr>
-            </a:p>
-            <a:p>
-              <a:pPr eaLnBrk="0" fontAlgn="base" hangingPunct="0">
-                <a:spcBef>
-                  <a:spcPct val="0"/>
-                </a:spcBef>
-                <a:spcAft>
-                  <a:spcPct val="0"/>
-                </a:spcAft>
-              </a:pPr>
-              <a:r>
-                <a:rPr kumimoji="0" lang="zh-TW" altLang="zh-TW" sz="2400" b="0" i="0" u="none" strike="noStrike" cap="none" normalizeH="0" baseline="0">
-                  <a:ln>
-                    <a:noFill/>
-                  </a:ln>
-                  <a:solidFill>
-                    <a:srgbClr val="BCBEC4"/>
-                  </a:solidFill>
-                  <a:effectLst/>
-                  <a:latin typeface="+mj-lt"/>
-                  <a:cs typeface="JetBrains Mono" panose="02000009000000000000" pitchFamily="49" charset="0"/>
-                </a:rPr>
-                <a:t>System.</a:t>
-              </a:r>
-              <a:r>
-                <a:rPr kumimoji="0" lang="zh-TW" altLang="zh-TW" sz="2400" b="0" i="1" u="none" strike="noStrike" cap="none" normalizeH="0" baseline="0">
-                  <a:ln>
-                    <a:noFill/>
-                  </a:ln>
-                  <a:solidFill>
-                    <a:srgbClr val="C77DBB"/>
-                  </a:solidFill>
-                  <a:effectLst/>
-                  <a:latin typeface="+mj-lt"/>
-                  <a:cs typeface="JetBrains Mono" panose="02000009000000000000" pitchFamily="49" charset="0"/>
-                </a:rPr>
-                <a:t>out</a:t>
-              </a:r>
-              <a:r>
-                <a:rPr kumimoji="0" lang="zh-TW" altLang="zh-TW" sz="2400" b="0" i="0" u="none" strike="noStrike" cap="none" normalizeH="0" baseline="0">
-                  <a:ln>
-                    <a:noFill/>
-                  </a:ln>
-                  <a:solidFill>
-                    <a:srgbClr val="BCBEC4"/>
-                  </a:solidFill>
-                  <a:effectLst/>
-                  <a:latin typeface="+mj-lt"/>
-                  <a:cs typeface="JetBrains Mono" panose="02000009000000000000" pitchFamily="49" charset="0"/>
-                </a:rPr>
-                <a:t>.println(INT_MAX == INT_MIN - </a:t>
-              </a:r>
-              <a:r>
-                <a:rPr kumimoji="0" lang="zh-TW" altLang="zh-TW" sz="2400" b="0" i="0" u="none" strike="noStrike" cap="none" normalizeH="0" baseline="0">
-                  <a:ln>
-                    <a:noFill/>
-                  </a:ln>
-                  <a:solidFill>
-                    <a:srgbClr val="2AACB8"/>
-                  </a:solidFill>
-                  <a:effectLst/>
-                  <a:latin typeface="+mj-lt"/>
-                  <a:cs typeface="JetBrains Mono" panose="02000009000000000000" pitchFamily="49" charset="0"/>
-                </a:rPr>
-                <a:t>1 </a:t>
-              </a:r>
-              <a:r>
-                <a:rPr kumimoji="0" lang="zh-TW" altLang="zh-TW" sz="2400" b="0" i="0" u="none" strike="noStrike" cap="none" normalizeH="0" baseline="0">
-                  <a:ln>
-                    <a:noFill/>
-                  </a:ln>
-                  <a:solidFill>
-                    <a:srgbClr val="BCBEC4"/>
-                  </a:solidFill>
-                  <a:effectLst/>
-                  <a:latin typeface="+mj-lt"/>
-                  <a:cs typeface="JetBrains Mono" panose="02000009000000000000" pitchFamily="49" charset="0"/>
-                </a:rPr>
-                <a:t>? </a:t>
-              </a:r>
-              <a:r>
-                <a:rPr kumimoji="0" lang="zh-TW" altLang="zh-TW" sz="2400" b="0" i="0" u="none" strike="noStrike" cap="none" normalizeH="0" baseline="0">
-                  <a:ln>
-                    <a:noFill/>
-                  </a:ln>
-                  <a:solidFill>
-                    <a:srgbClr val="6AAB73"/>
-                  </a:solidFill>
-                  <a:effectLst/>
-                  <a:latin typeface="+mj-lt"/>
-                  <a:cs typeface="JetBrains Mono" panose="02000009000000000000" pitchFamily="49" charset="0"/>
-                </a:rPr>
-                <a:t>"True" </a:t>
-              </a:r>
-              <a:r>
-                <a:rPr kumimoji="0" lang="zh-TW" altLang="zh-TW" sz="2400" b="0" i="0" u="none" strike="noStrike" cap="none" normalizeH="0" baseline="0">
-                  <a:ln>
-                    <a:noFill/>
-                  </a:ln>
-                  <a:solidFill>
-                    <a:srgbClr val="BCBEC4"/>
-                  </a:solidFill>
-                  <a:effectLst/>
-                  <a:latin typeface="+mj-lt"/>
-                  <a:cs typeface="JetBrains Mono" panose="02000009000000000000" pitchFamily="49" charset="0"/>
-                </a:rPr>
-                <a:t>: </a:t>
-              </a:r>
-              <a:r>
-                <a:rPr kumimoji="0" lang="zh-TW" altLang="zh-TW" sz="2400" b="0" i="0" u="none" strike="noStrike" cap="none" normalizeH="0" baseline="0">
-                  <a:ln>
-                    <a:noFill/>
-                  </a:ln>
-                  <a:solidFill>
-                    <a:srgbClr val="6AAB73"/>
-                  </a:solidFill>
-                  <a:effectLst/>
-                  <a:latin typeface="+mj-lt"/>
-                  <a:cs typeface="JetBrains Mono" panose="02000009000000000000" pitchFamily="49" charset="0"/>
-                </a:rPr>
-                <a:t>"False"</a:t>
-              </a:r>
-              <a:r>
-                <a:rPr kumimoji="0" lang="zh-TW" altLang="zh-TW" sz="2400" b="0" i="0" u="none" strike="noStrike" cap="none" normalizeH="0" baseline="0">
-                  <a:ln>
-                    <a:noFill/>
-                  </a:ln>
-                  <a:solidFill>
-                    <a:srgbClr val="BCBEC4"/>
-                  </a:solidFill>
-                  <a:effectLst/>
-                  <a:latin typeface="+mj-lt"/>
-                  <a:cs typeface="JetBrains Mono" panose="02000009000000000000" pitchFamily="49" charset="0"/>
-                </a:rPr>
-                <a:t>);</a:t>
-              </a:r>
-              <a:endParaRPr kumimoji="0" lang="zh-TW" altLang="zh-TW" sz="2400" b="0" i="0" u="none" strike="noStrike" cap="none" normalizeH="0" baseline="0">
-                <a:ln>
-                  <a:noFill/>
-                </a:ln>
-                <a:solidFill>
-                  <a:schemeClr val="tx1"/>
-                </a:solidFill>
-                <a:effectLst/>
-                <a:latin typeface="+mj-lt"/>
-              </a:endParaRPr>
-            </a:p>
-          </p:txBody>
-        </p:sp>
-        <p:sp>
-          <p:nvSpPr>
-            <p:cNvPr id="13" name="文字方塊 12">
-              <a:extLst>
-                <a:ext uri="{FF2B5EF4-FFF2-40B4-BE49-F238E27FC236}">
-                  <a16:creationId xmlns:a16="http://schemas.microsoft.com/office/drawing/2014/main" id="{D2FC59C8-1884-4B4B-9417-6FCCA556006A}"/>
-                </a:ext>
-              </a:extLst>
-            </p:cNvPr>
-            <p:cNvSpPr txBox="1"/>
-            <p:nvPr/>
-          </p:nvSpPr>
-          <p:spPr>
-            <a:xfrm>
-              <a:off x="10796493" y="3532461"/>
-              <a:ext cx="633507" cy="338554"/>
-            </a:xfrm>
-            <a:prstGeom prst="rect">
-              <a:avLst/>
-            </a:prstGeom>
-            <a:noFill/>
-          </p:spPr>
-          <p:txBody>
-            <a:bodyPr wrap="none" rtlCol="0">
-              <a:spAutoFit/>
-            </a:bodyPr>
-            <a:lstStyle/>
-            <a:p>
-              <a:r>
-                <a:rPr lang="en-US" altLang="zh-TW" sz="1600">
-                  <a:solidFill>
-                    <a:schemeClr val="accent3"/>
-                  </a:solidFill>
-                  <a:latin typeface="+mj-lt"/>
-                </a:rPr>
-                <a:t>java</a:t>
-              </a:r>
-              <a:endParaRPr lang="zh-TW" altLang="en-US" sz="1600">
-                <a:solidFill>
-                  <a:schemeClr val="accent3"/>
-                </a:solidFill>
-                <a:latin typeface="+mj-lt"/>
-              </a:endParaRPr>
-            </a:p>
-          </p:txBody>
-        </p:sp>
-      </p:grpSp>
-      <p:grpSp>
-        <p:nvGrpSpPr>
-          <p:cNvPr id="15" name="群組 14">
-            <a:extLst>
-              <a:ext uri="{FF2B5EF4-FFF2-40B4-BE49-F238E27FC236}">
-                <a16:creationId xmlns:a16="http://schemas.microsoft.com/office/drawing/2014/main" id="{139D0DE0-74DA-4993-B759-992DF19E2F43}"/>
-              </a:ext>
-            </a:extLst>
-          </p:cNvPr>
-          <p:cNvGrpSpPr/>
-          <p:nvPr/>
-        </p:nvGrpSpPr>
-        <p:grpSpPr>
-          <a:xfrm>
-            <a:off x="762000" y="2331089"/>
-            <a:ext cx="10668000" cy="461665"/>
-            <a:chOff x="762000" y="2395583"/>
-            <a:chExt cx="10668000" cy="461665"/>
-          </a:xfrm>
-        </p:grpSpPr>
-        <p:sp>
-          <p:nvSpPr>
-            <p:cNvPr id="4" name="Rectangle 1">
-              <a:extLst>
-                <a:ext uri="{FF2B5EF4-FFF2-40B4-BE49-F238E27FC236}">
-                  <a16:creationId xmlns:a16="http://schemas.microsoft.com/office/drawing/2014/main" id="{DDC41B53-AFC7-4C92-ABE7-FC16085A381D}"/>
-                </a:ext>
-              </a:extLst>
-            </p:cNvPr>
-            <p:cNvSpPr>
-              <a:spLocks noChangeArrowheads="1"/>
-            </p:cNvSpPr>
-            <p:nvPr/>
-          </p:nvSpPr>
-          <p:spPr bwMode="auto">
-            <a:xfrm>
-              <a:off x="762000" y="2395583"/>
-              <a:ext cx="10668000" cy="461665"/>
-            </a:xfrm>
-            <a:prstGeom prst="rect">
-              <a:avLst/>
-            </a:prstGeom>
-            <a:solidFill>
-              <a:srgbClr val="1E1F22"/>
-            </a:solidFill>
-            <a:ln>
-              <a:noFill/>
-            </a:ln>
-            <a:effectLst/>
-            <a:extLst>
-              <a:ext uri="{91240B29-F687-4F45-9708-019B960494DF}">
-                <a14:hiddenLine xmlns:a14="http://schemas.microsoft.com/office/drawing/2010/main" w="9525">
-                  <a:solidFill>
-                    <a:schemeClr val="tx1"/>
-                  </a:solidFill>
-                  <a:miter lim="800000"/>
-                  <a:headEnd/>
-                  <a:tailEnd/>
-                </a14:hiddenLine>
-              </a:ext>
-              <a:ext uri="{AF507438-7753-43E0-B8FC-AC1667EBCBE1}">
-                <a14:hiddenEffects xmlns:a14="http://schemas.microsoft.com/office/drawing/2010/main">
-                  <a:effectLst>
-                    <a:outerShdw dist="35921" dir="2700000" algn="ctr" rotWithShape="0">
-                      <a:schemeClr val="bg2"/>
-                    </a:outerShdw>
-                  </a:effectLst>
-                </a14:hiddenEffects>
-              </a:ext>
-            </a:extLst>
-          </p:spPr>
-          <p:txBody>
-            <a:bodyPr vert="horz" wrap="square" lIns="91440" tIns="45720" rIns="91440" bIns="45720" numCol="1" anchor="ctr" anchorCtr="0" compatLnSpc="1">
-              <a:prstTxWarp prst="textNoShape">
-                <a:avLst/>
-              </a:prstTxWarp>
-              <a:spAutoFit/>
-            </a:bodyPr>
-            <a:lstStyle/>
-            <a:p>
-              <a:pPr marL="0" marR="0" lvl="0" indent="0" algn="l" defTabSz="914400" rtl="0" eaLnBrk="0" fontAlgn="base" latinLnBrk="0" hangingPunct="0">
-                <a:lnSpc>
-                  <a:spcPct val="100000"/>
-                </a:lnSpc>
-                <a:spcBef>
-                  <a:spcPct val="0"/>
-                </a:spcBef>
-                <a:spcAft>
-                  <a:spcPct val="0"/>
-                </a:spcAft>
-                <a:buClrTx/>
-                <a:buSzTx/>
-                <a:buFontTx/>
-                <a:buNone/>
-                <a:tabLst/>
-              </a:pPr>
-              <a:r>
-                <a:rPr lang="en-US" altLang="zh-TW" sz="2400">
-                  <a:solidFill>
-                    <a:srgbClr val="00B0F0"/>
-                  </a:solidFill>
-                  <a:latin typeface="+mj-lt"/>
-                  <a:cs typeface="JetBrains Mono" panose="02000009000000000000" pitchFamily="49" charset="0"/>
-                </a:rPr>
-                <a:t>boolean(</a:t>
-              </a:r>
-              <a:r>
-                <a:rPr lang="zh-TW" altLang="en-US" sz="2400">
-                  <a:solidFill>
-                    <a:srgbClr val="00B0F0"/>
-                  </a:solidFill>
-                  <a:latin typeface="+mj-lt"/>
-                  <a:cs typeface="JetBrains Mono" panose="02000009000000000000" pitchFamily="49" charset="0"/>
-                </a:rPr>
-                <a:t>條件</a:t>
-              </a:r>
-              <a:r>
-                <a:rPr lang="en-US" altLang="zh-TW" sz="2400">
-                  <a:solidFill>
-                    <a:srgbClr val="00B0F0"/>
-                  </a:solidFill>
-                  <a:latin typeface="+mj-lt"/>
-                  <a:cs typeface="JetBrains Mono" panose="02000009000000000000" pitchFamily="49" charset="0"/>
-                </a:rPr>
-                <a:t>)</a:t>
-              </a:r>
-              <a:r>
-                <a:rPr kumimoji="0" lang="zh-TW" altLang="zh-TW" sz="2400" b="0" i="0" u="none" strike="noStrike" cap="none" normalizeH="0" baseline="0">
-                  <a:ln>
-                    <a:noFill/>
-                  </a:ln>
-                  <a:solidFill>
-                    <a:srgbClr val="CF8E6D"/>
-                  </a:solidFill>
-                  <a:effectLst/>
-                  <a:latin typeface="+mj-lt"/>
-                  <a:cs typeface="JetBrains Mono" panose="02000009000000000000" pitchFamily="49" charset="0"/>
-                </a:rPr>
-                <a:t> </a:t>
-              </a:r>
-              <a:r>
-                <a:rPr kumimoji="0" lang="zh-TW" altLang="zh-TW" sz="2400" b="0" i="0" u="none" strike="noStrike" cap="none" normalizeH="0" baseline="0">
-                  <a:ln>
-                    <a:noFill/>
-                  </a:ln>
-                  <a:solidFill>
-                    <a:srgbClr val="BCBEC4"/>
-                  </a:solidFill>
-                  <a:effectLst/>
-                  <a:latin typeface="+mj-lt"/>
-                  <a:cs typeface="JetBrains Mono" panose="02000009000000000000" pitchFamily="49" charset="0"/>
-                </a:rPr>
-                <a:t>? </a:t>
-              </a:r>
-              <a:r>
-                <a:rPr kumimoji="0" lang="zh-TW" altLang="en-US" sz="2400" b="0" i="0" u="none" strike="noStrike" cap="none" normalizeH="0" baseline="0">
-                  <a:ln>
-                    <a:noFill/>
-                  </a:ln>
-                  <a:solidFill>
-                    <a:srgbClr val="92D050"/>
-                  </a:solidFill>
-                  <a:effectLst/>
-                  <a:latin typeface="+mj-lt"/>
-                  <a:cs typeface="JetBrains Mono" panose="02000009000000000000" pitchFamily="49" charset="0"/>
-                </a:rPr>
-                <a:t>條件為真時的返回值</a:t>
-              </a:r>
-              <a:r>
-                <a:rPr kumimoji="0" lang="zh-TW" altLang="zh-TW" sz="2400" b="0" i="0" u="none" strike="noStrike" cap="none" normalizeH="0" baseline="0">
-                  <a:ln>
-                    <a:noFill/>
-                  </a:ln>
-                  <a:solidFill>
-                    <a:srgbClr val="2AACB8"/>
-                  </a:solidFill>
-                  <a:effectLst/>
-                  <a:latin typeface="+mj-lt"/>
-                  <a:cs typeface="JetBrains Mono" panose="02000009000000000000" pitchFamily="49" charset="0"/>
-                </a:rPr>
-                <a:t> </a:t>
-              </a:r>
-              <a:r>
-                <a:rPr kumimoji="0" lang="zh-TW" altLang="zh-TW" sz="2400" b="0" i="0" u="none" strike="noStrike" cap="none" normalizeH="0" baseline="0">
-                  <a:ln>
-                    <a:noFill/>
-                  </a:ln>
-                  <a:solidFill>
-                    <a:srgbClr val="BCBEC4"/>
-                  </a:solidFill>
-                  <a:effectLst/>
-                  <a:latin typeface="+mj-lt"/>
-                  <a:cs typeface="JetBrains Mono" panose="02000009000000000000" pitchFamily="49" charset="0"/>
-                </a:rPr>
-                <a:t>: </a:t>
-              </a:r>
-              <a:r>
-                <a:rPr lang="zh-TW" altLang="en-US" sz="2400">
-                  <a:solidFill>
-                    <a:srgbClr val="92D050"/>
-                  </a:solidFill>
-                  <a:latin typeface="+mj-lt"/>
-                  <a:cs typeface="JetBrains Mono" panose="02000009000000000000" pitchFamily="49" charset="0"/>
-                </a:rPr>
-                <a:t>條件為假時的返回值</a:t>
-              </a:r>
-              <a:endParaRPr kumimoji="0" lang="zh-TW" altLang="zh-TW" sz="4000" b="0" i="0" u="none" strike="noStrike" cap="none" normalizeH="0" baseline="0">
-                <a:ln>
-                  <a:noFill/>
-                </a:ln>
-                <a:solidFill>
-                  <a:srgbClr val="92D050"/>
-                </a:solidFill>
-                <a:effectLst/>
-                <a:latin typeface="+mj-lt"/>
-              </a:endParaRPr>
-            </a:p>
-          </p:txBody>
-        </p:sp>
-        <p:sp>
-          <p:nvSpPr>
-            <p:cNvPr id="14" name="文字方塊 13">
-              <a:extLst>
-                <a:ext uri="{FF2B5EF4-FFF2-40B4-BE49-F238E27FC236}">
-                  <a16:creationId xmlns:a16="http://schemas.microsoft.com/office/drawing/2014/main" id="{9CDA37A0-EDA6-412D-B96C-782E6FFBE422}"/>
-                </a:ext>
-              </a:extLst>
-            </p:cNvPr>
-            <p:cNvSpPr txBox="1"/>
-            <p:nvPr/>
-          </p:nvSpPr>
-          <p:spPr>
-            <a:xfrm>
-              <a:off x="10796493" y="2518694"/>
-              <a:ext cx="633507" cy="338554"/>
-            </a:xfrm>
-            <a:prstGeom prst="rect">
-              <a:avLst/>
-            </a:prstGeom>
-            <a:noFill/>
-          </p:spPr>
-          <p:txBody>
-            <a:bodyPr wrap="none" rtlCol="0">
-              <a:spAutoFit/>
-            </a:bodyPr>
-            <a:lstStyle/>
-            <a:p>
-              <a:r>
-                <a:rPr lang="en-US" altLang="zh-TW" sz="1600">
-                  <a:solidFill>
-                    <a:schemeClr val="accent3"/>
-                  </a:solidFill>
-                </a:rPr>
-                <a:t>java</a:t>
-              </a:r>
-              <a:endParaRPr lang="zh-TW" altLang="en-US" sz="1600">
-                <a:solidFill>
-                  <a:schemeClr val="accent3"/>
-                </a:solidFill>
-              </a:endParaRPr>
-            </a:p>
-          </p:txBody>
-        </p:sp>
-      </p:grpSp>
-    </p:spTree>
-    <p:extLst>
-      <p:ext uri="{BB962C8B-B14F-4D97-AF65-F5344CB8AC3E}">
-        <p14:creationId xmlns:p14="http://schemas.microsoft.com/office/powerpoint/2010/main" val="318815027"/>
-      </p:ext>
-    </p:extLst>
-  </p:cSld>
-  <p:clrMapOvr>
-    <a:masterClrMapping/>
-  </p:clrMapOvr>
-  <p:transition spd="slow">
-    <p:push dir="u"/>
-  </p:transition>
-</p:sld>
-</file>
-
-<file path=ppt/slides/slide20.xml><?xml version="1.0" encoding="utf-8"?>
+<file path=ppt/slides/slide21.xml><?xml version="1.0" encoding="utf-8"?>
 <p:sld xmlns:a="http://schemas.openxmlformats.org/drawingml/2006/main" xmlns:r="http://schemas.openxmlformats.org/officeDocument/2006/relationships" xmlns:p="http://schemas.openxmlformats.org/presentationml/2006/main">
   <p:cSld>
     <p:spTree>
@@ -25431,7 +27159,7 @@
 </p:sld>
 </file>
 
-<file path=ppt/slides/slide21.xml><?xml version="1.0" encoding="utf-8"?>
+<file path=ppt/slides/slide22.xml><?xml version="1.0" encoding="utf-8"?>
 <p:sld xmlns:a="http://schemas.openxmlformats.org/drawingml/2006/main" xmlns:r="http://schemas.openxmlformats.org/officeDocument/2006/relationships" xmlns:p="http://schemas.openxmlformats.org/presentationml/2006/main">
   <p:cSld>
     <p:spTree>
@@ -27510,7 +29238,7 @@
 </p:sld>
 </file>
 
-<file path=ppt/slides/slide22.xml><?xml version="1.0" encoding="utf-8"?>
+<file path=ppt/slides/slide23.xml><?xml version="1.0" encoding="utf-8"?>
 <p:sld xmlns:a="http://schemas.openxmlformats.org/drawingml/2006/main" xmlns:r="http://schemas.openxmlformats.org/officeDocument/2006/relationships" xmlns:p="http://schemas.openxmlformats.org/presentationml/2006/main">
   <p:cSld>
     <p:spTree>
@@ -28971,7 +30699,7 @@
 </p:sld>
 </file>
 
-<file path=ppt/slides/slide23.xml><?xml version="1.0" encoding="utf-8"?>
+<file path=ppt/slides/slide24.xml><?xml version="1.0" encoding="utf-8"?>
 <p:sld xmlns:a="http://schemas.openxmlformats.org/drawingml/2006/main" xmlns:r="http://schemas.openxmlformats.org/officeDocument/2006/relationships" xmlns:p="http://schemas.openxmlformats.org/presentationml/2006/main">
   <p:cSld>
     <p:spTree>
@@ -30817,7 +32545,7 @@
 </p:sld>
 </file>
 
-<file path=ppt/slides/slide24.xml><?xml version="1.0" encoding="utf-8"?>
+<file path=ppt/slides/slide25.xml><?xml version="1.0" encoding="utf-8"?>
 <p:sld xmlns:a="http://schemas.openxmlformats.org/drawingml/2006/main" xmlns:r="http://schemas.openxmlformats.org/officeDocument/2006/relationships" xmlns:p="http://schemas.openxmlformats.org/presentationml/2006/main">
   <p:cSld>
     <p:spTree>
@@ -32834,7 +34562,7 @@
 </p:sld>
 </file>
 
-<file path=ppt/slides/slide25.xml><?xml version="1.0" encoding="utf-8"?>
+<file path=ppt/slides/slide26.xml><?xml version="1.0" encoding="utf-8"?>
 <p:sld xmlns:a="http://schemas.openxmlformats.org/drawingml/2006/main" xmlns:r="http://schemas.openxmlformats.org/officeDocument/2006/relationships" xmlns:p="http://schemas.openxmlformats.org/presentationml/2006/main">
   <p:cSld>
     <p:spTree>
@@ -35015,7 +36743,7 @@
                   <a:srgbClr val="00B0F0"/>
                 </a:solidFill>
               </a:rPr>
-              <a:t>控制流程陳述式</a:t>
+              <a:t>流程控制陳述式</a:t>
             </a:r>
             <a:r>
               <a:rPr lang="en-US" altLang="zh-TW">
@@ -37090,6 +38818,2222 @@
           <p:cNvPr id="2" name="標題 1">
             <a:extLst>
               <a:ext uri="{FF2B5EF4-FFF2-40B4-BE49-F238E27FC236}">
+                <a16:creationId xmlns:a16="http://schemas.microsoft.com/office/drawing/2014/main" id="{ACF22927-736B-4AE5-A615-BA5C967789FD}"/>
+              </a:ext>
+            </a:extLst>
+          </p:cNvPr>
+          <p:cNvSpPr>
+            <a:spLocks noGrp="1"/>
+          </p:cNvSpPr>
+          <p:nvPr>
+            <p:ph type="title"/>
+          </p:nvPr>
+        </p:nvSpPr>
+        <p:spPr>
+          <a:xfrm>
+            <a:off x="838200" y="194261"/>
+            <a:ext cx="10515600" cy="1325563"/>
+          </a:xfrm>
+        </p:spPr>
+        <p:txBody>
+          <a:bodyPr/>
+          <a:lstStyle/>
+          <a:p>
+            <a:r>
+              <a:rPr lang="en-US" altLang="zh-TW"/>
+              <a:t>if...else</a:t>
+            </a:r>
+            <a:endParaRPr lang="zh-TW" altLang="en-US"/>
+          </a:p>
+        </p:txBody>
+      </p:sp>
+      <p:sp>
+        <p:nvSpPr>
+          <p:cNvPr id="3" name="內容版面配置區 2">
+            <a:extLst>
+              <a:ext uri="{FF2B5EF4-FFF2-40B4-BE49-F238E27FC236}">
+                <a16:creationId xmlns:a16="http://schemas.microsoft.com/office/drawing/2014/main" id="{E61B565D-3481-4524-8A78-5F335557D6BD}"/>
+              </a:ext>
+            </a:extLst>
+          </p:cNvPr>
+          <p:cNvSpPr>
+            <a:spLocks noGrp="1"/>
+          </p:cNvSpPr>
+          <p:nvPr>
+            <p:ph idx="1"/>
+          </p:nvPr>
+        </p:nvSpPr>
+        <p:spPr>
+          <a:xfrm>
+            <a:off x="485861" y="1235976"/>
+            <a:ext cx="11220278" cy="1540134"/>
+          </a:xfrm>
+        </p:spPr>
+        <p:txBody>
+          <a:bodyPr>
+            <a:normAutofit/>
+          </a:bodyPr>
+          <a:lstStyle/>
+          <a:p>
+            <a:r>
+              <a:rPr lang="zh-TW" altLang="en-US"/>
+              <a:t>由剛剛介紹的 </a:t>
+            </a:r>
+            <a:r>
+              <a:rPr lang="en-US" altLang="zh-TW">
+                <a:solidFill>
+                  <a:srgbClr val="CF8E6D"/>
+                </a:solidFill>
+              </a:rPr>
+              <a:t>if...else </a:t>
+            </a:r>
+            <a:r>
+              <a:rPr lang="zh-TW" altLang="en-US"/>
+              <a:t>特性</a:t>
+            </a:r>
+            <a:endParaRPr lang="en-US" altLang="zh-TW"/>
+          </a:p>
+          <a:p>
+            <a:r>
+              <a:rPr lang="zh-TW" altLang="en-US"/>
+              <a:t>可以對 </a:t>
+            </a:r>
+            <a:r>
+              <a:rPr lang="en-US" altLang="zh-TW">
+                <a:solidFill>
+                  <a:srgbClr val="CF8E6D"/>
+                </a:solidFill>
+              </a:rPr>
+              <a:t>if...else if...else </a:t>
+            </a:r>
+            <a:r>
+              <a:rPr lang="zh-TW" altLang="en-US"/>
+              <a:t>得出以下結論：</a:t>
+            </a:r>
+            <a:endParaRPr lang="en-US" altLang="zh-TW"/>
+          </a:p>
+          <a:p>
+            <a:r>
+              <a:rPr lang="zh-TW" altLang="en-US">
+                <a:solidFill>
+                  <a:srgbClr val="FFFF00"/>
+                </a:solidFill>
+              </a:rPr>
+              <a:t>進入某個</a:t>
+            </a:r>
+            <a:r>
+              <a:rPr lang="zh-TW" altLang="en-US"/>
+              <a:t> </a:t>
+            </a:r>
+            <a:r>
+              <a:rPr lang="en-US" altLang="zh-TW">
+                <a:solidFill>
+                  <a:srgbClr val="CF8E6D"/>
+                </a:solidFill>
+              </a:rPr>
+              <a:t>if</a:t>
+            </a:r>
+            <a:r>
+              <a:rPr lang="zh-TW" altLang="en-US"/>
+              <a:t> </a:t>
+            </a:r>
+            <a:r>
+              <a:rPr lang="zh-TW" altLang="en-US">
+                <a:solidFill>
+                  <a:srgbClr val="FFFF00"/>
+                </a:solidFill>
+              </a:rPr>
+              <a:t>判斷，代表前方的所有 </a:t>
+            </a:r>
+            <a:r>
+              <a:rPr lang="en-US" altLang="zh-TW">
+                <a:solidFill>
+                  <a:srgbClr val="CF8E6D"/>
+                </a:solidFill>
+              </a:rPr>
+              <a:t>if</a:t>
+            </a:r>
+            <a:r>
+              <a:rPr lang="zh-TW" altLang="en-US">
+                <a:solidFill>
+                  <a:srgbClr val="CF8E6D"/>
+                </a:solidFill>
+              </a:rPr>
+              <a:t> </a:t>
+            </a:r>
+            <a:r>
+              <a:rPr lang="zh-TW" altLang="en-US">
+                <a:solidFill>
+                  <a:srgbClr val="FFFF00"/>
+                </a:solidFill>
+              </a:rPr>
+              <a:t>皆不成立</a:t>
+            </a:r>
+            <a:endParaRPr lang="en-US" altLang="zh-TW">
+              <a:solidFill>
+                <a:srgbClr val="FFFF00"/>
+              </a:solidFill>
+            </a:endParaRPr>
+          </a:p>
+        </p:txBody>
+      </p:sp>
+      <p:grpSp>
+        <p:nvGrpSpPr>
+          <p:cNvPr id="46" name="群組 45">
+            <a:extLst>
+              <a:ext uri="{FF2B5EF4-FFF2-40B4-BE49-F238E27FC236}">
+                <a16:creationId xmlns:a16="http://schemas.microsoft.com/office/drawing/2014/main" id="{A2E9205A-EA93-4DE2-8023-E21256A23BBC}"/>
+              </a:ext>
+            </a:extLst>
+          </p:cNvPr>
+          <p:cNvGrpSpPr/>
+          <p:nvPr/>
+        </p:nvGrpSpPr>
+        <p:grpSpPr>
+          <a:xfrm>
+            <a:off x="485861" y="2776109"/>
+            <a:ext cx="11220278" cy="3693319"/>
+            <a:chOff x="485853" y="2893804"/>
+            <a:chExt cx="11220278" cy="3693319"/>
+          </a:xfrm>
+        </p:grpSpPr>
+        <p:sp>
+          <p:nvSpPr>
+            <p:cNvPr id="45" name="Rectangle 3">
+              <a:extLst>
+                <a:ext uri="{FF2B5EF4-FFF2-40B4-BE49-F238E27FC236}">
+                  <a16:creationId xmlns:a16="http://schemas.microsoft.com/office/drawing/2014/main" id="{5869A186-A500-44CC-B8D5-41B4292D489C}"/>
+                </a:ext>
+              </a:extLst>
+            </p:cNvPr>
+            <p:cNvSpPr>
+              <a:spLocks noChangeArrowheads="1"/>
+            </p:cNvSpPr>
+            <p:nvPr/>
+          </p:nvSpPr>
+          <p:spPr bwMode="auto">
+            <a:xfrm>
+              <a:off x="485853" y="2893804"/>
+              <a:ext cx="11220278" cy="3693319"/>
+            </a:xfrm>
+            <a:prstGeom prst="rect">
+              <a:avLst/>
+            </a:prstGeom>
+            <a:solidFill>
+              <a:srgbClr val="1E1F22"/>
+            </a:solidFill>
+            <a:ln>
+              <a:noFill/>
+            </a:ln>
+            <a:effectLst/>
+            <a:extLst>
+              <a:ext uri="{91240B29-F687-4F45-9708-019B960494DF}">
+                <a14:hiddenLine xmlns:a14="http://schemas.microsoft.com/office/drawing/2010/main" w="9525">
+                  <a:solidFill>
+                    <a:schemeClr val="tx1"/>
+                  </a:solidFill>
+                  <a:miter lim="800000"/>
+                  <a:headEnd/>
+                  <a:tailEnd/>
+                </a14:hiddenLine>
+              </a:ext>
+              <a:ext uri="{AF507438-7753-43E0-B8FC-AC1667EBCBE1}">
+                <a14:hiddenEffects xmlns:a14="http://schemas.microsoft.com/office/drawing/2010/main">
+                  <a:effectLst>
+                    <a:outerShdw dist="35921" dir="2700000" algn="ctr" rotWithShape="0">
+                      <a:schemeClr val="bg2"/>
+                    </a:outerShdw>
+                  </a:effectLst>
+                </a14:hiddenEffects>
+              </a:ext>
+            </a:extLst>
+          </p:spPr>
+          <p:txBody>
+            <a:bodyPr vert="horz" wrap="square" lIns="91440" tIns="45720" rIns="91440" bIns="45720" numCol="1" anchor="ctr" anchorCtr="0" compatLnSpc="1">
+              <a:prstTxWarp prst="textNoShape">
+                <a:avLst/>
+              </a:prstTxWarp>
+              <a:spAutoFit/>
+            </a:bodyPr>
+            <a:lstStyle/>
+            <a:p>
+              <a:pPr marL="0" marR="0" lvl="0" indent="0" algn="l" defTabSz="914400" rtl="0" eaLnBrk="0" fontAlgn="base" latinLnBrk="0" hangingPunct="0">
+                <a:lnSpc>
+                  <a:spcPct val="100000"/>
+                </a:lnSpc>
+                <a:spcBef>
+                  <a:spcPct val="0"/>
+                </a:spcBef>
+                <a:spcAft>
+                  <a:spcPct val="0"/>
+                </a:spcAft>
+                <a:buClrTx/>
+                <a:buSzTx/>
+                <a:buFontTx/>
+                <a:buNone/>
+                <a:tabLst/>
+              </a:pPr>
+              <a:r>
+                <a:rPr kumimoji="0" lang="zh-TW" altLang="zh-TW" b="0" i="0" u="none" strike="noStrike" cap="none" normalizeH="0" baseline="0">
+                  <a:ln>
+                    <a:noFill/>
+                  </a:ln>
+                  <a:solidFill>
+                    <a:srgbClr val="CF8E6D"/>
+                  </a:solidFill>
+                  <a:effectLst/>
+                  <a:latin typeface="+mj-lt"/>
+                  <a:cs typeface="JetBrains Mono" panose="02000009000000000000" pitchFamily="49" charset="0"/>
+                </a:rPr>
+                <a:t>import </a:t>
+              </a:r>
+              <a:r>
+                <a:rPr kumimoji="0" lang="zh-TW" altLang="zh-TW" b="0" i="0" u="none" strike="noStrike" cap="none" normalizeH="0" baseline="0">
+                  <a:ln>
+                    <a:noFill/>
+                  </a:ln>
+                  <a:solidFill>
+                    <a:srgbClr val="BCBEC4"/>
+                  </a:solidFill>
+                  <a:effectLst/>
+                  <a:latin typeface="+mj-lt"/>
+                  <a:cs typeface="JetBrains Mono" panose="02000009000000000000" pitchFamily="49" charset="0"/>
+                </a:rPr>
+                <a:t>java.util.Scanner;</a:t>
+              </a:r>
+              <a:br>
+                <a:rPr kumimoji="0" lang="zh-TW" altLang="zh-TW" b="0" i="0" u="none" strike="noStrike" cap="none" normalizeH="0" baseline="0">
+                  <a:ln>
+                    <a:noFill/>
+                  </a:ln>
+                  <a:solidFill>
+                    <a:srgbClr val="BCBEC4"/>
+                  </a:solidFill>
+                  <a:effectLst/>
+                  <a:latin typeface="+mj-lt"/>
+                  <a:cs typeface="JetBrains Mono" panose="02000009000000000000" pitchFamily="49" charset="0"/>
+                </a:rPr>
+              </a:br>
+              <a:br>
+                <a:rPr kumimoji="0" lang="zh-TW" altLang="zh-TW" b="0" i="0" u="none" strike="noStrike" cap="none" normalizeH="0" baseline="0">
+                  <a:ln>
+                    <a:noFill/>
+                  </a:ln>
+                  <a:solidFill>
+                    <a:srgbClr val="BCBEC4"/>
+                  </a:solidFill>
+                  <a:effectLst/>
+                  <a:latin typeface="+mj-lt"/>
+                  <a:cs typeface="JetBrains Mono" panose="02000009000000000000" pitchFamily="49" charset="0"/>
+                </a:rPr>
+              </a:br>
+              <a:r>
+                <a:rPr kumimoji="0" lang="zh-TW" altLang="zh-TW" b="0" i="0" u="none" strike="noStrike" cap="none" normalizeH="0" baseline="0">
+                  <a:ln>
+                    <a:noFill/>
+                  </a:ln>
+                  <a:solidFill>
+                    <a:srgbClr val="CF8E6D"/>
+                  </a:solidFill>
+                  <a:effectLst/>
+                  <a:latin typeface="+mj-lt"/>
+                  <a:cs typeface="JetBrains Mono" panose="02000009000000000000" pitchFamily="49" charset="0"/>
+                </a:rPr>
+                <a:t>public class </a:t>
+              </a:r>
+              <a:r>
+                <a:rPr kumimoji="0" lang="zh-TW" altLang="zh-TW" b="0" i="0" u="none" strike="noStrike" cap="none" normalizeH="0" baseline="0">
+                  <a:ln>
+                    <a:noFill/>
+                  </a:ln>
+                  <a:solidFill>
+                    <a:srgbClr val="BCBEC4"/>
+                  </a:solidFill>
+                  <a:effectLst/>
+                  <a:latin typeface="+mj-lt"/>
+                  <a:cs typeface="JetBrains Mono" panose="02000009000000000000" pitchFamily="49" charset="0"/>
+                </a:rPr>
+                <a:t>Main {</a:t>
+              </a:r>
+              <a:br>
+                <a:rPr kumimoji="0" lang="zh-TW" altLang="zh-TW" b="0" i="0" u="none" strike="noStrike" cap="none" normalizeH="0" baseline="0">
+                  <a:ln>
+                    <a:noFill/>
+                  </a:ln>
+                  <a:solidFill>
+                    <a:srgbClr val="BCBEC4"/>
+                  </a:solidFill>
+                  <a:effectLst/>
+                  <a:latin typeface="+mj-lt"/>
+                  <a:cs typeface="JetBrains Mono" panose="02000009000000000000" pitchFamily="49" charset="0"/>
+                </a:rPr>
+              </a:br>
+              <a:r>
+                <a:rPr kumimoji="0" lang="zh-TW" altLang="zh-TW" b="0" i="0" u="none" strike="noStrike" cap="none" normalizeH="0" baseline="0">
+                  <a:ln>
+                    <a:noFill/>
+                  </a:ln>
+                  <a:solidFill>
+                    <a:srgbClr val="BCBEC4"/>
+                  </a:solidFill>
+                  <a:effectLst/>
+                  <a:latin typeface="+mj-lt"/>
+                  <a:cs typeface="JetBrains Mono" panose="02000009000000000000" pitchFamily="49" charset="0"/>
+                </a:rPr>
+                <a:t>    </a:t>
+              </a:r>
+              <a:r>
+                <a:rPr kumimoji="0" lang="zh-TW" altLang="zh-TW" b="0" i="0" u="none" strike="noStrike" cap="none" normalizeH="0" baseline="0">
+                  <a:ln>
+                    <a:noFill/>
+                  </a:ln>
+                  <a:solidFill>
+                    <a:srgbClr val="CF8E6D"/>
+                  </a:solidFill>
+                  <a:effectLst/>
+                  <a:latin typeface="+mj-lt"/>
+                  <a:cs typeface="JetBrains Mono" panose="02000009000000000000" pitchFamily="49" charset="0"/>
+                </a:rPr>
+                <a:t>public static void </a:t>
+              </a:r>
+              <a:r>
+                <a:rPr kumimoji="0" lang="zh-TW" altLang="zh-TW" b="0" i="0" u="none" strike="noStrike" cap="none" normalizeH="0" baseline="0">
+                  <a:ln>
+                    <a:noFill/>
+                  </a:ln>
+                  <a:solidFill>
+                    <a:srgbClr val="56A8F5"/>
+                  </a:solidFill>
+                  <a:effectLst/>
+                  <a:latin typeface="+mj-lt"/>
+                  <a:cs typeface="JetBrains Mono" panose="02000009000000000000" pitchFamily="49" charset="0"/>
+                </a:rPr>
+                <a:t>main</a:t>
+              </a:r>
+              <a:r>
+                <a:rPr kumimoji="0" lang="zh-TW" altLang="zh-TW" b="0" i="0" u="none" strike="noStrike" cap="none" normalizeH="0" baseline="0">
+                  <a:ln>
+                    <a:noFill/>
+                  </a:ln>
+                  <a:solidFill>
+                    <a:srgbClr val="BCBEC4"/>
+                  </a:solidFill>
+                  <a:effectLst/>
+                  <a:latin typeface="+mj-lt"/>
+                  <a:cs typeface="JetBrains Mono" panose="02000009000000000000" pitchFamily="49" charset="0"/>
+                </a:rPr>
+                <a:t>(String[] args) {</a:t>
+              </a:r>
+              <a:br>
+                <a:rPr kumimoji="0" lang="zh-TW" altLang="zh-TW" b="0" i="0" u="none" strike="noStrike" cap="none" normalizeH="0" baseline="0">
+                  <a:ln>
+                    <a:noFill/>
+                  </a:ln>
+                  <a:solidFill>
+                    <a:srgbClr val="BCBEC4"/>
+                  </a:solidFill>
+                  <a:effectLst/>
+                  <a:latin typeface="+mj-lt"/>
+                  <a:cs typeface="JetBrains Mono" panose="02000009000000000000" pitchFamily="49" charset="0"/>
+                </a:rPr>
+              </a:br>
+              <a:r>
+                <a:rPr kumimoji="0" lang="zh-TW" altLang="zh-TW" b="0" i="0" u="none" strike="noStrike" cap="none" normalizeH="0" baseline="0">
+                  <a:ln>
+                    <a:noFill/>
+                  </a:ln>
+                  <a:solidFill>
+                    <a:srgbClr val="BCBEC4"/>
+                  </a:solidFill>
+                  <a:effectLst/>
+                  <a:latin typeface="+mj-lt"/>
+                  <a:cs typeface="JetBrains Mono" panose="02000009000000000000" pitchFamily="49" charset="0"/>
+                </a:rPr>
+                <a:t>        Scanner scanner = </a:t>
+              </a:r>
+              <a:r>
+                <a:rPr kumimoji="0" lang="zh-TW" altLang="zh-TW" b="0" i="0" u="none" strike="noStrike" cap="none" normalizeH="0" baseline="0">
+                  <a:ln>
+                    <a:noFill/>
+                  </a:ln>
+                  <a:solidFill>
+                    <a:srgbClr val="CF8E6D"/>
+                  </a:solidFill>
+                  <a:effectLst/>
+                  <a:latin typeface="+mj-lt"/>
+                  <a:cs typeface="JetBrains Mono" panose="02000009000000000000" pitchFamily="49" charset="0"/>
+                </a:rPr>
+                <a:t>new </a:t>
+              </a:r>
+              <a:r>
+                <a:rPr kumimoji="0" lang="zh-TW" altLang="zh-TW" b="0" i="0" u="none" strike="noStrike" cap="none" normalizeH="0" baseline="0">
+                  <a:ln>
+                    <a:noFill/>
+                  </a:ln>
+                  <a:solidFill>
+                    <a:srgbClr val="BCBEC4"/>
+                  </a:solidFill>
+                  <a:effectLst/>
+                  <a:latin typeface="+mj-lt"/>
+                  <a:cs typeface="JetBrains Mono" panose="02000009000000000000" pitchFamily="49" charset="0"/>
+                </a:rPr>
+                <a:t>Scanner(System.</a:t>
+              </a:r>
+              <a:r>
+                <a:rPr kumimoji="0" lang="zh-TW" altLang="zh-TW" b="0" i="1" u="none" strike="noStrike" cap="none" normalizeH="0" baseline="0">
+                  <a:ln>
+                    <a:noFill/>
+                  </a:ln>
+                  <a:solidFill>
+                    <a:srgbClr val="C77DBB"/>
+                  </a:solidFill>
+                  <a:effectLst/>
+                  <a:latin typeface="+mj-lt"/>
+                  <a:cs typeface="JetBrains Mono" panose="02000009000000000000" pitchFamily="49" charset="0"/>
+                </a:rPr>
+                <a:t>in</a:t>
+              </a:r>
+              <a:r>
+                <a:rPr kumimoji="0" lang="zh-TW" altLang="zh-TW" b="0" i="0" u="none" strike="noStrike" cap="none" normalizeH="0" baseline="0">
+                  <a:ln>
+                    <a:noFill/>
+                  </a:ln>
+                  <a:solidFill>
+                    <a:srgbClr val="BCBEC4"/>
+                  </a:solidFill>
+                  <a:effectLst/>
+                  <a:latin typeface="+mj-lt"/>
+                  <a:cs typeface="JetBrains Mono" panose="02000009000000000000" pitchFamily="49" charset="0"/>
+                </a:rPr>
+                <a:t>);</a:t>
+              </a:r>
+              <a:br>
+                <a:rPr kumimoji="0" lang="zh-TW" altLang="zh-TW" b="0" i="0" u="none" strike="noStrike" cap="none" normalizeH="0" baseline="0">
+                  <a:ln>
+                    <a:noFill/>
+                  </a:ln>
+                  <a:solidFill>
+                    <a:srgbClr val="BCBEC4"/>
+                  </a:solidFill>
+                  <a:effectLst/>
+                  <a:latin typeface="+mj-lt"/>
+                  <a:cs typeface="JetBrains Mono" panose="02000009000000000000" pitchFamily="49" charset="0"/>
+                </a:rPr>
+              </a:br>
+              <a:r>
+                <a:rPr kumimoji="0" lang="zh-TW" altLang="zh-TW" b="0" i="0" u="none" strike="noStrike" cap="none" normalizeH="0" baseline="0">
+                  <a:ln>
+                    <a:noFill/>
+                  </a:ln>
+                  <a:solidFill>
+                    <a:srgbClr val="BCBEC4"/>
+                  </a:solidFill>
+                  <a:effectLst/>
+                  <a:latin typeface="+mj-lt"/>
+                  <a:cs typeface="JetBrains Mono" panose="02000009000000000000" pitchFamily="49" charset="0"/>
+                </a:rPr>
+                <a:t>        </a:t>
+              </a:r>
+              <a:r>
+                <a:rPr kumimoji="0" lang="zh-TW" altLang="zh-TW" b="0" i="0" u="none" strike="noStrike" cap="none" normalizeH="0" baseline="0">
+                  <a:ln>
+                    <a:noFill/>
+                  </a:ln>
+                  <a:solidFill>
+                    <a:srgbClr val="CF8E6D"/>
+                  </a:solidFill>
+                  <a:effectLst/>
+                  <a:latin typeface="+mj-lt"/>
+                  <a:cs typeface="JetBrains Mono" panose="02000009000000000000" pitchFamily="49" charset="0"/>
+                </a:rPr>
+                <a:t>int </a:t>
+              </a:r>
+              <a:r>
+                <a:rPr kumimoji="0" lang="zh-TW" altLang="zh-TW" b="0" i="0" u="none" strike="noStrike" cap="none" normalizeH="0" baseline="0">
+                  <a:ln>
+                    <a:noFill/>
+                  </a:ln>
+                  <a:solidFill>
+                    <a:srgbClr val="BCBEC4"/>
+                  </a:solidFill>
+                  <a:effectLst/>
+                  <a:latin typeface="+mj-lt"/>
+                  <a:cs typeface="JetBrains Mono" panose="02000009000000000000" pitchFamily="49" charset="0"/>
+                </a:rPr>
+                <a:t>number = scanner.nextInt();</a:t>
+              </a:r>
+              <a:br>
+                <a:rPr kumimoji="0" lang="zh-TW" altLang="zh-TW" b="0" i="0" u="none" strike="noStrike" cap="none" normalizeH="0" baseline="0">
+                  <a:ln>
+                    <a:noFill/>
+                  </a:ln>
+                  <a:solidFill>
+                    <a:srgbClr val="BCBEC4"/>
+                  </a:solidFill>
+                  <a:effectLst/>
+                  <a:latin typeface="+mj-lt"/>
+                  <a:cs typeface="JetBrains Mono" panose="02000009000000000000" pitchFamily="49" charset="0"/>
+                </a:rPr>
+              </a:br>
+              <a:r>
+                <a:rPr kumimoji="0" lang="zh-TW" altLang="zh-TW" b="0" i="0" u="none" strike="noStrike" cap="none" normalizeH="0" baseline="0">
+                  <a:ln>
+                    <a:noFill/>
+                  </a:ln>
+                  <a:solidFill>
+                    <a:srgbClr val="BCBEC4"/>
+                  </a:solidFill>
+                  <a:effectLst/>
+                  <a:latin typeface="+mj-lt"/>
+                  <a:cs typeface="JetBrains Mono" panose="02000009000000000000" pitchFamily="49" charset="0"/>
+                </a:rPr>
+                <a:t>        </a:t>
+              </a:r>
+              <a:r>
+                <a:rPr kumimoji="0" lang="zh-TW" altLang="zh-TW" b="0" i="0" u="none" strike="noStrike" cap="none" normalizeH="0" baseline="0">
+                  <a:ln>
+                    <a:noFill/>
+                  </a:ln>
+                  <a:solidFill>
+                    <a:srgbClr val="CF8E6D"/>
+                  </a:solidFill>
+                  <a:effectLst/>
+                  <a:latin typeface="+mj-lt"/>
+                  <a:cs typeface="JetBrains Mono" panose="02000009000000000000" pitchFamily="49" charset="0"/>
+                </a:rPr>
+                <a:t>if </a:t>
+              </a:r>
+              <a:r>
+                <a:rPr kumimoji="0" lang="zh-TW" altLang="zh-TW" b="0" i="0" u="none" strike="noStrike" cap="none" normalizeH="0" baseline="0">
+                  <a:ln>
+                    <a:noFill/>
+                  </a:ln>
+                  <a:solidFill>
+                    <a:srgbClr val="BCBEC4"/>
+                  </a:solidFill>
+                  <a:effectLst/>
+                  <a:latin typeface="+mj-lt"/>
+                  <a:cs typeface="JetBrains Mono" panose="02000009000000000000" pitchFamily="49" charset="0"/>
+                </a:rPr>
+                <a:t>(number &gt; </a:t>
+              </a:r>
+              <a:r>
+                <a:rPr kumimoji="0" lang="zh-TW" altLang="zh-TW" b="0" i="0" u="none" strike="noStrike" cap="none" normalizeH="0" baseline="0">
+                  <a:ln>
+                    <a:noFill/>
+                  </a:ln>
+                  <a:solidFill>
+                    <a:srgbClr val="2AACB8"/>
+                  </a:solidFill>
+                  <a:effectLst/>
+                  <a:latin typeface="+mj-lt"/>
+                  <a:cs typeface="JetBrains Mono" panose="02000009000000000000" pitchFamily="49" charset="0"/>
+                </a:rPr>
+                <a:t>100</a:t>
+              </a:r>
+              <a:r>
+                <a:rPr kumimoji="0" lang="zh-TW" altLang="zh-TW" b="0" i="0" u="none" strike="noStrike" cap="none" normalizeH="0" baseline="0">
+                  <a:ln>
+                    <a:noFill/>
+                  </a:ln>
+                  <a:solidFill>
+                    <a:srgbClr val="BCBEC4"/>
+                  </a:solidFill>
+                  <a:effectLst/>
+                  <a:latin typeface="+mj-lt"/>
+                  <a:cs typeface="JetBrains Mono" panose="02000009000000000000" pitchFamily="49" charset="0"/>
+                </a:rPr>
+                <a:t>) System.</a:t>
+              </a:r>
+              <a:r>
+                <a:rPr kumimoji="0" lang="zh-TW" altLang="zh-TW" b="0" i="1" u="none" strike="noStrike" cap="none" normalizeH="0" baseline="0">
+                  <a:ln>
+                    <a:noFill/>
+                  </a:ln>
+                  <a:solidFill>
+                    <a:srgbClr val="C77DBB"/>
+                  </a:solidFill>
+                  <a:effectLst/>
+                  <a:latin typeface="+mj-lt"/>
+                  <a:cs typeface="JetBrains Mono" panose="02000009000000000000" pitchFamily="49" charset="0"/>
+                </a:rPr>
+                <a:t>out</a:t>
+              </a:r>
+              <a:r>
+                <a:rPr kumimoji="0" lang="zh-TW" altLang="zh-TW" b="0" i="0" u="none" strike="noStrike" cap="none" normalizeH="0" baseline="0">
+                  <a:ln>
+                    <a:noFill/>
+                  </a:ln>
+                  <a:solidFill>
+                    <a:srgbClr val="BCBEC4"/>
+                  </a:solidFill>
+                  <a:effectLst/>
+                  <a:latin typeface="+mj-lt"/>
+                  <a:cs typeface="JetBrains Mono" panose="02000009000000000000" pitchFamily="49" charset="0"/>
+                </a:rPr>
+                <a:t>.println(</a:t>
+              </a:r>
+              <a:r>
+                <a:rPr kumimoji="0" lang="zh-TW" altLang="zh-TW" b="0" i="0" u="none" strike="noStrike" cap="none" normalizeH="0" baseline="0">
+                  <a:ln>
+                    <a:noFill/>
+                  </a:ln>
+                  <a:solidFill>
+                    <a:srgbClr val="6AAB73"/>
+                  </a:solidFill>
+                  <a:effectLst/>
+                  <a:latin typeface="+mj-lt"/>
+                  <a:cs typeface="JetBrains Mono" panose="02000009000000000000" pitchFamily="49" charset="0"/>
+                </a:rPr>
+                <a:t>"(100, inf)"</a:t>
+              </a:r>
+              <a:r>
+                <a:rPr kumimoji="0" lang="zh-TW" altLang="zh-TW" b="0" i="0" u="none" strike="noStrike" cap="none" normalizeH="0" baseline="0">
+                  <a:ln>
+                    <a:noFill/>
+                  </a:ln>
+                  <a:solidFill>
+                    <a:srgbClr val="BCBEC4"/>
+                  </a:solidFill>
+                  <a:effectLst/>
+                  <a:latin typeface="+mj-lt"/>
+                  <a:cs typeface="JetBrains Mono" panose="02000009000000000000" pitchFamily="49" charset="0"/>
+                </a:rPr>
+                <a:t>);</a:t>
+              </a:r>
+              <a:br>
+                <a:rPr kumimoji="0" lang="zh-TW" altLang="zh-TW" b="0" i="0" u="none" strike="noStrike" cap="none" normalizeH="0" baseline="0">
+                  <a:ln>
+                    <a:noFill/>
+                  </a:ln>
+                  <a:solidFill>
+                    <a:srgbClr val="BCBEC4"/>
+                  </a:solidFill>
+                  <a:effectLst/>
+                  <a:latin typeface="+mj-lt"/>
+                  <a:cs typeface="JetBrains Mono" panose="02000009000000000000" pitchFamily="49" charset="0"/>
+                </a:rPr>
+              </a:br>
+              <a:r>
+                <a:rPr kumimoji="0" lang="zh-TW" altLang="zh-TW" b="0" i="0" u="none" strike="noStrike" cap="none" normalizeH="0" baseline="0">
+                  <a:ln>
+                    <a:noFill/>
+                  </a:ln>
+                  <a:solidFill>
+                    <a:srgbClr val="BCBEC4"/>
+                  </a:solidFill>
+                  <a:effectLst/>
+                  <a:latin typeface="+mj-lt"/>
+                  <a:cs typeface="JetBrains Mono" panose="02000009000000000000" pitchFamily="49" charset="0"/>
+                </a:rPr>
+                <a:t>        </a:t>
+              </a:r>
+              <a:r>
+                <a:rPr kumimoji="0" lang="zh-TW" altLang="zh-TW" b="0" i="0" u="none" strike="noStrike" cap="none" normalizeH="0" baseline="0">
+                  <a:ln>
+                    <a:noFill/>
+                  </a:ln>
+                  <a:solidFill>
+                    <a:srgbClr val="CF8E6D"/>
+                  </a:solidFill>
+                  <a:effectLst/>
+                  <a:latin typeface="+mj-lt"/>
+                  <a:cs typeface="JetBrains Mono" panose="02000009000000000000" pitchFamily="49" charset="0"/>
+                </a:rPr>
+                <a:t>else if </a:t>
+              </a:r>
+              <a:r>
+                <a:rPr kumimoji="0" lang="zh-TW" altLang="zh-TW" b="0" i="0" u="none" strike="noStrike" cap="none" normalizeH="0" baseline="0">
+                  <a:ln>
+                    <a:noFill/>
+                  </a:ln>
+                  <a:solidFill>
+                    <a:srgbClr val="BCBEC4"/>
+                  </a:solidFill>
+                  <a:effectLst/>
+                  <a:latin typeface="+mj-lt"/>
+                  <a:cs typeface="JetBrains Mono" panose="02000009000000000000" pitchFamily="49" charset="0"/>
+                </a:rPr>
+                <a:t>(number &gt; </a:t>
+              </a:r>
+              <a:r>
+                <a:rPr kumimoji="0" lang="zh-TW" altLang="zh-TW" b="0" i="0" u="none" strike="noStrike" cap="none" normalizeH="0" baseline="0">
+                  <a:ln>
+                    <a:noFill/>
+                  </a:ln>
+                  <a:solidFill>
+                    <a:srgbClr val="2AACB8"/>
+                  </a:solidFill>
+                  <a:effectLst/>
+                  <a:latin typeface="+mj-lt"/>
+                  <a:cs typeface="JetBrains Mono" panose="02000009000000000000" pitchFamily="49" charset="0"/>
+                </a:rPr>
+                <a:t>0</a:t>
+              </a:r>
+              <a:r>
+                <a:rPr kumimoji="0" lang="zh-TW" altLang="zh-TW" b="0" i="0" u="none" strike="noStrike" cap="none" normalizeH="0" baseline="0">
+                  <a:ln>
+                    <a:noFill/>
+                  </a:ln>
+                  <a:solidFill>
+                    <a:srgbClr val="BCBEC4"/>
+                  </a:solidFill>
+                  <a:effectLst/>
+                  <a:latin typeface="+mj-lt"/>
+                  <a:cs typeface="JetBrains Mono" panose="02000009000000000000" pitchFamily="49" charset="0"/>
+                </a:rPr>
+                <a:t>) System.</a:t>
+              </a:r>
+              <a:r>
+                <a:rPr kumimoji="0" lang="zh-TW" altLang="zh-TW" b="0" i="1" u="none" strike="noStrike" cap="none" normalizeH="0" baseline="0">
+                  <a:ln>
+                    <a:noFill/>
+                  </a:ln>
+                  <a:solidFill>
+                    <a:srgbClr val="C77DBB"/>
+                  </a:solidFill>
+                  <a:effectLst/>
+                  <a:latin typeface="+mj-lt"/>
+                  <a:cs typeface="JetBrains Mono" panose="02000009000000000000" pitchFamily="49" charset="0"/>
+                </a:rPr>
+                <a:t>out</a:t>
+              </a:r>
+              <a:r>
+                <a:rPr kumimoji="0" lang="zh-TW" altLang="zh-TW" b="0" i="0" u="none" strike="noStrike" cap="none" normalizeH="0" baseline="0">
+                  <a:ln>
+                    <a:noFill/>
+                  </a:ln>
+                  <a:solidFill>
+                    <a:srgbClr val="BCBEC4"/>
+                  </a:solidFill>
+                  <a:effectLst/>
+                  <a:latin typeface="+mj-lt"/>
+                  <a:cs typeface="JetBrains Mono" panose="02000009000000000000" pitchFamily="49" charset="0"/>
+                </a:rPr>
+                <a:t>.println(</a:t>
+              </a:r>
+              <a:r>
+                <a:rPr kumimoji="0" lang="zh-TW" altLang="zh-TW" b="0" i="0" u="none" strike="noStrike" cap="none" normalizeH="0" baseline="0">
+                  <a:ln>
+                    <a:noFill/>
+                  </a:ln>
+                  <a:solidFill>
+                    <a:srgbClr val="6AAB73"/>
+                  </a:solidFill>
+                  <a:effectLst/>
+                  <a:latin typeface="+mj-lt"/>
+                  <a:cs typeface="JetBrains Mono" panose="02000009000000000000" pitchFamily="49" charset="0"/>
+                </a:rPr>
+                <a:t>"(0, 100]"</a:t>
+              </a:r>
+              <a:r>
+                <a:rPr kumimoji="0" lang="zh-TW" altLang="zh-TW" b="0" i="0" u="none" strike="noStrike" cap="none" normalizeH="0" baseline="0">
+                  <a:ln>
+                    <a:noFill/>
+                  </a:ln>
+                  <a:solidFill>
+                    <a:srgbClr val="BCBEC4"/>
+                  </a:solidFill>
+                  <a:effectLst/>
+                  <a:latin typeface="+mj-lt"/>
+                  <a:cs typeface="JetBrains Mono" panose="02000009000000000000" pitchFamily="49" charset="0"/>
+                </a:rPr>
+                <a:t>);</a:t>
+              </a:r>
+              <a:br>
+                <a:rPr kumimoji="0" lang="zh-TW" altLang="zh-TW" b="0" i="0" u="none" strike="noStrike" cap="none" normalizeH="0" baseline="0">
+                  <a:ln>
+                    <a:noFill/>
+                  </a:ln>
+                  <a:solidFill>
+                    <a:srgbClr val="BCBEC4"/>
+                  </a:solidFill>
+                  <a:effectLst/>
+                  <a:latin typeface="+mj-lt"/>
+                  <a:cs typeface="JetBrains Mono" panose="02000009000000000000" pitchFamily="49" charset="0"/>
+                </a:rPr>
+              </a:br>
+              <a:r>
+                <a:rPr kumimoji="0" lang="zh-TW" altLang="zh-TW" b="0" i="0" u="none" strike="noStrike" cap="none" normalizeH="0" baseline="0">
+                  <a:ln>
+                    <a:noFill/>
+                  </a:ln>
+                  <a:solidFill>
+                    <a:srgbClr val="BCBEC4"/>
+                  </a:solidFill>
+                  <a:effectLst/>
+                  <a:latin typeface="+mj-lt"/>
+                  <a:cs typeface="JetBrains Mono" panose="02000009000000000000" pitchFamily="49" charset="0"/>
+                </a:rPr>
+                <a:t>        </a:t>
+              </a:r>
+              <a:r>
+                <a:rPr kumimoji="0" lang="zh-TW" altLang="zh-TW" b="0" i="0" u="none" strike="noStrike" cap="none" normalizeH="0" baseline="0">
+                  <a:ln>
+                    <a:noFill/>
+                  </a:ln>
+                  <a:solidFill>
+                    <a:srgbClr val="CF8E6D"/>
+                  </a:solidFill>
+                  <a:effectLst/>
+                  <a:latin typeface="+mj-lt"/>
+                  <a:cs typeface="JetBrains Mono" panose="02000009000000000000" pitchFamily="49" charset="0"/>
+                </a:rPr>
+                <a:t>else if </a:t>
+              </a:r>
+              <a:r>
+                <a:rPr kumimoji="0" lang="zh-TW" altLang="zh-TW" b="0" i="0" u="none" strike="noStrike" cap="none" normalizeH="0" baseline="0">
+                  <a:ln>
+                    <a:noFill/>
+                  </a:ln>
+                  <a:solidFill>
+                    <a:srgbClr val="BCBEC4"/>
+                  </a:solidFill>
+                  <a:effectLst/>
+                  <a:latin typeface="+mj-lt"/>
+                  <a:cs typeface="JetBrains Mono" panose="02000009000000000000" pitchFamily="49" charset="0"/>
+                </a:rPr>
+                <a:t>(number == </a:t>
+              </a:r>
+              <a:r>
+                <a:rPr kumimoji="0" lang="zh-TW" altLang="zh-TW" b="0" i="0" u="none" strike="noStrike" cap="none" normalizeH="0" baseline="0">
+                  <a:ln>
+                    <a:noFill/>
+                  </a:ln>
+                  <a:solidFill>
+                    <a:srgbClr val="2AACB8"/>
+                  </a:solidFill>
+                  <a:effectLst/>
+                  <a:latin typeface="+mj-lt"/>
+                  <a:cs typeface="JetBrains Mono" panose="02000009000000000000" pitchFamily="49" charset="0"/>
+                </a:rPr>
+                <a:t>50</a:t>
+              </a:r>
+              <a:r>
+                <a:rPr kumimoji="0" lang="zh-TW" altLang="zh-TW" b="0" i="0" u="none" strike="noStrike" cap="none" normalizeH="0" baseline="0">
+                  <a:ln>
+                    <a:noFill/>
+                  </a:ln>
+                  <a:solidFill>
+                    <a:srgbClr val="BCBEC4"/>
+                  </a:solidFill>
+                  <a:effectLst/>
+                  <a:latin typeface="+mj-lt"/>
+                  <a:cs typeface="JetBrains Mono" panose="02000009000000000000" pitchFamily="49" charset="0"/>
+                </a:rPr>
+                <a:t>) System.</a:t>
+              </a:r>
+              <a:r>
+                <a:rPr kumimoji="0" lang="zh-TW" altLang="zh-TW" b="0" i="1" u="none" strike="noStrike" cap="none" normalizeH="0" baseline="0">
+                  <a:ln>
+                    <a:noFill/>
+                  </a:ln>
+                  <a:solidFill>
+                    <a:srgbClr val="C77DBB"/>
+                  </a:solidFill>
+                  <a:effectLst/>
+                  <a:latin typeface="+mj-lt"/>
+                  <a:cs typeface="JetBrains Mono" panose="02000009000000000000" pitchFamily="49" charset="0"/>
+                </a:rPr>
+                <a:t>out</a:t>
+              </a:r>
+              <a:r>
+                <a:rPr kumimoji="0" lang="zh-TW" altLang="zh-TW" b="0" i="0" u="none" strike="noStrike" cap="none" normalizeH="0" baseline="0">
+                  <a:ln>
+                    <a:noFill/>
+                  </a:ln>
+                  <a:solidFill>
+                    <a:srgbClr val="BCBEC4"/>
+                  </a:solidFill>
+                  <a:effectLst/>
+                  <a:latin typeface="+mj-lt"/>
+                  <a:cs typeface="JetBrains Mono" panose="02000009000000000000" pitchFamily="49" charset="0"/>
+                </a:rPr>
+                <a:t>.println(</a:t>
+              </a:r>
+              <a:r>
+                <a:rPr kumimoji="0" lang="zh-TW" altLang="zh-TW" b="0" i="0" u="none" strike="noStrike" cap="none" normalizeH="0" baseline="0">
+                  <a:ln>
+                    <a:noFill/>
+                  </a:ln>
+                  <a:solidFill>
+                    <a:srgbClr val="6AAB73"/>
+                  </a:solidFill>
+                  <a:effectLst/>
+                  <a:latin typeface="+mj-lt"/>
+                  <a:cs typeface="JetBrains Mono" panose="02000009000000000000" pitchFamily="49" charset="0"/>
+                </a:rPr>
+                <a:t>"unreachable"</a:t>
+              </a:r>
+              <a:r>
+                <a:rPr kumimoji="0" lang="zh-TW" altLang="zh-TW" b="0" i="0" u="none" strike="noStrike" cap="none" normalizeH="0" baseline="0">
+                  <a:ln>
+                    <a:noFill/>
+                  </a:ln>
+                  <a:solidFill>
+                    <a:srgbClr val="BCBEC4"/>
+                  </a:solidFill>
+                  <a:effectLst/>
+                  <a:latin typeface="+mj-lt"/>
+                  <a:cs typeface="JetBrains Mono" panose="02000009000000000000" pitchFamily="49" charset="0"/>
+                </a:rPr>
+                <a:t>);</a:t>
+              </a:r>
+              <a:br>
+                <a:rPr kumimoji="0" lang="zh-TW" altLang="zh-TW" b="0" i="0" u="none" strike="noStrike" cap="none" normalizeH="0" baseline="0">
+                  <a:ln>
+                    <a:noFill/>
+                  </a:ln>
+                  <a:solidFill>
+                    <a:srgbClr val="BCBEC4"/>
+                  </a:solidFill>
+                  <a:effectLst/>
+                  <a:latin typeface="+mj-lt"/>
+                  <a:cs typeface="JetBrains Mono" panose="02000009000000000000" pitchFamily="49" charset="0"/>
+                </a:rPr>
+              </a:br>
+              <a:r>
+                <a:rPr kumimoji="0" lang="zh-TW" altLang="zh-TW" b="0" i="0" u="none" strike="noStrike" cap="none" normalizeH="0" baseline="0">
+                  <a:ln>
+                    <a:noFill/>
+                  </a:ln>
+                  <a:solidFill>
+                    <a:srgbClr val="BCBEC4"/>
+                  </a:solidFill>
+                  <a:effectLst/>
+                  <a:latin typeface="+mj-lt"/>
+                  <a:cs typeface="JetBrains Mono" panose="02000009000000000000" pitchFamily="49" charset="0"/>
+                </a:rPr>
+                <a:t>        </a:t>
+              </a:r>
+              <a:r>
+                <a:rPr kumimoji="0" lang="zh-TW" altLang="zh-TW" b="0" i="0" u="none" strike="noStrike" cap="none" normalizeH="0" baseline="0">
+                  <a:ln>
+                    <a:noFill/>
+                  </a:ln>
+                  <a:solidFill>
+                    <a:srgbClr val="CF8E6D"/>
+                  </a:solidFill>
+                  <a:effectLst/>
+                  <a:latin typeface="+mj-lt"/>
+                  <a:cs typeface="JetBrains Mono" panose="02000009000000000000" pitchFamily="49" charset="0"/>
+                </a:rPr>
+                <a:t>else if </a:t>
+              </a:r>
+              <a:r>
+                <a:rPr kumimoji="0" lang="zh-TW" altLang="zh-TW" b="0" i="0" u="none" strike="noStrike" cap="none" normalizeH="0" baseline="0">
+                  <a:ln>
+                    <a:noFill/>
+                  </a:ln>
+                  <a:solidFill>
+                    <a:srgbClr val="BCBEC4"/>
+                  </a:solidFill>
+                  <a:effectLst/>
+                  <a:latin typeface="+mj-lt"/>
+                  <a:cs typeface="JetBrains Mono" panose="02000009000000000000" pitchFamily="49" charset="0"/>
+                </a:rPr>
+                <a:t>(number &lt; -</a:t>
+              </a:r>
+              <a:r>
+                <a:rPr kumimoji="0" lang="zh-TW" altLang="zh-TW" b="0" i="0" u="none" strike="noStrike" cap="none" normalizeH="0" baseline="0">
+                  <a:ln>
+                    <a:noFill/>
+                  </a:ln>
+                  <a:solidFill>
+                    <a:srgbClr val="2AACB8"/>
+                  </a:solidFill>
+                  <a:effectLst/>
+                  <a:latin typeface="+mj-lt"/>
+                  <a:cs typeface="JetBrains Mono" panose="02000009000000000000" pitchFamily="49" charset="0"/>
+                </a:rPr>
+                <a:t>100</a:t>
+              </a:r>
+              <a:r>
+                <a:rPr kumimoji="0" lang="zh-TW" altLang="zh-TW" b="0" i="0" u="none" strike="noStrike" cap="none" normalizeH="0" baseline="0">
+                  <a:ln>
+                    <a:noFill/>
+                  </a:ln>
+                  <a:solidFill>
+                    <a:srgbClr val="BCBEC4"/>
+                  </a:solidFill>
+                  <a:effectLst/>
+                  <a:latin typeface="+mj-lt"/>
+                  <a:cs typeface="JetBrains Mono" panose="02000009000000000000" pitchFamily="49" charset="0"/>
+                </a:rPr>
+                <a:t>) System.</a:t>
+              </a:r>
+              <a:r>
+                <a:rPr kumimoji="0" lang="zh-TW" altLang="zh-TW" b="0" i="1" u="none" strike="noStrike" cap="none" normalizeH="0" baseline="0">
+                  <a:ln>
+                    <a:noFill/>
+                  </a:ln>
+                  <a:solidFill>
+                    <a:srgbClr val="C77DBB"/>
+                  </a:solidFill>
+                  <a:effectLst/>
+                  <a:latin typeface="+mj-lt"/>
+                  <a:cs typeface="JetBrains Mono" panose="02000009000000000000" pitchFamily="49" charset="0"/>
+                </a:rPr>
+                <a:t>out</a:t>
+              </a:r>
+              <a:r>
+                <a:rPr kumimoji="0" lang="zh-TW" altLang="zh-TW" b="0" i="0" u="none" strike="noStrike" cap="none" normalizeH="0" baseline="0">
+                  <a:ln>
+                    <a:noFill/>
+                  </a:ln>
+                  <a:solidFill>
+                    <a:srgbClr val="BCBEC4"/>
+                  </a:solidFill>
+                  <a:effectLst/>
+                  <a:latin typeface="+mj-lt"/>
+                  <a:cs typeface="JetBrains Mono" panose="02000009000000000000" pitchFamily="49" charset="0"/>
+                </a:rPr>
+                <a:t>.println(</a:t>
+              </a:r>
+              <a:r>
+                <a:rPr kumimoji="0" lang="zh-TW" altLang="zh-TW" b="0" i="0" u="none" strike="noStrike" cap="none" normalizeH="0" baseline="0">
+                  <a:ln>
+                    <a:noFill/>
+                  </a:ln>
+                  <a:solidFill>
+                    <a:srgbClr val="6AAB73"/>
+                  </a:solidFill>
+                  <a:effectLst/>
+                  <a:latin typeface="+mj-lt"/>
+                  <a:cs typeface="JetBrains Mono" panose="02000009000000000000" pitchFamily="49" charset="0"/>
+                </a:rPr>
+                <a:t>"(-inf, -100)"</a:t>
+              </a:r>
+              <a:r>
+                <a:rPr kumimoji="0" lang="zh-TW" altLang="zh-TW" b="0" i="0" u="none" strike="noStrike" cap="none" normalizeH="0" baseline="0">
+                  <a:ln>
+                    <a:noFill/>
+                  </a:ln>
+                  <a:solidFill>
+                    <a:srgbClr val="BCBEC4"/>
+                  </a:solidFill>
+                  <a:effectLst/>
+                  <a:latin typeface="+mj-lt"/>
+                  <a:cs typeface="JetBrains Mono" panose="02000009000000000000" pitchFamily="49" charset="0"/>
+                </a:rPr>
+                <a:t>);</a:t>
+              </a:r>
+              <a:br>
+                <a:rPr kumimoji="0" lang="zh-TW" altLang="zh-TW" b="0" i="0" u="none" strike="noStrike" cap="none" normalizeH="0" baseline="0">
+                  <a:ln>
+                    <a:noFill/>
+                  </a:ln>
+                  <a:solidFill>
+                    <a:srgbClr val="BCBEC4"/>
+                  </a:solidFill>
+                  <a:effectLst/>
+                  <a:latin typeface="+mj-lt"/>
+                  <a:cs typeface="JetBrains Mono" panose="02000009000000000000" pitchFamily="49" charset="0"/>
+                </a:rPr>
+              </a:br>
+              <a:r>
+                <a:rPr kumimoji="0" lang="zh-TW" altLang="zh-TW" b="0" i="0" u="none" strike="noStrike" cap="none" normalizeH="0" baseline="0">
+                  <a:ln>
+                    <a:noFill/>
+                  </a:ln>
+                  <a:solidFill>
+                    <a:srgbClr val="BCBEC4"/>
+                  </a:solidFill>
+                  <a:effectLst/>
+                  <a:latin typeface="+mj-lt"/>
+                  <a:cs typeface="JetBrains Mono" panose="02000009000000000000" pitchFamily="49" charset="0"/>
+                </a:rPr>
+                <a:t>        </a:t>
+              </a:r>
+              <a:r>
+                <a:rPr kumimoji="0" lang="zh-TW" altLang="zh-TW" b="0" i="0" u="none" strike="noStrike" cap="none" normalizeH="0" baseline="0">
+                  <a:ln>
+                    <a:noFill/>
+                  </a:ln>
+                  <a:solidFill>
+                    <a:srgbClr val="CF8E6D"/>
+                  </a:solidFill>
+                  <a:effectLst/>
+                  <a:latin typeface="+mj-lt"/>
+                  <a:cs typeface="JetBrains Mono" panose="02000009000000000000" pitchFamily="49" charset="0"/>
+                </a:rPr>
+                <a:t>else </a:t>
+              </a:r>
+              <a:r>
+                <a:rPr kumimoji="0" lang="zh-TW" altLang="zh-TW" b="0" i="0" u="none" strike="noStrike" cap="none" normalizeH="0" baseline="0">
+                  <a:ln>
+                    <a:noFill/>
+                  </a:ln>
+                  <a:solidFill>
+                    <a:srgbClr val="BCBEC4"/>
+                  </a:solidFill>
+                  <a:effectLst/>
+                  <a:latin typeface="+mj-lt"/>
+                  <a:cs typeface="JetBrains Mono" panose="02000009000000000000" pitchFamily="49" charset="0"/>
+                </a:rPr>
+                <a:t>System.</a:t>
+              </a:r>
+              <a:r>
+                <a:rPr kumimoji="0" lang="zh-TW" altLang="zh-TW" b="0" i="1" u="none" strike="noStrike" cap="none" normalizeH="0" baseline="0">
+                  <a:ln>
+                    <a:noFill/>
+                  </a:ln>
+                  <a:solidFill>
+                    <a:srgbClr val="C77DBB"/>
+                  </a:solidFill>
+                  <a:effectLst/>
+                  <a:latin typeface="+mj-lt"/>
+                  <a:cs typeface="JetBrains Mono" panose="02000009000000000000" pitchFamily="49" charset="0"/>
+                </a:rPr>
+                <a:t>out</a:t>
+              </a:r>
+              <a:r>
+                <a:rPr kumimoji="0" lang="zh-TW" altLang="zh-TW" b="0" i="0" u="none" strike="noStrike" cap="none" normalizeH="0" baseline="0">
+                  <a:ln>
+                    <a:noFill/>
+                  </a:ln>
+                  <a:solidFill>
+                    <a:srgbClr val="BCBEC4"/>
+                  </a:solidFill>
+                  <a:effectLst/>
+                  <a:latin typeface="+mj-lt"/>
+                  <a:cs typeface="JetBrains Mono" panose="02000009000000000000" pitchFamily="49" charset="0"/>
+                </a:rPr>
+                <a:t>.println(</a:t>
+              </a:r>
+              <a:r>
+                <a:rPr kumimoji="0" lang="zh-TW" altLang="zh-TW" b="0" i="0" u="none" strike="noStrike" cap="none" normalizeH="0" baseline="0">
+                  <a:ln>
+                    <a:noFill/>
+                  </a:ln>
+                  <a:solidFill>
+                    <a:srgbClr val="6AAB73"/>
+                  </a:solidFill>
+                  <a:effectLst/>
+                  <a:latin typeface="+mj-lt"/>
+                  <a:cs typeface="JetBrains Mono" panose="02000009000000000000" pitchFamily="49" charset="0"/>
+                </a:rPr>
+                <a:t>"[-100, 0]"</a:t>
+              </a:r>
+              <a:r>
+                <a:rPr kumimoji="0" lang="zh-TW" altLang="zh-TW" b="0" i="0" u="none" strike="noStrike" cap="none" normalizeH="0" baseline="0">
+                  <a:ln>
+                    <a:noFill/>
+                  </a:ln>
+                  <a:solidFill>
+                    <a:srgbClr val="BCBEC4"/>
+                  </a:solidFill>
+                  <a:effectLst/>
+                  <a:latin typeface="+mj-lt"/>
+                  <a:cs typeface="JetBrains Mono" panose="02000009000000000000" pitchFamily="49" charset="0"/>
+                </a:rPr>
+                <a:t>);</a:t>
+              </a:r>
+              <a:br>
+                <a:rPr kumimoji="0" lang="zh-TW" altLang="zh-TW" b="0" i="0" u="none" strike="noStrike" cap="none" normalizeH="0" baseline="0">
+                  <a:ln>
+                    <a:noFill/>
+                  </a:ln>
+                  <a:solidFill>
+                    <a:srgbClr val="BCBEC4"/>
+                  </a:solidFill>
+                  <a:effectLst/>
+                  <a:latin typeface="+mj-lt"/>
+                  <a:cs typeface="JetBrains Mono" panose="02000009000000000000" pitchFamily="49" charset="0"/>
+                </a:rPr>
+              </a:br>
+              <a:r>
+                <a:rPr kumimoji="0" lang="zh-TW" altLang="zh-TW" b="0" i="0" u="none" strike="noStrike" cap="none" normalizeH="0" baseline="0">
+                  <a:ln>
+                    <a:noFill/>
+                  </a:ln>
+                  <a:solidFill>
+                    <a:srgbClr val="BCBEC4"/>
+                  </a:solidFill>
+                  <a:effectLst/>
+                  <a:latin typeface="+mj-lt"/>
+                  <a:cs typeface="JetBrains Mono" panose="02000009000000000000" pitchFamily="49" charset="0"/>
+                </a:rPr>
+                <a:t>    }</a:t>
+              </a:r>
+              <a:br>
+                <a:rPr kumimoji="0" lang="zh-TW" altLang="zh-TW" b="0" i="0" u="none" strike="noStrike" cap="none" normalizeH="0" baseline="0">
+                  <a:ln>
+                    <a:noFill/>
+                  </a:ln>
+                  <a:solidFill>
+                    <a:srgbClr val="BCBEC4"/>
+                  </a:solidFill>
+                  <a:effectLst/>
+                  <a:latin typeface="+mj-lt"/>
+                  <a:cs typeface="JetBrains Mono" panose="02000009000000000000" pitchFamily="49" charset="0"/>
+                </a:rPr>
+              </a:br>
+              <a:r>
+                <a:rPr kumimoji="0" lang="zh-TW" altLang="zh-TW" b="0" i="0" u="none" strike="noStrike" cap="none" normalizeH="0" baseline="0">
+                  <a:ln>
+                    <a:noFill/>
+                  </a:ln>
+                  <a:solidFill>
+                    <a:srgbClr val="BCBEC4"/>
+                  </a:solidFill>
+                  <a:effectLst/>
+                  <a:latin typeface="+mj-lt"/>
+                  <a:cs typeface="JetBrains Mono" panose="02000009000000000000" pitchFamily="49" charset="0"/>
+                </a:rPr>
+                <a:t>}</a:t>
+              </a:r>
+              <a:endParaRPr kumimoji="0" lang="zh-TW" altLang="zh-TW" sz="2800" b="0" i="0" u="none" strike="noStrike" cap="none" normalizeH="0" baseline="0">
+                <a:ln>
+                  <a:noFill/>
+                </a:ln>
+                <a:solidFill>
+                  <a:schemeClr val="tx1"/>
+                </a:solidFill>
+                <a:effectLst/>
+                <a:latin typeface="+mj-lt"/>
+              </a:endParaRPr>
+            </a:p>
+          </p:txBody>
+        </p:sp>
+        <p:sp>
+          <p:nvSpPr>
+            <p:cNvPr id="13" name="文字方塊 12">
+              <a:extLst>
+                <a:ext uri="{FF2B5EF4-FFF2-40B4-BE49-F238E27FC236}">
+                  <a16:creationId xmlns:a16="http://schemas.microsoft.com/office/drawing/2014/main" id="{4CE7D592-757A-4B2E-BFEF-B3768551B18C}"/>
+                </a:ext>
+              </a:extLst>
+            </p:cNvPr>
+            <p:cNvSpPr txBox="1"/>
+            <p:nvPr/>
+          </p:nvSpPr>
+          <p:spPr>
+            <a:xfrm>
+              <a:off x="11014916" y="6217791"/>
+              <a:ext cx="691215" cy="369332"/>
+            </a:xfrm>
+            <a:prstGeom prst="rect">
+              <a:avLst/>
+            </a:prstGeom>
+            <a:noFill/>
+          </p:spPr>
+          <p:txBody>
+            <a:bodyPr wrap="none" rtlCol="0">
+              <a:spAutoFit/>
+            </a:bodyPr>
+            <a:lstStyle/>
+            <a:p>
+              <a:r>
+                <a:rPr lang="en-US" altLang="zh-TW">
+                  <a:solidFill>
+                    <a:schemeClr val="accent3"/>
+                  </a:solidFill>
+                </a:rPr>
+                <a:t>java</a:t>
+              </a:r>
+              <a:endParaRPr lang="zh-TW" altLang="en-US">
+                <a:solidFill>
+                  <a:schemeClr val="accent3"/>
+                </a:solidFill>
+              </a:endParaRPr>
+            </a:p>
+          </p:txBody>
+        </p:sp>
+      </p:grpSp>
+      <p:grpSp>
+        <p:nvGrpSpPr>
+          <p:cNvPr id="15" name="群組 14">
+            <a:extLst>
+              <a:ext uri="{FF2B5EF4-FFF2-40B4-BE49-F238E27FC236}">
+                <a16:creationId xmlns:a16="http://schemas.microsoft.com/office/drawing/2014/main" id="{7D0AEB6D-2435-4532-9E28-7B3B6B1E551C}"/>
+              </a:ext>
+            </a:extLst>
+          </p:cNvPr>
+          <p:cNvGrpSpPr/>
+          <p:nvPr/>
+        </p:nvGrpSpPr>
+        <p:grpSpPr>
+          <a:xfrm>
+            <a:off x="9179472" y="2776108"/>
+            <a:ext cx="2526667" cy="584775"/>
+            <a:chOff x="8914885" y="5754529"/>
+            <a:chExt cx="2526667" cy="584775"/>
+          </a:xfrm>
+        </p:grpSpPr>
+        <p:sp>
+          <p:nvSpPr>
+            <p:cNvPr id="16" name="Rectangle 1">
+              <a:extLst>
+                <a:ext uri="{FF2B5EF4-FFF2-40B4-BE49-F238E27FC236}">
+                  <a16:creationId xmlns:a16="http://schemas.microsoft.com/office/drawing/2014/main" id="{DAB013F9-7B62-4FC8-AE8D-B0BBA687AA47}"/>
+                </a:ext>
+              </a:extLst>
+            </p:cNvPr>
+            <p:cNvSpPr>
+              <a:spLocks noChangeArrowheads="1"/>
+            </p:cNvSpPr>
+            <p:nvPr/>
+          </p:nvSpPr>
+          <p:spPr bwMode="auto">
+            <a:xfrm>
+              <a:off x="8914885" y="5754529"/>
+              <a:ext cx="2526667" cy="584775"/>
+            </a:xfrm>
+            <a:prstGeom prst="rect">
+              <a:avLst/>
+            </a:prstGeom>
+            <a:solidFill>
+              <a:srgbClr val="1E1F22"/>
+            </a:solidFill>
+            <a:ln w="9525">
+              <a:solidFill>
+                <a:schemeClr val="tx1"/>
+              </a:solidFill>
+              <a:miter lim="800000"/>
+              <a:headEnd/>
+              <a:tailEnd/>
+            </a:ln>
+            <a:effectLst/>
+            <a:extLst>
+              <a:ext uri="{AF507438-7753-43E0-B8FC-AC1667EBCBE1}">
+                <a14:hiddenEffects xmlns:a14="http://schemas.microsoft.com/office/drawing/2010/main">
+                  <a:effectLst>
+                    <a:outerShdw dist="35921" dir="2700000" algn="ctr" rotWithShape="0">
+                      <a:schemeClr val="bg2"/>
+                    </a:outerShdw>
+                  </a:effectLst>
+                </a14:hiddenEffects>
+              </a:ext>
+            </a:extLst>
+          </p:spPr>
+          <p:txBody>
+            <a:bodyPr vert="horz" wrap="square" lIns="91440" tIns="45720" rIns="91440" bIns="45720" numCol="1" anchor="ctr" anchorCtr="0" compatLnSpc="1">
+              <a:prstTxWarp prst="textNoShape">
+                <a:avLst/>
+              </a:prstTxWarp>
+              <a:spAutoFit/>
+            </a:bodyPr>
+            <a:lstStyle/>
+            <a:p>
+              <a:pPr marL="0" marR="0" lvl="0" indent="0" algn="l" defTabSz="914400" rtl="0" eaLnBrk="0" fontAlgn="base" latinLnBrk="0" hangingPunct="0">
+                <a:lnSpc>
+                  <a:spcPct val="100000"/>
+                </a:lnSpc>
+                <a:spcBef>
+                  <a:spcPct val="0"/>
+                </a:spcBef>
+                <a:spcAft>
+                  <a:spcPct val="0"/>
+                </a:spcAft>
+                <a:buClrTx/>
+                <a:buSzTx/>
+                <a:buFontTx/>
+                <a:buNone/>
+                <a:tabLst/>
+              </a:pPr>
+              <a:r>
+                <a:rPr lang="en-US" altLang="zh-TW" sz="1600">
+                  <a:solidFill>
+                    <a:srgbClr val="92D050"/>
+                  </a:solidFill>
+                  <a:latin typeface="+mj-lt"/>
+                  <a:cs typeface="JetBrains Mono" panose="02000009000000000000" pitchFamily="49" charset="0"/>
+                </a:rPr>
+                <a:t>101</a:t>
+              </a:r>
+            </a:p>
+            <a:p>
+              <a:pPr eaLnBrk="0" fontAlgn="base" hangingPunct="0">
+                <a:spcBef>
+                  <a:spcPct val="0"/>
+                </a:spcBef>
+                <a:spcAft>
+                  <a:spcPct val="0"/>
+                </a:spcAft>
+              </a:pPr>
+              <a:r>
+                <a:rPr lang="en-US" altLang="zh-TW" sz="1600">
+                  <a:solidFill>
+                    <a:srgbClr val="BCBEC4"/>
+                  </a:solidFill>
+                  <a:latin typeface="+mj-lt"/>
+                  <a:cs typeface="JetBrains Mono" panose="02000009000000000000" pitchFamily="49" charset="0"/>
+                </a:rPr>
+                <a:t>(100, inf)</a:t>
+              </a:r>
+              <a:endParaRPr lang="zh-TW" altLang="en-US" sz="1600">
+                <a:solidFill>
+                  <a:srgbClr val="BCBEC4"/>
+                </a:solidFill>
+                <a:latin typeface="+mj-lt"/>
+                <a:cs typeface="JetBrains Mono" panose="02000009000000000000" pitchFamily="49" charset="0"/>
+              </a:endParaRPr>
+            </a:p>
+          </p:txBody>
+        </p:sp>
+        <p:sp>
+          <p:nvSpPr>
+            <p:cNvPr id="17" name="文字方塊 16">
+              <a:extLst>
+                <a:ext uri="{FF2B5EF4-FFF2-40B4-BE49-F238E27FC236}">
+                  <a16:creationId xmlns:a16="http://schemas.microsoft.com/office/drawing/2014/main" id="{D9DBD143-FA32-4E18-B8E8-4CD4952297ED}"/>
+                </a:ext>
+              </a:extLst>
+            </p:cNvPr>
+            <p:cNvSpPr txBox="1"/>
+            <p:nvPr/>
+          </p:nvSpPr>
+          <p:spPr>
+            <a:xfrm>
+              <a:off x="10561183" y="6031527"/>
+              <a:ext cx="880369" cy="307777"/>
+            </a:xfrm>
+            <a:prstGeom prst="rect">
+              <a:avLst/>
+            </a:prstGeom>
+            <a:noFill/>
+          </p:spPr>
+          <p:txBody>
+            <a:bodyPr wrap="none" rtlCol="0">
+              <a:spAutoFit/>
+            </a:bodyPr>
+            <a:lstStyle/>
+            <a:p>
+              <a:r>
+                <a:rPr lang="en-US" altLang="zh-TW" sz="1400">
+                  <a:solidFill>
+                    <a:schemeClr val="accent3"/>
+                  </a:solidFill>
+                </a:rPr>
+                <a:t>console</a:t>
+              </a:r>
+            </a:p>
+          </p:txBody>
+        </p:sp>
+      </p:grpSp>
+      <p:grpSp>
+        <p:nvGrpSpPr>
+          <p:cNvPr id="30" name="群組 29">
+            <a:extLst>
+              <a:ext uri="{FF2B5EF4-FFF2-40B4-BE49-F238E27FC236}">
+                <a16:creationId xmlns:a16="http://schemas.microsoft.com/office/drawing/2014/main" id="{F3B08839-6370-4D12-B5A3-3837B095D440}"/>
+              </a:ext>
+            </a:extLst>
+          </p:cNvPr>
+          <p:cNvGrpSpPr/>
+          <p:nvPr/>
+        </p:nvGrpSpPr>
+        <p:grpSpPr>
+          <a:xfrm>
+            <a:off x="9179472" y="3370121"/>
+            <a:ext cx="2526667" cy="584775"/>
+            <a:chOff x="8914885" y="5754529"/>
+            <a:chExt cx="2526667" cy="584775"/>
+          </a:xfrm>
+        </p:grpSpPr>
+        <p:sp>
+          <p:nvSpPr>
+            <p:cNvPr id="31" name="Rectangle 1">
+              <a:extLst>
+                <a:ext uri="{FF2B5EF4-FFF2-40B4-BE49-F238E27FC236}">
+                  <a16:creationId xmlns:a16="http://schemas.microsoft.com/office/drawing/2014/main" id="{42961374-E1D9-443A-8555-6CD240BC185D}"/>
+                </a:ext>
+              </a:extLst>
+            </p:cNvPr>
+            <p:cNvSpPr>
+              <a:spLocks noChangeArrowheads="1"/>
+            </p:cNvSpPr>
+            <p:nvPr/>
+          </p:nvSpPr>
+          <p:spPr bwMode="auto">
+            <a:xfrm>
+              <a:off x="8914885" y="5754529"/>
+              <a:ext cx="2526667" cy="584775"/>
+            </a:xfrm>
+            <a:prstGeom prst="rect">
+              <a:avLst/>
+            </a:prstGeom>
+            <a:solidFill>
+              <a:srgbClr val="1E1F22"/>
+            </a:solidFill>
+            <a:ln w="9525">
+              <a:solidFill>
+                <a:schemeClr val="tx1"/>
+              </a:solidFill>
+              <a:miter lim="800000"/>
+              <a:headEnd/>
+              <a:tailEnd/>
+            </a:ln>
+            <a:effectLst/>
+            <a:extLst>
+              <a:ext uri="{AF507438-7753-43E0-B8FC-AC1667EBCBE1}">
+                <a14:hiddenEffects xmlns:a14="http://schemas.microsoft.com/office/drawing/2010/main">
+                  <a:effectLst>
+                    <a:outerShdw dist="35921" dir="2700000" algn="ctr" rotWithShape="0">
+                      <a:schemeClr val="bg2"/>
+                    </a:outerShdw>
+                  </a:effectLst>
+                </a14:hiddenEffects>
+              </a:ext>
+            </a:extLst>
+          </p:spPr>
+          <p:txBody>
+            <a:bodyPr vert="horz" wrap="square" lIns="91440" tIns="45720" rIns="91440" bIns="45720" numCol="1" anchor="ctr" anchorCtr="0" compatLnSpc="1">
+              <a:prstTxWarp prst="textNoShape">
+                <a:avLst/>
+              </a:prstTxWarp>
+              <a:spAutoFit/>
+            </a:bodyPr>
+            <a:lstStyle/>
+            <a:p>
+              <a:pPr marL="0" marR="0" lvl="0" indent="0" algn="l" defTabSz="914400" rtl="0" eaLnBrk="0" fontAlgn="base" latinLnBrk="0" hangingPunct="0">
+                <a:lnSpc>
+                  <a:spcPct val="100000"/>
+                </a:lnSpc>
+                <a:spcBef>
+                  <a:spcPct val="0"/>
+                </a:spcBef>
+                <a:spcAft>
+                  <a:spcPct val="0"/>
+                </a:spcAft>
+                <a:buClrTx/>
+                <a:buSzTx/>
+                <a:buFontTx/>
+                <a:buNone/>
+                <a:tabLst/>
+              </a:pPr>
+              <a:r>
+                <a:rPr lang="en-US" altLang="zh-TW" sz="1600">
+                  <a:solidFill>
+                    <a:srgbClr val="92D050"/>
+                  </a:solidFill>
+                  <a:latin typeface="+mj-lt"/>
+                  <a:cs typeface="JetBrains Mono" panose="02000009000000000000" pitchFamily="49" charset="0"/>
+                </a:rPr>
+                <a:t>100</a:t>
+              </a:r>
+            </a:p>
+            <a:p>
+              <a:pPr eaLnBrk="0" fontAlgn="base" hangingPunct="0">
+                <a:spcBef>
+                  <a:spcPct val="0"/>
+                </a:spcBef>
+                <a:spcAft>
+                  <a:spcPct val="0"/>
+                </a:spcAft>
+              </a:pPr>
+              <a:r>
+                <a:rPr lang="en-US" altLang="zh-TW" sz="1600">
+                  <a:solidFill>
+                    <a:srgbClr val="BCBEC4"/>
+                  </a:solidFill>
+                  <a:latin typeface="+mj-lt"/>
+                  <a:cs typeface="JetBrains Mono" panose="02000009000000000000" pitchFamily="49" charset="0"/>
+                </a:rPr>
+                <a:t>(0, 100]</a:t>
+              </a:r>
+              <a:endParaRPr lang="zh-TW" altLang="en-US" sz="1600">
+                <a:solidFill>
+                  <a:srgbClr val="BCBEC4"/>
+                </a:solidFill>
+                <a:latin typeface="+mj-lt"/>
+                <a:cs typeface="JetBrains Mono" panose="02000009000000000000" pitchFamily="49" charset="0"/>
+              </a:endParaRPr>
+            </a:p>
+          </p:txBody>
+        </p:sp>
+        <p:sp>
+          <p:nvSpPr>
+            <p:cNvPr id="32" name="文字方塊 31">
+              <a:extLst>
+                <a:ext uri="{FF2B5EF4-FFF2-40B4-BE49-F238E27FC236}">
+                  <a16:creationId xmlns:a16="http://schemas.microsoft.com/office/drawing/2014/main" id="{A610B519-D4B6-4632-9812-872A0A1583FF}"/>
+                </a:ext>
+              </a:extLst>
+            </p:cNvPr>
+            <p:cNvSpPr txBox="1"/>
+            <p:nvPr/>
+          </p:nvSpPr>
+          <p:spPr>
+            <a:xfrm>
+              <a:off x="10561183" y="6031527"/>
+              <a:ext cx="880369" cy="307777"/>
+            </a:xfrm>
+            <a:prstGeom prst="rect">
+              <a:avLst/>
+            </a:prstGeom>
+            <a:noFill/>
+          </p:spPr>
+          <p:txBody>
+            <a:bodyPr wrap="none" rtlCol="0">
+              <a:spAutoFit/>
+            </a:bodyPr>
+            <a:lstStyle/>
+            <a:p>
+              <a:r>
+                <a:rPr lang="en-US" altLang="zh-TW" sz="1400">
+                  <a:solidFill>
+                    <a:schemeClr val="accent3"/>
+                  </a:solidFill>
+                </a:rPr>
+                <a:t>console</a:t>
+              </a:r>
+            </a:p>
+          </p:txBody>
+        </p:sp>
+      </p:grpSp>
+      <p:grpSp>
+        <p:nvGrpSpPr>
+          <p:cNvPr id="36" name="群組 35">
+            <a:extLst>
+              <a:ext uri="{FF2B5EF4-FFF2-40B4-BE49-F238E27FC236}">
+                <a16:creationId xmlns:a16="http://schemas.microsoft.com/office/drawing/2014/main" id="{0AD5222D-CD7C-47FC-8CF8-242E2D7C787C}"/>
+              </a:ext>
+            </a:extLst>
+          </p:cNvPr>
+          <p:cNvGrpSpPr/>
+          <p:nvPr/>
+        </p:nvGrpSpPr>
+        <p:grpSpPr>
+          <a:xfrm>
+            <a:off x="9179472" y="3966521"/>
+            <a:ext cx="2526667" cy="584775"/>
+            <a:chOff x="8914885" y="5754529"/>
+            <a:chExt cx="2526667" cy="584775"/>
+          </a:xfrm>
+        </p:grpSpPr>
+        <p:sp>
+          <p:nvSpPr>
+            <p:cNvPr id="37" name="Rectangle 1">
+              <a:extLst>
+                <a:ext uri="{FF2B5EF4-FFF2-40B4-BE49-F238E27FC236}">
+                  <a16:creationId xmlns:a16="http://schemas.microsoft.com/office/drawing/2014/main" id="{9A480C9B-CCB6-4F30-A07A-C27EFBE1E778}"/>
+                </a:ext>
+              </a:extLst>
+            </p:cNvPr>
+            <p:cNvSpPr>
+              <a:spLocks noChangeArrowheads="1"/>
+            </p:cNvSpPr>
+            <p:nvPr/>
+          </p:nvSpPr>
+          <p:spPr bwMode="auto">
+            <a:xfrm>
+              <a:off x="8914885" y="5754529"/>
+              <a:ext cx="2526667" cy="584775"/>
+            </a:xfrm>
+            <a:prstGeom prst="rect">
+              <a:avLst/>
+            </a:prstGeom>
+            <a:solidFill>
+              <a:srgbClr val="1E1F22"/>
+            </a:solidFill>
+            <a:ln w="9525">
+              <a:solidFill>
+                <a:schemeClr val="tx1"/>
+              </a:solidFill>
+              <a:miter lim="800000"/>
+              <a:headEnd/>
+              <a:tailEnd/>
+            </a:ln>
+            <a:effectLst/>
+            <a:extLst>
+              <a:ext uri="{AF507438-7753-43E0-B8FC-AC1667EBCBE1}">
+                <a14:hiddenEffects xmlns:a14="http://schemas.microsoft.com/office/drawing/2010/main">
+                  <a:effectLst>
+                    <a:outerShdw dist="35921" dir="2700000" algn="ctr" rotWithShape="0">
+                      <a:schemeClr val="bg2"/>
+                    </a:outerShdw>
+                  </a:effectLst>
+                </a14:hiddenEffects>
+              </a:ext>
+            </a:extLst>
+          </p:spPr>
+          <p:txBody>
+            <a:bodyPr vert="horz" wrap="square" lIns="91440" tIns="45720" rIns="91440" bIns="45720" numCol="1" anchor="ctr" anchorCtr="0" compatLnSpc="1">
+              <a:prstTxWarp prst="textNoShape">
+                <a:avLst/>
+              </a:prstTxWarp>
+              <a:spAutoFit/>
+            </a:bodyPr>
+            <a:lstStyle/>
+            <a:p>
+              <a:pPr marL="0" marR="0" lvl="0" indent="0" algn="l" defTabSz="914400" rtl="0" eaLnBrk="0" fontAlgn="base" latinLnBrk="0" hangingPunct="0">
+                <a:lnSpc>
+                  <a:spcPct val="100000"/>
+                </a:lnSpc>
+                <a:spcBef>
+                  <a:spcPct val="0"/>
+                </a:spcBef>
+                <a:spcAft>
+                  <a:spcPct val="0"/>
+                </a:spcAft>
+                <a:buClrTx/>
+                <a:buSzTx/>
+                <a:buFontTx/>
+                <a:buNone/>
+                <a:tabLst/>
+              </a:pPr>
+              <a:r>
+                <a:rPr lang="en-US" altLang="zh-TW" sz="1600">
+                  <a:solidFill>
+                    <a:srgbClr val="92D050"/>
+                  </a:solidFill>
+                  <a:latin typeface="+mj-lt"/>
+                  <a:cs typeface="JetBrains Mono" panose="02000009000000000000" pitchFamily="49" charset="0"/>
+                </a:rPr>
+                <a:t>50</a:t>
+              </a:r>
+            </a:p>
+            <a:p>
+              <a:pPr eaLnBrk="0" fontAlgn="base" hangingPunct="0">
+                <a:spcBef>
+                  <a:spcPct val="0"/>
+                </a:spcBef>
+                <a:spcAft>
+                  <a:spcPct val="0"/>
+                </a:spcAft>
+              </a:pPr>
+              <a:r>
+                <a:rPr lang="en-US" altLang="zh-TW" sz="1600">
+                  <a:solidFill>
+                    <a:srgbClr val="BCBEC4"/>
+                  </a:solidFill>
+                  <a:latin typeface="+mj-lt"/>
+                  <a:cs typeface="JetBrains Mono" panose="02000009000000000000" pitchFamily="49" charset="0"/>
+                </a:rPr>
+                <a:t>(0, 100]</a:t>
+              </a:r>
+              <a:endParaRPr lang="zh-TW" altLang="en-US" sz="1600">
+                <a:solidFill>
+                  <a:srgbClr val="BCBEC4"/>
+                </a:solidFill>
+                <a:latin typeface="+mj-lt"/>
+                <a:cs typeface="JetBrains Mono" panose="02000009000000000000" pitchFamily="49" charset="0"/>
+              </a:endParaRPr>
+            </a:p>
+          </p:txBody>
+        </p:sp>
+        <p:sp>
+          <p:nvSpPr>
+            <p:cNvPr id="38" name="文字方塊 37">
+              <a:extLst>
+                <a:ext uri="{FF2B5EF4-FFF2-40B4-BE49-F238E27FC236}">
+                  <a16:creationId xmlns:a16="http://schemas.microsoft.com/office/drawing/2014/main" id="{00B975F3-87F4-467E-918D-CBF3D91ED1C0}"/>
+                </a:ext>
+              </a:extLst>
+            </p:cNvPr>
+            <p:cNvSpPr txBox="1"/>
+            <p:nvPr/>
+          </p:nvSpPr>
+          <p:spPr>
+            <a:xfrm>
+              <a:off x="10561183" y="6031527"/>
+              <a:ext cx="880369" cy="307777"/>
+            </a:xfrm>
+            <a:prstGeom prst="rect">
+              <a:avLst/>
+            </a:prstGeom>
+            <a:noFill/>
+          </p:spPr>
+          <p:txBody>
+            <a:bodyPr wrap="none" rtlCol="0">
+              <a:spAutoFit/>
+            </a:bodyPr>
+            <a:lstStyle/>
+            <a:p>
+              <a:r>
+                <a:rPr lang="en-US" altLang="zh-TW" sz="1400">
+                  <a:solidFill>
+                    <a:schemeClr val="accent3"/>
+                  </a:solidFill>
+                </a:rPr>
+                <a:t>console</a:t>
+              </a:r>
+            </a:p>
+          </p:txBody>
+        </p:sp>
+      </p:grpSp>
+      <p:grpSp>
+        <p:nvGrpSpPr>
+          <p:cNvPr id="39" name="群組 38">
+            <a:extLst>
+              <a:ext uri="{FF2B5EF4-FFF2-40B4-BE49-F238E27FC236}">
+                <a16:creationId xmlns:a16="http://schemas.microsoft.com/office/drawing/2014/main" id="{AEE39F09-7C93-4BA9-B744-ECB4693981BB}"/>
+              </a:ext>
+            </a:extLst>
+          </p:cNvPr>
+          <p:cNvGrpSpPr/>
+          <p:nvPr/>
+        </p:nvGrpSpPr>
+        <p:grpSpPr>
+          <a:xfrm>
+            <a:off x="9179472" y="5142222"/>
+            <a:ext cx="2526667" cy="584775"/>
+            <a:chOff x="8914885" y="5754529"/>
+            <a:chExt cx="2526667" cy="584775"/>
+          </a:xfrm>
+        </p:grpSpPr>
+        <p:sp>
+          <p:nvSpPr>
+            <p:cNvPr id="40" name="Rectangle 1">
+              <a:extLst>
+                <a:ext uri="{FF2B5EF4-FFF2-40B4-BE49-F238E27FC236}">
+                  <a16:creationId xmlns:a16="http://schemas.microsoft.com/office/drawing/2014/main" id="{BCE20345-6F85-437B-8AE0-88532CAA95F7}"/>
+                </a:ext>
+              </a:extLst>
+            </p:cNvPr>
+            <p:cNvSpPr>
+              <a:spLocks noChangeArrowheads="1"/>
+            </p:cNvSpPr>
+            <p:nvPr/>
+          </p:nvSpPr>
+          <p:spPr bwMode="auto">
+            <a:xfrm>
+              <a:off x="8914885" y="5754529"/>
+              <a:ext cx="2526667" cy="584775"/>
+            </a:xfrm>
+            <a:prstGeom prst="rect">
+              <a:avLst/>
+            </a:prstGeom>
+            <a:solidFill>
+              <a:srgbClr val="1E1F22"/>
+            </a:solidFill>
+            <a:ln w="9525">
+              <a:solidFill>
+                <a:schemeClr val="tx1"/>
+              </a:solidFill>
+              <a:miter lim="800000"/>
+              <a:headEnd/>
+              <a:tailEnd/>
+            </a:ln>
+            <a:effectLst/>
+            <a:extLst>
+              <a:ext uri="{AF507438-7753-43E0-B8FC-AC1667EBCBE1}">
+                <a14:hiddenEffects xmlns:a14="http://schemas.microsoft.com/office/drawing/2010/main">
+                  <a:effectLst>
+                    <a:outerShdw dist="35921" dir="2700000" algn="ctr" rotWithShape="0">
+                      <a:schemeClr val="bg2"/>
+                    </a:outerShdw>
+                  </a:effectLst>
+                </a14:hiddenEffects>
+              </a:ext>
+            </a:extLst>
+          </p:spPr>
+          <p:txBody>
+            <a:bodyPr vert="horz" wrap="square" lIns="91440" tIns="45720" rIns="91440" bIns="45720" numCol="1" anchor="ctr" anchorCtr="0" compatLnSpc="1">
+              <a:prstTxWarp prst="textNoShape">
+                <a:avLst/>
+              </a:prstTxWarp>
+              <a:spAutoFit/>
+            </a:bodyPr>
+            <a:lstStyle/>
+            <a:p>
+              <a:pPr marL="0" marR="0" lvl="0" indent="0" algn="l" defTabSz="914400" rtl="0" eaLnBrk="0" fontAlgn="base" latinLnBrk="0" hangingPunct="0">
+                <a:lnSpc>
+                  <a:spcPct val="100000"/>
+                </a:lnSpc>
+                <a:spcBef>
+                  <a:spcPct val="0"/>
+                </a:spcBef>
+                <a:spcAft>
+                  <a:spcPct val="0"/>
+                </a:spcAft>
+                <a:buClrTx/>
+                <a:buSzTx/>
+                <a:buFontTx/>
+                <a:buNone/>
+                <a:tabLst/>
+              </a:pPr>
+              <a:r>
+                <a:rPr lang="en-US" altLang="zh-TW" sz="1600">
+                  <a:solidFill>
+                    <a:srgbClr val="92D050"/>
+                  </a:solidFill>
+                  <a:latin typeface="+mj-lt"/>
+                  <a:cs typeface="JetBrains Mono" panose="02000009000000000000" pitchFamily="49" charset="0"/>
+                </a:rPr>
+                <a:t>0</a:t>
+              </a:r>
+            </a:p>
+            <a:p>
+              <a:pPr eaLnBrk="0" fontAlgn="base" hangingPunct="0">
+                <a:spcBef>
+                  <a:spcPct val="0"/>
+                </a:spcBef>
+                <a:spcAft>
+                  <a:spcPct val="0"/>
+                </a:spcAft>
+              </a:pPr>
+              <a:r>
+                <a:rPr lang="en-US" altLang="zh-TW" sz="1600">
+                  <a:solidFill>
+                    <a:srgbClr val="BCBEC4"/>
+                  </a:solidFill>
+                  <a:latin typeface="+mj-lt"/>
+                  <a:cs typeface="JetBrains Mono" panose="02000009000000000000" pitchFamily="49" charset="0"/>
+                </a:rPr>
+                <a:t>[-100, 0]</a:t>
+              </a:r>
+              <a:endParaRPr lang="zh-TW" altLang="en-US" sz="1600">
+                <a:solidFill>
+                  <a:srgbClr val="BCBEC4"/>
+                </a:solidFill>
+                <a:latin typeface="+mj-lt"/>
+                <a:cs typeface="JetBrains Mono" panose="02000009000000000000" pitchFamily="49" charset="0"/>
+              </a:endParaRPr>
+            </a:p>
+          </p:txBody>
+        </p:sp>
+        <p:sp>
+          <p:nvSpPr>
+            <p:cNvPr id="41" name="文字方塊 40">
+              <a:extLst>
+                <a:ext uri="{FF2B5EF4-FFF2-40B4-BE49-F238E27FC236}">
+                  <a16:creationId xmlns:a16="http://schemas.microsoft.com/office/drawing/2014/main" id="{28CEE009-5A8F-4853-B9BB-E8D850A6B489}"/>
+                </a:ext>
+              </a:extLst>
+            </p:cNvPr>
+            <p:cNvSpPr txBox="1"/>
+            <p:nvPr/>
+          </p:nvSpPr>
+          <p:spPr>
+            <a:xfrm>
+              <a:off x="10561183" y="6031527"/>
+              <a:ext cx="880369" cy="307777"/>
+            </a:xfrm>
+            <a:prstGeom prst="rect">
+              <a:avLst/>
+            </a:prstGeom>
+            <a:noFill/>
+          </p:spPr>
+          <p:txBody>
+            <a:bodyPr wrap="none" rtlCol="0">
+              <a:spAutoFit/>
+            </a:bodyPr>
+            <a:lstStyle/>
+            <a:p>
+              <a:r>
+                <a:rPr lang="en-US" altLang="zh-TW" sz="1400">
+                  <a:solidFill>
+                    <a:schemeClr val="accent3"/>
+                  </a:solidFill>
+                </a:rPr>
+                <a:t>console</a:t>
+              </a:r>
+            </a:p>
+          </p:txBody>
+        </p:sp>
+      </p:grpSp>
+      <p:grpSp>
+        <p:nvGrpSpPr>
+          <p:cNvPr id="42" name="群組 41">
+            <a:extLst>
+              <a:ext uri="{FF2B5EF4-FFF2-40B4-BE49-F238E27FC236}">
+                <a16:creationId xmlns:a16="http://schemas.microsoft.com/office/drawing/2014/main" id="{674FA4A1-69E6-4CD4-86E7-9EF9ADC25B20}"/>
+              </a:ext>
+            </a:extLst>
+          </p:cNvPr>
+          <p:cNvGrpSpPr/>
+          <p:nvPr/>
+        </p:nvGrpSpPr>
+        <p:grpSpPr>
+          <a:xfrm>
+            <a:off x="9179472" y="4562921"/>
+            <a:ext cx="2526667" cy="584775"/>
+            <a:chOff x="8914885" y="5754529"/>
+            <a:chExt cx="2526667" cy="584775"/>
+          </a:xfrm>
+        </p:grpSpPr>
+        <p:sp>
+          <p:nvSpPr>
+            <p:cNvPr id="43" name="Rectangle 1">
+              <a:extLst>
+                <a:ext uri="{FF2B5EF4-FFF2-40B4-BE49-F238E27FC236}">
+                  <a16:creationId xmlns:a16="http://schemas.microsoft.com/office/drawing/2014/main" id="{B39A4271-C4DE-4A82-91D4-7A630156AFC5}"/>
+                </a:ext>
+              </a:extLst>
+            </p:cNvPr>
+            <p:cNvSpPr>
+              <a:spLocks noChangeArrowheads="1"/>
+            </p:cNvSpPr>
+            <p:nvPr/>
+          </p:nvSpPr>
+          <p:spPr bwMode="auto">
+            <a:xfrm>
+              <a:off x="8914885" y="5754529"/>
+              <a:ext cx="2526667" cy="584775"/>
+            </a:xfrm>
+            <a:prstGeom prst="rect">
+              <a:avLst/>
+            </a:prstGeom>
+            <a:solidFill>
+              <a:srgbClr val="1E1F22"/>
+            </a:solidFill>
+            <a:ln w="9525">
+              <a:solidFill>
+                <a:schemeClr val="tx1"/>
+              </a:solidFill>
+              <a:miter lim="800000"/>
+              <a:headEnd/>
+              <a:tailEnd/>
+            </a:ln>
+            <a:effectLst/>
+            <a:extLst>
+              <a:ext uri="{AF507438-7753-43E0-B8FC-AC1667EBCBE1}">
+                <a14:hiddenEffects xmlns:a14="http://schemas.microsoft.com/office/drawing/2010/main">
+                  <a:effectLst>
+                    <a:outerShdw dist="35921" dir="2700000" algn="ctr" rotWithShape="0">
+                      <a:schemeClr val="bg2"/>
+                    </a:outerShdw>
+                  </a:effectLst>
+                </a14:hiddenEffects>
+              </a:ext>
+            </a:extLst>
+          </p:spPr>
+          <p:txBody>
+            <a:bodyPr vert="horz" wrap="square" lIns="91440" tIns="45720" rIns="91440" bIns="45720" numCol="1" anchor="ctr" anchorCtr="0" compatLnSpc="1">
+              <a:prstTxWarp prst="textNoShape">
+                <a:avLst/>
+              </a:prstTxWarp>
+              <a:spAutoFit/>
+            </a:bodyPr>
+            <a:lstStyle/>
+            <a:p>
+              <a:pPr marL="0" marR="0" lvl="0" indent="0" algn="l" defTabSz="914400" rtl="0" eaLnBrk="0" fontAlgn="base" latinLnBrk="0" hangingPunct="0">
+                <a:lnSpc>
+                  <a:spcPct val="100000"/>
+                </a:lnSpc>
+                <a:spcBef>
+                  <a:spcPct val="0"/>
+                </a:spcBef>
+                <a:spcAft>
+                  <a:spcPct val="0"/>
+                </a:spcAft>
+                <a:buClrTx/>
+                <a:buSzTx/>
+                <a:buFontTx/>
+                <a:buNone/>
+                <a:tabLst/>
+              </a:pPr>
+              <a:r>
+                <a:rPr lang="en-US" altLang="zh-TW" sz="1600">
+                  <a:solidFill>
+                    <a:srgbClr val="92D050"/>
+                  </a:solidFill>
+                  <a:latin typeface="+mj-lt"/>
+                  <a:cs typeface="JetBrains Mono" panose="02000009000000000000" pitchFamily="49" charset="0"/>
+                </a:rPr>
+                <a:t>-101</a:t>
+              </a:r>
+            </a:p>
+            <a:p>
+              <a:pPr eaLnBrk="0" fontAlgn="base" hangingPunct="0">
+                <a:spcBef>
+                  <a:spcPct val="0"/>
+                </a:spcBef>
+                <a:spcAft>
+                  <a:spcPct val="0"/>
+                </a:spcAft>
+              </a:pPr>
+              <a:r>
+                <a:rPr lang="en-US" altLang="zh-TW" sz="1600">
+                  <a:solidFill>
+                    <a:srgbClr val="BCBEC4"/>
+                  </a:solidFill>
+                  <a:latin typeface="+mj-lt"/>
+                  <a:cs typeface="JetBrains Mono" panose="02000009000000000000" pitchFamily="49" charset="0"/>
+                </a:rPr>
+                <a:t>(-inf, -100)</a:t>
+              </a:r>
+              <a:endParaRPr lang="zh-TW" altLang="en-US" sz="1600">
+                <a:solidFill>
+                  <a:srgbClr val="BCBEC4"/>
+                </a:solidFill>
+                <a:latin typeface="+mj-lt"/>
+                <a:cs typeface="JetBrains Mono" panose="02000009000000000000" pitchFamily="49" charset="0"/>
+              </a:endParaRPr>
+            </a:p>
+          </p:txBody>
+        </p:sp>
+        <p:sp>
+          <p:nvSpPr>
+            <p:cNvPr id="44" name="文字方塊 43">
+              <a:extLst>
+                <a:ext uri="{FF2B5EF4-FFF2-40B4-BE49-F238E27FC236}">
+                  <a16:creationId xmlns:a16="http://schemas.microsoft.com/office/drawing/2014/main" id="{99A015DC-6150-4500-885F-DEC674582F39}"/>
+                </a:ext>
+              </a:extLst>
+            </p:cNvPr>
+            <p:cNvSpPr txBox="1"/>
+            <p:nvPr/>
+          </p:nvSpPr>
+          <p:spPr>
+            <a:xfrm>
+              <a:off x="10561183" y="6031527"/>
+              <a:ext cx="880369" cy="307777"/>
+            </a:xfrm>
+            <a:prstGeom prst="rect">
+              <a:avLst/>
+            </a:prstGeom>
+            <a:noFill/>
+          </p:spPr>
+          <p:txBody>
+            <a:bodyPr wrap="none" rtlCol="0">
+              <a:spAutoFit/>
+            </a:bodyPr>
+            <a:lstStyle/>
+            <a:p>
+              <a:r>
+                <a:rPr lang="en-US" altLang="zh-TW" sz="1400">
+                  <a:solidFill>
+                    <a:schemeClr val="accent3"/>
+                  </a:solidFill>
+                </a:rPr>
+                <a:t>console</a:t>
+              </a:r>
+            </a:p>
+          </p:txBody>
+        </p:sp>
+      </p:grpSp>
+    </p:spTree>
+    <p:extLst>
+      <p:ext uri="{BB962C8B-B14F-4D97-AF65-F5344CB8AC3E}">
+        <p14:creationId xmlns:p14="http://schemas.microsoft.com/office/powerpoint/2010/main" val="3040087320"/>
+      </p:ext>
+    </p:extLst>
+  </p:cSld>
+  <p:clrMapOvr>
+    <a:masterClrMapping/>
+  </p:clrMapOvr>
+  <p:transition spd="slow">
+    <p:push dir="u"/>
+  </p:transition>
+</p:sld>
+</file>
+
+<file path=ppt/slides/slide7.xml><?xml version="1.0" encoding="utf-8"?>
+<p:sld xmlns:a="http://schemas.openxmlformats.org/drawingml/2006/main" xmlns:r="http://schemas.openxmlformats.org/officeDocument/2006/relationships" xmlns:p="http://schemas.openxmlformats.org/presentationml/2006/main">
+  <p:cSld>
+    <p:spTree>
+      <p:nvGrpSpPr>
+        <p:cNvPr id="1" name=""/>
+        <p:cNvGrpSpPr/>
+        <p:nvPr/>
+      </p:nvGrpSpPr>
+      <p:grpSpPr>
+        <a:xfrm>
+          <a:off x="0" y="0"/>
+          <a:ext cx="0" cy="0"/>
+          <a:chOff x="0" y="0"/>
+          <a:chExt cx="0" cy="0"/>
+        </a:xfrm>
+      </p:grpSpPr>
+      <p:sp>
+        <p:nvSpPr>
+          <p:cNvPr id="2" name="標題 1">
+            <a:extLst>
+              <a:ext uri="{FF2B5EF4-FFF2-40B4-BE49-F238E27FC236}">
                 <a16:creationId xmlns:a16="http://schemas.microsoft.com/office/drawing/2014/main" id="{2E5E2D51-FD52-404F-8316-062868EF9F85}"/>
               </a:ext>
             </a:extLst>
@@ -39841,7 +43785,7 @@
 </p:sld>
 </file>
 
-<file path=ppt/slides/slide7.xml><?xml version="1.0" encoding="utf-8"?>
+<file path=ppt/slides/slide8.xml><?xml version="1.0" encoding="utf-8"?>
 <p:sld xmlns:a="http://schemas.openxmlformats.org/drawingml/2006/main" xmlns:r="http://schemas.openxmlformats.org/officeDocument/2006/relationships" xmlns:p="http://schemas.openxmlformats.org/presentationml/2006/main">
   <p:cSld>
     <p:spTree>
@@ -40844,7 +44788,7 @@
 </p:sld>
 </file>
 
-<file path=ppt/slides/slide8.xml><?xml version="1.0" encoding="utf-8"?>
+<file path=ppt/slides/slide9.xml><?xml version="1.0" encoding="utf-8"?>
 <p:sld xmlns:a="http://schemas.openxmlformats.org/drawingml/2006/main" xmlns:r="http://schemas.openxmlformats.org/officeDocument/2006/relationships" xmlns:p="http://schemas.openxmlformats.org/presentationml/2006/main">
   <p:cSld>
     <p:spTree>
@@ -43023,1733 +46967,6 @@
     <p:extLst>
       <p:ext uri="{BB962C8B-B14F-4D97-AF65-F5344CB8AC3E}">
         <p14:creationId xmlns:p14="http://schemas.microsoft.com/office/powerpoint/2010/main" val="3184334984"/>
-      </p:ext>
-    </p:extLst>
-  </p:cSld>
-  <p:clrMapOvr>
-    <a:masterClrMapping/>
-  </p:clrMapOvr>
-  <p:transition spd="slow">
-    <p:push dir="u"/>
-  </p:transition>
-</p:sld>
-</file>
-
-<file path=ppt/slides/slide9.xml><?xml version="1.0" encoding="utf-8"?>
-<p:sld xmlns:a="http://schemas.openxmlformats.org/drawingml/2006/main" xmlns:r="http://schemas.openxmlformats.org/officeDocument/2006/relationships" xmlns:p="http://schemas.openxmlformats.org/presentationml/2006/main">
-  <p:cSld>
-    <p:spTree>
-      <p:nvGrpSpPr>
-        <p:cNvPr id="1" name=""/>
-        <p:cNvGrpSpPr/>
-        <p:nvPr/>
-      </p:nvGrpSpPr>
-      <p:grpSpPr>
-        <a:xfrm>
-          <a:off x="0" y="0"/>
-          <a:ext cx="0" cy="0"/>
-          <a:chOff x="0" y="0"/>
-          <a:chExt cx="0" cy="0"/>
-        </a:xfrm>
-      </p:grpSpPr>
-      <p:sp>
-        <p:nvSpPr>
-          <p:cNvPr id="2" name="標題 1">
-            <a:extLst>
-              <a:ext uri="{FF2B5EF4-FFF2-40B4-BE49-F238E27FC236}">
-                <a16:creationId xmlns:a16="http://schemas.microsoft.com/office/drawing/2014/main" id="{147E18DF-9DB1-4B7D-97F2-06AC36469079}"/>
-              </a:ext>
-            </a:extLst>
-          </p:cNvPr>
-          <p:cNvSpPr>
-            <a:spLocks noGrp="1"/>
-          </p:cNvSpPr>
-          <p:nvPr>
-            <p:ph type="title"/>
-          </p:nvPr>
-        </p:nvSpPr>
-        <p:spPr>
-          <a:xfrm>
-            <a:off x="838200" y="-17463"/>
-            <a:ext cx="10515600" cy="1325563"/>
-          </a:xfrm>
-        </p:spPr>
-        <p:txBody>
-          <a:bodyPr/>
-          <a:lstStyle/>
-          <a:p>
-            <a:r>
-              <a:rPr lang="en-US" altLang="zh-TW"/>
-              <a:t>switch</a:t>
-            </a:r>
-            <a:r>
-              <a:rPr lang="zh-TW" altLang="en-US"/>
-              <a:t> 流程控制陳述式</a:t>
-            </a:r>
-          </a:p>
-        </p:txBody>
-      </p:sp>
-      <p:sp>
-        <p:nvSpPr>
-          <p:cNvPr id="3" name="內容版面配置區 2">
-            <a:extLst>
-              <a:ext uri="{FF2B5EF4-FFF2-40B4-BE49-F238E27FC236}">
-                <a16:creationId xmlns:a16="http://schemas.microsoft.com/office/drawing/2014/main" id="{1A884952-0D84-4BD3-864B-96751F05D5A9}"/>
-              </a:ext>
-            </a:extLst>
-          </p:cNvPr>
-          <p:cNvSpPr>
-            <a:spLocks noGrp="1"/>
-          </p:cNvSpPr>
-          <p:nvPr>
-            <p:ph idx="1"/>
-          </p:nvPr>
-        </p:nvSpPr>
-        <p:spPr>
-          <a:xfrm>
-            <a:off x="618564" y="1095019"/>
-            <a:ext cx="10954870" cy="2031431"/>
-          </a:xfrm>
-        </p:spPr>
-        <p:txBody>
-          <a:bodyPr>
-            <a:normAutofit/>
-          </a:bodyPr>
-          <a:lstStyle/>
-          <a:p>
-            <a:r>
-              <a:rPr lang="zh-TW" altLang="en-US"/>
-              <a:t>在 </a:t>
-            </a:r>
-            <a:r>
-              <a:rPr lang="en-US" altLang="zh-TW"/>
-              <a:t>Java 14 </a:t>
-            </a:r>
-            <a:r>
-              <a:rPr lang="zh-TW" altLang="en-US"/>
-              <a:t>中，</a:t>
-            </a:r>
-            <a:r>
-              <a:rPr lang="en-US" altLang="zh-TW">
-                <a:solidFill>
-                  <a:srgbClr val="CF8E6D"/>
-                </a:solidFill>
-              </a:rPr>
-              <a:t>switch</a:t>
-            </a:r>
-            <a:r>
-              <a:rPr lang="en-US" altLang="zh-TW"/>
-              <a:t> </a:t>
-            </a:r>
-            <a:r>
-              <a:rPr lang="zh-TW" altLang="en-US"/>
-              <a:t>支援了一個 </a:t>
-            </a:r>
-            <a:r>
-              <a:rPr lang="en-US" altLang="zh-TW">
-                <a:solidFill>
-                  <a:srgbClr val="CF8E6D"/>
-                </a:solidFill>
-              </a:rPr>
-              <a:t>case</a:t>
-            </a:r>
-            <a:r>
-              <a:rPr lang="en-US" altLang="zh-TW"/>
-              <a:t> </a:t>
-            </a:r>
-            <a:r>
-              <a:rPr lang="zh-TW" altLang="en-US"/>
-              <a:t>多個條件值</a:t>
-            </a:r>
-            <a:endParaRPr lang="en-US" altLang="zh-TW"/>
-          </a:p>
-          <a:p>
-            <a:r>
-              <a:rPr lang="zh-TW" altLang="en-US"/>
-              <a:t>以及可以使用</a:t>
-            </a:r>
-            <a:r>
-              <a:rPr lang="zh-TW" altLang="en-US">
-                <a:solidFill>
-                  <a:srgbClr val="00B0F0"/>
-                </a:solidFill>
-              </a:rPr>
-              <a:t>箭頭 </a:t>
-            </a:r>
-            <a:r>
-              <a:rPr lang="en-US" altLang="zh-TW">
-                <a:solidFill>
-                  <a:srgbClr val="00B0F0"/>
-                </a:solidFill>
-              </a:rPr>
-              <a:t>"-&gt;" </a:t>
-            </a:r>
-            <a:r>
-              <a:rPr lang="zh-TW" altLang="en-US"/>
-              <a:t>來替代冒號，但兩者不可混用</a:t>
-            </a:r>
-            <a:endParaRPr lang="en-US" altLang="zh-TW"/>
-          </a:p>
-          <a:p>
-            <a:r>
-              <a:rPr lang="zh-TW" altLang="en-US"/>
-              <a:t>若使用箭頭，</a:t>
-            </a:r>
-            <a:r>
-              <a:rPr lang="en-US" altLang="zh-TW">
-                <a:solidFill>
-                  <a:srgbClr val="CF8E6D"/>
-                </a:solidFill>
-              </a:rPr>
-              <a:t>switch</a:t>
-            </a:r>
-            <a:r>
-              <a:rPr lang="en-US" altLang="zh-TW"/>
-              <a:t> </a:t>
-            </a:r>
-            <a:r>
-              <a:rPr lang="zh-TW" altLang="en-US"/>
-              <a:t>只會執行相等條件值箭頭後方的區塊或陳述式</a:t>
-            </a:r>
-            <a:endParaRPr lang="en-US" altLang="zh-TW"/>
-          </a:p>
-          <a:p>
-            <a:r>
-              <a:rPr lang="zh-TW" altLang="en-US"/>
-              <a:t>而不會像是用冒號時會一直往下執行，也就不需要 </a:t>
-            </a:r>
-            <a:r>
-              <a:rPr lang="en-US" altLang="zh-TW">
-                <a:solidFill>
-                  <a:srgbClr val="CF8E6D"/>
-                </a:solidFill>
-              </a:rPr>
-              <a:t>break</a:t>
-            </a:r>
-          </a:p>
-        </p:txBody>
-      </p:sp>
-      <p:grpSp>
-        <p:nvGrpSpPr>
-          <p:cNvPr id="7" name="群組 6">
-            <a:extLst>
-              <a:ext uri="{FF2B5EF4-FFF2-40B4-BE49-F238E27FC236}">
-                <a16:creationId xmlns:a16="http://schemas.microsoft.com/office/drawing/2014/main" id="{CB641A17-831C-4732-997F-CBFC91FD5926}"/>
-              </a:ext>
-            </a:extLst>
-          </p:cNvPr>
-          <p:cNvGrpSpPr/>
-          <p:nvPr/>
-        </p:nvGrpSpPr>
-        <p:grpSpPr>
-          <a:xfrm>
-            <a:off x="618566" y="3126450"/>
-            <a:ext cx="10957110" cy="3323987"/>
-            <a:chOff x="398930" y="3285761"/>
-            <a:chExt cx="10957110" cy="3323987"/>
-          </a:xfrm>
-        </p:grpSpPr>
-        <p:sp>
-          <p:nvSpPr>
-            <p:cNvPr id="4" name="Rectangle 1">
-              <a:extLst>
-                <a:ext uri="{FF2B5EF4-FFF2-40B4-BE49-F238E27FC236}">
-                  <a16:creationId xmlns:a16="http://schemas.microsoft.com/office/drawing/2014/main" id="{0DC15DEC-9117-43D5-A324-CB1FAA9DC4B9}"/>
-                </a:ext>
-              </a:extLst>
-            </p:cNvPr>
-            <p:cNvSpPr>
-              <a:spLocks noChangeArrowheads="1"/>
-            </p:cNvSpPr>
-            <p:nvPr/>
-          </p:nvSpPr>
-          <p:spPr bwMode="auto">
-            <a:xfrm>
-              <a:off x="398930" y="3285761"/>
-              <a:ext cx="10954869" cy="3323987"/>
-            </a:xfrm>
-            <a:prstGeom prst="rect">
-              <a:avLst/>
-            </a:prstGeom>
-            <a:solidFill>
-              <a:srgbClr val="1E1F22"/>
-            </a:solidFill>
-            <a:ln>
-              <a:noFill/>
-            </a:ln>
-            <a:effectLst/>
-            <a:extLst>
-              <a:ext uri="{91240B29-F687-4F45-9708-019B960494DF}">
-                <a14:hiddenLine xmlns:a14="http://schemas.microsoft.com/office/drawing/2010/main" w="9525">
-                  <a:solidFill>
-                    <a:schemeClr val="tx1"/>
-                  </a:solidFill>
-                  <a:miter lim="800000"/>
-                  <a:headEnd/>
-                  <a:tailEnd/>
-                </a14:hiddenLine>
-              </a:ext>
-              <a:ext uri="{AF507438-7753-43E0-B8FC-AC1667EBCBE1}">
-                <a14:hiddenEffects xmlns:a14="http://schemas.microsoft.com/office/drawing/2010/main">
-                  <a:effectLst>
-                    <a:outerShdw dist="35921" dir="2700000" algn="ctr" rotWithShape="0">
-                      <a:schemeClr val="bg2"/>
-                    </a:outerShdw>
-                  </a:effectLst>
-                </a14:hiddenEffects>
-              </a:ext>
-            </a:extLst>
-          </p:spPr>
-          <p:txBody>
-            <a:bodyPr vert="horz" wrap="square" lIns="91440" tIns="45720" rIns="91440" bIns="45720" numCol="1" anchor="ctr" anchorCtr="0" compatLnSpc="1">
-              <a:prstTxWarp prst="textNoShape">
-                <a:avLst/>
-              </a:prstTxWarp>
-              <a:spAutoFit/>
-            </a:bodyPr>
-            <a:lstStyle/>
-            <a:p>
-              <a:pPr marL="0" marR="0" lvl="0" indent="0" algn="l" defTabSz="914400" rtl="0" eaLnBrk="0" fontAlgn="base" latinLnBrk="0" hangingPunct="0">
-                <a:lnSpc>
-                  <a:spcPct val="100000"/>
-                </a:lnSpc>
-                <a:spcBef>
-                  <a:spcPct val="0"/>
-                </a:spcBef>
-                <a:spcAft>
-                  <a:spcPct val="0"/>
-                </a:spcAft>
-                <a:buClrTx/>
-                <a:buSzTx/>
-                <a:buFontTx/>
-                <a:buNone/>
-                <a:tabLst/>
-              </a:pPr>
-              <a:r>
-                <a:rPr kumimoji="0" lang="zh-TW" altLang="zh-TW" sz="1400" b="0" i="0" u="none" strike="noStrike" cap="none" normalizeH="0" baseline="0">
-                  <a:ln>
-                    <a:noFill/>
-                  </a:ln>
-                  <a:solidFill>
-                    <a:srgbClr val="CF8E6D"/>
-                  </a:solidFill>
-                  <a:effectLst/>
-                  <a:latin typeface="+mj-lt"/>
-                  <a:cs typeface="JetBrains Mono" panose="02000009000000000000" pitchFamily="49" charset="0"/>
-                </a:rPr>
-                <a:t>import </a:t>
-              </a:r>
-              <a:r>
-                <a:rPr kumimoji="0" lang="zh-TW" altLang="zh-TW" sz="1400" b="0" i="0" u="none" strike="noStrike" cap="none" normalizeH="0" baseline="0">
-                  <a:ln>
-                    <a:noFill/>
-                  </a:ln>
-                  <a:solidFill>
-                    <a:srgbClr val="BCBEC4"/>
-                  </a:solidFill>
-                  <a:effectLst/>
-                  <a:latin typeface="+mj-lt"/>
-                  <a:cs typeface="JetBrains Mono" panose="02000009000000000000" pitchFamily="49" charset="0"/>
-                </a:rPr>
-                <a:t>java.util.Scanner;</a:t>
-              </a:r>
-              <a:br>
-                <a:rPr kumimoji="0" lang="zh-TW" altLang="zh-TW" sz="1400" b="0" i="0" u="none" strike="noStrike" cap="none" normalizeH="0" baseline="0">
-                  <a:ln>
-                    <a:noFill/>
-                  </a:ln>
-                  <a:solidFill>
-                    <a:srgbClr val="BCBEC4"/>
-                  </a:solidFill>
-                  <a:effectLst/>
-                  <a:latin typeface="+mj-lt"/>
-                  <a:cs typeface="JetBrains Mono" panose="02000009000000000000" pitchFamily="49" charset="0"/>
-                </a:rPr>
-              </a:br>
-              <a:br>
-                <a:rPr kumimoji="0" lang="zh-TW" altLang="zh-TW" sz="1400" b="0" i="0" u="none" strike="noStrike" cap="none" normalizeH="0" baseline="0">
-                  <a:ln>
-                    <a:noFill/>
-                  </a:ln>
-                  <a:solidFill>
-                    <a:srgbClr val="BCBEC4"/>
-                  </a:solidFill>
-                  <a:effectLst/>
-                  <a:latin typeface="+mj-lt"/>
-                  <a:cs typeface="JetBrains Mono" panose="02000009000000000000" pitchFamily="49" charset="0"/>
-                </a:rPr>
-              </a:br>
-              <a:r>
-                <a:rPr kumimoji="0" lang="zh-TW" altLang="zh-TW" sz="1400" b="0" i="0" u="none" strike="noStrike" cap="none" normalizeH="0" baseline="0">
-                  <a:ln>
-                    <a:noFill/>
-                  </a:ln>
-                  <a:solidFill>
-                    <a:srgbClr val="CF8E6D"/>
-                  </a:solidFill>
-                  <a:effectLst/>
-                  <a:latin typeface="+mj-lt"/>
-                  <a:cs typeface="JetBrains Mono" panose="02000009000000000000" pitchFamily="49" charset="0"/>
-                </a:rPr>
-                <a:t>public class </a:t>
-              </a:r>
-              <a:r>
-                <a:rPr kumimoji="0" lang="zh-TW" altLang="zh-TW" sz="1400" b="0" i="0" u="none" strike="noStrike" cap="none" normalizeH="0" baseline="0">
-                  <a:ln>
-                    <a:noFill/>
-                  </a:ln>
-                  <a:solidFill>
-                    <a:srgbClr val="BCBEC4"/>
-                  </a:solidFill>
-                  <a:effectLst/>
-                  <a:latin typeface="+mj-lt"/>
-                  <a:cs typeface="JetBrains Mono" panose="02000009000000000000" pitchFamily="49" charset="0"/>
-                </a:rPr>
-                <a:t>Main2 {</a:t>
-              </a:r>
-              <a:br>
-                <a:rPr kumimoji="0" lang="zh-TW" altLang="zh-TW" sz="1400" b="0" i="0" u="none" strike="noStrike" cap="none" normalizeH="0" baseline="0">
-                  <a:ln>
-                    <a:noFill/>
-                  </a:ln>
-                  <a:solidFill>
-                    <a:srgbClr val="BCBEC4"/>
-                  </a:solidFill>
-                  <a:effectLst/>
-                  <a:latin typeface="+mj-lt"/>
-                  <a:cs typeface="JetBrains Mono" panose="02000009000000000000" pitchFamily="49" charset="0"/>
-                </a:rPr>
-              </a:br>
-              <a:r>
-                <a:rPr kumimoji="0" lang="zh-TW" altLang="zh-TW" sz="1400" b="0" i="0" u="none" strike="noStrike" cap="none" normalizeH="0" baseline="0">
-                  <a:ln>
-                    <a:noFill/>
-                  </a:ln>
-                  <a:solidFill>
-                    <a:srgbClr val="BCBEC4"/>
-                  </a:solidFill>
-                  <a:effectLst/>
-                  <a:latin typeface="+mj-lt"/>
-                  <a:cs typeface="JetBrains Mono" panose="02000009000000000000" pitchFamily="49" charset="0"/>
-                </a:rPr>
-                <a:t>    </a:t>
-              </a:r>
-              <a:r>
-                <a:rPr kumimoji="0" lang="zh-TW" altLang="zh-TW" sz="1400" b="0" i="0" u="none" strike="noStrike" cap="none" normalizeH="0" baseline="0">
-                  <a:ln>
-                    <a:noFill/>
-                  </a:ln>
-                  <a:solidFill>
-                    <a:srgbClr val="CF8E6D"/>
-                  </a:solidFill>
-                  <a:effectLst/>
-                  <a:latin typeface="+mj-lt"/>
-                  <a:cs typeface="JetBrains Mono" panose="02000009000000000000" pitchFamily="49" charset="0"/>
-                </a:rPr>
-                <a:t>public static void </a:t>
-              </a:r>
-              <a:r>
-                <a:rPr kumimoji="0" lang="zh-TW" altLang="zh-TW" sz="1400" b="0" i="0" u="none" strike="noStrike" cap="none" normalizeH="0" baseline="0">
-                  <a:ln>
-                    <a:noFill/>
-                  </a:ln>
-                  <a:solidFill>
-                    <a:srgbClr val="56A8F5"/>
-                  </a:solidFill>
-                  <a:effectLst/>
-                  <a:latin typeface="+mj-lt"/>
-                  <a:cs typeface="JetBrains Mono" panose="02000009000000000000" pitchFamily="49" charset="0"/>
-                </a:rPr>
-                <a:t>main</a:t>
-              </a:r>
-              <a:r>
-                <a:rPr kumimoji="0" lang="zh-TW" altLang="zh-TW" sz="1400" b="0" i="0" u="none" strike="noStrike" cap="none" normalizeH="0" baseline="0">
-                  <a:ln>
-                    <a:noFill/>
-                  </a:ln>
-                  <a:solidFill>
-                    <a:srgbClr val="BCBEC4"/>
-                  </a:solidFill>
-                  <a:effectLst/>
-                  <a:latin typeface="+mj-lt"/>
-                  <a:cs typeface="JetBrains Mono" panose="02000009000000000000" pitchFamily="49" charset="0"/>
-                </a:rPr>
-                <a:t>(String[] args) {</a:t>
-              </a:r>
-              <a:br>
-                <a:rPr kumimoji="0" lang="zh-TW" altLang="zh-TW" sz="1400" b="0" i="0" u="none" strike="noStrike" cap="none" normalizeH="0" baseline="0">
-                  <a:ln>
-                    <a:noFill/>
-                  </a:ln>
-                  <a:solidFill>
-                    <a:srgbClr val="BCBEC4"/>
-                  </a:solidFill>
-                  <a:effectLst/>
-                  <a:latin typeface="+mj-lt"/>
-                  <a:cs typeface="JetBrains Mono" panose="02000009000000000000" pitchFamily="49" charset="0"/>
-                </a:rPr>
-              </a:br>
-              <a:r>
-                <a:rPr kumimoji="0" lang="zh-TW" altLang="zh-TW" sz="1400" b="0" i="0" u="none" strike="noStrike" cap="none" normalizeH="0" baseline="0">
-                  <a:ln>
-                    <a:noFill/>
-                  </a:ln>
-                  <a:solidFill>
-                    <a:srgbClr val="BCBEC4"/>
-                  </a:solidFill>
-                  <a:effectLst/>
-                  <a:latin typeface="+mj-lt"/>
-                  <a:cs typeface="JetBrains Mono" panose="02000009000000000000" pitchFamily="49" charset="0"/>
-                </a:rPr>
-                <a:t>        Scanner scanner = </a:t>
-              </a:r>
-              <a:r>
-                <a:rPr kumimoji="0" lang="zh-TW" altLang="zh-TW" sz="1400" b="0" i="0" u="none" strike="noStrike" cap="none" normalizeH="0" baseline="0">
-                  <a:ln>
-                    <a:noFill/>
-                  </a:ln>
-                  <a:solidFill>
-                    <a:srgbClr val="CF8E6D"/>
-                  </a:solidFill>
-                  <a:effectLst/>
-                  <a:latin typeface="+mj-lt"/>
-                  <a:cs typeface="JetBrains Mono" panose="02000009000000000000" pitchFamily="49" charset="0"/>
-                </a:rPr>
-                <a:t>new </a:t>
-              </a:r>
-              <a:r>
-                <a:rPr kumimoji="0" lang="zh-TW" altLang="zh-TW" sz="1400" b="0" i="0" u="none" strike="noStrike" cap="none" normalizeH="0" baseline="0">
-                  <a:ln>
-                    <a:noFill/>
-                  </a:ln>
-                  <a:solidFill>
-                    <a:srgbClr val="BCBEC4"/>
-                  </a:solidFill>
-                  <a:effectLst/>
-                  <a:latin typeface="+mj-lt"/>
-                  <a:cs typeface="JetBrains Mono" panose="02000009000000000000" pitchFamily="49" charset="0"/>
-                </a:rPr>
-                <a:t>Scanner(System.</a:t>
-              </a:r>
-              <a:r>
-                <a:rPr kumimoji="0" lang="zh-TW" altLang="zh-TW" sz="1400" b="0" i="1" u="none" strike="noStrike" cap="none" normalizeH="0" baseline="0">
-                  <a:ln>
-                    <a:noFill/>
-                  </a:ln>
-                  <a:solidFill>
-                    <a:srgbClr val="C77DBB"/>
-                  </a:solidFill>
-                  <a:effectLst/>
-                  <a:latin typeface="+mj-lt"/>
-                  <a:cs typeface="JetBrains Mono" panose="02000009000000000000" pitchFamily="49" charset="0"/>
-                </a:rPr>
-                <a:t>in</a:t>
-              </a:r>
-              <a:r>
-                <a:rPr kumimoji="0" lang="zh-TW" altLang="zh-TW" sz="1400" b="0" i="0" u="none" strike="noStrike" cap="none" normalizeH="0" baseline="0">
-                  <a:ln>
-                    <a:noFill/>
-                  </a:ln>
-                  <a:solidFill>
-                    <a:srgbClr val="BCBEC4"/>
-                  </a:solidFill>
-                  <a:effectLst/>
-                  <a:latin typeface="+mj-lt"/>
-                  <a:cs typeface="JetBrains Mono" panose="02000009000000000000" pitchFamily="49" charset="0"/>
-                </a:rPr>
-                <a:t>);</a:t>
-              </a:r>
-              <a:br>
-                <a:rPr kumimoji="0" lang="zh-TW" altLang="zh-TW" sz="1400" b="0" i="0" u="none" strike="noStrike" cap="none" normalizeH="0" baseline="0">
-                  <a:ln>
-                    <a:noFill/>
-                  </a:ln>
-                  <a:solidFill>
-                    <a:srgbClr val="BCBEC4"/>
-                  </a:solidFill>
-                  <a:effectLst/>
-                  <a:latin typeface="+mj-lt"/>
-                  <a:cs typeface="JetBrains Mono" panose="02000009000000000000" pitchFamily="49" charset="0"/>
-                </a:rPr>
-              </a:br>
-              <a:r>
-                <a:rPr kumimoji="0" lang="zh-TW" altLang="zh-TW" sz="1400" b="0" i="0" u="none" strike="noStrike" cap="none" normalizeH="0" baseline="0">
-                  <a:ln>
-                    <a:noFill/>
-                  </a:ln>
-                  <a:solidFill>
-                    <a:srgbClr val="BCBEC4"/>
-                  </a:solidFill>
-                  <a:effectLst/>
-                  <a:latin typeface="+mj-lt"/>
-                  <a:cs typeface="JetBrains Mono" panose="02000009000000000000" pitchFamily="49" charset="0"/>
-                </a:rPr>
-                <a:t>        String input = scanner.next();</a:t>
-              </a:r>
-              <a:br>
-                <a:rPr kumimoji="0" lang="zh-TW" altLang="zh-TW" sz="1400" b="0" i="0" u="none" strike="noStrike" cap="none" normalizeH="0" baseline="0">
-                  <a:ln>
-                    <a:noFill/>
-                  </a:ln>
-                  <a:solidFill>
-                    <a:srgbClr val="BCBEC4"/>
-                  </a:solidFill>
-                  <a:effectLst/>
-                  <a:latin typeface="+mj-lt"/>
-                  <a:cs typeface="JetBrains Mono" panose="02000009000000000000" pitchFamily="49" charset="0"/>
-                </a:rPr>
-              </a:br>
-              <a:r>
-                <a:rPr kumimoji="0" lang="zh-TW" altLang="zh-TW" sz="1400" b="0" i="0" u="none" strike="noStrike" cap="none" normalizeH="0" baseline="0">
-                  <a:ln>
-                    <a:noFill/>
-                  </a:ln>
-                  <a:solidFill>
-                    <a:srgbClr val="BCBEC4"/>
-                  </a:solidFill>
-                  <a:effectLst/>
-                  <a:latin typeface="+mj-lt"/>
-                  <a:cs typeface="JetBrains Mono" panose="02000009000000000000" pitchFamily="49" charset="0"/>
-                </a:rPr>
-                <a:t>        </a:t>
-              </a:r>
-              <a:r>
-                <a:rPr kumimoji="0" lang="zh-TW" altLang="zh-TW" sz="1400" b="0" i="0" u="none" strike="noStrike" cap="none" normalizeH="0" baseline="0">
-                  <a:ln>
-                    <a:noFill/>
-                  </a:ln>
-                  <a:solidFill>
-                    <a:srgbClr val="CF8E6D"/>
-                  </a:solidFill>
-                  <a:effectLst/>
-                  <a:latin typeface="+mj-lt"/>
-                  <a:cs typeface="JetBrains Mono" panose="02000009000000000000" pitchFamily="49" charset="0"/>
-                </a:rPr>
-                <a:t>switch </a:t>
-              </a:r>
-              <a:r>
-                <a:rPr kumimoji="0" lang="zh-TW" altLang="zh-TW" sz="1400" b="0" i="0" u="none" strike="noStrike" cap="none" normalizeH="0" baseline="0">
-                  <a:ln>
-                    <a:noFill/>
-                  </a:ln>
-                  <a:solidFill>
-                    <a:srgbClr val="BCBEC4"/>
-                  </a:solidFill>
-                  <a:effectLst/>
-                  <a:latin typeface="+mj-lt"/>
-                  <a:cs typeface="JetBrains Mono" panose="02000009000000000000" pitchFamily="49" charset="0"/>
-                </a:rPr>
-                <a:t>(input) {</a:t>
-              </a:r>
-              <a:br>
-                <a:rPr kumimoji="0" lang="zh-TW" altLang="zh-TW" sz="1400" b="0" i="0" u="none" strike="noStrike" cap="none" normalizeH="0" baseline="0">
-                  <a:ln>
-                    <a:noFill/>
-                  </a:ln>
-                  <a:solidFill>
-                    <a:srgbClr val="BCBEC4"/>
-                  </a:solidFill>
-                  <a:effectLst/>
-                  <a:latin typeface="+mj-lt"/>
-                  <a:cs typeface="JetBrains Mono" panose="02000009000000000000" pitchFamily="49" charset="0"/>
-                </a:rPr>
-              </a:br>
-              <a:r>
-                <a:rPr kumimoji="0" lang="zh-TW" altLang="zh-TW" sz="1400" b="0" i="0" u="none" strike="noStrike" cap="none" normalizeH="0" baseline="0">
-                  <a:ln>
-                    <a:noFill/>
-                  </a:ln>
-                  <a:solidFill>
-                    <a:srgbClr val="BCBEC4"/>
-                  </a:solidFill>
-                  <a:effectLst/>
-                  <a:latin typeface="+mj-lt"/>
-                  <a:cs typeface="JetBrains Mono" panose="02000009000000000000" pitchFamily="49" charset="0"/>
-                </a:rPr>
-                <a:t>            </a:t>
-              </a:r>
-              <a:r>
-                <a:rPr kumimoji="0" lang="zh-TW" altLang="zh-TW" sz="1400" b="0" i="0" u="none" strike="noStrike" cap="none" normalizeH="0" baseline="0">
-                  <a:ln>
-                    <a:noFill/>
-                  </a:ln>
-                  <a:solidFill>
-                    <a:srgbClr val="CF8E6D"/>
-                  </a:solidFill>
-                  <a:effectLst/>
-                  <a:latin typeface="+mj-lt"/>
-                  <a:cs typeface="JetBrains Mono" panose="02000009000000000000" pitchFamily="49" charset="0"/>
-                </a:rPr>
-                <a:t>case </a:t>
-              </a:r>
-              <a:r>
-                <a:rPr kumimoji="0" lang="zh-TW" altLang="zh-TW" sz="1400" b="0" i="0" u="none" strike="noStrike" cap="none" normalizeH="0" baseline="0">
-                  <a:ln>
-                    <a:noFill/>
-                  </a:ln>
-                  <a:solidFill>
-                    <a:srgbClr val="6AAB73"/>
-                  </a:solidFill>
-                  <a:effectLst/>
-                  <a:latin typeface="+mj-lt"/>
-                  <a:cs typeface="JetBrains Mono" panose="02000009000000000000" pitchFamily="49" charset="0"/>
-                </a:rPr>
-                <a:t>"</a:t>
-              </a:r>
-              <a:r>
-                <a:rPr kumimoji="0" lang="zh-TW" altLang="zh-TW" sz="1400" b="0" i="0" u="none" strike="noStrike" cap="none" normalizeH="0" baseline="0">
-                  <a:ln>
-                    <a:noFill/>
-                  </a:ln>
-                  <a:solidFill>
-                    <a:srgbClr val="6AAB73"/>
-                  </a:solidFill>
-                  <a:effectLst/>
-                  <a:latin typeface="+mj-lt"/>
-                  <a:ea typeface="微軟正黑體" panose="020B0604030504040204" pitchFamily="34" charset="-120"/>
-                  <a:cs typeface="JetBrains Mono" panose="02000009000000000000" pitchFamily="49" charset="0"/>
-                </a:rPr>
-                <a:t>回憶過去</a:t>
-              </a:r>
-              <a:r>
-                <a:rPr kumimoji="0" lang="zh-TW" altLang="zh-TW" sz="1400" b="0" i="0" u="none" strike="noStrike" cap="none" normalizeH="0" baseline="0">
-                  <a:ln>
-                    <a:noFill/>
-                  </a:ln>
-                  <a:solidFill>
-                    <a:srgbClr val="6AAB73"/>
-                  </a:solidFill>
-                  <a:effectLst/>
-                  <a:latin typeface="+mj-lt"/>
-                  <a:cs typeface="JetBrains Mono" panose="02000009000000000000" pitchFamily="49" charset="0"/>
-                </a:rPr>
-                <a:t>" </a:t>
-              </a:r>
-              <a:r>
-                <a:rPr kumimoji="0" lang="zh-TW" altLang="zh-TW" sz="1400" b="0" i="0" u="none" strike="noStrike" cap="none" normalizeH="0" baseline="0">
-                  <a:ln>
-                    <a:noFill/>
-                  </a:ln>
-                  <a:solidFill>
-                    <a:srgbClr val="BCBEC4"/>
-                  </a:solidFill>
-                  <a:effectLst/>
-                  <a:latin typeface="+mj-lt"/>
-                  <a:cs typeface="JetBrains Mono" panose="02000009000000000000" pitchFamily="49" charset="0"/>
-                </a:rPr>
-                <a:t>-&gt; System.</a:t>
-              </a:r>
-              <a:r>
-                <a:rPr kumimoji="0" lang="zh-TW" altLang="zh-TW" sz="1400" b="0" i="1" u="none" strike="noStrike" cap="none" normalizeH="0" baseline="0">
-                  <a:ln>
-                    <a:noFill/>
-                  </a:ln>
-                  <a:solidFill>
-                    <a:srgbClr val="C77DBB"/>
-                  </a:solidFill>
-                  <a:effectLst/>
-                  <a:latin typeface="+mj-lt"/>
-                  <a:cs typeface="JetBrains Mono" panose="02000009000000000000" pitchFamily="49" charset="0"/>
-                </a:rPr>
-                <a:t>out</a:t>
-              </a:r>
-              <a:r>
-                <a:rPr kumimoji="0" lang="zh-TW" altLang="zh-TW" sz="1400" b="0" i="0" u="none" strike="noStrike" cap="none" normalizeH="0" baseline="0">
-                  <a:ln>
-                    <a:noFill/>
-                  </a:ln>
-                  <a:solidFill>
-                    <a:srgbClr val="BCBEC4"/>
-                  </a:solidFill>
-                  <a:effectLst/>
-                  <a:latin typeface="+mj-lt"/>
-                  <a:cs typeface="JetBrains Mono" panose="02000009000000000000" pitchFamily="49" charset="0"/>
-                </a:rPr>
-                <a:t>.println(</a:t>
-              </a:r>
-              <a:r>
-                <a:rPr kumimoji="0" lang="zh-TW" altLang="zh-TW" sz="1400" b="0" i="0" u="none" strike="noStrike" cap="none" normalizeH="0" baseline="0">
-                  <a:ln>
-                    <a:noFill/>
-                  </a:ln>
-                  <a:solidFill>
-                    <a:srgbClr val="6AAB73"/>
-                  </a:solidFill>
-                  <a:effectLst/>
-                  <a:latin typeface="+mj-lt"/>
-                  <a:cs typeface="JetBrains Mono" panose="02000009000000000000" pitchFamily="49" charset="0"/>
-                </a:rPr>
-                <a:t>"</a:t>
-              </a:r>
-              <a:r>
-                <a:rPr kumimoji="0" lang="zh-TW" altLang="zh-TW" sz="1400" b="0" i="0" u="none" strike="noStrike" cap="none" normalizeH="0" baseline="0">
-                  <a:ln>
-                    <a:noFill/>
-                  </a:ln>
-                  <a:solidFill>
-                    <a:srgbClr val="6AAB73"/>
-                  </a:solidFill>
-                  <a:effectLst/>
-                  <a:latin typeface="+mj-lt"/>
-                  <a:ea typeface="微軟正黑體" panose="020B0604030504040204" pitchFamily="34" charset="-120"/>
-                  <a:cs typeface="JetBrains Mono" panose="02000009000000000000" pitchFamily="49" charset="0"/>
-                </a:rPr>
-                <a:t>痛苦的相思忘不了</a:t>
-              </a:r>
-              <a:r>
-                <a:rPr kumimoji="0" lang="zh-TW" altLang="zh-TW" sz="1400" b="0" i="0" u="none" strike="noStrike" cap="none" normalizeH="0" baseline="0">
-                  <a:ln>
-                    <a:noFill/>
-                  </a:ln>
-                  <a:solidFill>
-                    <a:srgbClr val="6AAB73"/>
-                  </a:solidFill>
-                  <a:effectLst/>
-                  <a:latin typeface="+mj-lt"/>
-                  <a:cs typeface="JetBrains Mono" panose="02000009000000000000" pitchFamily="49" charset="0"/>
-                </a:rPr>
-                <a:t>"</a:t>
-              </a:r>
-              <a:r>
-                <a:rPr kumimoji="0" lang="zh-TW" altLang="zh-TW" sz="1400" b="0" i="0" u="none" strike="noStrike" cap="none" normalizeH="0" baseline="0">
-                  <a:ln>
-                    <a:noFill/>
-                  </a:ln>
-                  <a:solidFill>
-                    <a:srgbClr val="BCBEC4"/>
-                  </a:solidFill>
-                  <a:effectLst/>
-                  <a:latin typeface="+mj-lt"/>
-                  <a:cs typeface="JetBrains Mono" panose="02000009000000000000" pitchFamily="49" charset="0"/>
-                </a:rPr>
-                <a:t>);</a:t>
-              </a:r>
-              <a:br>
-                <a:rPr kumimoji="0" lang="zh-TW" altLang="zh-TW" sz="1400" b="0" i="0" u="none" strike="noStrike" cap="none" normalizeH="0" baseline="0">
-                  <a:ln>
-                    <a:noFill/>
-                  </a:ln>
-                  <a:solidFill>
-                    <a:srgbClr val="BCBEC4"/>
-                  </a:solidFill>
-                  <a:effectLst/>
-                  <a:latin typeface="+mj-lt"/>
-                  <a:cs typeface="JetBrains Mono" panose="02000009000000000000" pitchFamily="49" charset="0"/>
-                </a:rPr>
-              </a:br>
-              <a:r>
-                <a:rPr kumimoji="0" lang="zh-TW" altLang="zh-TW" sz="1400" b="0" i="0" u="none" strike="noStrike" cap="none" normalizeH="0" baseline="0">
-                  <a:ln>
-                    <a:noFill/>
-                  </a:ln>
-                  <a:solidFill>
-                    <a:srgbClr val="BCBEC4"/>
-                  </a:solidFill>
-                  <a:effectLst/>
-                  <a:latin typeface="+mj-lt"/>
-                  <a:cs typeface="JetBrains Mono" panose="02000009000000000000" pitchFamily="49" charset="0"/>
-                </a:rPr>
-                <a:t>            </a:t>
-              </a:r>
-              <a:r>
-                <a:rPr kumimoji="0" lang="zh-TW" altLang="zh-TW" sz="1400" b="0" i="0" u="none" strike="noStrike" cap="none" normalizeH="0" baseline="0">
-                  <a:ln>
-                    <a:noFill/>
-                  </a:ln>
-                  <a:solidFill>
-                    <a:srgbClr val="CF8E6D"/>
-                  </a:solidFill>
-                  <a:effectLst/>
-                  <a:latin typeface="+mj-lt"/>
-                  <a:cs typeface="JetBrains Mono" panose="02000009000000000000" pitchFamily="49" charset="0"/>
-                </a:rPr>
-                <a:t>case </a:t>
-              </a:r>
-              <a:r>
-                <a:rPr kumimoji="0" lang="zh-TW" altLang="zh-TW" sz="1400" b="0" i="0" u="none" strike="noStrike" cap="none" normalizeH="0" baseline="0">
-                  <a:ln>
-                    <a:noFill/>
-                  </a:ln>
-                  <a:solidFill>
-                    <a:srgbClr val="6AAB73"/>
-                  </a:solidFill>
-                  <a:effectLst/>
-                  <a:latin typeface="+mj-lt"/>
-                  <a:cs typeface="JetBrains Mono" panose="02000009000000000000" pitchFamily="49" charset="0"/>
-                </a:rPr>
-                <a:t>"</a:t>
-              </a:r>
-              <a:r>
-                <a:rPr kumimoji="0" lang="zh-TW" altLang="zh-TW" sz="1400" b="0" i="0" u="none" strike="noStrike" cap="none" normalizeH="0" baseline="0">
-                  <a:ln>
-                    <a:noFill/>
-                  </a:ln>
-                  <a:solidFill>
-                    <a:srgbClr val="6AAB73"/>
-                  </a:solidFill>
-                  <a:effectLst/>
-                  <a:latin typeface="+mj-lt"/>
-                  <a:ea typeface="微軟正黑體" panose="020B0604030504040204" pitchFamily="34" charset="-120"/>
-                  <a:cs typeface="JetBrains Mono" panose="02000009000000000000" pitchFamily="49" charset="0"/>
-                </a:rPr>
-                <a:t>想念你的笑</a:t>
-              </a:r>
-              <a:r>
-                <a:rPr kumimoji="0" lang="zh-TW" altLang="zh-TW" sz="1400" b="0" i="0" u="none" strike="noStrike" cap="none" normalizeH="0" baseline="0">
-                  <a:ln>
-                    <a:noFill/>
-                  </a:ln>
-                  <a:solidFill>
-                    <a:srgbClr val="6AAB73"/>
-                  </a:solidFill>
-                  <a:effectLst/>
-                  <a:latin typeface="+mj-lt"/>
-                  <a:cs typeface="JetBrains Mono" panose="02000009000000000000" pitchFamily="49" charset="0"/>
-                </a:rPr>
-                <a:t>" </a:t>
-              </a:r>
-              <a:r>
-                <a:rPr kumimoji="0" lang="zh-TW" altLang="zh-TW" sz="1400" b="0" i="0" u="none" strike="noStrike" cap="none" normalizeH="0" baseline="0">
-                  <a:ln>
-                    <a:noFill/>
-                  </a:ln>
-                  <a:solidFill>
-                    <a:srgbClr val="BCBEC4"/>
-                  </a:solidFill>
-                  <a:effectLst/>
-                  <a:latin typeface="+mj-lt"/>
-                  <a:cs typeface="JetBrains Mono" panose="02000009000000000000" pitchFamily="49" charset="0"/>
-                </a:rPr>
-                <a:t>-&gt; System.</a:t>
-              </a:r>
-              <a:r>
-                <a:rPr kumimoji="0" lang="zh-TW" altLang="zh-TW" sz="1400" b="0" i="1" u="none" strike="noStrike" cap="none" normalizeH="0" baseline="0">
-                  <a:ln>
-                    <a:noFill/>
-                  </a:ln>
-                  <a:solidFill>
-                    <a:srgbClr val="C77DBB"/>
-                  </a:solidFill>
-                  <a:effectLst/>
-                  <a:latin typeface="+mj-lt"/>
-                  <a:cs typeface="JetBrains Mono" panose="02000009000000000000" pitchFamily="49" charset="0"/>
-                </a:rPr>
-                <a:t>out</a:t>
-              </a:r>
-              <a:r>
-                <a:rPr kumimoji="0" lang="zh-TW" altLang="zh-TW" sz="1400" b="0" i="0" u="none" strike="noStrike" cap="none" normalizeH="0" baseline="0">
-                  <a:ln>
-                    <a:noFill/>
-                  </a:ln>
-                  <a:solidFill>
-                    <a:srgbClr val="BCBEC4"/>
-                  </a:solidFill>
-                  <a:effectLst/>
-                  <a:latin typeface="+mj-lt"/>
-                  <a:cs typeface="JetBrains Mono" panose="02000009000000000000" pitchFamily="49" charset="0"/>
-                </a:rPr>
-                <a:t>.println(</a:t>
-              </a:r>
-              <a:r>
-                <a:rPr kumimoji="0" lang="zh-TW" altLang="zh-TW" sz="1400" b="0" i="0" u="none" strike="noStrike" cap="none" normalizeH="0" baseline="0">
-                  <a:ln>
-                    <a:noFill/>
-                  </a:ln>
-                  <a:solidFill>
-                    <a:srgbClr val="6AAB73"/>
-                  </a:solidFill>
-                  <a:effectLst/>
-                  <a:latin typeface="+mj-lt"/>
-                  <a:cs typeface="JetBrains Mono" panose="02000009000000000000" pitchFamily="49" charset="0"/>
-                </a:rPr>
-                <a:t>"</a:t>
-              </a:r>
-              <a:r>
-                <a:rPr kumimoji="0" lang="zh-TW" altLang="zh-TW" sz="1400" b="0" i="0" u="none" strike="noStrike" cap="none" normalizeH="0" baseline="0">
-                  <a:ln>
-                    <a:noFill/>
-                  </a:ln>
-                  <a:solidFill>
-                    <a:srgbClr val="6AAB73"/>
-                  </a:solidFill>
-                  <a:effectLst/>
-                  <a:latin typeface="+mj-lt"/>
-                  <a:ea typeface="微軟正黑體" panose="020B0604030504040204" pitchFamily="34" charset="-120"/>
-                  <a:cs typeface="JetBrains Mono" panose="02000009000000000000" pitchFamily="49" charset="0"/>
-                </a:rPr>
-                <a:t>想念你的外套</a:t>
-              </a:r>
-              <a:r>
-                <a:rPr kumimoji="0" lang="zh-TW" altLang="zh-TW" sz="1400" b="0" i="0" u="none" strike="noStrike" cap="none" normalizeH="0" baseline="0">
-                  <a:ln>
-                    <a:noFill/>
-                  </a:ln>
-                  <a:solidFill>
-                    <a:srgbClr val="6AAB73"/>
-                  </a:solidFill>
-                  <a:effectLst/>
-                  <a:latin typeface="+mj-lt"/>
-                  <a:cs typeface="JetBrains Mono" panose="02000009000000000000" pitchFamily="49" charset="0"/>
-                </a:rPr>
-                <a:t>"</a:t>
-              </a:r>
-              <a:r>
-                <a:rPr kumimoji="0" lang="zh-TW" altLang="zh-TW" sz="1400" b="0" i="0" u="none" strike="noStrike" cap="none" normalizeH="0" baseline="0">
-                  <a:ln>
-                    <a:noFill/>
-                  </a:ln>
-                  <a:solidFill>
-                    <a:srgbClr val="BCBEC4"/>
-                  </a:solidFill>
-                  <a:effectLst/>
-                  <a:latin typeface="+mj-lt"/>
-                  <a:cs typeface="JetBrains Mono" panose="02000009000000000000" pitchFamily="49" charset="0"/>
-                </a:rPr>
-                <a:t>);</a:t>
-              </a:r>
-              <a:br>
-                <a:rPr kumimoji="0" lang="zh-TW" altLang="zh-TW" sz="1400" b="0" i="0" u="none" strike="noStrike" cap="none" normalizeH="0" baseline="0">
-                  <a:ln>
-                    <a:noFill/>
-                  </a:ln>
-                  <a:solidFill>
-                    <a:srgbClr val="BCBEC4"/>
-                  </a:solidFill>
-                  <a:effectLst/>
-                  <a:latin typeface="+mj-lt"/>
-                  <a:cs typeface="JetBrains Mono" panose="02000009000000000000" pitchFamily="49" charset="0"/>
-                </a:rPr>
-              </a:br>
-              <a:r>
-                <a:rPr kumimoji="0" lang="zh-TW" altLang="zh-TW" sz="1400" b="0" i="0" u="none" strike="noStrike" cap="none" normalizeH="0" baseline="0">
-                  <a:ln>
-                    <a:noFill/>
-                  </a:ln>
-                  <a:solidFill>
-                    <a:srgbClr val="BCBEC4"/>
-                  </a:solidFill>
-                  <a:effectLst/>
-                  <a:latin typeface="+mj-lt"/>
-                  <a:cs typeface="JetBrains Mono" panose="02000009000000000000" pitchFamily="49" charset="0"/>
-                </a:rPr>
-                <a:t>            </a:t>
-              </a:r>
-              <a:r>
-                <a:rPr kumimoji="0" lang="zh-TW" altLang="zh-TW" sz="1400" b="0" i="0" u="none" strike="noStrike" cap="none" normalizeH="0" baseline="0">
-                  <a:ln>
-                    <a:noFill/>
-                  </a:ln>
-                  <a:solidFill>
-                    <a:srgbClr val="CF8E6D"/>
-                  </a:solidFill>
-                  <a:effectLst/>
-                  <a:latin typeface="+mj-lt"/>
-                  <a:cs typeface="JetBrains Mono" panose="02000009000000000000" pitchFamily="49" charset="0"/>
-                </a:rPr>
-                <a:t>case </a:t>
-              </a:r>
-              <a:r>
-                <a:rPr kumimoji="0" lang="zh-TW" altLang="zh-TW" sz="1400" b="0" i="0" u="none" strike="noStrike" cap="none" normalizeH="0" baseline="0">
-                  <a:ln>
-                    <a:noFill/>
-                  </a:ln>
-                  <a:solidFill>
-                    <a:srgbClr val="6AAB73"/>
-                  </a:solidFill>
-                  <a:effectLst/>
-                  <a:latin typeface="+mj-lt"/>
-                  <a:cs typeface="JetBrains Mono" panose="02000009000000000000" pitchFamily="49" charset="0"/>
-                </a:rPr>
-                <a:t>"</a:t>
-              </a:r>
-              <a:r>
-                <a:rPr kumimoji="0" lang="zh-TW" altLang="zh-TW" sz="1400" b="0" i="0" u="none" strike="noStrike" cap="none" normalizeH="0" baseline="0">
-                  <a:ln>
-                    <a:noFill/>
-                  </a:ln>
-                  <a:solidFill>
-                    <a:srgbClr val="6AAB73"/>
-                  </a:solidFill>
-                  <a:effectLst/>
-                  <a:latin typeface="+mj-lt"/>
-                  <a:ea typeface="微軟正黑體" panose="020B0604030504040204" pitchFamily="34" charset="-120"/>
-                  <a:cs typeface="JetBrains Mono" panose="02000009000000000000" pitchFamily="49" charset="0"/>
-                </a:rPr>
-                <a:t>怎麼忍心怪你犯了錯</a:t>
-              </a:r>
-              <a:r>
-                <a:rPr kumimoji="0" lang="zh-TW" altLang="zh-TW" sz="1400" b="0" i="0" u="none" strike="noStrike" cap="none" normalizeH="0" baseline="0">
-                  <a:ln>
-                    <a:noFill/>
-                  </a:ln>
-                  <a:solidFill>
-                    <a:srgbClr val="6AAB73"/>
-                  </a:solidFill>
-                  <a:effectLst/>
-                  <a:latin typeface="+mj-lt"/>
-                  <a:cs typeface="JetBrains Mono" panose="02000009000000000000" pitchFamily="49" charset="0"/>
-                </a:rPr>
-                <a:t>"</a:t>
-              </a:r>
-              <a:r>
-                <a:rPr kumimoji="0" lang="zh-TW" altLang="zh-TW" sz="1400" b="0" i="0" u="none" strike="noStrike" cap="none" normalizeH="0" baseline="0">
-                  <a:ln>
-                    <a:noFill/>
-                  </a:ln>
-                  <a:solidFill>
-                    <a:srgbClr val="BCBEC4"/>
-                  </a:solidFill>
-                  <a:effectLst/>
-                  <a:latin typeface="+mj-lt"/>
-                  <a:cs typeface="JetBrains Mono" panose="02000009000000000000" pitchFamily="49" charset="0"/>
-                </a:rPr>
-                <a:t>, </a:t>
-              </a:r>
-              <a:r>
-                <a:rPr kumimoji="0" lang="zh-TW" altLang="zh-TW" sz="1400" b="0" i="0" u="none" strike="noStrike" cap="none" normalizeH="0" baseline="0">
-                  <a:ln>
-                    <a:noFill/>
-                  </a:ln>
-                  <a:solidFill>
-                    <a:srgbClr val="6AAB73"/>
-                  </a:solidFill>
-                  <a:effectLst/>
-                  <a:latin typeface="+mj-lt"/>
-                  <a:cs typeface="JetBrains Mono" panose="02000009000000000000" pitchFamily="49" charset="0"/>
-                </a:rPr>
-                <a:t>"</a:t>
-              </a:r>
-              <a:r>
-                <a:rPr kumimoji="0" lang="zh-TW" altLang="zh-TW" sz="1400" b="0" i="0" u="none" strike="noStrike" cap="none" normalizeH="0" baseline="0">
-                  <a:ln>
-                    <a:noFill/>
-                  </a:ln>
-                  <a:solidFill>
-                    <a:srgbClr val="6AAB73"/>
-                  </a:solidFill>
-                  <a:effectLst/>
-                  <a:latin typeface="+mj-lt"/>
-                  <a:ea typeface="微軟正黑體" panose="020B0604030504040204" pitchFamily="34" charset="-120"/>
-                  <a:cs typeface="JetBrains Mono" panose="02000009000000000000" pitchFamily="49" charset="0"/>
-                </a:rPr>
-                <a:t>怎麼忍心讓你受折磨</a:t>
-              </a:r>
-              <a:r>
-                <a:rPr kumimoji="0" lang="zh-TW" altLang="zh-TW" sz="1400" b="0" i="0" u="none" strike="noStrike" cap="none" normalizeH="0" baseline="0">
-                  <a:ln>
-                    <a:noFill/>
-                  </a:ln>
-                  <a:solidFill>
-                    <a:srgbClr val="6AAB73"/>
-                  </a:solidFill>
-                  <a:effectLst/>
-                  <a:latin typeface="+mj-lt"/>
-                  <a:cs typeface="JetBrains Mono" panose="02000009000000000000" pitchFamily="49" charset="0"/>
-                </a:rPr>
-                <a:t>" </a:t>
-              </a:r>
-              <a:r>
-                <a:rPr kumimoji="0" lang="zh-TW" altLang="zh-TW" sz="1400" b="0" i="0" u="none" strike="noStrike" cap="none" normalizeH="0" baseline="0">
-                  <a:ln>
-                    <a:noFill/>
-                  </a:ln>
-                  <a:solidFill>
-                    <a:srgbClr val="BCBEC4"/>
-                  </a:solidFill>
-                  <a:effectLst/>
-                  <a:latin typeface="+mj-lt"/>
-                  <a:cs typeface="JetBrains Mono" panose="02000009000000000000" pitchFamily="49" charset="0"/>
-                </a:rPr>
-                <a:t>-&gt; System.</a:t>
-              </a:r>
-              <a:r>
-                <a:rPr kumimoji="0" lang="zh-TW" altLang="zh-TW" sz="1400" b="0" i="1" u="none" strike="noStrike" cap="none" normalizeH="0" baseline="0">
-                  <a:ln>
-                    <a:noFill/>
-                  </a:ln>
-                  <a:solidFill>
-                    <a:srgbClr val="C77DBB"/>
-                  </a:solidFill>
-                  <a:effectLst/>
-                  <a:latin typeface="+mj-lt"/>
-                  <a:cs typeface="JetBrains Mono" panose="02000009000000000000" pitchFamily="49" charset="0"/>
-                </a:rPr>
-                <a:t>out</a:t>
-              </a:r>
-              <a:r>
-                <a:rPr kumimoji="0" lang="zh-TW" altLang="zh-TW" sz="1400" b="0" i="0" u="none" strike="noStrike" cap="none" normalizeH="0" baseline="0">
-                  <a:ln>
-                    <a:noFill/>
-                  </a:ln>
-                  <a:solidFill>
-                    <a:srgbClr val="BCBEC4"/>
-                  </a:solidFill>
-                  <a:effectLst/>
-                  <a:latin typeface="+mj-lt"/>
-                  <a:cs typeface="JetBrains Mono" panose="02000009000000000000" pitchFamily="49" charset="0"/>
-                </a:rPr>
-                <a:t>.println(</a:t>
-              </a:r>
-              <a:r>
-                <a:rPr kumimoji="0" lang="zh-TW" altLang="zh-TW" sz="1400" b="0" i="0" u="none" strike="noStrike" cap="none" normalizeH="0" baseline="0">
-                  <a:ln>
-                    <a:noFill/>
-                  </a:ln>
-                  <a:solidFill>
-                    <a:srgbClr val="6AAB73"/>
-                  </a:solidFill>
-                  <a:effectLst/>
-                  <a:latin typeface="+mj-lt"/>
-                  <a:cs typeface="JetBrains Mono" panose="02000009000000000000" pitchFamily="49" charset="0"/>
-                </a:rPr>
-                <a:t>"</a:t>
-              </a:r>
-              <a:r>
-                <a:rPr kumimoji="0" lang="zh-TW" altLang="zh-TW" sz="1400" b="0" i="0" u="none" strike="noStrike" cap="none" normalizeH="0" baseline="0">
-                  <a:ln>
-                    <a:noFill/>
-                  </a:ln>
-                  <a:solidFill>
-                    <a:srgbClr val="6AAB73"/>
-                  </a:solidFill>
-                  <a:effectLst/>
-                  <a:latin typeface="+mj-lt"/>
-                  <a:ea typeface="微軟正黑體" panose="020B0604030504040204" pitchFamily="34" charset="-120"/>
-                  <a:cs typeface="JetBrains Mono" panose="02000009000000000000" pitchFamily="49" charset="0"/>
-                </a:rPr>
-                <a:t>是我給你自由過了火</a:t>
-              </a:r>
-              <a:r>
-                <a:rPr kumimoji="0" lang="zh-TW" altLang="zh-TW" sz="1400" b="0" i="0" u="none" strike="noStrike" cap="none" normalizeH="0" baseline="0">
-                  <a:ln>
-                    <a:noFill/>
-                  </a:ln>
-                  <a:solidFill>
-                    <a:srgbClr val="6AAB73"/>
-                  </a:solidFill>
-                  <a:effectLst/>
-                  <a:latin typeface="+mj-lt"/>
-                  <a:cs typeface="JetBrains Mono" panose="02000009000000000000" pitchFamily="49" charset="0"/>
-                </a:rPr>
-                <a:t>"</a:t>
-              </a:r>
-              <a:r>
-                <a:rPr kumimoji="0" lang="zh-TW" altLang="zh-TW" sz="1400" b="0" i="0" u="none" strike="noStrike" cap="none" normalizeH="0" baseline="0">
-                  <a:ln>
-                    <a:noFill/>
-                  </a:ln>
-                  <a:solidFill>
-                    <a:srgbClr val="BCBEC4"/>
-                  </a:solidFill>
-                  <a:effectLst/>
-                  <a:latin typeface="+mj-lt"/>
-                  <a:cs typeface="JetBrains Mono" panose="02000009000000000000" pitchFamily="49" charset="0"/>
-                </a:rPr>
-                <a:t>);</a:t>
-              </a:r>
-              <a:br>
-                <a:rPr kumimoji="0" lang="zh-TW" altLang="zh-TW" sz="1400" b="0" i="0" u="none" strike="noStrike" cap="none" normalizeH="0" baseline="0">
-                  <a:ln>
-                    <a:noFill/>
-                  </a:ln>
-                  <a:solidFill>
-                    <a:srgbClr val="BCBEC4"/>
-                  </a:solidFill>
-                  <a:effectLst/>
-                  <a:latin typeface="+mj-lt"/>
-                  <a:cs typeface="JetBrains Mono" panose="02000009000000000000" pitchFamily="49" charset="0"/>
-                </a:rPr>
-              </a:br>
-              <a:r>
-                <a:rPr kumimoji="0" lang="zh-TW" altLang="zh-TW" sz="1400" b="0" i="0" u="none" strike="noStrike" cap="none" normalizeH="0" baseline="0">
-                  <a:ln>
-                    <a:noFill/>
-                  </a:ln>
-                  <a:solidFill>
-                    <a:srgbClr val="BCBEC4"/>
-                  </a:solidFill>
-                  <a:effectLst/>
-                  <a:latin typeface="+mj-lt"/>
-                  <a:cs typeface="JetBrains Mono" panose="02000009000000000000" pitchFamily="49" charset="0"/>
-                </a:rPr>
-                <a:t>            </a:t>
-              </a:r>
-              <a:r>
-                <a:rPr kumimoji="0" lang="zh-TW" altLang="zh-TW" sz="1400" b="0" i="0" u="none" strike="noStrike" cap="none" normalizeH="0" baseline="0">
-                  <a:ln>
-                    <a:noFill/>
-                  </a:ln>
-                  <a:solidFill>
-                    <a:srgbClr val="CF8E6D"/>
-                  </a:solidFill>
-                  <a:effectLst/>
-                  <a:latin typeface="+mj-lt"/>
-                  <a:cs typeface="JetBrains Mono" panose="02000009000000000000" pitchFamily="49" charset="0"/>
-                </a:rPr>
-                <a:t>case </a:t>
-              </a:r>
-              <a:r>
-                <a:rPr kumimoji="0" lang="zh-TW" altLang="zh-TW" sz="1400" b="0" i="0" u="none" strike="noStrike" cap="none" normalizeH="0" baseline="0">
-                  <a:ln>
-                    <a:noFill/>
-                  </a:ln>
-                  <a:solidFill>
-                    <a:srgbClr val="6AAB73"/>
-                  </a:solidFill>
-                  <a:effectLst/>
-                  <a:latin typeface="+mj-lt"/>
-                  <a:cs typeface="JetBrains Mono" panose="02000009000000000000" pitchFamily="49" charset="0"/>
-                </a:rPr>
-                <a:t>"</a:t>
-              </a:r>
-              <a:r>
-                <a:rPr kumimoji="0" lang="zh-TW" altLang="zh-TW" sz="1400" b="0" i="0" u="none" strike="noStrike" cap="none" normalizeH="0" baseline="0">
-                  <a:ln>
-                    <a:noFill/>
-                  </a:ln>
-                  <a:solidFill>
-                    <a:srgbClr val="6AAB73"/>
-                  </a:solidFill>
-                  <a:effectLst/>
-                  <a:latin typeface="+mj-lt"/>
-                  <a:ea typeface="微軟正黑體" panose="020B0604030504040204" pitchFamily="34" charset="-120"/>
-                  <a:cs typeface="JetBrains Mono" panose="02000009000000000000" pitchFamily="49" charset="0"/>
-                </a:rPr>
-                <a:t>我願變成童話裡你愛的那個天使</a:t>
-              </a:r>
-              <a:r>
-                <a:rPr kumimoji="0" lang="zh-TW" altLang="zh-TW" sz="1400" b="0" i="0" u="none" strike="noStrike" cap="none" normalizeH="0" baseline="0">
-                  <a:ln>
-                    <a:noFill/>
-                  </a:ln>
-                  <a:solidFill>
-                    <a:srgbClr val="6AAB73"/>
-                  </a:solidFill>
-                  <a:effectLst/>
-                  <a:latin typeface="+mj-lt"/>
-                  <a:cs typeface="JetBrains Mono" panose="02000009000000000000" pitchFamily="49" charset="0"/>
-                </a:rPr>
-                <a:t>" </a:t>
-              </a:r>
-              <a:r>
-                <a:rPr kumimoji="0" lang="zh-TW" altLang="zh-TW" sz="1400" b="0" i="0" u="none" strike="noStrike" cap="none" normalizeH="0" baseline="0">
-                  <a:ln>
-                    <a:noFill/>
-                  </a:ln>
-                  <a:solidFill>
-                    <a:srgbClr val="BCBEC4"/>
-                  </a:solidFill>
-                  <a:effectLst/>
-                  <a:latin typeface="+mj-lt"/>
-                  <a:cs typeface="JetBrains Mono" panose="02000009000000000000" pitchFamily="49" charset="0"/>
-                </a:rPr>
-                <a:t>-&gt; System.</a:t>
-              </a:r>
-              <a:r>
-                <a:rPr kumimoji="0" lang="zh-TW" altLang="zh-TW" sz="1400" b="0" i="1" u="none" strike="noStrike" cap="none" normalizeH="0" baseline="0">
-                  <a:ln>
-                    <a:noFill/>
-                  </a:ln>
-                  <a:solidFill>
-                    <a:srgbClr val="C77DBB"/>
-                  </a:solidFill>
-                  <a:effectLst/>
-                  <a:latin typeface="+mj-lt"/>
-                  <a:cs typeface="JetBrains Mono" panose="02000009000000000000" pitchFamily="49" charset="0"/>
-                </a:rPr>
-                <a:t>out</a:t>
-              </a:r>
-              <a:r>
-                <a:rPr kumimoji="0" lang="zh-TW" altLang="zh-TW" sz="1400" b="0" i="0" u="none" strike="noStrike" cap="none" normalizeH="0" baseline="0">
-                  <a:ln>
-                    <a:noFill/>
-                  </a:ln>
-                  <a:solidFill>
-                    <a:srgbClr val="BCBEC4"/>
-                  </a:solidFill>
-                  <a:effectLst/>
-                  <a:latin typeface="+mj-lt"/>
-                  <a:cs typeface="JetBrains Mono" panose="02000009000000000000" pitchFamily="49" charset="0"/>
-                </a:rPr>
-                <a:t>.println(</a:t>
-              </a:r>
-              <a:r>
-                <a:rPr kumimoji="0" lang="zh-TW" altLang="zh-TW" sz="1400" b="0" i="0" u="none" strike="noStrike" cap="none" normalizeH="0" baseline="0">
-                  <a:ln>
-                    <a:noFill/>
-                  </a:ln>
-                  <a:solidFill>
-                    <a:srgbClr val="6AAB73"/>
-                  </a:solidFill>
-                  <a:effectLst/>
-                  <a:latin typeface="+mj-lt"/>
-                  <a:cs typeface="JetBrains Mono" panose="02000009000000000000" pitchFamily="49" charset="0"/>
-                </a:rPr>
-                <a:t>"</a:t>
-              </a:r>
-              <a:r>
-                <a:rPr kumimoji="0" lang="zh-TW" altLang="zh-TW" sz="1400" b="0" i="0" u="none" strike="noStrike" cap="none" normalizeH="0" baseline="0">
-                  <a:ln>
-                    <a:noFill/>
-                  </a:ln>
-                  <a:solidFill>
-                    <a:srgbClr val="6AAB73"/>
-                  </a:solidFill>
-                  <a:effectLst/>
-                  <a:latin typeface="+mj-lt"/>
-                  <a:ea typeface="微軟正黑體" panose="020B0604030504040204" pitchFamily="34" charset="-120"/>
-                  <a:cs typeface="JetBrains Mono" panose="02000009000000000000" pitchFamily="49" charset="0"/>
-                </a:rPr>
-                <a:t>張開雙手變成翅膀守護你</a:t>
-              </a:r>
-              <a:r>
-                <a:rPr kumimoji="0" lang="zh-TW" altLang="zh-TW" sz="1400" b="0" i="0" u="none" strike="noStrike" cap="none" normalizeH="0" baseline="0">
-                  <a:ln>
-                    <a:noFill/>
-                  </a:ln>
-                  <a:solidFill>
-                    <a:srgbClr val="6AAB73"/>
-                  </a:solidFill>
-                  <a:effectLst/>
-                  <a:latin typeface="+mj-lt"/>
-                  <a:cs typeface="JetBrains Mono" panose="02000009000000000000" pitchFamily="49" charset="0"/>
-                </a:rPr>
-                <a:t>"</a:t>
-              </a:r>
-              <a:r>
-                <a:rPr kumimoji="0" lang="zh-TW" altLang="zh-TW" sz="1400" b="0" i="0" u="none" strike="noStrike" cap="none" normalizeH="0" baseline="0">
-                  <a:ln>
-                    <a:noFill/>
-                  </a:ln>
-                  <a:solidFill>
-                    <a:srgbClr val="BCBEC4"/>
-                  </a:solidFill>
-                  <a:effectLst/>
-                  <a:latin typeface="+mj-lt"/>
-                  <a:cs typeface="JetBrains Mono" panose="02000009000000000000" pitchFamily="49" charset="0"/>
-                </a:rPr>
-                <a:t>);</a:t>
-              </a:r>
-              <a:br>
-                <a:rPr kumimoji="0" lang="zh-TW" altLang="zh-TW" sz="1400" b="0" i="0" u="none" strike="noStrike" cap="none" normalizeH="0" baseline="0">
-                  <a:ln>
-                    <a:noFill/>
-                  </a:ln>
-                  <a:solidFill>
-                    <a:srgbClr val="BCBEC4"/>
-                  </a:solidFill>
-                  <a:effectLst/>
-                  <a:latin typeface="+mj-lt"/>
-                  <a:cs typeface="JetBrains Mono" panose="02000009000000000000" pitchFamily="49" charset="0"/>
-                </a:rPr>
-              </a:br>
-              <a:r>
-                <a:rPr kumimoji="0" lang="zh-TW" altLang="zh-TW" sz="1400" b="0" i="0" u="none" strike="noStrike" cap="none" normalizeH="0" baseline="0">
-                  <a:ln>
-                    <a:noFill/>
-                  </a:ln>
-                  <a:solidFill>
-                    <a:srgbClr val="BCBEC4"/>
-                  </a:solidFill>
-                  <a:effectLst/>
-                  <a:latin typeface="+mj-lt"/>
-                  <a:cs typeface="JetBrains Mono" panose="02000009000000000000" pitchFamily="49" charset="0"/>
-                </a:rPr>
-                <a:t>            </a:t>
-              </a:r>
-              <a:r>
-                <a:rPr kumimoji="0" lang="zh-TW" altLang="zh-TW" sz="1400" b="0" i="0" u="none" strike="noStrike" cap="none" normalizeH="0" baseline="0">
-                  <a:ln>
-                    <a:noFill/>
-                  </a:ln>
-                  <a:solidFill>
-                    <a:srgbClr val="CF8E6D"/>
-                  </a:solidFill>
-                  <a:effectLst/>
-                  <a:latin typeface="+mj-lt"/>
-                  <a:cs typeface="JetBrains Mono" panose="02000009000000000000" pitchFamily="49" charset="0"/>
-                </a:rPr>
-                <a:t>default </a:t>
-              </a:r>
-              <a:r>
-                <a:rPr kumimoji="0" lang="zh-TW" altLang="zh-TW" sz="1400" b="0" i="0" u="none" strike="noStrike" cap="none" normalizeH="0" baseline="0">
-                  <a:ln>
-                    <a:noFill/>
-                  </a:ln>
-                  <a:solidFill>
-                    <a:srgbClr val="BCBEC4"/>
-                  </a:solidFill>
-                  <a:effectLst/>
-                  <a:latin typeface="+mj-lt"/>
-                  <a:cs typeface="JetBrains Mono" panose="02000009000000000000" pitchFamily="49" charset="0"/>
-                </a:rPr>
-                <a:t>-&gt; System.</a:t>
-              </a:r>
-              <a:r>
-                <a:rPr kumimoji="0" lang="zh-TW" altLang="zh-TW" sz="1400" b="0" i="1" u="none" strike="noStrike" cap="none" normalizeH="0" baseline="0">
-                  <a:ln>
-                    <a:noFill/>
-                  </a:ln>
-                  <a:solidFill>
-                    <a:srgbClr val="C77DBB"/>
-                  </a:solidFill>
-                  <a:effectLst/>
-                  <a:latin typeface="+mj-lt"/>
-                  <a:cs typeface="JetBrains Mono" panose="02000009000000000000" pitchFamily="49" charset="0"/>
-                </a:rPr>
-                <a:t>out</a:t>
-              </a:r>
-              <a:r>
-                <a:rPr kumimoji="0" lang="zh-TW" altLang="zh-TW" sz="1400" b="0" i="0" u="none" strike="noStrike" cap="none" normalizeH="0" baseline="0">
-                  <a:ln>
-                    <a:noFill/>
-                  </a:ln>
-                  <a:solidFill>
-                    <a:srgbClr val="BCBEC4"/>
-                  </a:solidFill>
-                  <a:effectLst/>
-                  <a:latin typeface="+mj-lt"/>
-                  <a:cs typeface="JetBrains Mono" panose="02000009000000000000" pitchFamily="49" charset="0"/>
-                </a:rPr>
-                <a:t>.println(</a:t>
-              </a:r>
-              <a:r>
-                <a:rPr kumimoji="0" lang="zh-TW" altLang="zh-TW" sz="1400" b="0" i="0" u="none" strike="noStrike" cap="none" normalizeH="0" baseline="0">
-                  <a:ln>
-                    <a:noFill/>
-                  </a:ln>
-                  <a:solidFill>
-                    <a:srgbClr val="6AAB73"/>
-                  </a:solidFill>
-                  <a:effectLst/>
-                  <a:latin typeface="+mj-lt"/>
-                  <a:cs typeface="JetBrains Mono" panose="02000009000000000000" pitchFamily="49" charset="0"/>
-                </a:rPr>
-                <a:t>"</a:t>
-              </a:r>
-              <a:r>
-                <a:rPr kumimoji="0" lang="zh-TW" altLang="zh-TW" sz="1400" b="0" i="0" u="none" strike="noStrike" cap="none" normalizeH="0" baseline="0">
-                  <a:ln>
-                    <a:noFill/>
-                  </a:ln>
-                  <a:solidFill>
-                    <a:srgbClr val="6AAB73"/>
-                  </a:solidFill>
-                  <a:effectLst/>
-                  <a:latin typeface="+mj-lt"/>
-                  <a:ea typeface="微軟正黑體" panose="020B0604030504040204" pitchFamily="34" charset="-120"/>
-                  <a:cs typeface="JetBrains Mono" panose="02000009000000000000" pitchFamily="49" charset="0"/>
-                </a:rPr>
-                <a:t>我不知道下一句是什麼</a:t>
-              </a:r>
-              <a:r>
-                <a:rPr kumimoji="0" lang="zh-TW" altLang="zh-TW" sz="1400" b="0" i="0" u="none" strike="noStrike" cap="none" normalizeH="0" baseline="0">
-                  <a:ln>
-                    <a:noFill/>
-                  </a:ln>
-                  <a:solidFill>
-                    <a:srgbClr val="6AAB73"/>
-                  </a:solidFill>
-                  <a:effectLst/>
-                  <a:latin typeface="+mj-lt"/>
-                  <a:cs typeface="JetBrains Mono" panose="02000009000000000000" pitchFamily="49" charset="0"/>
-                </a:rPr>
-                <a:t>"</a:t>
-              </a:r>
-              <a:r>
-                <a:rPr kumimoji="0" lang="zh-TW" altLang="zh-TW" sz="1400" b="0" i="0" u="none" strike="noStrike" cap="none" normalizeH="0" baseline="0">
-                  <a:ln>
-                    <a:noFill/>
-                  </a:ln>
-                  <a:solidFill>
-                    <a:srgbClr val="BCBEC4"/>
-                  </a:solidFill>
-                  <a:effectLst/>
-                  <a:latin typeface="+mj-lt"/>
-                  <a:cs typeface="JetBrains Mono" panose="02000009000000000000" pitchFamily="49" charset="0"/>
-                </a:rPr>
-                <a:t>);</a:t>
-              </a:r>
-              <a:br>
-                <a:rPr kumimoji="0" lang="zh-TW" altLang="zh-TW" sz="1400" b="0" i="0" u="none" strike="noStrike" cap="none" normalizeH="0" baseline="0">
-                  <a:ln>
-                    <a:noFill/>
-                  </a:ln>
-                  <a:solidFill>
-                    <a:srgbClr val="BCBEC4"/>
-                  </a:solidFill>
-                  <a:effectLst/>
-                  <a:latin typeface="+mj-lt"/>
-                  <a:cs typeface="JetBrains Mono" panose="02000009000000000000" pitchFamily="49" charset="0"/>
-                </a:rPr>
-              </a:br>
-              <a:r>
-                <a:rPr kumimoji="0" lang="zh-TW" altLang="zh-TW" sz="1400" b="0" i="0" u="none" strike="noStrike" cap="none" normalizeH="0" baseline="0">
-                  <a:ln>
-                    <a:noFill/>
-                  </a:ln>
-                  <a:solidFill>
-                    <a:srgbClr val="BCBEC4"/>
-                  </a:solidFill>
-                  <a:effectLst/>
-                  <a:latin typeface="+mj-lt"/>
-                  <a:cs typeface="JetBrains Mono" panose="02000009000000000000" pitchFamily="49" charset="0"/>
-                </a:rPr>
-                <a:t>        }</a:t>
-              </a:r>
-              <a:br>
-                <a:rPr kumimoji="0" lang="zh-TW" altLang="zh-TW" sz="1400" b="0" i="0" u="none" strike="noStrike" cap="none" normalizeH="0" baseline="0">
-                  <a:ln>
-                    <a:noFill/>
-                  </a:ln>
-                  <a:solidFill>
-                    <a:srgbClr val="BCBEC4"/>
-                  </a:solidFill>
-                  <a:effectLst/>
-                  <a:latin typeface="+mj-lt"/>
-                  <a:cs typeface="JetBrains Mono" panose="02000009000000000000" pitchFamily="49" charset="0"/>
-                </a:rPr>
-              </a:br>
-              <a:r>
-                <a:rPr kumimoji="0" lang="zh-TW" altLang="zh-TW" sz="1400" b="0" i="0" u="none" strike="noStrike" cap="none" normalizeH="0" baseline="0">
-                  <a:ln>
-                    <a:noFill/>
-                  </a:ln>
-                  <a:solidFill>
-                    <a:srgbClr val="BCBEC4"/>
-                  </a:solidFill>
-                  <a:effectLst/>
-                  <a:latin typeface="+mj-lt"/>
-                  <a:cs typeface="JetBrains Mono" panose="02000009000000000000" pitchFamily="49" charset="0"/>
-                </a:rPr>
-                <a:t>    }</a:t>
-              </a:r>
-              <a:br>
-                <a:rPr kumimoji="0" lang="zh-TW" altLang="zh-TW" sz="1400" b="0" i="0" u="none" strike="noStrike" cap="none" normalizeH="0" baseline="0">
-                  <a:ln>
-                    <a:noFill/>
-                  </a:ln>
-                  <a:solidFill>
-                    <a:srgbClr val="BCBEC4"/>
-                  </a:solidFill>
-                  <a:effectLst/>
-                  <a:latin typeface="+mj-lt"/>
-                  <a:cs typeface="JetBrains Mono" panose="02000009000000000000" pitchFamily="49" charset="0"/>
-                </a:rPr>
-              </a:br>
-              <a:r>
-                <a:rPr kumimoji="0" lang="zh-TW" altLang="zh-TW" sz="1400" b="0" i="0" u="none" strike="noStrike" cap="none" normalizeH="0" baseline="0">
-                  <a:ln>
-                    <a:noFill/>
-                  </a:ln>
-                  <a:solidFill>
-                    <a:srgbClr val="BCBEC4"/>
-                  </a:solidFill>
-                  <a:effectLst/>
-                  <a:latin typeface="+mj-lt"/>
-                  <a:cs typeface="JetBrains Mono" panose="02000009000000000000" pitchFamily="49" charset="0"/>
-                </a:rPr>
-                <a:t>}</a:t>
-              </a:r>
-              <a:endParaRPr kumimoji="0" lang="zh-TW" altLang="zh-TW" sz="2400" b="0" i="0" u="none" strike="noStrike" cap="none" normalizeH="0" baseline="0">
-                <a:ln>
-                  <a:noFill/>
-                </a:ln>
-                <a:solidFill>
-                  <a:schemeClr val="tx1"/>
-                </a:solidFill>
-                <a:effectLst/>
-                <a:latin typeface="+mj-lt"/>
-              </a:endParaRPr>
-            </a:p>
-          </p:txBody>
-        </p:sp>
-        <p:sp>
-          <p:nvSpPr>
-            <p:cNvPr id="5" name="文字方塊 4">
-              <a:extLst>
-                <a:ext uri="{FF2B5EF4-FFF2-40B4-BE49-F238E27FC236}">
-                  <a16:creationId xmlns:a16="http://schemas.microsoft.com/office/drawing/2014/main" id="{3E0B7474-531C-4DFF-97F9-7458F4C526AB}"/>
-                </a:ext>
-              </a:extLst>
-            </p:cNvPr>
-            <p:cNvSpPr txBox="1"/>
-            <p:nvPr/>
-          </p:nvSpPr>
-          <p:spPr>
-            <a:xfrm>
-              <a:off x="10771587" y="6301971"/>
-              <a:ext cx="582211" cy="307777"/>
-            </a:xfrm>
-            <a:prstGeom prst="rect">
-              <a:avLst/>
-            </a:prstGeom>
-            <a:noFill/>
-          </p:spPr>
-          <p:txBody>
-            <a:bodyPr wrap="none" rtlCol="0">
-              <a:spAutoFit/>
-            </a:bodyPr>
-            <a:lstStyle/>
-            <a:p>
-              <a:r>
-                <a:rPr lang="en-US" altLang="zh-TW" sz="1400">
-                  <a:solidFill>
-                    <a:schemeClr val="accent3"/>
-                  </a:solidFill>
-                </a:rPr>
-                <a:t>java</a:t>
-              </a:r>
-              <a:endParaRPr lang="zh-TW" altLang="en-US" sz="1400">
-                <a:solidFill>
-                  <a:schemeClr val="accent3"/>
-                </a:solidFill>
-              </a:endParaRPr>
-            </a:p>
-          </p:txBody>
-        </p:sp>
-        <p:pic>
-          <p:nvPicPr>
-            <p:cNvPr id="6" name="圖片 5">
-              <a:hlinkClick r:id="rId2"/>
-              <a:extLst>
-                <a:ext uri="{FF2B5EF4-FFF2-40B4-BE49-F238E27FC236}">
-                  <a16:creationId xmlns:a16="http://schemas.microsoft.com/office/drawing/2014/main" id="{62C27124-8669-4575-8B2A-3DC48F3B60D0}"/>
-                </a:ext>
-              </a:extLst>
-            </p:cNvPr>
-            <p:cNvPicPr>
-              <a:picLocks noChangeAspect="1"/>
-            </p:cNvPicPr>
-            <p:nvPr/>
-          </p:nvPicPr>
-          <p:blipFill>
-            <a:blip r:embed="rId3">
-              <a:extLst>
-                <a:ext uri="{28A0092B-C50C-407E-A947-70E740481C1C}">
-                  <a14:useLocalDpi xmlns:a14="http://schemas.microsoft.com/office/drawing/2010/main" val="0"/>
-                </a:ext>
-              </a:extLst>
-            </a:blip>
-            <a:stretch>
-              <a:fillRect/>
-            </a:stretch>
-          </p:blipFill>
-          <p:spPr>
-            <a:xfrm>
-              <a:off x="10912288" y="3285761"/>
-              <a:ext cx="443752" cy="434104"/>
-            </a:xfrm>
-            <a:prstGeom prst="rect">
-              <a:avLst/>
-            </a:prstGeom>
-          </p:spPr>
-        </p:pic>
-      </p:grpSp>
-    </p:spTree>
-    <p:extLst>
-      <p:ext uri="{BB962C8B-B14F-4D97-AF65-F5344CB8AC3E}">
-        <p14:creationId xmlns:p14="http://schemas.microsoft.com/office/powerpoint/2010/main" val="211777568"/>
       </p:ext>
     </p:extLst>
   </p:cSld>

--- a/ppt/06_流程控制.pptx
+++ b/ppt/06_流程控制.pptx
@@ -5,7 +5,7 @@
     <p:sldMasterId id="2147483673" r:id="rId1"/>
   </p:sldMasterIdLst>
   <p:notesMasterIdLst>
-    <p:notesMasterId r:id="rId28"/>
+    <p:notesMasterId r:id="rId29"/>
   </p:notesMasterIdLst>
   <p:sldIdLst>
     <p:sldId id="256" r:id="rId2"/>
@@ -25,15 +25,16 @@
     <p:sldId id="278" r:id="rId16"/>
     <p:sldId id="268" r:id="rId17"/>
     <p:sldId id="270" r:id="rId18"/>
-    <p:sldId id="271" r:id="rId19"/>
-    <p:sldId id="269" r:id="rId20"/>
-    <p:sldId id="272" r:id="rId21"/>
-    <p:sldId id="277" r:id="rId22"/>
-    <p:sldId id="273" r:id="rId23"/>
-    <p:sldId id="274" r:id="rId24"/>
-    <p:sldId id="275" r:id="rId25"/>
-    <p:sldId id="276" r:id="rId26"/>
-    <p:sldId id="279" r:id="rId27"/>
+    <p:sldId id="313" r:id="rId19"/>
+    <p:sldId id="271" r:id="rId20"/>
+    <p:sldId id="269" r:id="rId21"/>
+    <p:sldId id="272" r:id="rId22"/>
+    <p:sldId id="277" r:id="rId23"/>
+    <p:sldId id="273" r:id="rId24"/>
+    <p:sldId id="274" r:id="rId25"/>
+    <p:sldId id="275" r:id="rId26"/>
+    <p:sldId id="276" r:id="rId27"/>
+    <p:sldId id="279" r:id="rId28"/>
   </p:sldIdLst>
   <p:sldSz cx="12192000" cy="6858000"/>
   <p:notesSz cx="6858000" cy="9144000"/>
@@ -222,7 +223,7 @@
           <a:p>
             <a:fld id="{75B7B77E-BBE2-46C9-9A39-77F82475482F}" type="datetimeFigureOut">
               <a:rPr lang="zh-TW" altLang="en-US" smtClean="0"/>
-              <a:t>2024/10/20</a:t>
+              <a:t>2024/11/14</a:t>
             </a:fld>
             <a:endParaRPr lang="zh-TW" altLang="en-US"/>
           </a:p>
@@ -554,7 +555,7 @@
           <a:p>
             <a:fld id="{988EFFEF-EA9C-4C1F-9807-7CDA1443C457}" type="slidenum">
               <a:rPr lang="zh-TW" altLang="en-US" smtClean="0"/>
-              <a:t>26</a:t>
+              <a:t>27</a:t>
             </a:fld>
             <a:endParaRPr lang="zh-TW" altLang="en-US"/>
           </a:p>
@@ -16888,7 +16889,35 @@
                   <a:latin typeface="+mj-lt"/>
                   <a:cs typeface="JetBrains Mono" panose="02000009000000000000" pitchFamily="49" charset="0"/>
                 </a:rPr>
-                <a:t>Main {</a:t>
+                <a:t>Main</a:t>
+              </a:r>
+              <a:r>
+                <a:rPr kumimoji="0" lang="en-US" altLang="zh-TW" sz="1400" b="0" i="0" u="none" strike="noStrike" cap="none" normalizeH="0" baseline="0">
+                  <a:ln>
+                    <a:noFill/>
+                  </a:ln>
+                  <a:solidFill>
+                    <a:srgbClr val="BCBEC4"/>
+                  </a:solidFill>
+                  <a:effectLst/>
+                  <a:latin typeface="+mj-lt"/>
+                  <a:cs typeface="JetBrains Mono" panose="02000009000000000000" pitchFamily="49" charset="0"/>
+                </a:rPr>
+                <a:t>1</a:t>
+              </a:r>
+              <a:r>
+                <a:rPr kumimoji="0" lang="zh-TW" altLang="zh-TW" sz="1400" b="0" i="0" u="none" strike="noStrike" cap="none" normalizeH="0" baseline="0">
+                  <a:ln>
+                    <a:noFill/>
+                  </a:ln>
+                  <a:solidFill>
+                    <a:srgbClr val="BCBEC4"/>
+                  </a:solidFill>
+                  <a:effectLst/>
+                  <a:latin typeface="+mj-lt"/>
+                  <a:cs typeface="JetBrains Mono" panose="02000009000000000000" pitchFamily="49" charset="0"/>
+                </a:rPr>
+                <a:t> {</a:t>
               </a:r>
               <a:br>
                 <a:rPr kumimoji="0" lang="zh-TW" altLang="zh-TW" sz="1400" b="0" i="0" u="none" strike="noStrike" cap="none" normalizeH="0" baseline="0">
@@ -20166,6 +20195,1273 @@
           <p:cNvPr id="2" name="標題 1">
             <a:extLst>
               <a:ext uri="{FF2B5EF4-FFF2-40B4-BE49-F238E27FC236}">
+                <a16:creationId xmlns:a16="http://schemas.microsoft.com/office/drawing/2014/main" id="{846B98C1-44E4-48B2-93B4-2F21317B98DC}"/>
+              </a:ext>
+            </a:extLst>
+          </p:cNvPr>
+          <p:cNvSpPr>
+            <a:spLocks noGrp="1"/>
+          </p:cNvSpPr>
+          <p:nvPr>
+            <p:ph type="title"/>
+          </p:nvPr>
+        </p:nvSpPr>
+        <p:spPr>
+          <a:xfrm>
+            <a:off x="838200" y="0"/>
+            <a:ext cx="10515600" cy="1325563"/>
+          </a:xfrm>
+        </p:spPr>
+        <p:txBody>
+          <a:bodyPr/>
+          <a:lstStyle/>
+          <a:p>
+            <a:r>
+              <a:rPr lang="en-US" altLang="zh-TW"/>
+              <a:t>while</a:t>
+            </a:r>
+            <a:endParaRPr lang="zh-TW" altLang="en-US"/>
+          </a:p>
+        </p:txBody>
+      </p:sp>
+      <p:sp>
+        <p:nvSpPr>
+          <p:cNvPr id="3" name="內容版面配置區 2">
+            <a:extLst>
+              <a:ext uri="{FF2B5EF4-FFF2-40B4-BE49-F238E27FC236}">
+                <a16:creationId xmlns:a16="http://schemas.microsoft.com/office/drawing/2014/main" id="{552596CE-E225-4A20-BBC5-D2CE3F0A0B94}"/>
+              </a:ext>
+            </a:extLst>
+          </p:cNvPr>
+          <p:cNvSpPr>
+            <a:spLocks noGrp="1"/>
+          </p:cNvSpPr>
+          <p:nvPr>
+            <p:ph idx="1"/>
+          </p:nvPr>
+        </p:nvSpPr>
+        <p:spPr>
+          <a:xfrm>
+            <a:off x="838200" y="1090786"/>
+            <a:ext cx="10515600" cy="2562264"/>
+          </a:xfrm>
+        </p:spPr>
+        <p:txBody>
+          <a:bodyPr>
+            <a:normAutofit/>
+          </a:bodyPr>
+          <a:lstStyle/>
+          <a:p>
+            <a:r>
+              <a:rPr lang="en-US" altLang="zh-TW">
+                <a:solidFill>
+                  <a:srgbClr val="00B0F0"/>
+                </a:solidFill>
+              </a:rPr>
+              <a:t>EOF(End of File)</a:t>
+            </a:r>
+            <a:r>
+              <a:rPr lang="zh-TW" altLang="en-US"/>
+              <a:t> 是一個 </a:t>
+            </a:r>
+            <a:r>
+              <a:rPr lang="en-US" altLang="zh-TW">
+                <a:solidFill>
+                  <a:srgbClr val="00B0F0"/>
+                </a:solidFill>
+              </a:rPr>
+              <a:t>ASCII </a:t>
+            </a:r>
+            <a:r>
+              <a:rPr lang="zh-TW" altLang="en-US">
+                <a:solidFill>
+                  <a:srgbClr val="00B0F0"/>
+                </a:solidFill>
+              </a:rPr>
+              <a:t>控制字元</a:t>
+            </a:r>
+            <a:r>
+              <a:rPr lang="zh-TW" altLang="en-US"/>
+              <a:t>，編碼為</a:t>
+            </a:r>
+            <a:r>
+              <a:rPr lang="en-US" altLang="zh-TW"/>
+              <a:t> 4</a:t>
+            </a:r>
+          </a:p>
+          <a:p>
+            <a:r>
+              <a:rPr lang="zh-TW" altLang="en-US"/>
+              <a:t>該字元代表檔案到此結束，出現在所有檔案的結尾</a:t>
+            </a:r>
+            <a:endParaRPr lang="en-US" altLang="zh-TW"/>
+          </a:p>
+          <a:p>
+            <a:r>
+              <a:rPr lang="zh-TW" altLang="en-US"/>
+              <a:t>在主控台中按下 </a:t>
+            </a:r>
+            <a:r>
+              <a:rPr lang="en-US" altLang="zh-TW">
+                <a:solidFill>
+                  <a:srgbClr val="92D050"/>
+                </a:solidFill>
+              </a:rPr>
+              <a:t>Ctrl + D </a:t>
+            </a:r>
+            <a:r>
+              <a:rPr lang="zh-TW" altLang="en-US"/>
+              <a:t>可輸入該字元，代表輸入結束</a:t>
+            </a:r>
+            <a:endParaRPr lang="en-US" altLang="zh-TW"/>
+          </a:p>
+          <a:p>
+            <a:r>
+              <a:rPr lang="zh-TW" altLang="en-US"/>
+              <a:t>將</a:t>
+            </a:r>
+            <a:r>
+              <a:rPr lang="zh-TW" altLang="en-US">
+                <a:solidFill>
+                  <a:srgbClr val="CF8E6D"/>
+                </a:solidFill>
+              </a:rPr>
+              <a:t> </a:t>
+            </a:r>
+            <a:r>
+              <a:rPr lang="en-US" altLang="zh-TW">
+                <a:solidFill>
+                  <a:srgbClr val="00B050"/>
+                </a:solidFill>
+              </a:rPr>
+              <a:t>Scanner</a:t>
+            </a:r>
+            <a:r>
+              <a:rPr lang="en-US" altLang="zh-TW"/>
+              <a:t> </a:t>
+            </a:r>
+            <a:r>
+              <a:rPr lang="zh-TW" altLang="en-US"/>
+              <a:t>的 </a:t>
+            </a:r>
+            <a:r>
+              <a:rPr lang="en-US" altLang="zh-TW">
+                <a:solidFill>
+                  <a:srgbClr val="92D050"/>
+                </a:solidFill>
+              </a:rPr>
+              <a:t>hasNextXXX()</a:t>
+            </a:r>
+            <a:r>
+              <a:rPr lang="en-US" altLang="zh-TW"/>
+              <a:t> </a:t>
+            </a:r>
+            <a:r>
+              <a:rPr lang="zh-TW" altLang="en-US">
+                <a:solidFill>
+                  <a:srgbClr val="00B0F0"/>
+                </a:solidFill>
+              </a:rPr>
+              <a:t>方法</a:t>
+            </a:r>
+            <a:r>
+              <a:rPr lang="zh-TW" altLang="en-US"/>
+              <a:t>作為 </a:t>
+            </a:r>
+            <a:r>
+              <a:rPr lang="en-US" altLang="zh-TW">
+                <a:solidFill>
+                  <a:srgbClr val="CF8E6D"/>
+                </a:solidFill>
+              </a:rPr>
+              <a:t>while</a:t>
+            </a:r>
+            <a:r>
+              <a:rPr lang="en-US" altLang="zh-TW"/>
+              <a:t> </a:t>
+            </a:r>
+            <a:r>
+              <a:rPr lang="zh-TW" altLang="en-US"/>
+              <a:t>的條件</a:t>
+            </a:r>
+            <a:endParaRPr lang="en-US" altLang="zh-TW"/>
+          </a:p>
+          <a:p>
+            <a:r>
+              <a:rPr lang="zh-TW" altLang="en-US"/>
+              <a:t>便可持續輸入直到 </a:t>
+            </a:r>
+            <a:r>
+              <a:rPr lang="en-US" altLang="zh-TW">
+                <a:solidFill>
+                  <a:srgbClr val="00B0F0"/>
+                </a:solidFill>
+              </a:rPr>
+              <a:t>EOF</a:t>
+            </a:r>
+          </a:p>
+        </p:txBody>
+      </p:sp>
+      <p:grpSp>
+        <p:nvGrpSpPr>
+          <p:cNvPr id="21" name="群組 20">
+            <a:extLst>
+              <a:ext uri="{FF2B5EF4-FFF2-40B4-BE49-F238E27FC236}">
+                <a16:creationId xmlns:a16="http://schemas.microsoft.com/office/drawing/2014/main" id="{4F3DC319-1D5D-45A0-8DB5-11FF0577CBDC}"/>
+              </a:ext>
+            </a:extLst>
+          </p:cNvPr>
+          <p:cNvGrpSpPr/>
+          <p:nvPr/>
+        </p:nvGrpSpPr>
+        <p:grpSpPr>
+          <a:xfrm>
+            <a:off x="4963909" y="3213897"/>
+            <a:ext cx="6389891" cy="3416320"/>
+            <a:chOff x="5344909" y="3277272"/>
+            <a:chExt cx="6389891" cy="3416320"/>
+          </a:xfrm>
+        </p:grpSpPr>
+        <p:sp>
+          <p:nvSpPr>
+            <p:cNvPr id="20" name="Rectangle 1">
+              <a:extLst>
+                <a:ext uri="{FF2B5EF4-FFF2-40B4-BE49-F238E27FC236}">
+                  <a16:creationId xmlns:a16="http://schemas.microsoft.com/office/drawing/2014/main" id="{D89DA99F-DE19-4C9F-AFA6-DBBAD3447ED9}"/>
+                </a:ext>
+              </a:extLst>
+            </p:cNvPr>
+            <p:cNvSpPr>
+              <a:spLocks noChangeArrowheads="1"/>
+            </p:cNvSpPr>
+            <p:nvPr/>
+          </p:nvSpPr>
+          <p:spPr bwMode="auto">
+            <a:xfrm>
+              <a:off x="5344909" y="3277272"/>
+              <a:ext cx="6389891" cy="3416320"/>
+            </a:xfrm>
+            <a:prstGeom prst="rect">
+              <a:avLst/>
+            </a:prstGeom>
+            <a:solidFill>
+              <a:srgbClr val="1E1F22"/>
+            </a:solidFill>
+            <a:ln>
+              <a:noFill/>
+            </a:ln>
+            <a:effectLst/>
+            <a:extLst>
+              <a:ext uri="{91240B29-F687-4F45-9708-019B960494DF}">
+                <a14:hiddenLine xmlns:a14="http://schemas.microsoft.com/office/drawing/2010/main" w="9525">
+                  <a:solidFill>
+                    <a:schemeClr val="tx1"/>
+                  </a:solidFill>
+                  <a:miter lim="800000"/>
+                  <a:headEnd/>
+                  <a:tailEnd/>
+                </a14:hiddenLine>
+              </a:ext>
+              <a:ext uri="{AF507438-7753-43E0-B8FC-AC1667EBCBE1}">
+                <a14:hiddenEffects xmlns:a14="http://schemas.microsoft.com/office/drawing/2010/main">
+                  <a:effectLst>
+                    <a:outerShdw dist="35921" dir="2700000" algn="ctr" rotWithShape="0">
+                      <a:schemeClr val="bg2"/>
+                    </a:outerShdw>
+                  </a:effectLst>
+                </a14:hiddenEffects>
+              </a:ext>
+            </a:extLst>
+          </p:spPr>
+          <p:txBody>
+            <a:bodyPr vert="horz" wrap="none" lIns="91440" tIns="45720" rIns="91440" bIns="45720" numCol="1" anchor="ctr" anchorCtr="0" compatLnSpc="1">
+              <a:prstTxWarp prst="textNoShape">
+                <a:avLst/>
+              </a:prstTxWarp>
+              <a:spAutoFit/>
+            </a:bodyPr>
+            <a:lstStyle/>
+            <a:p>
+              <a:pPr marL="0" marR="0" lvl="0" indent="0" algn="l" defTabSz="914400" rtl="0" eaLnBrk="0" fontAlgn="base" latinLnBrk="0" hangingPunct="0">
+                <a:lnSpc>
+                  <a:spcPct val="100000"/>
+                </a:lnSpc>
+                <a:spcBef>
+                  <a:spcPct val="0"/>
+                </a:spcBef>
+                <a:spcAft>
+                  <a:spcPct val="0"/>
+                </a:spcAft>
+                <a:buClrTx/>
+                <a:buSzTx/>
+                <a:buFontTx/>
+                <a:buNone/>
+                <a:tabLst/>
+              </a:pPr>
+              <a:r>
+                <a:rPr kumimoji="0" lang="zh-TW" altLang="zh-TW" b="0" i="0" u="none" strike="noStrike" cap="none" normalizeH="0" baseline="0">
+                  <a:ln>
+                    <a:noFill/>
+                  </a:ln>
+                  <a:solidFill>
+                    <a:srgbClr val="CF8E6D"/>
+                  </a:solidFill>
+                  <a:effectLst/>
+                  <a:latin typeface="+mj-lt"/>
+                  <a:cs typeface="JetBrains Mono" panose="02000009000000000000" pitchFamily="49" charset="0"/>
+                </a:rPr>
+                <a:t>import </a:t>
+              </a:r>
+              <a:r>
+                <a:rPr kumimoji="0" lang="zh-TW" altLang="zh-TW" b="0" i="0" u="none" strike="noStrike" cap="none" normalizeH="0" baseline="0">
+                  <a:ln>
+                    <a:noFill/>
+                  </a:ln>
+                  <a:solidFill>
+                    <a:srgbClr val="BCBEC4"/>
+                  </a:solidFill>
+                  <a:effectLst/>
+                  <a:latin typeface="+mj-lt"/>
+                  <a:cs typeface="JetBrains Mono" panose="02000009000000000000" pitchFamily="49" charset="0"/>
+                </a:rPr>
+                <a:t>java.util.Scanner;</a:t>
+              </a:r>
+              <a:br>
+                <a:rPr kumimoji="0" lang="zh-TW" altLang="zh-TW" b="0" i="0" u="none" strike="noStrike" cap="none" normalizeH="0" baseline="0">
+                  <a:ln>
+                    <a:noFill/>
+                  </a:ln>
+                  <a:solidFill>
+                    <a:srgbClr val="BCBEC4"/>
+                  </a:solidFill>
+                  <a:effectLst/>
+                  <a:latin typeface="+mj-lt"/>
+                  <a:cs typeface="JetBrains Mono" panose="02000009000000000000" pitchFamily="49" charset="0"/>
+                </a:rPr>
+              </a:br>
+              <a:br>
+                <a:rPr kumimoji="0" lang="zh-TW" altLang="zh-TW" b="0" i="0" u="none" strike="noStrike" cap="none" normalizeH="0" baseline="0">
+                  <a:ln>
+                    <a:noFill/>
+                  </a:ln>
+                  <a:solidFill>
+                    <a:srgbClr val="BCBEC4"/>
+                  </a:solidFill>
+                  <a:effectLst/>
+                  <a:latin typeface="+mj-lt"/>
+                  <a:cs typeface="JetBrains Mono" panose="02000009000000000000" pitchFamily="49" charset="0"/>
+                </a:rPr>
+              </a:br>
+              <a:r>
+                <a:rPr kumimoji="0" lang="zh-TW" altLang="zh-TW" b="0" i="0" u="none" strike="noStrike" cap="none" normalizeH="0" baseline="0">
+                  <a:ln>
+                    <a:noFill/>
+                  </a:ln>
+                  <a:solidFill>
+                    <a:srgbClr val="CF8E6D"/>
+                  </a:solidFill>
+                  <a:effectLst/>
+                  <a:latin typeface="+mj-lt"/>
+                  <a:cs typeface="JetBrains Mono" panose="02000009000000000000" pitchFamily="49" charset="0"/>
+                </a:rPr>
+                <a:t>public class </a:t>
+              </a:r>
+              <a:r>
+                <a:rPr kumimoji="0" lang="zh-TW" altLang="zh-TW" b="0" i="0" u="none" strike="noStrike" cap="none" normalizeH="0" baseline="0">
+                  <a:ln>
+                    <a:noFill/>
+                  </a:ln>
+                  <a:solidFill>
+                    <a:srgbClr val="BCBEC4"/>
+                  </a:solidFill>
+                  <a:effectLst/>
+                  <a:latin typeface="+mj-lt"/>
+                  <a:cs typeface="JetBrains Mono" panose="02000009000000000000" pitchFamily="49" charset="0"/>
+                </a:rPr>
+                <a:t>Main2 {</a:t>
+              </a:r>
+              <a:br>
+                <a:rPr kumimoji="0" lang="zh-TW" altLang="zh-TW" b="0" i="0" u="none" strike="noStrike" cap="none" normalizeH="0" baseline="0">
+                  <a:ln>
+                    <a:noFill/>
+                  </a:ln>
+                  <a:solidFill>
+                    <a:srgbClr val="BCBEC4"/>
+                  </a:solidFill>
+                  <a:effectLst/>
+                  <a:latin typeface="+mj-lt"/>
+                  <a:cs typeface="JetBrains Mono" panose="02000009000000000000" pitchFamily="49" charset="0"/>
+                </a:rPr>
+              </a:br>
+              <a:r>
+                <a:rPr kumimoji="0" lang="zh-TW" altLang="zh-TW" b="0" i="0" u="none" strike="noStrike" cap="none" normalizeH="0" baseline="0">
+                  <a:ln>
+                    <a:noFill/>
+                  </a:ln>
+                  <a:solidFill>
+                    <a:srgbClr val="BCBEC4"/>
+                  </a:solidFill>
+                  <a:effectLst/>
+                  <a:latin typeface="+mj-lt"/>
+                  <a:cs typeface="JetBrains Mono" panose="02000009000000000000" pitchFamily="49" charset="0"/>
+                </a:rPr>
+                <a:t>    </a:t>
+              </a:r>
+              <a:r>
+                <a:rPr kumimoji="0" lang="zh-TW" altLang="zh-TW" b="0" i="0" u="none" strike="noStrike" cap="none" normalizeH="0" baseline="0">
+                  <a:ln>
+                    <a:noFill/>
+                  </a:ln>
+                  <a:solidFill>
+                    <a:srgbClr val="CF8E6D"/>
+                  </a:solidFill>
+                  <a:effectLst/>
+                  <a:latin typeface="+mj-lt"/>
+                  <a:cs typeface="JetBrains Mono" panose="02000009000000000000" pitchFamily="49" charset="0"/>
+                </a:rPr>
+                <a:t>public static void </a:t>
+              </a:r>
+              <a:r>
+                <a:rPr kumimoji="0" lang="zh-TW" altLang="zh-TW" b="0" i="0" u="none" strike="noStrike" cap="none" normalizeH="0" baseline="0">
+                  <a:ln>
+                    <a:noFill/>
+                  </a:ln>
+                  <a:solidFill>
+                    <a:srgbClr val="56A8F5"/>
+                  </a:solidFill>
+                  <a:effectLst/>
+                  <a:latin typeface="+mj-lt"/>
+                  <a:cs typeface="JetBrains Mono" panose="02000009000000000000" pitchFamily="49" charset="0"/>
+                </a:rPr>
+                <a:t>main</a:t>
+              </a:r>
+              <a:r>
+                <a:rPr kumimoji="0" lang="zh-TW" altLang="zh-TW" b="0" i="0" u="none" strike="noStrike" cap="none" normalizeH="0" baseline="0">
+                  <a:ln>
+                    <a:noFill/>
+                  </a:ln>
+                  <a:solidFill>
+                    <a:srgbClr val="BCBEC4"/>
+                  </a:solidFill>
+                  <a:effectLst/>
+                  <a:latin typeface="+mj-lt"/>
+                  <a:cs typeface="JetBrains Mono" panose="02000009000000000000" pitchFamily="49" charset="0"/>
+                </a:rPr>
+                <a:t>(String[] args) {</a:t>
+              </a:r>
+              <a:br>
+                <a:rPr kumimoji="0" lang="zh-TW" altLang="zh-TW" b="0" i="0" u="none" strike="noStrike" cap="none" normalizeH="0" baseline="0">
+                  <a:ln>
+                    <a:noFill/>
+                  </a:ln>
+                  <a:solidFill>
+                    <a:srgbClr val="BCBEC4"/>
+                  </a:solidFill>
+                  <a:effectLst/>
+                  <a:latin typeface="+mj-lt"/>
+                  <a:cs typeface="JetBrains Mono" panose="02000009000000000000" pitchFamily="49" charset="0"/>
+                </a:rPr>
+              </a:br>
+              <a:r>
+                <a:rPr kumimoji="0" lang="zh-TW" altLang="zh-TW" b="0" i="0" u="none" strike="noStrike" cap="none" normalizeH="0" baseline="0">
+                  <a:ln>
+                    <a:noFill/>
+                  </a:ln>
+                  <a:solidFill>
+                    <a:srgbClr val="BCBEC4"/>
+                  </a:solidFill>
+                  <a:effectLst/>
+                  <a:latin typeface="+mj-lt"/>
+                  <a:cs typeface="JetBrains Mono" panose="02000009000000000000" pitchFamily="49" charset="0"/>
+                </a:rPr>
+                <a:t>        Scanner scanner = </a:t>
+              </a:r>
+              <a:r>
+                <a:rPr kumimoji="0" lang="zh-TW" altLang="zh-TW" b="0" i="0" u="none" strike="noStrike" cap="none" normalizeH="0" baseline="0">
+                  <a:ln>
+                    <a:noFill/>
+                  </a:ln>
+                  <a:solidFill>
+                    <a:srgbClr val="CF8E6D"/>
+                  </a:solidFill>
+                  <a:effectLst/>
+                  <a:latin typeface="+mj-lt"/>
+                  <a:cs typeface="JetBrains Mono" panose="02000009000000000000" pitchFamily="49" charset="0"/>
+                </a:rPr>
+                <a:t>new </a:t>
+              </a:r>
+              <a:r>
+                <a:rPr kumimoji="0" lang="zh-TW" altLang="zh-TW" b="0" i="0" u="none" strike="noStrike" cap="none" normalizeH="0" baseline="0">
+                  <a:ln>
+                    <a:noFill/>
+                  </a:ln>
+                  <a:solidFill>
+                    <a:srgbClr val="BCBEC4"/>
+                  </a:solidFill>
+                  <a:effectLst/>
+                  <a:latin typeface="+mj-lt"/>
+                  <a:cs typeface="JetBrains Mono" panose="02000009000000000000" pitchFamily="49" charset="0"/>
+                </a:rPr>
+                <a:t>Scanner(System.</a:t>
+              </a:r>
+              <a:r>
+                <a:rPr kumimoji="0" lang="zh-TW" altLang="zh-TW" b="0" i="1" u="none" strike="noStrike" cap="none" normalizeH="0" baseline="0">
+                  <a:ln>
+                    <a:noFill/>
+                  </a:ln>
+                  <a:solidFill>
+                    <a:srgbClr val="C77DBB"/>
+                  </a:solidFill>
+                  <a:effectLst/>
+                  <a:latin typeface="+mj-lt"/>
+                  <a:cs typeface="JetBrains Mono" panose="02000009000000000000" pitchFamily="49" charset="0"/>
+                </a:rPr>
+                <a:t>in</a:t>
+              </a:r>
+              <a:r>
+                <a:rPr kumimoji="0" lang="zh-TW" altLang="zh-TW" b="0" i="0" u="none" strike="noStrike" cap="none" normalizeH="0" baseline="0">
+                  <a:ln>
+                    <a:noFill/>
+                  </a:ln>
+                  <a:solidFill>
+                    <a:srgbClr val="BCBEC4"/>
+                  </a:solidFill>
+                  <a:effectLst/>
+                  <a:latin typeface="+mj-lt"/>
+                  <a:cs typeface="JetBrains Mono" panose="02000009000000000000" pitchFamily="49" charset="0"/>
+                </a:rPr>
+                <a:t>);</a:t>
+              </a:r>
+              <a:br>
+                <a:rPr kumimoji="0" lang="zh-TW" altLang="zh-TW" b="0" i="0" u="none" strike="noStrike" cap="none" normalizeH="0" baseline="0">
+                  <a:ln>
+                    <a:noFill/>
+                  </a:ln>
+                  <a:solidFill>
+                    <a:srgbClr val="BCBEC4"/>
+                  </a:solidFill>
+                  <a:effectLst/>
+                  <a:latin typeface="+mj-lt"/>
+                  <a:cs typeface="JetBrains Mono" panose="02000009000000000000" pitchFamily="49" charset="0"/>
+                </a:rPr>
+              </a:br>
+              <a:r>
+                <a:rPr kumimoji="0" lang="zh-TW" altLang="zh-TW" b="0" i="0" u="none" strike="noStrike" cap="none" normalizeH="0" baseline="0">
+                  <a:ln>
+                    <a:noFill/>
+                  </a:ln>
+                  <a:solidFill>
+                    <a:srgbClr val="BCBEC4"/>
+                  </a:solidFill>
+                  <a:effectLst/>
+                  <a:latin typeface="+mj-lt"/>
+                  <a:cs typeface="JetBrains Mono" panose="02000009000000000000" pitchFamily="49" charset="0"/>
+                </a:rPr>
+                <a:t>        </a:t>
+              </a:r>
+              <a:r>
+                <a:rPr kumimoji="0" lang="zh-TW" altLang="zh-TW" b="0" i="0" u="none" strike="noStrike" cap="none" normalizeH="0" baseline="0">
+                  <a:ln>
+                    <a:noFill/>
+                  </a:ln>
+                  <a:solidFill>
+                    <a:srgbClr val="CF8E6D"/>
+                  </a:solidFill>
+                  <a:effectLst/>
+                  <a:latin typeface="+mj-lt"/>
+                  <a:cs typeface="JetBrains Mono" panose="02000009000000000000" pitchFamily="49" charset="0"/>
+                </a:rPr>
+                <a:t>int </a:t>
+              </a:r>
+              <a:r>
+                <a:rPr kumimoji="0" lang="zh-TW" altLang="zh-TW" b="0" i="0" u="none" strike="noStrike" cap="none" normalizeH="0" baseline="0">
+                  <a:ln>
+                    <a:noFill/>
+                  </a:ln>
+                  <a:solidFill>
+                    <a:srgbClr val="BCBEC4"/>
+                  </a:solidFill>
+                  <a:effectLst/>
+                  <a:latin typeface="+mj-lt"/>
+                  <a:cs typeface="JetBrains Mono" panose="02000009000000000000" pitchFamily="49" charset="0"/>
+                </a:rPr>
+                <a:t>sum = </a:t>
+              </a:r>
+              <a:r>
+                <a:rPr kumimoji="0" lang="zh-TW" altLang="zh-TW" b="0" i="0" u="none" strike="noStrike" cap="none" normalizeH="0" baseline="0">
+                  <a:ln>
+                    <a:noFill/>
+                  </a:ln>
+                  <a:solidFill>
+                    <a:srgbClr val="2AACB8"/>
+                  </a:solidFill>
+                  <a:effectLst/>
+                  <a:latin typeface="+mj-lt"/>
+                  <a:cs typeface="JetBrains Mono" panose="02000009000000000000" pitchFamily="49" charset="0"/>
+                </a:rPr>
+                <a:t>0</a:t>
+              </a:r>
+              <a:r>
+                <a:rPr kumimoji="0" lang="zh-TW" altLang="zh-TW" b="0" i="0" u="none" strike="noStrike" cap="none" normalizeH="0" baseline="0">
+                  <a:ln>
+                    <a:noFill/>
+                  </a:ln>
+                  <a:solidFill>
+                    <a:srgbClr val="BCBEC4"/>
+                  </a:solidFill>
+                  <a:effectLst/>
+                  <a:latin typeface="+mj-lt"/>
+                  <a:cs typeface="JetBrains Mono" panose="02000009000000000000" pitchFamily="49" charset="0"/>
+                </a:rPr>
+                <a:t>;</a:t>
+              </a:r>
+              <a:br>
+                <a:rPr kumimoji="0" lang="zh-TW" altLang="zh-TW" b="0" i="0" u="none" strike="noStrike" cap="none" normalizeH="0" baseline="0">
+                  <a:ln>
+                    <a:noFill/>
+                  </a:ln>
+                  <a:solidFill>
+                    <a:srgbClr val="BCBEC4"/>
+                  </a:solidFill>
+                  <a:effectLst/>
+                  <a:latin typeface="+mj-lt"/>
+                  <a:cs typeface="JetBrains Mono" panose="02000009000000000000" pitchFamily="49" charset="0"/>
+                </a:rPr>
+              </a:br>
+              <a:r>
+                <a:rPr kumimoji="0" lang="zh-TW" altLang="zh-TW" b="0" i="0" u="none" strike="noStrike" cap="none" normalizeH="0" baseline="0">
+                  <a:ln>
+                    <a:noFill/>
+                  </a:ln>
+                  <a:solidFill>
+                    <a:srgbClr val="BCBEC4"/>
+                  </a:solidFill>
+                  <a:effectLst/>
+                  <a:latin typeface="+mj-lt"/>
+                  <a:cs typeface="JetBrains Mono" panose="02000009000000000000" pitchFamily="49" charset="0"/>
+                </a:rPr>
+                <a:t>        </a:t>
+              </a:r>
+              <a:r>
+                <a:rPr kumimoji="0" lang="zh-TW" altLang="zh-TW" b="0" i="0" u="none" strike="noStrike" cap="none" normalizeH="0" baseline="0">
+                  <a:ln>
+                    <a:noFill/>
+                  </a:ln>
+                  <a:solidFill>
+                    <a:srgbClr val="CF8E6D"/>
+                  </a:solidFill>
+                  <a:effectLst/>
+                  <a:latin typeface="+mj-lt"/>
+                  <a:cs typeface="JetBrains Mono" panose="02000009000000000000" pitchFamily="49" charset="0"/>
+                </a:rPr>
+                <a:t>while </a:t>
+              </a:r>
+              <a:r>
+                <a:rPr kumimoji="0" lang="zh-TW" altLang="zh-TW" b="0" i="0" u="none" strike="noStrike" cap="none" normalizeH="0" baseline="0">
+                  <a:ln>
+                    <a:noFill/>
+                  </a:ln>
+                  <a:solidFill>
+                    <a:srgbClr val="BCBEC4"/>
+                  </a:solidFill>
+                  <a:effectLst/>
+                  <a:latin typeface="+mj-lt"/>
+                  <a:cs typeface="JetBrains Mono" panose="02000009000000000000" pitchFamily="49" charset="0"/>
+                </a:rPr>
+                <a:t>(scanner.hasNextInt()) {</a:t>
+              </a:r>
+              <a:br>
+                <a:rPr kumimoji="0" lang="zh-TW" altLang="zh-TW" b="0" i="0" u="none" strike="noStrike" cap="none" normalizeH="0" baseline="0">
+                  <a:ln>
+                    <a:noFill/>
+                  </a:ln>
+                  <a:solidFill>
+                    <a:srgbClr val="BCBEC4"/>
+                  </a:solidFill>
+                  <a:effectLst/>
+                  <a:latin typeface="+mj-lt"/>
+                  <a:cs typeface="JetBrains Mono" panose="02000009000000000000" pitchFamily="49" charset="0"/>
+                </a:rPr>
+              </a:br>
+              <a:r>
+                <a:rPr kumimoji="0" lang="zh-TW" altLang="zh-TW" b="0" i="0" u="none" strike="noStrike" cap="none" normalizeH="0" baseline="0">
+                  <a:ln>
+                    <a:noFill/>
+                  </a:ln>
+                  <a:solidFill>
+                    <a:srgbClr val="BCBEC4"/>
+                  </a:solidFill>
+                  <a:effectLst/>
+                  <a:latin typeface="+mj-lt"/>
+                  <a:cs typeface="JetBrains Mono" panose="02000009000000000000" pitchFamily="49" charset="0"/>
+                </a:rPr>
+                <a:t>            sum += scanner.nextInt();</a:t>
+              </a:r>
+              <a:br>
+                <a:rPr kumimoji="0" lang="zh-TW" altLang="zh-TW" b="0" i="0" u="none" strike="noStrike" cap="none" normalizeH="0" baseline="0">
+                  <a:ln>
+                    <a:noFill/>
+                  </a:ln>
+                  <a:solidFill>
+                    <a:srgbClr val="BCBEC4"/>
+                  </a:solidFill>
+                  <a:effectLst/>
+                  <a:latin typeface="+mj-lt"/>
+                  <a:cs typeface="JetBrains Mono" panose="02000009000000000000" pitchFamily="49" charset="0"/>
+                </a:rPr>
+              </a:br>
+              <a:r>
+                <a:rPr kumimoji="0" lang="zh-TW" altLang="zh-TW" b="0" i="0" u="none" strike="noStrike" cap="none" normalizeH="0" baseline="0">
+                  <a:ln>
+                    <a:noFill/>
+                  </a:ln>
+                  <a:solidFill>
+                    <a:srgbClr val="BCBEC4"/>
+                  </a:solidFill>
+                  <a:effectLst/>
+                  <a:latin typeface="+mj-lt"/>
+                  <a:cs typeface="JetBrains Mono" panose="02000009000000000000" pitchFamily="49" charset="0"/>
+                </a:rPr>
+                <a:t>        }</a:t>
+              </a:r>
+              <a:br>
+                <a:rPr kumimoji="0" lang="zh-TW" altLang="zh-TW" b="0" i="0" u="none" strike="noStrike" cap="none" normalizeH="0" baseline="0">
+                  <a:ln>
+                    <a:noFill/>
+                  </a:ln>
+                  <a:solidFill>
+                    <a:srgbClr val="BCBEC4"/>
+                  </a:solidFill>
+                  <a:effectLst/>
+                  <a:latin typeface="+mj-lt"/>
+                  <a:cs typeface="JetBrains Mono" panose="02000009000000000000" pitchFamily="49" charset="0"/>
+                </a:rPr>
+              </a:br>
+              <a:r>
+                <a:rPr kumimoji="0" lang="zh-TW" altLang="zh-TW" b="0" i="0" u="none" strike="noStrike" cap="none" normalizeH="0" baseline="0">
+                  <a:ln>
+                    <a:noFill/>
+                  </a:ln>
+                  <a:solidFill>
+                    <a:srgbClr val="BCBEC4"/>
+                  </a:solidFill>
+                  <a:effectLst/>
+                  <a:latin typeface="+mj-lt"/>
+                  <a:cs typeface="JetBrains Mono" panose="02000009000000000000" pitchFamily="49" charset="0"/>
+                </a:rPr>
+                <a:t>        System.</a:t>
+              </a:r>
+              <a:r>
+                <a:rPr kumimoji="0" lang="zh-TW" altLang="zh-TW" b="0" i="1" u="none" strike="noStrike" cap="none" normalizeH="0" baseline="0">
+                  <a:ln>
+                    <a:noFill/>
+                  </a:ln>
+                  <a:solidFill>
+                    <a:srgbClr val="C77DBB"/>
+                  </a:solidFill>
+                  <a:effectLst/>
+                  <a:latin typeface="+mj-lt"/>
+                  <a:cs typeface="JetBrains Mono" panose="02000009000000000000" pitchFamily="49" charset="0"/>
+                </a:rPr>
+                <a:t>out</a:t>
+              </a:r>
+              <a:r>
+                <a:rPr kumimoji="0" lang="zh-TW" altLang="zh-TW" b="0" i="0" u="none" strike="noStrike" cap="none" normalizeH="0" baseline="0">
+                  <a:ln>
+                    <a:noFill/>
+                  </a:ln>
+                  <a:solidFill>
+                    <a:srgbClr val="BCBEC4"/>
+                  </a:solidFill>
+                  <a:effectLst/>
+                  <a:latin typeface="+mj-lt"/>
+                  <a:cs typeface="JetBrains Mono" panose="02000009000000000000" pitchFamily="49" charset="0"/>
+                </a:rPr>
+                <a:t>.println(sum);</a:t>
+              </a:r>
+              <a:br>
+                <a:rPr kumimoji="0" lang="zh-TW" altLang="zh-TW" b="0" i="0" u="none" strike="noStrike" cap="none" normalizeH="0" baseline="0">
+                  <a:ln>
+                    <a:noFill/>
+                  </a:ln>
+                  <a:solidFill>
+                    <a:srgbClr val="BCBEC4"/>
+                  </a:solidFill>
+                  <a:effectLst/>
+                  <a:latin typeface="+mj-lt"/>
+                  <a:cs typeface="JetBrains Mono" panose="02000009000000000000" pitchFamily="49" charset="0"/>
+                </a:rPr>
+              </a:br>
+              <a:r>
+                <a:rPr kumimoji="0" lang="zh-TW" altLang="zh-TW" b="0" i="0" u="none" strike="noStrike" cap="none" normalizeH="0" baseline="0">
+                  <a:ln>
+                    <a:noFill/>
+                  </a:ln>
+                  <a:solidFill>
+                    <a:srgbClr val="BCBEC4"/>
+                  </a:solidFill>
+                  <a:effectLst/>
+                  <a:latin typeface="+mj-lt"/>
+                  <a:cs typeface="JetBrains Mono" panose="02000009000000000000" pitchFamily="49" charset="0"/>
+                </a:rPr>
+                <a:t>    }</a:t>
+              </a:r>
+              <a:br>
+                <a:rPr kumimoji="0" lang="zh-TW" altLang="zh-TW" b="0" i="0" u="none" strike="noStrike" cap="none" normalizeH="0" baseline="0">
+                  <a:ln>
+                    <a:noFill/>
+                  </a:ln>
+                  <a:solidFill>
+                    <a:srgbClr val="BCBEC4"/>
+                  </a:solidFill>
+                  <a:effectLst/>
+                  <a:latin typeface="+mj-lt"/>
+                  <a:cs typeface="JetBrains Mono" panose="02000009000000000000" pitchFamily="49" charset="0"/>
+                </a:rPr>
+              </a:br>
+              <a:r>
+                <a:rPr kumimoji="0" lang="zh-TW" altLang="zh-TW" b="0" i="0" u="none" strike="noStrike" cap="none" normalizeH="0" baseline="0">
+                  <a:ln>
+                    <a:noFill/>
+                  </a:ln>
+                  <a:solidFill>
+                    <a:srgbClr val="BCBEC4"/>
+                  </a:solidFill>
+                  <a:effectLst/>
+                  <a:latin typeface="+mj-lt"/>
+                  <a:cs typeface="JetBrains Mono" panose="02000009000000000000" pitchFamily="49" charset="0"/>
+                </a:rPr>
+                <a:t>}</a:t>
+              </a:r>
+              <a:endParaRPr kumimoji="0" lang="zh-TW" altLang="zh-TW" sz="2800" b="0" i="0" u="none" strike="noStrike" cap="none" normalizeH="0" baseline="0">
+                <a:ln>
+                  <a:noFill/>
+                </a:ln>
+                <a:solidFill>
+                  <a:schemeClr val="tx1"/>
+                </a:solidFill>
+                <a:effectLst/>
+                <a:latin typeface="+mj-lt"/>
+              </a:endParaRPr>
+            </a:p>
+          </p:txBody>
+        </p:sp>
+        <p:sp>
+          <p:nvSpPr>
+            <p:cNvPr id="6" name="文字方塊 5">
+              <a:extLst>
+                <a:ext uri="{FF2B5EF4-FFF2-40B4-BE49-F238E27FC236}">
+                  <a16:creationId xmlns:a16="http://schemas.microsoft.com/office/drawing/2014/main" id="{BBBFBC15-760D-42A2-83A4-34544E641EA2}"/>
+                </a:ext>
+              </a:extLst>
+            </p:cNvPr>
+            <p:cNvSpPr txBox="1"/>
+            <p:nvPr/>
+          </p:nvSpPr>
+          <p:spPr>
+            <a:xfrm>
+              <a:off x="11101293" y="6344221"/>
+              <a:ext cx="633507" cy="338554"/>
+            </a:xfrm>
+            <a:prstGeom prst="rect">
+              <a:avLst/>
+            </a:prstGeom>
+            <a:noFill/>
+          </p:spPr>
+          <p:txBody>
+            <a:bodyPr wrap="none" rtlCol="0">
+              <a:spAutoFit/>
+            </a:bodyPr>
+            <a:lstStyle/>
+            <a:p>
+              <a:r>
+                <a:rPr lang="en-US" altLang="zh-TW" sz="1600">
+                  <a:solidFill>
+                    <a:schemeClr val="accent3"/>
+                  </a:solidFill>
+                </a:rPr>
+                <a:t>java</a:t>
+              </a:r>
+              <a:endParaRPr lang="zh-TW" altLang="en-US" sz="1600">
+                <a:solidFill>
+                  <a:schemeClr val="accent3"/>
+                </a:solidFill>
+              </a:endParaRPr>
+            </a:p>
+          </p:txBody>
+        </p:sp>
+        <p:pic>
+          <p:nvPicPr>
+            <p:cNvPr id="7" name="圖片 6">
+              <a:hlinkClick r:id="rId2"/>
+              <a:extLst>
+                <a:ext uri="{FF2B5EF4-FFF2-40B4-BE49-F238E27FC236}">
+                  <a16:creationId xmlns:a16="http://schemas.microsoft.com/office/drawing/2014/main" id="{55BD86CD-2D86-4DD6-8B5D-57C77F13DCF2}"/>
+                </a:ext>
+              </a:extLst>
+            </p:cNvPr>
+            <p:cNvPicPr>
+              <a:picLocks noChangeAspect="1"/>
+            </p:cNvPicPr>
+            <p:nvPr/>
+          </p:nvPicPr>
+          <p:blipFill>
+            <a:blip r:embed="rId3">
+              <a:extLst>
+                <a:ext uri="{28A0092B-C50C-407E-A947-70E740481C1C}">
+                  <a14:useLocalDpi xmlns:a14="http://schemas.microsoft.com/office/drawing/2010/main" val="0"/>
+                </a:ext>
+              </a:extLst>
+            </a:blip>
+            <a:stretch>
+              <a:fillRect/>
+            </a:stretch>
+          </p:blipFill>
+          <p:spPr>
+            <a:xfrm>
+              <a:off x="11291048" y="3277272"/>
+              <a:ext cx="443752" cy="434104"/>
+            </a:xfrm>
+            <a:prstGeom prst="rect">
+              <a:avLst/>
+            </a:prstGeom>
+          </p:spPr>
+        </p:pic>
+      </p:grpSp>
+      <p:grpSp>
+        <p:nvGrpSpPr>
+          <p:cNvPr id="23" name="群組 22">
+            <a:extLst>
+              <a:ext uri="{FF2B5EF4-FFF2-40B4-BE49-F238E27FC236}">
+                <a16:creationId xmlns:a16="http://schemas.microsoft.com/office/drawing/2014/main" id="{6F75233B-45DA-4445-88A5-CE522FF1FEA3}"/>
+              </a:ext>
+            </a:extLst>
+          </p:cNvPr>
+          <p:cNvGrpSpPr/>
+          <p:nvPr/>
+        </p:nvGrpSpPr>
+        <p:grpSpPr>
+          <a:xfrm>
+            <a:off x="1530035" y="4038172"/>
+            <a:ext cx="2435382" cy="1631216"/>
+            <a:chOff x="2353901" y="4183027"/>
+            <a:chExt cx="2435382" cy="1631216"/>
+          </a:xfrm>
+        </p:grpSpPr>
+        <p:sp>
+          <p:nvSpPr>
+            <p:cNvPr id="5" name="Rectangle 1">
+              <a:extLst>
+                <a:ext uri="{FF2B5EF4-FFF2-40B4-BE49-F238E27FC236}">
+                  <a16:creationId xmlns:a16="http://schemas.microsoft.com/office/drawing/2014/main" id="{4821A72D-F162-4736-AE30-C0A21388F297}"/>
+                </a:ext>
+              </a:extLst>
+            </p:cNvPr>
+            <p:cNvSpPr>
+              <a:spLocks noChangeArrowheads="1"/>
+            </p:cNvSpPr>
+            <p:nvPr/>
+          </p:nvSpPr>
+          <p:spPr bwMode="auto">
+            <a:xfrm>
+              <a:off x="2353901" y="4183027"/>
+              <a:ext cx="2435382" cy="1631216"/>
+            </a:xfrm>
+            <a:prstGeom prst="rect">
+              <a:avLst/>
+            </a:prstGeom>
+            <a:solidFill>
+              <a:srgbClr val="1E1F22"/>
+            </a:solidFill>
+            <a:ln>
+              <a:noFill/>
+            </a:ln>
+            <a:effectLst/>
+            <a:extLst>
+              <a:ext uri="{91240B29-F687-4F45-9708-019B960494DF}">
+                <a14:hiddenLine xmlns:a14="http://schemas.microsoft.com/office/drawing/2010/main" w="9525">
+                  <a:solidFill>
+                    <a:schemeClr val="tx1"/>
+                  </a:solidFill>
+                  <a:miter lim="800000"/>
+                  <a:headEnd/>
+                  <a:tailEnd/>
+                </a14:hiddenLine>
+              </a:ext>
+              <a:ext uri="{AF507438-7753-43E0-B8FC-AC1667EBCBE1}">
+                <a14:hiddenEffects xmlns:a14="http://schemas.microsoft.com/office/drawing/2010/main">
+                  <a:effectLst>
+                    <a:outerShdw dist="35921" dir="2700000" algn="ctr" rotWithShape="0">
+                      <a:schemeClr val="bg2"/>
+                    </a:outerShdw>
+                  </a:effectLst>
+                </a14:hiddenEffects>
+              </a:ext>
+            </a:extLst>
+          </p:spPr>
+          <p:txBody>
+            <a:bodyPr vert="horz" wrap="square" lIns="91440" tIns="45720" rIns="91440" bIns="45720" numCol="1" anchor="ctr" anchorCtr="0" compatLnSpc="1">
+              <a:prstTxWarp prst="textNoShape">
+                <a:avLst/>
+              </a:prstTxWarp>
+              <a:spAutoFit/>
+            </a:bodyPr>
+            <a:lstStyle/>
+            <a:p>
+              <a:pPr marL="0" marR="0" lvl="0" indent="0" algn="l" defTabSz="914400" rtl="0" eaLnBrk="0" fontAlgn="base" latinLnBrk="0" hangingPunct="0">
+                <a:lnSpc>
+                  <a:spcPct val="100000"/>
+                </a:lnSpc>
+                <a:spcBef>
+                  <a:spcPct val="0"/>
+                </a:spcBef>
+                <a:spcAft>
+                  <a:spcPct val="0"/>
+                </a:spcAft>
+                <a:buClrTx/>
+                <a:buSzTx/>
+                <a:buFontTx/>
+                <a:buNone/>
+                <a:tabLst/>
+              </a:pPr>
+              <a:r>
+                <a:rPr kumimoji="0" lang="en-US" altLang="zh-TW" sz="2000" b="0" i="0" u="none" strike="noStrike" cap="none" normalizeH="0" baseline="0">
+                  <a:ln>
+                    <a:noFill/>
+                  </a:ln>
+                  <a:solidFill>
+                    <a:srgbClr val="92D050"/>
+                  </a:solidFill>
+                  <a:effectLst/>
+                  <a:latin typeface="+mj-lt"/>
+                  <a:cs typeface="JetBrains Mono" panose="02000009000000000000" pitchFamily="49" charset="0"/>
+                </a:rPr>
+                <a:t>5 6 7 8</a:t>
+              </a:r>
+            </a:p>
+            <a:p>
+              <a:pPr marL="0" marR="0" lvl="0" indent="0" algn="l" defTabSz="914400" rtl="0" eaLnBrk="0" fontAlgn="base" latinLnBrk="0" hangingPunct="0">
+                <a:lnSpc>
+                  <a:spcPct val="100000"/>
+                </a:lnSpc>
+                <a:spcBef>
+                  <a:spcPct val="0"/>
+                </a:spcBef>
+                <a:spcAft>
+                  <a:spcPct val="0"/>
+                </a:spcAft>
+                <a:buClrTx/>
+                <a:buSzTx/>
+                <a:buFontTx/>
+                <a:buNone/>
+                <a:tabLst/>
+              </a:pPr>
+              <a:r>
+                <a:rPr kumimoji="0" lang="en-US" altLang="zh-TW" sz="2000" b="0" i="0" u="none" strike="noStrike" cap="none" normalizeH="0" baseline="0">
+                  <a:ln>
+                    <a:noFill/>
+                  </a:ln>
+                  <a:solidFill>
+                    <a:srgbClr val="92D050"/>
+                  </a:solidFill>
+                  <a:effectLst/>
+                  <a:latin typeface="+mj-lt"/>
+                  <a:cs typeface="JetBrains Mono" panose="02000009000000000000" pitchFamily="49" charset="0"/>
+                </a:rPr>
+                <a:t>222 </a:t>
+              </a:r>
+            </a:p>
+            <a:p>
+              <a:pPr marL="0" marR="0" lvl="0" indent="0" algn="l" defTabSz="914400" rtl="0" eaLnBrk="0" fontAlgn="base" latinLnBrk="0" hangingPunct="0">
+                <a:lnSpc>
+                  <a:spcPct val="100000"/>
+                </a:lnSpc>
+                <a:spcBef>
+                  <a:spcPct val="0"/>
+                </a:spcBef>
+                <a:spcAft>
+                  <a:spcPct val="0"/>
+                </a:spcAft>
+                <a:buClrTx/>
+                <a:buSzTx/>
+                <a:buFontTx/>
+                <a:buNone/>
+                <a:tabLst/>
+              </a:pPr>
+              <a:r>
+                <a:rPr kumimoji="0" lang="en-US" altLang="zh-TW" sz="2000" b="0" i="0" u="none" strike="noStrike" cap="none" normalizeH="0" baseline="0">
+                  <a:ln>
+                    <a:noFill/>
+                  </a:ln>
+                  <a:solidFill>
+                    <a:srgbClr val="92D050"/>
+                  </a:solidFill>
+                  <a:effectLst/>
+                  <a:latin typeface="+mj-lt"/>
+                  <a:cs typeface="JetBrains Mono" panose="02000009000000000000" pitchFamily="49" charset="0"/>
+                </a:rPr>
+                <a:t>5 4 81</a:t>
+              </a:r>
+            </a:p>
+            <a:p>
+              <a:pPr marL="0" marR="0" lvl="0" indent="0" algn="l" defTabSz="914400" rtl="0" eaLnBrk="0" fontAlgn="base" latinLnBrk="0" hangingPunct="0">
+                <a:lnSpc>
+                  <a:spcPct val="100000"/>
+                </a:lnSpc>
+                <a:spcBef>
+                  <a:spcPct val="0"/>
+                </a:spcBef>
+                <a:spcAft>
+                  <a:spcPct val="0"/>
+                </a:spcAft>
+                <a:buClrTx/>
+                <a:buSzTx/>
+                <a:buFontTx/>
+                <a:buNone/>
+                <a:tabLst/>
+              </a:pPr>
+              <a:r>
+                <a:rPr kumimoji="0" lang="en-US" altLang="zh-TW" sz="2000" b="0" i="0" u="none" strike="noStrike" cap="none" normalizeH="0" baseline="0">
+                  <a:ln>
+                    <a:noFill/>
+                  </a:ln>
+                  <a:solidFill>
+                    <a:srgbClr val="92D050"/>
+                  </a:solidFill>
+                  <a:effectLst/>
+                  <a:latin typeface="+mj-lt"/>
+                  <a:cs typeface="JetBrains Mono" panose="02000009000000000000" pitchFamily="49" charset="0"/>
+                </a:rPr>
+                <a:t>^D</a:t>
+              </a:r>
+            </a:p>
+            <a:p>
+              <a:pPr marL="0" marR="0" lvl="0" indent="0" algn="l" defTabSz="914400" rtl="0" eaLnBrk="0" fontAlgn="base" latinLnBrk="0" hangingPunct="0">
+                <a:lnSpc>
+                  <a:spcPct val="100000"/>
+                </a:lnSpc>
+                <a:spcBef>
+                  <a:spcPct val="0"/>
+                </a:spcBef>
+                <a:spcAft>
+                  <a:spcPct val="0"/>
+                </a:spcAft>
+                <a:buClrTx/>
+                <a:buSzTx/>
+                <a:buFontTx/>
+                <a:buNone/>
+                <a:tabLst/>
+              </a:pPr>
+              <a:r>
+                <a:rPr kumimoji="0" lang="en-US" altLang="zh-TW" sz="2000" b="0" i="0" u="none" strike="noStrike" cap="none" normalizeH="0" baseline="0">
+                  <a:ln>
+                    <a:noFill/>
+                  </a:ln>
+                  <a:solidFill>
+                    <a:srgbClr val="BCBEC4"/>
+                  </a:solidFill>
+                  <a:effectLst/>
+                  <a:latin typeface="+mj-lt"/>
+                  <a:cs typeface="JetBrains Mono" panose="02000009000000000000" pitchFamily="49" charset="0"/>
+                </a:rPr>
+                <a:t>338</a:t>
+              </a:r>
+              <a:endParaRPr kumimoji="0" lang="zh-TW" altLang="zh-TW" sz="3600" b="0" i="0" u="none" strike="noStrike" cap="none" normalizeH="0" baseline="0">
+                <a:ln>
+                  <a:noFill/>
+                </a:ln>
+                <a:solidFill>
+                  <a:schemeClr val="tx1"/>
+                </a:solidFill>
+                <a:effectLst/>
+                <a:latin typeface="+mj-lt"/>
+              </a:endParaRPr>
+            </a:p>
+          </p:txBody>
+        </p:sp>
+        <p:sp>
+          <p:nvSpPr>
+            <p:cNvPr id="22" name="文字方塊 21">
+              <a:extLst>
+                <a:ext uri="{FF2B5EF4-FFF2-40B4-BE49-F238E27FC236}">
+                  <a16:creationId xmlns:a16="http://schemas.microsoft.com/office/drawing/2014/main" id="{8707D753-A842-4D72-B917-691700481A2B}"/>
+                </a:ext>
+              </a:extLst>
+            </p:cNvPr>
+            <p:cNvSpPr txBox="1"/>
+            <p:nvPr/>
+          </p:nvSpPr>
+          <p:spPr>
+            <a:xfrm>
+              <a:off x="3819146" y="5475689"/>
+              <a:ext cx="970137" cy="338554"/>
+            </a:xfrm>
+            <a:prstGeom prst="rect">
+              <a:avLst/>
+            </a:prstGeom>
+            <a:noFill/>
+          </p:spPr>
+          <p:txBody>
+            <a:bodyPr wrap="none" rtlCol="0">
+              <a:spAutoFit/>
+            </a:bodyPr>
+            <a:lstStyle/>
+            <a:p>
+              <a:r>
+                <a:rPr lang="en-US" altLang="zh-TW" sz="1600">
+                  <a:solidFill>
+                    <a:schemeClr val="accent3"/>
+                  </a:solidFill>
+                </a:rPr>
+                <a:t>console</a:t>
+              </a:r>
+              <a:endParaRPr lang="zh-TW" altLang="en-US" sz="1600">
+                <a:solidFill>
+                  <a:schemeClr val="accent3"/>
+                </a:solidFill>
+              </a:endParaRPr>
+            </a:p>
+          </p:txBody>
+        </p:sp>
+      </p:grpSp>
+    </p:spTree>
+    <p:extLst>
+      <p:ext uri="{BB962C8B-B14F-4D97-AF65-F5344CB8AC3E}">
+        <p14:creationId xmlns:p14="http://schemas.microsoft.com/office/powerpoint/2010/main" val="130356903"/>
+      </p:ext>
+    </p:extLst>
+  </p:cSld>
+  <p:clrMapOvr>
+    <a:masterClrMapping/>
+  </p:clrMapOvr>
+  <p:transition spd="slow">
+    <p:push dir="u"/>
+  </p:transition>
+</p:sld>
+</file>
+
+<file path=ppt/slides/slide19.xml><?xml version="1.0" encoding="utf-8"?>
+<p:sld xmlns:a="http://schemas.openxmlformats.org/drawingml/2006/main" xmlns:r="http://schemas.openxmlformats.org/officeDocument/2006/relationships" xmlns:p="http://schemas.openxmlformats.org/presentationml/2006/main">
+  <p:cSld>
+    <p:spTree>
+      <p:nvGrpSpPr>
+        <p:cNvPr id="1" name=""/>
+        <p:cNvGrpSpPr/>
+        <p:nvPr/>
+      </p:nvGrpSpPr>
+      <p:grpSpPr>
+        <a:xfrm>
+          <a:off x="0" y="0"/>
+          <a:ext cx="0" cy="0"/>
+          <a:chOff x="0" y="0"/>
+          <a:chExt cx="0" cy="0"/>
+        </a:xfrm>
+      </p:grpSpPr>
+      <p:sp>
+        <p:nvSpPr>
+          <p:cNvPr id="2" name="標題 1">
+            <a:extLst>
+              <a:ext uri="{FF2B5EF4-FFF2-40B4-BE49-F238E27FC236}">
                 <a16:creationId xmlns:a16="http://schemas.microsoft.com/office/drawing/2014/main" id="{D87F5028-2E83-426E-9647-20CC0EDDAD2E}"/>
               </a:ext>
             </a:extLst>
@@ -21299,7 +22595,1308 @@
 </p:sld>
 </file>
 
-<file path=ppt/slides/slide19.xml><?xml version="1.0" encoding="utf-8"?>
+<file path=ppt/slides/slide2.xml><?xml version="1.0" encoding="utf-8"?>
+<p:sld xmlns:a="http://schemas.openxmlformats.org/drawingml/2006/main" xmlns:r="http://schemas.openxmlformats.org/officeDocument/2006/relationships" xmlns:p="http://schemas.openxmlformats.org/presentationml/2006/main">
+  <p:cSld>
+    <p:spTree>
+      <p:nvGrpSpPr>
+        <p:cNvPr id="1" name=""/>
+        <p:cNvGrpSpPr/>
+        <p:nvPr/>
+      </p:nvGrpSpPr>
+      <p:grpSpPr>
+        <a:xfrm>
+          <a:off x="0" y="0"/>
+          <a:ext cx="0" cy="0"/>
+          <a:chOff x="0" y="0"/>
+          <a:chExt cx="0" cy="0"/>
+        </a:xfrm>
+      </p:grpSpPr>
+      <p:sp>
+        <p:nvSpPr>
+          <p:cNvPr id="2" name="標題 1">
+            <a:extLst>
+              <a:ext uri="{FF2B5EF4-FFF2-40B4-BE49-F238E27FC236}">
+                <a16:creationId xmlns:a16="http://schemas.microsoft.com/office/drawing/2014/main" id="{984FB812-7A87-4C2D-A74E-F1AFFFBB10DA}"/>
+              </a:ext>
+            </a:extLst>
+          </p:cNvPr>
+          <p:cNvSpPr>
+            <a:spLocks noGrp="1"/>
+          </p:cNvSpPr>
+          <p:nvPr>
+            <p:ph type="title"/>
+          </p:nvPr>
+        </p:nvSpPr>
+        <p:spPr/>
+        <p:txBody>
+          <a:bodyPr/>
+          <a:lstStyle/>
+          <a:p>
+            <a:r>
+              <a:rPr lang="zh-TW" altLang="en-US"/>
+              <a:t>三元運算</a:t>
+            </a:r>
+          </a:p>
+        </p:txBody>
+      </p:sp>
+      <p:sp>
+        <p:nvSpPr>
+          <p:cNvPr id="3" name="內容版面配置區 2">
+            <a:extLst>
+              <a:ext uri="{FF2B5EF4-FFF2-40B4-BE49-F238E27FC236}">
+                <a16:creationId xmlns:a16="http://schemas.microsoft.com/office/drawing/2014/main" id="{0A12CE84-E704-4BA2-A161-A6A63AEDFA7B}"/>
+              </a:ext>
+            </a:extLst>
+          </p:cNvPr>
+          <p:cNvSpPr>
+            <a:spLocks noGrp="1"/>
+          </p:cNvSpPr>
+          <p:nvPr>
+            <p:ph idx="1"/>
+          </p:nvPr>
+        </p:nvSpPr>
+        <p:spPr>
+          <a:xfrm>
+            <a:off x="762000" y="1690688"/>
+            <a:ext cx="10668000" cy="491137"/>
+          </a:xfrm>
+        </p:spPr>
+        <p:txBody>
+          <a:bodyPr/>
+          <a:lstStyle/>
+          <a:p>
+            <a:r>
+              <a:rPr lang="zh-TW" altLang="en-US"/>
+              <a:t>在 </a:t>
+            </a:r>
+            <a:r>
+              <a:rPr lang="en-US" altLang="zh-TW"/>
+              <a:t>Java</a:t>
+            </a:r>
+            <a:r>
+              <a:rPr lang="zh-TW" altLang="en-US"/>
+              <a:t> 中，只有一種</a:t>
+            </a:r>
+            <a:r>
+              <a:rPr lang="zh-TW" altLang="en-US">
+                <a:solidFill>
+                  <a:srgbClr val="00B0F0"/>
+                </a:solidFill>
+              </a:rPr>
+              <a:t>三元運算</a:t>
+            </a:r>
+            <a:r>
+              <a:rPr lang="zh-TW" altLang="en-US"/>
+              <a:t>，格式如下：</a:t>
+            </a:r>
+          </a:p>
+        </p:txBody>
+      </p:sp>
+      <p:sp>
+        <p:nvSpPr>
+          <p:cNvPr id="6" name="內容版面配置區 2">
+            <a:extLst>
+              <a:ext uri="{FF2B5EF4-FFF2-40B4-BE49-F238E27FC236}">
+                <a16:creationId xmlns:a16="http://schemas.microsoft.com/office/drawing/2014/main" id="{1D873183-54B3-4B5A-826E-1294882AAFF1}"/>
+              </a:ext>
+            </a:extLst>
+          </p:cNvPr>
+          <p:cNvSpPr txBox="1">
+            <a:spLocks/>
+          </p:cNvSpPr>
+          <p:nvPr/>
+        </p:nvSpPr>
+        <p:spPr>
+          <a:xfrm>
+            <a:off x="762000" y="2942018"/>
+            <a:ext cx="10668000" cy="491137"/>
+          </a:xfrm>
+          <a:prstGeom prst="rect">
+            <a:avLst/>
+          </a:prstGeom>
+        </p:spPr>
+        <p:txBody>
+          <a:bodyPr vert="horz" lIns="91440" tIns="45720" rIns="91440" bIns="45720" rtlCol="0">
+            <a:normAutofit/>
+          </a:bodyPr>
+          <a:lstStyle>
+            <a:lvl1pPr marL="0" indent="0" algn="l" defTabSz="914400" rtl="0" eaLnBrk="1" latinLnBrk="0" hangingPunct="1">
+              <a:lnSpc>
+                <a:spcPct val="90000"/>
+              </a:lnSpc>
+              <a:spcBef>
+                <a:spcPts val="1000"/>
+              </a:spcBef>
+              <a:buFont typeface="Arial" panose="020B0604020202020204" pitchFamily="34" charset="0"/>
+              <a:buNone/>
+              <a:defRPr sz="2800" kern="1200">
+                <a:solidFill>
+                  <a:schemeClr val="tx1"/>
+                </a:solidFill>
+                <a:latin typeface="+mn-lt"/>
+                <a:ea typeface="+mn-ea"/>
+                <a:cs typeface="+mn-cs"/>
+              </a:defRPr>
+            </a:lvl1pPr>
+            <a:lvl2pPr marL="457200" indent="0" algn="l" defTabSz="914400" rtl="0" eaLnBrk="1" latinLnBrk="0" hangingPunct="1">
+              <a:lnSpc>
+                <a:spcPct val="90000"/>
+              </a:lnSpc>
+              <a:spcBef>
+                <a:spcPts val="500"/>
+              </a:spcBef>
+              <a:buFont typeface="Arial" panose="020B0604020202020204" pitchFamily="34" charset="0"/>
+              <a:buNone/>
+              <a:defRPr sz="2400" kern="1200">
+                <a:solidFill>
+                  <a:schemeClr val="tx1"/>
+                </a:solidFill>
+                <a:latin typeface="+mn-lt"/>
+                <a:ea typeface="+mn-ea"/>
+                <a:cs typeface="+mn-cs"/>
+              </a:defRPr>
+            </a:lvl2pPr>
+            <a:lvl3pPr marL="914400" indent="0" algn="l" defTabSz="914400" rtl="0" eaLnBrk="1" latinLnBrk="0" hangingPunct="1">
+              <a:lnSpc>
+                <a:spcPct val="90000"/>
+              </a:lnSpc>
+              <a:spcBef>
+                <a:spcPts val="500"/>
+              </a:spcBef>
+              <a:buFont typeface="Arial" panose="020B0604020202020204" pitchFamily="34" charset="0"/>
+              <a:buNone/>
+              <a:defRPr sz="2000" kern="1200">
+                <a:solidFill>
+                  <a:schemeClr val="tx1"/>
+                </a:solidFill>
+                <a:latin typeface="+mn-lt"/>
+                <a:ea typeface="+mn-ea"/>
+                <a:cs typeface="+mn-cs"/>
+              </a:defRPr>
+            </a:lvl3pPr>
+            <a:lvl4pPr marL="1371600" indent="0" algn="l" defTabSz="914400" rtl="0" eaLnBrk="1" latinLnBrk="0" hangingPunct="1">
+              <a:lnSpc>
+                <a:spcPct val="90000"/>
+              </a:lnSpc>
+              <a:spcBef>
+                <a:spcPts val="500"/>
+              </a:spcBef>
+              <a:buFont typeface="Arial" panose="020B0604020202020204" pitchFamily="34" charset="0"/>
+              <a:buNone/>
+              <a:defRPr sz="1800" kern="1200">
+                <a:solidFill>
+                  <a:schemeClr val="tx1"/>
+                </a:solidFill>
+                <a:latin typeface="+mn-lt"/>
+                <a:ea typeface="+mn-ea"/>
+                <a:cs typeface="+mn-cs"/>
+              </a:defRPr>
+            </a:lvl4pPr>
+            <a:lvl5pPr marL="1828800" indent="0" algn="l" defTabSz="914400" rtl="0" eaLnBrk="1" latinLnBrk="0" hangingPunct="1">
+              <a:lnSpc>
+                <a:spcPct val="90000"/>
+              </a:lnSpc>
+              <a:spcBef>
+                <a:spcPts val="500"/>
+              </a:spcBef>
+              <a:buFont typeface="Arial" panose="020B0604020202020204" pitchFamily="34" charset="0"/>
+              <a:buNone/>
+              <a:defRPr sz="1800" kern="1200">
+                <a:solidFill>
+                  <a:schemeClr val="tx1"/>
+                </a:solidFill>
+                <a:latin typeface="+mn-lt"/>
+                <a:ea typeface="+mn-ea"/>
+                <a:cs typeface="+mn-cs"/>
+              </a:defRPr>
+            </a:lvl5pPr>
+            <a:lvl6pPr marL="2514600" indent="-228600" algn="l" defTabSz="914400" rtl="0" eaLnBrk="1" latinLnBrk="0" hangingPunct="1">
+              <a:lnSpc>
+                <a:spcPct val="90000"/>
+              </a:lnSpc>
+              <a:spcBef>
+                <a:spcPts val="500"/>
+              </a:spcBef>
+              <a:buFont typeface="Arial" panose="020B0604020202020204" pitchFamily="34" charset="0"/>
+              <a:buChar char="•"/>
+              <a:defRPr sz="1800" kern="1200">
+                <a:solidFill>
+                  <a:schemeClr val="tx1"/>
+                </a:solidFill>
+                <a:latin typeface="+mn-lt"/>
+                <a:ea typeface="+mn-ea"/>
+                <a:cs typeface="+mn-cs"/>
+              </a:defRPr>
+            </a:lvl6pPr>
+            <a:lvl7pPr marL="2971800" indent="-228600" algn="l" defTabSz="914400" rtl="0" eaLnBrk="1" latinLnBrk="0" hangingPunct="1">
+              <a:lnSpc>
+                <a:spcPct val="90000"/>
+              </a:lnSpc>
+              <a:spcBef>
+                <a:spcPts val="500"/>
+              </a:spcBef>
+              <a:buFont typeface="Arial" panose="020B0604020202020204" pitchFamily="34" charset="0"/>
+              <a:buChar char="•"/>
+              <a:defRPr sz="1800" kern="1200">
+                <a:solidFill>
+                  <a:schemeClr val="tx1"/>
+                </a:solidFill>
+                <a:latin typeface="+mn-lt"/>
+                <a:ea typeface="+mn-ea"/>
+                <a:cs typeface="+mn-cs"/>
+              </a:defRPr>
+            </a:lvl7pPr>
+            <a:lvl8pPr marL="3429000" indent="-228600" algn="l" defTabSz="914400" rtl="0" eaLnBrk="1" latinLnBrk="0" hangingPunct="1">
+              <a:lnSpc>
+                <a:spcPct val="90000"/>
+              </a:lnSpc>
+              <a:spcBef>
+                <a:spcPts val="500"/>
+              </a:spcBef>
+              <a:buFont typeface="Arial" panose="020B0604020202020204" pitchFamily="34" charset="0"/>
+              <a:buChar char="•"/>
+              <a:defRPr sz="1800" kern="1200">
+                <a:solidFill>
+                  <a:schemeClr val="tx1"/>
+                </a:solidFill>
+                <a:latin typeface="+mn-lt"/>
+                <a:ea typeface="+mn-ea"/>
+                <a:cs typeface="+mn-cs"/>
+              </a:defRPr>
+            </a:lvl8pPr>
+            <a:lvl9pPr marL="3886200" indent="-228600" algn="l" defTabSz="914400" rtl="0" eaLnBrk="1" latinLnBrk="0" hangingPunct="1">
+              <a:lnSpc>
+                <a:spcPct val="90000"/>
+              </a:lnSpc>
+              <a:spcBef>
+                <a:spcPts val="500"/>
+              </a:spcBef>
+              <a:buFont typeface="Arial" panose="020B0604020202020204" pitchFamily="34" charset="0"/>
+              <a:buChar char="•"/>
+              <a:defRPr sz="1800" kern="1200">
+                <a:solidFill>
+                  <a:schemeClr val="tx1"/>
+                </a:solidFill>
+                <a:latin typeface="+mn-lt"/>
+                <a:ea typeface="+mn-ea"/>
+                <a:cs typeface="+mn-cs"/>
+              </a:defRPr>
+            </a:lvl9pPr>
+          </a:lstStyle>
+          <a:p>
+            <a:r>
+              <a:rPr lang="zh-TW" altLang="en-US"/>
+              <a:t>範例如下：</a:t>
+            </a:r>
+          </a:p>
+        </p:txBody>
+      </p:sp>
+      <p:grpSp>
+        <p:nvGrpSpPr>
+          <p:cNvPr id="10" name="群組 9">
+            <a:extLst>
+              <a:ext uri="{FF2B5EF4-FFF2-40B4-BE49-F238E27FC236}">
+                <a16:creationId xmlns:a16="http://schemas.microsoft.com/office/drawing/2014/main" id="{9BFF430B-E287-46C5-A0E8-55D339DBED08}"/>
+              </a:ext>
+            </a:extLst>
+          </p:cNvPr>
+          <p:cNvGrpSpPr/>
+          <p:nvPr/>
+        </p:nvGrpSpPr>
+        <p:grpSpPr>
+          <a:xfrm>
+            <a:off x="761999" y="5301343"/>
+            <a:ext cx="10667999" cy="830997"/>
+            <a:chOff x="7532015" y="3822156"/>
+            <a:chExt cx="10667999" cy="830997"/>
+          </a:xfrm>
+        </p:grpSpPr>
+        <p:sp>
+          <p:nvSpPr>
+            <p:cNvPr id="11" name="Rectangle 1">
+              <a:extLst>
+                <a:ext uri="{FF2B5EF4-FFF2-40B4-BE49-F238E27FC236}">
+                  <a16:creationId xmlns:a16="http://schemas.microsoft.com/office/drawing/2014/main" id="{A059D418-28C9-4F40-BAC5-42233703C053}"/>
+                </a:ext>
+              </a:extLst>
+            </p:cNvPr>
+            <p:cNvSpPr>
+              <a:spLocks noChangeArrowheads="1"/>
+            </p:cNvSpPr>
+            <p:nvPr/>
+          </p:nvSpPr>
+          <p:spPr bwMode="auto">
+            <a:xfrm>
+              <a:off x="7532015" y="3822156"/>
+              <a:ext cx="10667999" cy="830997"/>
+            </a:xfrm>
+            <a:prstGeom prst="rect">
+              <a:avLst/>
+            </a:prstGeom>
+            <a:solidFill>
+              <a:srgbClr val="1E1F22"/>
+            </a:solidFill>
+            <a:ln>
+              <a:noFill/>
+            </a:ln>
+            <a:effectLst/>
+            <a:extLst>
+              <a:ext uri="{91240B29-F687-4F45-9708-019B960494DF}">
+                <a14:hiddenLine xmlns:a14="http://schemas.microsoft.com/office/drawing/2010/main" w="9525">
+                  <a:solidFill>
+                    <a:schemeClr val="tx1"/>
+                  </a:solidFill>
+                  <a:miter lim="800000"/>
+                  <a:headEnd/>
+                  <a:tailEnd/>
+                </a14:hiddenLine>
+              </a:ext>
+              <a:ext uri="{AF507438-7753-43E0-B8FC-AC1667EBCBE1}">
+                <a14:hiddenEffects xmlns:a14="http://schemas.microsoft.com/office/drawing/2010/main">
+                  <a:effectLst>
+                    <a:outerShdw dist="35921" dir="2700000" algn="ctr" rotWithShape="0">
+                      <a:schemeClr val="bg2"/>
+                    </a:outerShdw>
+                  </a:effectLst>
+                </a14:hiddenEffects>
+              </a:ext>
+            </a:extLst>
+          </p:spPr>
+          <p:txBody>
+            <a:bodyPr vert="horz" wrap="square" lIns="91440" tIns="45720" rIns="91440" bIns="45720" numCol="1" anchor="ctr" anchorCtr="0" compatLnSpc="1">
+              <a:prstTxWarp prst="textNoShape">
+                <a:avLst/>
+              </a:prstTxWarp>
+              <a:spAutoFit/>
+            </a:bodyPr>
+            <a:lstStyle/>
+            <a:p>
+              <a:r>
+                <a:rPr lang="en-US" altLang="zh-TW" sz="2400">
+                  <a:solidFill>
+                    <a:srgbClr val="BCBEC4"/>
+                  </a:solidFill>
+                  <a:latin typeface="+mj-lt"/>
+                  <a:cs typeface="JetBrains Mono" panose="02000009000000000000" pitchFamily="49" charset="0"/>
+                </a:rPr>
+                <a:t>True</a:t>
+              </a:r>
+            </a:p>
+            <a:p>
+              <a:r>
+                <a:rPr lang="en-US" altLang="zh-TW" sz="2400">
+                  <a:solidFill>
+                    <a:srgbClr val="BCBEC4"/>
+                  </a:solidFill>
+                  <a:latin typeface="+mj-lt"/>
+                  <a:cs typeface="JetBrains Mono" panose="02000009000000000000" pitchFamily="49" charset="0"/>
+                </a:rPr>
+                <a:t>True</a:t>
+              </a:r>
+              <a:endParaRPr lang="zh-TW" altLang="en-US" sz="2400">
+                <a:solidFill>
+                  <a:srgbClr val="BCBEC4"/>
+                </a:solidFill>
+                <a:latin typeface="+mj-lt"/>
+                <a:cs typeface="JetBrains Mono" panose="02000009000000000000" pitchFamily="49" charset="0"/>
+              </a:endParaRPr>
+            </a:p>
+          </p:txBody>
+        </p:sp>
+        <p:sp>
+          <p:nvSpPr>
+            <p:cNvPr id="12" name="文字方塊 11">
+              <a:extLst>
+                <a:ext uri="{FF2B5EF4-FFF2-40B4-BE49-F238E27FC236}">
+                  <a16:creationId xmlns:a16="http://schemas.microsoft.com/office/drawing/2014/main" id="{00612323-2070-478C-B607-2EDD6ADF3810}"/>
+                </a:ext>
+              </a:extLst>
+            </p:cNvPr>
+            <p:cNvSpPr txBox="1"/>
+            <p:nvPr/>
+          </p:nvSpPr>
+          <p:spPr>
+            <a:xfrm>
+              <a:off x="17342087" y="4314599"/>
+              <a:ext cx="857927" cy="338554"/>
+            </a:xfrm>
+            <a:prstGeom prst="rect">
+              <a:avLst/>
+            </a:prstGeom>
+            <a:noFill/>
+          </p:spPr>
+          <p:txBody>
+            <a:bodyPr wrap="none" rtlCol="0">
+              <a:spAutoFit/>
+            </a:bodyPr>
+            <a:lstStyle/>
+            <a:p>
+              <a:r>
+                <a:rPr lang="en-US" altLang="zh-TW" sz="1600">
+                  <a:solidFill>
+                    <a:schemeClr val="accent3"/>
+                  </a:solidFill>
+                </a:rPr>
+                <a:t>output</a:t>
+              </a:r>
+              <a:endParaRPr lang="zh-TW" altLang="en-US" sz="1600">
+                <a:solidFill>
+                  <a:schemeClr val="accent3"/>
+                </a:solidFill>
+              </a:endParaRPr>
+            </a:p>
+          </p:txBody>
+        </p:sp>
+      </p:grpSp>
+      <p:grpSp>
+        <p:nvGrpSpPr>
+          <p:cNvPr id="16" name="群組 15">
+            <a:extLst>
+              <a:ext uri="{FF2B5EF4-FFF2-40B4-BE49-F238E27FC236}">
+                <a16:creationId xmlns:a16="http://schemas.microsoft.com/office/drawing/2014/main" id="{98B672DF-8EFB-4DB4-8503-FD96DFCF79A4}"/>
+              </a:ext>
+            </a:extLst>
+          </p:cNvPr>
+          <p:cNvGrpSpPr/>
+          <p:nvPr/>
+        </p:nvGrpSpPr>
+        <p:grpSpPr>
+          <a:xfrm>
+            <a:off x="762000" y="3582419"/>
+            <a:ext cx="10668000" cy="1569660"/>
+            <a:chOff x="762000" y="3516075"/>
+            <a:chExt cx="10668000" cy="1569660"/>
+          </a:xfrm>
+        </p:grpSpPr>
+        <p:sp>
+          <p:nvSpPr>
+            <p:cNvPr id="8" name="Rectangle 3">
+              <a:extLst>
+                <a:ext uri="{FF2B5EF4-FFF2-40B4-BE49-F238E27FC236}">
+                  <a16:creationId xmlns:a16="http://schemas.microsoft.com/office/drawing/2014/main" id="{D26F778D-45FA-420A-8F59-765C59F85820}"/>
+                </a:ext>
+              </a:extLst>
+            </p:cNvPr>
+            <p:cNvSpPr>
+              <a:spLocks noChangeArrowheads="1"/>
+            </p:cNvSpPr>
+            <p:nvPr/>
+          </p:nvSpPr>
+          <p:spPr bwMode="auto">
+            <a:xfrm>
+              <a:off x="762000" y="3516075"/>
+              <a:ext cx="10668000" cy="1569660"/>
+            </a:xfrm>
+            <a:prstGeom prst="rect">
+              <a:avLst/>
+            </a:prstGeom>
+            <a:solidFill>
+              <a:srgbClr val="1E1F22"/>
+            </a:solidFill>
+            <a:ln>
+              <a:noFill/>
+            </a:ln>
+            <a:effectLst/>
+            <a:extLst>
+              <a:ext uri="{91240B29-F687-4F45-9708-019B960494DF}">
+                <a14:hiddenLine xmlns:a14="http://schemas.microsoft.com/office/drawing/2010/main" w="9525">
+                  <a:solidFill>
+                    <a:schemeClr val="tx1"/>
+                  </a:solidFill>
+                  <a:miter lim="800000"/>
+                  <a:headEnd/>
+                  <a:tailEnd/>
+                </a14:hiddenLine>
+              </a:ext>
+              <a:ext uri="{AF507438-7753-43E0-B8FC-AC1667EBCBE1}">
+                <a14:hiddenEffects xmlns:a14="http://schemas.microsoft.com/office/drawing/2010/main">
+                  <a:effectLst>
+                    <a:outerShdw dist="35921" dir="2700000" algn="ctr" rotWithShape="0">
+                      <a:schemeClr val="bg2"/>
+                    </a:outerShdw>
+                  </a:effectLst>
+                </a14:hiddenEffects>
+              </a:ext>
+            </a:extLst>
+          </p:spPr>
+          <p:txBody>
+            <a:bodyPr vert="horz" wrap="square" lIns="91440" tIns="45720" rIns="91440" bIns="45720" numCol="1" anchor="ctr" anchorCtr="0" compatLnSpc="1">
+              <a:prstTxWarp prst="textNoShape">
+                <a:avLst/>
+              </a:prstTxWarp>
+              <a:spAutoFit/>
+            </a:bodyPr>
+            <a:lstStyle/>
+            <a:p>
+              <a:pPr marL="0" marR="0" lvl="0" indent="0" algn="l" defTabSz="914400" rtl="0" eaLnBrk="0" fontAlgn="base" latinLnBrk="0" hangingPunct="0">
+                <a:lnSpc>
+                  <a:spcPct val="100000"/>
+                </a:lnSpc>
+                <a:spcBef>
+                  <a:spcPct val="0"/>
+                </a:spcBef>
+                <a:spcAft>
+                  <a:spcPct val="0"/>
+                </a:spcAft>
+                <a:buClrTx/>
+                <a:buSzTx/>
+                <a:buFontTx/>
+                <a:buNone/>
+                <a:tabLst/>
+              </a:pPr>
+              <a:r>
+                <a:rPr kumimoji="0" lang="zh-TW" altLang="zh-TW" sz="2400" b="0" i="0" u="none" strike="noStrike" cap="none" normalizeH="0" baseline="0">
+                  <a:ln>
+                    <a:noFill/>
+                  </a:ln>
+                  <a:solidFill>
+                    <a:srgbClr val="CF8E6D"/>
+                  </a:solidFill>
+                  <a:effectLst/>
+                  <a:latin typeface="+mj-lt"/>
+                  <a:cs typeface="JetBrains Mono" panose="02000009000000000000" pitchFamily="49" charset="0"/>
+                </a:rPr>
+                <a:t>final int </a:t>
+              </a:r>
+              <a:r>
+                <a:rPr kumimoji="0" lang="zh-TW" altLang="zh-TW" sz="2400" b="0" i="0" u="none" strike="noStrike" cap="none" normalizeH="0" baseline="0">
+                  <a:ln>
+                    <a:noFill/>
+                  </a:ln>
+                  <a:solidFill>
+                    <a:srgbClr val="BCBEC4"/>
+                  </a:solidFill>
+                  <a:effectLst/>
+                  <a:latin typeface="+mj-lt"/>
+                  <a:cs typeface="JetBrains Mono" panose="02000009000000000000" pitchFamily="49" charset="0"/>
+                </a:rPr>
+                <a:t>INT_MAX = </a:t>
+              </a:r>
+              <a:r>
+                <a:rPr kumimoji="0" lang="zh-TW" altLang="zh-TW" sz="2400" b="0" i="0" u="none" strike="noStrike" cap="none" normalizeH="0" baseline="0">
+                  <a:ln>
+                    <a:noFill/>
+                  </a:ln>
+                  <a:solidFill>
+                    <a:srgbClr val="2AACB8"/>
+                  </a:solidFill>
+                  <a:effectLst/>
+                  <a:latin typeface="+mj-lt"/>
+                  <a:cs typeface="JetBrains Mono" panose="02000009000000000000" pitchFamily="49" charset="0"/>
+                </a:rPr>
+                <a:t>2147483647</a:t>
+              </a:r>
+              <a:r>
+                <a:rPr kumimoji="0" lang="zh-TW" altLang="zh-TW" sz="2400" b="0" i="0" u="none" strike="noStrike" cap="none" normalizeH="0" baseline="0">
+                  <a:ln>
+                    <a:noFill/>
+                  </a:ln>
+                  <a:solidFill>
+                    <a:srgbClr val="BCBEC4"/>
+                  </a:solidFill>
+                  <a:effectLst/>
+                  <a:latin typeface="+mj-lt"/>
+                  <a:cs typeface="JetBrains Mono" panose="02000009000000000000" pitchFamily="49" charset="0"/>
+                </a:rPr>
+                <a:t>;</a:t>
+              </a:r>
+              <a:br>
+                <a:rPr kumimoji="0" lang="zh-TW" altLang="zh-TW" sz="2400" b="0" i="0" u="none" strike="noStrike" cap="none" normalizeH="0" baseline="0">
+                  <a:ln>
+                    <a:noFill/>
+                  </a:ln>
+                  <a:solidFill>
+                    <a:srgbClr val="BCBEC4"/>
+                  </a:solidFill>
+                  <a:effectLst/>
+                  <a:latin typeface="+mj-lt"/>
+                  <a:cs typeface="JetBrains Mono" panose="02000009000000000000" pitchFamily="49" charset="0"/>
+                </a:rPr>
+              </a:br>
+              <a:r>
+                <a:rPr kumimoji="0" lang="zh-TW" altLang="zh-TW" sz="2400" b="0" i="0" u="none" strike="noStrike" cap="none" normalizeH="0" baseline="0">
+                  <a:ln>
+                    <a:noFill/>
+                  </a:ln>
+                  <a:solidFill>
+                    <a:srgbClr val="CF8E6D"/>
+                  </a:solidFill>
+                  <a:effectLst/>
+                  <a:latin typeface="+mj-lt"/>
+                  <a:cs typeface="JetBrains Mono" panose="02000009000000000000" pitchFamily="49" charset="0"/>
+                </a:rPr>
+                <a:t>final int </a:t>
+              </a:r>
+              <a:r>
+                <a:rPr kumimoji="0" lang="zh-TW" altLang="zh-TW" sz="2400" b="0" i="0" u="none" strike="noStrike" cap="none" normalizeH="0" baseline="0">
+                  <a:ln>
+                    <a:noFill/>
+                  </a:ln>
+                  <a:solidFill>
+                    <a:srgbClr val="BCBEC4"/>
+                  </a:solidFill>
+                  <a:effectLst/>
+                  <a:latin typeface="+mj-lt"/>
+                  <a:cs typeface="JetBrains Mono" panose="02000009000000000000" pitchFamily="49" charset="0"/>
+                </a:rPr>
+                <a:t>INT_MIN = -</a:t>
+              </a:r>
+              <a:r>
+                <a:rPr kumimoji="0" lang="zh-TW" altLang="zh-TW" sz="2400" b="0" i="0" u="none" strike="noStrike" cap="none" normalizeH="0" baseline="0">
+                  <a:ln>
+                    <a:noFill/>
+                  </a:ln>
+                  <a:solidFill>
+                    <a:srgbClr val="2AACB8"/>
+                  </a:solidFill>
+                  <a:effectLst/>
+                  <a:latin typeface="+mj-lt"/>
+                  <a:cs typeface="JetBrains Mono" panose="02000009000000000000" pitchFamily="49" charset="0"/>
+                </a:rPr>
+                <a:t>2147483648</a:t>
+              </a:r>
+              <a:r>
+                <a:rPr kumimoji="0" lang="zh-TW" altLang="zh-TW" sz="2400" b="0" i="0" u="none" strike="noStrike" cap="none" normalizeH="0" baseline="0">
+                  <a:ln>
+                    <a:noFill/>
+                  </a:ln>
+                  <a:solidFill>
+                    <a:srgbClr val="BCBEC4"/>
+                  </a:solidFill>
+                  <a:effectLst/>
+                  <a:latin typeface="+mj-lt"/>
+                  <a:cs typeface="JetBrains Mono" panose="02000009000000000000" pitchFamily="49" charset="0"/>
+                </a:rPr>
+                <a:t>;</a:t>
+              </a:r>
+              <a:br>
+                <a:rPr kumimoji="0" lang="zh-TW" altLang="zh-TW" sz="2400" b="0" i="0" u="none" strike="noStrike" cap="none" normalizeH="0" baseline="0">
+                  <a:ln>
+                    <a:noFill/>
+                  </a:ln>
+                  <a:solidFill>
+                    <a:srgbClr val="BCBEC4"/>
+                  </a:solidFill>
+                  <a:effectLst/>
+                  <a:latin typeface="+mj-lt"/>
+                  <a:cs typeface="JetBrains Mono" panose="02000009000000000000" pitchFamily="49" charset="0"/>
+                </a:rPr>
+              </a:br>
+              <a:r>
+                <a:rPr kumimoji="0" lang="zh-TW" altLang="zh-TW" sz="2400" b="0" i="0" u="none" strike="noStrike" cap="none" normalizeH="0" baseline="0">
+                  <a:ln>
+                    <a:noFill/>
+                  </a:ln>
+                  <a:solidFill>
+                    <a:srgbClr val="BCBEC4"/>
+                  </a:solidFill>
+                  <a:effectLst/>
+                  <a:latin typeface="+mj-lt"/>
+                  <a:cs typeface="JetBrains Mono" panose="02000009000000000000" pitchFamily="49" charset="0"/>
+                </a:rPr>
+                <a:t>System.</a:t>
+              </a:r>
+              <a:r>
+                <a:rPr kumimoji="0" lang="zh-TW" altLang="zh-TW" sz="2400" b="0" i="1" u="none" strike="noStrike" cap="none" normalizeH="0" baseline="0">
+                  <a:ln>
+                    <a:noFill/>
+                  </a:ln>
+                  <a:solidFill>
+                    <a:srgbClr val="C77DBB"/>
+                  </a:solidFill>
+                  <a:effectLst/>
+                  <a:latin typeface="+mj-lt"/>
+                  <a:cs typeface="JetBrains Mono" panose="02000009000000000000" pitchFamily="49" charset="0"/>
+                </a:rPr>
+                <a:t>out</a:t>
+              </a:r>
+              <a:r>
+                <a:rPr kumimoji="0" lang="zh-TW" altLang="zh-TW" sz="2400" b="0" i="0" u="none" strike="noStrike" cap="none" normalizeH="0" baseline="0">
+                  <a:ln>
+                    <a:noFill/>
+                  </a:ln>
+                  <a:solidFill>
+                    <a:srgbClr val="BCBEC4"/>
+                  </a:solidFill>
+                  <a:effectLst/>
+                  <a:latin typeface="+mj-lt"/>
+                  <a:cs typeface="JetBrains Mono" panose="02000009000000000000" pitchFamily="49" charset="0"/>
+                </a:rPr>
+                <a:t>.println(INT_MAX + </a:t>
+              </a:r>
+              <a:r>
+                <a:rPr kumimoji="0" lang="zh-TW" altLang="zh-TW" sz="2400" b="0" i="0" u="none" strike="noStrike" cap="none" normalizeH="0" baseline="0">
+                  <a:ln>
+                    <a:noFill/>
+                  </a:ln>
+                  <a:solidFill>
+                    <a:srgbClr val="2AACB8"/>
+                  </a:solidFill>
+                  <a:effectLst/>
+                  <a:latin typeface="+mj-lt"/>
+                  <a:cs typeface="JetBrains Mono" panose="02000009000000000000" pitchFamily="49" charset="0"/>
+                </a:rPr>
+                <a:t>1 </a:t>
+              </a:r>
+              <a:r>
+                <a:rPr kumimoji="0" lang="zh-TW" altLang="zh-TW" sz="2400" b="0" i="0" u="none" strike="noStrike" cap="none" normalizeH="0" baseline="0">
+                  <a:ln>
+                    <a:noFill/>
+                  </a:ln>
+                  <a:solidFill>
+                    <a:srgbClr val="BCBEC4"/>
+                  </a:solidFill>
+                  <a:effectLst/>
+                  <a:latin typeface="+mj-lt"/>
+                  <a:cs typeface="JetBrains Mono" panose="02000009000000000000" pitchFamily="49" charset="0"/>
+                </a:rPr>
+                <a:t>== INT_MIN ? </a:t>
+              </a:r>
+              <a:r>
+                <a:rPr kumimoji="0" lang="zh-TW" altLang="zh-TW" sz="2400" b="0" i="0" u="none" strike="noStrike" cap="none" normalizeH="0" baseline="0">
+                  <a:ln>
+                    <a:noFill/>
+                  </a:ln>
+                  <a:solidFill>
+                    <a:srgbClr val="6AAB73"/>
+                  </a:solidFill>
+                  <a:effectLst/>
+                  <a:latin typeface="+mj-lt"/>
+                  <a:cs typeface="JetBrains Mono" panose="02000009000000000000" pitchFamily="49" charset="0"/>
+                </a:rPr>
+                <a:t>"True" </a:t>
+              </a:r>
+              <a:r>
+                <a:rPr kumimoji="0" lang="zh-TW" altLang="zh-TW" sz="2400" b="0" i="0" u="none" strike="noStrike" cap="none" normalizeH="0" baseline="0">
+                  <a:ln>
+                    <a:noFill/>
+                  </a:ln>
+                  <a:solidFill>
+                    <a:srgbClr val="BCBEC4"/>
+                  </a:solidFill>
+                  <a:effectLst/>
+                  <a:latin typeface="+mj-lt"/>
+                  <a:cs typeface="JetBrains Mono" panose="02000009000000000000" pitchFamily="49" charset="0"/>
+                </a:rPr>
+                <a:t>: </a:t>
+              </a:r>
+              <a:r>
+                <a:rPr kumimoji="0" lang="zh-TW" altLang="zh-TW" sz="2400" b="0" i="0" u="none" strike="noStrike" cap="none" normalizeH="0" baseline="0">
+                  <a:ln>
+                    <a:noFill/>
+                  </a:ln>
+                  <a:solidFill>
+                    <a:srgbClr val="6AAB73"/>
+                  </a:solidFill>
+                  <a:effectLst/>
+                  <a:latin typeface="+mj-lt"/>
+                  <a:cs typeface="JetBrains Mono" panose="02000009000000000000" pitchFamily="49" charset="0"/>
+                </a:rPr>
+                <a:t>"False"</a:t>
+              </a:r>
+              <a:r>
+                <a:rPr kumimoji="0" lang="zh-TW" altLang="zh-TW" sz="2400" b="0" i="0" u="none" strike="noStrike" cap="none" normalizeH="0" baseline="0">
+                  <a:ln>
+                    <a:noFill/>
+                  </a:ln>
+                  <a:solidFill>
+                    <a:srgbClr val="BCBEC4"/>
+                  </a:solidFill>
+                  <a:effectLst/>
+                  <a:latin typeface="+mj-lt"/>
+                  <a:cs typeface="JetBrains Mono" panose="02000009000000000000" pitchFamily="49" charset="0"/>
+                </a:rPr>
+                <a:t>);</a:t>
+              </a:r>
+              <a:endParaRPr kumimoji="0" lang="en-US" altLang="zh-TW" sz="2400" b="0" i="0" u="none" strike="noStrike" cap="none" normalizeH="0" baseline="0">
+                <a:ln>
+                  <a:noFill/>
+                </a:ln>
+                <a:solidFill>
+                  <a:srgbClr val="BCBEC4"/>
+                </a:solidFill>
+                <a:effectLst/>
+                <a:latin typeface="+mj-lt"/>
+                <a:cs typeface="JetBrains Mono" panose="02000009000000000000" pitchFamily="49" charset="0"/>
+              </a:endParaRPr>
+            </a:p>
+            <a:p>
+              <a:pPr eaLnBrk="0" fontAlgn="base" hangingPunct="0">
+                <a:spcBef>
+                  <a:spcPct val="0"/>
+                </a:spcBef>
+                <a:spcAft>
+                  <a:spcPct val="0"/>
+                </a:spcAft>
+              </a:pPr>
+              <a:r>
+                <a:rPr kumimoji="0" lang="zh-TW" altLang="zh-TW" sz="2400" b="0" i="0" u="none" strike="noStrike" cap="none" normalizeH="0" baseline="0">
+                  <a:ln>
+                    <a:noFill/>
+                  </a:ln>
+                  <a:solidFill>
+                    <a:srgbClr val="BCBEC4"/>
+                  </a:solidFill>
+                  <a:effectLst/>
+                  <a:latin typeface="+mj-lt"/>
+                  <a:cs typeface="JetBrains Mono" panose="02000009000000000000" pitchFamily="49" charset="0"/>
+                </a:rPr>
+                <a:t>System.</a:t>
+              </a:r>
+              <a:r>
+                <a:rPr kumimoji="0" lang="zh-TW" altLang="zh-TW" sz="2400" b="0" i="1" u="none" strike="noStrike" cap="none" normalizeH="0" baseline="0">
+                  <a:ln>
+                    <a:noFill/>
+                  </a:ln>
+                  <a:solidFill>
+                    <a:srgbClr val="C77DBB"/>
+                  </a:solidFill>
+                  <a:effectLst/>
+                  <a:latin typeface="+mj-lt"/>
+                  <a:cs typeface="JetBrains Mono" panose="02000009000000000000" pitchFamily="49" charset="0"/>
+                </a:rPr>
+                <a:t>out</a:t>
+              </a:r>
+              <a:r>
+                <a:rPr kumimoji="0" lang="zh-TW" altLang="zh-TW" sz="2400" b="0" i="0" u="none" strike="noStrike" cap="none" normalizeH="0" baseline="0">
+                  <a:ln>
+                    <a:noFill/>
+                  </a:ln>
+                  <a:solidFill>
+                    <a:srgbClr val="BCBEC4"/>
+                  </a:solidFill>
+                  <a:effectLst/>
+                  <a:latin typeface="+mj-lt"/>
+                  <a:cs typeface="JetBrains Mono" panose="02000009000000000000" pitchFamily="49" charset="0"/>
+                </a:rPr>
+                <a:t>.println(INT_MAX == INT_MIN - </a:t>
+              </a:r>
+              <a:r>
+                <a:rPr kumimoji="0" lang="zh-TW" altLang="zh-TW" sz="2400" b="0" i="0" u="none" strike="noStrike" cap="none" normalizeH="0" baseline="0">
+                  <a:ln>
+                    <a:noFill/>
+                  </a:ln>
+                  <a:solidFill>
+                    <a:srgbClr val="2AACB8"/>
+                  </a:solidFill>
+                  <a:effectLst/>
+                  <a:latin typeface="+mj-lt"/>
+                  <a:cs typeface="JetBrains Mono" panose="02000009000000000000" pitchFamily="49" charset="0"/>
+                </a:rPr>
+                <a:t>1 </a:t>
+              </a:r>
+              <a:r>
+                <a:rPr kumimoji="0" lang="zh-TW" altLang="zh-TW" sz="2400" b="0" i="0" u="none" strike="noStrike" cap="none" normalizeH="0" baseline="0">
+                  <a:ln>
+                    <a:noFill/>
+                  </a:ln>
+                  <a:solidFill>
+                    <a:srgbClr val="BCBEC4"/>
+                  </a:solidFill>
+                  <a:effectLst/>
+                  <a:latin typeface="+mj-lt"/>
+                  <a:cs typeface="JetBrains Mono" panose="02000009000000000000" pitchFamily="49" charset="0"/>
+                </a:rPr>
+                <a:t>? </a:t>
+              </a:r>
+              <a:r>
+                <a:rPr kumimoji="0" lang="zh-TW" altLang="zh-TW" sz="2400" b="0" i="0" u="none" strike="noStrike" cap="none" normalizeH="0" baseline="0">
+                  <a:ln>
+                    <a:noFill/>
+                  </a:ln>
+                  <a:solidFill>
+                    <a:srgbClr val="6AAB73"/>
+                  </a:solidFill>
+                  <a:effectLst/>
+                  <a:latin typeface="+mj-lt"/>
+                  <a:cs typeface="JetBrains Mono" panose="02000009000000000000" pitchFamily="49" charset="0"/>
+                </a:rPr>
+                <a:t>"True" </a:t>
+              </a:r>
+              <a:r>
+                <a:rPr kumimoji="0" lang="zh-TW" altLang="zh-TW" sz="2400" b="0" i="0" u="none" strike="noStrike" cap="none" normalizeH="0" baseline="0">
+                  <a:ln>
+                    <a:noFill/>
+                  </a:ln>
+                  <a:solidFill>
+                    <a:srgbClr val="BCBEC4"/>
+                  </a:solidFill>
+                  <a:effectLst/>
+                  <a:latin typeface="+mj-lt"/>
+                  <a:cs typeface="JetBrains Mono" panose="02000009000000000000" pitchFamily="49" charset="0"/>
+                </a:rPr>
+                <a:t>: </a:t>
+              </a:r>
+              <a:r>
+                <a:rPr kumimoji="0" lang="zh-TW" altLang="zh-TW" sz="2400" b="0" i="0" u="none" strike="noStrike" cap="none" normalizeH="0" baseline="0">
+                  <a:ln>
+                    <a:noFill/>
+                  </a:ln>
+                  <a:solidFill>
+                    <a:srgbClr val="6AAB73"/>
+                  </a:solidFill>
+                  <a:effectLst/>
+                  <a:latin typeface="+mj-lt"/>
+                  <a:cs typeface="JetBrains Mono" panose="02000009000000000000" pitchFamily="49" charset="0"/>
+                </a:rPr>
+                <a:t>"False"</a:t>
+              </a:r>
+              <a:r>
+                <a:rPr kumimoji="0" lang="zh-TW" altLang="zh-TW" sz="2400" b="0" i="0" u="none" strike="noStrike" cap="none" normalizeH="0" baseline="0">
+                  <a:ln>
+                    <a:noFill/>
+                  </a:ln>
+                  <a:solidFill>
+                    <a:srgbClr val="BCBEC4"/>
+                  </a:solidFill>
+                  <a:effectLst/>
+                  <a:latin typeface="+mj-lt"/>
+                  <a:cs typeface="JetBrains Mono" panose="02000009000000000000" pitchFamily="49" charset="0"/>
+                </a:rPr>
+                <a:t>);</a:t>
+              </a:r>
+              <a:endParaRPr kumimoji="0" lang="zh-TW" altLang="zh-TW" sz="2400" b="0" i="0" u="none" strike="noStrike" cap="none" normalizeH="0" baseline="0">
+                <a:ln>
+                  <a:noFill/>
+                </a:ln>
+                <a:solidFill>
+                  <a:schemeClr val="tx1"/>
+                </a:solidFill>
+                <a:effectLst/>
+                <a:latin typeface="+mj-lt"/>
+              </a:endParaRPr>
+            </a:p>
+          </p:txBody>
+        </p:sp>
+        <p:sp>
+          <p:nvSpPr>
+            <p:cNvPr id="13" name="文字方塊 12">
+              <a:extLst>
+                <a:ext uri="{FF2B5EF4-FFF2-40B4-BE49-F238E27FC236}">
+                  <a16:creationId xmlns:a16="http://schemas.microsoft.com/office/drawing/2014/main" id="{D2FC59C8-1884-4B4B-9417-6FCCA556006A}"/>
+                </a:ext>
+              </a:extLst>
+            </p:cNvPr>
+            <p:cNvSpPr txBox="1"/>
+            <p:nvPr/>
+          </p:nvSpPr>
+          <p:spPr>
+            <a:xfrm>
+              <a:off x="10796493" y="3532461"/>
+              <a:ext cx="633507" cy="338554"/>
+            </a:xfrm>
+            <a:prstGeom prst="rect">
+              <a:avLst/>
+            </a:prstGeom>
+            <a:noFill/>
+          </p:spPr>
+          <p:txBody>
+            <a:bodyPr wrap="none" rtlCol="0">
+              <a:spAutoFit/>
+            </a:bodyPr>
+            <a:lstStyle/>
+            <a:p>
+              <a:r>
+                <a:rPr lang="en-US" altLang="zh-TW" sz="1600">
+                  <a:solidFill>
+                    <a:schemeClr val="accent3"/>
+                  </a:solidFill>
+                  <a:latin typeface="+mj-lt"/>
+                </a:rPr>
+                <a:t>java</a:t>
+              </a:r>
+              <a:endParaRPr lang="zh-TW" altLang="en-US" sz="1600">
+                <a:solidFill>
+                  <a:schemeClr val="accent3"/>
+                </a:solidFill>
+                <a:latin typeface="+mj-lt"/>
+              </a:endParaRPr>
+            </a:p>
+          </p:txBody>
+        </p:sp>
+      </p:grpSp>
+      <p:grpSp>
+        <p:nvGrpSpPr>
+          <p:cNvPr id="15" name="群組 14">
+            <a:extLst>
+              <a:ext uri="{FF2B5EF4-FFF2-40B4-BE49-F238E27FC236}">
+                <a16:creationId xmlns:a16="http://schemas.microsoft.com/office/drawing/2014/main" id="{139D0DE0-74DA-4993-B759-992DF19E2F43}"/>
+              </a:ext>
+            </a:extLst>
+          </p:cNvPr>
+          <p:cNvGrpSpPr/>
+          <p:nvPr/>
+        </p:nvGrpSpPr>
+        <p:grpSpPr>
+          <a:xfrm>
+            <a:off x="762000" y="2331089"/>
+            <a:ext cx="10668000" cy="461665"/>
+            <a:chOff x="762000" y="2395583"/>
+            <a:chExt cx="10668000" cy="461665"/>
+          </a:xfrm>
+        </p:grpSpPr>
+        <p:sp>
+          <p:nvSpPr>
+            <p:cNvPr id="4" name="Rectangle 1">
+              <a:extLst>
+                <a:ext uri="{FF2B5EF4-FFF2-40B4-BE49-F238E27FC236}">
+                  <a16:creationId xmlns:a16="http://schemas.microsoft.com/office/drawing/2014/main" id="{DDC41B53-AFC7-4C92-ABE7-FC16085A381D}"/>
+                </a:ext>
+              </a:extLst>
+            </p:cNvPr>
+            <p:cNvSpPr>
+              <a:spLocks noChangeArrowheads="1"/>
+            </p:cNvSpPr>
+            <p:nvPr/>
+          </p:nvSpPr>
+          <p:spPr bwMode="auto">
+            <a:xfrm>
+              <a:off x="762000" y="2395583"/>
+              <a:ext cx="10668000" cy="461665"/>
+            </a:xfrm>
+            <a:prstGeom prst="rect">
+              <a:avLst/>
+            </a:prstGeom>
+            <a:solidFill>
+              <a:srgbClr val="1E1F22"/>
+            </a:solidFill>
+            <a:ln>
+              <a:noFill/>
+            </a:ln>
+            <a:effectLst/>
+            <a:extLst>
+              <a:ext uri="{91240B29-F687-4F45-9708-019B960494DF}">
+                <a14:hiddenLine xmlns:a14="http://schemas.microsoft.com/office/drawing/2010/main" w="9525">
+                  <a:solidFill>
+                    <a:schemeClr val="tx1"/>
+                  </a:solidFill>
+                  <a:miter lim="800000"/>
+                  <a:headEnd/>
+                  <a:tailEnd/>
+                </a14:hiddenLine>
+              </a:ext>
+              <a:ext uri="{AF507438-7753-43E0-B8FC-AC1667EBCBE1}">
+                <a14:hiddenEffects xmlns:a14="http://schemas.microsoft.com/office/drawing/2010/main">
+                  <a:effectLst>
+                    <a:outerShdw dist="35921" dir="2700000" algn="ctr" rotWithShape="0">
+                      <a:schemeClr val="bg2"/>
+                    </a:outerShdw>
+                  </a:effectLst>
+                </a14:hiddenEffects>
+              </a:ext>
+            </a:extLst>
+          </p:spPr>
+          <p:txBody>
+            <a:bodyPr vert="horz" wrap="square" lIns="91440" tIns="45720" rIns="91440" bIns="45720" numCol="1" anchor="ctr" anchorCtr="0" compatLnSpc="1">
+              <a:prstTxWarp prst="textNoShape">
+                <a:avLst/>
+              </a:prstTxWarp>
+              <a:spAutoFit/>
+            </a:bodyPr>
+            <a:lstStyle/>
+            <a:p>
+              <a:pPr marL="0" marR="0" lvl="0" indent="0" algn="l" defTabSz="914400" rtl="0" eaLnBrk="0" fontAlgn="base" latinLnBrk="0" hangingPunct="0">
+                <a:lnSpc>
+                  <a:spcPct val="100000"/>
+                </a:lnSpc>
+                <a:spcBef>
+                  <a:spcPct val="0"/>
+                </a:spcBef>
+                <a:spcAft>
+                  <a:spcPct val="0"/>
+                </a:spcAft>
+                <a:buClrTx/>
+                <a:buSzTx/>
+                <a:buFontTx/>
+                <a:buNone/>
+                <a:tabLst/>
+              </a:pPr>
+              <a:r>
+                <a:rPr lang="en-US" altLang="zh-TW" sz="2400">
+                  <a:solidFill>
+                    <a:srgbClr val="00B0F0"/>
+                  </a:solidFill>
+                  <a:latin typeface="+mj-lt"/>
+                  <a:cs typeface="JetBrains Mono" panose="02000009000000000000" pitchFamily="49" charset="0"/>
+                </a:rPr>
+                <a:t>boolean(</a:t>
+              </a:r>
+              <a:r>
+                <a:rPr lang="zh-TW" altLang="en-US" sz="2400">
+                  <a:solidFill>
+                    <a:srgbClr val="00B0F0"/>
+                  </a:solidFill>
+                  <a:latin typeface="+mj-lt"/>
+                  <a:cs typeface="JetBrains Mono" panose="02000009000000000000" pitchFamily="49" charset="0"/>
+                </a:rPr>
+                <a:t>條件</a:t>
+              </a:r>
+              <a:r>
+                <a:rPr lang="en-US" altLang="zh-TW" sz="2400">
+                  <a:solidFill>
+                    <a:srgbClr val="00B0F0"/>
+                  </a:solidFill>
+                  <a:latin typeface="+mj-lt"/>
+                  <a:cs typeface="JetBrains Mono" panose="02000009000000000000" pitchFamily="49" charset="0"/>
+                </a:rPr>
+                <a:t>)</a:t>
+              </a:r>
+              <a:r>
+                <a:rPr kumimoji="0" lang="zh-TW" altLang="zh-TW" sz="2400" b="0" i="0" u="none" strike="noStrike" cap="none" normalizeH="0" baseline="0">
+                  <a:ln>
+                    <a:noFill/>
+                  </a:ln>
+                  <a:solidFill>
+                    <a:srgbClr val="CF8E6D"/>
+                  </a:solidFill>
+                  <a:effectLst/>
+                  <a:latin typeface="+mj-lt"/>
+                  <a:cs typeface="JetBrains Mono" panose="02000009000000000000" pitchFamily="49" charset="0"/>
+                </a:rPr>
+                <a:t> </a:t>
+              </a:r>
+              <a:r>
+                <a:rPr kumimoji="0" lang="zh-TW" altLang="zh-TW" sz="2400" b="0" i="0" u="none" strike="noStrike" cap="none" normalizeH="0" baseline="0">
+                  <a:ln>
+                    <a:noFill/>
+                  </a:ln>
+                  <a:solidFill>
+                    <a:srgbClr val="BCBEC4"/>
+                  </a:solidFill>
+                  <a:effectLst/>
+                  <a:latin typeface="+mj-lt"/>
+                  <a:cs typeface="JetBrains Mono" panose="02000009000000000000" pitchFamily="49" charset="0"/>
+                </a:rPr>
+                <a:t>? </a:t>
+              </a:r>
+              <a:r>
+                <a:rPr kumimoji="0" lang="zh-TW" altLang="en-US" sz="2400" b="0" i="0" u="none" strike="noStrike" cap="none" normalizeH="0" baseline="0">
+                  <a:ln>
+                    <a:noFill/>
+                  </a:ln>
+                  <a:solidFill>
+                    <a:srgbClr val="92D050"/>
+                  </a:solidFill>
+                  <a:effectLst/>
+                  <a:latin typeface="+mj-lt"/>
+                  <a:cs typeface="JetBrains Mono" panose="02000009000000000000" pitchFamily="49" charset="0"/>
+                </a:rPr>
+                <a:t>條件為真時的返回值</a:t>
+              </a:r>
+              <a:r>
+                <a:rPr kumimoji="0" lang="zh-TW" altLang="zh-TW" sz="2400" b="0" i="0" u="none" strike="noStrike" cap="none" normalizeH="0" baseline="0">
+                  <a:ln>
+                    <a:noFill/>
+                  </a:ln>
+                  <a:solidFill>
+                    <a:srgbClr val="2AACB8"/>
+                  </a:solidFill>
+                  <a:effectLst/>
+                  <a:latin typeface="+mj-lt"/>
+                  <a:cs typeface="JetBrains Mono" panose="02000009000000000000" pitchFamily="49" charset="0"/>
+                </a:rPr>
+                <a:t> </a:t>
+              </a:r>
+              <a:r>
+                <a:rPr kumimoji="0" lang="zh-TW" altLang="zh-TW" sz="2400" b="0" i="0" u="none" strike="noStrike" cap="none" normalizeH="0" baseline="0">
+                  <a:ln>
+                    <a:noFill/>
+                  </a:ln>
+                  <a:solidFill>
+                    <a:srgbClr val="BCBEC4"/>
+                  </a:solidFill>
+                  <a:effectLst/>
+                  <a:latin typeface="+mj-lt"/>
+                  <a:cs typeface="JetBrains Mono" panose="02000009000000000000" pitchFamily="49" charset="0"/>
+                </a:rPr>
+                <a:t>: </a:t>
+              </a:r>
+              <a:r>
+                <a:rPr lang="zh-TW" altLang="en-US" sz="2400">
+                  <a:solidFill>
+                    <a:srgbClr val="92D050"/>
+                  </a:solidFill>
+                  <a:latin typeface="+mj-lt"/>
+                  <a:cs typeface="JetBrains Mono" panose="02000009000000000000" pitchFamily="49" charset="0"/>
+                </a:rPr>
+                <a:t>條件為假時的返回值</a:t>
+              </a:r>
+              <a:endParaRPr kumimoji="0" lang="zh-TW" altLang="zh-TW" sz="4000" b="0" i="0" u="none" strike="noStrike" cap="none" normalizeH="0" baseline="0">
+                <a:ln>
+                  <a:noFill/>
+                </a:ln>
+                <a:solidFill>
+                  <a:srgbClr val="92D050"/>
+                </a:solidFill>
+                <a:effectLst/>
+                <a:latin typeface="+mj-lt"/>
+              </a:endParaRPr>
+            </a:p>
+          </p:txBody>
+        </p:sp>
+        <p:sp>
+          <p:nvSpPr>
+            <p:cNvPr id="14" name="文字方塊 13">
+              <a:extLst>
+                <a:ext uri="{FF2B5EF4-FFF2-40B4-BE49-F238E27FC236}">
+                  <a16:creationId xmlns:a16="http://schemas.microsoft.com/office/drawing/2014/main" id="{9CDA37A0-EDA6-412D-B96C-782E6FFBE422}"/>
+                </a:ext>
+              </a:extLst>
+            </p:cNvPr>
+            <p:cNvSpPr txBox="1"/>
+            <p:nvPr/>
+          </p:nvSpPr>
+          <p:spPr>
+            <a:xfrm>
+              <a:off x="10796493" y="2518694"/>
+              <a:ext cx="633507" cy="338554"/>
+            </a:xfrm>
+            <a:prstGeom prst="rect">
+              <a:avLst/>
+            </a:prstGeom>
+            <a:noFill/>
+          </p:spPr>
+          <p:txBody>
+            <a:bodyPr wrap="none" rtlCol="0">
+              <a:spAutoFit/>
+            </a:bodyPr>
+            <a:lstStyle/>
+            <a:p>
+              <a:r>
+                <a:rPr lang="en-US" altLang="zh-TW" sz="1600">
+                  <a:solidFill>
+                    <a:schemeClr val="accent3"/>
+                  </a:solidFill>
+                </a:rPr>
+                <a:t>java</a:t>
+              </a:r>
+              <a:endParaRPr lang="zh-TW" altLang="en-US" sz="1600">
+                <a:solidFill>
+                  <a:schemeClr val="accent3"/>
+                </a:solidFill>
+              </a:endParaRPr>
+            </a:p>
+          </p:txBody>
+        </p:sp>
+      </p:grpSp>
+    </p:spTree>
+    <p:extLst>
+      <p:ext uri="{BB962C8B-B14F-4D97-AF65-F5344CB8AC3E}">
+        <p14:creationId xmlns:p14="http://schemas.microsoft.com/office/powerpoint/2010/main" val="318815027"/>
+      </p:ext>
+    </p:extLst>
+  </p:cSld>
+  <p:clrMapOvr>
+    <a:masterClrMapping/>
+  </p:clrMapOvr>
+  <p:transition spd="slow">
+    <p:push dir="u"/>
+  </p:transition>
+</p:sld>
+</file>
+
+<file path=ppt/slides/slide20.xml><?xml version="1.0" encoding="utf-8"?>
 <p:sld xmlns:a="http://schemas.openxmlformats.org/drawingml/2006/main" xmlns:r="http://schemas.openxmlformats.org/officeDocument/2006/relationships" xmlns:p="http://schemas.openxmlformats.org/presentationml/2006/main">
   <p:cSld>
     <p:spTree>
@@ -22596,1308 +25193,7 @@
 </p:sld>
 </file>
 
-<file path=ppt/slides/slide2.xml><?xml version="1.0" encoding="utf-8"?>
-<p:sld xmlns:a="http://schemas.openxmlformats.org/drawingml/2006/main" xmlns:r="http://schemas.openxmlformats.org/officeDocument/2006/relationships" xmlns:p="http://schemas.openxmlformats.org/presentationml/2006/main">
-  <p:cSld>
-    <p:spTree>
-      <p:nvGrpSpPr>
-        <p:cNvPr id="1" name=""/>
-        <p:cNvGrpSpPr/>
-        <p:nvPr/>
-      </p:nvGrpSpPr>
-      <p:grpSpPr>
-        <a:xfrm>
-          <a:off x="0" y="0"/>
-          <a:ext cx="0" cy="0"/>
-          <a:chOff x="0" y="0"/>
-          <a:chExt cx="0" cy="0"/>
-        </a:xfrm>
-      </p:grpSpPr>
-      <p:sp>
-        <p:nvSpPr>
-          <p:cNvPr id="2" name="標題 1">
-            <a:extLst>
-              <a:ext uri="{FF2B5EF4-FFF2-40B4-BE49-F238E27FC236}">
-                <a16:creationId xmlns:a16="http://schemas.microsoft.com/office/drawing/2014/main" id="{984FB812-7A87-4C2D-A74E-F1AFFFBB10DA}"/>
-              </a:ext>
-            </a:extLst>
-          </p:cNvPr>
-          <p:cNvSpPr>
-            <a:spLocks noGrp="1"/>
-          </p:cNvSpPr>
-          <p:nvPr>
-            <p:ph type="title"/>
-          </p:nvPr>
-        </p:nvSpPr>
-        <p:spPr/>
-        <p:txBody>
-          <a:bodyPr/>
-          <a:lstStyle/>
-          <a:p>
-            <a:r>
-              <a:rPr lang="zh-TW" altLang="en-US"/>
-              <a:t>三元運算</a:t>
-            </a:r>
-          </a:p>
-        </p:txBody>
-      </p:sp>
-      <p:sp>
-        <p:nvSpPr>
-          <p:cNvPr id="3" name="內容版面配置區 2">
-            <a:extLst>
-              <a:ext uri="{FF2B5EF4-FFF2-40B4-BE49-F238E27FC236}">
-                <a16:creationId xmlns:a16="http://schemas.microsoft.com/office/drawing/2014/main" id="{0A12CE84-E704-4BA2-A161-A6A63AEDFA7B}"/>
-              </a:ext>
-            </a:extLst>
-          </p:cNvPr>
-          <p:cNvSpPr>
-            <a:spLocks noGrp="1"/>
-          </p:cNvSpPr>
-          <p:nvPr>
-            <p:ph idx="1"/>
-          </p:nvPr>
-        </p:nvSpPr>
-        <p:spPr>
-          <a:xfrm>
-            <a:off x="762000" y="1690688"/>
-            <a:ext cx="10668000" cy="491137"/>
-          </a:xfrm>
-        </p:spPr>
-        <p:txBody>
-          <a:bodyPr/>
-          <a:lstStyle/>
-          <a:p>
-            <a:r>
-              <a:rPr lang="zh-TW" altLang="en-US"/>
-              <a:t>在 </a:t>
-            </a:r>
-            <a:r>
-              <a:rPr lang="en-US" altLang="zh-TW"/>
-              <a:t>Java</a:t>
-            </a:r>
-            <a:r>
-              <a:rPr lang="zh-TW" altLang="en-US"/>
-              <a:t> 中，只有一種</a:t>
-            </a:r>
-            <a:r>
-              <a:rPr lang="zh-TW" altLang="en-US">
-                <a:solidFill>
-                  <a:srgbClr val="00B0F0"/>
-                </a:solidFill>
-              </a:rPr>
-              <a:t>三元運算</a:t>
-            </a:r>
-            <a:r>
-              <a:rPr lang="zh-TW" altLang="en-US"/>
-              <a:t>，格式如下：</a:t>
-            </a:r>
-          </a:p>
-        </p:txBody>
-      </p:sp>
-      <p:sp>
-        <p:nvSpPr>
-          <p:cNvPr id="6" name="內容版面配置區 2">
-            <a:extLst>
-              <a:ext uri="{FF2B5EF4-FFF2-40B4-BE49-F238E27FC236}">
-                <a16:creationId xmlns:a16="http://schemas.microsoft.com/office/drawing/2014/main" id="{1D873183-54B3-4B5A-826E-1294882AAFF1}"/>
-              </a:ext>
-            </a:extLst>
-          </p:cNvPr>
-          <p:cNvSpPr txBox="1">
-            <a:spLocks/>
-          </p:cNvSpPr>
-          <p:nvPr/>
-        </p:nvSpPr>
-        <p:spPr>
-          <a:xfrm>
-            <a:off x="762000" y="2942018"/>
-            <a:ext cx="10668000" cy="491137"/>
-          </a:xfrm>
-          <a:prstGeom prst="rect">
-            <a:avLst/>
-          </a:prstGeom>
-        </p:spPr>
-        <p:txBody>
-          <a:bodyPr vert="horz" lIns="91440" tIns="45720" rIns="91440" bIns="45720" rtlCol="0">
-            <a:normAutofit/>
-          </a:bodyPr>
-          <a:lstStyle>
-            <a:lvl1pPr marL="0" indent="0" algn="l" defTabSz="914400" rtl="0" eaLnBrk="1" latinLnBrk="0" hangingPunct="1">
-              <a:lnSpc>
-                <a:spcPct val="90000"/>
-              </a:lnSpc>
-              <a:spcBef>
-                <a:spcPts val="1000"/>
-              </a:spcBef>
-              <a:buFont typeface="Arial" panose="020B0604020202020204" pitchFamily="34" charset="0"/>
-              <a:buNone/>
-              <a:defRPr sz="2800" kern="1200">
-                <a:solidFill>
-                  <a:schemeClr val="tx1"/>
-                </a:solidFill>
-                <a:latin typeface="+mn-lt"/>
-                <a:ea typeface="+mn-ea"/>
-                <a:cs typeface="+mn-cs"/>
-              </a:defRPr>
-            </a:lvl1pPr>
-            <a:lvl2pPr marL="457200" indent="0" algn="l" defTabSz="914400" rtl="0" eaLnBrk="1" latinLnBrk="0" hangingPunct="1">
-              <a:lnSpc>
-                <a:spcPct val="90000"/>
-              </a:lnSpc>
-              <a:spcBef>
-                <a:spcPts val="500"/>
-              </a:spcBef>
-              <a:buFont typeface="Arial" panose="020B0604020202020204" pitchFamily="34" charset="0"/>
-              <a:buNone/>
-              <a:defRPr sz="2400" kern="1200">
-                <a:solidFill>
-                  <a:schemeClr val="tx1"/>
-                </a:solidFill>
-                <a:latin typeface="+mn-lt"/>
-                <a:ea typeface="+mn-ea"/>
-                <a:cs typeface="+mn-cs"/>
-              </a:defRPr>
-            </a:lvl2pPr>
-            <a:lvl3pPr marL="914400" indent="0" algn="l" defTabSz="914400" rtl="0" eaLnBrk="1" latinLnBrk="0" hangingPunct="1">
-              <a:lnSpc>
-                <a:spcPct val="90000"/>
-              </a:lnSpc>
-              <a:spcBef>
-                <a:spcPts val="500"/>
-              </a:spcBef>
-              <a:buFont typeface="Arial" panose="020B0604020202020204" pitchFamily="34" charset="0"/>
-              <a:buNone/>
-              <a:defRPr sz="2000" kern="1200">
-                <a:solidFill>
-                  <a:schemeClr val="tx1"/>
-                </a:solidFill>
-                <a:latin typeface="+mn-lt"/>
-                <a:ea typeface="+mn-ea"/>
-                <a:cs typeface="+mn-cs"/>
-              </a:defRPr>
-            </a:lvl3pPr>
-            <a:lvl4pPr marL="1371600" indent="0" algn="l" defTabSz="914400" rtl="0" eaLnBrk="1" latinLnBrk="0" hangingPunct="1">
-              <a:lnSpc>
-                <a:spcPct val="90000"/>
-              </a:lnSpc>
-              <a:spcBef>
-                <a:spcPts val="500"/>
-              </a:spcBef>
-              <a:buFont typeface="Arial" panose="020B0604020202020204" pitchFamily="34" charset="0"/>
-              <a:buNone/>
-              <a:defRPr sz="1800" kern="1200">
-                <a:solidFill>
-                  <a:schemeClr val="tx1"/>
-                </a:solidFill>
-                <a:latin typeface="+mn-lt"/>
-                <a:ea typeface="+mn-ea"/>
-                <a:cs typeface="+mn-cs"/>
-              </a:defRPr>
-            </a:lvl4pPr>
-            <a:lvl5pPr marL="1828800" indent="0" algn="l" defTabSz="914400" rtl="0" eaLnBrk="1" latinLnBrk="0" hangingPunct="1">
-              <a:lnSpc>
-                <a:spcPct val="90000"/>
-              </a:lnSpc>
-              <a:spcBef>
-                <a:spcPts val="500"/>
-              </a:spcBef>
-              <a:buFont typeface="Arial" panose="020B0604020202020204" pitchFamily="34" charset="0"/>
-              <a:buNone/>
-              <a:defRPr sz="1800" kern="1200">
-                <a:solidFill>
-                  <a:schemeClr val="tx1"/>
-                </a:solidFill>
-                <a:latin typeface="+mn-lt"/>
-                <a:ea typeface="+mn-ea"/>
-                <a:cs typeface="+mn-cs"/>
-              </a:defRPr>
-            </a:lvl5pPr>
-            <a:lvl6pPr marL="2514600" indent="-228600" algn="l" defTabSz="914400" rtl="0" eaLnBrk="1" latinLnBrk="0" hangingPunct="1">
-              <a:lnSpc>
-                <a:spcPct val="90000"/>
-              </a:lnSpc>
-              <a:spcBef>
-                <a:spcPts val="500"/>
-              </a:spcBef>
-              <a:buFont typeface="Arial" panose="020B0604020202020204" pitchFamily="34" charset="0"/>
-              <a:buChar char="•"/>
-              <a:defRPr sz="1800" kern="1200">
-                <a:solidFill>
-                  <a:schemeClr val="tx1"/>
-                </a:solidFill>
-                <a:latin typeface="+mn-lt"/>
-                <a:ea typeface="+mn-ea"/>
-                <a:cs typeface="+mn-cs"/>
-              </a:defRPr>
-            </a:lvl6pPr>
-            <a:lvl7pPr marL="2971800" indent="-228600" algn="l" defTabSz="914400" rtl="0" eaLnBrk="1" latinLnBrk="0" hangingPunct="1">
-              <a:lnSpc>
-                <a:spcPct val="90000"/>
-              </a:lnSpc>
-              <a:spcBef>
-                <a:spcPts val="500"/>
-              </a:spcBef>
-              <a:buFont typeface="Arial" panose="020B0604020202020204" pitchFamily="34" charset="0"/>
-              <a:buChar char="•"/>
-              <a:defRPr sz="1800" kern="1200">
-                <a:solidFill>
-                  <a:schemeClr val="tx1"/>
-                </a:solidFill>
-                <a:latin typeface="+mn-lt"/>
-                <a:ea typeface="+mn-ea"/>
-                <a:cs typeface="+mn-cs"/>
-              </a:defRPr>
-            </a:lvl7pPr>
-            <a:lvl8pPr marL="3429000" indent="-228600" algn="l" defTabSz="914400" rtl="0" eaLnBrk="1" latinLnBrk="0" hangingPunct="1">
-              <a:lnSpc>
-                <a:spcPct val="90000"/>
-              </a:lnSpc>
-              <a:spcBef>
-                <a:spcPts val="500"/>
-              </a:spcBef>
-              <a:buFont typeface="Arial" panose="020B0604020202020204" pitchFamily="34" charset="0"/>
-              <a:buChar char="•"/>
-              <a:defRPr sz="1800" kern="1200">
-                <a:solidFill>
-                  <a:schemeClr val="tx1"/>
-                </a:solidFill>
-                <a:latin typeface="+mn-lt"/>
-                <a:ea typeface="+mn-ea"/>
-                <a:cs typeface="+mn-cs"/>
-              </a:defRPr>
-            </a:lvl8pPr>
-            <a:lvl9pPr marL="3886200" indent="-228600" algn="l" defTabSz="914400" rtl="0" eaLnBrk="1" latinLnBrk="0" hangingPunct="1">
-              <a:lnSpc>
-                <a:spcPct val="90000"/>
-              </a:lnSpc>
-              <a:spcBef>
-                <a:spcPts val="500"/>
-              </a:spcBef>
-              <a:buFont typeface="Arial" panose="020B0604020202020204" pitchFamily="34" charset="0"/>
-              <a:buChar char="•"/>
-              <a:defRPr sz="1800" kern="1200">
-                <a:solidFill>
-                  <a:schemeClr val="tx1"/>
-                </a:solidFill>
-                <a:latin typeface="+mn-lt"/>
-                <a:ea typeface="+mn-ea"/>
-                <a:cs typeface="+mn-cs"/>
-              </a:defRPr>
-            </a:lvl9pPr>
-          </a:lstStyle>
-          <a:p>
-            <a:r>
-              <a:rPr lang="zh-TW" altLang="en-US"/>
-              <a:t>範例如下：</a:t>
-            </a:r>
-          </a:p>
-        </p:txBody>
-      </p:sp>
-      <p:grpSp>
-        <p:nvGrpSpPr>
-          <p:cNvPr id="10" name="群組 9">
-            <a:extLst>
-              <a:ext uri="{FF2B5EF4-FFF2-40B4-BE49-F238E27FC236}">
-                <a16:creationId xmlns:a16="http://schemas.microsoft.com/office/drawing/2014/main" id="{9BFF430B-E287-46C5-A0E8-55D339DBED08}"/>
-              </a:ext>
-            </a:extLst>
-          </p:cNvPr>
-          <p:cNvGrpSpPr/>
-          <p:nvPr/>
-        </p:nvGrpSpPr>
-        <p:grpSpPr>
-          <a:xfrm>
-            <a:off x="761999" y="5301343"/>
-            <a:ext cx="10667999" cy="830997"/>
-            <a:chOff x="7532015" y="3822156"/>
-            <a:chExt cx="10667999" cy="830997"/>
-          </a:xfrm>
-        </p:grpSpPr>
-        <p:sp>
-          <p:nvSpPr>
-            <p:cNvPr id="11" name="Rectangle 1">
-              <a:extLst>
-                <a:ext uri="{FF2B5EF4-FFF2-40B4-BE49-F238E27FC236}">
-                  <a16:creationId xmlns:a16="http://schemas.microsoft.com/office/drawing/2014/main" id="{A059D418-28C9-4F40-BAC5-42233703C053}"/>
-                </a:ext>
-              </a:extLst>
-            </p:cNvPr>
-            <p:cNvSpPr>
-              <a:spLocks noChangeArrowheads="1"/>
-            </p:cNvSpPr>
-            <p:nvPr/>
-          </p:nvSpPr>
-          <p:spPr bwMode="auto">
-            <a:xfrm>
-              <a:off x="7532015" y="3822156"/>
-              <a:ext cx="10667999" cy="830997"/>
-            </a:xfrm>
-            <a:prstGeom prst="rect">
-              <a:avLst/>
-            </a:prstGeom>
-            <a:solidFill>
-              <a:srgbClr val="1E1F22"/>
-            </a:solidFill>
-            <a:ln>
-              <a:noFill/>
-            </a:ln>
-            <a:effectLst/>
-            <a:extLst>
-              <a:ext uri="{91240B29-F687-4F45-9708-019B960494DF}">
-                <a14:hiddenLine xmlns:a14="http://schemas.microsoft.com/office/drawing/2010/main" w="9525">
-                  <a:solidFill>
-                    <a:schemeClr val="tx1"/>
-                  </a:solidFill>
-                  <a:miter lim="800000"/>
-                  <a:headEnd/>
-                  <a:tailEnd/>
-                </a14:hiddenLine>
-              </a:ext>
-              <a:ext uri="{AF507438-7753-43E0-B8FC-AC1667EBCBE1}">
-                <a14:hiddenEffects xmlns:a14="http://schemas.microsoft.com/office/drawing/2010/main">
-                  <a:effectLst>
-                    <a:outerShdw dist="35921" dir="2700000" algn="ctr" rotWithShape="0">
-                      <a:schemeClr val="bg2"/>
-                    </a:outerShdw>
-                  </a:effectLst>
-                </a14:hiddenEffects>
-              </a:ext>
-            </a:extLst>
-          </p:spPr>
-          <p:txBody>
-            <a:bodyPr vert="horz" wrap="square" lIns="91440" tIns="45720" rIns="91440" bIns="45720" numCol="1" anchor="ctr" anchorCtr="0" compatLnSpc="1">
-              <a:prstTxWarp prst="textNoShape">
-                <a:avLst/>
-              </a:prstTxWarp>
-              <a:spAutoFit/>
-            </a:bodyPr>
-            <a:lstStyle/>
-            <a:p>
-              <a:r>
-                <a:rPr lang="en-US" altLang="zh-TW" sz="2400">
-                  <a:solidFill>
-                    <a:srgbClr val="BCBEC4"/>
-                  </a:solidFill>
-                  <a:latin typeface="+mj-lt"/>
-                  <a:cs typeface="JetBrains Mono" panose="02000009000000000000" pitchFamily="49" charset="0"/>
-                </a:rPr>
-                <a:t>True</a:t>
-              </a:r>
-            </a:p>
-            <a:p>
-              <a:r>
-                <a:rPr lang="en-US" altLang="zh-TW" sz="2400">
-                  <a:solidFill>
-                    <a:srgbClr val="BCBEC4"/>
-                  </a:solidFill>
-                  <a:latin typeface="+mj-lt"/>
-                  <a:cs typeface="JetBrains Mono" panose="02000009000000000000" pitchFamily="49" charset="0"/>
-                </a:rPr>
-                <a:t>True</a:t>
-              </a:r>
-              <a:endParaRPr lang="zh-TW" altLang="en-US" sz="2400">
-                <a:solidFill>
-                  <a:srgbClr val="BCBEC4"/>
-                </a:solidFill>
-                <a:latin typeface="+mj-lt"/>
-                <a:cs typeface="JetBrains Mono" panose="02000009000000000000" pitchFamily="49" charset="0"/>
-              </a:endParaRPr>
-            </a:p>
-          </p:txBody>
-        </p:sp>
-        <p:sp>
-          <p:nvSpPr>
-            <p:cNvPr id="12" name="文字方塊 11">
-              <a:extLst>
-                <a:ext uri="{FF2B5EF4-FFF2-40B4-BE49-F238E27FC236}">
-                  <a16:creationId xmlns:a16="http://schemas.microsoft.com/office/drawing/2014/main" id="{00612323-2070-478C-B607-2EDD6ADF3810}"/>
-                </a:ext>
-              </a:extLst>
-            </p:cNvPr>
-            <p:cNvSpPr txBox="1"/>
-            <p:nvPr/>
-          </p:nvSpPr>
-          <p:spPr>
-            <a:xfrm>
-              <a:off x="17342087" y="4314599"/>
-              <a:ext cx="857927" cy="338554"/>
-            </a:xfrm>
-            <a:prstGeom prst="rect">
-              <a:avLst/>
-            </a:prstGeom>
-            <a:noFill/>
-          </p:spPr>
-          <p:txBody>
-            <a:bodyPr wrap="none" rtlCol="0">
-              <a:spAutoFit/>
-            </a:bodyPr>
-            <a:lstStyle/>
-            <a:p>
-              <a:r>
-                <a:rPr lang="en-US" altLang="zh-TW" sz="1600">
-                  <a:solidFill>
-                    <a:schemeClr val="accent3"/>
-                  </a:solidFill>
-                </a:rPr>
-                <a:t>output</a:t>
-              </a:r>
-              <a:endParaRPr lang="zh-TW" altLang="en-US" sz="1600">
-                <a:solidFill>
-                  <a:schemeClr val="accent3"/>
-                </a:solidFill>
-              </a:endParaRPr>
-            </a:p>
-          </p:txBody>
-        </p:sp>
-      </p:grpSp>
-      <p:grpSp>
-        <p:nvGrpSpPr>
-          <p:cNvPr id="16" name="群組 15">
-            <a:extLst>
-              <a:ext uri="{FF2B5EF4-FFF2-40B4-BE49-F238E27FC236}">
-                <a16:creationId xmlns:a16="http://schemas.microsoft.com/office/drawing/2014/main" id="{98B672DF-8EFB-4DB4-8503-FD96DFCF79A4}"/>
-              </a:ext>
-            </a:extLst>
-          </p:cNvPr>
-          <p:cNvGrpSpPr/>
-          <p:nvPr/>
-        </p:nvGrpSpPr>
-        <p:grpSpPr>
-          <a:xfrm>
-            <a:off x="762000" y="3582419"/>
-            <a:ext cx="10668000" cy="1569660"/>
-            <a:chOff x="762000" y="3516075"/>
-            <a:chExt cx="10668000" cy="1569660"/>
-          </a:xfrm>
-        </p:grpSpPr>
-        <p:sp>
-          <p:nvSpPr>
-            <p:cNvPr id="8" name="Rectangle 3">
-              <a:extLst>
-                <a:ext uri="{FF2B5EF4-FFF2-40B4-BE49-F238E27FC236}">
-                  <a16:creationId xmlns:a16="http://schemas.microsoft.com/office/drawing/2014/main" id="{D26F778D-45FA-420A-8F59-765C59F85820}"/>
-                </a:ext>
-              </a:extLst>
-            </p:cNvPr>
-            <p:cNvSpPr>
-              <a:spLocks noChangeArrowheads="1"/>
-            </p:cNvSpPr>
-            <p:nvPr/>
-          </p:nvSpPr>
-          <p:spPr bwMode="auto">
-            <a:xfrm>
-              <a:off x="762000" y="3516075"/>
-              <a:ext cx="10668000" cy="1569660"/>
-            </a:xfrm>
-            <a:prstGeom prst="rect">
-              <a:avLst/>
-            </a:prstGeom>
-            <a:solidFill>
-              <a:srgbClr val="1E1F22"/>
-            </a:solidFill>
-            <a:ln>
-              <a:noFill/>
-            </a:ln>
-            <a:effectLst/>
-            <a:extLst>
-              <a:ext uri="{91240B29-F687-4F45-9708-019B960494DF}">
-                <a14:hiddenLine xmlns:a14="http://schemas.microsoft.com/office/drawing/2010/main" w="9525">
-                  <a:solidFill>
-                    <a:schemeClr val="tx1"/>
-                  </a:solidFill>
-                  <a:miter lim="800000"/>
-                  <a:headEnd/>
-                  <a:tailEnd/>
-                </a14:hiddenLine>
-              </a:ext>
-              <a:ext uri="{AF507438-7753-43E0-B8FC-AC1667EBCBE1}">
-                <a14:hiddenEffects xmlns:a14="http://schemas.microsoft.com/office/drawing/2010/main">
-                  <a:effectLst>
-                    <a:outerShdw dist="35921" dir="2700000" algn="ctr" rotWithShape="0">
-                      <a:schemeClr val="bg2"/>
-                    </a:outerShdw>
-                  </a:effectLst>
-                </a14:hiddenEffects>
-              </a:ext>
-            </a:extLst>
-          </p:spPr>
-          <p:txBody>
-            <a:bodyPr vert="horz" wrap="square" lIns="91440" tIns="45720" rIns="91440" bIns="45720" numCol="1" anchor="ctr" anchorCtr="0" compatLnSpc="1">
-              <a:prstTxWarp prst="textNoShape">
-                <a:avLst/>
-              </a:prstTxWarp>
-              <a:spAutoFit/>
-            </a:bodyPr>
-            <a:lstStyle/>
-            <a:p>
-              <a:pPr marL="0" marR="0" lvl="0" indent="0" algn="l" defTabSz="914400" rtl="0" eaLnBrk="0" fontAlgn="base" latinLnBrk="0" hangingPunct="0">
-                <a:lnSpc>
-                  <a:spcPct val="100000"/>
-                </a:lnSpc>
-                <a:spcBef>
-                  <a:spcPct val="0"/>
-                </a:spcBef>
-                <a:spcAft>
-                  <a:spcPct val="0"/>
-                </a:spcAft>
-                <a:buClrTx/>
-                <a:buSzTx/>
-                <a:buFontTx/>
-                <a:buNone/>
-                <a:tabLst/>
-              </a:pPr>
-              <a:r>
-                <a:rPr kumimoji="0" lang="zh-TW" altLang="zh-TW" sz="2400" b="0" i="0" u="none" strike="noStrike" cap="none" normalizeH="0" baseline="0">
-                  <a:ln>
-                    <a:noFill/>
-                  </a:ln>
-                  <a:solidFill>
-                    <a:srgbClr val="CF8E6D"/>
-                  </a:solidFill>
-                  <a:effectLst/>
-                  <a:latin typeface="+mj-lt"/>
-                  <a:cs typeface="JetBrains Mono" panose="02000009000000000000" pitchFamily="49" charset="0"/>
-                </a:rPr>
-                <a:t>final int </a:t>
-              </a:r>
-              <a:r>
-                <a:rPr kumimoji="0" lang="zh-TW" altLang="zh-TW" sz="2400" b="0" i="0" u="none" strike="noStrike" cap="none" normalizeH="0" baseline="0">
-                  <a:ln>
-                    <a:noFill/>
-                  </a:ln>
-                  <a:solidFill>
-                    <a:srgbClr val="BCBEC4"/>
-                  </a:solidFill>
-                  <a:effectLst/>
-                  <a:latin typeface="+mj-lt"/>
-                  <a:cs typeface="JetBrains Mono" panose="02000009000000000000" pitchFamily="49" charset="0"/>
-                </a:rPr>
-                <a:t>INT_MAX = </a:t>
-              </a:r>
-              <a:r>
-                <a:rPr kumimoji="0" lang="zh-TW" altLang="zh-TW" sz="2400" b="0" i="0" u="none" strike="noStrike" cap="none" normalizeH="0" baseline="0">
-                  <a:ln>
-                    <a:noFill/>
-                  </a:ln>
-                  <a:solidFill>
-                    <a:srgbClr val="2AACB8"/>
-                  </a:solidFill>
-                  <a:effectLst/>
-                  <a:latin typeface="+mj-lt"/>
-                  <a:cs typeface="JetBrains Mono" panose="02000009000000000000" pitchFamily="49" charset="0"/>
-                </a:rPr>
-                <a:t>2147483647</a:t>
-              </a:r>
-              <a:r>
-                <a:rPr kumimoji="0" lang="zh-TW" altLang="zh-TW" sz="2400" b="0" i="0" u="none" strike="noStrike" cap="none" normalizeH="0" baseline="0">
-                  <a:ln>
-                    <a:noFill/>
-                  </a:ln>
-                  <a:solidFill>
-                    <a:srgbClr val="BCBEC4"/>
-                  </a:solidFill>
-                  <a:effectLst/>
-                  <a:latin typeface="+mj-lt"/>
-                  <a:cs typeface="JetBrains Mono" panose="02000009000000000000" pitchFamily="49" charset="0"/>
-                </a:rPr>
-                <a:t>;</a:t>
-              </a:r>
-              <a:br>
-                <a:rPr kumimoji="0" lang="zh-TW" altLang="zh-TW" sz="2400" b="0" i="0" u="none" strike="noStrike" cap="none" normalizeH="0" baseline="0">
-                  <a:ln>
-                    <a:noFill/>
-                  </a:ln>
-                  <a:solidFill>
-                    <a:srgbClr val="BCBEC4"/>
-                  </a:solidFill>
-                  <a:effectLst/>
-                  <a:latin typeface="+mj-lt"/>
-                  <a:cs typeface="JetBrains Mono" panose="02000009000000000000" pitchFamily="49" charset="0"/>
-                </a:rPr>
-              </a:br>
-              <a:r>
-                <a:rPr kumimoji="0" lang="zh-TW" altLang="zh-TW" sz="2400" b="0" i="0" u="none" strike="noStrike" cap="none" normalizeH="0" baseline="0">
-                  <a:ln>
-                    <a:noFill/>
-                  </a:ln>
-                  <a:solidFill>
-                    <a:srgbClr val="CF8E6D"/>
-                  </a:solidFill>
-                  <a:effectLst/>
-                  <a:latin typeface="+mj-lt"/>
-                  <a:cs typeface="JetBrains Mono" panose="02000009000000000000" pitchFamily="49" charset="0"/>
-                </a:rPr>
-                <a:t>final int </a:t>
-              </a:r>
-              <a:r>
-                <a:rPr kumimoji="0" lang="zh-TW" altLang="zh-TW" sz="2400" b="0" i="0" u="none" strike="noStrike" cap="none" normalizeH="0" baseline="0">
-                  <a:ln>
-                    <a:noFill/>
-                  </a:ln>
-                  <a:solidFill>
-                    <a:srgbClr val="BCBEC4"/>
-                  </a:solidFill>
-                  <a:effectLst/>
-                  <a:latin typeface="+mj-lt"/>
-                  <a:cs typeface="JetBrains Mono" panose="02000009000000000000" pitchFamily="49" charset="0"/>
-                </a:rPr>
-                <a:t>INT_MIN = -</a:t>
-              </a:r>
-              <a:r>
-                <a:rPr kumimoji="0" lang="zh-TW" altLang="zh-TW" sz="2400" b="0" i="0" u="none" strike="noStrike" cap="none" normalizeH="0" baseline="0">
-                  <a:ln>
-                    <a:noFill/>
-                  </a:ln>
-                  <a:solidFill>
-                    <a:srgbClr val="2AACB8"/>
-                  </a:solidFill>
-                  <a:effectLst/>
-                  <a:latin typeface="+mj-lt"/>
-                  <a:cs typeface="JetBrains Mono" panose="02000009000000000000" pitchFamily="49" charset="0"/>
-                </a:rPr>
-                <a:t>2147483648</a:t>
-              </a:r>
-              <a:r>
-                <a:rPr kumimoji="0" lang="zh-TW" altLang="zh-TW" sz="2400" b="0" i="0" u="none" strike="noStrike" cap="none" normalizeH="0" baseline="0">
-                  <a:ln>
-                    <a:noFill/>
-                  </a:ln>
-                  <a:solidFill>
-                    <a:srgbClr val="BCBEC4"/>
-                  </a:solidFill>
-                  <a:effectLst/>
-                  <a:latin typeface="+mj-lt"/>
-                  <a:cs typeface="JetBrains Mono" panose="02000009000000000000" pitchFamily="49" charset="0"/>
-                </a:rPr>
-                <a:t>;</a:t>
-              </a:r>
-              <a:br>
-                <a:rPr kumimoji="0" lang="zh-TW" altLang="zh-TW" sz="2400" b="0" i="0" u="none" strike="noStrike" cap="none" normalizeH="0" baseline="0">
-                  <a:ln>
-                    <a:noFill/>
-                  </a:ln>
-                  <a:solidFill>
-                    <a:srgbClr val="BCBEC4"/>
-                  </a:solidFill>
-                  <a:effectLst/>
-                  <a:latin typeface="+mj-lt"/>
-                  <a:cs typeface="JetBrains Mono" panose="02000009000000000000" pitchFamily="49" charset="0"/>
-                </a:rPr>
-              </a:br>
-              <a:r>
-                <a:rPr kumimoji="0" lang="zh-TW" altLang="zh-TW" sz="2400" b="0" i="0" u="none" strike="noStrike" cap="none" normalizeH="0" baseline="0">
-                  <a:ln>
-                    <a:noFill/>
-                  </a:ln>
-                  <a:solidFill>
-                    <a:srgbClr val="BCBEC4"/>
-                  </a:solidFill>
-                  <a:effectLst/>
-                  <a:latin typeface="+mj-lt"/>
-                  <a:cs typeface="JetBrains Mono" panose="02000009000000000000" pitchFamily="49" charset="0"/>
-                </a:rPr>
-                <a:t>System.</a:t>
-              </a:r>
-              <a:r>
-                <a:rPr kumimoji="0" lang="zh-TW" altLang="zh-TW" sz="2400" b="0" i="1" u="none" strike="noStrike" cap="none" normalizeH="0" baseline="0">
-                  <a:ln>
-                    <a:noFill/>
-                  </a:ln>
-                  <a:solidFill>
-                    <a:srgbClr val="C77DBB"/>
-                  </a:solidFill>
-                  <a:effectLst/>
-                  <a:latin typeface="+mj-lt"/>
-                  <a:cs typeface="JetBrains Mono" panose="02000009000000000000" pitchFamily="49" charset="0"/>
-                </a:rPr>
-                <a:t>out</a:t>
-              </a:r>
-              <a:r>
-                <a:rPr kumimoji="0" lang="zh-TW" altLang="zh-TW" sz="2400" b="0" i="0" u="none" strike="noStrike" cap="none" normalizeH="0" baseline="0">
-                  <a:ln>
-                    <a:noFill/>
-                  </a:ln>
-                  <a:solidFill>
-                    <a:srgbClr val="BCBEC4"/>
-                  </a:solidFill>
-                  <a:effectLst/>
-                  <a:latin typeface="+mj-lt"/>
-                  <a:cs typeface="JetBrains Mono" panose="02000009000000000000" pitchFamily="49" charset="0"/>
-                </a:rPr>
-                <a:t>.println(INT_MAX + </a:t>
-              </a:r>
-              <a:r>
-                <a:rPr kumimoji="0" lang="zh-TW" altLang="zh-TW" sz="2400" b="0" i="0" u="none" strike="noStrike" cap="none" normalizeH="0" baseline="0">
-                  <a:ln>
-                    <a:noFill/>
-                  </a:ln>
-                  <a:solidFill>
-                    <a:srgbClr val="2AACB8"/>
-                  </a:solidFill>
-                  <a:effectLst/>
-                  <a:latin typeface="+mj-lt"/>
-                  <a:cs typeface="JetBrains Mono" panose="02000009000000000000" pitchFamily="49" charset="0"/>
-                </a:rPr>
-                <a:t>1 </a:t>
-              </a:r>
-              <a:r>
-                <a:rPr kumimoji="0" lang="zh-TW" altLang="zh-TW" sz="2400" b="0" i="0" u="none" strike="noStrike" cap="none" normalizeH="0" baseline="0">
-                  <a:ln>
-                    <a:noFill/>
-                  </a:ln>
-                  <a:solidFill>
-                    <a:srgbClr val="BCBEC4"/>
-                  </a:solidFill>
-                  <a:effectLst/>
-                  <a:latin typeface="+mj-lt"/>
-                  <a:cs typeface="JetBrains Mono" panose="02000009000000000000" pitchFamily="49" charset="0"/>
-                </a:rPr>
-                <a:t>== INT_MIN ? </a:t>
-              </a:r>
-              <a:r>
-                <a:rPr kumimoji="0" lang="zh-TW" altLang="zh-TW" sz="2400" b="0" i="0" u="none" strike="noStrike" cap="none" normalizeH="0" baseline="0">
-                  <a:ln>
-                    <a:noFill/>
-                  </a:ln>
-                  <a:solidFill>
-                    <a:srgbClr val="6AAB73"/>
-                  </a:solidFill>
-                  <a:effectLst/>
-                  <a:latin typeface="+mj-lt"/>
-                  <a:cs typeface="JetBrains Mono" panose="02000009000000000000" pitchFamily="49" charset="0"/>
-                </a:rPr>
-                <a:t>"True" </a:t>
-              </a:r>
-              <a:r>
-                <a:rPr kumimoji="0" lang="zh-TW" altLang="zh-TW" sz="2400" b="0" i="0" u="none" strike="noStrike" cap="none" normalizeH="0" baseline="0">
-                  <a:ln>
-                    <a:noFill/>
-                  </a:ln>
-                  <a:solidFill>
-                    <a:srgbClr val="BCBEC4"/>
-                  </a:solidFill>
-                  <a:effectLst/>
-                  <a:latin typeface="+mj-lt"/>
-                  <a:cs typeface="JetBrains Mono" panose="02000009000000000000" pitchFamily="49" charset="0"/>
-                </a:rPr>
-                <a:t>: </a:t>
-              </a:r>
-              <a:r>
-                <a:rPr kumimoji="0" lang="zh-TW" altLang="zh-TW" sz="2400" b="0" i="0" u="none" strike="noStrike" cap="none" normalizeH="0" baseline="0">
-                  <a:ln>
-                    <a:noFill/>
-                  </a:ln>
-                  <a:solidFill>
-                    <a:srgbClr val="6AAB73"/>
-                  </a:solidFill>
-                  <a:effectLst/>
-                  <a:latin typeface="+mj-lt"/>
-                  <a:cs typeface="JetBrains Mono" panose="02000009000000000000" pitchFamily="49" charset="0"/>
-                </a:rPr>
-                <a:t>"False"</a:t>
-              </a:r>
-              <a:r>
-                <a:rPr kumimoji="0" lang="zh-TW" altLang="zh-TW" sz="2400" b="0" i="0" u="none" strike="noStrike" cap="none" normalizeH="0" baseline="0">
-                  <a:ln>
-                    <a:noFill/>
-                  </a:ln>
-                  <a:solidFill>
-                    <a:srgbClr val="BCBEC4"/>
-                  </a:solidFill>
-                  <a:effectLst/>
-                  <a:latin typeface="+mj-lt"/>
-                  <a:cs typeface="JetBrains Mono" panose="02000009000000000000" pitchFamily="49" charset="0"/>
-                </a:rPr>
-                <a:t>);</a:t>
-              </a:r>
-              <a:endParaRPr kumimoji="0" lang="en-US" altLang="zh-TW" sz="2400" b="0" i="0" u="none" strike="noStrike" cap="none" normalizeH="0" baseline="0">
-                <a:ln>
-                  <a:noFill/>
-                </a:ln>
-                <a:solidFill>
-                  <a:srgbClr val="BCBEC4"/>
-                </a:solidFill>
-                <a:effectLst/>
-                <a:latin typeface="+mj-lt"/>
-                <a:cs typeface="JetBrains Mono" panose="02000009000000000000" pitchFamily="49" charset="0"/>
-              </a:endParaRPr>
-            </a:p>
-            <a:p>
-              <a:pPr eaLnBrk="0" fontAlgn="base" hangingPunct="0">
-                <a:spcBef>
-                  <a:spcPct val="0"/>
-                </a:spcBef>
-                <a:spcAft>
-                  <a:spcPct val="0"/>
-                </a:spcAft>
-              </a:pPr>
-              <a:r>
-                <a:rPr kumimoji="0" lang="zh-TW" altLang="zh-TW" sz="2400" b="0" i="0" u="none" strike="noStrike" cap="none" normalizeH="0" baseline="0">
-                  <a:ln>
-                    <a:noFill/>
-                  </a:ln>
-                  <a:solidFill>
-                    <a:srgbClr val="BCBEC4"/>
-                  </a:solidFill>
-                  <a:effectLst/>
-                  <a:latin typeface="+mj-lt"/>
-                  <a:cs typeface="JetBrains Mono" panose="02000009000000000000" pitchFamily="49" charset="0"/>
-                </a:rPr>
-                <a:t>System.</a:t>
-              </a:r>
-              <a:r>
-                <a:rPr kumimoji="0" lang="zh-TW" altLang="zh-TW" sz="2400" b="0" i="1" u="none" strike="noStrike" cap="none" normalizeH="0" baseline="0">
-                  <a:ln>
-                    <a:noFill/>
-                  </a:ln>
-                  <a:solidFill>
-                    <a:srgbClr val="C77DBB"/>
-                  </a:solidFill>
-                  <a:effectLst/>
-                  <a:latin typeface="+mj-lt"/>
-                  <a:cs typeface="JetBrains Mono" panose="02000009000000000000" pitchFamily="49" charset="0"/>
-                </a:rPr>
-                <a:t>out</a:t>
-              </a:r>
-              <a:r>
-                <a:rPr kumimoji="0" lang="zh-TW" altLang="zh-TW" sz="2400" b="0" i="0" u="none" strike="noStrike" cap="none" normalizeH="0" baseline="0">
-                  <a:ln>
-                    <a:noFill/>
-                  </a:ln>
-                  <a:solidFill>
-                    <a:srgbClr val="BCBEC4"/>
-                  </a:solidFill>
-                  <a:effectLst/>
-                  <a:latin typeface="+mj-lt"/>
-                  <a:cs typeface="JetBrains Mono" panose="02000009000000000000" pitchFamily="49" charset="0"/>
-                </a:rPr>
-                <a:t>.println(INT_MAX == INT_MIN - </a:t>
-              </a:r>
-              <a:r>
-                <a:rPr kumimoji="0" lang="zh-TW" altLang="zh-TW" sz="2400" b="0" i="0" u="none" strike="noStrike" cap="none" normalizeH="0" baseline="0">
-                  <a:ln>
-                    <a:noFill/>
-                  </a:ln>
-                  <a:solidFill>
-                    <a:srgbClr val="2AACB8"/>
-                  </a:solidFill>
-                  <a:effectLst/>
-                  <a:latin typeface="+mj-lt"/>
-                  <a:cs typeface="JetBrains Mono" panose="02000009000000000000" pitchFamily="49" charset="0"/>
-                </a:rPr>
-                <a:t>1 </a:t>
-              </a:r>
-              <a:r>
-                <a:rPr kumimoji="0" lang="zh-TW" altLang="zh-TW" sz="2400" b="0" i="0" u="none" strike="noStrike" cap="none" normalizeH="0" baseline="0">
-                  <a:ln>
-                    <a:noFill/>
-                  </a:ln>
-                  <a:solidFill>
-                    <a:srgbClr val="BCBEC4"/>
-                  </a:solidFill>
-                  <a:effectLst/>
-                  <a:latin typeface="+mj-lt"/>
-                  <a:cs typeface="JetBrains Mono" panose="02000009000000000000" pitchFamily="49" charset="0"/>
-                </a:rPr>
-                <a:t>? </a:t>
-              </a:r>
-              <a:r>
-                <a:rPr kumimoji="0" lang="zh-TW" altLang="zh-TW" sz="2400" b="0" i="0" u="none" strike="noStrike" cap="none" normalizeH="0" baseline="0">
-                  <a:ln>
-                    <a:noFill/>
-                  </a:ln>
-                  <a:solidFill>
-                    <a:srgbClr val="6AAB73"/>
-                  </a:solidFill>
-                  <a:effectLst/>
-                  <a:latin typeface="+mj-lt"/>
-                  <a:cs typeface="JetBrains Mono" panose="02000009000000000000" pitchFamily="49" charset="0"/>
-                </a:rPr>
-                <a:t>"True" </a:t>
-              </a:r>
-              <a:r>
-                <a:rPr kumimoji="0" lang="zh-TW" altLang="zh-TW" sz="2400" b="0" i="0" u="none" strike="noStrike" cap="none" normalizeH="0" baseline="0">
-                  <a:ln>
-                    <a:noFill/>
-                  </a:ln>
-                  <a:solidFill>
-                    <a:srgbClr val="BCBEC4"/>
-                  </a:solidFill>
-                  <a:effectLst/>
-                  <a:latin typeface="+mj-lt"/>
-                  <a:cs typeface="JetBrains Mono" panose="02000009000000000000" pitchFamily="49" charset="0"/>
-                </a:rPr>
-                <a:t>: </a:t>
-              </a:r>
-              <a:r>
-                <a:rPr kumimoji="0" lang="zh-TW" altLang="zh-TW" sz="2400" b="0" i="0" u="none" strike="noStrike" cap="none" normalizeH="0" baseline="0">
-                  <a:ln>
-                    <a:noFill/>
-                  </a:ln>
-                  <a:solidFill>
-                    <a:srgbClr val="6AAB73"/>
-                  </a:solidFill>
-                  <a:effectLst/>
-                  <a:latin typeface="+mj-lt"/>
-                  <a:cs typeface="JetBrains Mono" panose="02000009000000000000" pitchFamily="49" charset="0"/>
-                </a:rPr>
-                <a:t>"False"</a:t>
-              </a:r>
-              <a:r>
-                <a:rPr kumimoji="0" lang="zh-TW" altLang="zh-TW" sz="2400" b="0" i="0" u="none" strike="noStrike" cap="none" normalizeH="0" baseline="0">
-                  <a:ln>
-                    <a:noFill/>
-                  </a:ln>
-                  <a:solidFill>
-                    <a:srgbClr val="BCBEC4"/>
-                  </a:solidFill>
-                  <a:effectLst/>
-                  <a:latin typeface="+mj-lt"/>
-                  <a:cs typeface="JetBrains Mono" panose="02000009000000000000" pitchFamily="49" charset="0"/>
-                </a:rPr>
-                <a:t>);</a:t>
-              </a:r>
-              <a:endParaRPr kumimoji="0" lang="zh-TW" altLang="zh-TW" sz="2400" b="0" i="0" u="none" strike="noStrike" cap="none" normalizeH="0" baseline="0">
-                <a:ln>
-                  <a:noFill/>
-                </a:ln>
-                <a:solidFill>
-                  <a:schemeClr val="tx1"/>
-                </a:solidFill>
-                <a:effectLst/>
-                <a:latin typeface="+mj-lt"/>
-              </a:endParaRPr>
-            </a:p>
-          </p:txBody>
-        </p:sp>
-        <p:sp>
-          <p:nvSpPr>
-            <p:cNvPr id="13" name="文字方塊 12">
-              <a:extLst>
-                <a:ext uri="{FF2B5EF4-FFF2-40B4-BE49-F238E27FC236}">
-                  <a16:creationId xmlns:a16="http://schemas.microsoft.com/office/drawing/2014/main" id="{D2FC59C8-1884-4B4B-9417-6FCCA556006A}"/>
-                </a:ext>
-              </a:extLst>
-            </p:cNvPr>
-            <p:cNvSpPr txBox="1"/>
-            <p:nvPr/>
-          </p:nvSpPr>
-          <p:spPr>
-            <a:xfrm>
-              <a:off x="10796493" y="3532461"/>
-              <a:ext cx="633507" cy="338554"/>
-            </a:xfrm>
-            <a:prstGeom prst="rect">
-              <a:avLst/>
-            </a:prstGeom>
-            <a:noFill/>
-          </p:spPr>
-          <p:txBody>
-            <a:bodyPr wrap="none" rtlCol="0">
-              <a:spAutoFit/>
-            </a:bodyPr>
-            <a:lstStyle/>
-            <a:p>
-              <a:r>
-                <a:rPr lang="en-US" altLang="zh-TW" sz="1600">
-                  <a:solidFill>
-                    <a:schemeClr val="accent3"/>
-                  </a:solidFill>
-                  <a:latin typeface="+mj-lt"/>
-                </a:rPr>
-                <a:t>java</a:t>
-              </a:r>
-              <a:endParaRPr lang="zh-TW" altLang="en-US" sz="1600">
-                <a:solidFill>
-                  <a:schemeClr val="accent3"/>
-                </a:solidFill>
-                <a:latin typeface="+mj-lt"/>
-              </a:endParaRPr>
-            </a:p>
-          </p:txBody>
-        </p:sp>
-      </p:grpSp>
-      <p:grpSp>
-        <p:nvGrpSpPr>
-          <p:cNvPr id="15" name="群組 14">
-            <a:extLst>
-              <a:ext uri="{FF2B5EF4-FFF2-40B4-BE49-F238E27FC236}">
-                <a16:creationId xmlns:a16="http://schemas.microsoft.com/office/drawing/2014/main" id="{139D0DE0-74DA-4993-B759-992DF19E2F43}"/>
-              </a:ext>
-            </a:extLst>
-          </p:cNvPr>
-          <p:cNvGrpSpPr/>
-          <p:nvPr/>
-        </p:nvGrpSpPr>
-        <p:grpSpPr>
-          <a:xfrm>
-            <a:off x="762000" y="2331089"/>
-            <a:ext cx="10668000" cy="461665"/>
-            <a:chOff x="762000" y="2395583"/>
-            <a:chExt cx="10668000" cy="461665"/>
-          </a:xfrm>
-        </p:grpSpPr>
-        <p:sp>
-          <p:nvSpPr>
-            <p:cNvPr id="4" name="Rectangle 1">
-              <a:extLst>
-                <a:ext uri="{FF2B5EF4-FFF2-40B4-BE49-F238E27FC236}">
-                  <a16:creationId xmlns:a16="http://schemas.microsoft.com/office/drawing/2014/main" id="{DDC41B53-AFC7-4C92-ABE7-FC16085A381D}"/>
-                </a:ext>
-              </a:extLst>
-            </p:cNvPr>
-            <p:cNvSpPr>
-              <a:spLocks noChangeArrowheads="1"/>
-            </p:cNvSpPr>
-            <p:nvPr/>
-          </p:nvSpPr>
-          <p:spPr bwMode="auto">
-            <a:xfrm>
-              <a:off x="762000" y="2395583"/>
-              <a:ext cx="10668000" cy="461665"/>
-            </a:xfrm>
-            <a:prstGeom prst="rect">
-              <a:avLst/>
-            </a:prstGeom>
-            <a:solidFill>
-              <a:srgbClr val="1E1F22"/>
-            </a:solidFill>
-            <a:ln>
-              <a:noFill/>
-            </a:ln>
-            <a:effectLst/>
-            <a:extLst>
-              <a:ext uri="{91240B29-F687-4F45-9708-019B960494DF}">
-                <a14:hiddenLine xmlns:a14="http://schemas.microsoft.com/office/drawing/2010/main" w="9525">
-                  <a:solidFill>
-                    <a:schemeClr val="tx1"/>
-                  </a:solidFill>
-                  <a:miter lim="800000"/>
-                  <a:headEnd/>
-                  <a:tailEnd/>
-                </a14:hiddenLine>
-              </a:ext>
-              <a:ext uri="{AF507438-7753-43E0-B8FC-AC1667EBCBE1}">
-                <a14:hiddenEffects xmlns:a14="http://schemas.microsoft.com/office/drawing/2010/main">
-                  <a:effectLst>
-                    <a:outerShdw dist="35921" dir="2700000" algn="ctr" rotWithShape="0">
-                      <a:schemeClr val="bg2"/>
-                    </a:outerShdw>
-                  </a:effectLst>
-                </a14:hiddenEffects>
-              </a:ext>
-            </a:extLst>
-          </p:spPr>
-          <p:txBody>
-            <a:bodyPr vert="horz" wrap="square" lIns="91440" tIns="45720" rIns="91440" bIns="45720" numCol="1" anchor="ctr" anchorCtr="0" compatLnSpc="1">
-              <a:prstTxWarp prst="textNoShape">
-                <a:avLst/>
-              </a:prstTxWarp>
-              <a:spAutoFit/>
-            </a:bodyPr>
-            <a:lstStyle/>
-            <a:p>
-              <a:pPr marL="0" marR="0" lvl="0" indent="0" algn="l" defTabSz="914400" rtl="0" eaLnBrk="0" fontAlgn="base" latinLnBrk="0" hangingPunct="0">
-                <a:lnSpc>
-                  <a:spcPct val="100000"/>
-                </a:lnSpc>
-                <a:spcBef>
-                  <a:spcPct val="0"/>
-                </a:spcBef>
-                <a:spcAft>
-                  <a:spcPct val="0"/>
-                </a:spcAft>
-                <a:buClrTx/>
-                <a:buSzTx/>
-                <a:buFontTx/>
-                <a:buNone/>
-                <a:tabLst/>
-              </a:pPr>
-              <a:r>
-                <a:rPr lang="en-US" altLang="zh-TW" sz="2400">
-                  <a:solidFill>
-                    <a:srgbClr val="00B0F0"/>
-                  </a:solidFill>
-                  <a:latin typeface="+mj-lt"/>
-                  <a:cs typeface="JetBrains Mono" panose="02000009000000000000" pitchFamily="49" charset="0"/>
-                </a:rPr>
-                <a:t>boolean(</a:t>
-              </a:r>
-              <a:r>
-                <a:rPr lang="zh-TW" altLang="en-US" sz="2400">
-                  <a:solidFill>
-                    <a:srgbClr val="00B0F0"/>
-                  </a:solidFill>
-                  <a:latin typeface="+mj-lt"/>
-                  <a:cs typeface="JetBrains Mono" panose="02000009000000000000" pitchFamily="49" charset="0"/>
-                </a:rPr>
-                <a:t>條件</a:t>
-              </a:r>
-              <a:r>
-                <a:rPr lang="en-US" altLang="zh-TW" sz="2400">
-                  <a:solidFill>
-                    <a:srgbClr val="00B0F0"/>
-                  </a:solidFill>
-                  <a:latin typeface="+mj-lt"/>
-                  <a:cs typeface="JetBrains Mono" panose="02000009000000000000" pitchFamily="49" charset="0"/>
-                </a:rPr>
-                <a:t>)</a:t>
-              </a:r>
-              <a:r>
-                <a:rPr kumimoji="0" lang="zh-TW" altLang="zh-TW" sz="2400" b="0" i="0" u="none" strike="noStrike" cap="none" normalizeH="0" baseline="0">
-                  <a:ln>
-                    <a:noFill/>
-                  </a:ln>
-                  <a:solidFill>
-                    <a:srgbClr val="CF8E6D"/>
-                  </a:solidFill>
-                  <a:effectLst/>
-                  <a:latin typeface="+mj-lt"/>
-                  <a:cs typeface="JetBrains Mono" panose="02000009000000000000" pitchFamily="49" charset="0"/>
-                </a:rPr>
-                <a:t> </a:t>
-              </a:r>
-              <a:r>
-                <a:rPr kumimoji="0" lang="zh-TW" altLang="zh-TW" sz="2400" b="0" i="0" u="none" strike="noStrike" cap="none" normalizeH="0" baseline="0">
-                  <a:ln>
-                    <a:noFill/>
-                  </a:ln>
-                  <a:solidFill>
-                    <a:srgbClr val="BCBEC4"/>
-                  </a:solidFill>
-                  <a:effectLst/>
-                  <a:latin typeface="+mj-lt"/>
-                  <a:cs typeface="JetBrains Mono" panose="02000009000000000000" pitchFamily="49" charset="0"/>
-                </a:rPr>
-                <a:t>? </a:t>
-              </a:r>
-              <a:r>
-                <a:rPr kumimoji="0" lang="zh-TW" altLang="en-US" sz="2400" b="0" i="0" u="none" strike="noStrike" cap="none" normalizeH="0" baseline="0">
-                  <a:ln>
-                    <a:noFill/>
-                  </a:ln>
-                  <a:solidFill>
-                    <a:srgbClr val="92D050"/>
-                  </a:solidFill>
-                  <a:effectLst/>
-                  <a:latin typeface="+mj-lt"/>
-                  <a:cs typeface="JetBrains Mono" panose="02000009000000000000" pitchFamily="49" charset="0"/>
-                </a:rPr>
-                <a:t>條件為真時的返回值</a:t>
-              </a:r>
-              <a:r>
-                <a:rPr kumimoji="0" lang="zh-TW" altLang="zh-TW" sz="2400" b="0" i="0" u="none" strike="noStrike" cap="none" normalizeH="0" baseline="0">
-                  <a:ln>
-                    <a:noFill/>
-                  </a:ln>
-                  <a:solidFill>
-                    <a:srgbClr val="2AACB8"/>
-                  </a:solidFill>
-                  <a:effectLst/>
-                  <a:latin typeface="+mj-lt"/>
-                  <a:cs typeface="JetBrains Mono" panose="02000009000000000000" pitchFamily="49" charset="0"/>
-                </a:rPr>
-                <a:t> </a:t>
-              </a:r>
-              <a:r>
-                <a:rPr kumimoji="0" lang="zh-TW" altLang="zh-TW" sz="2400" b="0" i="0" u="none" strike="noStrike" cap="none" normalizeH="0" baseline="0">
-                  <a:ln>
-                    <a:noFill/>
-                  </a:ln>
-                  <a:solidFill>
-                    <a:srgbClr val="BCBEC4"/>
-                  </a:solidFill>
-                  <a:effectLst/>
-                  <a:latin typeface="+mj-lt"/>
-                  <a:cs typeface="JetBrains Mono" panose="02000009000000000000" pitchFamily="49" charset="0"/>
-                </a:rPr>
-                <a:t>: </a:t>
-              </a:r>
-              <a:r>
-                <a:rPr lang="zh-TW" altLang="en-US" sz="2400">
-                  <a:solidFill>
-                    <a:srgbClr val="92D050"/>
-                  </a:solidFill>
-                  <a:latin typeface="+mj-lt"/>
-                  <a:cs typeface="JetBrains Mono" panose="02000009000000000000" pitchFamily="49" charset="0"/>
-                </a:rPr>
-                <a:t>條件為假時的返回值</a:t>
-              </a:r>
-              <a:endParaRPr kumimoji="0" lang="zh-TW" altLang="zh-TW" sz="4000" b="0" i="0" u="none" strike="noStrike" cap="none" normalizeH="0" baseline="0">
-                <a:ln>
-                  <a:noFill/>
-                </a:ln>
-                <a:solidFill>
-                  <a:srgbClr val="92D050"/>
-                </a:solidFill>
-                <a:effectLst/>
-                <a:latin typeface="+mj-lt"/>
-              </a:endParaRPr>
-            </a:p>
-          </p:txBody>
-        </p:sp>
-        <p:sp>
-          <p:nvSpPr>
-            <p:cNvPr id="14" name="文字方塊 13">
-              <a:extLst>
-                <a:ext uri="{FF2B5EF4-FFF2-40B4-BE49-F238E27FC236}">
-                  <a16:creationId xmlns:a16="http://schemas.microsoft.com/office/drawing/2014/main" id="{9CDA37A0-EDA6-412D-B96C-782E6FFBE422}"/>
-                </a:ext>
-              </a:extLst>
-            </p:cNvPr>
-            <p:cNvSpPr txBox="1"/>
-            <p:nvPr/>
-          </p:nvSpPr>
-          <p:spPr>
-            <a:xfrm>
-              <a:off x="10796493" y="2518694"/>
-              <a:ext cx="633507" cy="338554"/>
-            </a:xfrm>
-            <a:prstGeom prst="rect">
-              <a:avLst/>
-            </a:prstGeom>
-            <a:noFill/>
-          </p:spPr>
-          <p:txBody>
-            <a:bodyPr wrap="none" rtlCol="0">
-              <a:spAutoFit/>
-            </a:bodyPr>
-            <a:lstStyle/>
-            <a:p>
-              <a:r>
-                <a:rPr lang="en-US" altLang="zh-TW" sz="1600">
-                  <a:solidFill>
-                    <a:schemeClr val="accent3"/>
-                  </a:solidFill>
-                </a:rPr>
-                <a:t>java</a:t>
-              </a:r>
-              <a:endParaRPr lang="zh-TW" altLang="en-US" sz="1600">
-                <a:solidFill>
-                  <a:schemeClr val="accent3"/>
-                </a:solidFill>
-              </a:endParaRPr>
-            </a:p>
-          </p:txBody>
-        </p:sp>
-      </p:grpSp>
-    </p:spTree>
-    <p:extLst>
-      <p:ext uri="{BB962C8B-B14F-4D97-AF65-F5344CB8AC3E}">
-        <p14:creationId xmlns:p14="http://schemas.microsoft.com/office/powerpoint/2010/main" val="318815027"/>
-      </p:ext>
-    </p:extLst>
-  </p:cSld>
-  <p:clrMapOvr>
-    <a:masterClrMapping/>
-  </p:clrMapOvr>
-  <p:transition spd="slow">
-    <p:push dir="u"/>
-  </p:transition>
-</p:sld>
-</file>
-
-<file path=ppt/slides/slide20.xml><?xml version="1.0" encoding="utf-8"?>
+<file path=ppt/slides/slide21.xml><?xml version="1.0" encoding="utf-8"?>
 <p:sld xmlns:a="http://schemas.openxmlformats.org/drawingml/2006/main" xmlns:r="http://schemas.openxmlformats.org/officeDocument/2006/relationships" xmlns:p="http://schemas.openxmlformats.org/presentationml/2006/main">
   <p:cSld>
     <p:spTree>
@@ -25768,7 +27064,7 @@
 </p:sld>
 </file>
 
-<file path=ppt/slides/slide21.xml><?xml version="1.0" encoding="utf-8"?>
+<file path=ppt/slides/slide22.xml><?xml version="1.0" encoding="utf-8"?>
 <p:sld xmlns:a="http://schemas.openxmlformats.org/drawingml/2006/main" xmlns:r="http://schemas.openxmlformats.org/officeDocument/2006/relationships" xmlns:p="http://schemas.openxmlformats.org/presentationml/2006/main">
   <p:cSld>
     <p:spTree>
@@ -27159,7 +28455,7 @@
 </p:sld>
 </file>
 
-<file path=ppt/slides/slide22.xml><?xml version="1.0" encoding="utf-8"?>
+<file path=ppt/slides/slide23.xml><?xml version="1.0" encoding="utf-8"?>
 <p:sld xmlns:a="http://schemas.openxmlformats.org/drawingml/2006/main" xmlns:r="http://schemas.openxmlformats.org/officeDocument/2006/relationships" xmlns:p="http://schemas.openxmlformats.org/presentationml/2006/main">
   <p:cSld>
     <p:spTree>
@@ -29238,7 +30534,7 @@
 </p:sld>
 </file>
 
-<file path=ppt/slides/slide23.xml><?xml version="1.0" encoding="utf-8"?>
+<file path=ppt/slides/slide24.xml><?xml version="1.0" encoding="utf-8"?>
 <p:sld xmlns:a="http://schemas.openxmlformats.org/drawingml/2006/main" xmlns:r="http://schemas.openxmlformats.org/officeDocument/2006/relationships" xmlns:p="http://schemas.openxmlformats.org/presentationml/2006/main">
   <p:cSld>
     <p:spTree>
@@ -30699,7 +31995,7 @@
 </p:sld>
 </file>
 
-<file path=ppt/slides/slide24.xml><?xml version="1.0" encoding="utf-8"?>
+<file path=ppt/slides/slide25.xml><?xml version="1.0" encoding="utf-8"?>
 <p:sld xmlns:a="http://schemas.openxmlformats.org/drawingml/2006/main" xmlns:r="http://schemas.openxmlformats.org/officeDocument/2006/relationships" xmlns:p="http://schemas.openxmlformats.org/presentationml/2006/main">
   <p:cSld>
     <p:spTree>
@@ -32545,7 +33841,7 @@
 </p:sld>
 </file>
 
-<file path=ppt/slides/slide25.xml><?xml version="1.0" encoding="utf-8"?>
+<file path=ppt/slides/slide26.xml><?xml version="1.0" encoding="utf-8"?>
 <p:sld xmlns:a="http://schemas.openxmlformats.org/drawingml/2006/main" xmlns:r="http://schemas.openxmlformats.org/officeDocument/2006/relationships" xmlns:p="http://schemas.openxmlformats.org/presentationml/2006/main">
   <p:cSld>
     <p:spTree>
@@ -34562,7 +35858,7 @@
 </p:sld>
 </file>
 
-<file path=ppt/slides/slide26.xml><?xml version="1.0" encoding="utf-8"?>
+<file path=ppt/slides/slide27.xml><?xml version="1.0" encoding="utf-8"?>
 <p:sld xmlns:a="http://schemas.openxmlformats.org/drawingml/2006/main" xmlns:r="http://schemas.openxmlformats.org/officeDocument/2006/relationships" xmlns:p="http://schemas.openxmlformats.org/presentationml/2006/main">
   <p:cSld>
     <p:spTree>
